--- a/Accelerated_Database_Recovery/JD_Accelerated_Database_Recovery.pptx
+++ b/Accelerated_Database_Recovery/JD_Accelerated_Database_Recovery.pptx
@@ -15,13 +15,13 @@
     <p:sldId id="365" r:id="rId6"/>
     <p:sldId id="363" r:id="rId7"/>
     <p:sldId id="414" r:id="rId8"/>
-    <p:sldId id="11113" r:id="rId9"/>
-    <p:sldId id="398" r:id="rId10"/>
-    <p:sldId id="1695" r:id="rId11"/>
-    <p:sldId id="1696" r:id="rId12"/>
-    <p:sldId id="1697" r:id="rId13"/>
-    <p:sldId id="370" r:id="rId14"/>
-    <p:sldId id="368" r:id="rId15"/>
+    <p:sldId id="398" r:id="rId9"/>
+    <p:sldId id="1695" r:id="rId10"/>
+    <p:sldId id="1696" r:id="rId11"/>
+    <p:sldId id="1697" r:id="rId12"/>
+    <p:sldId id="370" r:id="rId13"/>
+    <p:sldId id="368" r:id="rId14"/>
+    <p:sldId id="11113" r:id="rId15"/>
     <p:sldId id="530" r:id="rId16"/>
   </p:sldIdLst>
   <p:sldSz cx="12192000" cy="6858000"/>
@@ -137,13 +137,13 @@
             <p14:sldId id="365"/>
             <p14:sldId id="363"/>
             <p14:sldId id="414"/>
-            <p14:sldId id="11113"/>
             <p14:sldId id="398"/>
             <p14:sldId id="1695"/>
             <p14:sldId id="1696"/>
             <p14:sldId id="1697"/>
             <p14:sldId id="370"/>
             <p14:sldId id="368"/>
+            <p14:sldId id="11113"/>
             <p14:sldId id="530"/>
           </p14:sldIdLst>
         </p14:section>
@@ -3861,6 +3861,788 @@
     <dgm:fillClrLst meth="repeat">
       <a:schemeClr val="accent1">
         <a:tint val="60000"/>
+      </a:schemeClr>
+    </dgm:fillClrLst>
+    <dgm:linClrLst meth="repeat">
+      <a:schemeClr val="lt1"/>
+    </dgm:linClrLst>
+    <dgm:effectClrLst/>
+    <dgm:txLinClrLst/>
+    <dgm:txFillClrLst meth="repeat">
+      <a:schemeClr val="dk1"/>
+    </dgm:txFillClrLst>
+    <dgm:txEffectClrLst/>
+  </dgm:styleLbl>
+  <dgm:styleLbl name="revTx">
+    <dgm:fillClrLst meth="repeat">
+      <a:schemeClr val="lt1">
+        <a:alpha val="0"/>
+      </a:schemeClr>
+    </dgm:fillClrLst>
+    <dgm:linClrLst meth="repeat">
+      <a:schemeClr val="dk1">
+        <a:alpha val="0"/>
+      </a:schemeClr>
+    </dgm:linClrLst>
+    <dgm:effectClrLst/>
+    <dgm:txLinClrLst/>
+    <dgm:txFillClrLst meth="repeat">
+      <a:schemeClr val="tx1"/>
+    </dgm:txFillClrLst>
+    <dgm:txEffectClrLst/>
+  </dgm:styleLbl>
+</dgm:colorsDef>
+</file>
+
+<file path=ppt/diagrams/colors6.xml><?xml version="1.0" encoding="utf-8"?>
+<dgm:colorsDef xmlns:dgm="http://schemas.openxmlformats.org/drawingml/2006/diagram" xmlns:a="http://schemas.openxmlformats.org/drawingml/2006/main" uniqueId="urn:microsoft.com/office/officeart/2005/8/colors/colorful4">
+  <dgm:title val=""/>
+  <dgm:desc val=""/>
+  <dgm:catLst>
+    <dgm:cat type="colorful" pri="10400"/>
+  </dgm:catLst>
+  <dgm:styleLbl name="node0">
+    <dgm:fillClrLst meth="repeat">
+      <a:schemeClr val="accent3"/>
+    </dgm:fillClrLst>
+    <dgm:linClrLst meth="repeat">
+      <a:schemeClr val="lt1"/>
+    </dgm:linClrLst>
+    <dgm:effectClrLst/>
+    <dgm:txLinClrLst/>
+    <dgm:txFillClrLst/>
+    <dgm:txEffectClrLst/>
+  </dgm:styleLbl>
+  <dgm:styleLbl name="node1">
+    <dgm:fillClrLst>
+      <a:schemeClr val="accent4"/>
+      <a:schemeClr val="accent5"/>
+    </dgm:fillClrLst>
+    <dgm:linClrLst meth="repeat">
+      <a:schemeClr val="lt1"/>
+    </dgm:linClrLst>
+    <dgm:effectClrLst/>
+    <dgm:txLinClrLst/>
+    <dgm:txFillClrLst/>
+    <dgm:txEffectClrLst/>
+  </dgm:styleLbl>
+  <dgm:styleLbl name="alignNode1">
+    <dgm:fillClrLst>
+      <a:schemeClr val="accent4"/>
+      <a:schemeClr val="accent5"/>
+    </dgm:fillClrLst>
+    <dgm:linClrLst>
+      <a:schemeClr val="accent4"/>
+      <a:schemeClr val="accent5"/>
+    </dgm:linClrLst>
+    <dgm:effectClrLst/>
+    <dgm:txLinClrLst/>
+    <dgm:txFillClrLst/>
+    <dgm:txEffectClrLst/>
+  </dgm:styleLbl>
+  <dgm:styleLbl name="lnNode1">
+    <dgm:fillClrLst>
+      <a:schemeClr val="accent4"/>
+      <a:schemeClr val="accent5"/>
+    </dgm:fillClrLst>
+    <dgm:linClrLst meth="repeat">
+      <a:schemeClr val="lt1"/>
+    </dgm:linClrLst>
+    <dgm:effectClrLst/>
+    <dgm:txLinClrLst/>
+    <dgm:txFillClrLst/>
+    <dgm:txEffectClrLst/>
+  </dgm:styleLbl>
+  <dgm:styleLbl name="vennNode1">
+    <dgm:fillClrLst>
+      <a:schemeClr val="accent4">
+        <a:alpha val="50000"/>
+      </a:schemeClr>
+      <a:schemeClr val="accent5">
+        <a:alpha val="50000"/>
+      </a:schemeClr>
+    </dgm:fillClrLst>
+    <dgm:linClrLst meth="repeat">
+      <a:schemeClr val="lt1"/>
+    </dgm:linClrLst>
+    <dgm:effectClrLst/>
+    <dgm:txLinClrLst/>
+    <dgm:txFillClrLst/>
+    <dgm:txEffectClrLst/>
+  </dgm:styleLbl>
+  <dgm:styleLbl name="node2">
+    <dgm:fillClrLst>
+      <a:schemeClr val="accent5"/>
+    </dgm:fillClrLst>
+    <dgm:linClrLst meth="repeat">
+      <a:schemeClr val="lt1"/>
+    </dgm:linClrLst>
+    <dgm:effectClrLst/>
+    <dgm:txLinClrLst/>
+    <dgm:txFillClrLst/>
+    <dgm:txEffectClrLst/>
+  </dgm:styleLbl>
+  <dgm:styleLbl name="node3">
+    <dgm:fillClrLst>
+      <a:schemeClr val="accent6"/>
+    </dgm:fillClrLst>
+    <dgm:linClrLst meth="repeat">
+      <a:schemeClr val="lt1"/>
+    </dgm:linClrLst>
+    <dgm:effectClrLst/>
+    <dgm:txLinClrLst/>
+    <dgm:txFillClrLst/>
+    <dgm:txEffectClrLst/>
+  </dgm:styleLbl>
+  <dgm:styleLbl name="node4">
+    <dgm:fillClrLst>
+      <a:schemeClr val="accent1"/>
+    </dgm:fillClrLst>
+    <dgm:linClrLst meth="repeat">
+      <a:schemeClr val="lt1"/>
+    </dgm:linClrLst>
+    <dgm:effectClrLst/>
+    <dgm:txLinClrLst/>
+    <dgm:txFillClrLst/>
+    <dgm:txEffectClrLst/>
+  </dgm:styleLbl>
+  <dgm:styleLbl name="fgImgPlace1">
+    <dgm:fillClrLst>
+      <a:schemeClr val="accent4">
+        <a:tint val="50000"/>
+      </a:schemeClr>
+      <a:schemeClr val="accent5">
+        <a:tint val="50000"/>
+      </a:schemeClr>
+    </dgm:fillClrLst>
+    <dgm:linClrLst meth="repeat">
+      <a:schemeClr val="lt1"/>
+    </dgm:linClrLst>
+    <dgm:effectClrLst/>
+    <dgm:txLinClrLst/>
+    <dgm:txFillClrLst meth="repeat">
+      <a:schemeClr val="lt1"/>
+    </dgm:txFillClrLst>
+    <dgm:txEffectClrLst/>
+  </dgm:styleLbl>
+  <dgm:styleLbl name="alignImgPlace1">
+    <dgm:fillClrLst>
+      <a:schemeClr val="accent4">
+        <a:tint val="50000"/>
+      </a:schemeClr>
+      <a:schemeClr val="accent5">
+        <a:tint val="20000"/>
+      </a:schemeClr>
+    </dgm:fillClrLst>
+    <dgm:linClrLst meth="repeat">
+      <a:schemeClr val="lt1"/>
+    </dgm:linClrLst>
+    <dgm:effectClrLst/>
+    <dgm:txLinClrLst/>
+    <dgm:txFillClrLst meth="repeat">
+      <a:schemeClr val="lt1"/>
+    </dgm:txFillClrLst>
+    <dgm:txEffectClrLst/>
+  </dgm:styleLbl>
+  <dgm:styleLbl name="bgImgPlace1">
+    <dgm:fillClrLst>
+      <a:schemeClr val="accent4">
+        <a:tint val="50000"/>
+      </a:schemeClr>
+      <a:schemeClr val="accent5">
+        <a:tint val="20000"/>
+      </a:schemeClr>
+    </dgm:fillClrLst>
+    <dgm:linClrLst meth="repeat">
+      <a:schemeClr val="lt1"/>
+    </dgm:linClrLst>
+    <dgm:effectClrLst/>
+    <dgm:txLinClrLst/>
+    <dgm:txFillClrLst meth="repeat">
+      <a:schemeClr val="lt1"/>
+    </dgm:txFillClrLst>
+    <dgm:txEffectClrLst/>
+  </dgm:styleLbl>
+  <dgm:styleLbl name="sibTrans2D1">
+    <dgm:fillClrLst>
+      <a:schemeClr val="accent4"/>
+      <a:schemeClr val="accent5"/>
+    </dgm:fillClrLst>
+    <dgm:linClrLst meth="repeat">
+      <a:schemeClr val="lt1"/>
+    </dgm:linClrLst>
+    <dgm:effectClrLst/>
+    <dgm:txLinClrLst/>
+    <dgm:txFillClrLst/>
+    <dgm:txEffectClrLst/>
+  </dgm:styleLbl>
+  <dgm:styleLbl name="fgSibTrans2D1">
+    <dgm:fillClrLst>
+      <a:schemeClr val="accent4"/>
+      <a:schemeClr val="accent5"/>
+    </dgm:fillClrLst>
+    <dgm:linClrLst meth="repeat">
+      <a:schemeClr val="lt1"/>
+    </dgm:linClrLst>
+    <dgm:effectClrLst/>
+    <dgm:txLinClrLst/>
+    <dgm:txFillClrLst meth="repeat">
+      <a:schemeClr val="lt1"/>
+    </dgm:txFillClrLst>
+    <dgm:txEffectClrLst/>
+  </dgm:styleLbl>
+  <dgm:styleLbl name="bgSibTrans2D1">
+    <dgm:fillClrLst>
+      <a:schemeClr val="accent4"/>
+      <a:schemeClr val="accent5"/>
+    </dgm:fillClrLst>
+    <dgm:linClrLst meth="repeat">
+      <a:schemeClr val="lt1"/>
+    </dgm:linClrLst>
+    <dgm:effectClrLst/>
+    <dgm:txLinClrLst/>
+    <dgm:txFillClrLst meth="repeat">
+      <a:schemeClr val="lt1"/>
+    </dgm:txFillClrLst>
+    <dgm:txEffectClrLst/>
+  </dgm:styleLbl>
+  <dgm:styleLbl name="sibTrans1D1">
+    <dgm:fillClrLst/>
+    <dgm:linClrLst>
+      <a:schemeClr val="accent4"/>
+      <a:schemeClr val="accent5"/>
+    </dgm:linClrLst>
+    <dgm:effectClrLst/>
+    <dgm:txLinClrLst/>
+    <dgm:txFillClrLst meth="repeat">
+      <a:schemeClr val="tx1"/>
+    </dgm:txFillClrLst>
+    <dgm:txEffectClrLst/>
+  </dgm:styleLbl>
+  <dgm:styleLbl name="callout">
+    <dgm:fillClrLst meth="repeat">
+      <a:schemeClr val="accent4"/>
+    </dgm:fillClrLst>
+    <dgm:linClrLst meth="repeat">
+      <a:schemeClr val="accent4">
+        <a:tint val="50000"/>
+      </a:schemeClr>
+    </dgm:linClrLst>
+    <dgm:effectClrLst/>
+    <dgm:txLinClrLst/>
+    <dgm:txFillClrLst meth="repeat">
+      <a:schemeClr val="tx1"/>
+    </dgm:txFillClrLst>
+    <dgm:txEffectClrLst/>
+  </dgm:styleLbl>
+  <dgm:styleLbl name="asst0">
+    <dgm:fillClrLst meth="repeat">
+      <a:schemeClr val="accent4"/>
+    </dgm:fillClrLst>
+    <dgm:linClrLst meth="repeat">
+      <a:schemeClr val="lt1">
+        <a:shade val="80000"/>
+      </a:schemeClr>
+    </dgm:linClrLst>
+    <dgm:effectClrLst/>
+    <dgm:txLinClrLst/>
+    <dgm:txFillClrLst/>
+    <dgm:txEffectClrLst/>
+  </dgm:styleLbl>
+  <dgm:styleLbl name="asst1">
+    <dgm:fillClrLst meth="repeat">
+      <a:schemeClr val="accent5"/>
+    </dgm:fillClrLst>
+    <dgm:linClrLst meth="repeat">
+      <a:schemeClr val="lt1">
+        <a:shade val="80000"/>
+      </a:schemeClr>
+    </dgm:linClrLst>
+    <dgm:effectClrLst/>
+    <dgm:txLinClrLst/>
+    <dgm:txFillClrLst/>
+    <dgm:txEffectClrLst/>
+  </dgm:styleLbl>
+  <dgm:styleLbl name="asst2">
+    <dgm:fillClrLst>
+      <a:schemeClr val="accent6"/>
+    </dgm:fillClrLst>
+    <dgm:linClrLst meth="repeat">
+      <a:schemeClr val="lt1"/>
+    </dgm:linClrLst>
+    <dgm:effectClrLst/>
+    <dgm:txLinClrLst/>
+    <dgm:txFillClrLst/>
+    <dgm:txEffectClrLst/>
+  </dgm:styleLbl>
+  <dgm:styleLbl name="asst3">
+    <dgm:fillClrLst>
+      <a:schemeClr val="accent1"/>
+    </dgm:fillClrLst>
+    <dgm:linClrLst meth="repeat">
+      <a:schemeClr val="lt1"/>
+    </dgm:linClrLst>
+    <dgm:effectClrLst/>
+    <dgm:txLinClrLst/>
+    <dgm:txFillClrLst/>
+    <dgm:txEffectClrLst/>
+  </dgm:styleLbl>
+  <dgm:styleLbl name="asst4">
+    <dgm:fillClrLst>
+      <a:schemeClr val="accent2"/>
+    </dgm:fillClrLst>
+    <dgm:linClrLst meth="repeat">
+      <a:schemeClr val="lt1"/>
+    </dgm:linClrLst>
+    <dgm:effectClrLst/>
+    <dgm:txLinClrLst/>
+    <dgm:txFillClrLst/>
+    <dgm:txEffectClrLst/>
+  </dgm:styleLbl>
+  <dgm:styleLbl name="parChTrans2D1">
+    <dgm:fillClrLst meth="repeat">
+      <a:schemeClr val="accent4"/>
+    </dgm:fillClrLst>
+    <dgm:linClrLst meth="repeat">
+      <a:schemeClr val="lt1"/>
+    </dgm:linClrLst>
+    <dgm:effectClrLst/>
+    <dgm:txLinClrLst/>
+    <dgm:txFillClrLst meth="repeat">
+      <a:schemeClr val="lt1"/>
+    </dgm:txFillClrLst>
+    <dgm:txEffectClrLst/>
+  </dgm:styleLbl>
+  <dgm:styleLbl name="parChTrans2D2">
+    <dgm:fillClrLst meth="repeat">
+      <a:schemeClr val="accent5"/>
+    </dgm:fillClrLst>
+    <dgm:linClrLst meth="repeat">
+      <a:schemeClr val="lt1"/>
+    </dgm:linClrLst>
+    <dgm:effectClrLst/>
+    <dgm:txLinClrLst/>
+    <dgm:txFillClrLst/>
+    <dgm:txEffectClrLst/>
+  </dgm:styleLbl>
+  <dgm:styleLbl name="parChTrans2D3">
+    <dgm:fillClrLst meth="repeat">
+      <a:schemeClr val="accent5"/>
+    </dgm:fillClrLst>
+    <dgm:linClrLst meth="repeat">
+      <a:schemeClr val="lt1"/>
+    </dgm:linClrLst>
+    <dgm:effectClrLst/>
+    <dgm:txLinClrLst/>
+    <dgm:txFillClrLst/>
+    <dgm:txEffectClrLst/>
+  </dgm:styleLbl>
+  <dgm:styleLbl name="parChTrans2D4">
+    <dgm:fillClrLst meth="repeat">
+      <a:schemeClr val="accent6"/>
+    </dgm:fillClrLst>
+    <dgm:linClrLst meth="repeat">
+      <a:schemeClr val="lt1"/>
+    </dgm:linClrLst>
+    <dgm:effectClrLst/>
+    <dgm:txLinClrLst/>
+    <dgm:txFillClrLst meth="repeat">
+      <a:schemeClr val="lt1"/>
+    </dgm:txFillClrLst>
+    <dgm:txEffectClrLst/>
+  </dgm:styleLbl>
+  <dgm:styleLbl name="parChTrans1D1">
+    <dgm:fillClrLst meth="repeat">
+      <a:schemeClr val="accent4"/>
+    </dgm:fillClrLst>
+    <dgm:linClrLst meth="repeat">
+      <a:schemeClr val="accent4"/>
+    </dgm:linClrLst>
+    <dgm:effectClrLst/>
+    <dgm:txLinClrLst/>
+    <dgm:txFillClrLst meth="repeat">
+      <a:schemeClr val="tx1"/>
+    </dgm:txFillClrLst>
+    <dgm:txEffectClrLst/>
+  </dgm:styleLbl>
+  <dgm:styleLbl name="parChTrans1D2">
+    <dgm:fillClrLst meth="repeat">
+      <a:schemeClr val="accent4">
+        <a:tint val="90000"/>
+      </a:schemeClr>
+    </dgm:fillClrLst>
+    <dgm:linClrLst meth="repeat">
+      <a:schemeClr val="accent5"/>
+    </dgm:linClrLst>
+    <dgm:effectClrLst/>
+    <dgm:txLinClrLst/>
+    <dgm:txFillClrLst meth="repeat">
+      <a:schemeClr val="tx1"/>
+    </dgm:txFillClrLst>
+    <dgm:txEffectClrLst/>
+  </dgm:styleLbl>
+  <dgm:styleLbl name="parChTrans1D3">
+    <dgm:fillClrLst meth="repeat">
+      <a:schemeClr val="accent4">
+        <a:tint val="70000"/>
+      </a:schemeClr>
+    </dgm:fillClrLst>
+    <dgm:linClrLst meth="repeat">
+      <a:schemeClr val="accent6"/>
+    </dgm:linClrLst>
+    <dgm:effectClrLst/>
+    <dgm:txLinClrLst/>
+    <dgm:txFillClrLst meth="repeat">
+      <a:schemeClr val="tx1"/>
+    </dgm:txFillClrLst>
+    <dgm:txEffectClrLst/>
+  </dgm:styleLbl>
+  <dgm:styleLbl name="parChTrans1D4">
+    <dgm:fillClrLst meth="repeat">
+      <a:schemeClr val="accent4">
+        <a:tint val="50000"/>
+      </a:schemeClr>
+    </dgm:fillClrLst>
+    <dgm:linClrLst meth="repeat">
+      <a:schemeClr val="accent1"/>
+    </dgm:linClrLst>
+    <dgm:effectClrLst/>
+    <dgm:txLinClrLst/>
+    <dgm:txFillClrLst meth="repeat">
+      <a:schemeClr val="tx1"/>
+    </dgm:txFillClrLst>
+    <dgm:txEffectClrLst/>
+  </dgm:styleLbl>
+  <dgm:styleLbl name="fgAcc1">
+    <dgm:fillClrLst meth="repeat">
+      <a:schemeClr val="lt1">
+        <a:alpha val="90000"/>
+      </a:schemeClr>
+    </dgm:fillClrLst>
+    <dgm:linClrLst>
+      <a:schemeClr val="accent4"/>
+      <a:schemeClr val="accent5"/>
+    </dgm:linClrLst>
+    <dgm:effectClrLst/>
+    <dgm:txLinClrLst/>
+    <dgm:txFillClrLst meth="repeat">
+      <a:schemeClr val="dk1"/>
+    </dgm:txFillClrLst>
+    <dgm:txEffectClrLst/>
+  </dgm:styleLbl>
+  <dgm:styleLbl name="conFgAcc1">
+    <dgm:fillClrLst meth="repeat">
+      <a:schemeClr val="lt1">
+        <a:alpha val="90000"/>
+      </a:schemeClr>
+    </dgm:fillClrLst>
+    <dgm:linClrLst>
+      <a:schemeClr val="accent4"/>
+      <a:schemeClr val="accent5"/>
+    </dgm:linClrLst>
+    <dgm:effectClrLst/>
+    <dgm:txLinClrLst/>
+    <dgm:txFillClrLst meth="repeat">
+      <a:schemeClr val="dk1"/>
+    </dgm:txFillClrLst>
+    <dgm:txEffectClrLst/>
+  </dgm:styleLbl>
+  <dgm:styleLbl name="alignAcc1">
+    <dgm:fillClrLst meth="repeat">
+      <a:schemeClr val="lt1">
+        <a:alpha val="90000"/>
+      </a:schemeClr>
+    </dgm:fillClrLst>
+    <dgm:linClrLst>
+      <a:schemeClr val="accent4"/>
+      <a:schemeClr val="accent5"/>
+    </dgm:linClrLst>
+    <dgm:effectClrLst/>
+    <dgm:txLinClrLst/>
+    <dgm:txFillClrLst meth="repeat">
+      <a:schemeClr val="dk1"/>
+    </dgm:txFillClrLst>
+    <dgm:txEffectClrLst/>
+  </dgm:styleLbl>
+  <dgm:styleLbl name="trAlignAcc1">
+    <dgm:fillClrLst meth="repeat">
+      <a:schemeClr val="lt1">
+        <a:alpha val="40000"/>
+      </a:schemeClr>
+    </dgm:fillClrLst>
+    <dgm:linClrLst meth="repeat">
+      <a:schemeClr val="accent4"/>
+    </dgm:linClrLst>
+    <dgm:effectClrLst/>
+    <dgm:txLinClrLst/>
+    <dgm:txFillClrLst meth="repeat">
+      <a:schemeClr val="dk1"/>
+    </dgm:txFillClrLst>
+    <dgm:txEffectClrLst/>
+  </dgm:styleLbl>
+  <dgm:styleLbl name="bgAcc1">
+    <dgm:fillClrLst meth="repeat">
+      <a:schemeClr val="lt1">
+        <a:alpha val="90000"/>
+      </a:schemeClr>
+    </dgm:fillClrLst>
+    <dgm:linClrLst>
+      <a:schemeClr val="accent4"/>
+      <a:schemeClr val="accent5"/>
+    </dgm:linClrLst>
+    <dgm:effectClrLst/>
+    <dgm:txLinClrLst/>
+    <dgm:txFillClrLst meth="repeat">
+      <a:schemeClr val="dk1"/>
+    </dgm:txFillClrLst>
+    <dgm:txEffectClrLst/>
+  </dgm:styleLbl>
+  <dgm:styleLbl name="solidFgAcc1">
+    <dgm:fillClrLst meth="repeat">
+      <a:schemeClr val="lt1"/>
+    </dgm:fillClrLst>
+    <dgm:linClrLst>
+      <a:schemeClr val="accent4"/>
+      <a:schemeClr val="accent5"/>
+    </dgm:linClrLst>
+    <dgm:effectClrLst/>
+    <dgm:txLinClrLst/>
+    <dgm:txFillClrLst meth="repeat">
+      <a:schemeClr val="dk1"/>
+    </dgm:txFillClrLst>
+    <dgm:txEffectClrLst/>
+  </dgm:styleLbl>
+  <dgm:styleLbl name="solidAlignAcc1">
+    <dgm:fillClrLst meth="repeat">
+      <a:schemeClr val="lt1"/>
+    </dgm:fillClrLst>
+    <dgm:linClrLst>
+      <a:schemeClr val="accent4"/>
+      <a:schemeClr val="accent5"/>
+    </dgm:linClrLst>
+    <dgm:effectClrLst/>
+    <dgm:txLinClrLst/>
+    <dgm:txFillClrLst meth="repeat">
+      <a:schemeClr val="dk1"/>
+    </dgm:txFillClrLst>
+    <dgm:txEffectClrLst/>
+  </dgm:styleLbl>
+  <dgm:styleLbl name="solidBgAcc1">
+    <dgm:fillClrLst meth="repeat">
+      <a:schemeClr val="lt1"/>
+    </dgm:fillClrLst>
+    <dgm:linClrLst>
+      <a:schemeClr val="accent4"/>
+      <a:schemeClr val="accent5"/>
+    </dgm:linClrLst>
+    <dgm:effectClrLst/>
+    <dgm:txLinClrLst/>
+    <dgm:txFillClrLst meth="repeat">
+      <a:schemeClr val="dk1"/>
+    </dgm:txFillClrLst>
+    <dgm:txEffectClrLst/>
+  </dgm:styleLbl>
+  <dgm:styleLbl name="fgAccFollowNode1">
+    <dgm:fillClrLst>
+      <a:schemeClr val="accent4">
+        <a:tint val="40000"/>
+        <a:alpha val="90000"/>
+      </a:schemeClr>
+      <a:schemeClr val="accent5">
+        <a:tint val="40000"/>
+        <a:alpha val="90000"/>
+      </a:schemeClr>
+    </dgm:fillClrLst>
+    <dgm:linClrLst>
+      <a:schemeClr val="accent4">
+        <a:tint val="40000"/>
+        <a:alpha val="90000"/>
+      </a:schemeClr>
+      <a:schemeClr val="accent5">
+        <a:tint val="40000"/>
+        <a:alpha val="90000"/>
+      </a:schemeClr>
+    </dgm:linClrLst>
+    <dgm:effectClrLst/>
+    <dgm:txLinClrLst/>
+    <dgm:txFillClrLst meth="repeat">
+      <a:schemeClr val="dk1"/>
+    </dgm:txFillClrLst>
+    <dgm:txEffectClrLst/>
+  </dgm:styleLbl>
+  <dgm:styleLbl name="alignAccFollowNode1">
+    <dgm:fillClrLst>
+      <a:schemeClr val="accent4">
+        <a:tint val="40000"/>
+        <a:alpha val="90000"/>
+      </a:schemeClr>
+      <a:schemeClr val="accent5">
+        <a:tint val="40000"/>
+        <a:alpha val="90000"/>
+      </a:schemeClr>
+    </dgm:fillClrLst>
+    <dgm:linClrLst>
+      <a:schemeClr val="accent4">
+        <a:tint val="40000"/>
+        <a:alpha val="90000"/>
+      </a:schemeClr>
+      <a:schemeClr val="accent5">
+        <a:tint val="40000"/>
+        <a:alpha val="90000"/>
+      </a:schemeClr>
+    </dgm:linClrLst>
+    <dgm:effectClrLst/>
+    <dgm:txLinClrLst/>
+    <dgm:txFillClrLst meth="repeat">
+      <a:schemeClr val="dk1"/>
+    </dgm:txFillClrLst>
+    <dgm:txEffectClrLst/>
+  </dgm:styleLbl>
+  <dgm:styleLbl name="bgAccFollowNode1">
+    <dgm:fillClrLst>
+      <a:schemeClr val="accent4">
+        <a:tint val="40000"/>
+        <a:alpha val="90000"/>
+      </a:schemeClr>
+      <a:schemeClr val="accent5">
+        <a:tint val="40000"/>
+        <a:alpha val="90000"/>
+      </a:schemeClr>
+    </dgm:fillClrLst>
+    <dgm:linClrLst>
+      <a:schemeClr val="accent4">
+        <a:tint val="40000"/>
+        <a:alpha val="90000"/>
+      </a:schemeClr>
+      <a:schemeClr val="accent5">
+        <a:tint val="40000"/>
+        <a:alpha val="90000"/>
+      </a:schemeClr>
+    </dgm:linClrLst>
+    <dgm:effectClrLst/>
+    <dgm:txLinClrLst/>
+    <dgm:txFillClrLst meth="repeat">
+      <a:schemeClr val="dk1"/>
+    </dgm:txFillClrLst>
+    <dgm:txEffectClrLst/>
+  </dgm:styleLbl>
+  <dgm:styleLbl name="fgAcc0">
+    <dgm:fillClrLst meth="repeat">
+      <a:schemeClr val="lt1">
+        <a:alpha val="90000"/>
+      </a:schemeClr>
+    </dgm:fillClrLst>
+    <dgm:linClrLst>
+      <a:schemeClr val="accent3"/>
+    </dgm:linClrLst>
+    <dgm:effectClrLst/>
+    <dgm:txLinClrLst/>
+    <dgm:txFillClrLst meth="repeat">
+      <a:schemeClr val="dk1"/>
+    </dgm:txFillClrLst>
+    <dgm:txEffectClrLst/>
+  </dgm:styleLbl>
+  <dgm:styleLbl name="fgAcc2">
+    <dgm:fillClrLst meth="repeat">
+      <a:schemeClr val="lt1">
+        <a:alpha val="90000"/>
+      </a:schemeClr>
+    </dgm:fillClrLst>
+    <dgm:linClrLst>
+      <a:schemeClr val="accent5"/>
+    </dgm:linClrLst>
+    <dgm:effectClrLst/>
+    <dgm:txLinClrLst/>
+    <dgm:txFillClrLst meth="repeat">
+      <a:schemeClr val="dk1"/>
+    </dgm:txFillClrLst>
+    <dgm:txEffectClrLst/>
+  </dgm:styleLbl>
+  <dgm:styleLbl name="fgAcc3">
+    <dgm:fillClrLst meth="repeat">
+      <a:schemeClr val="lt1">
+        <a:alpha val="90000"/>
+      </a:schemeClr>
+    </dgm:fillClrLst>
+    <dgm:linClrLst>
+      <a:schemeClr val="accent6"/>
+    </dgm:linClrLst>
+    <dgm:effectClrLst/>
+    <dgm:txLinClrLst/>
+    <dgm:txFillClrLst meth="repeat">
+      <a:schemeClr val="dk1"/>
+    </dgm:txFillClrLst>
+    <dgm:txEffectClrLst/>
+  </dgm:styleLbl>
+  <dgm:styleLbl name="fgAcc4">
+    <dgm:fillClrLst meth="repeat">
+      <a:schemeClr val="lt1">
+        <a:alpha val="90000"/>
+      </a:schemeClr>
+    </dgm:fillClrLst>
+    <dgm:linClrLst>
+      <a:schemeClr val="accent1"/>
+    </dgm:linClrLst>
+    <dgm:effectClrLst/>
+    <dgm:txLinClrLst/>
+    <dgm:txFillClrLst meth="repeat">
+      <a:schemeClr val="dk1"/>
+    </dgm:txFillClrLst>
+    <dgm:txEffectClrLst/>
+  </dgm:styleLbl>
+  <dgm:styleLbl name="bgShp">
+    <dgm:fillClrLst meth="repeat">
+      <a:schemeClr val="accent4">
+        <a:tint val="40000"/>
+      </a:schemeClr>
+    </dgm:fillClrLst>
+    <dgm:linClrLst meth="repeat">
+      <a:schemeClr val="dk1"/>
+    </dgm:linClrLst>
+    <dgm:effectClrLst/>
+    <dgm:txLinClrLst/>
+    <dgm:txFillClrLst meth="repeat">
+      <a:schemeClr val="dk1"/>
+    </dgm:txFillClrLst>
+    <dgm:txEffectClrLst/>
+  </dgm:styleLbl>
+  <dgm:styleLbl name="dkBgShp">
+    <dgm:fillClrLst meth="repeat">
+      <a:schemeClr val="accent4">
+        <a:shade val="90000"/>
+      </a:schemeClr>
+    </dgm:fillClrLst>
+    <dgm:linClrLst meth="repeat">
+      <a:schemeClr val="dk1"/>
+    </dgm:linClrLst>
+    <dgm:effectClrLst/>
+    <dgm:txLinClrLst/>
+    <dgm:txFillClrLst meth="repeat">
+      <a:schemeClr val="lt1"/>
+    </dgm:txFillClrLst>
+    <dgm:txEffectClrLst/>
+  </dgm:styleLbl>
+  <dgm:styleLbl name="trBgShp">
+    <dgm:fillClrLst meth="repeat">
+      <a:schemeClr val="accent4">
+        <a:tint val="50000"/>
+        <a:alpha val="40000"/>
+      </a:schemeClr>
+    </dgm:fillClrLst>
+    <dgm:linClrLst meth="repeat">
+      <a:schemeClr val="accent4"/>
+    </dgm:linClrLst>
+    <dgm:effectClrLst/>
+    <dgm:txLinClrLst/>
+    <dgm:txFillClrLst meth="repeat">
+      <a:schemeClr val="lt1"/>
+    </dgm:txFillClrLst>
+    <dgm:txEffectClrLst/>
+  </dgm:styleLbl>
+  <dgm:styleLbl name="fgShp">
+    <dgm:fillClrLst meth="repeat">
+      <a:schemeClr val="accent4">
+        <a:tint val="40000"/>
       </a:schemeClr>
     </dgm:fillClrLst>
     <dgm:linClrLst meth="repeat">
@@ -4153,6 +4935,46 @@
         </a:p>
       </dgm:t>
     </dgm:pt>
+    <dgm:pt modelId="{B22F8FA8-F338-44D2-9FAB-CDC7841CB7E3}">
+      <dgm:prSet phldrT="[Text]" custT="1"/>
+      <dgm:spPr/>
+      <dgm:t>
+        <a:bodyPr/>
+        <a:lstStyle/>
+        <a:p>
+          <a:r>
+            <a:rPr lang="en-US" sz="2800" dirty="0">
+              <a:solidFill>
+                <a:schemeClr val="accent5"/>
+              </a:solidFill>
+            </a:rPr>
+            <a:t>Available in Standard Edition</a:t>
+          </a:r>
+        </a:p>
+      </dgm:t>
+    </dgm:pt>
+    <dgm:pt modelId="{1EDD8FDB-836E-4B7E-9C76-203F37DEC481}" type="parTrans" cxnId="{038B8086-815E-4432-838D-17FD73A8961E}">
+      <dgm:prSet/>
+      <dgm:spPr/>
+      <dgm:t>
+        <a:bodyPr/>
+        <a:lstStyle/>
+        <a:p>
+          <a:endParaRPr lang="en-US"/>
+        </a:p>
+      </dgm:t>
+    </dgm:pt>
+    <dgm:pt modelId="{DB08005C-4AC9-40DA-B27E-CAC9E1CEF08B}" type="sibTrans" cxnId="{038B8086-815E-4432-838D-17FD73A8961E}">
+      <dgm:prSet/>
+      <dgm:spPr/>
+      <dgm:t>
+        <a:bodyPr/>
+        <a:lstStyle/>
+        <a:p>
+          <a:endParaRPr lang="en-US"/>
+        </a:p>
+      </dgm:t>
+    </dgm:pt>
     <dgm:pt modelId="{B363BD79-46ED-4900-841C-7F6AEDE12436}" type="pres">
       <dgm:prSet presAssocID="{EA61F937-A520-4079-8EDE-3D0B9EFB6721}" presName="linear" presStyleCnt="0">
         <dgm:presLayoutVars>
@@ -4163,7 +4985,7 @@
       <dgm:spPr/>
     </dgm:pt>
     <dgm:pt modelId="{051EE32D-5955-4118-8913-2C50BF07CA36}" type="pres">
-      <dgm:prSet presAssocID="{B0F5A4F3-5D33-4357-BBB2-38A1DF48EE64}" presName="parentText" presStyleLbl="node1" presStyleIdx="0" presStyleCnt="2" custLinFactNeighborY="2348">
+      <dgm:prSet presAssocID="{B0F5A4F3-5D33-4357-BBB2-38A1DF48EE64}" presName="parentText" presStyleLbl="node1" presStyleIdx="0" presStyleCnt="2" custScaleY="115528" custLinFactNeighborY="2348">
         <dgm:presLayoutVars>
           <dgm:chMax val="0"/>
           <dgm:bulletEnabled val="1"/>
@@ -4176,7 +4998,7 @@
       <dgm:spPr/>
     </dgm:pt>
     <dgm:pt modelId="{FEA9C014-67AE-4622-A7FD-8BE3AD2E0E2A}" type="pres">
-      <dgm:prSet presAssocID="{93C69BF1-0744-4F8F-AE95-28AC6A15B8DE}" presName="parentText" presStyleLbl="node1" presStyleIdx="1" presStyleCnt="2">
+      <dgm:prSet presAssocID="{93C69BF1-0744-4F8F-AE95-28AC6A15B8DE}" presName="parentText" presStyleLbl="node1" presStyleIdx="1" presStyleCnt="2" custLinFactNeighborY="954">
         <dgm:presLayoutVars>
           <dgm:chMax val="0"/>
           <dgm:bulletEnabled val="1"/>
@@ -4185,7 +5007,7 @@
       <dgm:spPr/>
     </dgm:pt>
     <dgm:pt modelId="{65F965B6-01F8-483D-892A-0F40A006AB03}" type="pres">
-      <dgm:prSet presAssocID="{93C69BF1-0744-4F8F-AE95-28AC6A15B8DE}" presName="childText" presStyleLbl="revTx" presStyleIdx="0" presStyleCnt="1">
+      <dgm:prSet presAssocID="{93C69BF1-0744-4F8F-AE95-28AC6A15B8DE}" presName="childText" presStyleLbl="revTx" presStyleIdx="0" presStyleCnt="1" custLinFactNeighborX="335" custLinFactNeighborY="7119">
         <dgm:presLayoutVars>
           <dgm:bulletEnabled val="1"/>
         </dgm:presLayoutVars>
@@ -4195,15 +5017,17 @@
   </dgm:ptLst>
   <dgm:cxnLst>
     <dgm:cxn modelId="{E5F61C1B-EB70-490F-9774-44091F6B9EE9}" srcId="{EA61F937-A520-4079-8EDE-3D0B9EFB6721}" destId="{93C69BF1-0744-4F8F-AE95-28AC6A15B8DE}" srcOrd="1" destOrd="0" parTransId="{FC826051-81DA-43E1-B217-DFB343EFBB1A}" sibTransId="{F0896EA8-9B83-49AE-A9B3-02F3512EA5C0}"/>
-    <dgm:cxn modelId="{C0106130-3274-40B3-8D8D-78F978CEB43E}" type="presOf" srcId="{94932AB3-967F-49E8-85A1-30CFB1227698}" destId="{65F965B6-01F8-483D-892A-0F40A006AB03}" srcOrd="0" destOrd="3" presId="urn:microsoft.com/office/officeart/2005/8/layout/vList2"/>
+    <dgm:cxn modelId="{3518962B-C5E1-4CF9-A265-F5D5D956DA5C}" type="presOf" srcId="{B22F8FA8-F338-44D2-9FAB-CDC7841CB7E3}" destId="{65F965B6-01F8-483D-892A-0F40A006AB03}" srcOrd="0" destOrd="3" presId="urn:microsoft.com/office/officeart/2005/8/layout/vList2"/>
+    <dgm:cxn modelId="{C0106130-3274-40B3-8D8D-78F978CEB43E}" type="presOf" srcId="{94932AB3-967F-49E8-85A1-30CFB1227698}" destId="{65F965B6-01F8-483D-892A-0F40A006AB03}" srcOrd="0" destOrd="4" presId="urn:microsoft.com/office/officeart/2005/8/layout/vList2"/>
     <dgm:cxn modelId="{61998438-CD7C-4E8F-9F7F-521B751E2959}" srcId="{93C69BF1-0744-4F8F-AE95-28AC6A15B8DE}" destId="{BA7303A2-7DD8-4090-9F0C-BE81B83F5574}" srcOrd="1" destOrd="0" parTransId="{9833935A-0858-40A1-A5C3-EFDB74E2E8BB}" sibTransId="{7E75CBE3-6B50-4F3D-9E8B-8186885E0DED}"/>
     <dgm:cxn modelId="{33882A5D-CCC1-48E0-AD9B-5DE794F609DD}" type="presOf" srcId="{78941C23-C52B-46B3-A3EE-F8F5C9BAF49C}" destId="{65F965B6-01F8-483D-892A-0F40A006AB03}" srcOrd="0" destOrd="2" presId="urn:microsoft.com/office/officeart/2005/8/layout/vList2"/>
     <dgm:cxn modelId="{BB794B65-3C8C-4ED6-A8A1-46FD0251DEC2}" type="presOf" srcId="{EA61F937-A520-4079-8EDE-3D0B9EFB6721}" destId="{B363BD79-46ED-4900-841C-7F6AEDE12436}" srcOrd="0" destOrd="0" presId="urn:microsoft.com/office/officeart/2005/8/layout/vList2"/>
     <dgm:cxn modelId="{F8A6AD7D-930F-478E-941E-CDD3DCFA95EA}" srcId="{93C69BF1-0744-4F8F-AE95-28AC6A15B8DE}" destId="{78941C23-C52B-46B3-A3EE-F8F5C9BAF49C}" srcOrd="2" destOrd="0" parTransId="{30FFC52C-251A-42D3-8E90-568318FEE75A}" sibTransId="{A55650EE-FBCD-4C5C-A7D6-CB753B324105}"/>
+    <dgm:cxn modelId="{038B8086-815E-4432-838D-17FD73A8961E}" srcId="{93C69BF1-0744-4F8F-AE95-28AC6A15B8DE}" destId="{B22F8FA8-F338-44D2-9FAB-CDC7841CB7E3}" srcOrd="3" destOrd="0" parTransId="{1EDD8FDB-836E-4B7E-9C76-203F37DEC481}" sibTransId="{DB08005C-4AC9-40DA-B27E-CAC9E1CEF08B}"/>
     <dgm:cxn modelId="{65273290-0E49-4B88-845B-BCF0B12D5BE3}" srcId="{93C69BF1-0744-4F8F-AE95-28AC6A15B8DE}" destId="{E403518E-EDA4-4C57-A426-D95B32E52594}" srcOrd="0" destOrd="0" parTransId="{A985651C-5A39-41D3-B178-8A503F50FBD9}" sibTransId="{B6C115A8-A00C-4F47-8818-87D35376163E}"/>
     <dgm:cxn modelId="{1FA75B92-EF55-4CA7-AD5B-AC27DC754C0F}" type="presOf" srcId="{E403518E-EDA4-4C57-A426-D95B32E52594}" destId="{65F965B6-01F8-483D-892A-0F40A006AB03}" srcOrd="0" destOrd="0" presId="urn:microsoft.com/office/officeart/2005/8/layout/vList2"/>
     <dgm:cxn modelId="{839B4099-3E2E-45FD-9252-02B0627F7D00}" type="presOf" srcId="{BA7303A2-7DD8-4090-9F0C-BE81B83F5574}" destId="{65F965B6-01F8-483D-892A-0F40A006AB03}" srcOrd="0" destOrd="1" presId="urn:microsoft.com/office/officeart/2005/8/layout/vList2"/>
-    <dgm:cxn modelId="{337B73A6-305F-4758-A5D4-3166BE902D4E}" srcId="{93C69BF1-0744-4F8F-AE95-28AC6A15B8DE}" destId="{94932AB3-967F-49E8-85A1-30CFB1227698}" srcOrd="3" destOrd="0" parTransId="{AE014EA1-340F-445E-A628-8A33D8C29B88}" sibTransId="{A277FD0E-9103-44FA-A87C-EB284F9CCFD8}"/>
+    <dgm:cxn modelId="{337B73A6-305F-4758-A5D4-3166BE902D4E}" srcId="{93C69BF1-0744-4F8F-AE95-28AC6A15B8DE}" destId="{94932AB3-967F-49E8-85A1-30CFB1227698}" srcOrd="4" destOrd="0" parTransId="{AE014EA1-340F-445E-A628-8A33D8C29B88}" sibTransId="{A277FD0E-9103-44FA-A87C-EB284F9CCFD8}"/>
     <dgm:cxn modelId="{EE4F29CD-2CD3-48C6-A25B-1EBEC0833EB9}" type="presOf" srcId="{93C69BF1-0744-4F8F-AE95-28AC6A15B8DE}" destId="{FEA9C014-67AE-4622-A7FD-8BE3AD2E0E2A}" srcOrd="0" destOrd="0" presId="urn:microsoft.com/office/officeart/2005/8/layout/vList2"/>
     <dgm:cxn modelId="{879857D8-9093-40A5-969C-D684F1DCB374}" srcId="{EA61F937-A520-4079-8EDE-3D0B9EFB6721}" destId="{B0F5A4F3-5D33-4357-BBB2-38A1DF48EE64}" srcOrd="0" destOrd="0" parTransId="{88C5C4D9-1E71-45C8-8E03-6760BC05C705}" sibTransId="{2F57A9DE-A97A-4722-B358-B56D774774BF}"/>
     <dgm:cxn modelId="{2046F9EE-BD28-43F1-B1C4-40AA4163490F}" type="presOf" srcId="{B0F5A4F3-5D33-4357-BBB2-38A1DF48EE64}" destId="{051EE32D-5955-4118-8913-2C50BF07CA36}" srcOrd="0" destOrd="0" presId="urn:microsoft.com/office/officeart/2005/8/layout/vList2"/>
@@ -4409,7 +5233,7 @@
               <a:ea typeface="+mn-ea"/>
               <a:cs typeface="Segoe UI Light" panose="020B0502040204020203" pitchFamily="34" charset="0"/>
             </a:rPr>
-            <a:t>Fast UNDO, instead of rollback the active transactions (traditional recovery process) they are just marked as ABORTED.</a:t>
+            <a:t>Fast UNDO, instead of rolling back the active transactions (traditional recovery process) the row version is marked as Terminated.</a:t>
           </a:r>
         </a:p>
       </dgm:t>
@@ -4444,25 +5268,6 @@
         <a:lstStyle/>
         <a:p>
           <a:r>
-            <a:rPr lang="en-US" sz="2400">
-              <a:gradFill>
-                <a:gsLst>
-                  <a:gs pos="1250">
-                    <a:schemeClr val="tx1"/>
-                  </a:gs>
-                  <a:gs pos="100000">
-                    <a:schemeClr val="tx1"/>
-                  </a:gs>
-                </a:gsLst>
-                <a:lin ang="5400000" scaled="0"/>
-              </a:gradFill>
-              <a:latin typeface="Segoe UI Light" panose="020B0502040204020203" pitchFamily="34" charset="0"/>
-              <a:ea typeface="+mn-ea"/>
-              <a:cs typeface="Segoe UI Light" panose="020B0502040204020203" pitchFamily="34" charset="0"/>
-            </a:rPr>
-            <a:t>Persists </a:t>
-          </a:r>
-          <a:r>
             <a:rPr lang="en-US" sz="2400" dirty="0">
               <a:gradFill>
                 <a:gsLst>
@@ -4479,7 +5284,7 @@
               <a:ea typeface="+mn-ea"/>
               <a:cs typeface="Segoe UI Light" panose="020B0502040204020203" pitchFamily="34" charset="0"/>
             </a:rPr>
-            <a:t>row versions in the database itself rather than TempDB.</a:t>
+            <a:t>Persists row versions in the database itself rather than TempDB.</a:t>
           </a:r>
         </a:p>
       </dgm:t>
@@ -4635,7 +5440,7 @@
         <a:lstStyle/>
         <a:p>
           <a:r>
-            <a:rPr lang="en-US">
+            <a:rPr lang="en-US" dirty="0">
               <a:gradFill>
                 <a:gsLst>
                   <a:gs pos="1250">
@@ -4653,22 +5458,6 @@
             </a:rPr>
             <a:t>Asynchronous process that performs row-level version-based Undo;</a:t>
           </a:r>
-          <a:endParaRPr lang="en-US" dirty="0">
-            <a:gradFill>
-              <a:gsLst>
-                <a:gs pos="1250">
-                  <a:schemeClr val="tx1"/>
-                </a:gs>
-                <a:gs pos="100000">
-                  <a:schemeClr val="tx1"/>
-                </a:gs>
-              </a:gsLst>
-              <a:lin ang="5400000" scaled="0"/>
-            </a:gradFill>
-            <a:latin typeface="Segoe UI Light" panose="020B0502040204020203" pitchFamily="34" charset="0"/>
-            <a:ea typeface="+mn-ea"/>
-            <a:cs typeface="Segoe UI Light" panose="020B0502040204020203" pitchFamily="34" charset="0"/>
-          </a:endParaRPr>
         </a:p>
       </dgm:t>
     </dgm:pt>
@@ -4718,7 +5507,7 @@
               <a:ea typeface="+mn-ea"/>
               <a:cs typeface="Segoe UI Light" panose="020B0502040204020203" pitchFamily="34" charset="0"/>
             </a:rPr>
-            <a:t>Keeps track of all aborted transactions;</a:t>
+            <a:t>Keeps track of all terminated transactions;</a:t>
           </a:r>
         </a:p>
       </dgm:t>
@@ -4753,7 +5542,7 @@
         <a:lstStyle/>
         <a:p>
           <a:r>
-            <a:rPr lang="en-US">
+            <a:rPr lang="en-US" dirty="0">
               <a:gradFill>
                 <a:gsLst>
                   <a:gs pos="1250">
@@ -4769,24 +5558,8 @@
               <a:ea typeface="+mn-ea"/>
               <a:cs typeface="Segoe UI Light" panose="020B0502040204020203" pitchFamily="34" charset="0"/>
             </a:rPr>
-            <a:t>Performs rollback using PVS for all user transactions;</a:t>
+            <a:t>Performs rollback using recent committed transactions from PVS;</a:t>
           </a:r>
-          <a:endParaRPr lang="en-US" dirty="0">
-            <a:gradFill>
-              <a:gsLst>
-                <a:gs pos="1250">
-                  <a:schemeClr val="tx1"/>
-                </a:gs>
-                <a:gs pos="100000">
-                  <a:schemeClr val="tx1"/>
-                </a:gs>
-              </a:gsLst>
-              <a:lin ang="5400000" scaled="0"/>
-            </a:gradFill>
-            <a:latin typeface="Segoe UI Light" panose="020B0502040204020203" pitchFamily="34" charset="0"/>
-            <a:ea typeface="+mn-ea"/>
-            <a:cs typeface="Segoe UI Light" panose="020B0502040204020203" pitchFamily="34" charset="0"/>
-          </a:endParaRPr>
         </a:p>
       </dgm:t>
     </dgm:pt>
@@ -4836,7 +5609,7 @@
               <a:ea typeface="+mn-ea"/>
               <a:cs typeface="Segoe UI Light" panose="020B0502040204020203" pitchFamily="34" charset="0"/>
             </a:rPr>
-            <a:t>Release all locks immediately after transaction abort.</a:t>
+            <a:t>Release all locks immediately after transaction termination.</a:t>
           </a:r>
         </a:p>
       </dgm:t>
@@ -5266,7 +6039,7 @@
         <a:lstStyle/>
         <a:p>
           <a:r>
-            <a:rPr lang="en-US" sz="2800" b="1" spc="-100" dirty="0">
+            <a:rPr lang="en-US" sz="3200" b="1" spc="-100" dirty="0">
               <a:ln w="3175">
                 <a:noFill/>
               </a:ln>
@@ -5279,7 +6052,7 @@
             </a:rPr>
             <a:t>Cleaner</a:t>
           </a:r>
-          <a:endParaRPr lang="en-US" sz="2800" b="1" dirty="0">
+          <a:endParaRPr lang="en-US" sz="3200" b="1" dirty="0">
             <a:solidFill>
               <a:schemeClr val="bg1"/>
             </a:solidFill>
@@ -5310,14 +6083,14 @@
       </dgm:t>
     </dgm:pt>
     <dgm:pt modelId="{5E3590E1-1581-4264-A28C-1E67B8DD36DE}">
-      <dgm:prSet/>
+      <dgm:prSet custT="1"/>
       <dgm:spPr/>
       <dgm:t>
         <a:bodyPr/>
         <a:lstStyle/>
         <a:p>
           <a:r>
-            <a:rPr lang="en-US" dirty="0">
+            <a:rPr lang="en-US" sz="3200" dirty="0">
               <a:gradFill>
                 <a:gsLst>
                   <a:gs pos="1250">
@@ -5406,6 +6179,537 @@
 </dgm:dataModel>
 </file>
 
+<file path=ppt/diagrams/data6.xml><?xml version="1.0" encoding="utf-8"?>
+<dgm:dataModel xmlns:dgm="http://schemas.openxmlformats.org/drawingml/2006/diagram" xmlns:a="http://schemas.openxmlformats.org/drawingml/2006/main">
+  <dgm:ptLst>
+    <dgm:pt modelId="{16D94756-8093-41CC-8E01-49B3462C8AB0}" type="doc">
+      <dgm:prSet loTypeId="urn:microsoft.com/office/officeart/2005/8/layout/vList2" loCatId="list" qsTypeId="urn:microsoft.com/office/officeart/2005/8/quickstyle/simple1" qsCatId="simple" csTypeId="urn:microsoft.com/office/officeart/2005/8/colors/colorful4" csCatId="colorful"/>
+      <dgm:spPr/>
+      <dgm:t>
+        <a:bodyPr/>
+        <a:lstStyle/>
+        <a:p>
+          <a:endParaRPr lang="en-US"/>
+        </a:p>
+      </dgm:t>
+    </dgm:pt>
+    <dgm:pt modelId="{C2396C64-B672-4D29-9B54-577749E035F2}">
+      <dgm:prSet/>
+      <dgm:spPr/>
+      <dgm:t>
+        <a:bodyPr/>
+        <a:lstStyle/>
+        <a:p>
+          <a:r>
+            <a:rPr lang="en-US"/>
+            <a:t>Will my database be larger?</a:t>
+          </a:r>
+        </a:p>
+      </dgm:t>
+    </dgm:pt>
+    <dgm:pt modelId="{3D353252-A530-4289-992B-C69B2588A725}" type="parTrans" cxnId="{B53D9E0D-79A9-4189-8E4C-92E4C8CEF89B}">
+      <dgm:prSet/>
+      <dgm:spPr/>
+      <dgm:t>
+        <a:bodyPr/>
+        <a:lstStyle/>
+        <a:p>
+          <a:endParaRPr lang="en-US"/>
+        </a:p>
+      </dgm:t>
+    </dgm:pt>
+    <dgm:pt modelId="{F5ABAEBC-C29E-46D5-B1B9-31F33A909E32}" type="sibTrans" cxnId="{B53D9E0D-79A9-4189-8E4C-92E4C8CEF89B}">
+      <dgm:prSet/>
+      <dgm:spPr/>
+      <dgm:t>
+        <a:bodyPr/>
+        <a:lstStyle/>
+        <a:p>
+          <a:endParaRPr lang="en-US"/>
+        </a:p>
+      </dgm:t>
+    </dgm:pt>
+    <dgm:pt modelId="{AD4E3315-A7BF-4B1D-8D95-3E7801A724C8}">
+      <dgm:prSet/>
+      <dgm:spPr/>
+      <dgm:t>
+        <a:bodyPr/>
+        <a:lstStyle/>
+        <a:p>
+          <a:r>
+            <a:rPr lang="en-US"/>
+            <a:t>Yes. Monitor to determine difference.</a:t>
+          </a:r>
+        </a:p>
+      </dgm:t>
+    </dgm:pt>
+    <dgm:pt modelId="{D9E3232D-3274-4367-99A1-60C66F9B107D}" type="parTrans" cxnId="{354C6816-6CB2-4B11-BE6B-17AB81E9AFE6}">
+      <dgm:prSet/>
+      <dgm:spPr/>
+      <dgm:t>
+        <a:bodyPr/>
+        <a:lstStyle/>
+        <a:p>
+          <a:endParaRPr lang="en-US"/>
+        </a:p>
+      </dgm:t>
+    </dgm:pt>
+    <dgm:pt modelId="{1B5EDDFD-D9D8-414F-BB9E-28416E461D70}" type="sibTrans" cxnId="{354C6816-6CB2-4B11-BE6B-17AB81E9AFE6}">
+      <dgm:prSet/>
+      <dgm:spPr/>
+      <dgm:t>
+        <a:bodyPr/>
+        <a:lstStyle/>
+        <a:p>
+          <a:endParaRPr lang="en-US"/>
+        </a:p>
+      </dgm:t>
+    </dgm:pt>
+    <dgm:pt modelId="{7C2257C8-AE8B-4A83-AD48-958C12A84DE1}">
+      <dgm:prSet/>
+      <dgm:spPr/>
+      <dgm:t>
+        <a:bodyPr/>
+        <a:lstStyle/>
+        <a:p>
+          <a:r>
+            <a:rPr lang="en-US"/>
+            <a:t>Will it affect performance?</a:t>
+          </a:r>
+        </a:p>
+      </dgm:t>
+    </dgm:pt>
+    <dgm:pt modelId="{5EAB6FF5-3603-4B04-92CD-56BE62D12C48}" type="parTrans" cxnId="{D29E4CEA-3841-43F3-BB4B-F36591EE413F}">
+      <dgm:prSet/>
+      <dgm:spPr/>
+      <dgm:t>
+        <a:bodyPr/>
+        <a:lstStyle/>
+        <a:p>
+          <a:endParaRPr lang="en-US"/>
+        </a:p>
+      </dgm:t>
+    </dgm:pt>
+    <dgm:pt modelId="{38B4FAAF-3290-4134-8CFE-0C76104B6786}" type="sibTrans" cxnId="{D29E4CEA-3841-43F3-BB4B-F36591EE413F}">
+      <dgm:prSet/>
+      <dgm:spPr/>
+      <dgm:t>
+        <a:bodyPr/>
+        <a:lstStyle/>
+        <a:p>
+          <a:endParaRPr lang="en-US"/>
+        </a:p>
+      </dgm:t>
+    </dgm:pt>
+    <dgm:pt modelId="{8FDBE807-FE97-4C04-A317-585D7E1FB2D5}">
+      <dgm:prSet/>
+      <dgm:spPr/>
+      <dgm:t>
+        <a:bodyPr/>
+        <a:lstStyle/>
+        <a:p>
+          <a:r>
+            <a:rPr lang="en-US"/>
+            <a:t>It depends. Write-heavy (OLTP) workloads are most susceptible</a:t>
+          </a:r>
+        </a:p>
+      </dgm:t>
+    </dgm:pt>
+    <dgm:pt modelId="{D689833B-88F8-42D4-B482-EE20784BA5DC}" type="parTrans" cxnId="{F04AD702-E0A5-4C12-8EB7-907A1760701C}">
+      <dgm:prSet/>
+      <dgm:spPr/>
+      <dgm:t>
+        <a:bodyPr/>
+        <a:lstStyle/>
+        <a:p>
+          <a:endParaRPr lang="en-US"/>
+        </a:p>
+      </dgm:t>
+    </dgm:pt>
+    <dgm:pt modelId="{9B839C0D-1767-4BD7-B9DB-06B63CCAC859}" type="sibTrans" cxnId="{F04AD702-E0A5-4C12-8EB7-907A1760701C}">
+      <dgm:prSet/>
+      <dgm:spPr/>
+      <dgm:t>
+        <a:bodyPr/>
+        <a:lstStyle/>
+        <a:p>
+          <a:endParaRPr lang="en-US"/>
+        </a:p>
+      </dgm:t>
+    </dgm:pt>
+    <dgm:pt modelId="{98823050-25EF-42DA-B243-05887DEEE10B}">
+      <dgm:prSet/>
+      <dgm:spPr/>
+      <dgm:t>
+        <a:bodyPr/>
+        <a:lstStyle/>
+        <a:p>
+          <a:r>
+            <a:rPr lang="en-US"/>
+            <a:t>How is PVS different than the version store in TempDB?</a:t>
+          </a:r>
+        </a:p>
+      </dgm:t>
+    </dgm:pt>
+    <dgm:pt modelId="{58C2B07C-4CF2-4FF1-839E-A8EA73866D6E}" type="parTrans" cxnId="{3975759E-BE51-4815-AEF2-9E7EA820A792}">
+      <dgm:prSet/>
+      <dgm:spPr/>
+      <dgm:t>
+        <a:bodyPr/>
+        <a:lstStyle/>
+        <a:p>
+          <a:endParaRPr lang="en-US"/>
+        </a:p>
+      </dgm:t>
+    </dgm:pt>
+    <dgm:pt modelId="{C8BC1727-500A-4010-A72D-8FCE796139B9}" type="sibTrans" cxnId="{3975759E-BE51-4815-AEF2-9E7EA820A792}">
+      <dgm:prSet/>
+      <dgm:spPr/>
+      <dgm:t>
+        <a:bodyPr/>
+        <a:lstStyle/>
+        <a:p>
+          <a:endParaRPr lang="en-US"/>
+        </a:p>
+      </dgm:t>
+    </dgm:pt>
+    <dgm:pt modelId="{AA233DA4-DBBD-498F-88D5-E6050D373AD3}">
+      <dgm:prSet/>
+      <dgm:spPr/>
+      <dgm:t>
+        <a:bodyPr/>
+        <a:lstStyle/>
+        <a:p>
+          <a:r>
+            <a:rPr lang="en-US"/>
+            <a:t>PVS stores versions in the user database rather than TempDB</a:t>
+          </a:r>
+        </a:p>
+      </dgm:t>
+    </dgm:pt>
+    <dgm:pt modelId="{DE5B3192-C70F-470A-8A27-AB4F401926BC}" type="parTrans" cxnId="{1E3F307F-EA0F-42D4-BBDF-CCFF5FE54B50}">
+      <dgm:prSet/>
+      <dgm:spPr/>
+      <dgm:t>
+        <a:bodyPr/>
+        <a:lstStyle/>
+        <a:p>
+          <a:endParaRPr lang="en-US"/>
+        </a:p>
+      </dgm:t>
+    </dgm:pt>
+    <dgm:pt modelId="{8F1E6568-478D-4318-A2B5-66D04F93DEDA}" type="sibTrans" cxnId="{1E3F307F-EA0F-42D4-BBDF-CCFF5FE54B50}">
+      <dgm:prSet/>
+      <dgm:spPr/>
+      <dgm:t>
+        <a:bodyPr/>
+        <a:lstStyle/>
+        <a:p>
+          <a:endParaRPr lang="en-US"/>
+        </a:p>
+      </dgm:t>
+    </dgm:pt>
+    <dgm:pt modelId="{77A533AA-F9E2-4B11-B621-5E37D01A67AC}">
+      <dgm:prSet/>
+      <dgm:spPr/>
+      <dgm:t>
+        <a:bodyPr/>
+        <a:lstStyle/>
+        <a:p>
+          <a:r>
+            <a:rPr lang="en-US"/>
+            <a:t>If ADR is enabled, PVS is used to support SNAPSHOT and READ_COMMITTED_SNAPSHOT_ISOLATION transactions</a:t>
+          </a:r>
+        </a:p>
+      </dgm:t>
+    </dgm:pt>
+    <dgm:pt modelId="{D352EFBA-350E-4BE1-A8E7-30C4B3EF9EBA}" type="parTrans" cxnId="{ECD339F8-7180-470C-9747-5D34472504B1}">
+      <dgm:prSet/>
+      <dgm:spPr/>
+      <dgm:t>
+        <a:bodyPr/>
+        <a:lstStyle/>
+        <a:p>
+          <a:endParaRPr lang="en-US"/>
+        </a:p>
+      </dgm:t>
+    </dgm:pt>
+    <dgm:pt modelId="{C456E3D1-376D-460F-B47F-AE49D3D7F6D6}" type="sibTrans" cxnId="{ECD339F8-7180-470C-9747-5D34472504B1}">
+      <dgm:prSet/>
+      <dgm:spPr/>
+      <dgm:t>
+        <a:bodyPr/>
+        <a:lstStyle/>
+        <a:p>
+          <a:endParaRPr lang="en-US"/>
+        </a:p>
+      </dgm:t>
+    </dgm:pt>
+    <dgm:pt modelId="{45C18CC7-D876-456E-9F87-7A63C653E35A}">
+      <dgm:prSet/>
+      <dgm:spPr/>
+      <dgm:t>
+        <a:bodyPr/>
+        <a:lstStyle/>
+        <a:p>
+          <a:r>
+            <a:rPr lang="en-US"/>
+            <a:t>How does this affect Availability Groups?</a:t>
+          </a:r>
+        </a:p>
+      </dgm:t>
+    </dgm:pt>
+    <dgm:pt modelId="{146A5BB8-E1B3-4ECC-9105-138A5FA478BD}" type="parTrans" cxnId="{6E5E05D6-4FAE-4EAA-814C-C1BEC6BB0C38}">
+      <dgm:prSet/>
+      <dgm:spPr/>
+      <dgm:t>
+        <a:bodyPr/>
+        <a:lstStyle/>
+        <a:p>
+          <a:endParaRPr lang="en-US"/>
+        </a:p>
+      </dgm:t>
+    </dgm:pt>
+    <dgm:pt modelId="{F808CD27-7F46-4435-92FE-23812CB09824}" type="sibTrans" cxnId="{6E5E05D6-4FAE-4EAA-814C-C1BEC6BB0C38}">
+      <dgm:prSet/>
+      <dgm:spPr/>
+      <dgm:t>
+        <a:bodyPr/>
+        <a:lstStyle/>
+        <a:p>
+          <a:endParaRPr lang="en-US"/>
+        </a:p>
+      </dgm:t>
+    </dgm:pt>
+    <dgm:pt modelId="{CFA72E4C-5081-4BE6-B968-4C4893DF6B3A}">
+      <dgm:prSet/>
+      <dgm:spPr/>
+      <dgm:t>
+        <a:bodyPr/>
+        <a:lstStyle/>
+        <a:p>
+          <a:r>
+            <a:rPr lang="en-US"/>
+            <a:t>PVS and log records replicate to secondaries, secondary communicates oldest versions needed to primary</a:t>
+          </a:r>
+        </a:p>
+      </dgm:t>
+    </dgm:pt>
+    <dgm:pt modelId="{27EFD57C-5ECF-43FF-8732-14AA7BDAE82B}" type="parTrans" cxnId="{3B208A30-AA3E-4231-B5C5-8BE67CF83CF8}">
+      <dgm:prSet/>
+      <dgm:spPr/>
+      <dgm:t>
+        <a:bodyPr/>
+        <a:lstStyle/>
+        <a:p>
+          <a:endParaRPr lang="en-US"/>
+        </a:p>
+      </dgm:t>
+    </dgm:pt>
+    <dgm:pt modelId="{4218B69B-9DB3-4E70-961B-518AF4835778}" type="sibTrans" cxnId="{3B208A30-AA3E-4231-B5C5-8BE67CF83CF8}">
+      <dgm:prSet/>
+      <dgm:spPr/>
+      <dgm:t>
+        <a:bodyPr/>
+        <a:lstStyle/>
+        <a:p>
+          <a:endParaRPr lang="en-US"/>
+        </a:p>
+      </dgm:t>
+    </dgm:pt>
+    <dgm:pt modelId="{60B58E89-CA01-49D8-992B-92D35E32A7BD}">
+      <dgm:prSet/>
+      <dgm:spPr/>
+      <dgm:t>
+        <a:bodyPr/>
+        <a:lstStyle/>
+        <a:p>
+          <a:r>
+            <a:rPr lang="en-US"/>
+            <a:t>ADR can speed up failover because Undo becomes fast</a:t>
+          </a:r>
+        </a:p>
+      </dgm:t>
+    </dgm:pt>
+    <dgm:pt modelId="{45A3030D-2A8F-44CE-9DB0-EAE18E50A252}" type="parTrans" cxnId="{DFA97052-660C-4831-BDD6-19393C10B393}">
+      <dgm:prSet/>
+      <dgm:spPr/>
+      <dgm:t>
+        <a:bodyPr/>
+        <a:lstStyle/>
+        <a:p>
+          <a:endParaRPr lang="en-US"/>
+        </a:p>
+      </dgm:t>
+    </dgm:pt>
+    <dgm:pt modelId="{C93B1FB6-A170-46A5-9B6B-6DD3F5075985}" type="sibTrans" cxnId="{DFA97052-660C-4831-BDD6-19393C10B393}">
+      <dgm:prSet/>
+      <dgm:spPr/>
+      <dgm:t>
+        <a:bodyPr/>
+        <a:lstStyle/>
+        <a:p>
+          <a:endParaRPr lang="en-US"/>
+        </a:p>
+      </dgm:t>
+    </dgm:pt>
+    <dgm:pt modelId="{37B2F047-9146-47AD-A55B-6989D5171203}">
+      <dgm:prSet/>
+      <dgm:spPr/>
+      <dgm:t>
+        <a:bodyPr/>
+        <a:lstStyle/>
+        <a:p>
+          <a:r>
+            <a:rPr lang="en-US"/>
+            <a:t>If the secondary must be restarted without ADR, TempDB is lost so versions are lost and queries must wait for data to commit on primary, with ADR, versions are persisted, so no delay before queries can be served</a:t>
+          </a:r>
+        </a:p>
+      </dgm:t>
+    </dgm:pt>
+    <dgm:pt modelId="{97021C99-AF2C-478A-B3AC-884EFA9D06D9}" type="parTrans" cxnId="{6E206D75-9902-4851-AB5B-52455053CB04}">
+      <dgm:prSet/>
+      <dgm:spPr/>
+      <dgm:t>
+        <a:bodyPr/>
+        <a:lstStyle/>
+        <a:p>
+          <a:endParaRPr lang="en-US"/>
+        </a:p>
+      </dgm:t>
+    </dgm:pt>
+    <dgm:pt modelId="{30FD1220-4120-4813-8D2B-D35AA4B31BD2}" type="sibTrans" cxnId="{6E206D75-9902-4851-AB5B-52455053CB04}">
+      <dgm:prSet/>
+      <dgm:spPr/>
+      <dgm:t>
+        <a:bodyPr/>
+        <a:lstStyle/>
+        <a:p>
+          <a:endParaRPr lang="en-US"/>
+        </a:p>
+      </dgm:t>
+    </dgm:pt>
+    <dgm:pt modelId="{47169368-6858-4CC0-AC9C-1F237AF1B72D}" type="pres">
+      <dgm:prSet presAssocID="{16D94756-8093-41CC-8E01-49B3462C8AB0}" presName="linear" presStyleCnt="0">
+        <dgm:presLayoutVars>
+          <dgm:animLvl val="lvl"/>
+          <dgm:resizeHandles val="exact"/>
+        </dgm:presLayoutVars>
+      </dgm:prSet>
+      <dgm:spPr/>
+    </dgm:pt>
+    <dgm:pt modelId="{EE447139-B9BD-488F-B71E-A51AF2A176E2}" type="pres">
+      <dgm:prSet presAssocID="{C2396C64-B672-4D29-9B54-577749E035F2}" presName="parentText" presStyleLbl="node1" presStyleIdx="0" presStyleCnt="4">
+        <dgm:presLayoutVars>
+          <dgm:chMax val="0"/>
+          <dgm:bulletEnabled val="1"/>
+        </dgm:presLayoutVars>
+      </dgm:prSet>
+      <dgm:spPr/>
+    </dgm:pt>
+    <dgm:pt modelId="{3D44413D-9506-4662-9926-1A90945152BB}" type="pres">
+      <dgm:prSet presAssocID="{C2396C64-B672-4D29-9B54-577749E035F2}" presName="childText" presStyleLbl="revTx" presStyleIdx="0" presStyleCnt="4">
+        <dgm:presLayoutVars>
+          <dgm:bulletEnabled val="1"/>
+        </dgm:presLayoutVars>
+      </dgm:prSet>
+      <dgm:spPr/>
+    </dgm:pt>
+    <dgm:pt modelId="{89662425-EE64-48DB-844E-1B712904B602}" type="pres">
+      <dgm:prSet presAssocID="{7C2257C8-AE8B-4A83-AD48-958C12A84DE1}" presName="parentText" presStyleLbl="node1" presStyleIdx="1" presStyleCnt="4">
+        <dgm:presLayoutVars>
+          <dgm:chMax val="0"/>
+          <dgm:bulletEnabled val="1"/>
+        </dgm:presLayoutVars>
+      </dgm:prSet>
+      <dgm:spPr/>
+    </dgm:pt>
+    <dgm:pt modelId="{2F6DEF0E-5C95-4262-9E8C-6DD542915AC1}" type="pres">
+      <dgm:prSet presAssocID="{7C2257C8-AE8B-4A83-AD48-958C12A84DE1}" presName="childText" presStyleLbl="revTx" presStyleIdx="1" presStyleCnt="4">
+        <dgm:presLayoutVars>
+          <dgm:bulletEnabled val="1"/>
+        </dgm:presLayoutVars>
+      </dgm:prSet>
+      <dgm:spPr/>
+    </dgm:pt>
+    <dgm:pt modelId="{EF8B3F03-CEAE-40C1-BA58-73D8729CFE19}" type="pres">
+      <dgm:prSet presAssocID="{98823050-25EF-42DA-B243-05887DEEE10B}" presName="parentText" presStyleLbl="node1" presStyleIdx="2" presStyleCnt="4">
+        <dgm:presLayoutVars>
+          <dgm:chMax val="0"/>
+          <dgm:bulletEnabled val="1"/>
+        </dgm:presLayoutVars>
+      </dgm:prSet>
+      <dgm:spPr/>
+    </dgm:pt>
+    <dgm:pt modelId="{5EEA0ECE-5417-4F11-A76D-A68F5958C6EE}" type="pres">
+      <dgm:prSet presAssocID="{98823050-25EF-42DA-B243-05887DEEE10B}" presName="childText" presStyleLbl="revTx" presStyleIdx="2" presStyleCnt="4">
+        <dgm:presLayoutVars>
+          <dgm:bulletEnabled val="1"/>
+        </dgm:presLayoutVars>
+      </dgm:prSet>
+      <dgm:spPr/>
+    </dgm:pt>
+    <dgm:pt modelId="{58D1D552-EB30-4D1A-98B6-F7351303E2F4}" type="pres">
+      <dgm:prSet presAssocID="{45C18CC7-D876-456E-9F87-7A63C653E35A}" presName="parentText" presStyleLbl="node1" presStyleIdx="3" presStyleCnt="4">
+        <dgm:presLayoutVars>
+          <dgm:chMax val="0"/>
+          <dgm:bulletEnabled val="1"/>
+        </dgm:presLayoutVars>
+      </dgm:prSet>
+      <dgm:spPr/>
+    </dgm:pt>
+    <dgm:pt modelId="{FC99353A-A961-4574-8790-3A10D912663E}" type="pres">
+      <dgm:prSet presAssocID="{45C18CC7-D876-456E-9F87-7A63C653E35A}" presName="childText" presStyleLbl="revTx" presStyleIdx="3" presStyleCnt="4">
+        <dgm:presLayoutVars>
+          <dgm:bulletEnabled val="1"/>
+        </dgm:presLayoutVars>
+      </dgm:prSet>
+      <dgm:spPr/>
+    </dgm:pt>
+  </dgm:ptLst>
+  <dgm:cxnLst>
+    <dgm:cxn modelId="{74679201-5710-4E1F-922C-0CC26C08F05E}" type="presOf" srcId="{8FDBE807-FE97-4C04-A317-585D7E1FB2D5}" destId="{2F6DEF0E-5C95-4262-9E8C-6DD542915AC1}" srcOrd="0" destOrd="0" presId="urn:microsoft.com/office/officeart/2005/8/layout/vList2"/>
+    <dgm:cxn modelId="{F04AD702-E0A5-4C12-8EB7-907A1760701C}" srcId="{7C2257C8-AE8B-4A83-AD48-958C12A84DE1}" destId="{8FDBE807-FE97-4C04-A317-585D7E1FB2D5}" srcOrd="0" destOrd="0" parTransId="{D689833B-88F8-42D4-B482-EE20784BA5DC}" sibTransId="{9B839C0D-1767-4BD7-B9DB-06B63CCAC859}"/>
+    <dgm:cxn modelId="{EF6FDB05-4F5B-408F-9B49-004A3FA60C7E}" type="presOf" srcId="{37B2F047-9146-47AD-A55B-6989D5171203}" destId="{FC99353A-A961-4574-8790-3A10D912663E}" srcOrd="0" destOrd="2" presId="urn:microsoft.com/office/officeart/2005/8/layout/vList2"/>
+    <dgm:cxn modelId="{B53D9E0D-79A9-4189-8E4C-92E4C8CEF89B}" srcId="{16D94756-8093-41CC-8E01-49B3462C8AB0}" destId="{C2396C64-B672-4D29-9B54-577749E035F2}" srcOrd="0" destOrd="0" parTransId="{3D353252-A530-4289-992B-C69B2588A725}" sibTransId="{F5ABAEBC-C29E-46D5-B1B9-31F33A909E32}"/>
+    <dgm:cxn modelId="{354C6816-6CB2-4B11-BE6B-17AB81E9AFE6}" srcId="{C2396C64-B672-4D29-9B54-577749E035F2}" destId="{AD4E3315-A7BF-4B1D-8D95-3E7801A724C8}" srcOrd="0" destOrd="0" parTransId="{D9E3232D-3274-4367-99A1-60C66F9B107D}" sibTransId="{1B5EDDFD-D9D8-414F-BB9E-28416E461D70}"/>
+    <dgm:cxn modelId="{C8B90125-AF4F-4E0C-BAAD-AC530DAEA3D4}" type="presOf" srcId="{AA233DA4-DBBD-498F-88D5-E6050D373AD3}" destId="{5EEA0ECE-5417-4F11-A76D-A68F5958C6EE}" srcOrd="0" destOrd="0" presId="urn:microsoft.com/office/officeart/2005/8/layout/vList2"/>
+    <dgm:cxn modelId="{172E8530-86E0-4AA9-ADCB-0A226A6F77B6}" type="presOf" srcId="{AD4E3315-A7BF-4B1D-8D95-3E7801A724C8}" destId="{3D44413D-9506-4662-9926-1A90945152BB}" srcOrd="0" destOrd="0" presId="urn:microsoft.com/office/officeart/2005/8/layout/vList2"/>
+    <dgm:cxn modelId="{3B208A30-AA3E-4231-B5C5-8BE67CF83CF8}" srcId="{45C18CC7-D876-456E-9F87-7A63C653E35A}" destId="{CFA72E4C-5081-4BE6-B968-4C4893DF6B3A}" srcOrd="0" destOrd="0" parTransId="{27EFD57C-5ECF-43FF-8732-14AA7BDAE82B}" sibTransId="{4218B69B-9DB3-4E70-961B-518AF4835778}"/>
+    <dgm:cxn modelId="{A660123B-EB67-4A46-9D38-A5356A8F1706}" type="presOf" srcId="{7C2257C8-AE8B-4A83-AD48-958C12A84DE1}" destId="{89662425-EE64-48DB-844E-1B712904B602}" srcOrd="0" destOrd="0" presId="urn:microsoft.com/office/officeart/2005/8/layout/vList2"/>
+    <dgm:cxn modelId="{B556293D-3BEC-43CE-8F20-0CCBB00C9FD8}" type="presOf" srcId="{CFA72E4C-5081-4BE6-B968-4C4893DF6B3A}" destId="{FC99353A-A961-4574-8790-3A10D912663E}" srcOrd="0" destOrd="0" presId="urn:microsoft.com/office/officeart/2005/8/layout/vList2"/>
+    <dgm:cxn modelId="{680CF83F-A8D0-42DA-8EDE-DEA85A8D0126}" type="presOf" srcId="{45C18CC7-D876-456E-9F87-7A63C653E35A}" destId="{58D1D552-EB30-4D1A-98B6-F7351303E2F4}" srcOrd="0" destOrd="0" presId="urn:microsoft.com/office/officeart/2005/8/layout/vList2"/>
+    <dgm:cxn modelId="{BC3B7052-0229-417E-974D-8C4D5122D7BB}" type="presOf" srcId="{77A533AA-F9E2-4B11-B621-5E37D01A67AC}" destId="{5EEA0ECE-5417-4F11-A76D-A68F5958C6EE}" srcOrd="0" destOrd="1" presId="urn:microsoft.com/office/officeart/2005/8/layout/vList2"/>
+    <dgm:cxn modelId="{DFA97052-660C-4831-BDD6-19393C10B393}" srcId="{45C18CC7-D876-456E-9F87-7A63C653E35A}" destId="{60B58E89-CA01-49D8-992B-92D35E32A7BD}" srcOrd="1" destOrd="0" parTransId="{45A3030D-2A8F-44CE-9DB0-EAE18E50A252}" sibTransId="{C93B1FB6-A170-46A5-9B6B-6DD3F5075985}"/>
+    <dgm:cxn modelId="{6E206D75-9902-4851-AB5B-52455053CB04}" srcId="{45C18CC7-D876-456E-9F87-7A63C653E35A}" destId="{37B2F047-9146-47AD-A55B-6989D5171203}" srcOrd="2" destOrd="0" parTransId="{97021C99-AF2C-478A-B3AC-884EFA9D06D9}" sibTransId="{30FD1220-4120-4813-8D2B-D35AA4B31BD2}"/>
+    <dgm:cxn modelId="{99A2BA58-20E4-4DDC-8C2E-935256BFE682}" type="presOf" srcId="{98823050-25EF-42DA-B243-05887DEEE10B}" destId="{EF8B3F03-CEAE-40C1-BA58-73D8729CFE19}" srcOrd="0" destOrd="0" presId="urn:microsoft.com/office/officeart/2005/8/layout/vList2"/>
+    <dgm:cxn modelId="{DBA02779-5544-43AE-B242-C38B50515F58}" type="presOf" srcId="{16D94756-8093-41CC-8E01-49B3462C8AB0}" destId="{47169368-6858-4CC0-AC9C-1F237AF1B72D}" srcOrd="0" destOrd="0" presId="urn:microsoft.com/office/officeart/2005/8/layout/vList2"/>
+    <dgm:cxn modelId="{1E3F307F-EA0F-42D4-BBDF-CCFF5FE54B50}" srcId="{98823050-25EF-42DA-B243-05887DEEE10B}" destId="{AA233DA4-DBBD-498F-88D5-E6050D373AD3}" srcOrd="0" destOrd="0" parTransId="{DE5B3192-C70F-470A-8A27-AB4F401926BC}" sibTransId="{8F1E6568-478D-4318-A2B5-66D04F93DEDA}"/>
+    <dgm:cxn modelId="{3975759E-BE51-4815-AEF2-9E7EA820A792}" srcId="{16D94756-8093-41CC-8E01-49B3462C8AB0}" destId="{98823050-25EF-42DA-B243-05887DEEE10B}" srcOrd="2" destOrd="0" parTransId="{58C2B07C-4CF2-4FF1-839E-A8EA73866D6E}" sibTransId="{C8BC1727-500A-4010-A72D-8FCE796139B9}"/>
+    <dgm:cxn modelId="{77F6B3B1-FB0A-46FB-A34E-4AB565BFE374}" type="presOf" srcId="{C2396C64-B672-4D29-9B54-577749E035F2}" destId="{EE447139-B9BD-488F-B71E-A51AF2A176E2}" srcOrd="0" destOrd="0" presId="urn:microsoft.com/office/officeart/2005/8/layout/vList2"/>
+    <dgm:cxn modelId="{F2A8B8D4-A870-41B8-8FFB-94D0979F638B}" type="presOf" srcId="{60B58E89-CA01-49D8-992B-92D35E32A7BD}" destId="{FC99353A-A961-4574-8790-3A10D912663E}" srcOrd="0" destOrd="1" presId="urn:microsoft.com/office/officeart/2005/8/layout/vList2"/>
+    <dgm:cxn modelId="{6E5E05D6-4FAE-4EAA-814C-C1BEC6BB0C38}" srcId="{16D94756-8093-41CC-8E01-49B3462C8AB0}" destId="{45C18CC7-D876-456E-9F87-7A63C653E35A}" srcOrd="3" destOrd="0" parTransId="{146A5BB8-E1B3-4ECC-9105-138A5FA478BD}" sibTransId="{F808CD27-7F46-4435-92FE-23812CB09824}"/>
+    <dgm:cxn modelId="{D29E4CEA-3841-43F3-BB4B-F36591EE413F}" srcId="{16D94756-8093-41CC-8E01-49B3462C8AB0}" destId="{7C2257C8-AE8B-4A83-AD48-958C12A84DE1}" srcOrd="1" destOrd="0" parTransId="{5EAB6FF5-3603-4B04-92CD-56BE62D12C48}" sibTransId="{38B4FAAF-3290-4134-8CFE-0C76104B6786}"/>
+    <dgm:cxn modelId="{ECD339F8-7180-470C-9747-5D34472504B1}" srcId="{98823050-25EF-42DA-B243-05887DEEE10B}" destId="{77A533AA-F9E2-4B11-B621-5E37D01A67AC}" srcOrd="1" destOrd="0" parTransId="{D352EFBA-350E-4BE1-A8E7-30C4B3EF9EBA}" sibTransId="{C456E3D1-376D-460F-B47F-AE49D3D7F6D6}"/>
+    <dgm:cxn modelId="{4973B48F-3295-4FBA-9F16-7E9751FE79C5}" type="presParOf" srcId="{47169368-6858-4CC0-AC9C-1F237AF1B72D}" destId="{EE447139-B9BD-488F-B71E-A51AF2A176E2}" srcOrd="0" destOrd="0" presId="urn:microsoft.com/office/officeart/2005/8/layout/vList2"/>
+    <dgm:cxn modelId="{C6B2CE9D-AE45-45C7-90DB-0B55C24221C6}" type="presParOf" srcId="{47169368-6858-4CC0-AC9C-1F237AF1B72D}" destId="{3D44413D-9506-4662-9926-1A90945152BB}" srcOrd="1" destOrd="0" presId="urn:microsoft.com/office/officeart/2005/8/layout/vList2"/>
+    <dgm:cxn modelId="{0913ED30-3312-4B4A-9382-38CDB916FC20}" type="presParOf" srcId="{47169368-6858-4CC0-AC9C-1F237AF1B72D}" destId="{89662425-EE64-48DB-844E-1B712904B602}" srcOrd="2" destOrd="0" presId="urn:microsoft.com/office/officeart/2005/8/layout/vList2"/>
+    <dgm:cxn modelId="{56D2DEB2-10E4-4AE7-8A13-2E6DA777B1CC}" type="presParOf" srcId="{47169368-6858-4CC0-AC9C-1F237AF1B72D}" destId="{2F6DEF0E-5C95-4262-9E8C-6DD542915AC1}" srcOrd="3" destOrd="0" presId="urn:microsoft.com/office/officeart/2005/8/layout/vList2"/>
+    <dgm:cxn modelId="{EC873887-A51F-410F-A29A-B1F905664BEE}" type="presParOf" srcId="{47169368-6858-4CC0-AC9C-1F237AF1B72D}" destId="{EF8B3F03-CEAE-40C1-BA58-73D8729CFE19}" srcOrd="4" destOrd="0" presId="urn:microsoft.com/office/officeart/2005/8/layout/vList2"/>
+    <dgm:cxn modelId="{2C33E763-CFA7-4937-8858-0A3916E21235}" type="presParOf" srcId="{47169368-6858-4CC0-AC9C-1F237AF1B72D}" destId="{5EEA0ECE-5417-4F11-A76D-A68F5958C6EE}" srcOrd="5" destOrd="0" presId="urn:microsoft.com/office/officeart/2005/8/layout/vList2"/>
+    <dgm:cxn modelId="{DAD14E50-EF5F-4020-9474-B74906059086}" type="presParOf" srcId="{47169368-6858-4CC0-AC9C-1F237AF1B72D}" destId="{58D1D552-EB30-4D1A-98B6-F7351303E2F4}" srcOrd="6" destOrd="0" presId="urn:microsoft.com/office/officeart/2005/8/layout/vList2"/>
+    <dgm:cxn modelId="{F22FC741-E245-4577-9392-528F45497DFA}" type="presParOf" srcId="{47169368-6858-4CC0-AC9C-1F237AF1B72D}" destId="{FC99353A-A961-4574-8790-3A10D912663E}" srcOrd="7" destOrd="0" presId="urn:microsoft.com/office/officeart/2005/8/layout/vList2"/>
+  </dgm:cxnLst>
+  <dgm:bg/>
+  <dgm:whole/>
+  <dgm:extLst>
+    <a:ext uri="http://schemas.microsoft.com/office/drawing/2008/diagram">
+      <dsp:dataModelExt xmlns:dsp="http://schemas.microsoft.com/office/drawing/2008/diagram" relId="rId8" minVer="http://schemas.openxmlformats.org/drawingml/2006/diagram"/>
+    </a:ext>
+  </dgm:extLst>
+</dgm:dataModel>
+</file>
+
 <file path=ppt/diagrams/drawing1.xml><?xml version="1.0" encoding="utf-8"?>
 <dsp:drawing xmlns:dgm="http://schemas.openxmlformats.org/drawingml/2006/diagram" xmlns:dsp="http://schemas.microsoft.com/office/drawing/2008/diagram" xmlns:a="http://schemas.openxmlformats.org/drawingml/2006/main">
   <dsp:spTree>
@@ -5421,8 +6725,8 @@
       </dsp:nvSpPr>
       <dsp:spPr>
         <a:xfrm>
-          <a:off x="0" y="4543"/>
-          <a:ext cx="11372850" cy="1543439"/>
+          <a:off x="0" y="5415"/>
+          <a:ext cx="11372850" cy="1578230"/>
         </a:xfrm>
         <a:prstGeom prst="roundRect">
           <a:avLst/>
@@ -5487,8 +6791,8 @@
         </a:p>
       </dsp:txBody>
       <dsp:txXfrm>
-        <a:off x="75344" y="79887"/>
-        <a:ext cx="11222162" cy="1392751"/>
+        <a:off x="77043" y="82458"/>
+        <a:ext cx="11218764" cy="1424144"/>
       </dsp:txXfrm>
     </dsp:sp>
     <dsp:sp modelId="{FEA9C014-67AE-4622-A7FD-8BE3AD2E0E2A}">
@@ -5498,8 +6802,8 @@
       </dsp:nvSpPr>
       <dsp:spPr>
         <a:xfrm>
-          <a:off x="0" y="1560864"/>
-          <a:ext cx="11372850" cy="1543439"/>
+          <a:off x="0" y="1617080"/>
+          <a:ext cx="11372850" cy="1366102"/>
         </a:xfrm>
         <a:prstGeom prst="roundRect">
           <a:avLst/>
@@ -5563,8 +6867,8 @@
         </a:p>
       </dsp:txBody>
       <dsp:txXfrm>
-        <a:off x="75344" y="1636208"/>
-        <a:ext cx="11222162" cy="1392751"/>
+        <a:off x="66688" y="1683768"/>
+        <a:ext cx="11239474" cy="1232726"/>
       </dsp:txXfrm>
     </dsp:sp>
     <dsp:sp modelId="{65F965B6-01F8-483D-892A-0F40A006AB03}">
@@ -5574,8 +6878,8 @@
       </dsp:nvSpPr>
       <dsp:spPr>
         <a:xfrm>
-          <a:off x="0" y="3104304"/>
-          <a:ext cx="11372850" cy="1896320"/>
+          <a:off x="0" y="2966945"/>
+          <a:ext cx="11372850" cy="2239232"/>
         </a:xfrm>
         <a:prstGeom prst="rect">
           <a:avLst/>
@@ -5682,12 +6986,34 @@
             </a:spcAft>
             <a:buChar char="•"/>
           </a:pPr>
+          <a:r>
+            <a:rPr lang="en-US" sz="2800" kern="1200" dirty="0">
+              <a:solidFill>
+                <a:schemeClr val="accent5"/>
+              </a:solidFill>
+            </a:rPr>
+            <a:t>Available in Standard Edition</a:t>
+          </a:r>
+        </a:p>
+        <a:p>
+          <a:pPr marL="285750" lvl="1" indent="-285750" algn="l" defTabSz="1244600">
+            <a:lnSpc>
+              <a:spcPct val="90000"/>
+            </a:lnSpc>
+            <a:spcBef>
+              <a:spcPct val="0"/>
+            </a:spcBef>
+            <a:spcAft>
+              <a:spcPct val="20000"/>
+            </a:spcAft>
+            <a:buChar char="•"/>
+          </a:pPr>
           <a:endParaRPr lang="en-US" sz="2800" kern="1200" dirty="0"/>
         </a:p>
       </dsp:txBody>
       <dsp:txXfrm>
-        <a:off x="0" y="3104304"/>
-        <a:ext cx="11372850" cy="1896320"/>
+        <a:off x="0" y="2966945"/>
+        <a:ext cx="11372850" cy="2239232"/>
       </dsp:txXfrm>
     </dsp:sp>
   </dsp:spTree>
@@ -5831,25 +7157,6 @@
             <a:buChar char="•"/>
           </a:pPr>
           <a:r>
-            <a:rPr lang="en-US" sz="2400" kern="1200">
-              <a:gradFill>
-                <a:gsLst>
-                  <a:gs pos="1250">
-                    <a:schemeClr val="tx1"/>
-                  </a:gs>
-                  <a:gs pos="100000">
-                    <a:schemeClr val="tx1"/>
-                  </a:gs>
-                </a:gsLst>
-                <a:lin ang="5400000" scaled="0"/>
-              </a:gradFill>
-              <a:latin typeface="Segoe UI Light" panose="020B0502040204020203" pitchFamily="34" charset="0"/>
-              <a:ea typeface="+mn-ea"/>
-              <a:cs typeface="Segoe UI Light" panose="020B0502040204020203" pitchFamily="34" charset="0"/>
-            </a:rPr>
-            <a:t>Persists </a:t>
-          </a:r>
-          <a:r>
             <a:rPr lang="en-US" sz="2400" kern="1200" dirty="0">
               <a:gradFill>
                 <a:gsLst>
@@ -5866,7 +7173,7 @@
               <a:ea typeface="+mn-ea"/>
               <a:cs typeface="Segoe UI Light" panose="020B0502040204020203" pitchFamily="34" charset="0"/>
             </a:rPr>
-            <a:t>row versions in the database itself rather than TempDB.</a:t>
+            <a:t>Persists row versions in the database itself rather than TempDB.</a:t>
           </a:r>
         </a:p>
         <a:p>
@@ -5965,7 +7272,7 @@
               <a:ea typeface="+mn-ea"/>
               <a:cs typeface="Segoe UI Light" panose="020B0502040204020203" pitchFamily="34" charset="0"/>
             </a:rPr>
-            <a:t>Fast UNDO, instead of rollback the active transactions (traditional recovery process) they are just marked as ABORTED.</a:t>
+            <a:t>Fast UNDO, instead of rolling back the active transactions (traditional recovery process) the row version is marked as Terminated.</a:t>
           </a:r>
         </a:p>
       </dsp:txBody>
@@ -6123,7 +7430,7 @@
             <a:buChar char="•"/>
           </a:pPr>
           <a:r>
-            <a:rPr lang="en-US" sz="2800" kern="1200">
+            <a:rPr lang="en-US" sz="2800" kern="1200" dirty="0">
               <a:gradFill>
                 <a:gsLst>
                   <a:gs pos="1250">
@@ -6141,22 +7448,6 @@
             </a:rPr>
             <a:t>Asynchronous process that performs row-level version-based Undo;</a:t>
           </a:r>
-          <a:endParaRPr lang="en-US" sz="2800" kern="1200" dirty="0">
-            <a:gradFill>
-              <a:gsLst>
-                <a:gs pos="1250">
-                  <a:schemeClr val="tx1"/>
-                </a:gs>
-                <a:gs pos="100000">
-                  <a:schemeClr val="tx1"/>
-                </a:gs>
-              </a:gsLst>
-              <a:lin ang="5400000" scaled="0"/>
-            </a:gradFill>
-            <a:latin typeface="Segoe UI Light" panose="020B0502040204020203" pitchFamily="34" charset="0"/>
-            <a:ea typeface="+mn-ea"/>
-            <a:cs typeface="Segoe UI Light" panose="020B0502040204020203" pitchFamily="34" charset="0"/>
-          </a:endParaRPr>
         </a:p>
         <a:p>
           <a:pPr marL="285750" lvl="1" indent="-285750" algn="l" defTabSz="1244600">
@@ -6188,57 +7479,8 @@
               <a:ea typeface="+mn-ea"/>
               <a:cs typeface="Segoe UI Light" panose="020B0502040204020203" pitchFamily="34" charset="0"/>
             </a:rPr>
-            <a:t>Keeps track of all aborted transactions;</a:t>
+            <a:t>Keeps track of all terminated transactions;</a:t>
           </a:r>
-        </a:p>
-        <a:p>
-          <a:pPr marL="285750" lvl="1" indent="-285750" algn="l" defTabSz="1244600">
-            <a:lnSpc>
-              <a:spcPct val="90000"/>
-            </a:lnSpc>
-            <a:spcBef>
-              <a:spcPct val="0"/>
-            </a:spcBef>
-            <a:spcAft>
-              <a:spcPct val="20000"/>
-            </a:spcAft>
-            <a:buChar char="•"/>
-          </a:pPr>
-          <a:r>
-            <a:rPr lang="en-US" sz="2800" kern="1200">
-              <a:gradFill>
-                <a:gsLst>
-                  <a:gs pos="1250">
-                    <a:schemeClr val="tx1"/>
-                  </a:gs>
-                  <a:gs pos="100000">
-                    <a:schemeClr val="tx1"/>
-                  </a:gs>
-                </a:gsLst>
-                <a:lin ang="5400000" scaled="0"/>
-              </a:gradFill>
-              <a:latin typeface="Segoe UI Light" panose="020B0502040204020203" pitchFamily="34" charset="0"/>
-              <a:ea typeface="+mn-ea"/>
-              <a:cs typeface="Segoe UI Light" panose="020B0502040204020203" pitchFamily="34" charset="0"/>
-            </a:rPr>
-            <a:t>Performs rollback using PVS for all user transactions;</a:t>
-          </a:r>
-          <a:endParaRPr lang="en-US" sz="2800" kern="1200" dirty="0">
-            <a:gradFill>
-              <a:gsLst>
-                <a:gs pos="1250">
-                  <a:schemeClr val="tx1"/>
-                </a:gs>
-                <a:gs pos="100000">
-                  <a:schemeClr val="tx1"/>
-                </a:gs>
-              </a:gsLst>
-              <a:lin ang="5400000" scaled="0"/>
-            </a:gradFill>
-            <a:latin typeface="Segoe UI Light" panose="020B0502040204020203" pitchFamily="34" charset="0"/>
-            <a:ea typeface="+mn-ea"/>
-            <a:cs typeface="Segoe UI Light" panose="020B0502040204020203" pitchFamily="34" charset="0"/>
-          </a:endParaRPr>
         </a:p>
         <a:p>
           <a:pPr marL="285750" lvl="1" indent="-285750" algn="l" defTabSz="1244600">
@@ -6270,7 +7512,40 @@
               <a:ea typeface="+mn-ea"/>
               <a:cs typeface="Segoe UI Light" panose="020B0502040204020203" pitchFamily="34" charset="0"/>
             </a:rPr>
-            <a:t>Release all locks immediately after transaction abort.</a:t>
+            <a:t>Performs rollback using recent committed transactions from PVS;</a:t>
+          </a:r>
+        </a:p>
+        <a:p>
+          <a:pPr marL="285750" lvl="1" indent="-285750" algn="l" defTabSz="1244600">
+            <a:lnSpc>
+              <a:spcPct val="90000"/>
+            </a:lnSpc>
+            <a:spcBef>
+              <a:spcPct val="0"/>
+            </a:spcBef>
+            <a:spcAft>
+              <a:spcPct val="20000"/>
+            </a:spcAft>
+            <a:buChar char="•"/>
+          </a:pPr>
+          <a:r>
+            <a:rPr lang="en-US" sz="2800" kern="1200" dirty="0">
+              <a:gradFill>
+                <a:gsLst>
+                  <a:gs pos="1250">
+                    <a:schemeClr val="tx1"/>
+                  </a:gs>
+                  <a:gs pos="100000">
+                    <a:schemeClr val="tx1"/>
+                  </a:gs>
+                </a:gsLst>
+                <a:lin ang="5400000" scaled="0"/>
+              </a:gradFill>
+              <a:latin typeface="Segoe UI Light" panose="020B0502040204020203" pitchFamily="34" charset="0"/>
+              <a:ea typeface="+mn-ea"/>
+              <a:cs typeface="Segoe UI Light" panose="020B0502040204020203" pitchFamily="34" charset="0"/>
+            </a:rPr>
+            <a:t>Release all locks immediately after transaction termination.</a:t>
           </a:r>
         </a:p>
       </dsp:txBody>
@@ -6571,8 +7846,8 @@
       </dsp:nvSpPr>
       <dsp:spPr>
         <a:xfrm>
-          <a:off x="0" y="295310"/>
-          <a:ext cx="11049000" cy="1104480"/>
+          <a:off x="0" y="479529"/>
+          <a:ext cx="11049000" cy="1216800"/>
         </a:xfrm>
         <a:prstGeom prst="roundRect">
           <a:avLst/>
@@ -6608,12 +7883,12 @@
         </a:fontRef>
       </dsp:style>
       <dsp:txBody>
-        <a:bodyPr spcFirstLastPara="0" vert="horz" wrap="square" lIns="106680" tIns="106680" rIns="106680" bIns="106680" numCol="1" spcCol="1270" anchor="ctr" anchorCtr="0">
+        <a:bodyPr spcFirstLastPara="0" vert="horz" wrap="square" lIns="121920" tIns="121920" rIns="121920" bIns="121920" numCol="1" spcCol="1270" anchor="ctr" anchorCtr="0">
           <a:noAutofit/>
         </a:bodyPr>
         <a:lstStyle/>
         <a:p>
-          <a:pPr marL="0" lvl="0" indent="0" algn="l" defTabSz="1244600">
+          <a:pPr marL="0" lvl="0" indent="0" algn="l" defTabSz="1422400">
             <a:lnSpc>
               <a:spcPct val="90000"/>
             </a:lnSpc>
@@ -6626,7 +7901,7 @@
             <a:buNone/>
           </a:pPr>
           <a:r>
-            <a:rPr lang="en-US" sz="2800" b="1" kern="1200" spc="-100" dirty="0">
+            <a:rPr lang="en-US" sz="3200" b="1" kern="1200" spc="-100" dirty="0">
               <a:ln w="3175">
                 <a:noFill/>
               </a:ln>
@@ -6639,7 +7914,7 @@
             </a:rPr>
             <a:t>Cleaner</a:t>
           </a:r>
-          <a:endParaRPr lang="en-US" sz="2800" b="1" kern="1200" dirty="0">
+          <a:endParaRPr lang="en-US" sz="3200" b="1" kern="1200" dirty="0">
             <a:solidFill>
               <a:schemeClr val="bg1"/>
             </a:solidFill>
@@ -6647,8 +7922,8 @@
         </a:p>
       </dsp:txBody>
       <dsp:txXfrm>
-        <a:off x="53916" y="349226"/>
-        <a:ext cx="10941168" cy="996648"/>
+        <a:off x="59399" y="538928"/>
+        <a:ext cx="10930202" cy="1098002"/>
       </dsp:txXfrm>
     </dsp:sp>
     <dsp:sp modelId="{A6FD5CD7-6955-45EA-B126-E4975672FC5A}">
@@ -6658,8 +7933,8 @@
       </dsp:nvSpPr>
       <dsp:spPr>
         <a:xfrm>
-          <a:off x="0" y="1399790"/>
-          <a:ext cx="11049000" cy="1557157"/>
+          <a:off x="0" y="1696329"/>
+          <a:ext cx="11049000" cy="1076400"/>
         </a:xfrm>
         <a:prstGeom prst="rect">
           <a:avLst/>
@@ -6683,12 +7958,12 @@
         <a:fontRef idx="minor"/>
       </dsp:style>
       <dsp:txBody>
-        <a:bodyPr spcFirstLastPara="0" vert="horz" wrap="square" lIns="350806" tIns="74930" rIns="419608" bIns="74930" numCol="1" spcCol="1270" anchor="t" anchorCtr="0">
+        <a:bodyPr spcFirstLastPara="0" vert="horz" wrap="square" lIns="350806" tIns="40640" rIns="227584" bIns="40640" numCol="1" spcCol="1270" anchor="t" anchorCtr="0">
           <a:noAutofit/>
         </a:bodyPr>
         <a:lstStyle/>
         <a:p>
-          <a:pPr marL="285750" lvl="1" indent="-285750" algn="l" defTabSz="2044700">
+          <a:pPr marL="285750" lvl="1" indent="-285750" algn="l" defTabSz="1422400">
             <a:lnSpc>
               <a:spcPct val="90000"/>
             </a:lnSpc>
@@ -6701,7 +7976,7 @@
             <a:buChar char="•"/>
           </a:pPr>
           <a:r>
-            <a:rPr lang="en-US" sz="4600" kern="1200" dirty="0">
+            <a:rPr lang="en-US" sz="3200" kern="1200" dirty="0">
               <a:gradFill>
                 <a:gsLst>
                   <a:gs pos="1250">
@@ -6722,8 +7997,622 @@
         </a:p>
       </dsp:txBody>
       <dsp:txXfrm>
-        <a:off x="0" y="1399790"/>
-        <a:ext cx="11049000" cy="1557157"/>
+        <a:off x="0" y="1696329"/>
+        <a:ext cx="11049000" cy="1076400"/>
+      </dsp:txXfrm>
+    </dsp:sp>
+  </dsp:spTree>
+</dsp:drawing>
+</file>
+
+<file path=ppt/diagrams/drawing6.xml><?xml version="1.0" encoding="utf-8"?>
+<dsp:drawing xmlns:dgm="http://schemas.openxmlformats.org/drawingml/2006/diagram" xmlns:dsp="http://schemas.microsoft.com/office/drawing/2008/diagram" xmlns:a="http://schemas.openxmlformats.org/drawingml/2006/main">
+  <dsp:spTree>
+    <dsp:nvGrpSpPr>
+      <dsp:cNvPr id="0" name=""/>
+      <dsp:cNvGrpSpPr/>
+    </dsp:nvGrpSpPr>
+    <dsp:grpSpPr/>
+    <dsp:sp modelId="{EE447139-B9BD-488F-B71E-A51AF2A176E2}">
+      <dsp:nvSpPr>
+        <dsp:cNvPr id="0" name=""/>
+        <dsp:cNvSpPr/>
+      </dsp:nvSpPr>
+      <dsp:spPr>
+        <a:xfrm>
+          <a:off x="0" y="307080"/>
+          <a:ext cx="10702554" cy="540540"/>
+        </a:xfrm>
+        <a:prstGeom prst="roundRect">
+          <a:avLst/>
+        </a:prstGeom>
+        <a:solidFill>
+          <a:schemeClr val="accent4">
+            <a:hueOff val="0"/>
+            <a:satOff val="0"/>
+            <a:lumOff val="0"/>
+            <a:alphaOff val="0"/>
+          </a:schemeClr>
+        </a:solidFill>
+        <a:ln w="25400" cap="flat" cmpd="sng" algn="ctr">
+          <a:solidFill>
+            <a:schemeClr val="lt1">
+              <a:hueOff val="0"/>
+              <a:satOff val="0"/>
+              <a:lumOff val="0"/>
+              <a:alphaOff val="0"/>
+            </a:schemeClr>
+          </a:solidFill>
+          <a:prstDash val="solid"/>
+        </a:ln>
+        <a:effectLst/>
+      </dsp:spPr>
+      <dsp:style>
+        <a:lnRef idx="2">
+          <a:scrgbClr r="0" g="0" b="0"/>
+        </a:lnRef>
+        <a:fillRef idx="1">
+          <a:scrgbClr r="0" g="0" b="0"/>
+        </a:fillRef>
+        <a:effectRef idx="0">
+          <a:scrgbClr r="0" g="0" b="0"/>
+        </a:effectRef>
+        <a:fontRef idx="minor">
+          <a:schemeClr val="lt1"/>
+        </a:fontRef>
+      </dsp:style>
+      <dsp:txBody>
+        <a:bodyPr spcFirstLastPara="0" vert="horz" wrap="square" lIns="80010" tIns="80010" rIns="80010" bIns="80010" numCol="1" spcCol="1270" anchor="ctr" anchorCtr="0">
+          <a:noAutofit/>
+        </a:bodyPr>
+        <a:lstStyle/>
+        <a:p>
+          <a:pPr marL="0" lvl="0" indent="0" algn="l" defTabSz="933450">
+            <a:lnSpc>
+              <a:spcPct val="90000"/>
+            </a:lnSpc>
+            <a:spcBef>
+              <a:spcPct val="0"/>
+            </a:spcBef>
+            <a:spcAft>
+              <a:spcPct val="35000"/>
+            </a:spcAft>
+            <a:buNone/>
+          </a:pPr>
+          <a:r>
+            <a:rPr lang="en-US" sz="2100" kern="1200"/>
+            <a:t>Will my database be larger?</a:t>
+          </a:r>
+        </a:p>
+      </dsp:txBody>
+      <dsp:txXfrm>
+        <a:off x="26387" y="333467"/>
+        <a:ext cx="10649780" cy="487766"/>
+      </dsp:txXfrm>
+    </dsp:sp>
+    <dsp:sp modelId="{3D44413D-9506-4662-9926-1A90945152BB}">
+      <dsp:nvSpPr>
+        <dsp:cNvPr id="0" name=""/>
+        <dsp:cNvSpPr/>
+      </dsp:nvSpPr>
+      <dsp:spPr>
+        <a:xfrm>
+          <a:off x="0" y="847621"/>
+          <a:ext cx="10702554" cy="347760"/>
+        </a:xfrm>
+        <a:prstGeom prst="rect">
+          <a:avLst/>
+        </a:prstGeom>
+        <a:noFill/>
+        <a:ln>
+          <a:noFill/>
+        </a:ln>
+        <a:effectLst/>
+      </dsp:spPr>
+      <dsp:style>
+        <a:lnRef idx="0">
+          <a:scrgbClr r="0" g="0" b="0"/>
+        </a:lnRef>
+        <a:fillRef idx="0">
+          <a:scrgbClr r="0" g="0" b="0"/>
+        </a:fillRef>
+        <a:effectRef idx="0">
+          <a:scrgbClr r="0" g="0" b="0"/>
+        </a:effectRef>
+        <a:fontRef idx="minor"/>
+      </dsp:style>
+      <dsp:txBody>
+        <a:bodyPr spcFirstLastPara="0" vert="horz" wrap="square" lIns="339806" tIns="26670" rIns="149352" bIns="26670" numCol="1" spcCol="1270" anchor="t" anchorCtr="0">
+          <a:noAutofit/>
+        </a:bodyPr>
+        <a:lstStyle/>
+        <a:p>
+          <a:pPr marL="171450" lvl="1" indent="-171450" algn="l" defTabSz="711200">
+            <a:lnSpc>
+              <a:spcPct val="90000"/>
+            </a:lnSpc>
+            <a:spcBef>
+              <a:spcPct val="0"/>
+            </a:spcBef>
+            <a:spcAft>
+              <a:spcPct val="20000"/>
+            </a:spcAft>
+            <a:buChar char="•"/>
+          </a:pPr>
+          <a:r>
+            <a:rPr lang="en-US" sz="1600" kern="1200"/>
+            <a:t>Yes. Monitor to determine difference.</a:t>
+          </a:r>
+        </a:p>
+      </dsp:txBody>
+      <dsp:txXfrm>
+        <a:off x="0" y="847621"/>
+        <a:ext cx="10702554" cy="347760"/>
+      </dsp:txXfrm>
+    </dsp:sp>
+    <dsp:sp modelId="{89662425-EE64-48DB-844E-1B712904B602}">
+      <dsp:nvSpPr>
+        <dsp:cNvPr id="0" name=""/>
+        <dsp:cNvSpPr/>
+      </dsp:nvSpPr>
+      <dsp:spPr>
+        <a:xfrm>
+          <a:off x="0" y="1195380"/>
+          <a:ext cx="10702554" cy="540540"/>
+        </a:xfrm>
+        <a:prstGeom prst="roundRect">
+          <a:avLst/>
+        </a:prstGeom>
+        <a:solidFill>
+          <a:schemeClr val="accent4">
+            <a:hueOff val="23295"/>
+            <a:satOff val="-6229"/>
+            <a:lumOff val="-4052"/>
+            <a:alphaOff val="0"/>
+          </a:schemeClr>
+        </a:solidFill>
+        <a:ln w="25400" cap="flat" cmpd="sng" algn="ctr">
+          <a:solidFill>
+            <a:schemeClr val="lt1">
+              <a:hueOff val="0"/>
+              <a:satOff val="0"/>
+              <a:lumOff val="0"/>
+              <a:alphaOff val="0"/>
+            </a:schemeClr>
+          </a:solidFill>
+          <a:prstDash val="solid"/>
+        </a:ln>
+        <a:effectLst/>
+      </dsp:spPr>
+      <dsp:style>
+        <a:lnRef idx="2">
+          <a:scrgbClr r="0" g="0" b="0"/>
+        </a:lnRef>
+        <a:fillRef idx="1">
+          <a:scrgbClr r="0" g="0" b="0"/>
+        </a:fillRef>
+        <a:effectRef idx="0">
+          <a:scrgbClr r="0" g="0" b="0"/>
+        </a:effectRef>
+        <a:fontRef idx="minor">
+          <a:schemeClr val="lt1"/>
+        </a:fontRef>
+      </dsp:style>
+      <dsp:txBody>
+        <a:bodyPr spcFirstLastPara="0" vert="horz" wrap="square" lIns="80010" tIns="80010" rIns="80010" bIns="80010" numCol="1" spcCol="1270" anchor="ctr" anchorCtr="0">
+          <a:noAutofit/>
+        </a:bodyPr>
+        <a:lstStyle/>
+        <a:p>
+          <a:pPr marL="0" lvl="0" indent="0" algn="l" defTabSz="933450">
+            <a:lnSpc>
+              <a:spcPct val="90000"/>
+            </a:lnSpc>
+            <a:spcBef>
+              <a:spcPct val="0"/>
+            </a:spcBef>
+            <a:spcAft>
+              <a:spcPct val="35000"/>
+            </a:spcAft>
+            <a:buNone/>
+          </a:pPr>
+          <a:r>
+            <a:rPr lang="en-US" sz="2100" kern="1200"/>
+            <a:t>Will it affect performance?</a:t>
+          </a:r>
+        </a:p>
+      </dsp:txBody>
+      <dsp:txXfrm>
+        <a:off x="26387" y="1221767"/>
+        <a:ext cx="10649780" cy="487766"/>
+      </dsp:txXfrm>
+    </dsp:sp>
+    <dsp:sp modelId="{2F6DEF0E-5C95-4262-9E8C-6DD542915AC1}">
+      <dsp:nvSpPr>
+        <dsp:cNvPr id="0" name=""/>
+        <dsp:cNvSpPr/>
+      </dsp:nvSpPr>
+      <dsp:spPr>
+        <a:xfrm>
+          <a:off x="0" y="1735921"/>
+          <a:ext cx="10702554" cy="347760"/>
+        </a:xfrm>
+        <a:prstGeom prst="rect">
+          <a:avLst/>
+        </a:prstGeom>
+        <a:noFill/>
+        <a:ln>
+          <a:noFill/>
+        </a:ln>
+        <a:effectLst/>
+      </dsp:spPr>
+      <dsp:style>
+        <a:lnRef idx="0">
+          <a:scrgbClr r="0" g="0" b="0"/>
+        </a:lnRef>
+        <a:fillRef idx="0">
+          <a:scrgbClr r="0" g="0" b="0"/>
+        </a:fillRef>
+        <a:effectRef idx="0">
+          <a:scrgbClr r="0" g="0" b="0"/>
+        </a:effectRef>
+        <a:fontRef idx="minor"/>
+      </dsp:style>
+      <dsp:txBody>
+        <a:bodyPr spcFirstLastPara="0" vert="horz" wrap="square" lIns="339806" tIns="26670" rIns="149352" bIns="26670" numCol="1" spcCol="1270" anchor="t" anchorCtr="0">
+          <a:noAutofit/>
+        </a:bodyPr>
+        <a:lstStyle/>
+        <a:p>
+          <a:pPr marL="171450" lvl="1" indent="-171450" algn="l" defTabSz="711200">
+            <a:lnSpc>
+              <a:spcPct val="90000"/>
+            </a:lnSpc>
+            <a:spcBef>
+              <a:spcPct val="0"/>
+            </a:spcBef>
+            <a:spcAft>
+              <a:spcPct val="20000"/>
+            </a:spcAft>
+            <a:buChar char="•"/>
+          </a:pPr>
+          <a:r>
+            <a:rPr lang="en-US" sz="1600" kern="1200"/>
+            <a:t>It depends. Write-heavy (OLTP) workloads are most susceptible</a:t>
+          </a:r>
+        </a:p>
+      </dsp:txBody>
+      <dsp:txXfrm>
+        <a:off x="0" y="1735921"/>
+        <a:ext cx="10702554" cy="347760"/>
+      </dsp:txXfrm>
+    </dsp:sp>
+    <dsp:sp modelId="{EF8B3F03-CEAE-40C1-BA58-73D8729CFE19}">
+      <dsp:nvSpPr>
+        <dsp:cNvPr id="0" name=""/>
+        <dsp:cNvSpPr/>
+      </dsp:nvSpPr>
+      <dsp:spPr>
+        <a:xfrm>
+          <a:off x="0" y="2083680"/>
+          <a:ext cx="10702554" cy="540540"/>
+        </a:xfrm>
+        <a:prstGeom prst="roundRect">
+          <a:avLst/>
+        </a:prstGeom>
+        <a:solidFill>
+          <a:schemeClr val="accent4">
+            <a:hueOff val="46589"/>
+            <a:satOff val="-12457"/>
+            <a:lumOff val="-8104"/>
+            <a:alphaOff val="0"/>
+          </a:schemeClr>
+        </a:solidFill>
+        <a:ln w="25400" cap="flat" cmpd="sng" algn="ctr">
+          <a:solidFill>
+            <a:schemeClr val="lt1">
+              <a:hueOff val="0"/>
+              <a:satOff val="0"/>
+              <a:lumOff val="0"/>
+              <a:alphaOff val="0"/>
+            </a:schemeClr>
+          </a:solidFill>
+          <a:prstDash val="solid"/>
+        </a:ln>
+        <a:effectLst/>
+      </dsp:spPr>
+      <dsp:style>
+        <a:lnRef idx="2">
+          <a:scrgbClr r="0" g="0" b="0"/>
+        </a:lnRef>
+        <a:fillRef idx="1">
+          <a:scrgbClr r="0" g="0" b="0"/>
+        </a:fillRef>
+        <a:effectRef idx="0">
+          <a:scrgbClr r="0" g="0" b="0"/>
+        </a:effectRef>
+        <a:fontRef idx="minor">
+          <a:schemeClr val="lt1"/>
+        </a:fontRef>
+      </dsp:style>
+      <dsp:txBody>
+        <a:bodyPr spcFirstLastPara="0" vert="horz" wrap="square" lIns="80010" tIns="80010" rIns="80010" bIns="80010" numCol="1" spcCol="1270" anchor="ctr" anchorCtr="0">
+          <a:noAutofit/>
+        </a:bodyPr>
+        <a:lstStyle/>
+        <a:p>
+          <a:pPr marL="0" lvl="0" indent="0" algn="l" defTabSz="933450">
+            <a:lnSpc>
+              <a:spcPct val="90000"/>
+            </a:lnSpc>
+            <a:spcBef>
+              <a:spcPct val="0"/>
+            </a:spcBef>
+            <a:spcAft>
+              <a:spcPct val="35000"/>
+            </a:spcAft>
+            <a:buNone/>
+          </a:pPr>
+          <a:r>
+            <a:rPr lang="en-US" sz="2100" kern="1200"/>
+            <a:t>How is PVS different than the version store in TempDB?</a:t>
+          </a:r>
+        </a:p>
+      </dsp:txBody>
+      <dsp:txXfrm>
+        <a:off x="26387" y="2110067"/>
+        <a:ext cx="10649780" cy="487766"/>
+      </dsp:txXfrm>
+    </dsp:sp>
+    <dsp:sp modelId="{5EEA0ECE-5417-4F11-A76D-A68F5958C6EE}">
+      <dsp:nvSpPr>
+        <dsp:cNvPr id="0" name=""/>
+        <dsp:cNvSpPr/>
+      </dsp:nvSpPr>
+      <dsp:spPr>
+        <a:xfrm>
+          <a:off x="0" y="2624220"/>
+          <a:ext cx="10702554" cy="847665"/>
+        </a:xfrm>
+        <a:prstGeom prst="rect">
+          <a:avLst/>
+        </a:prstGeom>
+        <a:noFill/>
+        <a:ln>
+          <a:noFill/>
+        </a:ln>
+        <a:effectLst/>
+      </dsp:spPr>
+      <dsp:style>
+        <a:lnRef idx="0">
+          <a:scrgbClr r="0" g="0" b="0"/>
+        </a:lnRef>
+        <a:fillRef idx="0">
+          <a:scrgbClr r="0" g="0" b="0"/>
+        </a:fillRef>
+        <a:effectRef idx="0">
+          <a:scrgbClr r="0" g="0" b="0"/>
+        </a:effectRef>
+        <a:fontRef idx="minor"/>
+      </dsp:style>
+      <dsp:txBody>
+        <a:bodyPr spcFirstLastPara="0" vert="horz" wrap="square" lIns="339806" tIns="26670" rIns="149352" bIns="26670" numCol="1" spcCol="1270" anchor="t" anchorCtr="0">
+          <a:noAutofit/>
+        </a:bodyPr>
+        <a:lstStyle/>
+        <a:p>
+          <a:pPr marL="171450" lvl="1" indent="-171450" algn="l" defTabSz="711200">
+            <a:lnSpc>
+              <a:spcPct val="90000"/>
+            </a:lnSpc>
+            <a:spcBef>
+              <a:spcPct val="0"/>
+            </a:spcBef>
+            <a:spcAft>
+              <a:spcPct val="20000"/>
+            </a:spcAft>
+            <a:buChar char="•"/>
+          </a:pPr>
+          <a:r>
+            <a:rPr lang="en-US" sz="1600" kern="1200"/>
+            <a:t>PVS stores versions in the user database rather than TempDB</a:t>
+          </a:r>
+        </a:p>
+        <a:p>
+          <a:pPr marL="171450" lvl="1" indent="-171450" algn="l" defTabSz="711200">
+            <a:lnSpc>
+              <a:spcPct val="90000"/>
+            </a:lnSpc>
+            <a:spcBef>
+              <a:spcPct val="0"/>
+            </a:spcBef>
+            <a:spcAft>
+              <a:spcPct val="20000"/>
+            </a:spcAft>
+            <a:buChar char="•"/>
+          </a:pPr>
+          <a:r>
+            <a:rPr lang="en-US" sz="1600" kern="1200"/>
+            <a:t>If ADR is enabled, PVS is used to support SNAPSHOT and READ_COMMITTED_SNAPSHOT_ISOLATION transactions</a:t>
+          </a:r>
+        </a:p>
+      </dsp:txBody>
+      <dsp:txXfrm>
+        <a:off x="0" y="2624220"/>
+        <a:ext cx="10702554" cy="847665"/>
+      </dsp:txXfrm>
+    </dsp:sp>
+    <dsp:sp modelId="{58D1D552-EB30-4D1A-98B6-F7351303E2F4}">
+      <dsp:nvSpPr>
+        <dsp:cNvPr id="0" name=""/>
+        <dsp:cNvSpPr/>
+      </dsp:nvSpPr>
+      <dsp:spPr>
+        <a:xfrm>
+          <a:off x="0" y="3471886"/>
+          <a:ext cx="10702554" cy="540540"/>
+        </a:xfrm>
+        <a:prstGeom prst="roundRect">
+          <a:avLst/>
+        </a:prstGeom>
+        <a:solidFill>
+          <a:schemeClr val="accent4">
+            <a:hueOff val="69884"/>
+            <a:satOff val="-18686"/>
+            <a:lumOff val="-12156"/>
+            <a:alphaOff val="0"/>
+          </a:schemeClr>
+        </a:solidFill>
+        <a:ln w="25400" cap="flat" cmpd="sng" algn="ctr">
+          <a:solidFill>
+            <a:schemeClr val="lt1">
+              <a:hueOff val="0"/>
+              <a:satOff val="0"/>
+              <a:lumOff val="0"/>
+              <a:alphaOff val="0"/>
+            </a:schemeClr>
+          </a:solidFill>
+          <a:prstDash val="solid"/>
+        </a:ln>
+        <a:effectLst/>
+      </dsp:spPr>
+      <dsp:style>
+        <a:lnRef idx="2">
+          <a:scrgbClr r="0" g="0" b="0"/>
+        </a:lnRef>
+        <a:fillRef idx="1">
+          <a:scrgbClr r="0" g="0" b="0"/>
+        </a:fillRef>
+        <a:effectRef idx="0">
+          <a:scrgbClr r="0" g="0" b="0"/>
+        </a:effectRef>
+        <a:fontRef idx="minor">
+          <a:schemeClr val="lt1"/>
+        </a:fontRef>
+      </dsp:style>
+      <dsp:txBody>
+        <a:bodyPr spcFirstLastPara="0" vert="horz" wrap="square" lIns="80010" tIns="80010" rIns="80010" bIns="80010" numCol="1" spcCol="1270" anchor="ctr" anchorCtr="0">
+          <a:noAutofit/>
+        </a:bodyPr>
+        <a:lstStyle/>
+        <a:p>
+          <a:pPr marL="0" lvl="0" indent="0" algn="l" defTabSz="933450">
+            <a:lnSpc>
+              <a:spcPct val="90000"/>
+            </a:lnSpc>
+            <a:spcBef>
+              <a:spcPct val="0"/>
+            </a:spcBef>
+            <a:spcAft>
+              <a:spcPct val="35000"/>
+            </a:spcAft>
+            <a:buNone/>
+          </a:pPr>
+          <a:r>
+            <a:rPr lang="en-US" sz="2100" kern="1200"/>
+            <a:t>How does this affect Availability Groups?</a:t>
+          </a:r>
+        </a:p>
+      </dsp:txBody>
+      <dsp:txXfrm>
+        <a:off x="26387" y="3498273"/>
+        <a:ext cx="10649780" cy="487766"/>
+      </dsp:txXfrm>
+    </dsp:sp>
+    <dsp:sp modelId="{FC99353A-A961-4574-8790-3A10D912663E}">
+      <dsp:nvSpPr>
+        <dsp:cNvPr id="0" name=""/>
+        <dsp:cNvSpPr/>
+      </dsp:nvSpPr>
+      <dsp:spPr>
+        <a:xfrm>
+          <a:off x="0" y="4012426"/>
+          <a:ext cx="10702554" cy="1151955"/>
+        </a:xfrm>
+        <a:prstGeom prst="rect">
+          <a:avLst/>
+        </a:prstGeom>
+        <a:noFill/>
+        <a:ln>
+          <a:noFill/>
+        </a:ln>
+        <a:effectLst/>
+      </dsp:spPr>
+      <dsp:style>
+        <a:lnRef idx="0">
+          <a:scrgbClr r="0" g="0" b="0"/>
+        </a:lnRef>
+        <a:fillRef idx="0">
+          <a:scrgbClr r="0" g="0" b="0"/>
+        </a:fillRef>
+        <a:effectRef idx="0">
+          <a:scrgbClr r="0" g="0" b="0"/>
+        </a:effectRef>
+        <a:fontRef idx="minor"/>
+      </dsp:style>
+      <dsp:txBody>
+        <a:bodyPr spcFirstLastPara="0" vert="horz" wrap="square" lIns="339806" tIns="26670" rIns="149352" bIns="26670" numCol="1" spcCol="1270" anchor="t" anchorCtr="0">
+          <a:noAutofit/>
+        </a:bodyPr>
+        <a:lstStyle/>
+        <a:p>
+          <a:pPr marL="171450" lvl="1" indent="-171450" algn="l" defTabSz="711200">
+            <a:lnSpc>
+              <a:spcPct val="90000"/>
+            </a:lnSpc>
+            <a:spcBef>
+              <a:spcPct val="0"/>
+            </a:spcBef>
+            <a:spcAft>
+              <a:spcPct val="20000"/>
+            </a:spcAft>
+            <a:buChar char="•"/>
+          </a:pPr>
+          <a:r>
+            <a:rPr lang="en-US" sz="1600" kern="1200"/>
+            <a:t>PVS and log records replicate to secondaries, secondary communicates oldest versions needed to primary</a:t>
+          </a:r>
+        </a:p>
+        <a:p>
+          <a:pPr marL="171450" lvl="1" indent="-171450" algn="l" defTabSz="711200">
+            <a:lnSpc>
+              <a:spcPct val="90000"/>
+            </a:lnSpc>
+            <a:spcBef>
+              <a:spcPct val="0"/>
+            </a:spcBef>
+            <a:spcAft>
+              <a:spcPct val="20000"/>
+            </a:spcAft>
+            <a:buChar char="•"/>
+          </a:pPr>
+          <a:r>
+            <a:rPr lang="en-US" sz="1600" kern="1200"/>
+            <a:t>ADR can speed up failover because Undo becomes fast</a:t>
+          </a:r>
+        </a:p>
+        <a:p>
+          <a:pPr marL="171450" lvl="1" indent="-171450" algn="l" defTabSz="711200">
+            <a:lnSpc>
+              <a:spcPct val="90000"/>
+            </a:lnSpc>
+            <a:spcBef>
+              <a:spcPct val="0"/>
+            </a:spcBef>
+            <a:spcAft>
+              <a:spcPct val="20000"/>
+            </a:spcAft>
+            <a:buChar char="•"/>
+          </a:pPr>
+          <a:r>
+            <a:rPr lang="en-US" sz="1600" kern="1200"/>
+            <a:t>If the secondary must be restarted without ADR, TempDB is lost so versions are lost and queries must wait for data to commit on primary, with ADR, versions are persisted, so no delay before queries can be served</a:t>
+          </a:r>
+        </a:p>
+      </dsp:txBody>
+      <dsp:txXfrm>
+        <a:off x="0" y="4012426"/>
+        <a:ext cx="10702554" cy="1151955"/>
       </dsp:txXfrm>
     </dsp:sp>
   </dsp:spTree>
@@ -7565,6 +9454,173 @@
 </dgm:layoutDef>
 </file>
 
+<file path=ppt/diagrams/layout6.xml><?xml version="1.0" encoding="utf-8"?>
+<dgm:layoutDef xmlns:dgm="http://schemas.openxmlformats.org/drawingml/2006/diagram" xmlns:a="http://schemas.openxmlformats.org/drawingml/2006/main" uniqueId="urn:microsoft.com/office/officeart/2005/8/layout/vList2">
+  <dgm:title val=""/>
+  <dgm:desc val=""/>
+  <dgm:catLst>
+    <dgm:cat type="list" pri="3000"/>
+    <dgm:cat type="convert" pri="1000"/>
+  </dgm:catLst>
+  <dgm:sampData>
+    <dgm:dataModel>
+      <dgm:ptLst>
+        <dgm:pt modelId="0" type="doc"/>
+        <dgm:pt modelId="1">
+          <dgm:prSet phldr="1"/>
+        </dgm:pt>
+        <dgm:pt modelId="11">
+          <dgm:prSet phldr="1"/>
+        </dgm:pt>
+        <dgm:pt modelId="2">
+          <dgm:prSet phldr="1"/>
+        </dgm:pt>
+        <dgm:pt modelId="21">
+          <dgm:prSet phldr="1"/>
+        </dgm:pt>
+      </dgm:ptLst>
+      <dgm:cxnLst>
+        <dgm:cxn modelId="4" srcId="0" destId="1" srcOrd="0" destOrd="0"/>
+        <dgm:cxn modelId="5" srcId="0" destId="2" srcOrd="1" destOrd="0"/>
+        <dgm:cxn modelId="12" srcId="1" destId="11" srcOrd="0" destOrd="0"/>
+        <dgm:cxn modelId="23" srcId="2" destId="21" srcOrd="0" destOrd="0"/>
+      </dgm:cxnLst>
+      <dgm:bg/>
+      <dgm:whole/>
+    </dgm:dataModel>
+  </dgm:sampData>
+  <dgm:styleData>
+    <dgm:dataModel>
+      <dgm:ptLst>
+        <dgm:pt modelId="0" type="doc"/>
+        <dgm:pt modelId="1"/>
+        <dgm:pt modelId="2"/>
+      </dgm:ptLst>
+      <dgm:cxnLst>
+        <dgm:cxn modelId="3" srcId="0" destId="1" srcOrd="0" destOrd="0"/>
+        <dgm:cxn modelId="4" srcId="0" destId="2" srcOrd="1" destOrd="0"/>
+      </dgm:cxnLst>
+      <dgm:bg/>
+      <dgm:whole/>
+    </dgm:dataModel>
+  </dgm:styleData>
+  <dgm:clrData>
+    <dgm:dataModel>
+      <dgm:ptLst>
+        <dgm:pt modelId="0" type="doc"/>
+        <dgm:pt modelId="1"/>
+        <dgm:pt modelId="2"/>
+        <dgm:pt modelId="3"/>
+        <dgm:pt modelId="4"/>
+      </dgm:ptLst>
+      <dgm:cxnLst>
+        <dgm:cxn modelId="5" srcId="0" destId="1" srcOrd="0" destOrd="0"/>
+        <dgm:cxn modelId="6" srcId="0" destId="2" srcOrd="1" destOrd="0"/>
+        <dgm:cxn modelId="7" srcId="0" destId="3" srcOrd="2" destOrd="0"/>
+        <dgm:cxn modelId="8" srcId="0" destId="4" srcOrd="3" destOrd="0"/>
+      </dgm:cxnLst>
+      <dgm:bg/>
+      <dgm:whole/>
+    </dgm:dataModel>
+  </dgm:clrData>
+  <dgm:layoutNode name="linear">
+    <dgm:varLst>
+      <dgm:animLvl val="lvl"/>
+      <dgm:resizeHandles val="exact"/>
+    </dgm:varLst>
+    <dgm:alg type="lin">
+      <dgm:param type="linDir" val="fromT"/>
+      <dgm:param type="vertAlign" val="mid"/>
+    </dgm:alg>
+    <dgm:shape xmlns:r="http://schemas.openxmlformats.org/officeDocument/2006/relationships" r:blip="">
+      <dgm:adjLst/>
+    </dgm:shape>
+    <dgm:presOf/>
+    <dgm:constrLst>
+      <dgm:constr type="w" for="ch" forName="parentText" refType="w"/>
+      <dgm:constr type="h" for="ch" forName="parentText" refType="primFontSz" refFor="ch" refForName="parentText" fact="0.52"/>
+      <dgm:constr type="w" for="ch" forName="childText" refType="w"/>
+      <dgm:constr type="h" for="ch" forName="childText" refType="primFontSz" refFor="ch" refForName="parentText" fact="0.46"/>
+      <dgm:constr type="h" for="ch" forName="parentText" op="equ"/>
+      <dgm:constr type="primFontSz" for="ch" forName="parentText" op="equ" val="65"/>
+      <dgm:constr type="primFontSz" for="ch" forName="childText" refType="primFontSz" refFor="ch" refForName="parentText" op="equ"/>
+      <dgm:constr type="h" for="ch" forName="spacer" refType="primFontSz" refFor="ch" refForName="parentText" fact="0.08"/>
+    </dgm:constrLst>
+    <dgm:ruleLst>
+      <dgm:rule type="primFontSz" for="ch" forName="parentText" val="5" fact="NaN" max="NaN"/>
+    </dgm:ruleLst>
+    <dgm:forEach name="Name0" axis="ch" ptType="node">
+      <dgm:layoutNode name="parentText" styleLbl="node1">
+        <dgm:varLst>
+          <dgm:chMax val="0"/>
+          <dgm:bulletEnabled val="1"/>
+        </dgm:varLst>
+        <dgm:alg type="tx">
+          <dgm:param type="parTxLTRAlign" val="l"/>
+          <dgm:param type="parTxRTLAlign" val="r"/>
+        </dgm:alg>
+        <dgm:shape xmlns:r="http://schemas.openxmlformats.org/officeDocument/2006/relationships" type="roundRect" r:blip="">
+          <dgm:adjLst/>
+        </dgm:shape>
+        <dgm:presOf axis="self"/>
+        <dgm:constrLst>
+          <dgm:constr type="tMarg" refType="primFontSz" fact="0.3"/>
+          <dgm:constr type="bMarg" refType="primFontSz" fact="0.3"/>
+          <dgm:constr type="lMarg" refType="primFontSz" fact="0.3"/>
+          <dgm:constr type="rMarg" refType="primFontSz" fact="0.3"/>
+        </dgm:constrLst>
+        <dgm:ruleLst>
+          <dgm:rule type="h" val="INF" fact="NaN" max="NaN"/>
+        </dgm:ruleLst>
+      </dgm:layoutNode>
+      <dgm:choose name="Name1">
+        <dgm:if name="Name2" axis="ch" ptType="node" func="cnt" op="gte" val="1">
+          <dgm:layoutNode name="childText" styleLbl="revTx">
+            <dgm:varLst>
+              <dgm:bulletEnabled val="1"/>
+            </dgm:varLst>
+            <dgm:alg type="tx">
+              <dgm:param type="stBulletLvl" val="1"/>
+              <dgm:param type="lnSpAfChP" val="20"/>
+            </dgm:alg>
+            <dgm:shape xmlns:r="http://schemas.openxmlformats.org/officeDocument/2006/relationships" type="rect" r:blip="">
+              <dgm:adjLst/>
+            </dgm:shape>
+            <dgm:presOf axis="des" ptType="node"/>
+            <dgm:constrLst>
+              <dgm:constr type="tMarg" refType="primFontSz" fact="0.1"/>
+              <dgm:constr type="bMarg" refType="primFontSz" fact="0.1"/>
+              <dgm:constr type="lMarg" refType="w" fact="0.09"/>
+            </dgm:constrLst>
+            <dgm:ruleLst>
+              <dgm:rule type="h" val="INF" fact="NaN" max="NaN"/>
+            </dgm:ruleLst>
+          </dgm:layoutNode>
+        </dgm:if>
+        <dgm:else name="Name3">
+          <dgm:choose name="Name4">
+            <dgm:if name="Name5" axis="par ch" ptType="doc node" func="cnt" op="gte" val="2">
+              <dgm:forEach name="Name6" axis="followSib" ptType="sibTrans" cnt="1">
+                <dgm:layoutNode name="spacer">
+                  <dgm:alg type="sp"/>
+                  <dgm:shape xmlns:r="http://schemas.openxmlformats.org/officeDocument/2006/relationships" r:blip="">
+                    <dgm:adjLst/>
+                  </dgm:shape>
+                  <dgm:presOf/>
+                  <dgm:constrLst/>
+                  <dgm:ruleLst/>
+                </dgm:layoutNode>
+              </dgm:forEach>
+            </dgm:if>
+            <dgm:else name="Name7"/>
+          </dgm:choose>
+        </dgm:else>
+      </dgm:choose>
+    </dgm:forEach>
+  </dgm:layoutNode>
+</dgm:layoutDef>
+</file>
+
 <file path=ppt/diagrams/quickStyle1.xml><?xml version="1.0" encoding="utf-8"?>
 <dgm:styleDef xmlns:dgm="http://schemas.openxmlformats.org/drawingml/2006/diagram" xmlns:a="http://schemas.openxmlformats.org/drawingml/2006/main" uniqueId="urn:microsoft.com/office/officeart/2005/8/quickstyle/simple1">
   <dgm:title val=""/>
@@ -11702,6 +13758,1040 @@
 </file>
 
 <file path=ppt/diagrams/quickStyle5.xml><?xml version="1.0" encoding="utf-8"?>
+<dgm:styleDef xmlns:dgm="http://schemas.openxmlformats.org/drawingml/2006/diagram" xmlns:a="http://schemas.openxmlformats.org/drawingml/2006/main" uniqueId="urn:microsoft.com/office/officeart/2005/8/quickstyle/simple1">
+  <dgm:title val=""/>
+  <dgm:desc val=""/>
+  <dgm:catLst>
+    <dgm:cat type="simple" pri="10100"/>
+  </dgm:catLst>
+  <dgm:scene3d>
+    <a:camera prst="orthographicFront"/>
+    <a:lightRig rig="threePt" dir="t"/>
+  </dgm:scene3d>
+  <dgm:styleLbl name="node0">
+    <dgm:scene3d>
+      <a:camera prst="orthographicFront"/>
+      <a:lightRig rig="threePt" dir="t"/>
+    </dgm:scene3d>
+    <dgm:sp3d/>
+    <dgm:txPr/>
+    <dgm:style>
+      <a:lnRef idx="2">
+        <a:scrgbClr r="0" g="0" b="0"/>
+      </a:lnRef>
+      <a:fillRef idx="1">
+        <a:scrgbClr r="0" g="0" b="0"/>
+      </a:fillRef>
+      <a:effectRef idx="0">
+        <a:scrgbClr r="0" g="0" b="0"/>
+      </a:effectRef>
+      <a:fontRef idx="minor">
+        <a:schemeClr val="lt1"/>
+      </a:fontRef>
+    </dgm:style>
+  </dgm:styleLbl>
+  <dgm:styleLbl name="lnNode1">
+    <dgm:scene3d>
+      <a:camera prst="orthographicFront"/>
+      <a:lightRig rig="threePt" dir="t"/>
+    </dgm:scene3d>
+    <dgm:sp3d/>
+    <dgm:txPr/>
+    <dgm:style>
+      <a:lnRef idx="2">
+        <a:scrgbClr r="0" g="0" b="0"/>
+      </a:lnRef>
+      <a:fillRef idx="1">
+        <a:scrgbClr r="0" g="0" b="0"/>
+      </a:fillRef>
+      <a:effectRef idx="0">
+        <a:scrgbClr r="0" g="0" b="0"/>
+      </a:effectRef>
+      <a:fontRef idx="minor">
+        <a:schemeClr val="lt1"/>
+      </a:fontRef>
+    </dgm:style>
+  </dgm:styleLbl>
+  <dgm:styleLbl name="vennNode1">
+    <dgm:scene3d>
+      <a:camera prst="orthographicFront"/>
+      <a:lightRig rig="threePt" dir="t"/>
+    </dgm:scene3d>
+    <dgm:sp3d/>
+    <dgm:txPr/>
+    <dgm:style>
+      <a:lnRef idx="2">
+        <a:scrgbClr r="0" g="0" b="0"/>
+      </a:lnRef>
+      <a:fillRef idx="1">
+        <a:scrgbClr r="0" g="0" b="0"/>
+      </a:fillRef>
+      <a:effectRef idx="0">
+        <a:scrgbClr r="0" g="0" b="0"/>
+      </a:effectRef>
+      <a:fontRef idx="minor">
+        <a:schemeClr val="tx1"/>
+      </a:fontRef>
+    </dgm:style>
+  </dgm:styleLbl>
+  <dgm:styleLbl name="alignNode1">
+    <dgm:scene3d>
+      <a:camera prst="orthographicFront"/>
+      <a:lightRig rig="threePt" dir="t"/>
+    </dgm:scene3d>
+    <dgm:sp3d/>
+    <dgm:txPr/>
+    <dgm:style>
+      <a:lnRef idx="2">
+        <a:scrgbClr r="0" g="0" b="0"/>
+      </a:lnRef>
+      <a:fillRef idx="1">
+        <a:scrgbClr r="0" g="0" b="0"/>
+      </a:fillRef>
+      <a:effectRef idx="0">
+        <a:scrgbClr r="0" g="0" b="0"/>
+      </a:effectRef>
+      <a:fontRef idx="minor">
+        <a:schemeClr val="lt1"/>
+      </a:fontRef>
+    </dgm:style>
+  </dgm:styleLbl>
+  <dgm:styleLbl name="node1">
+    <dgm:scene3d>
+      <a:camera prst="orthographicFront"/>
+      <a:lightRig rig="threePt" dir="t"/>
+    </dgm:scene3d>
+    <dgm:sp3d/>
+    <dgm:txPr/>
+    <dgm:style>
+      <a:lnRef idx="2">
+        <a:scrgbClr r="0" g="0" b="0"/>
+      </a:lnRef>
+      <a:fillRef idx="1">
+        <a:scrgbClr r="0" g="0" b="0"/>
+      </a:fillRef>
+      <a:effectRef idx="0">
+        <a:scrgbClr r="0" g="0" b="0"/>
+      </a:effectRef>
+      <a:fontRef idx="minor">
+        <a:schemeClr val="lt1"/>
+      </a:fontRef>
+    </dgm:style>
+  </dgm:styleLbl>
+  <dgm:styleLbl name="node2">
+    <dgm:scene3d>
+      <a:camera prst="orthographicFront"/>
+      <a:lightRig rig="threePt" dir="t"/>
+    </dgm:scene3d>
+    <dgm:sp3d/>
+    <dgm:txPr/>
+    <dgm:style>
+      <a:lnRef idx="2">
+        <a:scrgbClr r="0" g="0" b="0"/>
+      </a:lnRef>
+      <a:fillRef idx="1">
+        <a:scrgbClr r="0" g="0" b="0"/>
+      </a:fillRef>
+      <a:effectRef idx="0">
+        <a:scrgbClr r="0" g="0" b="0"/>
+      </a:effectRef>
+      <a:fontRef idx="minor">
+        <a:schemeClr val="lt1"/>
+      </a:fontRef>
+    </dgm:style>
+  </dgm:styleLbl>
+  <dgm:styleLbl name="node3">
+    <dgm:scene3d>
+      <a:camera prst="orthographicFront"/>
+      <a:lightRig rig="threePt" dir="t"/>
+    </dgm:scene3d>
+    <dgm:sp3d/>
+    <dgm:txPr/>
+    <dgm:style>
+      <a:lnRef idx="2">
+        <a:scrgbClr r="0" g="0" b="0"/>
+      </a:lnRef>
+      <a:fillRef idx="1">
+        <a:scrgbClr r="0" g="0" b="0"/>
+      </a:fillRef>
+      <a:effectRef idx="0">
+        <a:scrgbClr r="0" g="0" b="0"/>
+      </a:effectRef>
+      <a:fontRef idx="minor">
+        <a:schemeClr val="lt1"/>
+      </a:fontRef>
+    </dgm:style>
+  </dgm:styleLbl>
+  <dgm:styleLbl name="node4">
+    <dgm:scene3d>
+      <a:camera prst="orthographicFront"/>
+      <a:lightRig rig="threePt" dir="t"/>
+    </dgm:scene3d>
+    <dgm:sp3d/>
+    <dgm:txPr/>
+    <dgm:style>
+      <a:lnRef idx="2">
+        <a:scrgbClr r="0" g="0" b="0"/>
+      </a:lnRef>
+      <a:fillRef idx="1">
+        <a:scrgbClr r="0" g="0" b="0"/>
+      </a:fillRef>
+      <a:effectRef idx="0">
+        <a:scrgbClr r="0" g="0" b="0"/>
+      </a:effectRef>
+      <a:fontRef idx="minor">
+        <a:schemeClr val="lt1"/>
+      </a:fontRef>
+    </dgm:style>
+  </dgm:styleLbl>
+  <dgm:styleLbl name="fgImgPlace1">
+    <dgm:scene3d>
+      <a:camera prst="orthographicFront"/>
+      <a:lightRig rig="threePt" dir="t"/>
+    </dgm:scene3d>
+    <dgm:sp3d/>
+    <dgm:txPr/>
+    <dgm:style>
+      <a:lnRef idx="2">
+        <a:scrgbClr r="0" g="0" b="0"/>
+      </a:lnRef>
+      <a:fillRef idx="1">
+        <a:scrgbClr r="0" g="0" b="0"/>
+      </a:fillRef>
+      <a:effectRef idx="0">
+        <a:scrgbClr r="0" g="0" b="0"/>
+      </a:effectRef>
+      <a:fontRef idx="minor"/>
+    </dgm:style>
+  </dgm:styleLbl>
+  <dgm:styleLbl name="alignImgPlace1">
+    <dgm:scene3d>
+      <a:camera prst="orthographicFront"/>
+      <a:lightRig rig="threePt" dir="t"/>
+    </dgm:scene3d>
+    <dgm:sp3d/>
+    <dgm:txPr/>
+    <dgm:style>
+      <a:lnRef idx="2">
+        <a:scrgbClr r="0" g="0" b="0"/>
+      </a:lnRef>
+      <a:fillRef idx="1">
+        <a:scrgbClr r="0" g="0" b="0"/>
+      </a:fillRef>
+      <a:effectRef idx="0">
+        <a:scrgbClr r="0" g="0" b="0"/>
+      </a:effectRef>
+      <a:fontRef idx="minor"/>
+    </dgm:style>
+  </dgm:styleLbl>
+  <dgm:styleLbl name="bgImgPlace1">
+    <dgm:scene3d>
+      <a:camera prst="orthographicFront"/>
+      <a:lightRig rig="threePt" dir="t"/>
+    </dgm:scene3d>
+    <dgm:sp3d/>
+    <dgm:txPr/>
+    <dgm:style>
+      <a:lnRef idx="2">
+        <a:scrgbClr r="0" g="0" b="0"/>
+      </a:lnRef>
+      <a:fillRef idx="1">
+        <a:scrgbClr r="0" g="0" b="0"/>
+      </a:fillRef>
+      <a:effectRef idx="0">
+        <a:scrgbClr r="0" g="0" b="0"/>
+      </a:effectRef>
+      <a:fontRef idx="minor"/>
+    </dgm:style>
+  </dgm:styleLbl>
+  <dgm:styleLbl name="sibTrans2D1">
+    <dgm:scene3d>
+      <a:camera prst="orthographicFront"/>
+      <a:lightRig rig="threePt" dir="t"/>
+    </dgm:scene3d>
+    <dgm:sp3d/>
+    <dgm:txPr/>
+    <dgm:style>
+      <a:lnRef idx="0">
+        <a:scrgbClr r="0" g="0" b="0"/>
+      </a:lnRef>
+      <a:fillRef idx="1">
+        <a:scrgbClr r="0" g="0" b="0"/>
+      </a:fillRef>
+      <a:effectRef idx="0">
+        <a:scrgbClr r="0" g="0" b="0"/>
+      </a:effectRef>
+      <a:fontRef idx="minor">
+        <a:schemeClr val="lt1"/>
+      </a:fontRef>
+    </dgm:style>
+  </dgm:styleLbl>
+  <dgm:styleLbl name="fgSibTrans2D1">
+    <dgm:scene3d>
+      <a:camera prst="orthographicFront"/>
+      <a:lightRig rig="threePt" dir="t"/>
+    </dgm:scene3d>
+    <dgm:sp3d/>
+    <dgm:txPr/>
+    <dgm:style>
+      <a:lnRef idx="0">
+        <a:scrgbClr r="0" g="0" b="0"/>
+      </a:lnRef>
+      <a:fillRef idx="1">
+        <a:scrgbClr r="0" g="0" b="0"/>
+      </a:fillRef>
+      <a:effectRef idx="0">
+        <a:scrgbClr r="0" g="0" b="0"/>
+      </a:effectRef>
+      <a:fontRef idx="minor">
+        <a:schemeClr val="lt1"/>
+      </a:fontRef>
+    </dgm:style>
+  </dgm:styleLbl>
+  <dgm:styleLbl name="bgSibTrans2D1">
+    <dgm:scene3d>
+      <a:camera prst="orthographicFront"/>
+      <a:lightRig rig="threePt" dir="t"/>
+    </dgm:scene3d>
+    <dgm:sp3d/>
+    <dgm:txPr/>
+    <dgm:style>
+      <a:lnRef idx="0">
+        <a:scrgbClr r="0" g="0" b="0"/>
+      </a:lnRef>
+      <a:fillRef idx="1">
+        <a:scrgbClr r="0" g="0" b="0"/>
+      </a:fillRef>
+      <a:effectRef idx="0">
+        <a:scrgbClr r="0" g="0" b="0"/>
+      </a:effectRef>
+      <a:fontRef idx="minor">
+        <a:schemeClr val="lt1"/>
+      </a:fontRef>
+    </dgm:style>
+  </dgm:styleLbl>
+  <dgm:styleLbl name="sibTrans1D1">
+    <dgm:scene3d>
+      <a:camera prst="orthographicFront"/>
+      <a:lightRig rig="threePt" dir="t"/>
+    </dgm:scene3d>
+    <dgm:sp3d/>
+    <dgm:txPr/>
+    <dgm:style>
+      <a:lnRef idx="1">
+        <a:scrgbClr r="0" g="0" b="0"/>
+      </a:lnRef>
+      <a:fillRef idx="0">
+        <a:scrgbClr r="0" g="0" b="0"/>
+      </a:fillRef>
+      <a:effectRef idx="0">
+        <a:scrgbClr r="0" g="0" b="0"/>
+      </a:effectRef>
+      <a:fontRef idx="minor"/>
+    </dgm:style>
+  </dgm:styleLbl>
+  <dgm:styleLbl name="callout">
+    <dgm:scene3d>
+      <a:camera prst="orthographicFront"/>
+      <a:lightRig rig="threePt" dir="t"/>
+    </dgm:scene3d>
+    <dgm:sp3d/>
+    <dgm:txPr/>
+    <dgm:style>
+      <a:lnRef idx="2">
+        <a:scrgbClr r="0" g="0" b="0"/>
+      </a:lnRef>
+      <a:fillRef idx="1">
+        <a:scrgbClr r="0" g="0" b="0"/>
+      </a:fillRef>
+      <a:effectRef idx="0">
+        <a:scrgbClr r="0" g="0" b="0"/>
+      </a:effectRef>
+      <a:fontRef idx="minor"/>
+    </dgm:style>
+  </dgm:styleLbl>
+  <dgm:styleLbl name="asst0">
+    <dgm:scene3d>
+      <a:camera prst="orthographicFront"/>
+      <a:lightRig rig="threePt" dir="t"/>
+    </dgm:scene3d>
+    <dgm:sp3d/>
+    <dgm:txPr/>
+    <dgm:style>
+      <a:lnRef idx="2">
+        <a:scrgbClr r="0" g="0" b="0"/>
+      </a:lnRef>
+      <a:fillRef idx="1">
+        <a:scrgbClr r="0" g="0" b="0"/>
+      </a:fillRef>
+      <a:effectRef idx="0">
+        <a:scrgbClr r="0" g="0" b="0"/>
+      </a:effectRef>
+      <a:fontRef idx="minor">
+        <a:schemeClr val="lt1"/>
+      </a:fontRef>
+    </dgm:style>
+  </dgm:styleLbl>
+  <dgm:styleLbl name="asst1">
+    <dgm:scene3d>
+      <a:camera prst="orthographicFront"/>
+      <a:lightRig rig="threePt" dir="t"/>
+    </dgm:scene3d>
+    <dgm:sp3d/>
+    <dgm:txPr/>
+    <dgm:style>
+      <a:lnRef idx="2">
+        <a:scrgbClr r="0" g="0" b="0"/>
+      </a:lnRef>
+      <a:fillRef idx="1">
+        <a:scrgbClr r="0" g="0" b="0"/>
+      </a:fillRef>
+      <a:effectRef idx="0">
+        <a:scrgbClr r="0" g="0" b="0"/>
+      </a:effectRef>
+      <a:fontRef idx="minor">
+        <a:schemeClr val="lt1"/>
+      </a:fontRef>
+    </dgm:style>
+  </dgm:styleLbl>
+  <dgm:styleLbl name="asst2">
+    <dgm:scene3d>
+      <a:camera prst="orthographicFront"/>
+      <a:lightRig rig="threePt" dir="t"/>
+    </dgm:scene3d>
+    <dgm:sp3d/>
+    <dgm:txPr/>
+    <dgm:style>
+      <a:lnRef idx="2">
+        <a:scrgbClr r="0" g="0" b="0"/>
+      </a:lnRef>
+      <a:fillRef idx="1">
+        <a:scrgbClr r="0" g="0" b="0"/>
+      </a:fillRef>
+      <a:effectRef idx="0">
+        <a:scrgbClr r="0" g="0" b="0"/>
+      </a:effectRef>
+      <a:fontRef idx="minor">
+        <a:schemeClr val="lt1"/>
+      </a:fontRef>
+    </dgm:style>
+  </dgm:styleLbl>
+  <dgm:styleLbl name="asst3">
+    <dgm:scene3d>
+      <a:camera prst="orthographicFront"/>
+      <a:lightRig rig="threePt" dir="t"/>
+    </dgm:scene3d>
+    <dgm:sp3d/>
+    <dgm:txPr/>
+    <dgm:style>
+      <a:lnRef idx="2">
+        <a:scrgbClr r="0" g="0" b="0"/>
+      </a:lnRef>
+      <a:fillRef idx="1">
+        <a:scrgbClr r="0" g="0" b="0"/>
+      </a:fillRef>
+      <a:effectRef idx="0">
+        <a:scrgbClr r="0" g="0" b="0"/>
+      </a:effectRef>
+      <a:fontRef idx="minor">
+        <a:schemeClr val="lt1"/>
+      </a:fontRef>
+    </dgm:style>
+  </dgm:styleLbl>
+  <dgm:styleLbl name="asst4">
+    <dgm:scene3d>
+      <a:camera prst="orthographicFront"/>
+      <a:lightRig rig="threePt" dir="t"/>
+    </dgm:scene3d>
+    <dgm:sp3d/>
+    <dgm:txPr/>
+    <dgm:style>
+      <a:lnRef idx="2">
+        <a:scrgbClr r="0" g="0" b="0"/>
+      </a:lnRef>
+      <a:fillRef idx="1">
+        <a:scrgbClr r="0" g="0" b="0"/>
+      </a:fillRef>
+      <a:effectRef idx="0">
+        <a:scrgbClr r="0" g="0" b="0"/>
+      </a:effectRef>
+      <a:fontRef idx="minor">
+        <a:schemeClr val="lt1"/>
+      </a:fontRef>
+    </dgm:style>
+  </dgm:styleLbl>
+  <dgm:styleLbl name="parChTrans2D1">
+    <dgm:scene3d>
+      <a:camera prst="orthographicFront"/>
+      <a:lightRig rig="threePt" dir="t"/>
+    </dgm:scene3d>
+    <dgm:sp3d/>
+    <dgm:txPr/>
+    <dgm:style>
+      <a:lnRef idx="2">
+        <a:scrgbClr r="0" g="0" b="0"/>
+      </a:lnRef>
+      <a:fillRef idx="1">
+        <a:scrgbClr r="0" g="0" b="0"/>
+      </a:fillRef>
+      <a:effectRef idx="0">
+        <a:scrgbClr r="0" g="0" b="0"/>
+      </a:effectRef>
+      <a:fontRef idx="minor">
+        <a:schemeClr val="lt1"/>
+      </a:fontRef>
+    </dgm:style>
+  </dgm:styleLbl>
+  <dgm:styleLbl name="parChTrans2D2">
+    <dgm:scene3d>
+      <a:camera prst="orthographicFront"/>
+      <a:lightRig rig="threePt" dir="t"/>
+    </dgm:scene3d>
+    <dgm:sp3d/>
+    <dgm:txPr/>
+    <dgm:style>
+      <a:lnRef idx="2">
+        <a:scrgbClr r="0" g="0" b="0"/>
+      </a:lnRef>
+      <a:fillRef idx="1">
+        <a:scrgbClr r="0" g="0" b="0"/>
+      </a:fillRef>
+      <a:effectRef idx="0">
+        <a:scrgbClr r="0" g="0" b="0"/>
+      </a:effectRef>
+      <a:fontRef idx="minor">
+        <a:schemeClr val="lt1"/>
+      </a:fontRef>
+    </dgm:style>
+  </dgm:styleLbl>
+  <dgm:styleLbl name="parChTrans2D3">
+    <dgm:scene3d>
+      <a:camera prst="orthographicFront"/>
+      <a:lightRig rig="threePt" dir="t"/>
+    </dgm:scene3d>
+    <dgm:sp3d/>
+    <dgm:txPr/>
+    <dgm:style>
+      <a:lnRef idx="2">
+        <a:scrgbClr r="0" g="0" b="0"/>
+      </a:lnRef>
+      <a:fillRef idx="1">
+        <a:scrgbClr r="0" g="0" b="0"/>
+      </a:fillRef>
+      <a:effectRef idx="0">
+        <a:scrgbClr r="0" g="0" b="0"/>
+      </a:effectRef>
+      <a:fontRef idx="minor">
+        <a:schemeClr val="lt1"/>
+      </a:fontRef>
+    </dgm:style>
+  </dgm:styleLbl>
+  <dgm:styleLbl name="parChTrans2D4">
+    <dgm:scene3d>
+      <a:camera prst="orthographicFront"/>
+      <a:lightRig rig="threePt" dir="t"/>
+    </dgm:scene3d>
+    <dgm:sp3d/>
+    <dgm:txPr/>
+    <dgm:style>
+      <a:lnRef idx="2">
+        <a:scrgbClr r="0" g="0" b="0"/>
+      </a:lnRef>
+      <a:fillRef idx="1">
+        <a:scrgbClr r="0" g="0" b="0"/>
+      </a:fillRef>
+      <a:effectRef idx="0">
+        <a:scrgbClr r="0" g="0" b="0"/>
+      </a:effectRef>
+      <a:fontRef idx="minor">
+        <a:schemeClr val="lt1"/>
+      </a:fontRef>
+    </dgm:style>
+  </dgm:styleLbl>
+  <dgm:styleLbl name="parChTrans1D1">
+    <dgm:scene3d>
+      <a:camera prst="orthographicFront"/>
+      <a:lightRig rig="threePt" dir="t"/>
+    </dgm:scene3d>
+    <dgm:sp3d/>
+    <dgm:txPr/>
+    <dgm:style>
+      <a:lnRef idx="2">
+        <a:scrgbClr r="0" g="0" b="0"/>
+      </a:lnRef>
+      <a:fillRef idx="0">
+        <a:scrgbClr r="0" g="0" b="0"/>
+      </a:fillRef>
+      <a:effectRef idx="0">
+        <a:scrgbClr r="0" g="0" b="0"/>
+      </a:effectRef>
+      <a:fontRef idx="minor"/>
+    </dgm:style>
+  </dgm:styleLbl>
+  <dgm:styleLbl name="parChTrans1D2">
+    <dgm:scene3d>
+      <a:camera prst="orthographicFront"/>
+      <a:lightRig rig="threePt" dir="t"/>
+    </dgm:scene3d>
+    <dgm:sp3d/>
+    <dgm:txPr/>
+    <dgm:style>
+      <a:lnRef idx="2">
+        <a:scrgbClr r="0" g="0" b="0"/>
+      </a:lnRef>
+      <a:fillRef idx="0">
+        <a:scrgbClr r="0" g="0" b="0"/>
+      </a:fillRef>
+      <a:effectRef idx="0">
+        <a:scrgbClr r="0" g="0" b="0"/>
+      </a:effectRef>
+      <a:fontRef idx="minor"/>
+    </dgm:style>
+  </dgm:styleLbl>
+  <dgm:styleLbl name="parChTrans1D3">
+    <dgm:scene3d>
+      <a:camera prst="orthographicFront"/>
+      <a:lightRig rig="threePt" dir="t"/>
+    </dgm:scene3d>
+    <dgm:sp3d/>
+    <dgm:txPr/>
+    <dgm:style>
+      <a:lnRef idx="2">
+        <a:scrgbClr r="0" g="0" b="0"/>
+      </a:lnRef>
+      <a:fillRef idx="0">
+        <a:scrgbClr r="0" g="0" b="0"/>
+      </a:fillRef>
+      <a:effectRef idx="0">
+        <a:scrgbClr r="0" g="0" b="0"/>
+      </a:effectRef>
+      <a:fontRef idx="minor"/>
+    </dgm:style>
+  </dgm:styleLbl>
+  <dgm:styleLbl name="parChTrans1D4">
+    <dgm:scene3d>
+      <a:camera prst="orthographicFront"/>
+      <a:lightRig rig="threePt" dir="t"/>
+    </dgm:scene3d>
+    <dgm:sp3d/>
+    <dgm:txPr/>
+    <dgm:style>
+      <a:lnRef idx="2">
+        <a:scrgbClr r="0" g="0" b="0"/>
+      </a:lnRef>
+      <a:fillRef idx="0">
+        <a:scrgbClr r="0" g="0" b="0"/>
+      </a:fillRef>
+      <a:effectRef idx="0">
+        <a:scrgbClr r="0" g="0" b="0"/>
+      </a:effectRef>
+      <a:fontRef idx="minor"/>
+    </dgm:style>
+  </dgm:styleLbl>
+  <dgm:styleLbl name="fgAcc1">
+    <dgm:scene3d>
+      <a:camera prst="orthographicFront"/>
+      <a:lightRig rig="threePt" dir="t"/>
+    </dgm:scene3d>
+    <dgm:sp3d/>
+    <dgm:txPr/>
+    <dgm:style>
+      <a:lnRef idx="2">
+        <a:scrgbClr r="0" g="0" b="0"/>
+      </a:lnRef>
+      <a:fillRef idx="1">
+        <a:scrgbClr r="0" g="0" b="0"/>
+      </a:fillRef>
+      <a:effectRef idx="0">
+        <a:scrgbClr r="0" g="0" b="0"/>
+      </a:effectRef>
+      <a:fontRef idx="minor"/>
+    </dgm:style>
+  </dgm:styleLbl>
+  <dgm:styleLbl name="conFgAcc1">
+    <dgm:scene3d>
+      <a:camera prst="orthographicFront"/>
+      <a:lightRig rig="threePt" dir="t"/>
+    </dgm:scene3d>
+    <dgm:sp3d/>
+    <dgm:txPr/>
+    <dgm:style>
+      <a:lnRef idx="2">
+        <a:scrgbClr r="0" g="0" b="0"/>
+      </a:lnRef>
+      <a:fillRef idx="1">
+        <a:scrgbClr r="0" g="0" b="0"/>
+      </a:fillRef>
+      <a:effectRef idx="0">
+        <a:scrgbClr r="0" g="0" b="0"/>
+      </a:effectRef>
+      <a:fontRef idx="minor"/>
+    </dgm:style>
+  </dgm:styleLbl>
+  <dgm:styleLbl name="alignAcc1">
+    <dgm:scene3d>
+      <a:camera prst="orthographicFront"/>
+      <a:lightRig rig="threePt" dir="t"/>
+    </dgm:scene3d>
+    <dgm:sp3d/>
+    <dgm:txPr/>
+    <dgm:style>
+      <a:lnRef idx="2">
+        <a:scrgbClr r="0" g="0" b="0"/>
+      </a:lnRef>
+      <a:fillRef idx="1">
+        <a:scrgbClr r="0" g="0" b="0"/>
+      </a:fillRef>
+      <a:effectRef idx="0">
+        <a:scrgbClr r="0" g="0" b="0"/>
+      </a:effectRef>
+      <a:fontRef idx="minor"/>
+    </dgm:style>
+  </dgm:styleLbl>
+  <dgm:styleLbl name="trAlignAcc1">
+    <dgm:scene3d>
+      <a:camera prst="orthographicFront"/>
+      <a:lightRig rig="threePt" dir="t"/>
+    </dgm:scene3d>
+    <dgm:sp3d/>
+    <dgm:txPr/>
+    <dgm:style>
+      <a:lnRef idx="1">
+        <a:scrgbClr r="0" g="0" b="0"/>
+      </a:lnRef>
+      <a:fillRef idx="1">
+        <a:scrgbClr r="0" g="0" b="0"/>
+      </a:fillRef>
+      <a:effectRef idx="0">
+        <a:scrgbClr r="0" g="0" b="0"/>
+      </a:effectRef>
+      <a:fontRef idx="minor"/>
+    </dgm:style>
+  </dgm:styleLbl>
+  <dgm:styleLbl name="bgAcc1">
+    <dgm:scene3d>
+      <a:camera prst="orthographicFront"/>
+      <a:lightRig rig="threePt" dir="t"/>
+    </dgm:scene3d>
+    <dgm:sp3d/>
+    <dgm:txPr/>
+    <dgm:style>
+      <a:lnRef idx="2">
+        <a:scrgbClr r="0" g="0" b="0"/>
+      </a:lnRef>
+      <a:fillRef idx="1">
+        <a:scrgbClr r="0" g="0" b="0"/>
+      </a:fillRef>
+      <a:effectRef idx="0">
+        <a:scrgbClr r="0" g="0" b="0"/>
+      </a:effectRef>
+      <a:fontRef idx="minor"/>
+    </dgm:style>
+  </dgm:styleLbl>
+  <dgm:styleLbl name="solidFgAcc1">
+    <dgm:scene3d>
+      <a:camera prst="orthographicFront"/>
+      <a:lightRig rig="threePt" dir="t"/>
+    </dgm:scene3d>
+    <dgm:sp3d/>
+    <dgm:txPr/>
+    <dgm:style>
+      <a:lnRef idx="2">
+        <a:scrgbClr r="0" g="0" b="0"/>
+      </a:lnRef>
+      <a:fillRef idx="1">
+        <a:scrgbClr r="0" g="0" b="0"/>
+      </a:fillRef>
+      <a:effectRef idx="0">
+        <a:scrgbClr r="0" g="0" b="0"/>
+      </a:effectRef>
+      <a:fontRef idx="minor"/>
+    </dgm:style>
+  </dgm:styleLbl>
+  <dgm:styleLbl name="solidAlignAcc1">
+    <dgm:scene3d>
+      <a:camera prst="orthographicFront"/>
+      <a:lightRig rig="threePt" dir="t"/>
+    </dgm:scene3d>
+    <dgm:sp3d/>
+    <dgm:txPr/>
+    <dgm:style>
+      <a:lnRef idx="2">
+        <a:scrgbClr r="0" g="0" b="0"/>
+      </a:lnRef>
+      <a:fillRef idx="1">
+        <a:scrgbClr r="0" g="0" b="0"/>
+      </a:fillRef>
+      <a:effectRef idx="0">
+        <a:scrgbClr r="0" g="0" b="0"/>
+      </a:effectRef>
+      <a:fontRef idx="minor"/>
+    </dgm:style>
+  </dgm:styleLbl>
+  <dgm:styleLbl name="solidBgAcc1">
+    <dgm:scene3d>
+      <a:camera prst="orthographicFront"/>
+      <a:lightRig rig="threePt" dir="t"/>
+    </dgm:scene3d>
+    <dgm:sp3d/>
+    <dgm:txPr/>
+    <dgm:style>
+      <a:lnRef idx="2">
+        <a:scrgbClr r="0" g="0" b="0"/>
+      </a:lnRef>
+      <a:fillRef idx="1">
+        <a:scrgbClr r="0" g="0" b="0"/>
+      </a:fillRef>
+      <a:effectRef idx="0">
+        <a:scrgbClr r="0" g="0" b="0"/>
+      </a:effectRef>
+      <a:fontRef idx="minor"/>
+    </dgm:style>
+  </dgm:styleLbl>
+  <dgm:styleLbl name="fgAccFollowNode1">
+    <dgm:scene3d>
+      <a:camera prst="orthographicFront"/>
+      <a:lightRig rig="threePt" dir="t"/>
+    </dgm:scene3d>
+    <dgm:sp3d/>
+    <dgm:txPr/>
+    <dgm:style>
+      <a:lnRef idx="2">
+        <a:scrgbClr r="0" g="0" b="0"/>
+      </a:lnRef>
+      <a:fillRef idx="1">
+        <a:scrgbClr r="0" g="0" b="0"/>
+      </a:fillRef>
+      <a:effectRef idx="0">
+        <a:scrgbClr r="0" g="0" b="0"/>
+      </a:effectRef>
+      <a:fontRef idx="minor"/>
+    </dgm:style>
+  </dgm:styleLbl>
+  <dgm:styleLbl name="alignAccFollowNode1">
+    <dgm:scene3d>
+      <a:camera prst="orthographicFront"/>
+      <a:lightRig rig="threePt" dir="t"/>
+    </dgm:scene3d>
+    <dgm:sp3d/>
+    <dgm:txPr/>
+    <dgm:style>
+      <a:lnRef idx="2">
+        <a:scrgbClr r="0" g="0" b="0"/>
+      </a:lnRef>
+      <a:fillRef idx="1">
+        <a:scrgbClr r="0" g="0" b="0"/>
+      </a:fillRef>
+      <a:effectRef idx="0">
+        <a:scrgbClr r="0" g="0" b="0"/>
+      </a:effectRef>
+      <a:fontRef idx="minor"/>
+    </dgm:style>
+  </dgm:styleLbl>
+  <dgm:styleLbl name="bgAccFollowNode1">
+    <dgm:scene3d>
+      <a:camera prst="orthographicFront"/>
+      <a:lightRig rig="threePt" dir="t"/>
+    </dgm:scene3d>
+    <dgm:sp3d/>
+    <dgm:txPr/>
+    <dgm:style>
+      <a:lnRef idx="2">
+        <a:scrgbClr r="0" g="0" b="0"/>
+      </a:lnRef>
+      <a:fillRef idx="1">
+        <a:scrgbClr r="0" g="0" b="0"/>
+      </a:fillRef>
+      <a:effectRef idx="0">
+        <a:scrgbClr r="0" g="0" b="0"/>
+      </a:effectRef>
+      <a:fontRef idx="minor"/>
+    </dgm:style>
+  </dgm:styleLbl>
+  <dgm:styleLbl name="fgAcc0">
+    <dgm:scene3d>
+      <a:camera prst="orthographicFront"/>
+      <a:lightRig rig="threePt" dir="t"/>
+    </dgm:scene3d>
+    <dgm:sp3d/>
+    <dgm:txPr/>
+    <dgm:style>
+      <a:lnRef idx="2">
+        <a:scrgbClr r="0" g="0" b="0"/>
+      </a:lnRef>
+      <a:fillRef idx="1">
+        <a:scrgbClr r="0" g="0" b="0"/>
+      </a:fillRef>
+      <a:effectRef idx="0">
+        <a:scrgbClr r="0" g="0" b="0"/>
+      </a:effectRef>
+      <a:fontRef idx="minor"/>
+    </dgm:style>
+  </dgm:styleLbl>
+  <dgm:styleLbl name="fgAcc2">
+    <dgm:scene3d>
+      <a:camera prst="orthographicFront"/>
+      <a:lightRig rig="threePt" dir="t"/>
+    </dgm:scene3d>
+    <dgm:sp3d/>
+    <dgm:txPr/>
+    <dgm:style>
+      <a:lnRef idx="2">
+        <a:scrgbClr r="0" g="0" b="0"/>
+      </a:lnRef>
+      <a:fillRef idx="1">
+        <a:scrgbClr r="0" g="0" b="0"/>
+      </a:fillRef>
+      <a:effectRef idx="0">
+        <a:scrgbClr r="0" g="0" b="0"/>
+      </a:effectRef>
+      <a:fontRef idx="minor"/>
+    </dgm:style>
+  </dgm:styleLbl>
+  <dgm:styleLbl name="fgAcc3">
+    <dgm:scene3d>
+      <a:camera prst="orthographicFront"/>
+      <a:lightRig rig="threePt" dir="t"/>
+    </dgm:scene3d>
+    <dgm:sp3d/>
+    <dgm:txPr/>
+    <dgm:style>
+      <a:lnRef idx="2">
+        <a:scrgbClr r="0" g="0" b="0"/>
+      </a:lnRef>
+      <a:fillRef idx="1">
+        <a:scrgbClr r="0" g="0" b="0"/>
+      </a:fillRef>
+      <a:effectRef idx="0">
+        <a:scrgbClr r="0" g="0" b="0"/>
+      </a:effectRef>
+      <a:fontRef idx="minor"/>
+    </dgm:style>
+  </dgm:styleLbl>
+  <dgm:styleLbl name="fgAcc4">
+    <dgm:scene3d>
+      <a:camera prst="orthographicFront"/>
+      <a:lightRig rig="threePt" dir="t"/>
+    </dgm:scene3d>
+    <dgm:sp3d/>
+    <dgm:txPr/>
+    <dgm:style>
+      <a:lnRef idx="2">
+        <a:scrgbClr r="0" g="0" b="0"/>
+      </a:lnRef>
+      <a:fillRef idx="1">
+        <a:scrgbClr r="0" g="0" b="0"/>
+      </a:fillRef>
+      <a:effectRef idx="0">
+        <a:scrgbClr r="0" g="0" b="0"/>
+      </a:effectRef>
+      <a:fontRef idx="minor"/>
+    </dgm:style>
+  </dgm:styleLbl>
+  <dgm:styleLbl name="bgShp">
+    <dgm:scene3d>
+      <a:camera prst="orthographicFront"/>
+      <a:lightRig rig="threePt" dir="t"/>
+    </dgm:scene3d>
+    <dgm:sp3d/>
+    <dgm:txPr/>
+    <dgm:style>
+      <a:lnRef idx="0">
+        <a:scrgbClr r="0" g="0" b="0"/>
+      </a:lnRef>
+      <a:fillRef idx="1">
+        <a:scrgbClr r="0" g="0" b="0"/>
+      </a:fillRef>
+      <a:effectRef idx="0">
+        <a:scrgbClr r="0" g="0" b="0"/>
+      </a:effectRef>
+      <a:fontRef idx="minor"/>
+    </dgm:style>
+  </dgm:styleLbl>
+  <dgm:styleLbl name="dkBgShp">
+    <dgm:scene3d>
+      <a:camera prst="orthographicFront"/>
+      <a:lightRig rig="threePt" dir="t"/>
+    </dgm:scene3d>
+    <dgm:sp3d/>
+    <dgm:txPr/>
+    <dgm:style>
+      <a:lnRef idx="0">
+        <a:scrgbClr r="0" g="0" b="0"/>
+      </a:lnRef>
+      <a:fillRef idx="1">
+        <a:scrgbClr r="0" g="0" b="0"/>
+      </a:fillRef>
+      <a:effectRef idx="0">
+        <a:scrgbClr r="0" g="0" b="0"/>
+      </a:effectRef>
+      <a:fontRef idx="minor"/>
+    </dgm:style>
+  </dgm:styleLbl>
+  <dgm:styleLbl name="trBgShp">
+    <dgm:scene3d>
+      <a:camera prst="orthographicFront"/>
+      <a:lightRig rig="threePt" dir="t"/>
+    </dgm:scene3d>
+    <dgm:sp3d/>
+    <dgm:txPr/>
+    <dgm:style>
+      <a:lnRef idx="0">
+        <a:scrgbClr r="0" g="0" b="0"/>
+      </a:lnRef>
+      <a:fillRef idx="1">
+        <a:scrgbClr r="0" g="0" b="0"/>
+      </a:fillRef>
+      <a:effectRef idx="0">
+        <a:scrgbClr r="0" g="0" b="0"/>
+      </a:effectRef>
+      <a:fontRef idx="minor"/>
+    </dgm:style>
+  </dgm:styleLbl>
+  <dgm:styleLbl name="fgShp">
+    <dgm:scene3d>
+      <a:camera prst="orthographicFront"/>
+      <a:lightRig rig="threePt" dir="t"/>
+    </dgm:scene3d>
+    <dgm:sp3d/>
+    <dgm:txPr/>
+    <dgm:style>
+      <a:lnRef idx="2">
+        <a:scrgbClr r="0" g="0" b="0"/>
+      </a:lnRef>
+      <a:fillRef idx="1">
+        <a:scrgbClr r="0" g="0" b="0"/>
+      </a:fillRef>
+      <a:effectRef idx="0">
+        <a:scrgbClr r="0" g="0" b="0"/>
+      </a:effectRef>
+      <a:fontRef idx="minor"/>
+    </dgm:style>
+  </dgm:styleLbl>
+  <dgm:styleLbl name="revTx">
+    <dgm:scene3d>
+      <a:camera prst="orthographicFront"/>
+      <a:lightRig rig="threePt" dir="t"/>
+    </dgm:scene3d>
+    <dgm:sp3d/>
+    <dgm:txPr/>
+    <dgm:style>
+      <a:lnRef idx="0">
+        <a:scrgbClr r="0" g="0" b="0"/>
+      </a:lnRef>
+      <a:fillRef idx="0">
+        <a:scrgbClr r="0" g="0" b="0"/>
+      </a:fillRef>
+      <a:effectRef idx="0">
+        <a:scrgbClr r="0" g="0" b="0"/>
+      </a:effectRef>
+      <a:fontRef idx="minor"/>
+    </dgm:style>
+  </dgm:styleLbl>
+</dgm:styleDef>
+</file>
+
+<file path=ppt/diagrams/quickStyle6.xml><?xml version="1.0" encoding="utf-8"?>
 <dgm:styleDef xmlns:dgm="http://schemas.openxmlformats.org/drawingml/2006/diagram" xmlns:a="http://schemas.openxmlformats.org/drawingml/2006/main" uniqueId="urn:microsoft.com/office/officeart/2005/8/quickstyle/simple1">
   <dgm:title val=""/>
   <dgm:desc val=""/>
@@ -12817,7 +15907,7 @@
           <a:p>
             <a:fld id="{CFBA6064-FDE0-48E8-9405-22609F48ED19}" type="datetimeFigureOut">
               <a:rPr lang="en-US" smtClean="0"/>
-              <a:t>4/9/2021</a:t>
+              <a:t>4/24/2021</a:t>
             </a:fld>
             <a:endParaRPr lang="en-US"/>
           </a:p>
@@ -13328,7 +16418,7 @@
             <a:fld id="{EA2B2ED8-C573-45EF-BF68-CEC19505703A}" type="datetime8">
               <a:rPr lang="en-US" smtClean="0"/>
               <a:pPr/>
-              <a:t>4/9/2021 9:11 AM</a:t>
+              <a:t>4/24/2021 11:01 AM</a:t>
             </a:fld>
             <a:endParaRPr lang="en-US" dirty="0"/>
           </a:p>
@@ -13360,7 +16450,7 @@
             <a:fld id="{8B263312-38AA-4E1E-B2B5-0F8F122B24FE}" type="slidenum">
               <a:rPr lang="en-US" smtClean="0"/>
               <a:pPr/>
-              <a:t>12</a:t>
+              <a:t>11</a:t>
             </a:fld>
             <a:endParaRPr lang="en-US" dirty="0"/>
           </a:p>
@@ -13582,7 +16672,7 @@
             <a:fld id="{38EEC551-8CDA-4EB6-89BB-2A86C9F091C8}" type="datetime8">
               <a:rPr lang="en-US" smtClean="0"/>
               <a:pPr/>
-              <a:t>4/9/2021 9:11 AM</a:t>
+              <a:t>4/24/2021 11:01 AM</a:t>
             </a:fld>
             <a:endParaRPr lang="en-US" dirty="0"/>
           </a:p>
@@ -13606,7 +16696,7 @@
             <a:fld id="{B4008EB6-D09E-4580-8CD6-DDB14511944F}" type="slidenum">
               <a:rPr lang="en-US" smtClean="0"/>
               <a:pPr/>
-              <a:t>13</a:t>
+              <a:t>12</a:t>
             </a:fld>
             <a:endParaRPr lang="en-US" dirty="0"/>
           </a:p>
@@ -13717,7 +16807,7 @@
             <a:fld id="{EA2B2ED8-C573-45EF-BF68-CEC19505703A}" type="datetime8">
               <a:rPr lang="en-US" smtClean="0"/>
               <a:pPr/>
-              <a:t>4/9/2021 9:11 AM</a:t>
+              <a:t>4/24/2021 11:01 AM</a:t>
             </a:fld>
             <a:endParaRPr lang="en-US" dirty="0"/>
           </a:p>
@@ -13749,7 +16839,7 @@
             <a:fld id="{8B263312-38AA-4E1E-B2B5-0F8F122B24FE}" type="slidenum">
               <a:rPr lang="en-US" smtClean="0"/>
               <a:pPr/>
-              <a:t>14</a:t>
+              <a:t>13</a:t>
             </a:fld>
             <a:endParaRPr lang="en-US" dirty="0"/>
           </a:p>
@@ -13947,7 +17037,7 @@
           <a:p>
             <a:fld id="{386CE63F-9E7F-4C04-9D0D-FCA25A8E9E86}" type="datetime8">
               <a:rPr lang="en-US" smtClean="0"/>
-              <a:t>4/9/2021 9:11 AM</a:t>
+              <a:t>4/24/2021 11:01 AM</a:t>
             </a:fld>
             <a:endParaRPr lang="en-US" dirty="0"/>
           </a:p>
@@ -14082,7 +17172,7 @@
             <a:fld id="{EA2B2ED8-C573-45EF-BF68-CEC19505703A}" type="datetime8">
               <a:rPr lang="en-US" smtClean="0"/>
               <a:pPr/>
-              <a:t>4/9/2021 9:11 AM</a:t>
+              <a:t>4/24/2021 11:01 AM</a:t>
             </a:fld>
             <a:endParaRPr lang="en-US" dirty="0"/>
           </a:p>
@@ -14433,7 +17523,7 @@
             <a:fld id="{38EEC551-8CDA-4EB6-89BB-2A86C9F091C8}" type="datetime8">
               <a:rPr lang="en-US" smtClean="0"/>
               <a:pPr/>
-              <a:t>4/9/2021 9:11 AM</a:t>
+              <a:t>4/24/2021 11:01 AM</a:t>
             </a:fld>
             <a:endParaRPr lang="en-US" dirty="0"/>
           </a:p>
@@ -14599,7 +17689,7 @@
             <a:fld id="{38EEC551-8CDA-4EB6-89BB-2A86C9F091C8}" type="datetime8">
               <a:rPr lang="en-US" smtClean="0"/>
               <a:pPr/>
-              <a:t>4/9/2021 9:11 AM</a:t>
+              <a:t>4/24/2021 11:01 AM</a:t>
             </a:fld>
             <a:endParaRPr lang="en-US" dirty="0"/>
           </a:p>
@@ -14987,7 +18077,7 @@
             <a:fld id="{38EEC551-8CDA-4EB6-89BB-2A86C9F091C8}" type="datetime8">
               <a:rPr lang="en-US" smtClean="0"/>
               <a:pPr/>
-              <a:t>4/9/2021 9:11 AM</a:t>
+              <a:t>4/24/2021 11:01 AM</a:t>
             </a:fld>
             <a:endParaRPr lang="en-US" dirty="0"/>
           </a:p>
@@ -15130,7 +18220,7 @@
             <a:fld id="{EA2B2ED8-C573-45EF-BF68-CEC19505703A}" type="datetime8">
               <a:rPr lang="en-US" smtClean="0"/>
               <a:pPr/>
-              <a:t>4/9/2021 9:11 AM</a:t>
+              <a:t>4/24/2021 11:01 AM</a:t>
             </a:fld>
             <a:endParaRPr lang="en-US" dirty="0"/>
           </a:p>
@@ -15162,7 +18252,7 @@
             <a:fld id="{8B263312-38AA-4E1E-B2B5-0F8F122B24FE}" type="slidenum">
               <a:rPr lang="en-US" smtClean="0"/>
               <a:pPr/>
-              <a:t>9</a:t>
+              <a:t>8</a:t>
             </a:fld>
             <a:endParaRPr lang="en-US" dirty="0"/>
           </a:p>
@@ -15338,7 +18428,7 @@
             <a:fld id="{EA2B2ED8-C573-45EF-BF68-CEC19505703A}" type="datetime8">
               <a:rPr lang="en-US" smtClean="0"/>
               <a:pPr/>
-              <a:t>4/9/2021 9:11 AM</a:t>
+              <a:t>4/24/2021 11:01 AM</a:t>
             </a:fld>
             <a:endParaRPr lang="en-US" dirty="0"/>
           </a:p>
@@ -15370,7 +18460,7 @@
             <a:fld id="{8B263312-38AA-4E1E-B2B5-0F8F122B24FE}" type="slidenum">
               <a:rPr lang="en-US" smtClean="0"/>
               <a:pPr/>
-              <a:t>10</a:t>
+              <a:t>9</a:t>
             </a:fld>
             <a:endParaRPr lang="en-US" dirty="0"/>
           </a:p>
@@ -15546,7 +18636,7 @@
             <a:fld id="{EA2B2ED8-C573-45EF-BF68-CEC19505703A}" type="datetime8">
               <a:rPr lang="en-US" smtClean="0"/>
               <a:pPr/>
-              <a:t>4/9/2021 9:11 AM</a:t>
+              <a:t>4/24/2021 11:01 AM</a:t>
             </a:fld>
             <a:endParaRPr lang="en-US" dirty="0"/>
           </a:p>
@@ -15578,7 +18668,7 @@
             <a:fld id="{8B263312-38AA-4E1E-B2B5-0F8F122B24FE}" type="slidenum">
               <a:rPr lang="en-US" smtClean="0"/>
               <a:pPr/>
-              <a:t>11</a:t>
+              <a:t>10</a:t>
             </a:fld>
             <a:endParaRPr lang="en-US" dirty="0"/>
           </a:p>
@@ -16452,7 +19542,7 @@
                 </a:solidFill>
               </a:rPr>
               <a:pPr/>
-              <a:t>4/9/2021</a:t>
+              <a:t>4/24/2021</a:t>
             </a:fld>
             <a:endParaRPr lang="en-US" dirty="0">
               <a:solidFill>
@@ -18528,409 +21618,6 @@
           <a:prstGeom prst="ellipse">
             <a:avLst/>
           </a:prstGeom>
-        </p:spPr>
-        <p:style>
-          <a:lnRef idx="2">
-            <a:schemeClr val="accent5">
-              <a:shade val="50000"/>
-            </a:schemeClr>
-          </a:lnRef>
-          <a:fillRef idx="1">
-            <a:schemeClr val="accent5"/>
-          </a:fillRef>
-          <a:effectRef idx="0">
-            <a:schemeClr val="accent5"/>
-          </a:effectRef>
-          <a:fontRef idx="minor">
-            <a:schemeClr val="lt1"/>
-          </a:fontRef>
-        </p:style>
-        <p:txBody>
-          <a:bodyPr rtlCol="0" anchor="ctr"/>
-          <a:lstStyle/>
-          <a:p>
-            <a:pPr algn="ctr"/>
-            <a:r>
-              <a:rPr lang="en-US" sz="2400" dirty="0"/>
-              <a:t>Logical Revert</a:t>
-            </a:r>
-          </a:p>
-        </p:txBody>
-      </p:sp>
-      <p:sp>
-        <p:nvSpPr>
-          <p:cNvPr id="7" name="Oval 6">
-            <a:extLst>
-              <a:ext uri="{FF2B5EF4-FFF2-40B4-BE49-F238E27FC236}">
-                <a16:creationId xmlns:a16="http://schemas.microsoft.com/office/drawing/2014/main" id="{21B52A34-5644-41B7-9057-BD1947685288}"/>
-              </a:ext>
-            </a:extLst>
-          </p:cNvPr>
-          <p:cNvSpPr/>
-          <p:nvPr/>
-        </p:nvSpPr>
-        <p:spPr>
-          <a:xfrm>
-            <a:off x="6450753" y="4299210"/>
-            <a:ext cx="1809750" cy="1853940"/>
-          </a:xfrm>
-          <a:prstGeom prst="ellipse">
-            <a:avLst/>
-          </a:prstGeom>
-          <a:solidFill>
-            <a:schemeClr val="accent4">
-              <a:lumMod val="60000"/>
-              <a:lumOff val="40000"/>
-            </a:schemeClr>
-          </a:solidFill>
-        </p:spPr>
-        <p:style>
-          <a:lnRef idx="2">
-            <a:schemeClr val="accent5">
-              <a:shade val="50000"/>
-            </a:schemeClr>
-          </a:lnRef>
-          <a:fillRef idx="1">
-            <a:schemeClr val="accent5"/>
-          </a:fillRef>
-          <a:effectRef idx="0">
-            <a:schemeClr val="accent5"/>
-          </a:effectRef>
-          <a:fontRef idx="minor">
-            <a:schemeClr val="lt1"/>
-          </a:fontRef>
-        </p:style>
-        <p:txBody>
-          <a:bodyPr rtlCol="0" anchor="ctr"/>
-          <a:lstStyle/>
-          <a:p>
-            <a:pPr algn="ctr"/>
-            <a:r>
-              <a:rPr lang="en-US" sz="2400" dirty="0"/>
-              <a:t>sLog </a:t>
-            </a:r>
-            <a:endParaRPr lang="en-US" sz="1400" dirty="0"/>
-          </a:p>
-          <a:p>
-            <a:pPr algn="ctr"/>
-            <a:r>
-              <a:rPr lang="en-US" sz="1400" dirty="0"/>
-              <a:t>Special </a:t>
-            </a:r>
-          </a:p>
-          <a:p>
-            <a:pPr algn="ctr"/>
-            <a:r>
-              <a:rPr lang="en-US" sz="1400" dirty="0"/>
-              <a:t>In-Memory Log Stream</a:t>
-            </a:r>
-            <a:endParaRPr lang="en-US" sz="2400" dirty="0"/>
-          </a:p>
-        </p:txBody>
-      </p:sp>
-      <p:sp>
-        <p:nvSpPr>
-          <p:cNvPr id="11" name="Oval 10">
-            <a:extLst>
-              <a:ext uri="{FF2B5EF4-FFF2-40B4-BE49-F238E27FC236}">
-                <a16:creationId xmlns:a16="http://schemas.microsoft.com/office/drawing/2014/main" id="{169AEC14-19B8-4547-A0B0-FFA12CA6A2D1}"/>
-              </a:ext>
-            </a:extLst>
-          </p:cNvPr>
-          <p:cNvSpPr/>
-          <p:nvPr/>
-        </p:nvSpPr>
-        <p:spPr>
-          <a:xfrm>
-            <a:off x="9090343" y="4299210"/>
-            <a:ext cx="1809750" cy="1853940"/>
-          </a:xfrm>
-          <a:prstGeom prst="ellipse">
-            <a:avLst/>
-          </a:prstGeom>
-          <a:solidFill>
-            <a:schemeClr val="accent4">
-              <a:lumMod val="60000"/>
-              <a:lumOff val="40000"/>
-            </a:schemeClr>
-          </a:solidFill>
-        </p:spPr>
-        <p:style>
-          <a:lnRef idx="2">
-            <a:schemeClr val="accent5">
-              <a:shade val="50000"/>
-            </a:schemeClr>
-          </a:lnRef>
-          <a:fillRef idx="1">
-            <a:schemeClr val="accent5"/>
-          </a:fillRef>
-          <a:effectRef idx="0">
-            <a:schemeClr val="accent5"/>
-          </a:effectRef>
-          <a:fontRef idx="minor">
-            <a:schemeClr val="lt1"/>
-          </a:fontRef>
-        </p:style>
-        <p:txBody>
-          <a:bodyPr rtlCol="0" anchor="ctr"/>
-          <a:lstStyle/>
-          <a:p>
-            <a:pPr algn="ctr"/>
-            <a:r>
-              <a:rPr lang="en-US" sz="2400" dirty="0"/>
-              <a:t>Cleaner</a:t>
-            </a:r>
-          </a:p>
-        </p:txBody>
-      </p:sp>
-      <p:graphicFrame>
-        <p:nvGraphicFramePr>
-          <p:cNvPr id="14" name="Diagram 13">
-            <a:extLst>
-              <a:ext uri="{FF2B5EF4-FFF2-40B4-BE49-F238E27FC236}">
-                <a16:creationId xmlns:a16="http://schemas.microsoft.com/office/drawing/2014/main" id="{49F498C4-E109-46D2-8DC1-C4AFD1651309}"/>
-              </a:ext>
-            </a:extLst>
-          </p:cNvPr>
-          <p:cNvGraphicFramePr/>
-          <p:nvPr>
-            <p:extLst>
-              <p:ext uri="{D42A27DB-BD31-4B8C-83A1-F6EECF244321}">
-                <p14:modId xmlns:p14="http://schemas.microsoft.com/office/powerpoint/2010/main" val="722217737"/>
-              </p:ext>
-            </p:extLst>
-          </p:nvPr>
-        </p:nvGraphicFramePr>
-        <p:xfrm>
-          <a:off x="429894" y="951710"/>
-          <a:ext cx="11049000" cy="3252259"/>
-        </p:xfrm>
-        <a:graphic>
-          <a:graphicData uri="http://schemas.openxmlformats.org/drawingml/2006/diagram">
-            <dgm:relIds xmlns:dgm="http://schemas.openxmlformats.org/drawingml/2006/diagram" xmlns:r="http://schemas.openxmlformats.org/officeDocument/2006/relationships" r:dm="rId4" r:lo="rId5" r:qs="rId6" r:cs="rId7"/>
-          </a:graphicData>
-        </a:graphic>
-      </p:graphicFrame>
-      <p:sp>
-        <p:nvSpPr>
-          <p:cNvPr id="3" name="Oval 2">
-            <a:extLst>
-              <a:ext uri="{FF2B5EF4-FFF2-40B4-BE49-F238E27FC236}">
-                <a16:creationId xmlns:a16="http://schemas.microsoft.com/office/drawing/2014/main" id="{D4EE3785-7CE5-46D1-AED6-FF27CC750693}"/>
-              </a:ext>
-            </a:extLst>
-          </p:cNvPr>
-          <p:cNvSpPr/>
-          <p:nvPr/>
-        </p:nvSpPr>
-        <p:spPr>
-          <a:xfrm>
-            <a:off x="3779884" y="4299210"/>
-            <a:ext cx="1841029" cy="1862822"/>
-          </a:xfrm>
-          <a:prstGeom prst="ellipse">
-            <a:avLst/>
-          </a:prstGeom>
-          <a:noFill/>
-          <a:ln>
-            <a:solidFill>
-              <a:schemeClr val="accent3">
-                <a:lumMod val="50000"/>
-              </a:schemeClr>
-            </a:solidFill>
-          </a:ln>
-          <a:effectLst>
-            <a:glow rad="228600">
-              <a:schemeClr val="accent3">
-                <a:satMod val="175000"/>
-                <a:alpha val="40000"/>
-              </a:schemeClr>
-            </a:glow>
-          </a:effectLst>
-        </p:spPr>
-        <p:style>
-          <a:lnRef idx="2">
-            <a:schemeClr val="accent1">
-              <a:shade val="50000"/>
-            </a:schemeClr>
-          </a:lnRef>
-          <a:fillRef idx="1">
-            <a:schemeClr val="accent1"/>
-          </a:fillRef>
-          <a:effectRef idx="0">
-            <a:schemeClr val="accent1"/>
-          </a:effectRef>
-          <a:fontRef idx="minor">
-            <a:schemeClr val="lt1"/>
-          </a:fontRef>
-        </p:style>
-        <p:txBody>
-          <a:bodyPr rtlCol="0" anchor="ctr"/>
-          <a:lstStyle/>
-          <a:p>
-            <a:pPr algn="ctr"/>
-            <a:endParaRPr lang="en-US"/>
-          </a:p>
-        </p:txBody>
-      </p:sp>
-    </p:spTree>
-    <p:custDataLst>
-      <p:tags r:id="rId1"/>
-    </p:custDataLst>
-    <p:extLst>
-      <p:ext uri="{BB962C8B-B14F-4D97-AF65-F5344CB8AC3E}">
-        <p14:creationId xmlns:p14="http://schemas.microsoft.com/office/powerpoint/2010/main" val="368539344"/>
-      </p:ext>
-    </p:extLst>
-  </p:cSld>
-  <p:clrMapOvr>
-    <a:masterClrMapping/>
-  </p:clrMapOvr>
-  <mc:AlternateContent xmlns:mc="http://schemas.openxmlformats.org/markup-compatibility/2006" xmlns:p14="http://schemas.microsoft.com/office/powerpoint/2010/main">
-    <mc:Choice Requires="p14">
-      <p:transition spd="med" p14:dur="700">
-        <p:fade/>
-      </p:transition>
-    </mc:Choice>
-    <mc:Fallback xmlns="">
-      <p:transition spd="med">
-        <p:fade/>
-      </p:transition>
-    </mc:Fallback>
-  </mc:AlternateContent>
-</p:sld>
-</file>
-
-<file path=ppt/slides/slide11.xml><?xml version="1.0" encoding="utf-8"?>
-<p:sld xmlns:a="http://schemas.openxmlformats.org/drawingml/2006/main" xmlns:r="http://schemas.openxmlformats.org/officeDocument/2006/relationships" xmlns:p="http://schemas.openxmlformats.org/presentationml/2006/main">
-  <p:cSld>
-    <p:spTree>
-      <p:nvGrpSpPr>
-        <p:cNvPr id="1" name=""/>
-        <p:cNvGrpSpPr/>
-        <p:nvPr/>
-      </p:nvGrpSpPr>
-      <p:grpSpPr>
-        <a:xfrm>
-          <a:off x="0" y="0"/>
-          <a:ext cx="0" cy="0"/>
-          <a:chOff x="0" y="0"/>
-          <a:chExt cx="0" cy="0"/>
-        </a:xfrm>
-      </p:grpSpPr>
-      <p:sp>
-        <p:nvSpPr>
-          <p:cNvPr id="2" name="Title 1"/>
-          <p:cNvSpPr>
-            <a:spLocks noGrp="1"/>
-          </p:cNvSpPr>
-          <p:nvPr>
-            <p:ph type="title"/>
-          </p:nvPr>
-        </p:nvSpPr>
-        <p:spPr>
-          <a:xfrm>
-            <a:off x="269238" y="174885"/>
-            <a:ext cx="11370312" cy="1143000"/>
-          </a:xfrm>
-        </p:spPr>
-        <p:txBody>
-          <a:bodyPr/>
-          <a:lstStyle/>
-          <a:p>
-            <a:r>
-              <a:rPr lang="en-US" dirty="0">
-                <a:solidFill>
-                  <a:schemeClr val="accent5"/>
-                </a:solidFill>
-              </a:rPr>
-              <a:t>Accelerated Database Recovery Components</a:t>
-            </a:r>
-          </a:p>
-        </p:txBody>
-      </p:sp>
-      <p:sp>
-        <p:nvSpPr>
-          <p:cNvPr id="4" name="Oval 3">
-            <a:extLst>
-              <a:ext uri="{FF2B5EF4-FFF2-40B4-BE49-F238E27FC236}">
-                <a16:creationId xmlns:a16="http://schemas.microsoft.com/office/drawing/2014/main" id="{F6CFFB15-F7C5-4ED4-9B03-1573A378BBAB}"/>
-              </a:ext>
-            </a:extLst>
-          </p:cNvPr>
-          <p:cNvSpPr/>
-          <p:nvPr/>
-        </p:nvSpPr>
-        <p:spPr>
-          <a:xfrm>
-            <a:off x="1171575" y="4299210"/>
-            <a:ext cx="1809750" cy="1853940"/>
-          </a:xfrm>
-          <a:prstGeom prst="ellipse">
-            <a:avLst/>
-          </a:prstGeom>
-          <a:solidFill>
-            <a:schemeClr val="accent4">
-              <a:lumMod val="60000"/>
-              <a:lumOff val="40000"/>
-            </a:schemeClr>
-          </a:solidFill>
-        </p:spPr>
-        <p:style>
-          <a:lnRef idx="2">
-            <a:schemeClr val="accent5">
-              <a:shade val="50000"/>
-            </a:schemeClr>
-          </a:lnRef>
-          <a:fillRef idx="1">
-            <a:schemeClr val="accent5"/>
-          </a:fillRef>
-          <a:effectRef idx="0">
-            <a:schemeClr val="accent5"/>
-          </a:effectRef>
-          <a:fontRef idx="minor">
-            <a:schemeClr val="lt1"/>
-          </a:fontRef>
-        </p:style>
-        <p:txBody>
-          <a:bodyPr rtlCol="0" anchor="ctr"/>
-          <a:lstStyle/>
-          <a:p>
-            <a:pPr algn="ctr"/>
-            <a:r>
-              <a:rPr lang="en-US" sz="3200" dirty="0"/>
-              <a:t>PVS </a:t>
-            </a:r>
-          </a:p>
-          <a:p>
-            <a:pPr algn="ctr"/>
-            <a:r>
-              <a:rPr lang="en-US" sz="1400" dirty="0"/>
-              <a:t>Persisted Version Store</a:t>
-            </a:r>
-          </a:p>
-        </p:txBody>
-      </p:sp>
-      <p:sp>
-        <p:nvSpPr>
-          <p:cNvPr id="5" name="Oval 4">
-            <a:extLst>
-              <a:ext uri="{FF2B5EF4-FFF2-40B4-BE49-F238E27FC236}">
-                <a16:creationId xmlns:a16="http://schemas.microsoft.com/office/drawing/2014/main" id="{41862E9B-F096-4A58-9538-D5BA869DF9AF}"/>
-              </a:ext>
-            </a:extLst>
-          </p:cNvPr>
-          <p:cNvSpPr/>
-          <p:nvPr/>
-        </p:nvSpPr>
-        <p:spPr>
-          <a:xfrm>
-            <a:off x="3811164" y="4299210"/>
-            <a:ext cx="1809750" cy="1853940"/>
-          </a:xfrm>
-          <a:prstGeom prst="ellipse">
-            <a:avLst/>
-          </a:prstGeom>
           <a:solidFill>
             <a:schemeClr val="accent4">
               <a:lumMod val="60000"/>
@@ -19204,7 +21891,7 @@
 </p:sld>
 </file>
 
-<file path=ppt/slides/slide12.xml><?xml version="1.0" encoding="utf-8"?>
+<file path=ppt/slides/slide11.xml><?xml version="1.0" encoding="utf-8"?>
 <p:sld xmlns:a="http://schemas.openxmlformats.org/drawingml/2006/main" xmlns:r="http://schemas.openxmlformats.org/officeDocument/2006/relationships" xmlns:p="http://schemas.openxmlformats.org/presentationml/2006/main">
   <p:cSld>
     <p:spTree>
@@ -19502,7 +22189,7 @@
           <p:nvPr>
             <p:extLst>
               <p:ext uri="{D42A27DB-BD31-4B8C-83A1-F6EECF244321}">
-                <p14:modId xmlns:p14="http://schemas.microsoft.com/office/powerpoint/2010/main" val="4017944005"/>
+                <p14:modId xmlns:p14="http://schemas.microsoft.com/office/powerpoint/2010/main" val="2719420750"/>
               </p:ext>
             </p:extLst>
           </p:nvPr>
@@ -19607,7 +22294,7 @@
 </p:sld>
 </file>
 
-<file path=ppt/slides/slide13.xml><?xml version="1.0" encoding="utf-8"?>
+<file path=ppt/slides/slide12.xml><?xml version="1.0" encoding="utf-8"?>
 <p:sld xmlns:a="http://schemas.openxmlformats.org/drawingml/2006/main" xmlns:r="http://schemas.openxmlformats.org/officeDocument/2006/relationships" xmlns:p="http://schemas.openxmlformats.org/presentationml/2006/main">
   <p:cSld>
     <p:spTree>
@@ -20108,7 +22795,7 @@
 </p:sld>
 </file>
 
-<file path=ppt/slides/slide14.xml><?xml version="1.0" encoding="utf-8"?>
+<file path=ppt/slides/slide13.xml><?xml version="1.0" encoding="utf-8"?>
 <p:sld xmlns:a="http://schemas.openxmlformats.org/drawingml/2006/main" xmlns:r="http://schemas.openxmlformats.org/officeDocument/2006/relationships" xmlns:p="http://schemas.openxmlformats.org/presentationml/2006/main">
   <p:cSld>
     <p:spTree>
@@ -20151,477 +22838,34 @@
           </a:p>
         </p:txBody>
       </p:sp>
-      <p:sp>
-        <p:nvSpPr>
-          <p:cNvPr id="5" name="Content Placeholder 3">
+      <p:graphicFrame>
+        <p:nvGraphicFramePr>
+          <p:cNvPr id="3" name="Diagram 2">
             <a:extLst>
               <a:ext uri="{FF2B5EF4-FFF2-40B4-BE49-F238E27FC236}">
-                <a16:creationId xmlns:a16="http://schemas.microsoft.com/office/drawing/2014/main" id="{004AA471-2C8C-441D-A94C-9A86DFC6F515}"/>
+                <a16:creationId xmlns:a16="http://schemas.microsoft.com/office/drawing/2014/main" id="{2529C281-FDBB-44B0-A07A-94FED196D67E}"/>
               </a:ext>
             </a:extLst>
           </p:cNvPr>
-          <p:cNvSpPr txBox="1">
-            <a:spLocks/>
-          </p:cNvSpPr>
-          <p:nvPr/>
-        </p:nvSpPr>
-        <p:spPr bwMode="auto">
-          <a:xfrm>
-            <a:off x="269238" y="910809"/>
-            <a:ext cx="10702554" cy="5471462"/>
-          </a:xfrm>
-          <a:prstGeom prst="rect">
-            <a:avLst/>
-          </a:prstGeom>
-          <a:noFill/>
-          <a:ln>
-            <a:noFill/>
-          </a:ln>
-          <a:extLst>
-            <a:ext uri="{909E8E84-426E-40DD-AFC4-6F175D3DCCD1}">
-              <a14:hiddenFill xmlns:a14="http://schemas.microsoft.com/office/drawing/2010/main">
-                <a:solidFill>
-                  <a:srgbClr val="FFFFFF"/>
-                </a:solidFill>
-              </a14:hiddenFill>
-            </a:ext>
-            <a:ext uri="{91240B29-F687-4F45-9708-019B960494DF}">
-              <a14:hiddenLine xmlns:a14="http://schemas.microsoft.com/office/drawing/2010/main" w="9525">
-                <a:solidFill>
-                  <a:srgbClr val="000000"/>
-                </a:solidFill>
-                <a:miter lim="800000"/>
-                <a:headEnd/>
-                <a:tailEnd/>
-              </a14:hiddenLine>
-            </a:ext>
-          </a:extLst>
-        </p:spPr>
-        <p:txBody>
-          <a:bodyPr vert="horz" wrap="square" lIns="179285" tIns="134464" rIns="89642" bIns="44821" numCol="1" anchor="t" anchorCtr="0" compatLnSpc="1">
-            <a:prstTxWarp prst="textNoShape">
-              <a:avLst/>
-            </a:prstTxWarp>
-            <a:normAutofit/>
-          </a:bodyPr>
-          <a:lstStyle>
-            <a:lvl1pPr algn="l" rtl="0" eaLnBrk="1" fontAlgn="base" hangingPunct="1">
-              <a:lnSpc>
-                <a:spcPct val="120000"/>
-              </a:lnSpc>
-              <a:spcBef>
-                <a:spcPct val="20000"/>
-              </a:spcBef>
-              <a:spcAft>
-                <a:spcPct val="0"/>
-              </a:spcAft>
-              <a:buFont typeface="+mj-lt"/>
-              <a:defRPr sz="1400">
-                <a:solidFill>
-                  <a:schemeClr val="bg1"/>
-                </a:solidFill>
-                <a:latin typeface="+mn-lt"/>
-                <a:ea typeface="Segoe Pro Light"/>
-                <a:cs typeface="Segoe Pro Light"/>
-              </a:defRPr>
-            </a:lvl1pPr>
-            <a:lvl2pPr algn="l" rtl="0" eaLnBrk="1" fontAlgn="base" hangingPunct="1">
-              <a:lnSpc>
-                <a:spcPct val="120000"/>
-              </a:lnSpc>
-              <a:spcBef>
-                <a:spcPct val="20000"/>
-              </a:spcBef>
-              <a:spcAft>
-                <a:spcPct val="0"/>
-              </a:spcAft>
-              <a:defRPr sz="1400">
-                <a:solidFill>
-                  <a:schemeClr val="bg1"/>
-                </a:solidFill>
-                <a:latin typeface="+mn-lt"/>
-                <a:ea typeface="Segoe Pro Light"/>
-                <a:cs typeface="Segoe Pro Light"/>
-              </a:defRPr>
-            </a:lvl2pPr>
-            <a:lvl3pPr marL="342900" indent="-342900" algn="l" rtl="0" eaLnBrk="1" fontAlgn="base" hangingPunct="1">
-              <a:lnSpc>
-                <a:spcPct val="120000"/>
-              </a:lnSpc>
-              <a:spcBef>
-                <a:spcPct val="20000"/>
-              </a:spcBef>
-              <a:spcAft>
-                <a:spcPct val="0"/>
-              </a:spcAft>
-              <a:defRPr sz="1400">
-                <a:solidFill>
-                  <a:schemeClr val="bg1"/>
-                </a:solidFill>
-                <a:latin typeface="+mn-lt"/>
-                <a:ea typeface="Segoe Pro Light"/>
-                <a:cs typeface="Segoe Pro Light"/>
-              </a:defRPr>
-            </a:lvl3pPr>
-            <a:lvl4pPr algn="l" rtl="0" eaLnBrk="1" fontAlgn="base" hangingPunct="1">
-              <a:lnSpc>
-                <a:spcPct val="120000"/>
-              </a:lnSpc>
-              <a:spcBef>
-                <a:spcPct val="20000"/>
-              </a:spcBef>
-              <a:spcAft>
-                <a:spcPct val="0"/>
-              </a:spcAft>
-              <a:buFont typeface="Arial" panose="020B0604020202020204" pitchFamily="34" charset="0"/>
-              <a:defRPr sz="1400">
-                <a:solidFill>
-                  <a:schemeClr val="bg1"/>
-                </a:solidFill>
-                <a:latin typeface="+mn-lt"/>
-                <a:ea typeface="Segoe Pro Light"/>
-                <a:cs typeface="Segoe Pro Light"/>
-              </a:defRPr>
-            </a:lvl4pPr>
-            <a:lvl5pPr algn="l" rtl="0" eaLnBrk="1" fontAlgn="base" hangingPunct="1">
-              <a:lnSpc>
-                <a:spcPct val="120000"/>
-              </a:lnSpc>
-              <a:spcBef>
-                <a:spcPct val="20000"/>
-              </a:spcBef>
-              <a:spcAft>
-                <a:spcPct val="0"/>
-              </a:spcAft>
-              <a:defRPr sz="1400">
-                <a:solidFill>
-                  <a:schemeClr val="bg1"/>
-                </a:solidFill>
-                <a:latin typeface="+mn-lt"/>
-                <a:ea typeface="Segoe Pro Light"/>
-                <a:cs typeface="Segoe Pro Light"/>
-              </a:defRPr>
-            </a:lvl5pPr>
-            <a:lvl6pPr marL="457200" algn="l" rtl="0" eaLnBrk="1" fontAlgn="base" hangingPunct="1">
-              <a:lnSpc>
-                <a:spcPct val="120000"/>
-              </a:lnSpc>
-              <a:spcBef>
-                <a:spcPct val="20000"/>
-              </a:spcBef>
-              <a:spcAft>
-                <a:spcPct val="0"/>
-              </a:spcAft>
-              <a:defRPr sz="1400">
-                <a:solidFill>
-                  <a:schemeClr val="bg1"/>
-                </a:solidFill>
-                <a:latin typeface="+mn-lt"/>
-                <a:ea typeface="Segoe Pro Light"/>
-                <a:cs typeface="Segoe Pro Light"/>
-              </a:defRPr>
-            </a:lvl6pPr>
-            <a:lvl7pPr marL="914400" algn="l" rtl="0" eaLnBrk="1" fontAlgn="base" hangingPunct="1">
-              <a:lnSpc>
-                <a:spcPct val="120000"/>
-              </a:lnSpc>
-              <a:spcBef>
-                <a:spcPct val="20000"/>
-              </a:spcBef>
-              <a:spcAft>
-                <a:spcPct val="0"/>
-              </a:spcAft>
-              <a:defRPr sz="1400">
-                <a:solidFill>
-                  <a:schemeClr val="bg1"/>
-                </a:solidFill>
-                <a:latin typeface="+mn-lt"/>
-                <a:ea typeface="Segoe Pro Light"/>
-                <a:cs typeface="Segoe Pro Light"/>
-              </a:defRPr>
-            </a:lvl7pPr>
-            <a:lvl8pPr marL="1371600" algn="l" rtl="0" eaLnBrk="1" fontAlgn="base" hangingPunct="1">
-              <a:lnSpc>
-                <a:spcPct val="120000"/>
-              </a:lnSpc>
-              <a:spcBef>
-                <a:spcPct val="20000"/>
-              </a:spcBef>
-              <a:spcAft>
-                <a:spcPct val="0"/>
-              </a:spcAft>
-              <a:defRPr sz="1400">
-                <a:solidFill>
-                  <a:schemeClr val="bg1"/>
-                </a:solidFill>
-                <a:latin typeface="+mn-lt"/>
-                <a:ea typeface="Segoe Pro Light"/>
-                <a:cs typeface="Segoe Pro Light"/>
-              </a:defRPr>
-            </a:lvl8pPr>
-            <a:lvl9pPr marL="1828800" algn="l" rtl="0" eaLnBrk="1" fontAlgn="base" hangingPunct="1">
-              <a:lnSpc>
-                <a:spcPct val="120000"/>
-              </a:lnSpc>
-              <a:spcBef>
-                <a:spcPct val="20000"/>
-              </a:spcBef>
-              <a:spcAft>
-                <a:spcPct val="0"/>
-              </a:spcAft>
-              <a:defRPr sz="1400">
-                <a:solidFill>
-                  <a:schemeClr val="bg1"/>
-                </a:solidFill>
-                <a:latin typeface="+mn-lt"/>
-                <a:ea typeface="Segoe Pro Light"/>
-                <a:cs typeface="Segoe Pro Light"/>
-              </a:defRPr>
-            </a:lvl9pPr>
-          </a:lstStyle>
-          <a:p>
-            <a:pPr defTabSz="896386">
-              <a:lnSpc>
-                <a:spcPct val="100000"/>
-              </a:lnSpc>
-              <a:defRPr/>
-            </a:pPr>
-            <a:r>
-              <a:rPr lang="en-US" sz="2941" spc="-100" dirty="0">
-                <a:ln w="3175">
-                  <a:noFill/>
-                </a:ln>
-                <a:solidFill>
-                  <a:schemeClr val="accent5"/>
-                </a:solidFill>
-                <a:latin typeface="Segoe UI Light" panose="020B0502040204020203" pitchFamily="34" charset="0"/>
-                <a:ea typeface="+mn-ea"/>
-                <a:cs typeface="Segoe UI Light" panose="020B0502040204020203" pitchFamily="34" charset="0"/>
-              </a:rPr>
-              <a:t>Will my database be larger?</a:t>
-            </a:r>
-          </a:p>
-          <a:p>
-            <a:pPr marL="280121" indent="-280121" defTabSz="896386">
-              <a:lnSpc>
-                <a:spcPct val="100000"/>
-              </a:lnSpc>
-              <a:buFont typeface="Arial" panose="020B0604020202020204" pitchFamily="34" charset="0"/>
-              <a:buChar char="•"/>
-              <a:defRPr/>
-            </a:pPr>
-            <a:r>
-              <a:rPr lang="en-US" sz="1765" kern="0" dirty="0">
-                <a:solidFill>
-                  <a:srgbClr val="000000"/>
-                </a:solidFill>
-                <a:latin typeface="Segoe UI Light" panose="020B0502040204020203" pitchFamily="34" charset="0"/>
-                <a:cs typeface="Segoe UI Light" panose="020B0502040204020203" pitchFamily="34" charset="0"/>
-              </a:rPr>
-              <a:t>Yes. Monitor to determine difference.</a:t>
-            </a:r>
-          </a:p>
-          <a:p>
-            <a:pPr defTabSz="896386">
-              <a:lnSpc>
-                <a:spcPct val="100000"/>
-              </a:lnSpc>
-            </a:pPr>
-            <a:r>
-              <a:rPr lang="en-US" sz="2941" spc="-100" dirty="0">
-                <a:ln w="3175">
-                  <a:noFill/>
-                </a:ln>
-                <a:solidFill>
-                  <a:schemeClr val="accent5"/>
-                </a:solidFill>
-                <a:latin typeface="Segoe UI Light" panose="020B0502040204020203" pitchFamily="34" charset="0"/>
-                <a:ea typeface="+mn-ea"/>
-                <a:cs typeface="Segoe UI Light" panose="020B0502040204020203" pitchFamily="34" charset="0"/>
-              </a:rPr>
-              <a:t>Will it affect performance?</a:t>
-            </a:r>
-          </a:p>
-          <a:p>
-            <a:pPr marL="280121" indent="-280121" defTabSz="896386">
-              <a:lnSpc>
-                <a:spcPct val="100000"/>
-              </a:lnSpc>
-              <a:buFont typeface="Arial" panose="020B0604020202020204" pitchFamily="34" charset="0"/>
-              <a:buChar char="•"/>
-              <a:defRPr/>
-            </a:pPr>
-            <a:r>
-              <a:rPr lang="en-US" sz="1765" kern="0" dirty="0">
-                <a:solidFill>
-                  <a:srgbClr val="000000"/>
-                </a:solidFill>
-                <a:latin typeface="Segoe UI Light" panose="020B0502040204020203" pitchFamily="34" charset="0"/>
-                <a:cs typeface="Segoe UI Light" panose="020B0502040204020203" pitchFamily="34" charset="0"/>
-              </a:rPr>
-              <a:t>It depends. Write-heavy (OLTP) workloads are most susceptible</a:t>
-            </a:r>
-          </a:p>
-          <a:p>
-            <a:pPr defTabSz="896386">
-              <a:lnSpc>
-                <a:spcPct val="100000"/>
-              </a:lnSpc>
-              <a:defRPr/>
-            </a:pPr>
-            <a:r>
-              <a:rPr lang="en-US" sz="2941" spc="-100" dirty="0">
-                <a:ln w="3175">
-                  <a:noFill/>
-                </a:ln>
-                <a:solidFill>
-                  <a:schemeClr val="accent5"/>
-                </a:solidFill>
-                <a:latin typeface="Segoe UI Light" panose="020B0502040204020203" pitchFamily="34" charset="0"/>
-                <a:ea typeface="+mn-ea"/>
-                <a:cs typeface="Segoe UI Light" panose="020B0502040204020203" pitchFamily="34" charset="0"/>
-              </a:rPr>
-              <a:t>How is PVS different than the version store in TempDB?</a:t>
-            </a:r>
-          </a:p>
-          <a:p>
-            <a:pPr marL="280121" indent="-280121" defTabSz="896386">
-              <a:lnSpc>
-                <a:spcPct val="100000"/>
-              </a:lnSpc>
-              <a:buFont typeface="Arial" panose="020B0604020202020204" pitchFamily="34" charset="0"/>
-              <a:buChar char="•"/>
-              <a:defRPr/>
-            </a:pPr>
-            <a:r>
-              <a:rPr lang="en-US" sz="1765" kern="0" dirty="0">
-                <a:solidFill>
-                  <a:srgbClr val="000000"/>
-                </a:solidFill>
-                <a:latin typeface="Segoe UI Light" panose="020B0502040204020203" pitchFamily="34" charset="0"/>
-                <a:cs typeface="Segoe UI Light" panose="020B0502040204020203" pitchFamily="34" charset="0"/>
-              </a:rPr>
-              <a:t>PVS stores versions in the user database rather than TempDB</a:t>
-            </a:r>
-          </a:p>
-          <a:p>
-            <a:pPr marL="280121" indent="-280121" defTabSz="896386">
-              <a:lnSpc>
-                <a:spcPct val="100000"/>
-              </a:lnSpc>
-              <a:buFont typeface="Arial" panose="020B0604020202020204" pitchFamily="34" charset="0"/>
-              <a:buChar char="•"/>
-              <a:defRPr/>
-            </a:pPr>
-            <a:r>
-              <a:rPr lang="en-US" sz="1765" kern="0" dirty="0">
-                <a:solidFill>
-                  <a:srgbClr val="000000"/>
-                </a:solidFill>
-                <a:latin typeface="Segoe UI Light" panose="020B0502040204020203" pitchFamily="34" charset="0"/>
-                <a:cs typeface="Segoe UI Light" panose="020B0502040204020203" pitchFamily="34" charset="0"/>
-              </a:rPr>
-              <a:t>If ADR is enabled, PVS is used to support SNAPSHOT and READ_COMMITTED_SNAPSHOT_ISOLATION transactions</a:t>
-            </a:r>
-          </a:p>
-          <a:p>
-            <a:pPr defTabSz="896386">
-              <a:lnSpc>
-                <a:spcPct val="100000"/>
-              </a:lnSpc>
-              <a:defRPr/>
-            </a:pPr>
-            <a:r>
-              <a:rPr lang="en-US" sz="2941" spc="-100" dirty="0">
-                <a:ln w="3175">
-                  <a:noFill/>
-                </a:ln>
-                <a:solidFill>
-                  <a:schemeClr val="accent5"/>
-                </a:solidFill>
-                <a:latin typeface="Segoe UI Light" panose="020B0502040204020203" pitchFamily="34" charset="0"/>
-                <a:cs typeface="Segoe UI Light" panose="020B0502040204020203" pitchFamily="34" charset="0"/>
-              </a:rPr>
-              <a:t>How does this affect Availability Groups?</a:t>
-            </a:r>
-          </a:p>
-          <a:p>
-            <a:pPr marL="280121" indent="-280121" defTabSz="896386">
-              <a:lnSpc>
-                <a:spcPct val="100000"/>
-              </a:lnSpc>
-              <a:buFont typeface="Arial" panose="020B0604020202020204" pitchFamily="34" charset="0"/>
-              <a:buChar char="•"/>
-              <a:defRPr/>
-            </a:pPr>
-            <a:r>
-              <a:rPr lang="en-US" sz="1765" kern="0" dirty="0">
-                <a:solidFill>
-                  <a:srgbClr val="000000"/>
-                </a:solidFill>
-                <a:latin typeface="Segoe UI Light" panose="020B0502040204020203" pitchFamily="34" charset="0"/>
-                <a:cs typeface="Segoe UI Light" panose="020B0502040204020203" pitchFamily="34" charset="0"/>
-              </a:rPr>
-              <a:t>PVS and log records replicate to secondaries, secondary communicates oldest versions needed to primary</a:t>
-            </a:r>
-          </a:p>
-          <a:p>
-            <a:pPr marL="280121" indent="-280121" defTabSz="896386">
-              <a:lnSpc>
-                <a:spcPct val="100000"/>
-              </a:lnSpc>
-              <a:buFont typeface="Arial" panose="020B0604020202020204" pitchFamily="34" charset="0"/>
-              <a:buChar char="•"/>
-              <a:defRPr/>
-            </a:pPr>
-            <a:r>
-              <a:rPr lang="en-US" sz="1765" kern="0" dirty="0">
-                <a:solidFill>
-                  <a:srgbClr val="000000"/>
-                </a:solidFill>
-                <a:latin typeface="Segoe UI Light" panose="020B0502040204020203" pitchFamily="34" charset="0"/>
-                <a:cs typeface="Segoe UI Light" panose="020B0502040204020203" pitchFamily="34" charset="0"/>
-              </a:rPr>
-              <a:t>ADR can speed up failover because Undo becomes fast</a:t>
-            </a:r>
-          </a:p>
-          <a:p>
-            <a:pPr marL="280121" indent="-280121" defTabSz="896386">
-              <a:lnSpc>
-                <a:spcPct val="100000"/>
-              </a:lnSpc>
-              <a:buFont typeface="Arial" panose="020B0604020202020204" pitchFamily="34" charset="0"/>
-              <a:buChar char="•"/>
-              <a:defRPr/>
-            </a:pPr>
-            <a:r>
-              <a:rPr lang="en-US" sz="1765" kern="0" dirty="0">
-                <a:solidFill>
-                  <a:srgbClr val="000000"/>
-                </a:solidFill>
-                <a:latin typeface="Segoe UI Light" panose="020B0502040204020203" pitchFamily="34" charset="0"/>
-                <a:cs typeface="Segoe UI Light" panose="020B0502040204020203" pitchFamily="34" charset="0"/>
-              </a:rPr>
-              <a:t>If the secondary must be restarted without ADR, TempDB is lost so versions are lost and queries must wait for data to commit on primary, with ADR, versions are persisted, so no delay before queries can be served</a:t>
-            </a:r>
-          </a:p>
-          <a:p>
-            <a:pPr defTabSz="896386">
-              <a:lnSpc>
-                <a:spcPct val="100000"/>
-              </a:lnSpc>
-              <a:defRPr/>
-            </a:pPr>
-            <a:endParaRPr lang="en-US" sz="1765" kern="0" dirty="0">
-              <a:solidFill>
-                <a:srgbClr val="000000"/>
-              </a:solidFill>
-              <a:latin typeface="Segoe UI Light" panose="020B0502040204020203" pitchFamily="34" charset="0"/>
-              <a:cs typeface="Segoe UI Light" panose="020B0502040204020203" pitchFamily="34" charset="0"/>
-            </a:endParaRPr>
-          </a:p>
-        </p:txBody>
-      </p:sp>
+          <p:cNvGraphicFramePr/>
+          <p:nvPr>
+            <p:extLst>
+              <p:ext uri="{D42A27DB-BD31-4B8C-83A1-F6EECF244321}">
+                <p14:modId xmlns:p14="http://schemas.microsoft.com/office/powerpoint/2010/main" val="1842336791"/>
+              </p:ext>
+            </p:extLst>
+          </p:nvPr>
+        </p:nvGraphicFramePr>
+        <p:xfrm>
+          <a:off x="269238" y="910809"/>
+          <a:ext cx="10702554" cy="5471462"/>
+        </p:xfrm>
+        <a:graphic>
+          <a:graphicData uri="http://schemas.openxmlformats.org/drawingml/2006/diagram">
+            <dgm:relIds xmlns:dgm="http://schemas.openxmlformats.org/drawingml/2006/diagram" xmlns:r="http://schemas.openxmlformats.org/officeDocument/2006/relationships" r:dm="rId4" r:lo="rId5" r:qs="rId6" r:cs="rId7"/>
+          </a:graphicData>
+        </a:graphic>
+      </p:graphicFrame>
     </p:spTree>
     <p:custDataLst>
       <p:tags r:id="rId1"/>
@@ -20643,6 +22887,159 @@
     </mc:Choice>
     <mc:Fallback xmlns="">
       <p:transition spd="med">
+        <p:fade/>
+      </p:transition>
+    </mc:Fallback>
+  </mc:AlternateContent>
+</p:sld>
+</file>
+
+<file path=ppt/slides/slide14.xml><?xml version="1.0" encoding="utf-8"?>
+<p:sld xmlns:a="http://schemas.openxmlformats.org/drawingml/2006/main" xmlns:r="http://schemas.openxmlformats.org/officeDocument/2006/relationships" xmlns:p="http://schemas.openxmlformats.org/presentationml/2006/main">
+  <p:cSld>
+    <p:spTree>
+      <p:nvGrpSpPr>
+        <p:cNvPr id="1" name=""/>
+        <p:cNvGrpSpPr/>
+        <p:nvPr/>
+      </p:nvGrpSpPr>
+      <p:grpSpPr>
+        <a:xfrm>
+          <a:off x="0" y="0"/>
+          <a:ext cx="0" cy="0"/>
+          <a:chOff x="0" y="0"/>
+          <a:chExt cx="0" cy="0"/>
+        </a:xfrm>
+      </p:grpSpPr>
+      <p:sp>
+        <p:nvSpPr>
+          <p:cNvPr id="3" name="Snip Diagonal Corner Rectangle 5">
+            <a:extLst>
+              <a:ext uri="{FF2B5EF4-FFF2-40B4-BE49-F238E27FC236}">
+                <a16:creationId xmlns:a16="http://schemas.microsoft.com/office/drawing/2014/main" id="{92FC9B9A-6B99-4A8D-8E85-12CE5424E0FF}"/>
+              </a:ext>
+            </a:extLst>
+          </p:cNvPr>
+          <p:cNvSpPr/>
+          <p:nvPr/>
+        </p:nvSpPr>
+        <p:spPr bwMode="auto">
+          <a:xfrm>
+            <a:off x="1028700" y="619840"/>
+            <a:ext cx="10134600" cy="5148470"/>
+          </a:xfrm>
+          <a:prstGeom prst="snip2DiagRect">
+            <a:avLst/>
+          </a:prstGeom>
+          <a:noFill/>
+          <a:ln>
+            <a:solidFill>
+              <a:schemeClr val="accent4">
+                <a:lumMod val="50000"/>
+              </a:schemeClr>
+            </a:solidFill>
+            <a:headEnd type="none" w="med" len="med"/>
+            <a:tailEnd type="none" w="med" len="med"/>
+          </a:ln>
+          <a:effectLst/>
+        </p:spPr>
+        <p:style>
+          <a:lnRef idx="1">
+            <a:schemeClr val="accent2"/>
+          </a:lnRef>
+          <a:fillRef idx="3">
+            <a:schemeClr val="accent2"/>
+          </a:fillRef>
+          <a:effectRef idx="2">
+            <a:schemeClr val="accent2"/>
+          </a:effectRef>
+          <a:fontRef idx="minor">
+            <a:schemeClr val="lt1"/>
+          </a:fontRef>
+        </p:style>
+        <p:txBody>
+          <a:bodyPr rot="0" spcFirstLastPara="0" vertOverflow="overflow" horzOverflow="overflow" vert="horz" wrap="square" lIns="186521" tIns="149217" rIns="186521" bIns="149217" numCol="1" spcCol="0" rtlCol="0" fromWordArt="0" anchor="t" anchorCtr="0" forceAA="0" compatLnSpc="1">
+            <a:prstTxWarp prst="textNoShape">
+              <a:avLst/>
+            </a:prstTxWarp>
+            <a:noAutofit/>
+          </a:bodyPr>
+          <a:lstStyle/>
+          <a:p>
+            <a:pPr algn="ctr" defTabSz="969953" fontAlgn="base">
+              <a:lnSpc>
+                <a:spcPct val="90000"/>
+              </a:lnSpc>
+              <a:spcBef>
+                <a:spcPct val="0"/>
+              </a:spcBef>
+              <a:spcAft>
+                <a:spcPct val="0"/>
+              </a:spcAft>
+              <a:defRPr/>
+            </a:pPr>
+            <a:endParaRPr lang="en-US" sz="8800" kern="0" dirty="0">
+              <a:gradFill>
+                <a:gsLst>
+                  <a:gs pos="0">
+                    <a:srgbClr val="FFFFFF"/>
+                  </a:gs>
+                  <a:gs pos="100000">
+                    <a:srgbClr val="FFFFFF"/>
+                  </a:gs>
+                </a:gsLst>
+                <a:lin ang="5400000" scaled="0"/>
+              </a:gradFill>
+              <a:ea typeface="Segoe UI" pitchFamily="34" charset="0"/>
+              <a:cs typeface="Segoe UI" pitchFamily="34" charset="0"/>
+            </a:endParaRPr>
+          </a:p>
+          <a:p>
+            <a:pPr algn="ctr" defTabSz="969953" fontAlgn="base">
+              <a:lnSpc>
+                <a:spcPct val="90000"/>
+              </a:lnSpc>
+              <a:spcBef>
+                <a:spcPct val="0"/>
+              </a:spcBef>
+              <a:spcAft>
+                <a:spcPct val="0"/>
+              </a:spcAft>
+              <a:defRPr/>
+            </a:pPr>
+            <a:r>
+              <a:rPr lang="en-US" sz="8800" kern="0" dirty="0">
+                <a:solidFill>
+                  <a:schemeClr val="accent4">
+                    <a:lumMod val="75000"/>
+                  </a:schemeClr>
+                </a:solidFill>
+                <a:ea typeface="Segoe UI" pitchFamily="34" charset="0"/>
+                <a:cs typeface="Segoe UI" pitchFamily="34" charset="0"/>
+              </a:rPr>
+              <a:t>Demo Time</a:t>
+            </a:r>
+          </a:p>
+        </p:txBody>
+      </p:sp>
+    </p:spTree>
+    <p:extLst>
+      <p:ext uri="{BB962C8B-B14F-4D97-AF65-F5344CB8AC3E}">
+        <p14:creationId xmlns:p14="http://schemas.microsoft.com/office/powerpoint/2010/main" val="1300929880"/>
+      </p:ext>
+    </p:extLst>
+  </p:cSld>
+  <p:clrMapOvr>
+    <a:masterClrMapping/>
+  </p:clrMapOvr>
+  <mc:AlternateContent xmlns:mc="http://schemas.openxmlformats.org/markup-compatibility/2006" xmlns:p159="http://schemas.microsoft.com/office/powerpoint/2015/09/main">
+    <mc:Choice Requires="p159">
+      <p:transition xmlns:p14="http://schemas.microsoft.com/office/powerpoint/2010/main" spd="slow" p14:dur="2000">
+        <p159:morph option="byObject"/>
+      </p:transition>
+    </mc:Choice>
+    <mc:Fallback xmlns="">
+      <p:transition spd="slow">
         <p:fade/>
       </p:transition>
     </mc:Fallback>
@@ -21472,13 +23869,13 @@
   <p:clrMapOvr>
     <a:masterClrMapping/>
   </p:clrMapOvr>
-  <mc:AlternateContent xmlns:mc="http://schemas.openxmlformats.org/markup-compatibility/2006">
-    <mc:Choice xmlns:p159="http://schemas.microsoft.com/office/powerpoint/2015/09/main" Requires="p159">
+  <mc:AlternateContent xmlns:mc="http://schemas.openxmlformats.org/markup-compatibility/2006" xmlns:p159="http://schemas.microsoft.com/office/powerpoint/2015/09/main">
+    <mc:Choice Requires="p159">
       <p:transition xmlns:p14="http://schemas.microsoft.com/office/powerpoint/2010/main" spd="slow" p14:dur="2000">
         <p159:morph option="byObject"/>
       </p:transition>
     </mc:Choice>
-    <mc:Fallback>
+    <mc:Fallback xmlns="">
       <p:transition spd="slow">
         <p:fade/>
       </p:transition>
@@ -21860,14 +24257,14 @@
           <p:nvPr>
             <p:extLst>
               <p:ext uri="{D42A27DB-BD31-4B8C-83A1-F6EECF244321}">
-                <p14:modId xmlns:p14="http://schemas.microsoft.com/office/powerpoint/2010/main" val="2220173218"/>
+                <p14:modId xmlns:p14="http://schemas.microsoft.com/office/powerpoint/2010/main" val="484180952"/>
               </p:ext>
             </p:extLst>
           </p:nvPr>
         </p:nvGraphicFramePr>
         <p:xfrm>
-          <a:off x="371475" y="1133475"/>
-          <a:ext cx="11372850" cy="5004858"/>
+          <a:off x="371475" y="932155"/>
+          <a:ext cx="11372850" cy="5206178"/>
         </p:xfrm>
         <a:graphic>
           <a:graphicData uri="http://schemas.openxmlformats.org/drawingml/2006/diagram">
@@ -22214,7 +24611,7 @@
         </p:nvGrpSpPr>
         <p:grpSpPr>
           <a:xfrm>
-            <a:off x="148995" y="1257301"/>
+            <a:off x="148995" y="1328322"/>
             <a:ext cx="11894009" cy="4719351"/>
             <a:chOff x="269241" y="1628789"/>
             <a:chExt cx="11894009" cy="3908567"/>
@@ -23648,9 +26045,9 @@
             <p:grpSpPr>
               <a:xfrm>
                 <a:off x="1198595" y="3460211"/>
-                <a:ext cx="3632347" cy="379006"/>
+                <a:ext cx="3632346" cy="379006"/>
                 <a:chOff x="1226735" y="3394899"/>
-                <a:chExt cx="3016081" cy="379006"/>
+                <a:chExt cx="3016080" cy="379006"/>
               </a:xfrm>
             </p:grpSpPr>
             <p:cxnSp>
@@ -23670,7 +26067,7 @@
               <p:spPr>
                 <a:xfrm>
                   <a:off x="1236384" y="3773905"/>
-                  <a:ext cx="3006432" cy="0"/>
+                  <a:ext cx="3006431" cy="0"/>
                 </a:xfrm>
                 <a:prstGeom prst="straightConnector1">
                   <a:avLst/>
@@ -23959,7 +26356,7 @@
                   <a:avLst/>
                 </a:prstGeom>
                 <a:solidFill>
-                  <a:srgbClr val="1DB14B"/>
+                  <a:schemeClr val="accent4"/>
                 </a:solidFill>
                 <a:ln>
                   <a:solidFill>
@@ -24010,10 +26407,10 @@
           </p:nvGrpSpPr>
           <p:grpSpPr>
             <a:xfrm>
-              <a:off x="1924961" y="3685219"/>
-              <a:ext cx="10238289" cy="504113"/>
-              <a:chOff x="1177237" y="4547444"/>
-              <a:chExt cx="10897110" cy="385669"/>
+              <a:off x="1924962" y="3685217"/>
+              <a:ext cx="10238288" cy="473644"/>
+              <a:chOff x="1177238" y="4547444"/>
+              <a:chExt cx="10897109" cy="362359"/>
             </a:xfrm>
           </p:grpSpPr>
           <p:grpSp>
@@ -24030,10 +26427,10 @@
             </p:nvGrpSpPr>
             <p:grpSpPr>
               <a:xfrm>
-                <a:off x="1177237" y="4547444"/>
-                <a:ext cx="4936256" cy="364788"/>
-                <a:chOff x="1227828" y="3515313"/>
-                <a:chExt cx="4030389" cy="364788"/>
+                <a:off x="1177238" y="4547444"/>
+                <a:ext cx="4844593" cy="362359"/>
+                <a:chOff x="1227829" y="3515313"/>
+                <a:chExt cx="3955547" cy="362359"/>
               </a:xfrm>
             </p:grpSpPr>
             <p:cxnSp>
@@ -24051,9 +26448,9 @@
                 <p:nvPr/>
               </p:nvCxnSpPr>
               <p:spPr>
-                <a:xfrm flipH="1" flipV="1">
-                  <a:off x="1227828" y="3877671"/>
-                  <a:ext cx="4030389" cy="2430"/>
+                <a:xfrm flipH="1">
+                  <a:off x="1227829" y="3877672"/>
+                  <a:ext cx="3955547" cy="0"/>
                 </a:xfrm>
                 <a:prstGeom prst="straightConnector1">
                   <a:avLst/>
@@ -24142,7 +26539,7 @@
             <p:spPr>
               <a:xfrm>
                 <a:off x="6293182" y="4647025"/>
-                <a:ext cx="5781165" cy="286088"/>
+                <a:ext cx="5781165" cy="236938"/>
               </a:xfrm>
               <a:prstGeom prst="rect">
                 <a:avLst/>
@@ -24181,10 +26578,10 @@
           </p:nvGrpSpPr>
           <p:grpSpPr>
             <a:xfrm>
-              <a:off x="6849204" y="4511489"/>
-              <a:ext cx="4462240" cy="429545"/>
-              <a:chOff x="5393870" y="3874960"/>
-              <a:chExt cx="2560341" cy="246464"/>
+              <a:off x="6893078" y="4435326"/>
+              <a:ext cx="4505424" cy="398300"/>
+              <a:chOff x="5419044" y="3831255"/>
+              <a:chExt cx="2585119" cy="228536"/>
             </a:xfrm>
           </p:grpSpPr>
           <p:sp>
@@ -24201,15 +26598,13 @@
             </p:nvSpPr>
             <p:spPr>
               <a:xfrm>
-                <a:off x="5791904" y="3907867"/>
-                <a:ext cx="2162307" cy="213557"/>
+                <a:off x="5841856" y="3872933"/>
+                <a:ext cx="2162307" cy="177702"/>
               </a:xfrm>
               <a:prstGeom prst="rect">
                 <a:avLst/>
               </a:prstGeom>
-              <a:solidFill>
-                <a:schemeClr val="bg1"/>
-              </a:solidFill>
+              <a:noFill/>
             </p:spPr>
             <p:txBody>
               <a:bodyPr wrap="square">
@@ -24228,7 +26623,7 @@
                 <a:r>
                   <a:rPr lang="en-US" sz="1830" b="1" dirty="0">
                     <a:solidFill>
-                      <a:srgbClr val="00B050"/>
+                      <a:schemeClr val="accent4"/>
                     </a:solidFill>
                     <a:latin typeface="Segoe UI Light" panose="020B0502040204020203" pitchFamily="34" charset="0"/>
                     <a:cs typeface="Segoe UI Light" panose="020B0502040204020203" pitchFamily="34" charset="0"/>
@@ -24259,14 +26654,14 @@
             </p:nvSpPr>
             <p:spPr>
               <a:xfrm>
-                <a:off x="5393870" y="3874960"/>
+                <a:off x="5419044" y="3831255"/>
                 <a:ext cx="314572" cy="228536"/>
               </a:xfrm>
               <a:prstGeom prst="can">
                 <a:avLst/>
               </a:prstGeom>
               <a:solidFill>
-                <a:srgbClr val="1DB14B"/>
+                <a:schemeClr val="accent4"/>
               </a:solidFill>
               <a:ln/>
             </p:spPr>
@@ -25317,7 +27712,7 @@
         </p:nvGrpSpPr>
         <p:grpSpPr>
           <a:xfrm>
-            <a:off x="223103" y="806693"/>
+            <a:off x="223103" y="842204"/>
             <a:ext cx="11968897" cy="5476935"/>
             <a:chOff x="73696" y="1121018"/>
             <a:chExt cx="11968897" cy="5476935"/>
@@ -26821,6 +29216,15 @@
                     </a:rPr>
                     <a:t>sLog</a:t>
                   </a:r>
+                  <a:endParaRPr lang="en-US" sz="1372" b="1" dirty="0">
+                    <a:solidFill>
+                      <a:schemeClr val="accent4">
+                        <a:lumMod val="75000"/>
+                      </a:schemeClr>
+                    </a:solidFill>
+                    <a:latin typeface="Segoe UI Light" panose="020B0502040204020203" pitchFamily="34" charset="0"/>
+                    <a:cs typeface="Segoe UI Light" panose="020B0502040204020203" pitchFamily="34" charset="0"/>
+                  </a:endParaRPr>
                 </a:p>
                 <a:p>
                   <a:pPr defTabSz="896341"/>
@@ -26836,26 +29240,14 @@
                       <a:latin typeface="Segoe UI Light" panose="020B0502040204020203" pitchFamily="34" charset="0"/>
                       <a:cs typeface="Segoe UI Light" panose="020B0502040204020203" pitchFamily="34" charset="0"/>
                     </a:rPr>
-                    <a:t>Transaction Log (</a:t>
-                  </a:r>
-                  <a:r>
-                    <a:rPr lang="en-US" sz="1372" b="1" dirty="0">
-                      <a:solidFill>
-                        <a:srgbClr val="00B050"/>
-                      </a:solidFill>
-                      <a:latin typeface="Segoe UI Light" panose="020B0502040204020203" pitchFamily="34" charset="0"/>
-                      <a:cs typeface="Segoe UI Light" panose="020B0502040204020203" pitchFamily="34" charset="0"/>
-                    </a:rPr>
-                    <a:t>starts from last checkpoint</a:t>
-                  </a:r>
-                  <a:r>
-                    <a:rPr lang="en-US" sz="1372" b="1" dirty="0">
-                      <a:latin typeface="Segoe UI Light" panose="020B0502040204020203" pitchFamily="34" charset="0"/>
-                      <a:cs typeface="Segoe UI Light" panose="020B0502040204020203" pitchFamily="34" charset="0"/>
-                    </a:rPr>
-                    <a:t>)</a:t>
+                    <a:t>Transaction Log</a:t>
                   </a:r>
                   <a:endParaRPr lang="en-US" sz="1372" dirty="0">
+                    <a:solidFill>
+                      <a:schemeClr val="accent4">
+                        <a:lumMod val="75000"/>
+                      </a:schemeClr>
+                    </a:solidFill>
                     <a:latin typeface="Segoe UI Light" panose="020B0502040204020203" pitchFamily="34" charset="0"/>
                     <a:cs typeface="Segoe UI Light" panose="020B0502040204020203" pitchFamily="34" charset="0"/>
                   </a:endParaRPr>
@@ -27015,10 +29407,10 @@
           </p:nvGrpSpPr>
           <p:grpSpPr>
             <a:xfrm>
-              <a:off x="1318142" y="3905596"/>
-              <a:ext cx="10406319" cy="573280"/>
-              <a:chOff x="1344573" y="3517264"/>
-              <a:chExt cx="10614986" cy="584778"/>
+              <a:off x="1318142" y="3906247"/>
+              <a:ext cx="10487688" cy="573280"/>
+              <a:chOff x="1344573" y="3517928"/>
+              <a:chExt cx="10697987" cy="584778"/>
             </a:xfrm>
           </p:grpSpPr>
           <p:grpSp>
@@ -27035,10 +29427,10 @@
             </p:nvGrpSpPr>
             <p:grpSpPr>
               <a:xfrm>
-                <a:off x="1344573" y="3517264"/>
-                <a:ext cx="10614986" cy="584778"/>
-                <a:chOff x="1344573" y="4508663"/>
-                <a:chExt cx="10614986" cy="584778"/>
+                <a:off x="1344573" y="3517928"/>
+                <a:ext cx="10697987" cy="584778"/>
+                <a:chOff x="1344573" y="4509327"/>
+                <a:chExt cx="10697987" cy="584778"/>
               </a:xfrm>
             </p:grpSpPr>
             <p:grpSp>
@@ -27167,14 +29559,14 @@
               </p:nvSpPr>
               <p:spPr>
                 <a:xfrm>
-                  <a:off x="7059841" y="4508663"/>
+                  <a:off x="7142842" y="4509327"/>
                   <a:ext cx="4899718" cy="584778"/>
                 </a:xfrm>
                 <a:prstGeom prst="rect">
                   <a:avLst/>
                 </a:prstGeom>
                 <a:noFill/>
-                <a:ln>
+                <a:ln w="19050">
                   <a:solidFill>
                     <a:schemeClr val="accent5"/>
                   </a:solidFill>
@@ -30479,10 +32871,10 @@
           </p:nvGrpSpPr>
           <p:grpSpPr>
             <a:xfrm>
-              <a:off x="7255504" y="5994063"/>
-              <a:ext cx="2769315" cy="271554"/>
-              <a:chOff x="3329671" y="4919276"/>
-              <a:chExt cx="2824845" cy="276999"/>
+              <a:off x="7445036" y="5462682"/>
+              <a:ext cx="2819526" cy="271554"/>
+              <a:chOff x="3523004" y="4377240"/>
+              <a:chExt cx="2876063" cy="276999"/>
             </a:xfrm>
           </p:grpSpPr>
           <p:sp>
@@ -30499,7 +32891,7 @@
             </p:nvSpPr>
             <p:spPr>
               <a:xfrm>
-                <a:off x="3369780" y="4919276"/>
+                <a:off x="3614331" y="4377240"/>
                 <a:ext cx="2784736" cy="276999"/>
               </a:xfrm>
               <a:prstGeom prst="rect">
@@ -30538,7 +32930,7 @@
             </p:nvSpPr>
             <p:spPr>
               <a:xfrm>
-                <a:off x="3329671" y="4991597"/>
+                <a:off x="3523004" y="4447458"/>
                 <a:ext cx="88708" cy="162759"/>
               </a:xfrm>
               <a:prstGeom prst="rect">
@@ -30683,10 +33075,10 @@
           </p:nvGrpSpPr>
           <p:grpSpPr>
             <a:xfrm>
-              <a:off x="7095067" y="3219005"/>
-              <a:ext cx="3447256" cy="555948"/>
-              <a:chOff x="5393869" y="3874960"/>
-              <a:chExt cx="2637286" cy="425322"/>
+              <a:off x="7053033" y="3130730"/>
+              <a:ext cx="3947390" cy="584776"/>
+              <a:chOff x="5361711" y="3807421"/>
+              <a:chExt cx="3019908" cy="447376"/>
             </a:xfrm>
           </p:grpSpPr>
           <p:sp>
@@ -30703,8 +33095,8 @@
             </p:nvSpPr>
             <p:spPr>
               <a:xfrm>
-                <a:off x="5915864" y="3907867"/>
-                <a:ext cx="2115291" cy="392415"/>
+                <a:off x="5942536" y="3807421"/>
+                <a:ext cx="2439083" cy="447376"/>
               </a:xfrm>
               <a:prstGeom prst="rect">
                 <a:avLst/>
@@ -30721,16 +33113,16 @@
               <a:p>
                 <a:pPr defTabSz="896341"/>
                 <a:r>
-                  <a:rPr lang="en-US" sz="1372" b="1" dirty="0">
+                  <a:rPr lang="en-US" sz="1600" b="1" dirty="0">
                     <a:latin typeface="Segoe UI Light" panose="020B0502040204020203" pitchFamily="34" charset="0"/>
                     <a:cs typeface="Segoe UI Light" panose="020B0502040204020203" pitchFamily="34" charset="0"/>
                   </a:rPr>
                   <a:t>[DB is </a:t>
                 </a:r>
                 <a:r>
-                  <a:rPr lang="en-US" sz="1372" b="1" dirty="0">
+                  <a:rPr lang="en-US" sz="1600" b="1" dirty="0">
                     <a:solidFill>
-                      <a:srgbClr val="00B050"/>
+                      <a:schemeClr val="accent4"/>
                     </a:solidFill>
                     <a:latin typeface="Segoe UI Light" panose="020B0502040204020203" pitchFamily="34" charset="0"/>
                     <a:cs typeface="Segoe UI Light" panose="020B0502040204020203" pitchFamily="34" charset="0"/>
@@ -30738,16 +33130,16 @@
                   <a:t>FULLY</a:t>
                 </a:r>
                 <a:r>
-                  <a:rPr lang="en-US" sz="1372" b="1" dirty="0">
+                  <a:rPr lang="en-US" sz="1600" b="1" dirty="0">
                     <a:latin typeface="Segoe UI Light" panose="020B0502040204020203" pitchFamily="34" charset="0"/>
                     <a:cs typeface="Segoe UI Light" panose="020B0502040204020203" pitchFamily="34" charset="0"/>
                   </a:rPr>
                   <a:t> available and </a:t>
                 </a:r>
                 <a:r>
-                  <a:rPr lang="en-US" sz="1372" b="1" dirty="0">
+                  <a:rPr lang="en-US" sz="1600" b="1" dirty="0">
                     <a:solidFill>
-                      <a:srgbClr val="00B050"/>
+                      <a:schemeClr val="accent4"/>
                     </a:solidFill>
                     <a:latin typeface="Segoe UI Light" panose="020B0502040204020203" pitchFamily="34" charset="0"/>
                     <a:cs typeface="Segoe UI Light" panose="020B0502040204020203" pitchFamily="34" charset="0"/>
@@ -30758,21 +33150,21 @@
               <a:p>
                 <a:pPr defTabSz="896341"/>
                 <a:r>
-                  <a:rPr lang="en-US" sz="1372" b="1" dirty="0">
+                  <a:rPr lang="en-US" sz="1600" b="1" dirty="0">
                     <a:solidFill>
-                      <a:srgbClr val="00B050"/>
+                      <a:schemeClr val="accent4"/>
                     </a:solidFill>
                     <a:latin typeface="Segoe UI Light" panose="020B0502040204020203" pitchFamily="34" charset="0"/>
                     <a:cs typeface="Segoe UI Light" panose="020B0502040204020203" pitchFamily="34" charset="0"/>
                   </a:rPr>
-                  <a:t>are released</a:t>
+                  <a:t>are released </a:t>
                 </a:r>
                 <a:r>
-                  <a:rPr lang="en-US" sz="1372" b="1" dirty="0">
+                  <a:rPr lang="en-US" sz="1600" b="1" dirty="0">
                     <a:latin typeface="Segoe UI Light" panose="020B0502040204020203" pitchFamily="34" charset="0"/>
                     <a:cs typeface="Segoe UI Light" panose="020B0502040204020203" pitchFamily="34" charset="0"/>
                   </a:rPr>
-                  <a:t> after Redo]</a:t>
+                  <a:t>after Redo]</a:t>
                 </a:r>
               </a:p>
             </p:txBody>
@@ -30791,14 +33183,14 @@
             </p:nvSpPr>
             <p:spPr>
               <a:xfrm>
-                <a:off x="5393869" y="3874960"/>
+                <a:off x="5361711" y="3820350"/>
                 <a:ext cx="469549" cy="352849"/>
               </a:xfrm>
               <a:prstGeom prst="can">
                 <a:avLst/>
               </a:prstGeom>
               <a:solidFill>
-                <a:srgbClr val="1DB14B"/>
+                <a:schemeClr val="accent4"/>
               </a:solidFill>
               <a:ln>
                 <a:solidFill>
@@ -31001,6 +33393,94 @@
           </p:txBody>
         </p:sp>
       </p:grpSp>
+      <p:sp>
+        <p:nvSpPr>
+          <p:cNvPr id="129" name="TextBox 128">
+            <a:extLst>
+              <a:ext uri="{FF2B5EF4-FFF2-40B4-BE49-F238E27FC236}">
+                <a16:creationId xmlns:a16="http://schemas.microsoft.com/office/drawing/2014/main" id="{6DF45D03-CDE4-4D58-A8EC-876181A250EF}"/>
+              </a:ext>
+            </a:extLst>
+          </p:cNvPr>
+          <p:cNvSpPr txBox="1"/>
+          <p:nvPr/>
+        </p:nvSpPr>
+        <p:spPr>
+          <a:xfrm>
+            <a:off x="2280111" y="2598579"/>
+            <a:ext cx="3013781" cy="523220"/>
+          </a:xfrm>
+          <a:prstGeom prst="rect">
+            <a:avLst/>
+          </a:prstGeom>
+          <a:noFill/>
+        </p:spPr>
+        <p:txBody>
+          <a:bodyPr wrap="square">
+            <a:spAutoFit/>
+          </a:bodyPr>
+          <a:lstStyle/>
+          <a:p>
+            <a:r>
+              <a:rPr lang="en-US" sz="1400" b="1" dirty="0">
+                <a:solidFill>
+                  <a:schemeClr val="accent4">
+                    <a:lumMod val="75000"/>
+                  </a:schemeClr>
+                </a:solidFill>
+                <a:latin typeface="Segoe UI Light" panose="020B0502040204020203" pitchFamily="34" charset="0"/>
+                <a:cs typeface="Segoe UI Light" panose="020B0502040204020203" pitchFamily="34" charset="0"/>
+              </a:rPr>
+              <a:t>Non-versioned operations since oldest uncommitted transaction</a:t>
+            </a:r>
+            <a:endParaRPr lang="en-US" sz="1400" dirty="0"/>
+          </a:p>
+        </p:txBody>
+      </p:sp>
+      <p:sp>
+        <p:nvSpPr>
+          <p:cNvPr id="131" name="TextBox 130">
+            <a:extLst>
+              <a:ext uri="{FF2B5EF4-FFF2-40B4-BE49-F238E27FC236}">
+                <a16:creationId xmlns:a16="http://schemas.microsoft.com/office/drawing/2014/main" id="{145165FE-2FBD-40D4-B355-3237C7121392}"/>
+              </a:ext>
+            </a:extLst>
+          </p:cNvPr>
+          <p:cNvSpPr txBox="1"/>
+          <p:nvPr/>
+        </p:nvSpPr>
+        <p:spPr>
+          <a:xfrm>
+            <a:off x="5527957" y="2593084"/>
+            <a:ext cx="1468823" cy="523220"/>
+          </a:xfrm>
+          <a:prstGeom prst="rect">
+            <a:avLst/>
+          </a:prstGeom>
+          <a:noFill/>
+        </p:spPr>
+        <p:txBody>
+          <a:bodyPr wrap="square">
+            <a:spAutoFit/>
+          </a:bodyPr>
+          <a:lstStyle/>
+          <a:p>
+            <a:r>
+              <a:rPr lang="en-US" sz="1400" b="1" dirty="0">
+                <a:solidFill>
+                  <a:schemeClr val="accent4">
+                    <a:lumMod val="75000"/>
+                  </a:schemeClr>
+                </a:solidFill>
+                <a:latin typeface="Segoe UI Light" panose="020B0502040204020203" pitchFamily="34" charset="0"/>
+                <a:cs typeface="Segoe UI Light" panose="020B0502040204020203" pitchFamily="34" charset="0"/>
+              </a:rPr>
+              <a:t>Starts from last checkpoint</a:t>
+            </a:r>
+            <a:endParaRPr lang="en-US" sz="1400" dirty="0"/>
+          </a:p>
+        </p:txBody>
+      </p:sp>
     </p:spTree>
     <p:custDataLst>
       <p:tags r:id="rId1"/>
@@ -31021,159 +33501,6 @@
 </file>
 
 <file path=ppt/slides/slide8.xml><?xml version="1.0" encoding="utf-8"?>
-<p:sld xmlns:a="http://schemas.openxmlformats.org/drawingml/2006/main" xmlns:r="http://schemas.openxmlformats.org/officeDocument/2006/relationships" xmlns:p="http://schemas.openxmlformats.org/presentationml/2006/main">
-  <p:cSld>
-    <p:spTree>
-      <p:nvGrpSpPr>
-        <p:cNvPr id="1" name=""/>
-        <p:cNvGrpSpPr/>
-        <p:nvPr/>
-      </p:nvGrpSpPr>
-      <p:grpSpPr>
-        <a:xfrm>
-          <a:off x="0" y="0"/>
-          <a:ext cx="0" cy="0"/>
-          <a:chOff x="0" y="0"/>
-          <a:chExt cx="0" cy="0"/>
-        </a:xfrm>
-      </p:grpSpPr>
-      <p:sp>
-        <p:nvSpPr>
-          <p:cNvPr id="3" name="Snip Diagonal Corner Rectangle 5">
-            <a:extLst>
-              <a:ext uri="{FF2B5EF4-FFF2-40B4-BE49-F238E27FC236}">
-                <a16:creationId xmlns:a16="http://schemas.microsoft.com/office/drawing/2014/main" id="{92FC9B9A-6B99-4A8D-8E85-12CE5424E0FF}"/>
-              </a:ext>
-            </a:extLst>
-          </p:cNvPr>
-          <p:cNvSpPr/>
-          <p:nvPr/>
-        </p:nvSpPr>
-        <p:spPr bwMode="auto">
-          <a:xfrm>
-            <a:off x="1028700" y="619840"/>
-            <a:ext cx="10134600" cy="5148470"/>
-          </a:xfrm>
-          <a:prstGeom prst="snip2DiagRect">
-            <a:avLst/>
-          </a:prstGeom>
-          <a:noFill/>
-          <a:ln>
-            <a:solidFill>
-              <a:schemeClr val="accent4">
-                <a:lumMod val="50000"/>
-              </a:schemeClr>
-            </a:solidFill>
-            <a:headEnd type="none" w="med" len="med"/>
-            <a:tailEnd type="none" w="med" len="med"/>
-          </a:ln>
-          <a:effectLst/>
-        </p:spPr>
-        <p:style>
-          <a:lnRef idx="1">
-            <a:schemeClr val="accent2"/>
-          </a:lnRef>
-          <a:fillRef idx="3">
-            <a:schemeClr val="accent2"/>
-          </a:fillRef>
-          <a:effectRef idx="2">
-            <a:schemeClr val="accent2"/>
-          </a:effectRef>
-          <a:fontRef idx="minor">
-            <a:schemeClr val="lt1"/>
-          </a:fontRef>
-        </p:style>
-        <p:txBody>
-          <a:bodyPr rot="0" spcFirstLastPara="0" vertOverflow="overflow" horzOverflow="overflow" vert="horz" wrap="square" lIns="186521" tIns="149217" rIns="186521" bIns="149217" numCol="1" spcCol="0" rtlCol="0" fromWordArt="0" anchor="t" anchorCtr="0" forceAA="0" compatLnSpc="1">
-            <a:prstTxWarp prst="textNoShape">
-              <a:avLst/>
-            </a:prstTxWarp>
-            <a:noAutofit/>
-          </a:bodyPr>
-          <a:lstStyle/>
-          <a:p>
-            <a:pPr algn="ctr" defTabSz="969953" fontAlgn="base">
-              <a:lnSpc>
-                <a:spcPct val="90000"/>
-              </a:lnSpc>
-              <a:spcBef>
-                <a:spcPct val="0"/>
-              </a:spcBef>
-              <a:spcAft>
-                <a:spcPct val="0"/>
-              </a:spcAft>
-              <a:defRPr/>
-            </a:pPr>
-            <a:endParaRPr lang="en-US" sz="8800" kern="0" dirty="0">
-              <a:gradFill>
-                <a:gsLst>
-                  <a:gs pos="0">
-                    <a:srgbClr val="FFFFFF"/>
-                  </a:gs>
-                  <a:gs pos="100000">
-                    <a:srgbClr val="FFFFFF"/>
-                  </a:gs>
-                </a:gsLst>
-                <a:lin ang="5400000" scaled="0"/>
-              </a:gradFill>
-              <a:ea typeface="Segoe UI" pitchFamily="34" charset="0"/>
-              <a:cs typeface="Segoe UI" pitchFamily="34" charset="0"/>
-            </a:endParaRPr>
-          </a:p>
-          <a:p>
-            <a:pPr algn="ctr" defTabSz="969953" fontAlgn="base">
-              <a:lnSpc>
-                <a:spcPct val="90000"/>
-              </a:lnSpc>
-              <a:spcBef>
-                <a:spcPct val="0"/>
-              </a:spcBef>
-              <a:spcAft>
-                <a:spcPct val="0"/>
-              </a:spcAft>
-              <a:defRPr/>
-            </a:pPr>
-            <a:r>
-              <a:rPr lang="en-US" sz="8800" kern="0" dirty="0">
-                <a:solidFill>
-                  <a:schemeClr val="accent4">
-                    <a:lumMod val="75000"/>
-                  </a:schemeClr>
-                </a:solidFill>
-                <a:ea typeface="Segoe UI" pitchFamily="34" charset="0"/>
-                <a:cs typeface="Segoe UI" pitchFamily="34" charset="0"/>
-              </a:rPr>
-              <a:t>Demo Time</a:t>
-            </a:r>
-          </a:p>
-        </p:txBody>
-      </p:sp>
-    </p:spTree>
-    <p:extLst>
-      <p:ext uri="{BB962C8B-B14F-4D97-AF65-F5344CB8AC3E}">
-        <p14:creationId xmlns:p14="http://schemas.microsoft.com/office/powerpoint/2010/main" val="1300929880"/>
-      </p:ext>
-    </p:extLst>
-  </p:cSld>
-  <p:clrMapOvr>
-    <a:masterClrMapping/>
-  </p:clrMapOvr>
-  <mc:AlternateContent xmlns:mc="http://schemas.openxmlformats.org/markup-compatibility/2006">
-    <mc:Choice xmlns:p159="http://schemas.microsoft.com/office/powerpoint/2015/09/main" Requires="p159">
-      <p:transition xmlns:p14="http://schemas.microsoft.com/office/powerpoint/2010/main" spd="slow" p14:dur="2000">
-        <p159:morph option="byObject"/>
-      </p:transition>
-    </mc:Choice>
-    <mc:Fallback>
-      <p:transition spd="slow">
-        <p:fade/>
-      </p:transition>
-    </mc:Fallback>
-  </mc:AlternateContent>
-</p:sld>
-</file>
-
-<file path=ppt/slides/slide9.xml><?xml version="1.0" encoding="utf-8"?>
 <p:sld xmlns:a="http://schemas.openxmlformats.org/drawingml/2006/main" xmlns:r="http://schemas.openxmlformats.org/officeDocument/2006/relationships" xmlns:p="http://schemas.openxmlformats.org/presentationml/2006/main">
   <p:cSld>
     <p:spTree>
@@ -31471,7 +33798,7 @@
           <p:nvPr>
             <p:extLst>
               <p:ext uri="{D42A27DB-BD31-4B8C-83A1-F6EECF244321}">
-                <p14:modId xmlns:p14="http://schemas.microsoft.com/office/powerpoint/2010/main" val="1059377366"/>
+                <p14:modId xmlns:p14="http://schemas.microsoft.com/office/powerpoint/2010/main" val="3429537995"/>
               </p:ext>
             </p:extLst>
           </p:nvPr>
@@ -31555,6 +33882,409 @@
     <p:extLst>
       <p:ext uri="{BB962C8B-B14F-4D97-AF65-F5344CB8AC3E}">
         <p14:creationId xmlns:p14="http://schemas.microsoft.com/office/powerpoint/2010/main" val="3289827717"/>
+      </p:ext>
+    </p:extLst>
+  </p:cSld>
+  <p:clrMapOvr>
+    <a:masterClrMapping/>
+  </p:clrMapOvr>
+  <mc:AlternateContent xmlns:mc="http://schemas.openxmlformats.org/markup-compatibility/2006" xmlns:p14="http://schemas.microsoft.com/office/powerpoint/2010/main">
+    <mc:Choice Requires="p14">
+      <p:transition spd="med" p14:dur="700">
+        <p:fade/>
+      </p:transition>
+    </mc:Choice>
+    <mc:Fallback xmlns="">
+      <p:transition spd="med">
+        <p:fade/>
+      </p:transition>
+    </mc:Fallback>
+  </mc:AlternateContent>
+</p:sld>
+</file>
+
+<file path=ppt/slides/slide9.xml><?xml version="1.0" encoding="utf-8"?>
+<p:sld xmlns:a="http://schemas.openxmlformats.org/drawingml/2006/main" xmlns:r="http://schemas.openxmlformats.org/officeDocument/2006/relationships" xmlns:p="http://schemas.openxmlformats.org/presentationml/2006/main">
+  <p:cSld>
+    <p:spTree>
+      <p:nvGrpSpPr>
+        <p:cNvPr id="1" name=""/>
+        <p:cNvGrpSpPr/>
+        <p:nvPr/>
+      </p:nvGrpSpPr>
+      <p:grpSpPr>
+        <a:xfrm>
+          <a:off x="0" y="0"/>
+          <a:ext cx="0" cy="0"/>
+          <a:chOff x="0" y="0"/>
+          <a:chExt cx="0" cy="0"/>
+        </a:xfrm>
+      </p:grpSpPr>
+      <p:sp>
+        <p:nvSpPr>
+          <p:cNvPr id="2" name="Title 1"/>
+          <p:cNvSpPr>
+            <a:spLocks noGrp="1"/>
+          </p:cNvSpPr>
+          <p:nvPr>
+            <p:ph type="title"/>
+          </p:nvPr>
+        </p:nvSpPr>
+        <p:spPr>
+          <a:xfrm>
+            <a:off x="269238" y="174885"/>
+            <a:ext cx="11370312" cy="1143000"/>
+          </a:xfrm>
+        </p:spPr>
+        <p:txBody>
+          <a:bodyPr/>
+          <a:lstStyle/>
+          <a:p>
+            <a:r>
+              <a:rPr lang="en-US" dirty="0">
+                <a:solidFill>
+                  <a:schemeClr val="accent5"/>
+                </a:solidFill>
+              </a:rPr>
+              <a:t>Accelerated Database Recovery Components</a:t>
+            </a:r>
+          </a:p>
+        </p:txBody>
+      </p:sp>
+      <p:sp>
+        <p:nvSpPr>
+          <p:cNvPr id="4" name="Oval 3">
+            <a:extLst>
+              <a:ext uri="{FF2B5EF4-FFF2-40B4-BE49-F238E27FC236}">
+                <a16:creationId xmlns:a16="http://schemas.microsoft.com/office/drawing/2014/main" id="{F6CFFB15-F7C5-4ED4-9B03-1573A378BBAB}"/>
+              </a:ext>
+            </a:extLst>
+          </p:cNvPr>
+          <p:cNvSpPr/>
+          <p:nvPr/>
+        </p:nvSpPr>
+        <p:spPr>
+          <a:xfrm>
+            <a:off x="1171575" y="4299210"/>
+            <a:ext cx="1809750" cy="1853940"/>
+          </a:xfrm>
+          <a:prstGeom prst="ellipse">
+            <a:avLst/>
+          </a:prstGeom>
+          <a:solidFill>
+            <a:schemeClr val="accent4">
+              <a:lumMod val="60000"/>
+              <a:lumOff val="40000"/>
+            </a:schemeClr>
+          </a:solidFill>
+        </p:spPr>
+        <p:style>
+          <a:lnRef idx="2">
+            <a:schemeClr val="accent5">
+              <a:shade val="50000"/>
+            </a:schemeClr>
+          </a:lnRef>
+          <a:fillRef idx="1">
+            <a:schemeClr val="accent5"/>
+          </a:fillRef>
+          <a:effectRef idx="0">
+            <a:schemeClr val="accent5"/>
+          </a:effectRef>
+          <a:fontRef idx="minor">
+            <a:schemeClr val="lt1"/>
+          </a:fontRef>
+        </p:style>
+        <p:txBody>
+          <a:bodyPr rtlCol="0" anchor="ctr"/>
+          <a:lstStyle/>
+          <a:p>
+            <a:pPr algn="ctr"/>
+            <a:r>
+              <a:rPr lang="en-US" sz="3200" dirty="0"/>
+              <a:t>PVS </a:t>
+            </a:r>
+          </a:p>
+          <a:p>
+            <a:pPr algn="ctr"/>
+            <a:r>
+              <a:rPr lang="en-US" sz="1400" dirty="0"/>
+              <a:t>Persisted Version Store</a:t>
+            </a:r>
+          </a:p>
+        </p:txBody>
+      </p:sp>
+      <p:sp>
+        <p:nvSpPr>
+          <p:cNvPr id="5" name="Oval 4">
+            <a:extLst>
+              <a:ext uri="{FF2B5EF4-FFF2-40B4-BE49-F238E27FC236}">
+                <a16:creationId xmlns:a16="http://schemas.microsoft.com/office/drawing/2014/main" id="{41862E9B-F096-4A58-9538-D5BA869DF9AF}"/>
+              </a:ext>
+            </a:extLst>
+          </p:cNvPr>
+          <p:cNvSpPr/>
+          <p:nvPr/>
+        </p:nvSpPr>
+        <p:spPr>
+          <a:xfrm>
+            <a:off x="3811164" y="4299210"/>
+            <a:ext cx="1809750" cy="1853940"/>
+          </a:xfrm>
+          <a:prstGeom prst="ellipse">
+            <a:avLst/>
+          </a:prstGeom>
+        </p:spPr>
+        <p:style>
+          <a:lnRef idx="2">
+            <a:schemeClr val="accent5">
+              <a:shade val="50000"/>
+            </a:schemeClr>
+          </a:lnRef>
+          <a:fillRef idx="1">
+            <a:schemeClr val="accent5"/>
+          </a:fillRef>
+          <a:effectRef idx="0">
+            <a:schemeClr val="accent5"/>
+          </a:effectRef>
+          <a:fontRef idx="minor">
+            <a:schemeClr val="lt1"/>
+          </a:fontRef>
+        </p:style>
+        <p:txBody>
+          <a:bodyPr rtlCol="0" anchor="ctr"/>
+          <a:lstStyle/>
+          <a:p>
+            <a:pPr algn="ctr"/>
+            <a:r>
+              <a:rPr lang="en-US" sz="2400" dirty="0"/>
+              <a:t>Logical Revert</a:t>
+            </a:r>
+          </a:p>
+        </p:txBody>
+      </p:sp>
+      <p:sp>
+        <p:nvSpPr>
+          <p:cNvPr id="7" name="Oval 6">
+            <a:extLst>
+              <a:ext uri="{FF2B5EF4-FFF2-40B4-BE49-F238E27FC236}">
+                <a16:creationId xmlns:a16="http://schemas.microsoft.com/office/drawing/2014/main" id="{21B52A34-5644-41B7-9057-BD1947685288}"/>
+              </a:ext>
+            </a:extLst>
+          </p:cNvPr>
+          <p:cNvSpPr/>
+          <p:nvPr/>
+        </p:nvSpPr>
+        <p:spPr>
+          <a:xfrm>
+            <a:off x="6450753" y="4299210"/>
+            <a:ext cx="1809750" cy="1853940"/>
+          </a:xfrm>
+          <a:prstGeom prst="ellipse">
+            <a:avLst/>
+          </a:prstGeom>
+          <a:solidFill>
+            <a:schemeClr val="accent4">
+              <a:lumMod val="60000"/>
+              <a:lumOff val="40000"/>
+            </a:schemeClr>
+          </a:solidFill>
+        </p:spPr>
+        <p:style>
+          <a:lnRef idx="2">
+            <a:schemeClr val="accent5">
+              <a:shade val="50000"/>
+            </a:schemeClr>
+          </a:lnRef>
+          <a:fillRef idx="1">
+            <a:schemeClr val="accent5"/>
+          </a:fillRef>
+          <a:effectRef idx="0">
+            <a:schemeClr val="accent5"/>
+          </a:effectRef>
+          <a:fontRef idx="minor">
+            <a:schemeClr val="lt1"/>
+          </a:fontRef>
+        </p:style>
+        <p:txBody>
+          <a:bodyPr rtlCol="0" anchor="ctr"/>
+          <a:lstStyle/>
+          <a:p>
+            <a:pPr algn="ctr"/>
+            <a:r>
+              <a:rPr lang="en-US" sz="2400" dirty="0"/>
+              <a:t>sLog </a:t>
+            </a:r>
+            <a:endParaRPr lang="en-US" sz="1400" dirty="0"/>
+          </a:p>
+          <a:p>
+            <a:pPr algn="ctr"/>
+            <a:r>
+              <a:rPr lang="en-US" sz="1400" dirty="0"/>
+              <a:t>Special </a:t>
+            </a:r>
+          </a:p>
+          <a:p>
+            <a:pPr algn="ctr"/>
+            <a:r>
+              <a:rPr lang="en-US" sz="1400" dirty="0"/>
+              <a:t>In-Memory Log Stream</a:t>
+            </a:r>
+            <a:endParaRPr lang="en-US" sz="2400" dirty="0"/>
+          </a:p>
+        </p:txBody>
+      </p:sp>
+      <p:sp>
+        <p:nvSpPr>
+          <p:cNvPr id="11" name="Oval 10">
+            <a:extLst>
+              <a:ext uri="{FF2B5EF4-FFF2-40B4-BE49-F238E27FC236}">
+                <a16:creationId xmlns:a16="http://schemas.microsoft.com/office/drawing/2014/main" id="{169AEC14-19B8-4547-A0B0-FFA12CA6A2D1}"/>
+              </a:ext>
+            </a:extLst>
+          </p:cNvPr>
+          <p:cNvSpPr/>
+          <p:nvPr/>
+        </p:nvSpPr>
+        <p:spPr>
+          <a:xfrm>
+            <a:off x="9090343" y="4299210"/>
+            <a:ext cx="1809750" cy="1853940"/>
+          </a:xfrm>
+          <a:prstGeom prst="ellipse">
+            <a:avLst/>
+          </a:prstGeom>
+          <a:solidFill>
+            <a:schemeClr val="accent4">
+              <a:lumMod val="60000"/>
+              <a:lumOff val="40000"/>
+            </a:schemeClr>
+          </a:solidFill>
+        </p:spPr>
+        <p:style>
+          <a:lnRef idx="2">
+            <a:schemeClr val="accent5">
+              <a:shade val="50000"/>
+            </a:schemeClr>
+          </a:lnRef>
+          <a:fillRef idx="1">
+            <a:schemeClr val="accent5"/>
+          </a:fillRef>
+          <a:effectRef idx="0">
+            <a:schemeClr val="accent5"/>
+          </a:effectRef>
+          <a:fontRef idx="minor">
+            <a:schemeClr val="lt1"/>
+          </a:fontRef>
+        </p:style>
+        <p:txBody>
+          <a:bodyPr rtlCol="0" anchor="ctr"/>
+          <a:lstStyle/>
+          <a:p>
+            <a:pPr algn="ctr"/>
+            <a:r>
+              <a:rPr lang="en-US" sz="2400" dirty="0"/>
+              <a:t>Cleaner</a:t>
+            </a:r>
+          </a:p>
+        </p:txBody>
+      </p:sp>
+      <p:graphicFrame>
+        <p:nvGraphicFramePr>
+          <p:cNvPr id="14" name="Diagram 13">
+            <a:extLst>
+              <a:ext uri="{FF2B5EF4-FFF2-40B4-BE49-F238E27FC236}">
+                <a16:creationId xmlns:a16="http://schemas.microsoft.com/office/drawing/2014/main" id="{49F498C4-E109-46D2-8DC1-C4AFD1651309}"/>
+              </a:ext>
+            </a:extLst>
+          </p:cNvPr>
+          <p:cNvGraphicFramePr/>
+          <p:nvPr>
+            <p:extLst>
+              <p:ext uri="{D42A27DB-BD31-4B8C-83A1-F6EECF244321}">
+                <p14:modId xmlns:p14="http://schemas.microsoft.com/office/powerpoint/2010/main" val="342142124"/>
+              </p:ext>
+            </p:extLst>
+          </p:nvPr>
+        </p:nvGraphicFramePr>
+        <p:xfrm>
+          <a:off x="429894" y="951710"/>
+          <a:ext cx="11049000" cy="3252259"/>
+        </p:xfrm>
+        <a:graphic>
+          <a:graphicData uri="http://schemas.openxmlformats.org/drawingml/2006/diagram">
+            <dgm:relIds xmlns:dgm="http://schemas.openxmlformats.org/drawingml/2006/diagram" xmlns:r="http://schemas.openxmlformats.org/officeDocument/2006/relationships" r:dm="rId4" r:lo="rId5" r:qs="rId6" r:cs="rId7"/>
+          </a:graphicData>
+        </a:graphic>
+      </p:graphicFrame>
+      <p:sp>
+        <p:nvSpPr>
+          <p:cNvPr id="3" name="Oval 2">
+            <a:extLst>
+              <a:ext uri="{FF2B5EF4-FFF2-40B4-BE49-F238E27FC236}">
+                <a16:creationId xmlns:a16="http://schemas.microsoft.com/office/drawing/2014/main" id="{D4EE3785-7CE5-46D1-AED6-FF27CC750693}"/>
+              </a:ext>
+            </a:extLst>
+          </p:cNvPr>
+          <p:cNvSpPr/>
+          <p:nvPr/>
+        </p:nvSpPr>
+        <p:spPr>
+          <a:xfrm>
+            <a:off x="3779884" y="4299210"/>
+            <a:ext cx="1841029" cy="1862822"/>
+          </a:xfrm>
+          <a:prstGeom prst="ellipse">
+            <a:avLst/>
+          </a:prstGeom>
+          <a:noFill/>
+          <a:ln>
+            <a:solidFill>
+              <a:schemeClr val="accent3">
+                <a:lumMod val="50000"/>
+              </a:schemeClr>
+            </a:solidFill>
+          </a:ln>
+          <a:effectLst>
+            <a:glow rad="228600">
+              <a:schemeClr val="accent3">
+                <a:satMod val="175000"/>
+                <a:alpha val="40000"/>
+              </a:schemeClr>
+            </a:glow>
+          </a:effectLst>
+        </p:spPr>
+        <p:style>
+          <a:lnRef idx="2">
+            <a:schemeClr val="accent1">
+              <a:shade val="50000"/>
+            </a:schemeClr>
+          </a:lnRef>
+          <a:fillRef idx="1">
+            <a:schemeClr val="accent1"/>
+          </a:fillRef>
+          <a:effectRef idx="0">
+            <a:schemeClr val="accent1"/>
+          </a:effectRef>
+          <a:fontRef idx="minor">
+            <a:schemeClr val="lt1"/>
+          </a:fontRef>
+        </p:style>
+        <p:txBody>
+          <a:bodyPr rtlCol="0" anchor="ctr"/>
+          <a:lstStyle/>
+          <a:p>
+            <a:pPr algn="ctr"/>
+            <a:endParaRPr lang="en-US"/>
+          </a:p>
+        </p:txBody>
+      </p:sp>
+    </p:spTree>
+    <p:custDataLst>
+      <p:tags r:id="rId1"/>
+    </p:custDataLst>
+    <p:extLst>
+      <p:ext uri="{BB962C8B-B14F-4D97-AF65-F5344CB8AC3E}">
+        <p14:creationId xmlns:p14="http://schemas.microsoft.com/office/powerpoint/2010/main" val="368539344"/>
       </p:ext>
     </p:extLst>
   </p:cSld>

--- a/Accelerated_Database_Recovery/JD_Accelerated_Database_Recovery.pptx
+++ b/Accelerated_Database_Recovery/JD_Accelerated_Database_Recovery.pptx
@@ -12,17 +12,17 @@
     <p:sldId id="11112" r:id="rId3"/>
     <p:sldId id="11111" r:id="rId4"/>
     <p:sldId id="1693" r:id="rId5"/>
-    <p:sldId id="365" r:id="rId6"/>
-    <p:sldId id="363" r:id="rId7"/>
-    <p:sldId id="370" r:id="rId8"/>
+    <p:sldId id="370" r:id="rId6"/>
+    <p:sldId id="365" r:id="rId7"/>
+    <p:sldId id="363" r:id="rId8"/>
     <p:sldId id="398" r:id="rId9"/>
     <p:sldId id="1695" r:id="rId10"/>
     <p:sldId id="1696" r:id="rId11"/>
     <p:sldId id="1697" r:id="rId12"/>
     <p:sldId id="414" r:id="rId13"/>
-    <p:sldId id="11113" r:id="rId14"/>
-    <p:sldId id="11114" r:id="rId15"/>
-    <p:sldId id="368" r:id="rId16"/>
+    <p:sldId id="11114" r:id="rId14"/>
+    <p:sldId id="368" r:id="rId15"/>
+    <p:sldId id="11113" r:id="rId16"/>
     <p:sldId id="530" r:id="rId17"/>
   </p:sldIdLst>
   <p:sldSz cx="12192000" cy="6858000"/>
@@ -135,17 +135,17 @@
         <p14:section name="Accelerated Database Recovery" id="{246A5269-0012-49D2-B1B7-611A58858D43}">
           <p14:sldIdLst>
             <p14:sldId id="1693"/>
+            <p14:sldId id="370"/>
             <p14:sldId id="365"/>
             <p14:sldId id="363"/>
-            <p14:sldId id="370"/>
             <p14:sldId id="398"/>
             <p14:sldId id="1695"/>
             <p14:sldId id="1696"/>
             <p14:sldId id="1697"/>
             <p14:sldId id="414"/>
-            <p14:sldId id="11113"/>
             <p14:sldId id="11114"/>
             <p14:sldId id="368"/>
+            <p14:sldId id="11113"/>
             <p14:sldId id="530"/>
           </p14:sldIdLst>
         </p14:section>
@@ -162,15 +162,15 @@
 </file>
 
 <file path=ppt/diagrams/colors1.xml><?xml version="1.0" encoding="utf-8"?>
-<dgm:colorsDef xmlns:dgm="http://schemas.openxmlformats.org/drawingml/2006/diagram" xmlns:a="http://schemas.openxmlformats.org/drawingml/2006/main" uniqueId="urn:microsoft.com/office/officeart/2005/8/colors/accent1_2">
+<dgm:colorsDef xmlns:dgm="http://schemas.openxmlformats.org/drawingml/2006/diagram" xmlns:a="http://schemas.openxmlformats.org/drawingml/2006/main" uniqueId="urn:microsoft.com/office/officeart/2005/8/colors/accent5_2">
   <dgm:title val=""/>
   <dgm:desc val=""/>
   <dgm:catLst>
-    <dgm:cat type="accent1" pri="11200"/>
+    <dgm:cat type="accent5" pri="11200"/>
   </dgm:catLst>
   <dgm:styleLbl name="node0">
     <dgm:fillClrLst meth="repeat">
-      <a:schemeClr val="accent1"/>
+      <a:schemeClr val="accent5"/>
     </dgm:fillClrLst>
     <dgm:linClrLst meth="repeat">
       <a:schemeClr val="lt1"/>
@@ -180,21 +180,9 @@
     <dgm:txFillClrLst/>
     <dgm:txEffectClrLst/>
   </dgm:styleLbl>
-  <dgm:styleLbl name="alignNode1">
-    <dgm:fillClrLst meth="repeat">
-      <a:schemeClr val="accent1"/>
-    </dgm:fillClrLst>
-    <dgm:linClrLst meth="repeat">
-      <a:schemeClr val="accent1"/>
-    </dgm:linClrLst>
-    <dgm:effectClrLst/>
-    <dgm:txLinClrLst/>
-    <dgm:txFillClrLst/>
-    <dgm:txEffectClrLst/>
-  </dgm:styleLbl>
   <dgm:styleLbl name="node1">
     <dgm:fillClrLst meth="repeat">
-      <a:schemeClr val="accent1"/>
+      <a:schemeClr val="accent5"/>
     </dgm:fillClrLst>
     <dgm:linClrLst meth="repeat">
       <a:schemeClr val="lt1"/>
@@ -204,9 +192,21 @@
     <dgm:txFillClrLst/>
     <dgm:txEffectClrLst/>
   </dgm:styleLbl>
+  <dgm:styleLbl name="alignNode1">
+    <dgm:fillClrLst meth="repeat">
+      <a:schemeClr val="accent5"/>
+    </dgm:fillClrLst>
+    <dgm:linClrLst meth="repeat">
+      <a:schemeClr val="accent5"/>
+    </dgm:linClrLst>
+    <dgm:effectClrLst/>
+    <dgm:txLinClrLst/>
+    <dgm:txFillClrLst/>
+    <dgm:txEffectClrLst/>
+  </dgm:styleLbl>
   <dgm:styleLbl name="lnNode1">
     <dgm:fillClrLst meth="repeat">
-      <a:schemeClr val="accent1"/>
+      <a:schemeClr val="accent5"/>
     </dgm:fillClrLst>
     <dgm:linClrLst meth="repeat">
       <a:schemeClr val="lt1"/>
@@ -218,7 +218,7 @@
   </dgm:styleLbl>
   <dgm:styleLbl name="vennNode1">
     <dgm:fillClrLst meth="repeat">
-      <a:schemeClr val="accent1">
+      <a:schemeClr val="accent5">
         <a:alpha val="50000"/>
       </a:schemeClr>
     </dgm:fillClrLst>
@@ -232,7 +232,7 @@
   </dgm:styleLbl>
   <dgm:styleLbl name="node2">
     <dgm:fillClrLst meth="repeat">
-      <a:schemeClr val="accent1"/>
+      <a:schemeClr val="accent5"/>
     </dgm:fillClrLst>
     <dgm:linClrLst meth="repeat">
       <a:schemeClr val="lt1"/>
@@ -244,7 +244,7 @@
   </dgm:styleLbl>
   <dgm:styleLbl name="node3">
     <dgm:fillClrLst meth="repeat">
-      <a:schemeClr val="accent1"/>
+      <a:schemeClr val="accent5"/>
     </dgm:fillClrLst>
     <dgm:linClrLst meth="repeat">
       <a:schemeClr val="lt1"/>
@@ -256,7 +256,7 @@
   </dgm:styleLbl>
   <dgm:styleLbl name="node4">
     <dgm:fillClrLst meth="repeat">
-      <a:schemeClr val="accent1"/>
+      <a:schemeClr val="accent5"/>
     </dgm:fillClrLst>
     <dgm:linClrLst meth="repeat">
       <a:schemeClr val="lt1"/>
@@ -268,7 +268,7 @@
   </dgm:styleLbl>
   <dgm:styleLbl name="fgImgPlace1">
     <dgm:fillClrLst meth="repeat">
-      <a:schemeClr val="accent1">
+      <a:schemeClr val="accent5">
         <a:tint val="50000"/>
       </a:schemeClr>
     </dgm:fillClrLst>
@@ -284,7 +284,7 @@
   </dgm:styleLbl>
   <dgm:styleLbl name="alignImgPlace1">
     <dgm:fillClrLst meth="repeat">
-      <a:schemeClr val="accent1">
+      <a:schemeClr val="accent5">
         <a:tint val="50000"/>
       </a:schemeClr>
     </dgm:fillClrLst>
@@ -300,7 +300,7 @@
   </dgm:styleLbl>
   <dgm:styleLbl name="bgImgPlace1">
     <dgm:fillClrLst meth="repeat">
-      <a:schemeClr val="accent1">
+      <a:schemeClr val="accent5">
         <a:tint val="50000"/>
       </a:schemeClr>
     </dgm:fillClrLst>
@@ -316,12 +316,12 @@
   </dgm:styleLbl>
   <dgm:styleLbl name="sibTrans2D1">
     <dgm:fillClrLst meth="repeat">
-      <a:schemeClr val="accent1">
+      <a:schemeClr val="accent5">
         <a:tint val="60000"/>
       </a:schemeClr>
     </dgm:fillClrLst>
     <dgm:linClrLst meth="repeat">
-      <a:schemeClr val="accent1">
+      <a:schemeClr val="accent5">
         <a:tint val="60000"/>
       </a:schemeClr>
     </dgm:linClrLst>
@@ -332,12 +332,12 @@
   </dgm:styleLbl>
   <dgm:styleLbl name="fgSibTrans2D1">
     <dgm:fillClrLst meth="repeat">
-      <a:schemeClr val="accent1">
+      <a:schemeClr val="accent5">
         <a:tint val="60000"/>
       </a:schemeClr>
     </dgm:fillClrLst>
     <dgm:linClrLst meth="repeat">
-      <a:schemeClr val="accent1">
+      <a:schemeClr val="accent5">
         <a:tint val="60000"/>
       </a:schemeClr>
     </dgm:linClrLst>
@@ -348,12 +348,12 @@
   </dgm:styleLbl>
   <dgm:styleLbl name="bgSibTrans2D1">
     <dgm:fillClrLst meth="repeat">
-      <a:schemeClr val="accent1">
+      <a:schemeClr val="accent5">
         <a:tint val="60000"/>
       </a:schemeClr>
     </dgm:fillClrLst>
     <dgm:linClrLst meth="repeat">
-      <a:schemeClr val="accent1">
+      <a:schemeClr val="accent5">
         <a:tint val="60000"/>
       </a:schemeClr>
     </dgm:linClrLst>
@@ -364,10 +364,10 @@
   </dgm:styleLbl>
   <dgm:styleLbl name="sibTrans1D1">
     <dgm:fillClrLst meth="repeat">
-      <a:schemeClr val="accent1"/>
+      <a:schemeClr val="accent5"/>
     </dgm:fillClrLst>
     <dgm:linClrLst meth="repeat">
-      <a:schemeClr val="accent1"/>
+      <a:schemeClr val="accent5"/>
     </dgm:linClrLst>
     <dgm:effectClrLst/>
     <dgm:txLinClrLst/>
@@ -378,10 +378,10 @@
   </dgm:styleLbl>
   <dgm:styleLbl name="callout">
     <dgm:fillClrLst meth="repeat">
-      <a:schemeClr val="accent1"/>
+      <a:schemeClr val="accent5"/>
     </dgm:fillClrLst>
     <dgm:linClrLst meth="repeat">
-      <a:schemeClr val="accent1">
+      <a:schemeClr val="accent5">
         <a:tint val="50000"/>
       </a:schemeClr>
     </dgm:linClrLst>
@@ -394,7 +394,7 @@
   </dgm:styleLbl>
   <dgm:styleLbl name="asst0">
     <dgm:fillClrLst meth="repeat">
-      <a:schemeClr val="accent1"/>
+      <a:schemeClr val="accent5"/>
     </dgm:fillClrLst>
     <dgm:linClrLst meth="repeat">
       <a:schemeClr val="lt1"/>
@@ -406,7 +406,7 @@
   </dgm:styleLbl>
   <dgm:styleLbl name="asst1">
     <dgm:fillClrLst meth="repeat">
-      <a:schemeClr val="accent1"/>
+      <a:schemeClr val="accent5"/>
     </dgm:fillClrLst>
     <dgm:linClrLst meth="repeat">
       <a:schemeClr val="lt1"/>
@@ -418,7 +418,7 @@
   </dgm:styleLbl>
   <dgm:styleLbl name="asst2">
     <dgm:fillClrLst meth="repeat">
-      <a:schemeClr val="accent1"/>
+      <a:schemeClr val="accent5"/>
     </dgm:fillClrLst>
     <dgm:linClrLst meth="repeat">
       <a:schemeClr val="lt1"/>
@@ -430,7 +430,7 @@
   </dgm:styleLbl>
   <dgm:styleLbl name="asst3">
     <dgm:fillClrLst meth="repeat">
-      <a:schemeClr val="accent1"/>
+      <a:schemeClr val="accent5"/>
     </dgm:fillClrLst>
     <dgm:linClrLst meth="repeat">
       <a:schemeClr val="lt1"/>
@@ -442,7 +442,7 @@
   </dgm:styleLbl>
   <dgm:styleLbl name="asst4">
     <dgm:fillClrLst meth="repeat">
-      <a:schemeClr val="accent1"/>
+      <a:schemeClr val="accent5"/>
     </dgm:fillClrLst>
     <dgm:linClrLst meth="repeat">
       <a:schemeClr val="lt1"/>
@@ -454,12 +454,12 @@
   </dgm:styleLbl>
   <dgm:styleLbl name="parChTrans2D1">
     <dgm:fillClrLst meth="repeat">
-      <a:schemeClr val="accent1">
+      <a:schemeClr val="accent5">
         <a:tint val="60000"/>
       </a:schemeClr>
     </dgm:fillClrLst>
     <dgm:linClrLst meth="repeat">
-      <a:schemeClr val="accent1">
+      <a:schemeClr val="accent5">
         <a:tint val="60000"/>
       </a:schemeClr>
     </dgm:linClrLst>
@@ -472,10 +472,10 @@
   </dgm:styleLbl>
   <dgm:styleLbl name="parChTrans2D2">
     <dgm:fillClrLst meth="repeat">
-      <a:schemeClr val="accent1"/>
+      <a:schemeClr val="accent5"/>
     </dgm:fillClrLst>
     <dgm:linClrLst meth="repeat">
-      <a:schemeClr val="accent1"/>
+      <a:schemeClr val="accent5"/>
     </dgm:linClrLst>
     <dgm:effectClrLst/>
     <dgm:txLinClrLst/>
@@ -486,10 +486,10 @@
   </dgm:styleLbl>
   <dgm:styleLbl name="parChTrans2D3">
     <dgm:fillClrLst meth="repeat">
-      <a:schemeClr val="accent1"/>
+      <a:schemeClr val="accent5"/>
     </dgm:fillClrLst>
     <dgm:linClrLst meth="repeat">
-      <a:schemeClr val="accent1"/>
+      <a:schemeClr val="accent5"/>
     </dgm:linClrLst>
     <dgm:effectClrLst/>
     <dgm:txLinClrLst/>
@@ -500,10 +500,10 @@
   </dgm:styleLbl>
   <dgm:styleLbl name="parChTrans2D4">
     <dgm:fillClrLst meth="repeat">
-      <a:schemeClr val="accent1"/>
+      <a:schemeClr val="accent5"/>
     </dgm:fillClrLst>
     <dgm:linClrLst meth="repeat">
-      <a:schemeClr val="accent1"/>
+      <a:schemeClr val="accent5"/>
     </dgm:linClrLst>
     <dgm:effectClrLst/>
     <dgm:txLinClrLst/>
@@ -514,10 +514,10 @@
   </dgm:styleLbl>
   <dgm:styleLbl name="parChTrans1D1">
     <dgm:fillClrLst meth="repeat">
-      <a:schemeClr val="accent1"/>
+      <a:schemeClr val="accent5"/>
     </dgm:fillClrLst>
     <dgm:linClrLst meth="repeat">
-      <a:schemeClr val="accent1">
+      <a:schemeClr val="accent5">
         <a:shade val="60000"/>
       </a:schemeClr>
     </dgm:linClrLst>
@@ -530,10 +530,10 @@
   </dgm:styleLbl>
   <dgm:styleLbl name="parChTrans1D2">
     <dgm:fillClrLst meth="repeat">
-      <a:schemeClr val="accent1"/>
+      <a:schemeClr val="accent5"/>
     </dgm:fillClrLst>
     <dgm:linClrLst meth="repeat">
-      <a:schemeClr val="accent1">
+      <a:schemeClr val="accent5">
         <a:shade val="60000"/>
       </a:schemeClr>
     </dgm:linClrLst>
@@ -546,10 +546,10 @@
   </dgm:styleLbl>
   <dgm:styleLbl name="parChTrans1D3">
     <dgm:fillClrLst meth="repeat">
-      <a:schemeClr val="accent1"/>
+      <a:schemeClr val="accent5"/>
     </dgm:fillClrLst>
     <dgm:linClrLst meth="repeat">
-      <a:schemeClr val="accent1">
+      <a:schemeClr val="accent5">
         <a:shade val="80000"/>
       </a:schemeClr>
     </dgm:linClrLst>
@@ -562,10 +562,10 @@
   </dgm:styleLbl>
   <dgm:styleLbl name="parChTrans1D4">
     <dgm:fillClrLst meth="repeat">
-      <a:schemeClr val="accent1"/>
+      <a:schemeClr val="accent5"/>
     </dgm:fillClrLst>
     <dgm:linClrLst meth="repeat">
-      <a:schemeClr val="accent1">
+      <a:schemeClr val="accent5">
         <a:shade val="80000"/>
       </a:schemeClr>
     </dgm:linClrLst>
@@ -583,7 +583,7 @@
       </a:schemeClr>
     </dgm:fillClrLst>
     <dgm:linClrLst meth="repeat">
-      <a:schemeClr val="accent1"/>
+      <a:schemeClr val="accent5"/>
     </dgm:linClrLst>
     <dgm:effectClrLst/>
     <dgm:txLinClrLst/>
@@ -599,7 +599,7 @@
       </a:schemeClr>
     </dgm:fillClrLst>
     <dgm:linClrLst meth="repeat">
-      <a:schemeClr val="accent1"/>
+      <a:schemeClr val="accent5"/>
     </dgm:linClrLst>
     <dgm:effectClrLst/>
     <dgm:txLinClrLst/>
@@ -615,7 +615,7 @@
       </a:schemeClr>
     </dgm:fillClrLst>
     <dgm:linClrLst meth="repeat">
-      <a:schemeClr val="accent1"/>
+      <a:schemeClr val="accent5"/>
     </dgm:linClrLst>
     <dgm:effectClrLst/>
     <dgm:txLinClrLst/>
@@ -631,7 +631,7 @@
       </a:schemeClr>
     </dgm:fillClrLst>
     <dgm:linClrLst meth="repeat">
-      <a:schemeClr val="accent1"/>
+      <a:schemeClr val="accent5"/>
     </dgm:linClrLst>
     <dgm:effectClrLst/>
     <dgm:txLinClrLst/>
@@ -647,7 +647,7 @@
       </a:schemeClr>
     </dgm:fillClrLst>
     <dgm:linClrLst meth="repeat">
-      <a:schemeClr val="accent1"/>
+      <a:schemeClr val="accent5"/>
     </dgm:linClrLst>
     <dgm:effectClrLst/>
     <dgm:txLinClrLst/>
@@ -661,7 +661,7 @@
       <a:schemeClr val="lt1"/>
     </dgm:fillClrLst>
     <dgm:linClrLst meth="repeat">
-      <a:schemeClr val="accent1"/>
+      <a:schemeClr val="accent5"/>
     </dgm:linClrLst>
     <dgm:effectClrLst/>
     <dgm:txLinClrLst/>
@@ -675,7 +675,7 @@
       <a:schemeClr val="lt1"/>
     </dgm:fillClrLst>
     <dgm:linClrLst meth="repeat">
-      <a:schemeClr val="accent1"/>
+      <a:schemeClr val="accent5"/>
     </dgm:linClrLst>
     <dgm:effectClrLst/>
     <dgm:txLinClrLst/>
@@ -689,7 +689,7 @@
       <a:schemeClr val="lt1"/>
     </dgm:fillClrLst>
     <dgm:linClrLst meth="repeat">
-      <a:schemeClr val="accent1"/>
+      <a:schemeClr val="accent5"/>
     </dgm:linClrLst>
     <dgm:effectClrLst/>
     <dgm:txLinClrLst/>
@@ -700,13 +700,13 @@
   </dgm:styleLbl>
   <dgm:styleLbl name="fgAccFollowNode1">
     <dgm:fillClrLst meth="repeat">
-      <a:schemeClr val="accent1">
+      <a:schemeClr val="accent5">
         <a:alpha val="90000"/>
         <a:tint val="40000"/>
       </a:schemeClr>
     </dgm:fillClrLst>
     <dgm:linClrLst meth="repeat">
-      <a:schemeClr val="accent1">
+      <a:schemeClr val="accent5">
         <a:alpha val="90000"/>
         <a:tint val="40000"/>
       </a:schemeClr>
@@ -720,13 +720,13 @@
   </dgm:styleLbl>
   <dgm:styleLbl name="alignAccFollowNode1">
     <dgm:fillClrLst meth="repeat">
-      <a:schemeClr val="accent1">
+      <a:schemeClr val="accent5">
         <a:alpha val="90000"/>
         <a:tint val="40000"/>
       </a:schemeClr>
     </dgm:fillClrLst>
     <dgm:linClrLst meth="repeat">
-      <a:schemeClr val="accent1">
+      <a:schemeClr val="accent5">
         <a:alpha val="90000"/>
         <a:tint val="40000"/>
       </a:schemeClr>
@@ -740,13 +740,13 @@
   </dgm:styleLbl>
   <dgm:styleLbl name="bgAccFollowNode1">
     <dgm:fillClrLst meth="repeat">
-      <a:schemeClr val="accent1">
+      <a:schemeClr val="accent5">
         <a:alpha val="90000"/>
         <a:tint val="40000"/>
       </a:schemeClr>
     </dgm:fillClrLst>
     <dgm:linClrLst meth="repeat">
-      <a:schemeClr val="accent1">
+      <a:schemeClr val="accent5">
         <a:alpha val="90000"/>
         <a:tint val="40000"/>
       </a:schemeClr>
@@ -765,7 +765,7 @@
       </a:schemeClr>
     </dgm:fillClrLst>
     <dgm:linClrLst meth="repeat">
-      <a:schemeClr val="accent1"/>
+      <a:schemeClr val="accent5"/>
     </dgm:linClrLst>
     <dgm:effectClrLst/>
     <dgm:txLinClrLst/>
@@ -781,7 +781,7 @@
       </a:schemeClr>
     </dgm:fillClrLst>
     <dgm:linClrLst meth="repeat">
-      <a:schemeClr val="accent1"/>
+      <a:schemeClr val="accent5"/>
     </dgm:linClrLst>
     <dgm:effectClrLst/>
     <dgm:txLinClrLst/>
@@ -797,7 +797,7 @@
       </a:schemeClr>
     </dgm:fillClrLst>
     <dgm:linClrLst meth="repeat">
-      <a:schemeClr val="accent1"/>
+      <a:schemeClr val="accent5"/>
     </dgm:linClrLst>
     <dgm:effectClrLst/>
     <dgm:txLinClrLst/>
@@ -813,7 +813,7 @@
       </a:schemeClr>
     </dgm:fillClrLst>
     <dgm:linClrLst meth="repeat">
-      <a:schemeClr val="accent1"/>
+      <a:schemeClr val="accent5"/>
     </dgm:linClrLst>
     <dgm:effectClrLst/>
     <dgm:txLinClrLst/>
@@ -824,12 +824,12 @@
   </dgm:styleLbl>
   <dgm:styleLbl name="bgShp">
     <dgm:fillClrLst meth="repeat">
-      <a:schemeClr val="accent1">
+      <a:schemeClr val="accent5">
         <a:tint val="40000"/>
       </a:schemeClr>
     </dgm:fillClrLst>
     <dgm:linClrLst meth="repeat">
-      <a:schemeClr val="accent1"/>
+      <a:schemeClr val="accent5"/>
     </dgm:linClrLst>
     <dgm:effectClrLst/>
     <dgm:txLinClrLst/>
@@ -840,12 +840,12 @@
   </dgm:styleLbl>
   <dgm:styleLbl name="dkBgShp">
     <dgm:fillClrLst meth="repeat">
-      <a:schemeClr val="accent1">
+      <a:schemeClr val="accent5">
         <a:shade val="80000"/>
       </a:schemeClr>
     </dgm:fillClrLst>
     <dgm:linClrLst meth="repeat">
-      <a:schemeClr val="accent1"/>
+      <a:schemeClr val="accent5"/>
     </dgm:linClrLst>
     <dgm:effectClrLst/>
     <dgm:txLinClrLst/>
@@ -856,13 +856,13 @@
   </dgm:styleLbl>
   <dgm:styleLbl name="trBgShp">
     <dgm:fillClrLst meth="repeat">
-      <a:schemeClr val="accent1">
+      <a:schemeClr val="accent5">
         <a:tint val="50000"/>
         <a:alpha val="40000"/>
       </a:schemeClr>
     </dgm:fillClrLst>
     <dgm:linClrLst meth="repeat">
-      <a:schemeClr val="accent1"/>
+      <a:schemeClr val="accent5"/>
     </dgm:linClrLst>
     <dgm:effectClrLst/>
     <dgm:txLinClrLst/>
@@ -873,7 +873,7 @@
   </dgm:styleLbl>
   <dgm:styleLbl name="fgShp">
     <dgm:fillClrLst meth="repeat">
-      <a:schemeClr val="accent1">
+      <a:schemeClr val="accent5">
         <a:tint val="60000"/>
       </a:schemeClr>
     </dgm:fillClrLst>
@@ -4682,7 +4682,7 @@
 <dgm:dataModel xmlns:dgm="http://schemas.openxmlformats.org/drawingml/2006/diagram" xmlns:a="http://schemas.openxmlformats.org/drawingml/2006/main">
   <dgm:ptLst>
     <dgm:pt modelId="{EA61F937-A520-4079-8EDE-3D0B9EFB6721}" type="doc">
-      <dgm:prSet loTypeId="urn:microsoft.com/office/officeart/2005/8/layout/vList2" loCatId="list" qsTypeId="urn:microsoft.com/office/officeart/2005/8/quickstyle/simple1" qsCatId="simple" csTypeId="urn:microsoft.com/office/officeart/2005/8/colors/accent1_2" csCatId="accent1" phldr="1"/>
+      <dgm:prSet loTypeId="urn:microsoft.com/office/officeart/2005/8/layout/vList2" loCatId="list" qsTypeId="urn:microsoft.com/office/officeart/2005/8/quickstyle/simple1" qsCatId="simple" csTypeId="urn:microsoft.com/office/officeart/2005/8/colors/accent5_2" csCatId="accent5" phldr="1"/>
       <dgm:spPr/>
       <dgm:t>
         <a:bodyPr/>
@@ -4694,11 +4694,7 @@
     </dgm:pt>
     <dgm:pt modelId="{B0F5A4F3-5D33-4357-BBB2-38A1DF48EE64}">
       <dgm:prSet phldrT="[Text]" custT="1"/>
-      <dgm:spPr>
-        <a:solidFill>
-          <a:schemeClr val="accent5"/>
-        </a:solidFill>
-      </dgm:spPr>
+      <dgm:spPr/>
       <dgm:t>
         <a:bodyPr/>
         <a:lstStyle/>
@@ -4707,11 +4703,7 @@
             <a:buNone/>
           </a:pPr>
           <a:r>
-            <a:rPr lang="en-US" sz="2800" dirty="0">
-              <a:solidFill>
-                <a:schemeClr val="bg1"/>
-              </a:solidFill>
-            </a:rPr>
+            <a:rPr lang="en-US" sz="2800"/>
             <a:t>Accelerated Database Recovery is a new SQL Server Engine feature that greatly improves database availability by completely redesigning the current SQL Server recovery process.</a:t>
           </a:r>
           <a:endParaRPr lang="en-US" sz="2800" dirty="0"/>
@@ -4748,13 +4740,10 @@
         <a:lstStyle/>
         <a:p>
           <a:r>
-            <a:rPr lang="en-US" sz="2800" dirty="0">
-              <a:solidFill>
-                <a:schemeClr val="accent5"/>
-              </a:solidFill>
-            </a:rPr>
+            <a:rPr lang="en-US" sz="2800"/>
             <a:t>Instantaneous Transaction Rollback</a:t>
           </a:r>
+          <a:endParaRPr lang="en-US" sz="2800" dirty="0"/>
         </a:p>
       </dgm:t>
     </dgm:pt>
@@ -4780,39 +4769,6 @@
         </a:p>
       </dgm:t>
     </dgm:pt>
-    <dgm:pt modelId="{94932AB3-967F-49E8-85A1-30CFB1227698}">
-      <dgm:prSet phldrT="[Text]"/>
-      <dgm:spPr/>
-      <dgm:t>
-        <a:bodyPr/>
-        <a:lstStyle/>
-        <a:p>
-          <a:endParaRPr lang="en-US" sz="2800" dirty="0"/>
-        </a:p>
-      </dgm:t>
-    </dgm:pt>
-    <dgm:pt modelId="{AE014EA1-340F-445E-A628-8A33D8C29B88}" type="parTrans" cxnId="{337B73A6-305F-4758-A5D4-3166BE902D4E}">
-      <dgm:prSet/>
-      <dgm:spPr/>
-      <dgm:t>
-        <a:bodyPr/>
-        <a:lstStyle/>
-        <a:p>
-          <a:endParaRPr lang="en-US"/>
-        </a:p>
-      </dgm:t>
-    </dgm:pt>
-    <dgm:pt modelId="{A277FD0E-9103-44FA-A87C-EB284F9CCFD8}" type="sibTrans" cxnId="{337B73A6-305F-4758-A5D4-3166BE902D4E}">
-      <dgm:prSet/>
-      <dgm:spPr/>
-      <dgm:t>
-        <a:bodyPr/>
-        <a:lstStyle/>
-        <a:p>
-          <a:endParaRPr lang="en-US"/>
-        </a:p>
-      </dgm:t>
-    </dgm:pt>
     <dgm:pt modelId="{78941C23-C52B-46B3-A3EE-F8F5C9BAF49C}">
       <dgm:prSet phldrT="[Text]" custT="1"/>
       <dgm:spPr/>
@@ -4821,13 +4777,10 @@
         <a:lstStyle/>
         <a:p>
           <a:r>
-            <a:rPr lang="en-US" sz="2800" dirty="0">
-              <a:solidFill>
-                <a:schemeClr val="accent5"/>
-              </a:solidFill>
-            </a:rPr>
+            <a:rPr lang="en-US" sz="2800"/>
             <a:t>Aggressive Log Truncation</a:t>
           </a:r>
+          <a:endParaRPr lang="en-US" sz="2800" dirty="0"/>
         </a:p>
       </dgm:t>
     </dgm:pt>
@@ -4855,21 +4808,13 @@
     </dgm:pt>
     <dgm:pt modelId="{93C69BF1-0744-4F8F-AE95-28AC6A15B8DE}">
       <dgm:prSet phldrT="[Text]" custT="1"/>
-      <dgm:spPr>
-        <a:solidFill>
-          <a:schemeClr val="accent5"/>
-        </a:solidFill>
-      </dgm:spPr>
+      <dgm:spPr/>
       <dgm:t>
         <a:bodyPr/>
         <a:lstStyle/>
         <a:p>
           <a:r>
-            <a:rPr lang="en-US" sz="2800" dirty="0">
-              <a:solidFill>
-                <a:schemeClr val="bg1"/>
-              </a:solidFill>
-            </a:rPr>
+            <a:rPr lang="en-US" sz="2800" dirty="0"/>
             <a:t>Benefits of Accelerated Database Recovery</a:t>
           </a:r>
         </a:p>
@@ -4905,13 +4850,10 @@
         <a:lstStyle/>
         <a:p>
           <a:r>
-            <a:rPr lang="en-US" sz="2800" dirty="0">
-              <a:solidFill>
-                <a:schemeClr val="accent5"/>
-              </a:solidFill>
-            </a:rPr>
+            <a:rPr lang="en-US" sz="2800"/>
             <a:t>Fast &amp; Consistent Database Recovery</a:t>
           </a:r>
+          <a:endParaRPr lang="en-US" sz="2800" dirty="0"/>
         </a:p>
       </dgm:t>
     </dgm:pt>
@@ -4945,13 +4887,14 @@
         <a:lstStyle/>
         <a:p>
           <a:r>
-            <a:rPr lang="en-US" sz="2800" dirty="0">
-              <a:solidFill>
-                <a:schemeClr val="accent5"/>
-              </a:solidFill>
-            </a:rPr>
-            <a:t>Available in Standard Edition</a:t>
+            <a:rPr lang="en-US" sz="2800" dirty="0"/>
+            <a:t>Available in </a:t>
           </a:r>
+          <a:r>
+            <a:rPr lang="en-US" sz="2800"/>
+            <a:t>Standard Edition</a:t>
+          </a:r>
+          <a:endParaRPr lang="en-US" sz="2800" dirty="0"/>
         </a:p>
       </dgm:t>
     </dgm:pt>
@@ -4977,7 +4920,7 @@
         </a:p>
       </dgm:t>
     </dgm:pt>
-    <dgm:pt modelId="{B363BD79-46ED-4900-841C-7F6AEDE12436}" type="pres">
+    <dgm:pt modelId="{38F9E3BB-11C2-4CD4-BD05-5409F14AD387}" type="pres">
       <dgm:prSet presAssocID="{EA61F937-A520-4079-8EDE-3D0B9EFB6721}" presName="linear" presStyleCnt="0">
         <dgm:presLayoutVars>
           <dgm:animLvl val="lvl"/>
@@ -4986,8 +4929,8 @@
       </dgm:prSet>
       <dgm:spPr/>
     </dgm:pt>
-    <dgm:pt modelId="{051EE32D-5955-4118-8913-2C50BF07CA36}" type="pres">
-      <dgm:prSet presAssocID="{B0F5A4F3-5D33-4357-BBB2-38A1DF48EE64}" presName="parentText" presStyleLbl="node1" presStyleIdx="0" presStyleCnt="2" custScaleY="115528" custLinFactNeighborY="2348">
+    <dgm:pt modelId="{23391FB6-B363-43B4-A61A-8E77F77F6DE0}" type="pres">
+      <dgm:prSet presAssocID="{B0F5A4F3-5D33-4357-BBB2-38A1DF48EE64}" presName="parentText" presStyleLbl="node1" presStyleIdx="0" presStyleCnt="2">
         <dgm:presLayoutVars>
           <dgm:chMax val="0"/>
           <dgm:bulletEnabled val="1"/>
@@ -4995,12 +4938,12 @@
       </dgm:prSet>
       <dgm:spPr/>
     </dgm:pt>
-    <dgm:pt modelId="{8ECD596A-48A8-4115-85A0-383846FCE30E}" type="pres">
+    <dgm:pt modelId="{20ED642C-986E-454D-9882-EF28CBB01A25}" type="pres">
       <dgm:prSet presAssocID="{2F57A9DE-A97A-4722-B358-B56D774774BF}" presName="spacer" presStyleCnt="0"/>
       <dgm:spPr/>
     </dgm:pt>
-    <dgm:pt modelId="{FEA9C014-67AE-4622-A7FD-8BE3AD2E0E2A}" type="pres">
-      <dgm:prSet presAssocID="{93C69BF1-0744-4F8F-AE95-28AC6A15B8DE}" presName="parentText" presStyleLbl="node1" presStyleIdx="1" presStyleCnt="2" custLinFactNeighborY="954">
+    <dgm:pt modelId="{4ED4E62A-4DDC-454A-88F2-242CDFA00F3D}" type="pres">
+      <dgm:prSet presAssocID="{93C69BF1-0744-4F8F-AE95-28AC6A15B8DE}" presName="parentText" presStyleLbl="node1" presStyleIdx="1" presStyleCnt="2">
         <dgm:presLayoutVars>
           <dgm:chMax val="0"/>
           <dgm:bulletEnabled val="1"/>
@@ -5008,8 +4951,8 @@
       </dgm:prSet>
       <dgm:spPr/>
     </dgm:pt>
-    <dgm:pt modelId="{65F965B6-01F8-483D-892A-0F40A006AB03}" type="pres">
-      <dgm:prSet presAssocID="{93C69BF1-0744-4F8F-AE95-28AC6A15B8DE}" presName="childText" presStyleLbl="revTx" presStyleIdx="0" presStyleCnt="1" custLinFactNeighborX="335" custLinFactNeighborY="7119">
+    <dgm:pt modelId="{595EDD90-9212-4156-B1DB-98711D5E9571}" type="pres">
+      <dgm:prSet presAssocID="{93C69BF1-0744-4F8F-AE95-28AC6A15B8DE}" presName="childText" presStyleLbl="revTx" presStyleIdx="0" presStyleCnt="1">
         <dgm:presLayoutVars>
           <dgm:bulletEnabled val="1"/>
         </dgm:presLayoutVars>
@@ -5019,24 +4962,22 @@
   </dgm:ptLst>
   <dgm:cxnLst>
     <dgm:cxn modelId="{E5F61C1B-EB70-490F-9774-44091F6B9EE9}" srcId="{EA61F937-A520-4079-8EDE-3D0B9EFB6721}" destId="{93C69BF1-0744-4F8F-AE95-28AC6A15B8DE}" srcOrd="1" destOrd="0" parTransId="{FC826051-81DA-43E1-B217-DFB343EFBB1A}" sibTransId="{F0896EA8-9B83-49AE-A9B3-02F3512EA5C0}"/>
-    <dgm:cxn modelId="{3518962B-C5E1-4CF9-A265-F5D5D956DA5C}" type="presOf" srcId="{B22F8FA8-F338-44D2-9FAB-CDC7841CB7E3}" destId="{65F965B6-01F8-483D-892A-0F40A006AB03}" srcOrd="0" destOrd="3" presId="urn:microsoft.com/office/officeart/2005/8/layout/vList2"/>
-    <dgm:cxn modelId="{C0106130-3274-40B3-8D8D-78F978CEB43E}" type="presOf" srcId="{94932AB3-967F-49E8-85A1-30CFB1227698}" destId="{65F965B6-01F8-483D-892A-0F40A006AB03}" srcOrd="0" destOrd="4" presId="urn:microsoft.com/office/officeart/2005/8/layout/vList2"/>
+    <dgm:cxn modelId="{A49AA033-7B70-48D4-8639-8DDE8DC0D6C1}" type="presOf" srcId="{B22F8FA8-F338-44D2-9FAB-CDC7841CB7E3}" destId="{595EDD90-9212-4156-B1DB-98711D5E9571}" srcOrd="0" destOrd="3" presId="urn:microsoft.com/office/officeart/2005/8/layout/vList2"/>
     <dgm:cxn modelId="{61998438-CD7C-4E8F-9F7F-521B751E2959}" srcId="{93C69BF1-0744-4F8F-AE95-28AC6A15B8DE}" destId="{BA7303A2-7DD8-4090-9F0C-BE81B83F5574}" srcOrd="1" destOrd="0" parTransId="{9833935A-0858-40A1-A5C3-EFDB74E2E8BB}" sibTransId="{7E75CBE3-6B50-4F3D-9E8B-8186885E0DED}"/>
-    <dgm:cxn modelId="{33882A5D-CCC1-48E0-AD9B-5DE794F609DD}" type="presOf" srcId="{78941C23-C52B-46B3-A3EE-F8F5C9BAF49C}" destId="{65F965B6-01F8-483D-892A-0F40A006AB03}" srcOrd="0" destOrd="2" presId="urn:microsoft.com/office/officeart/2005/8/layout/vList2"/>
-    <dgm:cxn modelId="{BB794B65-3C8C-4ED6-A8A1-46FD0251DEC2}" type="presOf" srcId="{EA61F937-A520-4079-8EDE-3D0B9EFB6721}" destId="{B363BD79-46ED-4900-841C-7F6AEDE12436}" srcOrd="0" destOrd="0" presId="urn:microsoft.com/office/officeart/2005/8/layout/vList2"/>
+    <dgm:cxn modelId="{AC0CD069-BB7D-4488-8D3A-FD11D5DB4BFC}" type="presOf" srcId="{E403518E-EDA4-4C57-A426-D95B32E52594}" destId="{595EDD90-9212-4156-B1DB-98711D5E9571}" srcOrd="0" destOrd="0" presId="urn:microsoft.com/office/officeart/2005/8/layout/vList2"/>
     <dgm:cxn modelId="{F8A6AD7D-930F-478E-941E-CDD3DCFA95EA}" srcId="{93C69BF1-0744-4F8F-AE95-28AC6A15B8DE}" destId="{78941C23-C52B-46B3-A3EE-F8F5C9BAF49C}" srcOrd="2" destOrd="0" parTransId="{30FFC52C-251A-42D3-8E90-568318FEE75A}" sibTransId="{A55650EE-FBCD-4C5C-A7D6-CB753B324105}"/>
+    <dgm:cxn modelId="{18EC9284-CBBA-4CA1-AEF7-E26BF1A00D57}" type="presOf" srcId="{B0F5A4F3-5D33-4357-BBB2-38A1DF48EE64}" destId="{23391FB6-B363-43B4-A61A-8E77F77F6DE0}" srcOrd="0" destOrd="0" presId="urn:microsoft.com/office/officeart/2005/8/layout/vList2"/>
     <dgm:cxn modelId="{038B8086-815E-4432-838D-17FD73A8961E}" srcId="{93C69BF1-0744-4F8F-AE95-28AC6A15B8DE}" destId="{B22F8FA8-F338-44D2-9FAB-CDC7841CB7E3}" srcOrd="3" destOrd="0" parTransId="{1EDD8FDB-836E-4B7E-9C76-203F37DEC481}" sibTransId="{DB08005C-4AC9-40DA-B27E-CAC9E1CEF08B}"/>
     <dgm:cxn modelId="{65273290-0E49-4B88-845B-BCF0B12D5BE3}" srcId="{93C69BF1-0744-4F8F-AE95-28AC6A15B8DE}" destId="{E403518E-EDA4-4C57-A426-D95B32E52594}" srcOrd="0" destOrd="0" parTransId="{A985651C-5A39-41D3-B178-8A503F50FBD9}" sibTransId="{B6C115A8-A00C-4F47-8818-87D35376163E}"/>
-    <dgm:cxn modelId="{1FA75B92-EF55-4CA7-AD5B-AC27DC754C0F}" type="presOf" srcId="{E403518E-EDA4-4C57-A426-D95B32E52594}" destId="{65F965B6-01F8-483D-892A-0F40A006AB03}" srcOrd="0" destOrd="0" presId="urn:microsoft.com/office/officeart/2005/8/layout/vList2"/>
-    <dgm:cxn modelId="{839B4099-3E2E-45FD-9252-02B0627F7D00}" type="presOf" srcId="{BA7303A2-7DD8-4090-9F0C-BE81B83F5574}" destId="{65F965B6-01F8-483D-892A-0F40A006AB03}" srcOrd="0" destOrd="1" presId="urn:microsoft.com/office/officeart/2005/8/layout/vList2"/>
-    <dgm:cxn modelId="{337B73A6-305F-4758-A5D4-3166BE902D4E}" srcId="{93C69BF1-0744-4F8F-AE95-28AC6A15B8DE}" destId="{94932AB3-967F-49E8-85A1-30CFB1227698}" srcOrd="4" destOrd="0" parTransId="{AE014EA1-340F-445E-A628-8A33D8C29B88}" sibTransId="{A277FD0E-9103-44FA-A87C-EB284F9CCFD8}"/>
-    <dgm:cxn modelId="{EE4F29CD-2CD3-48C6-A25B-1EBEC0833EB9}" type="presOf" srcId="{93C69BF1-0744-4F8F-AE95-28AC6A15B8DE}" destId="{FEA9C014-67AE-4622-A7FD-8BE3AD2E0E2A}" srcOrd="0" destOrd="0" presId="urn:microsoft.com/office/officeart/2005/8/layout/vList2"/>
+    <dgm:cxn modelId="{B4B564C1-E04B-4B54-8892-5EF2A2FCBC6E}" type="presOf" srcId="{EA61F937-A520-4079-8EDE-3D0B9EFB6721}" destId="{38F9E3BB-11C2-4CD4-BD05-5409F14AD387}" srcOrd="0" destOrd="0" presId="urn:microsoft.com/office/officeart/2005/8/layout/vList2"/>
+    <dgm:cxn modelId="{3F7716CD-8201-4337-B919-63807D1EFB02}" type="presOf" srcId="{BA7303A2-7DD8-4090-9F0C-BE81B83F5574}" destId="{595EDD90-9212-4156-B1DB-98711D5E9571}" srcOrd="0" destOrd="1" presId="urn:microsoft.com/office/officeart/2005/8/layout/vList2"/>
+    <dgm:cxn modelId="{C41D6BCF-E328-4A62-BE77-69D5A39087A0}" type="presOf" srcId="{78941C23-C52B-46B3-A3EE-F8F5C9BAF49C}" destId="{595EDD90-9212-4156-B1DB-98711D5E9571}" srcOrd="0" destOrd="2" presId="urn:microsoft.com/office/officeart/2005/8/layout/vList2"/>
     <dgm:cxn modelId="{879857D8-9093-40A5-969C-D684F1DCB374}" srcId="{EA61F937-A520-4079-8EDE-3D0B9EFB6721}" destId="{B0F5A4F3-5D33-4357-BBB2-38A1DF48EE64}" srcOrd="0" destOrd="0" parTransId="{88C5C4D9-1E71-45C8-8E03-6760BC05C705}" sibTransId="{2F57A9DE-A97A-4722-B358-B56D774774BF}"/>
-    <dgm:cxn modelId="{2046F9EE-BD28-43F1-B1C4-40AA4163490F}" type="presOf" srcId="{B0F5A4F3-5D33-4357-BBB2-38A1DF48EE64}" destId="{051EE32D-5955-4118-8913-2C50BF07CA36}" srcOrd="0" destOrd="0" presId="urn:microsoft.com/office/officeart/2005/8/layout/vList2"/>
-    <dgm:cxn modelId="{BAE2B62D-FF10-4F3C-8D0F-894F40D6F889}" type="presParOf" srcId="{B363BD79-46ED-4900-841C-7F6AEDE12436}" destId="{051EE32D-5955-4118-8913-2C50BF07CA36}" srcOrd="0" destOrd="0" presId="urn:microsoft.com/office/officeart/2005/8/layout/vList2"/>
-    <dgm:cxn modelId="{0ACB392D-BA8D-4B74-BAB4-301F38A69521}" type="presParOf" srcId="{B363BD79-46ED-4900-841C-7F6AEDE12436}" destId="{8ECD596A-48A8-4115-85A0-383846FCE30E}" srcOrd="1" destOrd="0" presId="urn:microsoft.com/office/officeart/2005/8/layout/vList2"/>
-    <dgm:cxn modelId="{5FAF9027-AAED-43E4-9EDA-83D559BCF736}" type="presParOf" srcId="{B363BD79-46ED-4900-841C-7F6AEDE12436}" destId="{FEA9C014-67AE-4622-A7FD-8BE3AD2E0E2A}" srcOrd="2" destOrd="0" presId="urn:microsoft.com/office/officeart/2005/8/layout/vList2"/>
-    <dgm:cxn modelId="{E464F82E-BC10-4629-B2A8-BDE99051AE88}" type="presParOf" srcId="{B363BD79-46ED-4900-841C-7F6AEDE12436}" destId="{65F965B6-01F8-483D-892A-0F40A006AB03}" srcOrd="3" destOrd="0" presId="urn:microsoft.com/office/officeart/2005/8/layout/vList2"/>
+    <dgm:cxn modelId="{BEE9DFF5-7EFD-4BE7-9C40-C7CFA9B3C14A}" type="presOf" srcId="{93C69BF1-0744-4F8F-AE95-28AC6A15B8DE}" destId="{4ED4E62A-4DDC-454A-88F2-242CDFA00F3D}" srcOrd="0" destOrd="0" presId="urn:microsoft.com/office/officeart/2005/8/layout/vList2"/>
+    <dgm:cxn modelId="{DD6007F6-250D-499F-A394-6A56383F03B4}" type="presParOf" srcId="{38F9E3BB-11C2-4CD4-BD05-5409F14AD387}" destId="{23391FB6-B363-43B4-A61A-8E77F77F6DE0}" srcOrd="0" destOrd="0" presId="urn:microsoft.com/office/officeart/2005/8/layout/vList2"/>
+    <dgm:cxn modelId="{EEB48DF0-A406-47F0-B4BE-7521CF4CFA2D}" type="presParOf" srcId="{38F9E3BB-11C2-4CD4-BD05-5409F14AD387}" destId="{20ED642C-986E-454D-9882-EF28CBB01A25}" srcOrd="1" destOrd="0" presId="urn:microsoft.com/office/officeart/2005/8/layout/vList2"/>
+    <dgm:cxn modelId="{91A11C19-BDD1-437C-BC1E-394CFA69DB1C}" type="presParOf" srcId="{38F9E3BB-11C2-4CD4-BD05-5409F14AD387}" destId="{4ED4E62A-4DDC-454A-88F2-242CDFA00F3D}" srcOrd="2" destOrd="0" presId="urn:microsoft.com/office/officeart/2005/8/layout/vList2"/>
+    <dgm:cxn modelId="{FF190B61-F55A-4D29-B988-D18869939FC1}" type="presParOf" srcId="{38F9E3BB-11C2-4CD4-BD05-5409F14AD387}" destId="{595EDD90-9212-4156-B1DB-98711D5E9571}" srcOrd="3" destOrd="0" presId="urn:microsoft.com/office/officeart/2005/8/layout/vList2"/>
   </dgm:cxnLst>
   <dgm:bg/>
   <dgm:whole/>
@@ -6796,21 +6737,26 @@
       <dsp:cNvGrpSpPr/>
     </dsp:nvGrpSpPr>
     <dsp:grpSpPr/>
-    <dsp:sp modelId="{051EE32D-5955-4118-8913-2C50BF07CA36}">
+    <dsp:sp modelId="{23391FB6-B363-43B4-A61A-8E77F77F6DE0}">
       <dsp:nvSpPr>
         <dsp:cNvPr id="0" name=""/>
         <dsp:cNvSpPr/>
       </dsp:nvSpPr>
       <dsp:spPr>
         <a:xfrm>
-          <a:off x="0" y="4225"/>
-          <a:ext cx="11372850" cy="1617897"/>
+          <a:off x="0" y="3794"/>
+          <a:ext cx="11372850" cy="1605900"/>
         </a:xfrm>
         <a:prstGeom prst="roundRect">
           <a:avLst/>
         </a:prstGeom>
         <a:solidFill>
-          <a:schemeClr val="accent5"/>
+          <a:schemeClr val="accent5">
+            <a:hueOff val="0"/>
+            <a:satOff val="0"/>
+            <a:lumOff val="0"/>
+            <a:alphaOff val="0"/>
+          </a:schemeClr>
         </a:solidFill>
         <a:ln w="25400" cap="flat" cmpd="sng" algn="ctr">
           <a:solidFill>
@@ -6858,36 +6804,37 @@
             <a:buNone/>
           </a:pPr>
           <a:r>
-            <a:rPr lang="en-US" sz="2800" kern="1200" dirty="0">
-              <a:solidFill>
-                <a:schemeClr val="bg1"/>
-              </a:solidFill>
-            </a:rPr>
+            <a:rPr lang="en-US" sz="2800" kern="1200"/>
             <a:t>Accelerated Database Recovery is a new SQL Server Engine feature that greatly improves database availability by completely redesigning the current SQL Server recovery process.</a:t>
           </a:r>
           <a:endParaRPr lang="en-US" sz="2800" kern="1200" dirty="0"/>
         </a:p>
       </dsp:txBody>
       <dsp:txXfrm>
-        <a:off x="78979" y="83204"/>
-        <a:ext cx="11214892" cy="1459939"/>
+        <a:off x="78394" y="82188"/>
+        <a:ext cx="11216062" cy="1449112"/>
       </dsp:txXfrm>
     </dsp:sp>
-    <dsp:sp modelId="{FEA9C014-67AE-4622-A7FD-8BE3AD2E0E2A}">
+    <dsp:sp modelId="{4ED4E62A-4DDC-454A-88F2-242CDFA00F3D}">
       <dsp:nvSpPr>
         <dsp:cNvPr id="0" name=""/>
         <dsp:cNvSpPr/>
       </dsp:nvSpPr>
       <dsp:spPr>
         <a:xfrm>
-          <a:off x="0" y="1654493"/>
-          <a:ext cx="11372850" cy="1400437"/>
+          <a:off x="0" y="1623421"/>
+          <a:ext cx="11372850" cy="1605900"/>
         </a:xfrm>
         <a:prstGeom prst="roundRect">
           <a:avLst/>
         </a:prstGeom>
         <a:solidFill>
-          <a:schemeClr val="accent5"/>
+          <a:schemeClr val="accent5">
+            <a:hueOff val="0"/>
+            <a:satOff val="0"/>
+            <a:lumOff val="0"/>
+            <a:alphaOff val="0"/>
+          </a:schemeClr>
         </a:solidFill>
         <a:ln w="25400" cap="flat" cmpd="sng" algn="ctr">
           <a:solidFill>
@@ -6935,29 +6882,25 @@
             <a:buNone/>
           </a:pPr>
           <a:r>
-            <a:rPr lang="en-US" sz="2800" kern="1200" dirty="0">
-              <a:solidFill>
-                <a:schemeClr val="bg1"/>
-              </a:solidFill>
-            </a:rPr>
+            <a:rPr lang="en-US" sz="2800" kern="1200" dirty="0"/>
             <a:t>Benefits of Accelerated Database Recovery</a:t>
           </a:r>
         </a:p>
       </dsp:txBody>
       <dsp:txXfrm>
-        <a:off x="68364" y="1722857"/>
-        <a:ext cx="11236122" cy="1263709"/>
+        <a:off x="78394" y="1701815"/>
+        <a:ext cx="11216062" cy="1449112"/>
       </dsp:txXfrm>
     </dsp:sp>
-    <dsp:sp modelId="{65F965B6-01F8-483D-892A-0F40A006AB03}">
+    <dsp:sp modelId="{595EDD90-9212-4156-B1DB-98711D5E9571}">
       <dsp:nvSpPr>
         <dsp:cNvPr id="0" name=""/>
         <dsp:cNvSpPr/>
       </dsp:nvSpPr>
       <dsp:spPr>
         <a:xfrm>
-          <a:off x="0" y="3038193"/>
-          <a:ext cx="11372850" cy="2167984"/>
+          <a:off x="0" y="3229321"/>
+          <a:ext cx="11372850" cy="1973061"/>
         </a:xfrm>
         <a:prstGeom prst="rect">
           <a:avLst/>
@@ -6999,13 +6942,10 @@
             <a:buChar char="•"/>
           </a:pPr>
           <a:r>
-            <a:rPr lang="en-US" sz="2800" kern="1200" dirty="0">
-              <a:solidFill>
-                <a:schemeClr val="accent5"/>
-              </a:solidFill>
-            </a:rPr>
+            <a:rPr lang="en-US" sz="2800" kern="1200"/>
             <a:t>Fast &amp; Consistent Database Recovery</a:t>
           </a:r>
+          <a:endParaRPr lang="en-US" sz="2800" kern="1200" dirty="0"/>
         </a:p>
         <a:p>
           <a:pPr marL="285750" lvl="1" indent="-285750" algn="l" defTabSz="1244600">
@@ -7021,13 +6961,10 @@
             <a:buChar char="•"/>
           </a:pPr>
           <a:r>
-            <a:rPr lang="en-US" sz="2800" kern="1200" dirty="0">
-              <a:solidFill>
-                <a:schemeClr val="accent5"/>
-              </a:solidFill>
-            </a:rPr>
+            <a:rPr lang="en-US" sz="2800" kern="1200"/>
             <a:t>Instantaneous Transaction Rollback</a:t>
           </a:r>
+          <a:endParaRPr lang="en-US" sz="2800" kern="1200" dirty="0"/>
         </a:p>
         <a:p>
           <a:pPr marL="285750" lvl="1" indent="-285750" algn="l" defTabSz="1244600">
@@ -7043,13 +6980,10 @@
             <a:buChar char="•"/>
           </a:pPr>
           <a:r>
-            <a:rPr lang="en-US" sz="2800" kern="1200" dirty="0">
-              <a:solidFill>
-                <a:schemeClr val="accent5"/>
-              </a:solidFill>
-            </a:rPr>
+            <a:rPr lang="en-US" sz="2800" kern="1200"/>
             <a:t>Aggressive Log Truncation</a:t>
           </a:r>
+          <a:endParaRPr lang="en-US" sz="2800" kern="1200" dirty="0"/>
         </a:p>
         <a:p>
           <a:pPr marL="285750" lvl="1" indent="-285750" algn="l" defTabSz="1244600">
@@ -7065,33 +6999,19 @@
             <a:buChar char="•"/>
           </a:pPr>
           <a:r>
-            <a:rPr lang="en-US" sz="2800" kern="1200" dirty="0">
-              <a:solidFill>
-                <a:schemeClr val="accent5"/>
-              </a:solidFill>
-            </a:rPr>
-            <a:t>Available in Standard Edition</a:t>
+            <a:rPr lang="en-US" sz="2800" kern="1200" dirty="0"/>
+            <a:t>Available in </a:t>
           </a:r>
-        </a:p>
-        <a:p>
-          <a:pPr marL="285750" lvl="1" indent="-285750" algn="l" defTabSz="1244600">
-            <a:lnSpc>
-              <a:spcPct val="90000"/>
-            </a:lnSpc>
-            <a:spcBef>
-              <a:spcPct val="0"/>
-            </a:spcBef>
-            <a:spcAft>
-              <a:spcPct val="20000"/>
-            </a:spcAft>
-            <a:buChar char="•"/>
-          </a:pPr>
+          <a:r>
+            <a:rPr lang="en-US" sz="2800" kern="1200"/>
+            <a:t>Standard Edition</a:t>
+          </a:r>
           <a:endParaRPr lang="en-US" sz="2800" kern="1200" dirty="0"/>
         </a:p>
       </dsp:txBody>
       <dsp:txXfrm>
-        <a:off x="0" y="3038193"/>
-        <a:ext cx="11372850" cy="2167984"/>
+        <a:off x="0" y="3229321"/>
+        <a:ext cx="11372850" cy="1973061"/>
       </dsp:txXfrm>
     </dsp:sp>
   </dsp:spTree>
@@ -16021,7 +15941,7 @@
           <a:p>
             <a:fld id="{CFBA6064-FDE0-48E8-9405-22609F48ED19}" type="datetimeFigureOut">
               <a:rPr lang="en-US" smtClean="0"/>
-              <a:t>4/27/2021</a:t>
+              <a:t>8/30/2021</a:t>
             </a:fld>
             <a:endParaRPr lang="en-US"/>
           </a:p>
@@ -16532,7 +16452,7 @@
             <a:fld id="{EA2B2ED8-C573-45EF-BF68-CEC19505703A}" type="datetime8">
               <a:rPr lang="en-US" smtClean="0"/>
               <a:pPr/>
-              <a:t>4/27/2021 8:38 AM</a:t>
+              <a:t>8/30/2021 10:13 AM</a:t>
             </a:fld>
             <a:endParaRPr lang="en-US" dirty="0"/>
           </a:p>
@@ -16985,7 +16905,7 @@
             <a:fld id="{38EEC551-8CDA-4EB6-89BB-2A86C9F091C8}" type="datetime8">
               <a:rPr lang="en-US" smtClean="0"/>
               <a:pPr/>
-              <a:t>4/27/2021 9:13 AM</a:t>
+              <a:t>8/30/2021 10:13 AM</a:t>
             </a:fld>
             <a:endParaRPr lang="en-US" dirty="0"/>
           </a:p>
@@ -17123,7 +17043,7 @@
           <a:p>
             <a:fld id="{56E97690-D681-4B47-8FD4-7300C9E579A2}" type="slidenum">
               <a:rPr lang="en-US" smtClean="0"/>
-              <a:t>14</a:t>
+              <a:t>13</a:t>
             </a:fld>
             <a:endParaRPr lang="en-US"/>
           </a:p>
@@ -17244,7 +17164,7 @@
             <a:fld id="{EA2B2ED8-C573-45EF-BF68-CEC19505703A}" type="datetime8">
               <a:rPr lang="en-US" smtClean="0"/>
               <a:pPr/>
-              <a:t>4/27/2021 8:38 AM</a:t>
+              <a:t>8/30/2021 10:13 AM</a:t>
             </a:fld>
             <a:endParaRPr lang="en-US" dirty="0"/>
           </a:p>
@@ -17276,7 +17196,7 @@
             <a:fld id="{8B263312-38AA-4E1E-B2B5-0F8F122B24FE}" type="slidenum">
               <a:rPr lang="en-US" smtClean="0"/>
               <a:pPr/>
-              <a:t>15</a:t>
+              <a:t>14</a:t>
             </a:fld>
             <a:endParaRPr lang="en-US" dirty="0"/>
           </a:p>
@@ -17474,7 +17394,7 @@
           <a:p>
             <a:fld id="{386CE63F-9E7F-4C04-9D0D-FCA25A8E9E86}" type="datetime8">
               <a:rPr lang="en-US" smtClean="0"/>
-              <a:t>4/27/2021 8:38 AM</a:t>
+              <a:t>8/30/2021 10:13 AM</a:t>
             </a:fld>
             <a:endParaRPr lang="en-US" dirty="0"/>
           </a:p>
@@ -17609,7 +17529,7 @@
             <a:fld id="{EA2B2ED8-C573-45EF-BF68-CEC19505703A}" type="datetime8">
               <a:rPr lang="en-US" smtClean="0"/>
               <a:pPr/>
-              <a:t>4/27/2021 8:38 AM</a:t>
+              <a:t>8/30/2021 10:13 AM</a:t>
             </a:fld>
             <a:endParaRPr lang="en-US" dirty="0"/>
           </a:p>
@@ -17718,6 +17638,195 @@
 </file>
 
 <file path=ppt/notesSlides/notesSlide4.xml><?xml version="1.0" encoding="utf-8"?>
+<p:notes xmlns:a="http://schemas.openxmlformats.org/drawingml/2006/main" xmlns:r="http://schemas.openxmlformats.org/officeDocument/2006/relationships" xmlns:p="http://schemas.openxmlformats.org/presentationml/2006/main">
+  <p:cSld>
+    <p:spTree>
+      <p:nvGrpSpPr>
+        <p:cNvPr id="1" name=""/>
+        <p:cNvGrpSpPr/>
+        <p:nvPr/>
+      </p:nvGrpSpPr>
+      <p:grpSpPr>
+        <a:xfrm>
+          <a:off x="0" y="0"/>
+          <a:ext cx="0" cy="0"/>
+          <a:chOff x="0" y="0"/>
+          <a:chExt cx="0" cy="0"/>
+        </a:xfrm>
+      </p:grpSpPr>
+      <p:sp>
+        <p:nvSpPr>
+          <p:cNvPr id="2" name="Slide Image Placeholder 1"/>
+          <p:cNvSpPr>
+            <a:spLocks noGrp="1" noRot="1" noChangeAspect="1"/>
+          </p:cNvSpPr>
+          <p:nvPr>
+            <p:ph type="sldImg"/>
+          </p:nvPr>
+        </p:nvSpPr>
+        <p:spPr/>
+      </p:sp>
+      <p:sp>
+        <p:nvSpPr>
+          <p:cNvPr id="3" name="Notes Placeholder 2"/>
+          <p:cNvSpPr>
+            <a:spLocks noGrp="1"/>
+          </p:cNvSpPr>
+          <p:nvPr>
+            <p:ph type="body" idx="1"/>
+          </p:nvPr>
+        </p:nvSpPr>
+        <p:spPr/>
+        <p:txBody>
+          <a:bodyPr/>
+          <a:lstStyle/>
+          <a:p>
+            <a:pPr marL="0" marR="0" lvl="0" indent="0" algn="l" defTabSz="932742" rtl="0" eaLnBrk="1" fontAlgn="auto" latinLnBrk="0" hangingPunct="1">
+              <a:lnSpc>
+                <a:spcPct val="90000"/>
+              </a:lnSpc>
+              <a:spcBef>
+                <a:spcPts val="0"/>
+              </a:spcBef>
+              <a:spcAft>
+                <a:spcPts val="340"/>
+              </a:spcAft>
+              <a:buClrTx/>
+              <a:buSzTx/>
+              <a:buFontTx/>
+              <a:buNone/>
+              <a:tabLst/>
+              <a:defRPr/>
+            </a:pPr>
+            <a:r>
+              <a:rPr lang="en-US" dirty="0">
+                <a:hlinkClick r:id="rId3"/>
+              </a:rPr>
+              <a:t>https://docs.microsoft.com/en-us/sql/relational-databases/accelerated-database-recovery-management?view=sql-server-ver15</a:t>
+            </a:r>
+            <a:endParaRPr lang="en-US" dirty="0"/>
+          </a:p>
+        </p:txBody>
+      </p:sp>
+      <p:sp>
+        <p:nvSpPr>
+          <p:cNvPr id="4" name="Header Placeholder 3"/>
+          <p:cNvSpPr>
+            <a:spLocks noGrp="1"/>
+          </p:cNvSpPr>
+          <p:nvPr>
+            <p:ph type="hdr" sz="quarter" idx="10"/>
+          </p:nvPr>
+        </p:nvSpPr>
+        <p:spPr/>
+        <p:txBody>
+          <a:bodyPr/>
+          <a:lstStyle/>
+          <a:p>
+            <a:endParaRPr lang="en-US" dirty="0"/>
+          </a:p>
+        </p:txBody>
+      </p:sp>
+      <p:sp>
+        <p:nvSpPr>
+          <p:cNvPr id="5" name="Footer Placeholder 4"/>
+          <p:cNvSpPr>
+            <a:spLocks noGrp="1"/>
+          </p:cNvSpPr>
+          <p:nvPr>
+            <p:ph type="ftr" sz="quarter" idx="11"/>
+          </p:nvPr>
+        </p:nvSpPr>
+        <p:spPr/>
+        <p:txBody>
+          <a:bodyPr/>
+          <a:lstStyle/>
+          <a:p>
+            <a:pPr defTabSz="914099" eaLnBrk="0" hangingPunct="0"/>
+            <a:r>
+              <a:rPr lang="en-US" sz="400" dirty="0">
+                <a:gradFill>
+                  <a:gsLst>
+                    <a:gs pos="0">
+                      <a:prstClr val="black"/>
+                    </a:gs>
+                    <a:gs pos="100000">
+                      <a:prstClr val="black"/>
+                    </a:gs>
+                  </a:gsLst>
+                  <a:lin ang="5400000" scaled="0"/>
+                </a:gradFill>
+                <a:latin typeface="Segoe UI" pitchFamily="34" charset="0"/>
+                <a:ea typeface="Segoe UI" pitchFamily="34" charset="0"/>
+                <a:cs typeface="Segoe UI" pitchFamily="34" charset="0"/>
+              </a:rPr>
+              <a:t>© 2014 Microsoft Corporation. All rights reserved. MICROSOFT MAKES NO WARRANTIES, EXPRESS, IMPLIED OR STATUTORY, AS TO THE INFORMATION IN THIS PRESENTATION.</a:t>
+            </a:r>
+          </a:p>
+        </p:txBody>
+      </p:sp>
+      <p:sp>
+        <p:nvSpPr>
+          <p:cNvPr id="6" name="Date Placeholder 5"/>
+          <p:cNvSpPr>
+            <a:spLocks noGrp="1"/>
+          </p:cNvSpPr>
+          <p:nvPr>
+            <p:ph type="dt" idx="12"/>
+          </p:nvPr>
+        </p:nvSpPr>
+        <p:spPr/>
+        <p:txBody>
+          <a:bodyPr/>
+          <a:lstStyle/>
+          <a:p>
+            <a:fld id="{38EEC551-8CDA-4EB6-89BB-2A86C9F091C8}" type="datetime8">
+              <a:rPr lang="en-US" smtClean="0"/>
+              <a:pPr/>
+              <a:t>8/30/2021 10:13 AM</a:t>
+            </a:fld>
+            <a:endParaRPr lang="en-US" dirty="0"/>
+          </a:p>
+        </p:txBody>
+      </p:sp>
+      <p:sp>
+        <p:nvSpPr>
+          <p:cNvPr id="7" name="Slide Number Placeholder 6"/>
+          <p:cNvSpPr>
+            <a:spLocks noGrp="1"/>
+          </p:cNvSpPr>
+          <p:nvPr>
+            <p:ph type="sldNum" sz="quarter" idx="13"/>
+          </p:nvPr>
+        </p:nvSpPr>
+        <p:spPr/>
+        <p:txBody>
+          <a:bodyPr/>
+          <a:lstStyle/>
+          <a:p>
+            <a:fld id="{B4008EB6-D09E-4580-8CD6-DDB14511944F}" type="slidenum">
+              <a:rPr lang="en-US" smtClean="0"/>
+              <a:pPr/>
+              <a:t>5</a:t>
+            </a:fld>
+            <a:endParaRPr lang="en-US" dirty="0"/>
+          </a:p>
+        </p:txBody>
+      </p:sp>
+    </p:spTree>
+    <p:extLst>
+      <p:ext uri="{BB962C8B-B14F-4D97-AF65-F5344CB8AC3E}">
+        <p14:creationId xmlns:p14="http://schemas.microsoft.com/office/powerpoint/2010/main" val="1931810965"/>
+      </p:ext>
+    </p:extLst>
+  </p:cSld>
+  <p:clrMapOvr>
+    <a:masterClrMapping/>
+  </p:clrMapOvr>
+</p:notes>
+</file>
+
+<file path=ppt/notesSlides/notesSlide5.xml><?xml version="1.0" encoding="utf-8"?>
 <p:notes xmlns:a="http://schemas.openxmlformats.org/drawingml/2006/main" xmlns:r="http://schemas.openxmlformats.org/officeDocument/2006/relationships" xmlns:p="http://schemas.openxmlformats.org/presentationml/2006/main">
   <p:cSld>
     <p:spTree>
@@ -17960,7 +18069,7 @@
             <a:fld id="{38EEC551-8CDA-4EB6-89BB-2A86C9F091C8}" type="datetime8">
               <a:rPr lang="en-US" smtClean="0"/>
               <a:pPr/>
-              <a:t>4/27/2021 8:38 AM</a:t>
+              <a:t>8/30/2021 10:13 AM</a:t>
             </a:fld>
             <a:endParaRPr lang="en-US" dirty="0"/>
           </a:p>
@@ -17984,7 +18093,7 @@
             <a:fld id="{B4008EB6-D09E-4580-8CD6-DDB14511944F}" type="slidenum">
               <a:rPr lang="en-US" smtClean="0"/>
               <a:pPr/>
-              <a:t>5</a:t>
+              <a:t>6</a:t>
             </a:fld>
             <a:endParaRPr lang="en-US" dirty="0"/>
           </a:p>
@@ -18003,7 +18112,7 @@
 </p:notes>
 </file>
 
-<file path=ppt/notesSlides/notesSlide5.xml><?xml version="1.0" encoding="utf-8"?>
+<file path=ppt/notesSlides/notesSlide6.xml><?xml version="1.0" encoding="utf-8"?>
 <p:notes xmlns:a="http://schemas.openxmlformats.org/drawingml/2006/main" xmlns:r="http://schemas.openxmlformats.org/officeDocument/2006/relationships" xmlns:p="http://schemas.openxmlformats.org/presentationml/2006/main">
   <p:cSld>
     <p:spTree>
@@ -18126,196 +18235,7 @@
             <a:fld id="{38EEC551-8CDA-4EB6-89BB-2A86C9F091C8}" type="datetime8">
               <a:rPr lang="en-US" smtClean="0"/>
               <a:pPr/>
-              <a:t>4/27/2021 8:38 AM</a:t>
-            </a:fld>
-            <a:endParaRPr lang="en-US" dirty="0"/>
-          </a:p>
-        </p:txBody>
-      </p:sp>
-      <p:sp>
-        <p:nvSpPr>
-          <p:cNvPr id="7" name="Slide Number Placeholder 6"/>
-          <p:cNvSpPr>
-            <a:spLocks noGrp="1"/>
-          </p:cNvSpPr>
-          <p:nvPr>
-            <p:ph type="sldNum" sz="quarter" idx="13"/>
-          </p:nvPr>
-        </p:nvSpPr>
-        <p:spPr/>
-        <p:txBody>
-          <a:bodyPr/>
-          <a:lstStyle/>
-          <a:p>
-            <a:fld id="{B4008EB6-D09E-4580-8CD6-DDB14511944F}" type="slidenum">
-              <a:rPr lang="en-US" smtClean="0"/>
-              <a:pPr/>
-              <a:t>6</a:t>
-            </a:fld>
-            <a:endParaRPr lang="en-US" dirty="0"/>
-          </a:p>
-        </p:txBody>
-      </p:sp>
-    </p:spTree>
-    <p:extLst>
-      <p:ext uri="{BB962C8B-B14F-4D97-AF65-F5344CB8AC3E}">
-        <p14:creationId xmlns:p14="http://schemas.microsoft.com/office/powerpoint/2010/main" val="4239763346"/>
-      </p:ext>
-    </p:extLst>
-  </p:cSld>
-  <p:clrMapOvr>
-    <a:masterClrMapping/>
-  </p:clrMapOvr>
-</p:notes>
-</file>
-
-<file path=ppt/notesSlides/notesSlide6.xml><?xml version="1.0" encoding="utf-8"?>
-<p:notes xmlns:a="http://schemas.openxmlformats.org/drawingml/2006/main" xmlns:r="http://schemas.openxmlformats.org/officeDocument/2006/relationships" xmlns:p="http://schemas.openxmlformats.org/presentationml/2006/main">
-  <p:cSld>
-    <p:spTree>
-      <p:nvGrpSpPr>
-        <p:cNvPr id="1" name=""/>
-        <p:cNvGrpSpPr/>
-        <p:nvPr/>
-      </p:nvGrpSpPr>
-      <p:grpSpPr>
-        <a:xfrm>
-          <a:off x="0" y="0"/>
-          <a:ext cx="0" cy="0"/>
-          <a:chOff x="0" y="0"/>
-          <a:chExt cx="0" cy="0"/>
-        </a:xfrm>
-      </p:grpSpPr>
-      <p:sp>
-        <p:nvSpPr>
-          <p:cNvPr id="2" name="Slide Image Placeholder 1"/>
-          <p:cNvSpPr>
-            <a:spLocks noGrp="1" noRot="1" noChangeAspect="1"/>
-          </p:cNvSpPr>
-          <p:nvPr>
-            <p:ph type="sldImg"/>
-          </p:nvPr>
-        </p:nvSpPr>
-        <p:spPr/>
-      </p:sp>
-      <p:sp>
-        <p:nvSpPr>
-          <p:cNvPr id="3" name="Notes Placeholder 2"/>
-          <p:cNvSpPr>
-            <a:spLocks noGrp="1"/>
-          </p:cNvSpPr>
-          <p:nvPr>
-            <p:ph type="body" idx="1"/>
-          </p:nvPr>
-        </p:nvSpPr>
-        <p:spPr/>
-        <p:txBody>
-          <a:bodyPr/>
-          <a:lstStyle/>
-          <a:p>
-            <a:pPr marL="0" marR="0" lvl="0" indent="0" algn="l" defTabSz="932742" rtl="0" eaLnBrk="1" fontAlgn="auto" latinLnBrk="0" hangingPunct="1">
-              <a:lnSpc>
-                <a:spcPct val="90000"/>
-              </a:lnSpc>
-              <a:spcBef>
-                <a:spcPts val="0"/>
-              </a:spcBef>
-              <a:spcAft>
-                <a:spcPts val="340"/>
-              </a:spcAft>
-              <a:buClrTx/>
-              <a:buSzTx/>
-              <a:buFontTx/>
-              <a:buNone/>
-              <a:tabLst/>
-              <a:defRPr/>
-            </a:pPr>
-            <a:r>
-              <a:rPr lang="en-US" dirty="0">
-                <a:hlinkClick r:id="rId3"/>
-              </a:rPr>
-              <a:t>https://docs.microsoft.com/en-us/sql/relational-databases/accelerated-database-recovery-management?view=sql-server-ver15</a:t>
-            </a:r>
-            <a:endParaRPr lang="en-US" dirty="0"/>
-          </a:p>
-        </p:txBody>
-      </p:sp>
-      <p:sp>
-        <p:nvSpPr>
-          <p:cNvPr id="4" name="Header Placeholder 3"/>
-          <p:cNvSpPr>
-            <a:spLocks noGrp="1"/>
-          </p:cNvSpPr>
-          <p:nvPr>
-            <p:ph type="hdr" sz="quarter" idx="10"/>
-          </p:nvPr>
-        </p:nvSpPr>
-        <p:spPr/>
-        <p:txBody>
-          <a:bodyPr/>
-          <a:lstStyle/>
-          <a:p>
-            <a:endParaRPr lang="en-US" dirty="0"/>
-          </a:p>
-        </p:txBody>
-      </p:sp>
-      <p:sp>
-        <p:nvSpPr>
-          <p:cNvPr id="5" name="Footer Placeholder 4"/>
-          <p:cNvSpPr>
-            <a:spLocks noGrp="1"/>
-          </p:cNvSpPr>
-          <p:nvPr>
-            <p:ph type="ftr" sz="quarter" idx="11"/>
-          </p:nvPr>
-        </p:nvSpPr>
-        <p:spPr/>
-        <p:txBody>
-          <a:bodyPr/>
-          <a:lstStyle/>
-          <a:p>
-            <a:pPr defTabSz="914099" eaLnBrk="0" hangingPunct="0"/>
-            <a:r>
-              <a:rPr lang="en-US" sz="400" dirty="0">
-                <a:gradFill>
-                  <a:gsLst>
-                    <a:gs pos="0">
-                      <a:prstClr val="black"/>
-                    </a:gs>
-                    <a:gs pos="100000">
-                      <a:prstClr val="black"/>
-                    </a:gs>
-                  </a:gsLst>
-                  <a:lin ang="5400000" scaled="0"/>
-                </a:gradFill>
-                <a:latin typeface="Segoe UI" pitchFamily="34" charset="0"/>
-                <a:ea typeface="Segoe UI" pitchFamily="34" charset="0"/>
-                <a:cs typeface="Segoe UI" pitchFamily="34" charset="0"/>
-              </a:rPr>
-              <a:t>© 2014 Microsoft Corporation. All rights reserved. MICROSOFT MAKES NO WARRANTIES, EXPRESS, IMPLIED OR STATUTORY, AS TO THE INFORMATION IN THIS PRESENTATION.</a:t>
-            </a:r>
-          </a:p>
-        </p:txBody>
-      </p:sp>
-      <p:sp>
-        <p:nvSpPr>
-          <p:cNvPr id="6" name="Date Placeholder 5"/>
-          <p:cNvSpPr>
-            <a:spLocks noGrp="1"/>
-          </p:cNvSpPr>
-          <p:nvPr>
-            <p:ph type="dt" idx="12"/>
-          </p:nvPr>
-        </p:nvSpPr>
-        <p:spPr/>
-        <p:txBody>
-          <a:bodyPr/>
-          <a:lstStyle/>
-          <a:p>
-            <a:fld id="{38EEC551-8CDA-4EB6-89BB-2A86C9F091C8}" type="datetime8">
-              <a:rPr lang="en-US" smtClean="0"/>
-              <a:pPr/>
-              <a:t>4/27/2021 8:38 AM</a:t>
+              <a:t>8/30/2021 10:13 AM</a:t>
             </a:fld>
             <a:endParaRPr lang="en-US" dirty="0"/>
           </a:p>
@@ -18348,7 +18268,7 @@
     </p:spTree>
     <p:extLst>
       <p:ext uri="{BB962C8B-B14F-4D97-AF65-F5344CB8AC3E}">
-        <p14:creationId xmlns:p14="http://schemas.microsoft.com/office/powerpoint/2010/main" val="1931810965"/>
+        <p14:creationId xmlns:p14="http://schemas.microsoft.com/office/powerpoint/2010/main" val="4239763346"/>
       </p:ext>
     </p:extLst>
   </p:cSld>
@@ -18458,7 +18378,7 @@
             <a:fld id="{EA2B2ED8-C573-45EF-BF68-CEC19505703A}" type="datetime8">
               <a:rPr lang="en-US" smtClean="0"/>
               <a:pPr/>
-              <a:t>4/27/2021 8:38 AM</a:t>
+              <a:t>8/30/2021 10:13 AM</a:t>
             </a:fld>
             <a:endParaRPr lang="en-US" dirty="0"/>
           </a:p>
@@ -18666,7 +18586,7 @@
             <a:fld id="{EA2B2ED8-C573-45EF-BF68-CEC19505703A}" type="datetime8">
               <a:rPr lang="en-US" smtClean="0"/>
               <a:pPr/>
-              <a:t>4/27/2021 8:38 AM</a:t>
+              <a:t>8/30/2021 10:13 AM</a:t>
             </a:fld>
             <a:endParaRPr lang="en-US" dirty="0"/>
           </a:p>
@@ -18874,7 +18794,7 @@
             <a:fld id="{EA2B2ED8-C573-45EF-BF68-CEC19505703A}" type="datetime8">
               <a:rPr lang="en-US" smtClean="0"/>
               <a:pPr/>
-              <a:t>4/27/2021 8:38 AM</a:t>
+              <a:t>8/30/2021 10:13 AM</a:t>
             </a:fld>
             <a:endParaRPr lang="en-US" dirty="0"/>
           </a:p>
@@ -19780,7 +19700,7 @@
                 </a:solidFill>
               </a:rPr>
               <a:pPr/>
-              <a:t>4/27/2021</a:t>
+              <a:t>8/30/2021</a:t>
             </a:fld>
             <a:endParaRPr lang="en-US" dirty="0">
               <a:solidFill>
@@ -21655,7 +21575,7 @@
         </p:nvSpPr>
         <p:spPr>
           <a:xfrm>
-            <a:off x="310482" y="3717628"/>
+            <a:off x="310482" y="4439522"/>
             <a:ext cx="6276531" cy="1793104"/>
           </a:xfrm>
         </p:spPr>
@@ -22582,10 +22502,10 @@
       </p:sp>
       <p:grpSp>
         <p:nvGrpSpPr>
-          <p:cNvPr id="2" name="Group 1">
+          <p:cNvPr id="4" name="Group 3">
             <a:extLst>
               <a:ext uri="{FF2B5EF4-FFF2-40B4-BE49-F238E27FC236}">
-                <a16:creationId xmlns:a16="http://schemas.microsoft.com/office/drawing/2014/main" id="{35468F60-7E5E-47FF-B06D-0E238FFE8829}"/>
+                <a16:creationId xmlns:a16="http://schemas.microsoft.com/office/drawing/2014/main" id="{8E18CCD6-E5F8-42AD-BB02-B5BDA80AF5F1}"/>
               </a:ext>
             </a:extLst>
           </p:cNvPr>
@@ -22594,12 +22514,61 @@
         </p:nvGrpSpPr>
         <p:grpSpPr>
           <a:xfrm>
-            <a:off x="223103" y="842204"/>
-            <a:ext cx="11968897" cy="5476935"/>
-            <a:chOff x="73696" y="1121018"/>
-            <a:chExt cx="11968897" cy="5476935"/>
+            <a:off x="109939" y="601458"/>
+            <a:ext cx="12082061" cy="5655084"/>
+            <a:chOff x="50415" y="842204"/>
+            <a:chExt cx="12082061" cy="5655084"/>
           </a:xfrm>
         </p:grpSpPr>
+        <p:sp>
+          <p:nvSpPr>
+            <p:cNvPr id="3" name="Rectangle 2">
+              <a:extLst>
+                <a:ext uri="{FF2B5EF4-FFF2-40B4-BE49-F238E27FC236}">
+                  <a16:creationId xmlns:a16="http://schemas.microsoft.com/office/drawing/2014/main" id="{CA152D57-DDFF-457C-8FA5-E73FDFFCD05D}"/>
+                </a:ext>
+              </a:extLst>
+            </p:cNvPr>
+            <p:cNvSpPr/>
+            <p:nvPr/>
+          </p:nvSpPr>
+          <p:spPr>
+            <a:xfrm>
+              <a:off x="5293892" y="3588028"/>
+              <a:ext cx="1593925" cy="407504"/>
+            </a:xfrm>
+            <a:prstGeom prst="rect">
+              <a:avLst/>
+            </a:prstGeom>
+            <a:solidFill>
+              <a:srgbClr val="FFFF99"/>
+            </a:solidFill>
+          </p:spPr>
+          <p:style>
+            <a:lnRef idx="2">
+              <a:schemeClr val="accent1">
+                <a:shade val="50000"/>
+              </a:schemeClr>
+            </a:lnRef>
+            <a:fillRef idx="1">
+              <a:schemeClr val="accent1"/>
+            </a:fillRef>
+            <a:effectRef idx="0">
+              <a:schemeClr val="accent1"/>
+            </a:effectRef>
+            <a:fontRef idx="minor">
+              <a:schemeClr val="lt1"/>
+            </a:fontRef>
+          </p:style>
+          <p:txBody>
+            <a:bodyPr rtlCol="0" anchor="ctr"/>
+            <a:lstStyle/>
+            <a:p>
+              <a:pPr algn="ctr"/>
+              <a:endParaRPr lang="en-US"/>
+            </a:p>
+          </p:txBody>
+        </p:sp>
         <p:sp>
           <p:nvSpPr>
             <p:cNvPr id="146" name="Content Placeholder 2"/>
@@ -22610,7 +22579,7 @@
           </p:nvSpPr>
           <p:spPr>
             <a:xfrm>
-              <a:off x="298809" y="1121018"/>
+              <a:off x="336664" y="842204"/>
               <a:ext cx="11055906" cy="4855634"/>
             </a:xfrm>
             <a:prstGeom prst="rect">
@@ -22865,7 +22834,7 @@
           </p:nvCxnSpPr>
           <p:spPr>
             <a:xfrm>
-              <a:off x="1322074" y="1552726"/>
+              <a:off x="1359929" y="1273912"/>
               <a:ext cx="0" cy="4389494"/>
             </a:xfrm>
             <a:prstGeom prst="line">
@@ -22910,10 +22879,10 @@
           </p:nvGrpSpPr>
           <p:grpSpPr>
             <a:xfrm>
-              <a:off x="4358889" y="1561658"/>
-              <a:ext cx="1630959" cy="4833586"/>
+              <a:off x="4396744" y="1282844"/>
+              <a:ext cx="1630959" cy="5214444"/>
               <a:chOff x="3000390" y="2583872"/>
-              <a:chExt cx="1663663" cy="4930511"/>
+              <a:chExt cx="1663663" cy="5319006"/>
             </a:xfrm>
           </p:grpSpPr>
           <p:cxnSp>
@@ -22978,7 +22947,7 @@
             <p:spPr>
               <a:xfrm>
                 <a:off x="3000390" y="7055218"/>
-                <a:ext cx="1663663" cy="459165"/>
+                <a:ext cx="1663663" cy="847660"/>
               </a:xfrm>
               <a:prstGeom prst="rect">
                 <a:avLst/>
@@ -22993,30 +22962,22 @@
               <a:p>
                 <a:pPr algn="ctr" defTabSz="896341"/>
                 <a:r>
-                  <a:rPr lang="en-US" sz="1307" dirty="0">
+                  <a:rPr lang="en-US" sz="1600" dirty="0">
                     <a:latin typeface="Segoe UI Light" panose="020B0502040204020203" pitchFamily="34" charset="0"/>
                     <a:cs typeface="Segoe UI Light" panose="020B0502040204020203" pitchFamily="34" charset="0"/>
                   </a:rPr>
                   <a:t>Checkpoint</a:t>
                 </a:r>
-                <a:endParaRPr lang="en-US" sz="1372" dirty="0">
-                  <a:latin typeface="Segoe UI Light" panose="020B0502040204020203" pitchFamily="34" charset="0"/>
-                  <a:cs typeface="Segoe UI Light" panose="020B0502040204020203" pitchFamily="34" charset="0"/>
-                </a:endParaRPr>
               </a:p>
               <a:p>
                 <a:pPr algn="ctr" defTabSz="896341"/>
                 <a:r>
-                  <a:rPr lang="en-US" sz="1030" i="1" dirty="0">
+                  <a:rPr lang="en-US" sz="1600" i="1" dirty="0">
                     <a:latin typeface="Segoe UI Light" panose="020B0502040204020203" pitchFamily="34" charset="0"/>
                     <a:cs typeface="Segoe UI Light" panose="020B0502040204020203" pitchFamily="34" charset="0"/>
                   </a:rPr>
                   <a:t>(or oldest dirty page LSN)</a:t>
                 </a:r>
-                <a:endParaRPr lang="en-US" sz="1372" i="1" dirty="0">
-                  <a:latin typeface="Segoe UI Light" panose="020B0502040204020203" pitchFamily="34" charset="0"/>
-                  <a:cs typeface="Segoe UI Light" panose="020B0502040204020203" pitchFamily="34" charset="0"/>
-                </a:endParaRPr>
               </a:p>
             </p:txBody>
           </p:sp>
@@ -23035,10 +22996,10 @@
           </p:nvGrpSpPr>
           <p:grpSpPr>
             <a:xfrm>
-              <a:off x="6453830" y="1552726"/>
-              <a:ext cx="844176" cy="4869694"/>
+              <a:off x="6493489" y="1321119"/>
+              <a:ext cx="844176" cy="4971707"/>
               <a:chOff x="7644350" y="2574763"/>
-              <a:chExt cx="1858656" cy="3321870"/>
+              <a:chExt cx="1858656" cy="3391458"/>
             </a:xfrm>
           </p:grpSpPr>
           <p:cxnSp>
@@ -23101,7 +23062,7 @@
             <p:spPr>
               <a:xfrm>
                 <a:off x="7644350" y="5567316"/>
-                <a:ext cx="1858656" cy="329317"/>
+                <a:ext cx="1858656" cy="398905"/>
               </a:xfrm>
               <a:prstGeom prst="rect">
                 <a:avLst/>
@@ -23116,7 +23077,7 @@
               <a:p>
                 <a:pPr algn="ctr" defTabSz="896341"/>
                 <a:r>
-                  <a:rPr lang="en-US" sz="1176" dirty="0">
+                  <a:rPr lang="en-US" sz="1600" dirty="0">
                     <a:latin typeface="Segoe UI Light" panose="020B0502040204020203" pitchFamily="34" charset="0"/>
                     <a:cs typeface="Segoe UI Light" panose="020B0502040204020203" pitchFamily="34" charset="0"/>
                   </a:rPr>
@@ -23126,18 +23087,11 @@
               <a:p>
                 <a:pPr algn="ctr" defTabSz="896341"/>
                 <a:r>
-                  <a:rPr lang="en-US" sz="1176" dirty="0">
+                  <a:rPr lang="en-US" sz="1600" dirty="0">
                     <a:latin typeface="Segoe UI Light" panose="020B0502040204020203" pitchFamily="34" charset="0"/>
                     <a:cs typeface="Segoe UI Light" panose="020B0502040204020203" pitchFamily="34" charset="0"/>
                   </a:rPr>
-                  <a:t>End</a:t>
-                </a:r>
-                <a:r>
-                  <a:rPr lang="en-US" sz="1372" dirty="0">
-                    <a:latin typeface="Segoe UI Light" panose="020B0502040204020203" pitchFamily="34" charset="0"/>
-                    <a:cs typeface="Segoe UI Light" panose="020B0502040204020203" pitchFamily="34" charset="0"/>
-                  </a:rPr>
-                  <a:t> </a:t>
+                  <a:t>End </a:t>
                 </a:r>
               </a:p>
             </p:txBody>
@@ -23157,10 +23111,10 @@
           </p:nvGrpSpPr>
           <p:grpSpPr>
             <a:xfrm>
-              <a:off x="5248487" y="1562618"/>
-              <a:ext cx="6590831" cy="444852"/>
-              <a:chOff x="5353726" y="2584864"/>
-              <a:chExt cx="6722991" cy="453774"/>
+              <a:off x="5236652" y="1244059"/>
+              <a:ext cx="6640526" cy="491263"/>
+              <a:chOff x="5303036" y="2544312"/>
+              <a:chExt cx="6773681" cy="501114"/>
             </a:xfrm>
           </p:grpSpPr>
           <p:grpSp>
@@ -23177,10 +23131,10 @@
             </p:nvGrpSpPr>
             <p:grpSpPr>
               <a:xfrm>
-                <a:off x="5353726" y="2584864"/>
-                <a:ext cx="1660065" cy="336047"/>
-                <a:chOff x="2860988" y="2647785"/>
-                <a:chExt cx="5778635" cy="336047"/>
+                <a:off x="5303036" y="2544312"/>
+                <a:ext cx="1710755" cy="376599"/>
+                <a:chOff x="2684533" y="2607233"/>
+                <a:chExt cx="5955090" cy="376599"/>
               </a:xfrm>
             </p:grpSpPr>
             <p:cxnSp>
@@ -23241,7 +23195,7 @@
               </p:nvSpPr>
               <p:spPr>
                 <a:xfrm>
-                  <a:off x="2860988" y="2647785"/>
+                  <a:off x="2684533" y="2607233"/>
                   <a:ext cx="5705726" cy="307779"/>
                 </a:xfrm>
                 <a:prstGeom prst="rect">
@@ -23289,7 +23243,7 @@
             <p:spPr>
               <a:xfrm>
                 <a:off x="7108681" y="2700082"/>
-                <a:ext cx="4968036" cy="338556"/>
+                <a:ext cx="4968036" cy="345344"/>
               </a:xfrm>
               <a:prstGeom prst="rect">
                 <a:avLst/>
@@ -23304,7 +23258,7 @@
               <a:p>
                 <a:pPr defTabSz="896341"/>
                 <a:r>
-                  <a:rPr lang="en-US" sz="1568" dirty="0">
+                  <a:rPr lang="en-US" sz="1600" dirty="0">
                     <a:latin typeface="Segoe UI Light" panose="020B0502040204020203" pitchFamily="34" charset="0"/>
                     <a:cs typeface="Segoe UI Light" panose="020B0502040204020203" pitchFamily="34" charset="0"/>
                   </a:rPr>
@@ -23328,7 +23282,7 @@
           </p:nvGrpSpPr>
           <p:grpSpPr>
             <a:xfrm>
-              <a:off x="237752" y="1552731"/>
+              <a:off x="275607" y="1273917"/>
               <a:ext cx="6897448" cy="4386928"/>
               <a:chOff x="242518" y="2574765"/>
               <a:chExt cx="7035756" cy="4474895"/>
@@ -23914,10 +23868,10 @@
           </p:nvGrpSpPr>
           <p:grpSpPr>
             <a:xfrm>
-              <a:off x="1318144" y="2434819"/>
-              <a:ext cx="10724449" cy="554526"/>
-              <a:chOff x="1344572" y="2483147"/>
-              <a:chExt cx="10939498" cy="565646"/>
+              <a:off x="1408027" y="1918646"/>
+              <a:ext cx="10724449" cy="655215"/>
+              <a:chOff x="1344572" y="2453719"/>
+              <a:chExt cx="10939498" cy="668352"/>
             </a:xfrm>
           </p:grpSpPr>
           <p:grpSp>
@@ -23934,10 +23888,10 @@
             </p:nvGrpSpPr>
             <p:grpSpPr>
               <a:xfrm>
-                <a:off x="5055111" y="2483147"/>
-                <a:ext cx="7228959" cy="565646"/>
-                <a:chOff x="5055111" y="3474546"/>
-                <a:chExt cx="7228959" cy="565646"/>
+                <a:off x="4980083" y="2453719"/>
+                <a:ext cx="7303987" cy="668352"/>
+                <a:chOff x="4980083" y="3445118"/>
+                <a:chExt cx="7303987" cy="668352"/>
               </a:xfrm>
             </p:grpSpPr>
             <p:grpSp>
@@ -23954,10 +23908,10 @@
               </p:nvGrpSpPr>
               <p:grpSpPr>
                 <a:xfrm>
-                  <a:off x="5055111" y="3474546"/>
-                  <a:ext cx="2109687" cy="364671"/>
-                  <a:chOff x="4428954" y="3409234"/>
-                  <a:chExt cx="1751757" cy="364671"/>
+                  <a:off x="4980083" y="3445118"/>
+                  <a:ext cx="2109687" cy="394099"/>
+                  <a:chOff x="4366655" y="3379806"/>
+                  <a:chExt cx="1751757" cy="394099"/>
                 </a:xfrm>
               </p:grpSpPr>
               <p:cxnSp>
@@ -24018,7 +23972,7 @@
                 </p:nvSpPr>
                 <p:spPr>
                   <a:xfrm>
-                    <a:off x="4428954" y="3409234"/>
+                    <a:off x="4366655" y="3379806"/>
                     <a:ext cx="1751757" cy="307778"/>
                   </a:xfrm>
                   <a:prstGeom prst="rect">
@@ -24069,8 +24023,8 @@
               </p:nvSpPr>
               <p:spPr>
                 <a:xfrm>
-                  <a:off x="7108152" y="3516971"/>
-                  <a:ext cx="5175918" cy="523221"/>
+                  <a:off x="7108152" y="3516969"/>
+                  <a:ext cx="5175918" cy="596501"/>
                 </a:xfrm>
                 <a:prstGeom prst="rect">
                   <a:avLst/>
@@ -24085,20 +24039,20 @@
                 <a:p>
                   <a:pPr defTabSz="896341"/>
                   <a:r>
-                    <a:rPr lang="en-US" sz="1372" dirty="0">
+                    <a:rPr lang="en-US" sz="1600" dirty="0">
                       <a:latin typeface="Segoe UI Light" panose="020B0502040204020203" pitchFamily="34" charset="0"/>
                       <a:cs typeface="Segoe UI Light" panose="020B0502040204020203" pitchFamily="34" charset="0"/>
                     </a:rPr>
                     <a:t>Phase 2a: Redo from </a:t>
                   </a:r>
                   <a:r>
-                    <a:rPr lang="en-US" sz="1372" b="1" dirty="0">
+                    <a:rPr lang="en-US" sz="1600" b="1" dirty="0">
                       <a:latin typeface="Segoe UI Light" panose="020B0502040204020203" pitchFamily="34" charset="0"/>
                       <a:cs typeface="Segoe UI Light" panose="020B0502040204020203" pitchFamily="34" charset="0"/>
                     </a:rPr>
                     <a:t>sLog</a:t>
                   </a:r>
-                  <a:endParaRPr lang="en-US" sz="1372" b="1" dirty="0">
+                  <a:endParaRPr lang="en-US" sz="1600" b="1" dirty="0">
                     <a:solidFill>
                       <a:schemeClr val="accent4">
                         <a:lumMod val="75000"/>
@@ -24111,20 +24065,20 @@
                 <a:p>
                   <a:pPr defTabSz="896341"/>
                   <a:r>
-                    <a:rPr lang="en-US" sz="1372" dirty="0">
+                    <a:rPr lang="en-US" sz="1600" dirty="0">
                       <a:latin typeface="Segoe UI Light" panose="020B0502040204020203" pitchFamily="34" charset="0"/>
                       <a:cs typeface="Segoe UI Light" panose="020B0502040204020203" pitchFamily="34" charset="0"/>
                     </a:rPr>
                     <a:t>Phase 2b: Redo from </a:t>
                   </a:r>
                   <a:r>
-                    <a:rPr lang="en-US" sz="1372" b="1" dirty="0">
+                    <a:rPr lang="en-US" sz="1600" b="1" dirty="0">
                       <a:latin typeface="Segoe UI Light" panose="020B0502040204020203" pitchFamily="34" charset="0"/>
                       <a:cs typeface="Segoe UI Light" panose="020B0502040204020203" pitchFamily="34" charset="0"/>
                     </a:rPr>
                     <a:t>Transaction Log</a:t>
                   </a:r>
-                  <a:endParaRPr lang="en-US" sz="1372" dirty="0">
+                  <a:endParaRPr lang="en-US" sz="1600" dirty="0">
                     <a:solidFill>
                       <a:schemeClr val="accent4">
                         <a:lumMod val="75000"/>
@@ -24289,10 +24243,10 @@
           </p:nvGrpSpPr>
           <p:grpSpPr>
             <a:xfrm>
-              <a:off x="1318142" y="3906247"/>
-              <a:ext cx="10487688" cy="573280"/>
-              <a:chOff x="1344573" y="3517928"/>
-              <a:chExt cx="10697987" cy="584778"/>
+              <a:off x="1355997" y="3418713"/>
+              <a:ext cx="10487688" cy="830997"/>
+              <a:chOff x="1344573" y="3416548"/>
+              <a:chExt cx="10697987" cy="847664"/>
             </a:xfrm>
           </p:grpSpPr>
           <p:grpSp>
@@ -24309,10 +24263,10 @@
             </p:nvGrpSpPr>
             <p:grpSpPr>
               <a:xfrm>
-                <a:off x="1344573" y="3517928"/>
-                <a:ext cx="10697987" cy="584778"/>
-                <a:chOff x="1344573" y="4509327"/>
-                <a:chExt cx="10697987" cy="584778"/>
+                <a:off x="1344573" y="3416548"/>
+                <a:ext cx="10697987" cy="847664"/>
+                <a:chOff x="1344573" y="4407947"/>
+                <a:chExt cx="10697987" cy="847664"/>
               </a:xfrm>
             </p:grpSpPr>
             <p:grpSp>
@@ -24441,8 +24395,8 @@
               </p:nvSpPr>
               <p:spPr>
                 <a:xfrm>
-                  <a:off x="7142842" y="4509327"/>
-                  <a:ext cx="4899718" cy="584778"/>
+                  <a:off x="7142842" y="4407947"/>
+                  <a:ext cx="4899718" cy="847664"/>
                 </a:xfrm>
                 <a:prstGeom prst="rect">
                   <a:avLst/>
@@ -24462,11 +24416,11 @@
                 <a:p>
                   <a:pPr defTabSz="896341"/>
                   <a:r>
-                    <a:rPr lang="en-US" sz="1568" dirty="0">
+                    <a:rPr lang="en-US" sz="1600" dirty="0">
                       <a:latin typeface="Segoe UI Light" panose="020B0502040204020203" pitchFamily="34" charset="0"/>
                       <a:cs typeface="Segoe UI Light" panose="020B0502040204020203" pitchFamily="34" charset="0"/>
                     </a:rPr>
-                    <a:t>Instant Undo by using sLog and Persisted Version Store (PVS) with Logical Revert.</a:t>
+                    <a:t>Only needs to scan log since last checkpoint. Instant Undo by using sLog and Persisted Version Store (PVS) with Logical Revert.</a:t>
                   </a:r>
                 </a:p>
               </p:txBody>
@@ -24531,7 +24485,7 @@
           </p:nvCxnSpPr>
           <p:spPr>
             <a:xfrm>
-              <a:off x="231892" y="5347074"/>
+              <a:off x="269747" y="5068260"/>
               <a:ext cx="6897448" cy="0"/>
             </a:xfrm>
             <a:prstGeom prst="straightConnector1">
@@ -24574,8 +24528,8 @@
           </p:nvSpPr>
           <p:spPr>
             <a:xfrm>
-              <a:off x="7146640" y="4744323"/>
-              <a:ext cx="1353842" cy="271554"/>
+              <a:off x="7184495" y="4465509"/>
+              <a:ext cx="2164746" cy="338554"/>
             </a:xfrm>
             <a:prstGeom prst="rect">
               <a:avLst/>
@@ -24590,16 +24544,12 @@
             <a:p>
               <a:pPr defTabSz="896341"/>
               <a:r>
-                <a:rPr lang="en-US" sz="1176" dirty="0">
+                <a:rPr lang="en-US" sz="1600" dirty="0">
                   <a:latin typeface="Segoe UI Light" panose="020B0502040204020203" pitchFamily="34" charset="0"/>
                   <a:cs typeface="Segoe UI Light" panose="020B0502040204020203" pitchFamily="34" charset="0"/>
                 </a:rPr>
                 <a:t>Transaction Log</a:t>
               </a:r>
-              <a:endParaRPr lang="en-US" sz="1372" dirty="0">
-                <a:latin typeface="Segoe UI Light" panose="020B0502040204020203" pitchFamily="34" charset="0"/>
-                <a:cs typeface="Segoe UI Light" panose="020B0502040204020203" pitchFamily="34" charset="0"/>
-              </a:endParaRPr>
             </a:p>
           </p:txBody>
         </p:sp>
@@ -24617,8 +24567,8 @@
           </p:nvSpPr>
           <p:spPr>
             <a:xfrm>
-              <a:off x="7170234" y="5191128"/>
-              <a:ext cx="1669114" cy="271554"/>
+              <a:off x="7208088" y="4912314"/>
+              <a:ext cx="2217743" cy="338554"/>
             </a:xfrm>
             <a:prstGeom prst="rect">
               <a:avLst/>
@@ -24633,16 +24583,12 @@
             <a:p>
               <a:pPr defTabSz="896341"/>
               <a:r>
-                <a:rPr lang="en-US" sz="1176" dirty="0">
+                <a:rPr lang="en-US" sz="1600" dirty="0">
                   <a:latin typeface="Segoe UI Light" panose="020B0502040204020203" pitchFamily="34" charset="0"/>
                   <a:cs typeface="Segoe UI Light" panose="020B0502040204020203" pitchFamily="34" charset="0"/>
                 </a:rPr>
                 <a:t>sLog (in memory)</a:t>
               </a:r>
-              <a:endParaRPr lang="en-US" sz="1372" dirty="0">
-                <a:latin typeface="Segoe UI Light" panose="020B0502040204020203" pitchFamily="34" charset="0"/>
-                <a:cs typeface="Segoe UI Light" panose="020B0502040204020203" pitchFamily="34" charset="0"/>
-              </a:endParaRPr>
             </a:p>
           </p:txBody>
         </p:sp>
@@ -24660,7 +24606,7 @@
           </p:nvSpPr>
           <p:spPr>
             <a:xfrm>
-              <a:off x="1624943" y="4786114"/>
+              <a:off x="1662798" y="4507300"/>
               <a:ext cx="68207" cy="199613"/>
             </a:xfrm>
             <a:prstGeom prst="rect">
@@ -24720,7 +24666,7 @@
           </p:nvCxnSpPr>
           <p:spPr>
             <a:xfrm>
-              <a:off x="2492178" y="4786118"/>
+              <a:off x="2530033" y="4507304"/>
               <a:ext cx="0" cy="205051"/>
             </a:xfrm>
             <a:prstGeom prst="line">
@@ -24765,7 +24711,7 @@
           </p:nvCxnSpPr>
           <p:spPr>
             <a:xfrm>
-              <a:off x="2537397" y="4786118"/>
+              <a:off x="2575252" y="4507304"/>
               <a:ext cx="0" cy="205051"/>
             </a:xfrm>
             <a:prstGeom prst="line">
@@ -24810,7 +24756,7 @@
           </p:nvCxnSpPr>
           <p:spPr>
             <a:xfrm>
-              <a:off x="2585279" y="4786118"/>
+              <a:off x="2623134" y="4507304"/>
               <a:ext cx="0" cy="205051"/>
             </a:xfrm>
             <a:prstGeom prst="line">
@@ -24855,7 +24801,7 @@
           </p:nvCxnSpPr>
           <p:spPr>
             <a:xfrm>
-              <a:off x="2662225" y="4789111"/>
+              <a:off x="2700080" y="4510297"/>
               <a:ext cx="0" cy="205051"/>
             </a:xfrm>
             <a:prstGeom prst="line">
@@ -24900,7 +24846,7 @@
           </p:nvCxnSpPr>
           <p:spPr>
             <a:xfrm>
-              <a:off x="2707446" y="4789111"/>
+              <a:off x="2745301" y="4510297"/>
               <a:ext cx="0" cy="205051"/>
             </a:xfrm>
             <a:prstGeom prst="line">
@@ -24945,7 +24891,7 @@
           </p:nvCxnSpPr>
           <p:spPr>
             <a:xfrm>
-              <a:off x="2755326" y="4789111"/>
+              <a:off x="2793181" y="4510297"/>
               <a:ext cx="0" cy="205051"/>
             </a:xfrm>
             <a:prstGeom prst="line">
@@ -24990,7 +24936,7 @@
           </p:nvCxnSpPr>
           <p:spPr>
             <a:xfrm>
-              <a:off x="2277160" y="4786118"/>
+              <a:off x="2315015" y="4507304"/>
               <a:ext cx="0" cy="205051"/>
             </a:xfrm>
             <a:prstGeom prst="line">
@@ -25035,7 +24981,7 @@
           </p:nvCxnSpPr>
           <p:spPr>
             <a:xfrm>
-              <a:off x="2322380" y="4786118"/>
+              <a:off x="2360235" y="4507304"/>
               <a:ext cx="0" cy="205051"/>
             </a:xfrm>
             <a:prstGeom prst="line">
@@ -25080,7 +25026,7 @@
           </p:nvCxnSpPr>
           <p:spPr>
             <a:xfrm>
-              <a:off x="2370261" y="4786118"/>
+              <a:off x="2408116" y="4507304"/>
               <a:ext cx="0" cy="205051"/>
             </a:xfrm>
             <a:prstGeom prst="line">
@@ -25123,7 +25069,7 @@
           </p:nvSpPr>
           <p:spPr>
             <a:xfrm>
-              <a:off x="2801887" y="4786114"/>
+              <a:off x="2839742" y="4507300"/>
               <a:ext cx="68207" cy="199613"/>
             </a:xfrm>
             <a:prstGeom prst="rect">
@@ -25183,7 +25129,7 @@
           </p:nvCxnSpPr>
           <p:spPr>
             <a:xfrm>
-              <a:off x="2063437" y="4789111"/>
+              <a:off x="2101292" y="4510297"/>
               <a:ext cx="0" cy="205051"/>
             </a:xfrm>
             <a:prstGeom prst="line">
@@ -25228,7 +25174,7 @@
           </p:nvCxnSpPr>
           <p:spPr>
             <a:xfrm>
-              <a:off x="2108658" y="4789111"/>
+              <a:off x="2146513" y="4510297"/>
               <a:ext cx="0" cy="205051"/>
             </a:xfrm>
             <a:prstGeom prst="line">
@@ -25273,7 +25219,7 @@
           </p:nvCxnSpPr>
           <p:spPr>
             <a:xfrm>
-              <a:off x="2156538" y="4789111"/>
+              <a:off x="2194393" y="4510297"/>
               <a:ext cx="0" cy="205051"/>
             </a:xfrm>
             <a:prstGeom prst="line">
@@ -25318,7 +25264,7 @@
           </p:nvCxnSpPr>
           <p:spPr>
             <a:xfrm>
-              <a:off x="1800911" y="4786118"/>
+              <a:off x="1838766" y="4507304"/>
               <a:ext cx="0" cy="205051"/>
             </a:xfrm>
             <a:prstGeom prst="line">
@@ -25363,7 +25309,7 @@
           </p:nvCxnSpPr>
           <p:spPr>
             <a:xfrm>
-              <a:off x="1846131" y="4786118"/>
+              <a:off x="1883986" y="4507304"/>
               <a:ext cx="0" cy="205051"/>
             </a:xfrm>
             <a:prstGeom prst="line">
@@ -25408,7 +25354,7 @@
           </p:nvCxnSpPr>
           <p:spPr>
             <a:xfrm>
-              <a:off x="1894013" y="4786118"/>
+              <a:off x="1931868" y="4507304"/>
               <a:ext cx="0" cy="205051"/>
             </a:xfrm>
             <a:prstGeom prst="line">
@@ -25453,7 +25399,7 @@
           </p:nvCxnSpPr>
           <p:spPr>
             <a:xfrm>
-              <a:off x="2944630" y="4789111"/>
+              <a:off x="2982485" y="4510297"/>
               <a:ext cx="0" cy="205051"/>
             </a:xfrm>
             <a:prstGeom prst="line">
@@ -25498,7 +25444,7 @@
           </p:nvCxnSpPr>
           <p:spPr>
             <a:xfrm>
-              <a:off x="2989851" y="4789111"/>
+              <a:off x="3027706" y="4510297"/>
               <a:ext cx="0" cy="205051"/>
             </a:xfrm>
             <a:prstGeom prst="line">
@@ -25543,7 +25489,7 @@
           </p:nvCxnSpPr>
           <p:spPr>
             <a:xfrm>
-              <a:off x="3037731" y="4789111"/>
+              <a:off x="3075586" y="4510297"/>
               <a:ext cx="0" cy="205051"/>
             </a:xfrm>
             <a:prstGeom prst="line">
@@ -25588,7 +25534,7 @@
           </p:nvCxnSpPr>
           <p:spPr>
             <a:xfrm>
-              <a:off x="3090932" y="4789111"/>
+              <a:off x="3128787" y="4510297"/>
               <a:ext cx="0" cy="205051"/>
             </a:xfrm>
             <a:prstGeom prst="line">
@@ -25633,7 +25579,7 @@
           </p:nvCxnSpPr>
           <p:spPr>
             <a:xfrm>
-              <a:off x="3136151" y="4789111"/>
+              <a:off x="3174006" y="4510297"/>
               <a:ext cx="0" cy="205051"/>
             </a:xfrm>
             <a:prstGeom prst="line">
@@ -25678,7 +25624,7 @@
           </p:nvCxnSpPr>
           <p:spPr>
             <a:xfrm>
-              <a:off x="3184033" y="4789111"/>
+              <a:off x="3221888" y="4510297"/>
               <a:ext cx="0" cy="205051"/>
             </a:xfrm>
             <a:prstGeom prst="line">
@@ -25723,7 +25669,7 @@
           </p:nvCxnSpPr>
           <p:spPr>
             <a:xfrm>
-              <a:off x="3336505" y="4786118"/>
+              <a:off x="3374360" y="4507304"/>
               <a:ext cx="0" cy="205051"/>
             </a:xfrm>
             <a:prstGeom prst="line">
@@ -25768,7 +25714,7 @@
           </p:nvCxnSpPr>
           <p:spPr>
             <a:xfrm>
-              <a:off x="3381725" y="4786118"/>
+              <a:off x="3419580" y="4507304"/>
               <a:ext cx="0" cy="205051"/>
             </a:xfrm>
             <a:prstGeom prst="line">
@@ -25813,7 +25759,7 @@
           </p:nvCxnSpPr>
           <p:spPr>
             <a:xfrm>
-              <a:off x="3429606" y="4786118"/>
+              <a:off x="3467461" y="4507304"/>
               <a:ext cx="0" cy="205051"/>
             </a:xfrm>
             <a:prstGeom prst="line">
@@ -25858,7 +25804,7 @@
           </p:nvCxnSpPr>
           <p:spPr>
             <a:xfrm>
-              <a:off x="3482806" y="4786118"/>
+              <a:off x="3520661" y="4507304"/>
               <a:ext cx="0" cy="205051"/>
             </a:xfrm>
             <a:prstGeom prst="line">
@@ -25903,7 +25849,7 @@
           </p:nvCxnSpPr>
           <p:spPr>
             <a:xfrm>
-              <a:off x="3528027" y="4786118"/>
+              <a:off x="3565882" y="4507304"/>
               <a:ext cx="0" cy="205051"/>
             </a:xfrm>
             <a:prstGeom prst="line">
@@ -25948,7 +25894,7 @@
           </p:nvCxnSpPr>
           <p:spPr>
             <a:xfrm>
-              <a:off x="3575907" y="4786118"/>
+              <a:off x="3613762" y="4507304"/>
               <a:ext cx="0" cy="205051"/>
             </a:xfrm>
             <a:prstGeom prst="line">
@@ -25993,7 +25939,7 @@
           </p:nvCxnSpPr>
           <p:spPr>
             <a:xfrm>
-              <a:off x="3756452" y="4792659"/>
+              <a:off x="3794307" y="4513845"/>
               <a:ext cx="0" cy="205051"/>
             </a:xfrm>
             <a:prstGeom prst="line">
@@ -26038,7 +25984,7 @@
           </p:nvCxnSpPr>
           <p:spPr>
             <a:xfrm>
-              <a:off x="3801672" y="4792659"/>
+              <a:off x="3839527" y="4513845"/>
               <a:ext cx="0" cy="205051"/>
             </a:xfrm>
             <a:prstGeom prst="line">
@@ -26083,7 +26029,7 @@
           </p:nvCxnSpPr>
           <p:spPr>
             <a:xfrm>
-              <a:off x="3849553" y="4792659"/>
+              <a:off x="3887408" y="4513845"/>
               <a:ext cx="0" cy="205051"/>
             </a:xfrm>
             <a:prstGeom prst="line">
@@ -26128,7 +26074,7 @@
           </p:nvCxnSpPr>
           <p:spPr>
             <a:xfrm>
-              <a:off x="3902753" y="4792659"/>
+              <a:off x="3940608" y="4513845"/>
               <a:ext cx="0" cy="205051"/>
             </a:xfrm>
             <a:prstGeom prst="line">
@@ -26173,7 +26119,7 @@
           </p:nvCxnSpPr>
           <p:spPr>
             <a:xfrm>
-              <a:off x="3947974" y="4792659"/>
+              <a:off x="3985829" y="4513845"/>
               <a:ext cx="0" cy="205051"/>
             </a:xfrm>
             <a:prstGeom prst="line">
@@ -26218,7 +26164,7 @@
           </p:nvCxnSpPr>
           <p:spPr>
             <a:xfrm>
-              <a:off x="3995854" y="4792659"/>
+              <a:off x="4033709" y="4513845"/>
               <a:ext cx="0" cy="205051"/>
             </a:xfrm>
             <a:prstGeom prst="line">
@@ -26263,7 +26209,7 @@
           </p:nvCxnSpPr>
           <p:spPr>
             <a:xfrm>
-              <a:off x="4061694" y="4792659"/>
+              <a:off x="4099549" y="4513845"/>
               <a:ext cx="0" cy="205051"/>
             </a:xfrm>
             <a:prstGeom prst="line">
@@ -26308,7 +26254,7 @@
           </p:nvCxnSpPr>
           <p:spPr>
             <a:xfrm>
-              <a:off x="4106915" y="4792659"/>
+              <a:off x="4144770" y="4513845"/>
               <a:ext cx="0" cy="205051"/>
             </a:xfrm>
             <a:prstGeom prst="line">
@@ -26353,7 +26299,7 @@
           </p:nvCxnSpPr>
           <p:spPr>
             <a:xfrm>
-              <a:off x="4154795" y="4792659"/>
+              <a:off x="4192650" y="4513845"/>
               <a:ext cx="0" cy="205051"/>
             </a:xfrm>
             <a:prstGeom prst="line">
@@ -26398,7 +26344,7 @@
           </p:nvCxnSpPr>
           <p:spPr>
             <a:xfrm>
-              <a:off x="4207996" y="4792659"/>
+              <a:off x="4245851" y="4513845"/>
               <a:ext cx="0" cy="205051"/>
             </a:xfrm>
             <a:prstGeom prst="line">
@@ -26443,7 +26389,7 @@
           </p:nvCxnSpPr>
           <p:spPr>
             <a:xfrm>
-              <a:off x="4253216" y="4792659"/>
+              <a:off x="4291071" y="4513845"/>
               <a:ext cx="0" cy="205051"/>
             </a:xfrm>
             <a:prstGeom prst="line">
@@ -26488,7 +26434,7 @@
           </p:nvCxnSpPr>
           <p:spPr>
             <a:xfrm>
-              <a:off x="4301098" y="4792659"/>
+              <a:off x="4338953" y="4513845"/>
               <a:ext cx="0" cy="205051"/>
             </a:xfrm>
             <a:prstGeom prst="line">
@@ -26533,7 +26479,7 @@
           </p:nvCxnSpPr>
           <p:spPr>
             <a:xfrm>
-              <a:off x="4356863" y="4789941"/>
+              <a:off x="4394718" y="4511127"/>
               <a:ext cx="0" cy="205051"/>
             </a:xfrm>
             <a:prstGeom prst="line">
@@ -26578,7 +26524,7 @@
           </p:nvCxnSpPr>
           <p:spPr>
             <a:xfrm>
-              <a:off x="4417755" y="4789938"/>
+              <a:off x="4455610" y="4511124"/>
               <a:ext cx="0" cy="205051"/>
             </a:xfrm>
             <a:prstGeom prst="line">
@@ -26623,7 +26569,7 @@
           </p:nvCxnSpPr>
           <p:spPr>
             <a:xfrm>
-              <a:off x="4468771" y="4789938"/>
+              <a:off x="4506626" y="4511124"/>
               <a:ext cx="0" cy="205051"/>
             </a:xfrm>
             <a:prstGeom prst="line">
@@ -26668,7 +26614,7 @@
           </p:nvCxnSpPr>
           <p:spPr>
             <a:xfrm>
-              <a:off x="4534509" y="4789937"/>
+              <a:off x="4572364" y="4511123"/>
               <a:ext cx="0" cy="205051"/>
             </a:xfrm>
             <a:prstGeom prst="line">
@@ -26713,7 +26659,7 @@
           </p:nvCxnSpPr>
           <p:spPr>
             <a:xfrm>
-              <a:off x="4582864" y="4789937"/>
+              <a:off x="4620719" y="4511123"/>
               <a:ext cx="0" cy="205051"/>
             </a:xfrm>
             <a:prstGeom prst="line">
@@ -26758,7 +26704,7 @@
           </p:nvCxnSpPr>
           <p:spPr>
             <a:xfrm>
-              <a:off x="4643281" y="4792659"/>
+              <a:off x="4681136" y="4513845"/>
               <a:ext cx="0" cy="205051"/>
             </a:xfrm>
             <a:prstGeom prst="line">
@@ -26801,7 +26747,7 @@
           </p:nvSpPr>
           <p:spPr>
             <a:xfrm>
-              <a:off x="5587225" y="4777718"/>
+              <a:off x="5625080" y="4498904"/>
               <a:ext cx="68207" cy="199613"/>
             </a:xfrm>
             <a:prstGeom prst="rect">
@@ -26861,7 +26807,7 @@
           </p:nvCxnSpPr>
           <p:spPr>
             <a:xfrm>
-              <a:off x="4929034" y="4796113"/>
+              <a:off x="4966889" y="4517299"/>
               <a:ext cx="0" cy="205051"/>
             </a:xfrm>
             <a:prstGeom prst="line">
@@ -26906,7 +26852,7 @@
           </p:nvCxnSpPr>
           <p:spPr>
             <a:xfrm>
-              <a:off x="4982233" y="4796113"/>
+              <a:off x="5020088" y="4517299"/>
               <a:ext cx="0" cy="205051"/>
             </a:xfrm>
             <a:prstGeom prst="line">
@@ -26951,7 +26897,7 @@
           </p:nvCxnSpPr>
           <p:spPr>
             <a:xfrm>
-              <a:off x="5027454" y="4796113"/>
+              <a:off x="5065309" y="4517299"/>
               <a:ext cx="0" cy="205051"/>
             </a:xfrm>
             <a:prstGeom prst="line">
@@ -26996,7 +26942,7 @@
           </p:nvCxnSpPr>
           <p:spPr>
             <a:xfrm>
-              <a:off x="5075334" y="4796113"/>
+              <a:off x="5113189" y="4517299"/>
               <a:ext cx="0" cy="205051"/>
             </a:xfrm>
             <a:prstGeom prst="line">
@@ -27041,7 +26987,7 @@
           </p:nvCxnSpPr>
           <p:spPr>
             <a:xfrm>
-              <a:off x="5366745" y="4792659"/>
+              <a:off x="5404600" y="4513845"/>
               <a:ext cx="0" cy="205051"/>
             </a:xfrm>
             <a:prstGeom prst="line">
@@ -27086,7 +27032,7 @@
           </p:nvCxnSpPr>
           <p:spPr>
             <a:xfrm>
-              <a:off x="5419946" y="4792659"/>
+              <a:off x="5457801" y="4513845"/>
               <a:ext cx="0" cy="205051"/>
             </a:xfrm>
             <a:prstGeom prst="line">
@@ -27131,7 +27077,7 @@
           </p:nvCxnSpPr>
           <p:spPr>
             <a:xfrm>
-              <a:off x="5465166" y="4792659"/>
+              <a:off x="5503021" y="4513845"/>
               <a:ext cx="0" cy="205051"/>
             </a:xfrm>
             <a:prstGeom prst="line">
@@ -27176,7 +27122,7 @@
           </p:nvCxnSpPr>
           <p:spPr>
             <a:xfrm>
-              <a:off x="5513047" y="4792659"/>
+              <a:off x="5550902" y="4513845"/>
               <a:ext cx="0" cy="205051"/>
             </a:xfrm>
             <a:prstGeom prst="line">
@@ -27221,7 +27167,7 @@
           </p:nvCxnSpPr>
           <p:spPr>
             <a:xfrm>
-              <a:off x="5911619" y="4796113"/>
+              <a:off x="5949474" y="4517299"/>
               <a:ext cx="0" cy="205051"/>
             </a:xfrm>
             <a:prstGeom prst="line">
@@ -27266,7 +27212,7 @@
           </p:nvCxnSpPr>
           <p:spPr>
             <a:xfrm>
-              <a:off x="5964820" y="4796113"/>
+              <a:off x="6002675" y="4517299"/>
               <a:ext cx="0" cy="205051"/>
             </a:xfrm>
             <a:prstGeom prst="line">
@@ -27311,7 +27257,7 @@
           </p:nvCxnSpPr>
           <p:spPr>
             <a:xfrm>
-              <a:off x="6010040" y="4796113"/>
+              <a:off x="6047895" y="4517299"/>
               <a:ext cx="0" cy="205051"/>
             </a:xfrm>
             <a:prstGeom prst="line">
@@ -27356,7 +27302,7 @@
           </p:nvCxnSpPr>
           <p:spPr>
             <a:xfrm>
-              <a:off x="6057922" y="4796113"/>
+              <a:off x="6095777" y="4517299"/>
               <a:ext cx="0" cy="205051"/>
             </a:xfrm>
             <a:prstGeom prst="line">
@@ -27401,7 +27347,7 @@
           </p:nvCxnSpPr>
           <p:spPr>
             <a:xfrm>
-              <a:off x="6150333" y="4796113"/>
+              <a:off x="6188188" y="4517299"/>
               <a:ext cx="0" cy="205051"/>
             </a:xfrm>
             <a:prstGeom prst="line">
@@ -27446,7 +27392,7 @@
           </p:nvCxnSpPr>
           <p:spPr>
             <a:xfrm>
-              <a:off x="6203534" y="4796113"/>
+              <a:off x="6241389" y="4517299"/>
               <a:ext cx="0" cy="205051"/>
             </a:xfrm>
             <a:prstGeom prst="line">
@@ -27491,7 +27437,7 @@
           </p:nvCxnSpPr>
           <p:spPr>
             <a:xfrm>
-              <a:off x="6248753" y="4796113"/>
+              <a:off x="6286608" y="4517299"/>
               <a:ext cx="0" cy="205051"/>
             </a:xfrm>
             <a:prstGeom prst="line">
@@ -27536,7 +27482,7 @@
           </p:nvCxnSpPr>
           <p:spPr>
             <a:xfrm>
-              <a:off x="6296635" y="4796113"/>
+              <a:off x="6334490" y="4517299"/>
               <a:ext cx="0" cy="205051"/>
             </a:xfrm>
             <a:prstGeom prst="line">
@@ -27579,7 +27525,7 @@
           </p:nvSpPr>
           <p:spPr>
             <a:xfrm>
-              <a:off x="5618894" y="4777718"/>
+              <a:off x="5656749" y="4498904"/>
               <a:ext cx="68207" cy="199613"/>
             </a:xfrm>
             <a:prstGeom prst="rect">
@@ -27637,7 +27583,7 @@
           </p:nvSpPr>
           <p:spPr>
             <a:xfrm>
-              <a:off x="5612786" y="4776887"/>
+              <a:off x="5650641" y="4498073"/>
               <a:ext cx="68207" cy="199613"/>
             </a:xfrm>
             <a:prstGeom prst="rect">
@@ -27695,7 +27641,7 @@
           </p:nvSpPr>
           <p:spPr>
             <a:xfrm>
-              <a:off x="5637480" y="4776887"/>
+              <a:off x="5675335" y="4498073"/>
               <a:ext cx="68207" cy="199613"/>
             </a:xfrm>
             <a:prstGeom prst="rect">
@@ -27753,10 +27699,10 @@
           </p:nvGrpSpPr>
           <p:grpSpPr>
             <a:xfrm>
-              <a:off x="7445036" y="5462682"/>
-              <a:ext cx="2819526" cy="271554"/>
+              <a:off x="7385326" y="5243102"/>
+              <a:ext cx="3795483" cy="584775"/>
               <a:chOff x="3523004" y="4377240"/>
-              <a:chExt cx="2876063" cy="276999"/>
+              <a:chExt cx="3871589" cy="596501"/>
             </a:xfrm>
           </p:grpSpPr>
           <p:sp>
@@ -27774,7 +27720,7 @@
             <p:spPr>
               <a:xfrm>
                 <a:off x="3614331" y="4377240"/>
-                <a:ext cx="2784736" cy="276999"/>
+                <a:ext cx="3780262" cy="596501"/>
               </a:xfrm>
               <a:prstGeom prst="rect">
                 <a:avLst/>
@@ -27789,11 +27735,21 @@
               <a:p>
                 <a:pPr defTabSz="896341"/>
                 <a:r>
-                  <a:rPr lang="en-US" sz="1176" dirty="0">
+                  <a:rPr lang="en-US" sz="1600" dirty="0">
                     <a:latin typeface="Segoe UI Light" panose="020B0502040204020203" pitchFamily="34" charset="0"/>
                     <a:cs typeface="Segoe UI Light" panose="020B0502040204020203" pitchFamily="34" charset="0"/>
                   </a:rPr>
-                  <a:t>Log Record for non-versioned operation</a:t>
+                  <a:t>Log Record for non-versioned operation.</a:t>
+                </a:r>
+              </a:p>
+              <a:p>
+                <a:pPr defTabSz="896341"/>
+                <a:r>
+                  <a:rPr lang="en-US" sz="1600" dirty="0">
+                    <a:latin typeface="Segoe UI Light" panose="020B0502040204020203" pitchFamily="34" charset="0"/>
+                    <a:cs typeface="Segoe UI Light" panose="020B0502040204020203" pitchFamily="34" charset="0"/>
+                  </a:rPr>
+                  <a:t>Persisted to disk as part of checkpoint.</a:t>
                 </a:r>
               </a:p>
             </p:txBody>
@@ -27871,7 +27827,7 @@
           </p:nvSpPr>
           <p:spPr>
             <a:xfrm>
-              <a:off x="5329506" y="4377141"/>
+              <a:off x="5367361" y="4108266"/>
               <a:ext cx="1020338" cy="271554"/>
             </a:xfrm>
             <a:prstGeom prst="rect">
@@ -27913,7 +27869,7 @@
           </p:nvCxnSpPr>
           <p:spPr>
             <a:xfrm flipV="1">
-              <a:off x="5687100" y="4648695"/>
+              <a:off x="5724955" y="4379820"/>
               <a:ext cx="152575" cy="130087"/>
             </a:xfrm>
             <a:prstGeom prst="line">
@@ -27957,9 +27913,9 @@
           </p:nvGrpSpPr>
           <p:grpSpPr>
             <a:xfrm>
-              <a:off x="7053033" y="3130730"/>
+              <a:off x="7153108" y="2543856"/>
               <a:ext cx="3947390" cy="584776"/>
-              <a:chOff x="5361711" y="3807421"/>
+              <a:chOff x="5361711" y="3746589"/>
               <a:chExt cx="3019908" cy="447376"/>
             </a:xfrm>
           </p:grpSpPr>
@@ -27977,7 +27933,7 @@
             </p:nvSpPr>
             <p:spPr>
               <a:xfrm>
-                <a:off x="5942536" y="3807421"/>
+                <a:off x="5942536" y="3746589"/>
                 <a:ext cx="2439083" cy="447376"/>
               </a:xfrm>
               <a:prstGeom prst="rect">
@@ -28122,7 +28078,7 @@
           </p:nvSpPr>
           <p:spPr>
             <a:xfrm>
-              <a:off x="3974325" y="4786114"/>
+              <a:off x="4012180" y="4507300"/>
               <a:ext cx="68207" cy="199613"/>
             </a:xfrm>
             <a:prstGeom prst="rect">
@@ -28180,8 +28136,8 @@
           </p:nvSpPr>
           <p:spPr>
             <a:xfrm>
-              <a:off x="73696" y="5923750"/>
-              <a:ext cx="613984" cy="492693"/>
+              <a:off x="50415" y="5633593"/>
+              <a:ext cx="613984" cy="523220"/>
             </a:xfrm>
             <a:prstGeom prst="rect">
               <a:avLst/>
@@ -28196,7 +28152,7 @@
             <a:p>
               <a:pPr algn="ctr" defTabSz="896341"/>
               <a:r>
-                <a:rPr lang="en-US" sz="1307" dirty="0">
+                <a:rPr lang="en-US" sz="1400" dirty="0">
                   <a:latin typeface="Segoe UI Light" panose="020B0502040204020203" pitchFamily="34" charset="0"/>
                   <a:cs typeface="Segoe UI Light" panose="020B0502040204020203" pitchFamily="34" charset="0"/>
                 </a:rPr>
@@ -28206,7 +28162,7 @@
             <a:p>
               <a:pPr algn="ctr" defTabSz="896341"/>
               <a:r>
-                <a:rPr lang="en-US" sz="1307" dirty="0">
+                <a:rPr lang="en-US" sz="1400" dirty="0">
                   <a:latin typeface="Segoe UI Light" panose="020B0502040204020203" pitchFamily="34" charset="0"/>
                   <a:cs typeface="Segoe UI Light" panose="020B0502040204020203" pitchFamily="34" charset="0"/>
                 </a:rPr>
@@ -28229,8 +28185,8 @@
           </p:nvSpPr>
           <p:spPr>
             <a:xfrm>
-              <a:off x="452937" y="5944275"/>
-              <a:ext cx="1732767" cy="653678"/>
+              <a:off x="474346" y="5652486"/>
+              <a:ext cx="1987003" cy="830997"/>
             </a:xfrm>
             <a:prstGeom prst="rect">
               <a:avLst/>
@@ -28245,7 +28201,7 @@
             <a:p>
               <a:pPr algn="ctr" defTabSz="896341"/>
               <a:r>
-                <a:rPr lang="en-US" sz="1307" dirty="0">
+                <a:rPr lang="en-US" sz="1600" dirty="0">
                   <a:latin typeface="Segoe UI Light" panose="020B0502040204020203" pitchFamily="34" charset="0"/>
                   <a:cs typeface="Segoe UI Light" panose="020B0502040204020203" pitchFamily="34" charset="0"/>
                 </a:rPr>
@@ -28255,7 +28211,7 @@
             <a:p>
               <a:pPr algn="ctr" defTabSz="896341"/>
               <a:r>
-                <a:rPr lang="en-US" sz="1307" dirty="0">
+                <a:rPr lang="en-US" sz="1600" dirty="0">
                   <a:latin typeface="Segoe UI Light" panose="020B0502040204020203" pitchFamily="34" charset="0"/>
                   <a:cs typeface="Segoe UI Light" panose="020B0502040204020203" pitchFamily="34" charset="0"/>
                 </a:rPr>
@@ -28265,7 +28221,7 @@
             <a:p>
               <a:pPr algn="ctr" defTabSz="896341"/>
               <a:r>
-                <a:rPr lang="en-US" sz="1046" dirty="0">
+                <a:rPr lang="en-US" sz="1600" dirty="0">
                   <a:latin typeface="Segoe UI Light" panose="020B0502040204020203" pitchFamily="34" charset="0"/>
                   <a:cs typeface="Segoe UI Light" panose="020B0502040204020203" pitchFamily="34" charset="0"/>
                 </a:rPr>
@@ -28274,95 +28230,95 @@
             </a:p>
           </p:txBody>
         </p:sp>
+        <p:sp>
+          <p:nvSpPr>
+            <p:cNvPr id="129" name="TextBox 128">
+              <a:extLst>
+                <a:ext uri="{FF2B5EF4-FFF2-40B4-BE49-F238E27FC236}">
+                  <a16:creationId xmlns:a16="http://schemas.microsoft.com/office/drawing/2014/main" id="{6DF45D03-CDE4-4D58-A8EC-876181A250EF}"/>
+                </a:ext>
+              </a:extLst>
+            </p:cNvPr>
+            <p:cNvSpPr txBox="1"/>
+            <p:nvPr/>
+          </p:nvSpPr>
+          <p:spPr>
+            <a:xfrm>
+              <a:off x="2080065" y="2400592"/>
+              <a:ext cx="3013781" cy="523220"/>
+            </a:xfrm>
+            <a:prstGeom prst="rect">
+              <a:avLst/>
+            </a:prstGeom>
+            <a:noFill/>
+          </p:spPr>
+          <p:txBody>
+            <a:bodyPr wrap="square">
+              <a:spAutoFit/>
+            </a:bodyPr>
+            <a:lstStyle/>
+            <a:p>
+              <a:r>
+                <a:rPr lang="en-US" sz="1400" b="1" dirty="0">
+                  <a:solidFill>
+                    <a:schemeClr val="accent4">
+                      <a:lumMod val="75000"/>
+                    </a:schemeClr>
+                  </a:solidFill>
+                  <a:latin typeface="Segoe UI Light" panose="020B0502040204020203" pitchFamily="34" charset="0"/>
+                  <a:cs typeface="Segoe UI Light" panose="020B0502040204020203" pitchFamily="34" charset="0"/>
+                </a:rPr>
+                <a:t>Non-versioned operations since oldest uncommitted transaction</a:t>
+              </a:r>
+              <a:endParaRPr lang="en-US" sz="1400" dirty="0"/>
+            </a:p>
+          </p:txBody>
+        </p:sp>
+        <p:sp>
+          <p:nvSpPr>
+            <p:cNvPr id="131" name="TextBox 130">
+              <a:extLst>
+                <a:ext uri="{FF2B5EF4-FFF2-40B4-BE49-F238E27FC236}">
+                  <a16:creationId xmlns:a16="http://schemas.microsoft.com/office/drawing/2014/main" id="{145165FE-2FBD-40D4-B355-3237C7121392}"/>
+                </a:ext>
+              </a:extLst>
+            </p:cNvPr>
+            <p:cNvSpPr txBox="1"/>
+            <p:nvPr/>
+          </p:nvSpPr>
+          <p:spPr>
+            <a:xfrm>
+              <a:off x="5388228" y="2422940"/>
+              <a:ext cx="1468823" cy="523220"/>
+            </a:xfrm>
+            <a:prstGeom prst="rect">
+              <a:avLst/>
+            </a:prstGeom>
+            <a:noFill/>
+          </p:spPr>
+          <p:txBody>
+            <a:bodyPr wrap="square">
+              <a:spAutoFit/>
+            </a:bodyPr>
+            <a:lstStyle/>
+            <a:p>
+              <a:r>
+                <a:rPr lang="en-US" sz="1400" b="1" dirty="0">
+                  <a:solidFill>
+                    <a:schemeClr val="accent4">
+                      <a:lumMod val="75000"/>
+                    </a:schemeClr>
+                  </a:solidFill>
+                  <a:latin typeface="Segoe UI Light" panose="020B0502040204020203" pitchFamily="34" charset="0"/>
+                  <a:cs typeface="Segoe UI Light" panose="020B0502040204020203" pitchFamily="34" charset="0"/>
+                </a:rPr>
+                <a:t>Starts from last checkpoint</a:t>
+              </a:r>
+              <a:endParaRPr lang="en-US" sz="1400" dirty="0"/>
+            </a:p>
+          </p:txBody>
+        </p:sp>
       </p:grpSp>
-      <p:sp>
-        <p:nvSpPr>
-          <p:cNvPr id="129" name="TextBox 128">
-            <a:extLst>
-              <a:ext uri="{FF2B5EF4-FFF2-40B4-BE49-F238E27FC236}">
-                <a16:creationId xmlns:a16="http://schemas.microsoft.com/office/drawing/2014/main" id="{6DF45D03-CDE4-4D58-A8EC-876181A250EF}"/>
-              </a:ext>
-            </a:extLst>
-          </p:cNvPr>
-          <p:cNvSpPr txBox="1"/>
-          <p:nvPr/>
-        </p:nvSpPr>
-        <p:spPr>
-          <a:xfrm>
-            <a:off x="2280111" y="2598579"/>
-            <a:ext cx="3013781" cy="523220"/>
-          </a:xfrm>
-          <a:prstGeom prst="rect">
-            <a:avLst/>
-          </a:prstGeom>
-          <a:noFill/>
-        </p:spPr>
-        <p:txBody>
-          <a:bodyPr wrap="square">
-            <a:spAutoFit/>
-          </a:bodyPr>
-          <a:lstStyle/>
-          <a:p>
-            <a:r>
-              <a:rPr lang="en-US" sz="1400" b="1" dirty="0">
-                <a:solidFill>
-                  <a:schemeClr val="accent4">
-                    <a:lumMod val="75000"/>
-                  </a:schemeClr>
-                </a:solidFill>
-                <a:latin typeface="Segoe UI Light" panose="020B0502040204020203" pitchFamily="34" charset="0"/>
-                <a:cs typeface="Segoe UI Light" panose="020B0502040204020203" pitchFamily="34" charset="0"/>
-              </a:rPr>
-              <a:t>Non-versioned operations since oldest uncommitted transaction</a:t>
-            </a:r>
-            <a:endParaRPr lang="en-US" sz="1400" dirty="0"/>
-          </a:p>
-        </p:txBody>
-      </p:sp>
-      <p:sp>
-        <p:nvSpPr>
-          <p:cNvPr id="131" name="TextBox 130">
-            <a:extLst>
-              <a:ext uri="{FF2B5EF4-FFF2-40B4-BE49-F238E27FC236}">
-                <a16:creationId xmlns:a16="http://schemas.microsoft.com/office/drawing/2014/main" id="{145165FE-2FBD-40D4-B355-3237C7121392}"/>
-              </a:ext>
-            </a:extLst>
-          </p:cNvPr>
-          <p:cNvSpPr txBox="1"/>
-          <p:nvPr/>
-        </p:nvSpPr>
-        <p:spPr>
-          <a:xfrm>
-            <a:off x="5527957" y="2593084"/>
-            <a:ext cx="1468823" cy="523220"/>
-          </a:xfrm>
-          <a:prstGeom prst="rect">
-            <a:avLst/>
-          </a:prstGeom>
-          <a:noFill/>
-        </p:spPr>
-        <p:txBody>
-          <a:bodyPr wrap="square">
-            <a:spAutoFit/>
-          </a:bodyPr>
-          <a:lstStyle/>
-          <a:p>
-            <a:r>
-              <a:rPr lang="en-US" sz="1400" b="1" dirty="0">
-                <a:solidFill>
-                  <a:schemeClr val="accent4">
-                    <a:lumMod val="75000"/>
-                  </a:schemeClr>
-                </a:solidFill>
-                <a:latin typeface="Segoe UI Light" panose="020B0502040204020203" pitchFamily="34" charset="0"/>
-                <a:cs typeface="Segoe UI Light" panose="020B0502040204020203" pitchFamily="34" charset="0"/>
-              </a:rPr>
-              <a:t>Starts from last checkpoint</a:t>
-            </a:r>
-            <a:endParaRPr lang="en-US" sz="1400" dirty="0"/>
-          </a:p>
-        </p:txBody>
-      </p:sp>
     </p:spTree>
     <p:custDataLst>
       <p:tags r:id="rId1"/>
@@ -28383,6 +28339,265 @@
 </file>
 
 <file path=ppt/slides/slide13.xml><?xml version="1.0" encoding="utf-8"?>
+<p:sld xmlns:a="http://schemas.openxmlformats.org/drawingml/2006/main" xmlns:r="http://schemas.openxmlformats.org/officeDocument/2006/relationships" xmlns:p="http://schemas.openxmlformats.org/presentationml/2006/main">
+  <p:cSld>
+    <p:spTree>
+      <p:nvGrpSpPr>
+        <p:cNvPr id="1" name=""/>
+        <p:cNvGrpSpPr/>
+        <p:nvPr/>
+      </p:nvGrpSpPr>
+      <p:grpSpPr>
+        <a:xfrm>
+          <a:off x="0" y="0"/>
+          <a:ext cx="0" cy="0"/>
+          <a:chOff x="0" y="0"/>
+          <a:chExt cx="0" cy="0"/>
+        </a:xfrm>
+      </p:grpSpPr>
+      <p:sp>
+        <p:nvSpPr>
+          <p:cNvPr id="2" name="Title 1">
+            <a:extLst>
+              <a:ext uri="{FF2B5EF4-FFF2-40B4-BE49-F238E27FC236}">
+                <a16:creationId xmlns:a16="http://schemas.microsoft.com/office/drawing/2014/main" id="{661B0862-8EBC-45AA-9D25-1F9E497B5907}"/>
+              </a:ext>
+            </a:extLst>
+          </p:cNvPr>
+          <p:cNvSpPr>
+            <a:spLocks noGrp="1"/>
+          </p:cNvSpPr>
+          <p:nvPr>
+            <p:ph type="title"/>
+          </p:nvPr>
+        </p:nvSpPr>
+        <p:spPr/>
+        <p:txBody>
+          <a:bodyPr/>
+          <a:lstStyle/>
+          <a:p>
+            <a:r>
+              <a:rPr lang="en-US" dirty="0"/>
+              <a:t>Recovery Time Comparison</a:t>
+            </a:r>
+          </a:p>
+        </p:txBody>
+      </p:sp>
+      <p:grpSp>
+        <p:nvGrpSpPr>
+          <p:cNvPr id="7" name="Group 6">
+            <a:extLst>
+              <a:ext uri="{FF2B5EF4-FFF2-40B4-BE49-F238E27FC236}">
+                <a16:creationId xmlns:a16="http://schemas.microsoft.com/office/drawing/2014/main" id="{3E662309-FE6D-4DF5-A762-78CFA38A4EE4}"/>
+              </a:ext>
+            </a:extLst>
+          </p:cNvPr>
+          <p:cNvGrpSpPr/>
+          <p:nvPr/>
+        </p:nvGrpSpPr>
+        <p:grpSpPr>
+          <a:xfrm>
+            <a:off x="1334543" y="1120797"/>
+            <a:ext cx="9522914" cy="4616405"/>
+            <a:chOff x="1449570" y="846138"/>
+            <a:chExt cx="8881410" cy="4163853"/>
+          </a:xfrm>
+        </p:grpSpPr>
+        <p:pic>
+          <p:nvPicPr>
+            <p:cNvPr id="6" name="Picture 5">
+              <a:extLst>
+                <a:ext uri="{FF2B5EF4-FFF2-40B4-BE49-F238E27FC236}">
+                  <a16:creationId xmlns:a16="http://schemas.microsoft.com/office/drawing/2014/main" id="{D0EF8C9F-A23A-4DCA-AEEC-3421B5E50F91}"/>
+                </a:ext>
+              </a:extLst>
+            </p:cNvPr>
+            <p:cNvPicPr>
+              <a:picLocks noChangeAspect="1"/>
+            </p:cNvPicPr>
+            <p:nvPr/>
+          </p:nvPicPr>
+          <p:blipFill>
+            <a:blip r:embed="rId3"/>
+            <a:stretch>
+              <a:fillRect/>
+            </a:stretch>
+          </p:blipFill>
+          <p:spPr>
+            <a:xfrm>
+              <a:off x="1449570" y="846138"/>
+              <a:ext cx="8881410" cy="4163853"/>
+            </a:xfrm>
+            <a:prstGeom prst="rect">
+              <a:avLst/>
+            </a:prstGeom>
+          </p:spPr>
+        </p:pic>
+        <p:sp>
+          <p:nvSpPr>
+            <p:cNvPr id="4" name="TextBox 3">
+              <a:extLst>
+                <a:ext uri="{FF2B5EF4-FFF2-40B4-BE49-F238E27FC236}">
+                  <a16:creationId xmlns:a16="http://schemas.microsoft.com/office/drawing/2014/main" id="{F7AA97F0-D39C-4DE7-86F4-264BA812742D}"/>
+                </a:ext>
+              </a:extLst>
+            </p:cNvPr>
+            <p:cNvSpPr txBox="1"/>
+            <p:nvPr/>
+          </p:nvSpPr>
+          <p:spPr>
+            <a:xfrm>
+              <a:off x="1581917" y="986060"/>
+              <a:ext cx="6106026" cy="369332"/>
+            </a:xfrm>
+            <a:prstGeom prst="rect">
+              <a:avLst/>
+            </a:prstGeom>
+            <a:noFill/>
+          </p:spPr>
+          <p:txBody>
+            <a:bodyPr wrap="square">
+              <a:spAutoFit/>
+            </a:bodyPr>
+            <a:lstStyle/>
+            <a:p>
+              <a:r>
+                <a:rPr lang="en-US" dirty="0">
+                  <a:solidFill>
+                    <a:schemeClr val="accent5"/>
+                  </a:solidFill>
+                  <a:hlinkClick r:id="rId4">
+                    <a:extLst>
+                      <a:ext uri="{A12FA001-AC4F-418D-AE19-62706E023703}">
+                        <ahyp:hlinkClr xmlns:ahyp="http://schemas.microsoft.com/office/drawing/2018/hyperlinkcolor" val="tx"/>
+                      </a:ext>
+                    </a:extLst>
+                  </a:hlinkClick>
+                </a:rPr>
+                <a:t>Constant Time Recovery in SQL Server </a:t>
+              </a:r>
+              <a:endParaRPr lang="en-US" dirty="0">
+                <a:solidFill>
+                  <a:schemeClr val="accent5"/>
+                </a:solidFill>
+              </a:endParaRPr>
+            </a:p>
+          </p:txBody>
+        </p:sp>
+      </p:grpSp>
+    </p:spTree>
+    <p:extLst>
+      <p:ext uri="{BB962C8B-B14F-4D97-AF65-F5344CB8AC3E}">
+        <p14:creationId xmlns:p14="http://schemas.microsoft.com/office/powerpoint/2010/main" val="582797256"/>
+      </p:ext>
+    </p:extLst>
+  </p:cSld>
+  <p:clrMapOvr>
+    <a:masterClrMapping/>
+  </p:clrMapOvr>
+</p:sld>
+</file>
+
+<file path=ppt/slides/slide14.xml><?xml version="1.0" encoding="utf-8"?>
+<p:sld xmlns:a="http://schemas.openxmlformats.org/drawingml/2006/main" xmlns:r="http://schemas.openxmlformats.org/officeDocument/2006/relationships" xmlns:p="http://schemas.openxmlformats.org/presentationml/2006/main">
+  <p:cSld>
+    <p:spTree>
+      <p:nvGrpSpPr>
+        <p:cNvPr id="1" name=""/>
+        <p:cNvGrpSpPr/>
+        <p:nvPr/>
+      </p:nvGrpSpPr>
+      <p:grpSpPr>
+        <a:xfrm>
+          <a:off x="0" y="0"/>
+          <a:ext cx="0" cy="0"/>
+          <a:chOff x="0" y="0"/>
+          <a:chExt cx="0" cy="0"/>
+        </a:xfrm>
+      </p:grpSpPr>
+      <p:sp>
+        <p:nvSpPr>
+          <p:cNvPr id="2" name="Title 1"/>
+          <p:cNvSpPr>
+            <a:spLocks noGrp="1"/>
+          </p:cNvSpPr>
+          <p:nvPr>
+            <p:ph type="title"/>
+          </p:nvPr>
+        </p:nvSpPr>
+        <p:spPr/>
+        <p:txBody>
+          <a:bodyPr/>
+          <a:lstStyle/>
+          <a:p>
+            <a:r>
+              <a:rPr lang="en-US" dirty="0">
+                <a:solidFill>
+                  <a:schemeClr val="accent5"/>
+                </a:solidFill>
+              </a:rPr>
+              <a:t>Accelerated Dabase Recovery FAQ</a:t>
+            </a:r>
+          </a:p>
+        </p:txBody>
+      </p:sp>
+      <p:graphicFrame>
+        <p:nvGraphicFramePr>
+          <p:cNvPr id="3" name="Diagram 2">
+            <a:extLst>
+              <a:ext uri="{FF2B5EF4-FFF2-40B4-BE49-F238E27FC236}">
+                <a16:creationId xmlns:a16="http://schemas.microsoft.com/office/drawing/2014/main" id="{2529C281-FDBB-44B0-A07A-94FED196D67E}"/>
+              </a:ext>
+            </a:extLst>
+          </p:cNvPr>
+          <p:cNvGraphicFramePr/>
+          <p:nvPr>
+            <p:extLst>
+              <p:ext uri="{D42A27DB-BD31-4B8C-83A1-F6EECF244321}">
+                <p14:modId xmlns:p14="http://schemas.microsoft.com/office/powerpoint/2010/main" val="3184922749"/>
+              </p:ext>
+            </p:extLst>
+          </p:nvPr>
+        </p:nvGraphicFramePr>
+        <p:xfrm>
+          <a:off x="269238" y="910809"/>
+          <a:ext cx="10702554" cy="5471462"/>
+        </p:xfrm>
+        <a:graphic>
+          <a:graphicData uri="http://schemas.openxmlformats.org/drawingml/2006/diagram">
+            <dgm:relIds xmlns:dgm="http://schemas.openxmlformats.org/drawingml/2006/diagram" xmlns:r="http://schemas.openxmlformats.org/officeDocument/2006/relationships" r:dm="rId4" r:lo="rId5" r:qs="rId6" r:cs="rId7"/>
+          </a:graphicData>
+        </a:graphic>
+      </p:graphicFrame>
+    </p:spTree>
+    <p:custDataLst>
+      <p:tags r:id="rId1"/>
+    </p:custDataLst>
+    <p:extLst>
+      <p:ext uri="{BB962C8B-B14F-4D97-AF65-F5344CB8AC3E}">
+        <p14:creationId xmlns:p14="http://schemas.microsoft.com/office/powerpoint/2010/main" val="589400812"/>
+      </p:ext>
+    </p:extLst>
+  </p:cSld>
+  <p:clrMapOvr>
+    <a:masterClrMapping/>
+  </p:clrMapOvr>
+  <mc:AlternateContent xmlns:mc="http://schemas.openxmlformats.org/markup-compatibility/2006" xmlns:p14="http://schemas.microsoft.com/office/powerpoint/2010/main">
+    <mc:Choice Requires="p14">
+      <p:transition spd="med" p14:dur="700">
+        <p:fade/>
+      </p:transition>
+    </mc:Choice>
+    <mc:Fallback xmlns="">
+      <p:transition spd="med">
+        <p:fade/>
+      </p:transition>
+    </mc:Fallback>
+  </mc:AlternateContent>
+</p:sld>
+</file>
+
+<file path=ppt/slides/slide15.xml><?xml version="1.0" encoding="utf-8"?>
 <p:sld xmlns:a="http://schemas.openxmlformats.org/drawingml/2006/main" xmlns:r="http://schemas.openxmlformats.org/officeDocument/2006/relationships" xmlns:p="http://schemas.openxmlformats.org/presentationml/2006/main">
   <p:cSld>
     <p:spTree>
@@ -28528,265 +28743,6 @@
     </mc:Choice>
     <mc:Fallback xmlns="">
       <p:transition spd="slow">
-        <p:fade/>
-      </p:transition>
-    </mc:Fallback>
-  </mc:AlternateContent>
-</p:sld>
-</file>
-
-<file path=ppt/slides/slide14.xml><?xml version="1.0" encoding="utf-8"?>
-<p:sld xmlns:a="http://schemas.openxmlformats.org/drawingml/2006/main" xmlns:r="http://schemas.openxmlformats.org/officeDocument/2006/relationships" xmlns:p="http://schemas.openxmlformats.org/presentationml/2006/main">
-  <p:cSld>
-    <p:spTree>
-      <p:nvGrpSpPr>
-        <p:cNvPr id="1" name=""/>
-        <p:cNvGrpSpPr/>
-        <p:nvPr/>
-      </p:nvGrpSpPr>
-      <p:grpSpPr>
-        <a:xfrm>
-          <a:off x="0" y="0"/>
-          <a:ext cx="0" cy="0"/>
-          <a:chOff x="0" y="0"/>
-          <a:chExt cx="0" cy="0"/>
-        </a:xfrm>
-      </p:grpSpPr>
-      <p:sp>
-        <p:nvSpPr>
-          <p:cNvPr id="2" name="Title 1">
-            <a:extLst>
-              <a:ext uri="{FF2B5EF4-FFF2-40B4-BE49-F238E27FC236}">
-                <a16:creationId xmlns:a16="http://schemas.microsoft.com/office/drawing/2014/main" id="{661B0862-8EBC-45AA-9D25-1F9E497B5907}"/>
-              </a:ext>
-            </a:extLst>
-          </p:cNvPr>
-          <p:cNvSpPr>
-            <a:spLocks noGrp="1"/>
-          </p:cNvSpPr>
-          <p:nvPr>
-            <p:ph type="title"/>
-          </p:nvPr>
-        </p:nvSpPr>
-        <p:spPr/>
-        <p:txBody>
-          <a:bodyPr/>
-          <a:lstStyle/>
-          <a:p>
-            <a:r>
-              <a:rPr lang="en-US" dirty="0"/>
-              <a:t>Recovery Time Comparison</a:t>
-            </a:r>
-          </a:p>
-        </p:txBody>
-      </p:sp>
-      <p:grpSp>
-        <p:nvGrpSpPr>
-          <p:cNvPr id="7" name="Group 6">
-            <a:extLst>
-              <a:ext uri="{FF2B5EF4-FFF2-40B4-BE49-F238E27FC236}">
-                <a16:creationId xmlns:a16="http://schemas.microsoft.com/office/drawing/2014/main" id="{3E662309-FE6D-4DF5-A762-78CFA38A4EE4}"/>
-              </a:ext>
-            </a:extLst>
-          </p:cNvPr>
-          <p:cNvGrpSpPr/>
-          <p:nvPr/>
-        </p:nvGrpSpPr>
-        <p:grpSpPr>
-          <a:xfrm>
-            <a:off x="1655295" y="1347073"/>
-            <a:ext cx="8881410" cy="4163853"/>
-            <a:chOff x="1449570" y="846138"/>
-            <a:chExt cx="8881410" cy="4163853"/>
-          </a:xfrm>
-        </p:grpSpPr>
-        <p:pic>
-          <p:nvPicPr>
-            <p:cNvPr id="6" name="Picture 5">
-              <a:extLst>
-                <a:ext uri="{FF2B5EF4-FFF2-40B4-BE49-F238E27FC236}">
-                  <a16:creationId xmlns:a16="http://schemas.microsoft.com/office/drawing/2014/main" id="{D0EF8C9F-A23A-4DCA-AEEC-3421B5E50F91}"/>
-                </a:ext>
-              </a:extLst>
-            </p:cNvPr>
-            <p:cNvPicPr>
-              <a:picLocks noChangeAspect="1"/>
-            </p:cNvPicPr>
-            <p:nvPr/>
-          </p:nvPicPr>
-          <p:blipFill>
-            <a:blip r:embed="rId3"/>
-            <a:stretch>
-              <a:fillRect/>
-            </a:stretch>
-          </p:blipFill>
-          <p:spPr>
-            <a:xfrm>
-              <a:off x="1449570" y="846138"/>
-              <a:ext cx="8881410" cy="4163853"/>
-            </a:xfrm>
-            <a:prstGeom prst="rect">
-              <a:avLst/>
-            </a:prstGeom>
-          </p:spPr>
-        </p:pic>
-        <p:sp>
-          <p:nvSpPr>
-            <p:cNvPr id="4" name="TextBox 3">
-              <a:extLst>
-                <a:ext uri="{FF2B5EF4-FFF2-40B4-BE49-F238E27FC236}">
-                  <a16:creationId xmlns:a16="http://schemas.microsoft.com/office/drawing/2014/main" id="{F7AA97F0-D39C-4DE7-86F4-264BA812742D}"/>
-                </a:ext>
-              </a:extLst>
-            </p:cNvPr>
-            <p:cNvSpPr txBox="1"/>
-            <p:nvPr/>
-          </p:nvSpPr>
-          <p:spPr>
-            <a:xfrm>
-              <a:off x="1581917" y="986060"/>
-              <a:ext cx="6106026" cy="369332"/>
-            </a:xfrm>
-            <a:prstGeom prst="rect">
-              <a:avLst/>
-            </a:prstGeom>
-            <a:noFill/>
-          </p:spPr>
-          <p:txBody>
-            <a:bodyPr wrap="square">
-              <a:spAutoFit/>
-            </a:bodyPr>
-            <a:lstStyle/>
-            <a:p>
-              <a:r>
-                <a:rPr lang="en-US" dirty="0">
-                  <a:solidFill>
-                    <a:schemeClr val="accent5"/>
-                  </a:solidFill>
-                  <a:hlinkClick r:id="rId4">
-                    <a:extLst>
-                      <a:ext uri="{A12FA001-AC4F-418D-AE19-62706E023703}">
-                        <ahyp:hlinkClr xmlns:ahyp="http://schemas.microsoft.com/office/drawing/2018/hyperlinkcolor" val="tx"/>
-                      </a:ext>
-                    </a:extLst>
-                  </a:hlinkClick>
-                </a:rPr>
-                <a:t>Constant Time Recovery in SQL Server </a:t>
-              </a:r>
-              <a:endParaRPr lang="en-US" dirty="0">
-                <a:solidFill>
-                  <a:schemeClr val="accent5"/>
-                </a:solidFill>
-              </a:endParaRPr>
-            </a:p>
-          </p:txBody>
-        </p:sp>
-      </p:grpSp>
-    </p:spTree>
-    <p:extLst>
-      <p:ext uri="{BB962C8B-B14F-4D97-AF65-F5344CB8AC3E}">
-        <p14:creationId xmlns:p14="http://schemas.microsoft.com/office/powerpoint/2010/main" val="582797256"/>
-      </p:ext>
-    </p:extLst>
-  </p:cSld>
-  <p:clrMapOvr>
-    <a:masterClrMapping/>
-  </p:clrMapOvr>
-</p:sld>
-</file>
-
-<file path=ppt/slides/slide15.xml><?xml version="1.0" encoding="utf-8"?>
-<p:sld xmlns:a="http://schemas.openxmlformats.org/drawingml/2006/main" xmlns:r="http://schemas.openxmlformats.org/officeDocument/2006/relationships" xmlns:p="http://schemas.openxmlformats.org/presentationml/2006/main">
-  <p:cSld>
-    <p:spTree>
-      <p:nvGrpSpPr>
-        <p:cNvPr id="1" name=""/>
-        <p:cNvGrpSpPr/>
-        <p:nvPr/>
-      </p:nvGrpSpPr>
-      <p:grpSpPr>
-        <a:xfrm>
-          <a:off x="0" y="0"/>
-          <a:ext cx="0" cy="0"/>
-          <a:chOff x="0" y="0"/>
-          <a:chExt cx="0" cy="0"/>
-        </a:xfrm>
-      </p:grpSpPr>
-      <p:sp>
-        <p:nvSpPr>
-          <p:cNvPr id="2" name="Title 1"/>
-          <p:cNvSpPr>
-            <a:spLocks noGrp="1"/>
-          </p:cNvSpPr>
-          <p:nvPr>
-            <p:ph type="title"/>
-          </p:nvPr>
-        </p:nvSpPr>
-        <p:spPr/>
-        <p:txBody>
-          <a:bodyPr/>
-          <a:lstStyle/>
-          <a:p>
-            <a:r>
-              <a:rPr lang="en-US" dirty="0">
-                <a:solidFill>
-                  <a:schemeClr val="accent5"/>
-                </a:solidFill>
-              </a:rPr>
-              <a:t>Accelerated Dabase Recovery FAQ</a:t>
-            </a:r>
-          </a:p>
-        </p:txBody>
-      </p:sp>
-      <p:graphicFrame>
-        <p:nvGraphicFramePr>
-          <p:cNvPr id="3" name="Diagram 2">
-            <a:extLst>
-              <a:ext uri="{FF2B5EF4-FFF2-40B4-BE49-F238E27FC236}">
-                <a16:creationId xmlns:a16="http://schemas.microsoft.com/office/drawing/2014/main" id="{2529C281-FDBB-44B0-A07A-94FED196D67E}"/>
-              </a:ext>
-            </a:extLst>
-          </p:cNvPr>
-          <p:cNvGraphicFramePr/>
-          <p:nvPr>
-            <p:extLst>
-              <p:ext uri="{D42A27DB-BD31-4B8C-83A1-F6EECF244321}">
-                <p14:modId xmlns:p14="http://schemas.microsoft.com/office/powerpoint/2010/main" val="3184922749"/>
-              </p:ext>
-            </p:extLst>
-          </p:nvPr>
-        </p:nvGraphicFramePr>
-        <p:xfrm>
-          <a:off x="269238" y="910809"/>
-          <a:ext cx="10702554" cy="5471462"/>
-        </p:xfrm>
-        <a:graphic>
-          <a:graphicData uri="http://schemas.openxmlformats.org/drawingml/2006/diagram">
-            <dgm:relIds xmlns:dgm="http://schemas.openxmlformats.org/drawingml/2006/diagram" xmlns:r="http://schemas.openxmlformats.org/officeDocument/2006/relationships" r:dm="rId4" r:lo="rId5" r:qs="rId6" r:cs="rId7"/>
-          </a:graphicData>
-        </a:graphic>
-      </p:graphicFrame>
-    </p:spTree>
-    <p:custDataLst>
-      <p:tags r:id="rId1"/>
-    </p:custDataLst>
-    <p:extLst>
-      <p:ext uri="{BB962C8B-B14F-4D97-AF65-F5344CB8AC3E}">
-        <p14:creationId xmlns:p14="http://schemas.microsoft.com/office/powerpoint/2010/main" val="589400812"/>
-      </p:ext>
-    </p:extLst>
-  </p:cSld>
-  <p:clrMapOvr>
-    <a:masterClrMapping/>
-  </p:clrMapOvr>
-  <mc:AlternateContent xmlns:mc="http://schemas.openxmlformats.org/markup-compatibility/2006" xmlns:p14="http://schemas.microsoft.com/office/powerpoint/2010/main">
-    <mc:Choice Requires="p14">
-      <p:transition spd="med" p14:dur="700">
-        <p:fade/>
-      </p:transition>
-    </mc:Choice>
-    <mc:Fallback xmlns="">
-      <p:transition spd="med">
         <p:fade/>
       </p:transition>
     </mc:Fallback>
@@ -28948,7 +28904,7 @@
 </file>
 
 <file path=ppt/slides/slide2.xml><?xml version="1.0" encoding="utf-8"?>
-<p:sld xmlns:a="http://schemas.openxmlformats.org/drawingml/2006/main" xmlns:r="http://schemas.openxmlformats.org/officeDocument/2006/relationships" xmlns:p="http://schemas.openxmlformats.org/presentationml/2006/main">
+<p:sld xmlns:a="http://schemas.openxmlformats.org/drawingml/2006/main" xmlns:r="http://schemas.openxmlformats.org/officeDocument/2006/relationships" xmlns:p="http://schemas.openxmlformats.org/presentationml/2006/main" show="0">
   <p:cSld>
     <p:spTree>
       <p:nvGrpSpPr>
@@ -30004,7 +29960,7 @@
           <p:nvPr>
             <p:extLst>
               <p:ext uri="{D42A27DB-BD31-4B8C-83A1-F6EECF244321}">
-                <p14:modId xmlns:p14="http://schemas.microsoft.com/office/powerpoint/2010/main" val="484180952"/>
+                <p14:modId xmlns:p14="http://schemas.microsoft.com/office/powerpoint/2010/main" val="1983483442"/>
               </p:ext>
             </p:extLst>
           </p:nvPr>
@@ -30048,6 +30004,507 @@
 </file>
 
 <file path=ppt/slides/slide5.xml><?xml version="1.0" encoding="utf-8"?>
+<p:sld xmlns:a="http://schemas.openxmlformats.org/drawingml/2006/main" xmlns:r="http://schemas.openxmlformats.org/officeDocument/2006/relationships" xmlns:p="http://schemas.openxmlformats.org/presentationml/2006/main">
+  <p:cSld>
+    <p:spTree>
+      <p:nvGrpSpPr>
+        <p:cNvPr id="1" name=""/>
+        <p:cNvGrpSpPr/>
+        <p:nvPr/>
+      </p:nvGrpSpPr>
+      <p:grpSpPr>
+        <a:xfrm>
+          <a:off x="0" y="0"/>
+          <a:ext cx="0" cy="0"/>
+          <a:chOff x="0" y="0"/>
+          <a:chExt cx="0" cy="0"/>
+        </a:xfrm>
+      </p:grpSpPr>
+      <p:sp>
+        <p:nvSpPr>
+          <p:cNvPr id="144" name="Title 143"/>
+          <p:cNvSpPr>
+            <a:spLocks noGrp="1"/>
+          </p:cNvSpPr>
+          <p:nvPr>
+            <p:ph type="title"/>
+          </p:nvPr>
+        </p:nvSpPr>
+        <p:spPr>
+          <a:xfrm>
+            <a:off x="269241" y="289957"/>
+            <a:ext cx="11655840" cy="899537"/>
+          </a:xfrm>
+        </p:spPr>
+        <p:txBody>
+          <a:bodyPr/>
+          <a:lstStyle/>
+          <a:p>
+            <a:r>
+              <a:rPr lang="en-US" dirty="0">
+                <a:solidFill>
+                  <a:schemeClr val="accent5"/>
+                </a:solidFill>
+              </a:rPr>
+              <a:t>How to enable ADR?</a:t>
+            </a:r>
+          </a:p>
+        </p:txBody>
+      </p:sp>
+      <p:sp>
+        <p:nvSpPr>
+          <p:cNvPr id="127" name="Content Placeholder 3">
+            <a:extLst>
+              <a:ext uri="{FF2B5EF4-FFF2-40B4-BE49-F238E27FC236}">
+                <a16:creationId xmlns:a16="http://schemas.microsoft.com/office/drawing/2014/main" id="{7B0D19B2-F8B6-4FD7-A80F-3EC9E0D9F48D}"/>
+              </a:ext>
+            </a:extLst>
+          </p:cNvPr>
+          <p:cNvSpPr txBox="1">
+            <a:spLocks/>
+          </p:cNvSpPr>
+          <p:nvPr/>
+        </p:nvSpPr>
+        <p:spPr bwMode="auto">
+          <a:xfrm>
+            <a:off x="280970" y="1177509"/>
+            <a:ext cx="10702554" cy="5230755"/>
+          </a:xfrm>
+          <a:prstGeom prst="rect">
+            <a:avLst/>
+          </a:prstGeom>
+          <a:noFill/>
+          <a:ln>
+            <a:noFill/>
+          </a:ln>
+          <a:extLst>
+            <a:ext uri="{909E8E84-426E-40DD-AFC4-6F175D3DCCD1}">
+              <a14:hiddenFill xmlns:a14="http://schemas.microsoft.com/office/drawing/2010/main">
+                <a:solidFill>
+                  <a:srgbClr val="FFFFFF"/>
+                </a:solidFill>
+              </a14:hiddenFill>
+            </a:ext>
+            <a:ext uri="{91240B29-F687-4F45-9708-019B960494DF}">
+              <a14:hiddenLine xmlns:a14="http://schemas.microsoft.com/office/drawing/2010/main" w="9525">
+                <a:solidFill>
+                  <a:srgbClr val="000000"/>
+                </a:solidFill>
+                <a:miter lim="800000"/>
+                <a:headEnd/>
+                <a:tailEnd/>
+              </a14:hiddenLine>
+            </a:ext>
+          </a:extLst>
+        </p:spPr>
+        <p:txBody>
+          <a:bodyPr vert="horz" wrap="square" lIns="179285" tIns="134464" rIns="89642" bIns="44821" numCol="1" anchor="t" anchorCtr="0" compatLnSpc="1">
+            <a:prstTxWarp prst="textNoShape">
+              <a:avLst/>
+            </a:prstTxWarp>
+            <a:normAutofit/>
+          </a:bodyPr>
+          <a:lstStyle>
+            <a:lvl1pPr algn="l" rtl="0" eaLnBrk="1" fontAlgn="base" hangingPunct="1">
+              <a:lnSpc>
+                <a:spcPct val="120000"/>
+              </a:lnSpc>
+              <a:spcBef>
+                <a:spcPct val="20000"/>
+              </a:spcBef>
+              <a:spcAft>
+                <a:spcPct val="0"/>
+              </a:spcAft>
+              <a:buFont typeface="+mj-lt"/>
+              <a:defRPr sz="1400">
+                <a:solidFill>
+                  <a:schemeClr val="bg1"/>
+                </a:solidFill>
+                <a:latin typeface="+mn-lt"/>
+                <a:ea typeface="Segoe Pro Light"/>
+                <a:cs typeface="Segoe Pro Light"/>
+              </a:defRPr>
+            </a:lvl1pPr>
+            <a:lvl2pPr algn="l" rtl="0" eaLnBrk="1" fontAlgn="base" hangingPunct="1">
+              <a:lnSpc>
+                <a:spcPct val="120000"/>
+              </a:lnSpc>
+              <a:spcBef>
+                <a:spcPct val="20000"/>
+              </a:spcBef>
+              <a:spcAft>
+                <a:spcPct val="0"/>
+              </a:spcAft>
+              <a:defRPr sz="1400">
+                <a:solidFill>
+                  <a:schemeClr val="bg1"/>
+                </a:solidFill>
+                <a:latin typeface="+mn-lt"/>
+                <a:ea typeface="Segoe Pro Light"/>
+                <a:cs typeface="Segoe Pro Light"/>
+              </a:defRPr>
+            </a:lvl2pPr>
+            <a:lvl3pPr marL="342900" indent="-342900" algn="l" rtl="0" eaLnBrk="1" fontAlgn="base" hangingPunct="1">
+              <a:lnSpc>
+                <a:spcPct val="120000"/>
+              </a:lnSpc>
+              <a:spcBef>
+                <a:spcPct val="20000"/>
+              </a:spcBef>
+              <a:spcAft>
+                <a:spcPct val="0"/>
+              </a:spcAft>
+              <a:defRPr sz="1400">
+                <a:solidFill>
+                  <a:schemeClr val="bg1"/>
+                </a:solidFill>
+                <a:latin typeface="+mn-lt"/>
+                <a:ea typeface="Segoe Pro Light"/>
+                <a:cs typeface="Segoe Pro Light"/>
+              </a:defRPr>
+            </a:lvl3pPr>
+            <a:lvl4pPr algn="l" rtl="0" eaLnBrk="1" fontAlgn="base" hangingPunct="1">
+              <a:lnSpc>
+                <a:spcPct val="120000"/>
+              </a:lnSpc>
+              <a:spcBef>
+                <a:spcPct val="20000"/>
+              </a:spcBef>
+              <a:spcAft>
+                <a:spcPct val="0"/>
+              </a:spcAft>
+              <a:buFont typeface="Arial" panose="020B0604020202020204" pitchFamily="34" charset="0"/>
+              <a:defRPr sz="1400">
+                <a:solidFill>
+                  <a:schemeClr val="bg1"/>
+                </a:solidFill>
+                <a:latin typeface="+mn-lt"/>
+                <a:ea typeface="Segoe Pro Light"/>
+                <a:cs typeface="Segoe Pro Light"/>
+              </a:defRPr>
+            </a:lvl4pPr>
+            <a:lvl5pPr algn="l" rtl="0" eaLnBrk="1" fontAlgn="base" hangingPunct="1">
+              <a:lnSpc>
+                <a:spcPct val="120000"/>
+              </a:lnSpc>
+              <a:spcBef>
+                <a:spcPct val="20000"/>
+              </a:spcBef>
+              <a:spcAft>
+                <a:spcPct val="0"/>
+              </a:spcAft>
+              <a:defRPr sz="1400">
+                <a:solidFill>
+                  <a:schemeClr val="bg1"/>
+                </a:solidFill>
+                <a:latin typeface="+mn-lt"/>
+                <a:ea typeface="Segoe Pro Light"/>
+                <a:cs typeface="Segoe Pro Light"/>
+              </a:defRPr>
+            </a:lvl5pPr>
+            <a:lvl6pPr marL="457200" algn="l" rtl="0" eaLnBrk="1" fontAlgn="base" hangingPunct="1">
+              <a:lnSpc>
+                <a:spcPct val="120000"/>
+              </a:lnSpc>
+              <a:spcBef>
+                <a:spcPct val="20000"/>
+              </a:spcBef>
+              <a:spcAft>
+                <a:spcPct val="0"/>
+              </a:spcAft>
+              <a:defRPr sz="1400">
+                <a:solidFill>
+                  <a:schemeClr val="bg1"/>
+                </a:solidFill>
+                <a:latin typeface="+mn-lt"/>
+                <a:ea typeface="Segoe Pro Light"/>
+                <a:cs typeface="Segoe Pro Light"/>
+              </a:defRPr>
+            </a:lvl6pPr>
+            <a:lvl7pPr marL="914400" algn="l" rtl="0" eaLnBrk="1" fontAlgn="base" hangingPunct="1">
+              <a:lnSpc>
+                <a:spcPct val="120000"/>
+              </a:lnSpc>
+              <a:spcBef>
+                <a:spcPct val="20000"/>
+              </a:spcBef>
+              <a:spcAft>
+                <a:spcPct val="0"/>
+              </a:spcAft>
+              <a:defRPr sz="1400">
+                <a:solidFill>
+                  <a:schemeClr val="bg1"/>
+                </a:solidFill>
+                <a:latin typeface="+mn-lt"/>
+                <a:ea typeface="Segoe Pro Light"/>
+                <a:cs typeface="Segoe Pro Light"/>
+              </a:defRPr>
+            </a:lvl7pPr>
+            <a:lvl8pPr marL="1371600" algn="l" rtl="0" eaLnBrk="1" fontAlgn="base" hangingPunct="1">
+              <a:lnSpc>
+                <a:spcPct val="120000"/>
+              </a:lnSpc>
+              <a:spcBef>
+                <a:spcPct val="20000"/>
+              </a:spcBef>
+              <a:spcAft>
+                <a:spcPct val="0"/>
+              </a:spcAft>
+              <a:defRPr sz="1400">
+                <a:solidFill>
+                  <a:schemeClr val="bg1"/>
+                </a:solidFill>
+                <a:latin typeface="+mn-lt"/>
+                <a:ea typeface="Segoe Pro Light"/>
+                <a:cs typeface="Segoe Pro Light"/>
+              </a:defRPr>
+            </a:lvl8pPr>
+            <a:lvl9pPr marL="1828800" algn="l" rtl="0" eaLnBrk="1" fontAlgn="base" hangingPunct="1">
+              <a:lnSpc>
+                <a:spcPct val="120000"/>
+              </a:lnSpc>
+              <a:spcBef>
+                <a:spcPct val="20000"/>
+              </a:spcBef>
+              <a:spcAft>
+                <a:spcPct val="0"/>
+              </a:spcAft>
+              <a:defRPr sz="1400">
+                <a:solidFill>
+                  <a:schemeClr val="bg1"/>
+                </a:solidFill>
+                <a:latin typeface="+mn-lt"/>
+                <a:ea typeface="Segoe Pro Light"/>
+                <a:cs typeface="Segoe Pro Light"/>
+              </a:defRPr>
+            </a:lvl9pPr>
+          </a:lstStyle>
+          <a:p>
+            <a:pPr defTabSz="896386">
+              <a:lnSpc>
+                <a:spcPct val="100000"/>
+              </a:lnSpc>
+              <a:defRPr/>
+            </a:pPr>
+            <a:r>
+              <a:rPr lang="en-US" sz="2800" spc="-100" dirty="0">
+                <a:ln w="3175">
+                  <a:noFill/>
+                </a:ln>
+                <a:solidFill>
+                  <a:schemeClr val="accent5"/>
+                </a:solidFill>
+                <a:ea typeface="+mn-ea"/>
+                <a:cs typeface="Segoe UI" pitchFamily="34" charset="0"/>
+              </a:rPr>
+              <a:t>Azure SQL Database</a:t>
+            </a:r>
+          </a:p>
+          <a:p>
+            <a:pPr defTabSz="896386">
+              <a:lnSpc>
+                <a:spcPct val="100000"/>
+              </a:lnSpc>
+              <a:defRPr/>
+            </a:pPr>
+            <a:r>
+              <a:rPr lang="en-US" sz="2800" kern="0" dirty="0">
+                <a:solidFill>
+                  <a:srgbClr val="000000"/>
+                </a:solidFill>
+              </a:rPr>
+              <a:t>It’s ON by default.</a:t>
+            </a:r>
+          </a:p>
+          <a:p>
+            <a:pPr defTabSz="896386">
+              <a:lnSpc>
+                <a:spcPct val="100000"/>
+              </a:lnSpc>
+              <a:defRPr/>
+            </a:pPr>
+            <a:endParaRPr lang="en-US" sz="2800" kern="0" dirty="0">
+              <a:solidFill>
+                <a:srgbClr val="000000"/>
+              </a:solidFill>
+            </a:endParaRPr>
+          </a:p>
+          <a:p>
+            <a:pPr defTabSz="896386">
+              <a:lnSpc>
+                <a:spcPct val="100000"/>
+              </a:lnSpc>
+            </a:pPr>
+            <a:r>
+              <a:rPr lang="en-US" sz="2800" spc="-100" dirty="0">
+                <a:ln w="3175">
+                  <a:noFill/>
+                </a:ln>
+                <a:solidFill>
+                  <a:schemeClr val="accent5"/>
+                </a:solidFill>
+                <a:ea typeface="+mn-ea"/>
+                <a:cs typeface="Segoe UI" pitchFamily="34" charset="0"/>
+              </a:rPr>
+              <a:t>SQL Server 2019</a:t>
+            </a:r>
+          </a:p>
+          <a:p>
+            <a:r>
+              <a:rPr lang="en-US" sz="2800" dirty="0">
+                <a:solidFill>
+                  <a:srgbClr val="0000FF"/>
+                </a:solidFill>
+              </a:rPr>
+              <a:t>ALTER</a:t>
+            </a:r>
+            <a:r>
+              <a:rPr lang="en-US" sz="2800" dirty="0">
+                <a:solidFill>
+                  <a:srgbClr val="000000"/>
+                </a:solidFill>
+              </a:rPr>
+              <a:t> </a:t>
+            </a:r>
+            <a:r>
+              <a:rPr lang="en-US" sz="2800" dirty="0">
+                <a:solidFill>
+                  <a:srgbClr val="0000FF"/>
+                </a:solidFill>
+              </a:rPr>
+              <a:t>DATABASE</a:t>
+            </a:r>
+            <a:r>
+              <a:rPr lang="en-US" sz="2800" dirty="0">
+                <a:solidFill>
+                  <a:srgbClr val="000000"/>
+                </a:solidFill>
+              </a:rPr>
+              <a:t> </a:t>
+            </a:r>
+            <a:r>
+              <a:rPr lang="en-US" sz="2800" dirty="0">
+                <a:solidFill>
+                  <a:srgbClr val="808080"/>
+                </a:solidFill>
+              </a:rPr>
+              <a:t>&lt;</a:t>
+            </a:r>
+            <a:r>
+              <a:rPr lang="en-US" sz="2800" dirty="0">
+                <a:solidFill>
+                  <a:srgbClr val="FF00FF"/>
+                </a:solidFill>
+              </a:rPr>
+              <a:t>db_name</a:t>
+            </a:r>
+            <a:r>
+              <a:rPr lang="en-US" sz="2800" dirty="0">
+                <a:solidFill>
+                  <a:srgbClr val="808080"/>
+                </a:solidFill>
+              </a:rPr>
+              <a:t>&gt;</a:t>
+            </a:r>
+            <a:r>
+              <a:rPr lang="en-US" sz="2800" dirty="0">
+                <a:solidFill>
+                  <a:srgbClr val="000000"/>
+                </a:solidFill>
+              </a:rPr>
+              <a:t> </a:t>
+            </a:r>
+            <a:r>
+              <a:rPr lang="en-US" sz="2800" dirty="0">
+                <a:solidFill>
+                  <a:srgbClr val="0000FF"/>
+                </a:solidFill>
+              </a:rPr>
+              <a:t>SET</a:t>
+            </a:r>
+            <a:r>
+              <a:rPr lang="en-US" sz="2800" dirty="0">
+                <a:solidFill>
+                  <a:srgbClr val="000000"/>
+                </a:solidFill>
+              </a:rPr>
+              <a:t> ACCELERATED_DATABASE_RECOVERY </a:t>
+            </a:r>
+            <a:r>
+              <a:rPr lang="en-US" sz="2800" dirty="0">
+                <a:solidFill>
+                  <a:srgbClr val="808080"/>
+                </a:solidFill>
+              </a:rPr>
+              <a:t>=</a:t>
+            </a:r>
+            <a:r>
+              <a:rPr lang="en-US" sz="2800" dirty="0">
+                <a:solidFill>
+                  <a:srgbClr val="000000"/>
+                </a:solidFill>
+              </a:rPr>
+              <a:t> </a:t>
+            </a:r>
+            <a:r>
+              <a:rPr lang="en-US" sz="2800" dirty="0">
+                <a:solidFill>
+                  <a:srgbClr val="0000FF"/>
+                </a:solidFill>
+              </a:rPr>
+              <a:t>ON</a:t>
+            </a:r>
+          </a:p>
+          <a:p>
+            <a:r>
+              <a:rPr lang="en-US" sz="2800" dirty="0">
+                <a:solidFill>
+                  <a:schemeClr val="tx1">
+                    <a:lumMod val="50000"/>
+                  </a:schemeClr>
+                </a:solidFill>
+              </a:rPr>
+              <a:t>(PERSISTENT_VERSION_STORE_FILEGROUP = [VersionStoreFG])</a:t>
+            </a:r>
+          </a:p>
+          <a:p>
+            <a:endParaRPr lang="en-US" sz="1765" dirty="0"/>
+          </a:p>
+          <a:p>
+            <a:pPr defTabSz="896386">
+              <a:lnSpc>
+                <a:spcPct val="100000"/>
+              </a:lnSpc>
+              <a:defRPr/>
+            </a:pPr>
+            <a:endParaRPr lang="en-US" sz="1765" kern="0" dirty="0">
+              <a:solidFill>
+                <a:srgbClr val="000000"/>
+              </a:solidFill>
+            </a:endParaRPr>
+          </a:p>
+        </p:txBody>
+      </p:sp>
+    </p:spTree>
+    <p:custDataLst>
+      <p:tags r:id="rId1"/>
+    </p:custDataLst>
+    <p:extLst>
+      <p:ext uri="{BB962C8B-B14F-4D97-AF65-F5344CB8AC3E}">
+        <p14:creationId xmlns:p14="http://schemas.microsoft.com/office/powerpoint/2010/main" val="1022313141"/>
+      </p:ext>
+    </p:extLst>
+  </p:cSld>
+  <p:clrMapOvr>
+    <a:masterClrMapping/>
+  </p:clrMapOvr>
+  <p:transition>
+    <p:fade/>
+  </p:transition>
+</p:sld>
+</file>
+
+<file path=ppt/slides/slide6.xml><?xml version="1.0" encoding="utf-8"?>
 <p:sld xmlns:a="http://schemas.openxmlformats.org/drawingml/2006/main" xmlns:r="http://schemas.openxmlformats.org/officeDocument/2006/relationships" xmlns:p="http://schemas.openxmlformats.org/presentationml/2006/main">
   <p:cSld>
     <p:spTree>
@@ -32460,7 +32917,7 @@
 </p:sld>
 </file>
 
-<file path=ppt/slides/slide6.xml><?xml version="1.0" encoding="utf-8"?>
+<file path=ppt/slides/slide7.xml><?xml version="1.0" encoding="utf-8"?>
 <p:sld xmlns:a="http://schemas.openxmlformats.org/drawingml/2006/main" xmlns:r="http://schemas.openxmlformats.org/officeDocument/2006/relationships" xmlns:p="http://schemas.openxmlformats.org/presentationml/2006/main">
   <p:cSld>
     <p:spTree>
@@ -33394,507 +33851,6 @@
       </p:par>
     </p:tnLst>
   </p:timing>
-</p:sld>
-</file>
-
-<file path=ppt/slides/slide7.xml><?xml version="1.0" encoding="utf-8"?>
-<p:sld xmlns:a="http://schemas.openxmlformats.org/drawingml/2006/main" xmlns:r="http://schemas.openxmlformats.org/officeDocument/2006/relationships" xmlns:p="http://schemas.openxmlformats.org/presentationml/2006/main">
-  <p:cSld>
-    <p:spTree>
-      <p:nvGrpSpPr>
-        <p:cNvPr id="1" name=""/>
-        <p:cNvGrpSpPr/>
-        <p:nvPr/>
-      </p:nvGrpSpPr>
-      <p:grpSpPr>
-        <a:xfrm>
-          <a:off x="0" y="0"/>
-          <a:ext cx="0" cy="0"/>
-          <a:chOff x="0" y="0"/>
-          <a:chExt cx="0" cy="0"/>
-        </a:xfrm>
-      </p:grpSpPr>
-      <p:sp>
-        <p:nvSpPr>
-          <p:cNvPr id="144" name="Title 143"/>
-          <p:cNvSpPr>
-            <a:spLocks noGrp="1"/>
-          </p:cNvSpPr>
-          <p:nvPr>
-            <p:ph type="title"/>
-          </p:nvPr>
-        </p:nvSpPr>
-        <p:spPr>
-          <a:xfrm>
-            <a:off x="269241" y="289957"/>
-            <a:ext cx="11655840" cy="899537"/>
-          </a:xfrm>
-        </p:spPr>
-        <p:txBody>
-          <a:bodyPr/>
-          <a:lstStyle/>
-          <a:p>
-            <a:r>
-              <a:rPr lang="en-US" dirty="0">
-                <a:solidFill>
-                  <a:schemeClr val="accent5"/>
-                </a:solidFill>
-              </a:rPr>
-              <a:t>How to enable ADR?</a:t>
-            </a:r>
-          </a:p>
-        </p:txBody>
-      </p:sp>
-      <p:sp>
-        <p:nvSpPr>
-          <p:cNvPr id="127" name="Content Placeholder 3">
-            <a:extLst>
-              <a:ext uri="{FF2B5EF4-FFF2-40B4-BE49-F238E27FC236}">
-                <a16:creationId xmlns:a16="http://schemas.microsoft.com/office/drawing/2014/main" id="{7B0D19B2-F8B6-4FD7-A80F-3EC9E0D9F48D}"/>
-              </a:ext>
-            </a:extLst>
-          </p:cNvPr>
-          <p:cNvSpPr txBox="1">
-            <a:spLocks/>
-          </p:cNvSpPr>
-          <p:nvPr/>
-        </p:nvSpPr>
-        <p:spPr bwMode="auto">
-          <a:xfrm>
-            <a:off x="280970" y="1177509"/>
-            <a:ext cx="10702554" cy="5230755"/>
-          </a:xfrm>
-          <a:prstGeom prst="rect">
-            <a:avLst/>
-          </a:prstGeom>
-          <a:noFill/>
-          <a:ln>
-            <a:noFill/>
-          </a:ln>
-          <a:extLst>
-            <a:ext uri="{909E8E84-426E-40DD-AFC4-6F175D3DCCD1}">
-              <a14:hiddenFill xmlns:a14="http://schemas.microsoft.com/office/drawing/2010/main">
-                <a:solidFill>
-                  <a:srgbClr val="FFFFFF"/>
-                </a:solidFill>
-              </a14:hiddenFill>
-            </a:ext>
-            <a:ext uri="{91240B29-F687-4F45-9708-019B960494DF}">
-              <a14:hiddenLine xmlns:a14="http://schemas.microsoft.com/office/drawing/2010/main" w="9525">
-                <a:solidFill>
-                  <a:srgbClr val="000000"/>
-                </a:solidFill>
-                <a:miter lim="800000"/>
-                <a:headEnd/>
-                <a:tailEnd/>
-              </a14:hiddenLine>
-            </a:ext>
-          </a:extLst>
-        </p:spPr>
-        <p:txBody>
-          <a:bodyPr vert="horz" wrap="square" lIns="179285" tIns="134464" rIns="89642" bIns="44821" numCol="1" anchor="t" anchorCtr="0" compatLnSpc="1">
-            <a:prstTxWarp prst="textNoShape">
-              <a:avLst/>
-            </a:prstTxWarp>
-            <a:normAutofit/>
-          </a:bodyPr>
-          <a:lstStyle>
-            <a:lvl1pPr algn="l" rtl="0" eaLnBrk="1" fontAlgn="base" hangingPunct="1">
-              <a:lnSpc>
-                <a:spcPct val="120000"/>
-              </a:lnSpc>
-              <a:spcBef>
-                <a:spcPct val="20000"/>
-              </a:spcBef>
-              <a:spcAft>
-                <a:spcPct val="0"/>
-              </a:spcAft>
-              <a:buFont typeface="+mj-lt"/>
-              <a:defRPr sz="1400">
-                <a:solidFill>
-                  <a:schemeClr val="bg1"/>
-                </a:solidFill>
-                <a:latin typeface="+mn-lt"/>
-                <a:ea typeface="Segoe Pro Light"/>
-                <a:cs typeface="Segoe Pro Light"/>
-              </a:defRPr>
-            </a:lvl1pPr>
-            <a:lvl2pPr algn="l" rtl="0" eaLnBrk="1" fontAlgn="base" hangingPunct="1">
-              <a:lnSpc>
-                <a:spcPct val="120000"/>
-              </a:lnSpc>
-              <a:spcBef>
-                <a:spcPct val="20000"/>
-              </a:spcBef>
-              <a:spcAft>
-                <a:spcPct val="0"/>
-              </a:spcAft>
-              <a:defRPr sz="1400">
-                <a:solidFill>
-                  <a:schemeClr val="bg1"/>
-                </a:solidFill>
-                <a:latin typeface="+mn-lt"/>
-                <a:ea typeface="Segoe Pro Light"/>
-                <a:cs typeface="Segoe Pro Light"/>
-              </a:defRPr>
-            </a:lvl2pPr>
-            <a:lvl3pPr marL="342900" indent="-342900" algn="l" rtl="0" eaLnBrk="1" fontAlgn="base" hangingPunct="1">
-              <a:lnSpc>
-                <a:spcPct val="120000"/>
-              </a:lnSpc>
-              <a:spcBef>
-                <a:spcPct val="20000"/>
-              </a:spcBef>
-              <a:spcAft>
-                <a:spcPct val="0"/>
-              </a:spcAft>
-              <a:defRPr sz="1400">
-                <a:solidFill>
-                  <a:schemeClr val="bg1"/>
-                </a:solidFill>
-                <a:latin typeface="+mn-lt"/>
-                <a:ea typeface="Segoe Pro Light"/>
-                <a:cs typeface="Segoe Pro Light"/>
-              </a:defRPr>
-            </a:lvl3pPr>
-            <a:lvl4pPr algn="l" rtl="0" eaLnBrk="1" fontAlgn="base" hangingPunct="1">
-              <a:lnSpc>
-                <a:spcPct val="120000"/>
-              </a:lnSpc>
-              <a:spcBef>
-                <a:spcPct val="20000"/>
-              </a:spcBef>
-              <a:spcAft>
-                <a:spcPct val="0"/>
-              </a:spcAft>
-              <a:buFont typeface="Arial" panose="020B0604020202020204" pitchFamily="34" charset="0"/>
-              <a:defRPr sz="1400">
-                <a:solidFill>
-                  <a:schemeClr val="bg1"/>
-                </a:solidFill>
-                <a:latin typeface="+mn-lt"/>
-                <a:ea typeface="Segoe Pro Light"/>
-                <a:cs typeface="Segoe Pro Light"/>
-              </a:defRPr>
-            </a:lvl4pPr>
-            <a:lvl5pPr algn="l" rtl="0" eaLnBrk="1" fontAlgn="base" hangingPunct="1">
-              <a:lnSpc>
-                <a:spcPct val="120000"/>
-              </a:lnSpc>
-              <a:spcBef>
-                <a:spcPct val="20000"/>
-              </a:spcBef>
-              <a:spcAft>
-                <a:spcPct val="0"/>
-              </a:spcAft>
-              <a:defRPr sz="1400">
-                <a:solidFill>
-                  <a:schemeClr val="bg1"/>
-                </a:solidFill>
-                <a:latin typeface="+mn-lt"/>
-                <a:ea typeface="Segoe Pro Light"/>
-                <a:cs typeface="Segoe Pro Light"/>
-              </a:defRPr>
-            </a:lvl5pPr>
-            <a:lvl6pPr marL="457200" algn="l" rtl="0" eaLnBrk="1" fontAlgn="base" hangingPunct="1">
-              <a:lnSpc>
-                <a:spcPct val="120000"/>
-              </a:lnSpc>
-              <a:spcBef>
-                <a:spcPct val="20000"/>
-              </a:spcBef>
-              <a:spcAft>
-                <a:spcPct val="0"/>
-              </a:spcAft>
-              <a:defRPr sz="1400">
-                <a:solidFill>
-                  <a:schemeClr val="bg1"/>
-                </a:solidFill>
-                <a:latin typeface="+mn-lt"/>
-                <a:ea typeface="Segoe Pro Light"/>
-                <a:cs typeface="Segoe Pro Light"/>
-              </a:defRPr>
-            </a:lvl6pPr>
-            <a:lvl7pPr marL="914400" algn="l" rtl="0" eaLnBrk="1" fontAlgn="base" hangingPunct="1">
-              <a:lnSpc>
-                <a:spcPct val="120000"/>
-              </a:lnSpc>
-              <a:spcBef>
-                <a:spcPct val="20000"/>
-              </a:spcBef>
-              <a:spcAft>
-                <a:spcPct val="0"/>
-              </a:spcAft>
-              <a:defRPr sz="1400">
-                <a:solidFill>
-                  <a:schemeClr val="bg1"/>
-                </a:solidFill>
-                <a:latin typeface="+mn-lt"/>
-                <a:ea typeface="Segoe Pro Light"/>
-                <a:cs typeface="Segoe Pro Light"/>
-              </a:defRPr>
-            </a:lvl7pPr>
-            <a:lvl8pPr marL="1371600" algn="l" rtl="0" eaLnBrk="1" fontAlgn="base" hangingPunct="1">
-              <a:lnSpc>
-                <a:spcPct val="120000"/>
-              </a:lnSpc>
-              <a:spcBef>
-                <a:spcPct val="20000"/>
-              </a:spcBef>
-              <a:spcAft>
-                <a:spcPct val="0"/>
-              </a:spcAft>
-              <a:defRPr sz="1400">
-                <a:solidFill>
-                  <a:schemeClr val="bg1"/>
-                </a:solidFill>
-                <a:latin typeface="+mn-lt"/>
-                <a:ea typeface="Segoe Pro Light"/>
-                <a:cs typeface="Segoe Pro Light"/>
-              </a:defRPr>
-            </a:lvl8pPr>
-            <a:lvl9pPr marL="1828800" algn="l" rtl="0" eaLnBrk="1" fontAlgn="base" hangingPunct="1">
-              <a:lnSpc>
-                <a:spcPct val="120000"/>
-              </a:lnSpc>
-              <a:spcBef>
-                <a:spcPct val="20000"/>
-              </a:spcBef>
-              <a:spcAft>
-                <a:spcPct val="0"/>
-              </a:spcAft>
-              <a:defRPr sz="1400">
-                <a:solidFill>
-                  <a:schemeClr val="bg1"/>
-                </a:solidFill>
-                <a:latin typeface="+mn-lt"/>
-                <a:ea typeface="Segoe Pro Light"/>
-                <a:cs typeface="Segoe Pro Light"/>
-              </a:defRPr>
-            </a:lvl9pPr>
-          </a:lstStyle>
-          <a:p>
-            <a:pPr defTabSz="896386">
-              <a:lnSpc>
-                <a:spcPct val="100000"/>
-              </a:lnSpc>
-              <a:defRPr/>
-            </a:pPr>
-            <a:r>
-              <a:rPr lang="en-US" sz="2800" spc="-100" dirty="0">
-                <a:ln w="3175">
-                  <a:noFill/>
-                </a:ln>
-                <a:solidFill>
-                  <a:schemeClr val="accent5"/>
-                </a:solidFill>
-                <a:ea typeface="+mn-ea"/>
-                <a:cs typeface="Segoe UI" pitchFamily="34" charset="0"/>
-              </a:rPr>
-              <a:t>Azure SQL Database</a:t>
-            </a:r>
-          </a:p>
-          <a:p>
-            <a:pPr defTabSz="896386">
-              <a:lnSpc>
-                <a:spcPct val="100000"/>
-              </a:lnSpc>
-              <a:defRPr/>
-            </a:pPr>
-            <a:r>
-              <a:rPr lang="en-US" sz="2800" kern="0" dirty="0">
-                <a:solidFill>
-                  <a:srgbClr val="000000"/>
-                </a:solidFill>
-              </a:rPr>
-              <a:t>It’s ON by default.</a:t>
-            </a:r>
-          </a:p>
-          <a:p>
-            <a:pPr defTabSz="896386">
-              <a:lnSpc>
-                <a:spcPct val="100000"/>
-              </a:lnSpc>
-              <a:defRPr/>
-            </a:pPr>
-            <a:endParaRPr lang="en-US" sz="2800" kern="0" dirty="0">
-              <a:solidFill>
-                <a:srgbClr val="000000"/>
-              </a:solidFill>
-            </a:endParaRPr>
-          </a:p>
-          <a:p>
-            <a:pPr defTabSz="896386">
-              <a:lnSpc>
-                <a:spcPct val="100000"/>
-              </a:lnSpc>
-            </a:pPr>
-            <a:r>
-              <a:rPr lang="en-US" sz="2800" spc="-100" dirty="0">
-                <a:ln w="3175">
-                  <a:noFill/>
-                </a:ln>
-                <a:solidFill>
-                  <a:schemeClr val="accent5"/>
-                </a:solidFill>
-                <a:ea typeface="+mn-ea"/>
-                <a:cs typeface="Segoe UI" pitchFamily="34" charset="0"/>
-              </a:rPr>
-              <a:t>SQL Server 2019</a:t>
-            </a:r>
-          </a:p>
-          <a:p>
-            <a:r>
-              <a:rPr lang="en-US" sz="2800" dirty="0">
-                <a:solidFill>
-                  <a:srgbClr val="0000FF"/>
-                </a:solidFill>
-              </a:rPr>
-              <a:t>ALTER</a:t>
-            </a:r>
-            <a:r>
-              <a:rPr lang="en-US" sz="2800" dirty="0">
-                <a:solidFill>
-                  <a:srgbClr val="000000"/>
-                </a:solidFill>
-              </a:rPr>
-              <a:t> </a:t>
-            </a:r>
-            <a:r>
-              <a:rPr lang="en-US" sz="2800" dirty="0">
-                <a:solidFill>
-                  <a:srgbClr val="0000FF"/>
-                </a:solidFill>
-              </a:rPr>
-              <a:t>DATABASE</a:t>
-            </a:r>
-            <a:r>
-              <a:rPr lang="en-US" sz="2800" dirty="0">
-                <a:solidFill>
-                  <a:srgbClr val="000000"/>
-                </a:solidFill>
-              </a:rPr>
-              <a:t> </a:t>
-            </a:r>
-            <a:r>
-              <a:rPr lang="en-US" sz="2800" dirty="0">
-                <a:solidFill>
-                  <a:srgbClr val="808080"/>
-                </a:solidFill>
-              </a:rPr>
-              <a:t>&lt;</a:t>
-            </a:r>
-            <a:r>
-              <a:rPr lang="en-US" sz="2800" dirty="0">
-                <a:solidFill>
-                  <a:srgbClr val="FF00FF"/>
-                </a:solidFill>
-              </a:rPr>
-              <a:t>db_name</a:t>
-            </a:r>
-            <a:r>
-              <a:rPr lang="en-US" sz="2800" dirty="0">
-                <a:solidFill>
-                  <a:srgbClr val="808080"/>
-                </a:solidFill>
-              </a:rPr>
-              <a:t>&gt;</a:t>
-            </a:r>
-            <a:r>
-              <a:rPr lang="en-US" sz="2800" dirty="0">
-                <a:solidFill>
-                  <a:srgbClr val="000000"/>
-                </a:solidFill>
-              </a:rPr>
-              <a:t> </a:t>
-            </a:r>
-            <a:r>
-              <a:rPr lang="en-US" sz="2800" dirty="0">
-                <a:solidFill>
-                  <a:srgbClr val="0000FF"/>
-                </a:solidFill>
-              </a:rPr>
-              <a:t>SET</a:t>
-            </a:r>
-            <a:r>
-              <a:rPr lang="en-US" sz="2800" dirty="0">
-                <a:solidFill>
-                  <a:srgbClr val="000000"/>
-                </a:solidFill>
-              </a:rPr>
-              <a:t> ACCELERATED_DATABASE_RECOVERY </a:t>
-            </a:r>
-            <a:r>
-              <a:rPr lang="en-US" sz="2800" dirty="0">
-                <a:solidFill>
-                  <a:srgbClr val="808080"/>
-                </a:solidFill>
-              </a:rPr>
-              <a:t>=</a:t>
-            </a:r>
-            <a:r>
-              <a:rPr lang="en-US" sz="2800" dirty="0">
-                <a:solidFill>
-                  <a:srgbClr val="000000"/>
-                </a:solidFill>
-              </a:rPr>
-              <a:t> </a:t>
-            </a:r>
-            <a:r>
-              <a:rPr lang="en-US" sz="2800" dirty="0">
-                <a:solidFill>
-                  <a:srgbClr val="0000FF"/>
-                </a:solidFill>
-              </a:rPr>
-              <a:t>ON</a:t>
-            </a:r>
-          </a:p>
-          <a:p>
-            <a:r>
-              <a:rPr lang="en-US" sz="2800" dirty="0">
-                <a:solidFill>
-                  <a:schemeClr val="tx1">
-                    <a:lumMod val="50000"/>
-                  </a:schemeClr>
-                </a:solidFill>
-              </a:rPr>
-              <a:t>(PERSISTENT_VERSION_STORE_FILEGROUP = [VersionStoreFG])</a:t>
-            </a:r>
-          </a:p>
-          <a:p>
-            <a:endParaRPr lang="en-US" sz="1765" dirty="0"/>
-          </a:p>
-          <a:p>
-            <a:pPr defTabSz="896386">
-              <a:lnSpc>
-                <a:spcPct val="100000"/>
-              </a:lnSpc>
-              <a:defRPr/>
-            </a:pPr>
-            <a:endParaRPr lang="en-US" sz="1765" kern="0" dirty="0">
-              <a:solidFill>
-                <a:srgbClr val="000000"/>
-              </a:solidFill>
-            </a:endParaRPr>
-          </a:p>
-        </p:txBody>
-      </p:sp>
-    </p:spTree>
-    <p:custDataLst>
-      <p:tags r:id="rId1"/>
-    </p:custDataLst>
-    <p:extLst>
-      <p:ext uri="{BB962C8B-B14F-4D97-AF65-F5344CB8AC3E}">
-        <p14:creationId xmlns:p14="http://schemas.microsoft.com/office/powerpoint/2010/main" val="1022313141"/>
-      </p:ext>
-    </p:extLst>
-  </p:cSld>
-  <p:clrMapOvr>
-    <a:masterClrMapping/>
-  </p:clrMapOvr>
-  <p:transition>
-    <p:fade/>
-  </p:transition>
 </p:sld>
 </file>
 

--- a/Accelerated_Database_Recovery/JD_Accelerated_Database_Recovery.pptx
+++ b/Accelerated_Database_Recovery/JD_Accelerated_Database_Recovery.pptx
@@ -5,25 +5,26 @@
     <p:sldMasterId id="2147483660" r:id="rId1"/>
   </p:sldMasterIdLst>
   <p:notesMasterIdLst>
-    <p:notesMasterId r:id="rId18"/>
+    <p:notesMasterId r:id="rId19"/>
   </p:notesMasterIdLst>
   <p:sldIdLst>
     <p:sldId id="1664" r:id="rId2"/>
     <p:sldId id="11112" r:id="rId3"/>
     <p:sldId id="11111" r:id="rId4"/>
-    <p:sldId id="1693" r:id="rId5"/>
-    <p:sldId id="370" r:id="rId6"/>
-    <p:sldId id="365" r:id="rId7"/>
-    <p:sldId id="363" r:id="rId8"/>
-    <p:sldId id="398" r:id="rId9"/>
-    <p:sldId id="1695" r:id="rId10"/>
-    <p:sldId id="1696" r:id="rId11"/>
-    <p:sldId id="1697" r:id="rId12"/>
-    <p:sldId id="414" r:id="rId13"/>
-    <p:sldId id="11114" r:id="rId14"/>
-    <p:sldId id="368" r:id="rId15"/>
-    <p:sldId id="11113" r:id="rId16"/>
-    <p:sldId id="530" r:id="rId17"/>
+    <p:sldId id="1612" r:id="rId5"/>
+    <p:sldId id="1693" r:id="rId6"/>
+    <p:sldId id="370" r:id="rId7"/>
+    <p:sldId id="365" r:id="rId8"/>
+    <p:sldId id="363" r:id="rId9"/>
+    <p:sldId id="398" r:id="rId10"/>
+    <p:sldId id="1695" r:id="rId11"/>
+    <p:sldId id="1696" r:id="rId12"/>
+    <p:sldId id="1697" r:id="rId13"/>
+    <p:sldId id="414" r:id="rId14"/>
+    <p:sldId id="11114" r:id="rId15"/>
+    <p:sldId id="368" r:id="rId16"/>
+    <p:sldId id="11113" r:id="rId17"/>
+    <p:sldId id="530" r:id="rId18"/>
   </p:sldIdLst>
   <p:sldSz cx="12192000" cy="6858000"/>
   <p:notesSz cx="6858000" cy="9144000"/>
@@ -130,6 +131,7 @@
             <p14:sldId id="1664"/>
             <p14:sldId id="11112"/>
             <p14:sldId id="11111"/>
+            <p14:sldId id="1612"/>
           </p14:sldIdLst>
         </p14:section>
         <p14:section name="Accelerated Database Recovery" id="{246A5269-0012-49D2-B1B7-611A58858D43}">
@@ -162,6 +164,813 @@
 </file>
 
 <file path=ppt/diagrams/colors1.xml><?xml version="1.0" encoding="utf-8"?>
+<dgm:colorsDef xmlns:dgm="http://schemas.openxmlformats.org/drawingml/2006/diagram" xmlns:a="http://schemas.openxmlformats.org/drawingml/2006/main" uniqueId="urn:microsoft.com/office/officeart/2005/8/colors/accent5_1">
+  <dgm:title val=""/>
+  <dgm:desc val=""/>
+  <dgm:catLst>
+    <dgm:cat type="accent5" pri="11100"/>
+  </dgm:catLst>
+  <dgm:styleLbl name="node0">
+    <dgm:fillClrLst meth="repeat">
+      <a:schemeClr val="lt1"/>
+    </dgm:fillClrLst>
+    <dgm:linClrLst meth="repeat">
+      <a:schemeClr val="accent5">
+        <a:shade val="80000"/>
+      </a:schemeClr>
+    </dgm:linClrLst>
+    <dgm:effectClrLst/>
+    <dgm:txLinClrLst/>
+    <dgm:txFillClrLst meth="repeat">
+      <a:schemeClr val="dk1"/>
+    </dgm:txFillClrLst>
+    <dgm:txEffectClrLst/>
+  </dgm:styleLbl>
+  <dgm:styleLbl name="node1">
+    <dgm:fillClrLst meth="repeat">
+      <a:schemeClr val="lt1"/>
+    </dgm:fillClrLst>
+    <dgm:linClrLst meth="repeat">
+      <a:schemeClr val="accent5">
+        <a:shade val="80000"/>
+      </a:schemeClr>
+    </dgm:linClrLst>
+    <dgm:effectClrLst/>
+    <dgm:txLinClrLst/>
+    <dgm:txFillClrLst meth="repeat">
+      <a:schemeClr val="dk1"/>
+    </dgm:txFillClrLst>
+    <dgm:txEffectClrLst/>
+  </dgm:styleLbl>
+  <dgm:styleLbl name="alignNode1">
+    <dgm:fillClrLst meth="repeat">
+      <a:schemeClr val="lt1"/>
+    </dgm:fillClrLst>
+    <dgm:linClrLst meth="repeat">
+      <a:schemeClr val="accent5">
+        <a:shade val="80000"/>
+      </a:schemeClr>
+    </dgm:linClrLst>
+    <dgm:effectClrLst/>
+    <dgm:txLinClrLst/>
+    <dgm:txFillClrLst meth="repeat">
+      <a:schemeClr val="dk1"/>
+    </dgm:txFillClrLst>
+    <dgm:txEffectClrLst/>
+  </dgm:styleLbl>
+  <dgm:styleLbl name="lnNode1">
+    <dgm:fillClrLst meth="repeat">
+      <a:schemeClr val="lt1"/>
+    </dgm:fillClrLst>
+    <dgm:linClrLst meth="repeat">
+      <a:schemeClr val="accent5">
+        <a:shade val="80000"/>
+      </a:schemeClr>
+    </dgm:linClrLst>
+    <dgm:effectClrLst/>
+    <dgm:txLinClrLst/>
+    <dgm:txFillClrLst meth="repeat">
+      <a:schemeClr val="dk1"/>
+    </dgm:txFillClrLst>
+    <dgm:txEffectClrLst/>
+  </dgm:styleLbl>
+  <dgm:styleLbl name="vennNode1">
+    <dgm:fillClrLst meth="repeat">
+      <a:schemeClr val="lt1">
+        <a:alpha val="50000"/>
+      </a:schemeClr>
+    </dgm:fillClrLst>
+    <dgm:linClrLst meth="repeat">
+      <a:schemeClr val="accent5">
+        <a:shade val="80000"/>
+      </a:schemeClr>
+    </dgm:linClrLst>
+    <dgm:effectClrLst/>
+    <dgm:txLinClrLst/>
+    <dgm:txFillClrLst/>
+    <dgm:txEffectClrLst/>
+  </dgm:styleLbl>
+  <dgm:styleLbl name="node2">
+    <dgm:fillClrLst meth="repeat">
+      <a:schemeClr val="lt1"/>
+    </dgm:fillClrLst>
+    <dgm:linClrLst meth="repeat">
+      <a:schemeClr val="accent5">
+        <a:shade val="80000"/>
+      </a:schemeClr>
+    </dgm:linClrLst>
+    <dgm:effectClrLst/>
+    <dgm:txLinClrLst/>
+    <dgm:txFillClrLst meth="repeat">
+      <a:schemeClr val="dk1"/>
+    </dgm:txFillClrLst>
+    <dgm:txEffectClrLst/>
+  </dgm:styleLbl>
+  <dgm:styleLbl name="node3">
+    <dgm:fillClrLst meth="repeat">
+      <a:schemeClr val="lt1"/>
+    </dgm:fillClrLst>
+    <dgm:linClrLst meth="repeat">
+      <a:schemeClr val="accent5">
+        <a:shade val="80000"/>
+      </a:schemeClr>
+    </dgm:linClrLst>
+    <dgm:effectClrLst/>
+    <dgm:txLinClrLst/>
+    <dgm:txFillClrLst meth="repeat">
+      <a:schemeClr val="dk1"/>
+    </dgm:txFillClrLst>
+    <dgm:txEffectClrLst/>
+  </dgm:styleLbl>
+  <dgm:styleLbl name="node4">
+    <dgm:fillClrLst meth="repeat">
+      <a:schemeClr val="lt1"/>
+    </dgm:fillClrLst>
+    <dgm:linClrLst meth="repeat">
+      <a:schemeClr val="accent5">
+        <a:shade val="80000"/>
+      </a:schemeClr>
+    </dgm:linClrLst>
+    <dgm:effectClrLst/>
+    <dgm:txLinClrLst/>
+    <dgm:txFillClrLst meth="repeat">
+      <a:schemeClr val="dk1"/>
+    </dgm:txFillClrLst>
+    <dgm:txEffectClrLst/>
+  </dgm:styleLbl>
+  <dgm:styleLbl name="fgImgPlace1">
+    <dgm:fillClrLst meth="repeat">
+      <a:schemeClr val="accent5">
+        <a:tint val="40000"/>
+      </a:schemeClr>
+    </dgm:fillClrLst>
+    <dgm:linClrLst meth="repeat">
+      <a:schemeClr val="accent5">
+        <a:shade val="80000"/>
+      </a:schemeClr>
+    </dgm:linClrLst>
+    <dgm:effectClrLst/>
+    <dgm:txLinClrLst/>
+    <dgm:txFillClrLst meth="repeat">
+      <a:schemeClr val="lt1"/>
+    </dgm:txFillClrLst>
+    <dgm:txEffectClrLst/>
+  </dgm:styleLbl>
+  <dgm:styleLbl name="alignImgPlace1">
+    <dgm:fillClrLst meth="repeat">
+      <a:schemeClr val="accent5">
+        <a:tint val="40000"/>
+      </a:schemeClr>
+    </dgm:fillClrLst>
+    <dgm:linClrLst meth="repeat">
+      <a:schemeClr val="accent5">
+        <a:shade val="80000"/>
+      </a:schemeClr>
+    </dgm:linClrLst>
+    <dgm:effectClrLst/>
+    <dgm:txLinClrLst/>
+    <dgm:txFillClrLst meth="repeat">
+      <a:schemeClr val="lt1"/>
+    </dgm:txFillClrLst>
+    <dgm:txEffectClrLst/>
+  </dgm:styleLbl>
+  <dgm:styleLbl name="bgImgPlace1">
+    <dgm:fillClrLst meth="repeat">
+      <a:schemeClr val="accent5">
+        <a:tint val="40000"/>
+      </a:schemeClr>
+    </dgm:fillClrLst>
+    <dgm:linClrLst meth="repeat">
+      <a:schemeClr val="accent5">
+        <a:shade val="80000"/>
+      </a:schemeClr>
+    </dgm:linClrLst>
+    <dgm:effectClrLst/>
+    <dgm:txLinClrLst/>
+    <dgm:txFillClrLst meth="repeat">
+      <a:schemeClr val="lt1"/>
+    </dgm:txFillClrLst>
+    <dgm:txEffectClrLst/>
+  </dgm:styleLbl>
+  <dgm:styleLbl name="sibTrans2D1">
+    <dgm:fillClrLst meth="repeat">
+      <a:schemeClr val="accent5">
+        <a:tint val="60000"/>
+      </a:schemeClr>
+    </dgm:fillClrLst>
+    <dgm:linClrLst meth="repeat">
+      <a:schemeClr val="accent5">
+        <a:tint val="60000"/>
+      </a:schemeClr>
+    </dgm:linClrLst>
+    <dgm:effectClrLst/>
+    <dgm:txLinClrLst/>
+    <dgm:txFillClrLst meth="repeat">
+      <a:schemeClr val="dk1"/>
+    </dgm:txFillClrLst>
+    <dgm:txEffectClrLst/>
+  </dgm:styleLbl>
+  <dgm:styleLbl name="fgSibTrans2D1">
+    <dgm:fillClrLst meth="repeat">
+      <a:schemeClr val="accent5">
+        <a:tint val="60000"/>
+      </a:schemeClr>
+    </dgm:fillClrLst>
+    <dgm:linClrLst meth="repeat">
+      <a:schemeClr val="accent5">
+        <a:tint val="60000"/>
+      </a:schemeClr>
+    </dgm:linClrLst>
+    <dgm:effectClrLst/>
+    <dgm:txLinClrLst/>
+    <dgm:txFillClrLst meth="repeat">
+      <a:schemeClr val="dk1"/>
+    </dgm:txFillClrLst>
+    <dgm:txEffectClrLst/>
+  </dgm:styleLbl>
+  <dgm:styleLbl name="bgSibTrans2D1">
+    <dgm:fillClrLst meth="repeat">
+      <a:schemeClr val="accent5">
+        <a:tint val="60000"/>
+      </a:schemeClr>
+    </dgm:fillClrLst>
+    <dgm:linClrLst meth="repeat">
+      <a:schemeClr val="accent5">
+        <a:tint val="60000"/>
+      </a:schemeClr>
+    </dgm:linClrLst>
+    <dgm:effectClrLst/>
+    <dgm:txLinClrLst/>
+    <dgm:txFillClrLst meth="repeat">
+      <a:schemeClr val="dk1"/>
+    </dgm:txFillClrLst>
+    <dgm:txEffectClrLst/>
+  </dgm:styleLbl>
+  <dgm:styleLbl name="sibTrans1D1">
+    <dgm:fillClrLst meth="repeat">
+      <a:schemeClr val="accent5"/>
+    </dgm:fillClrLst>
+    <dgm:linClrLst meth="repeat">
+      <a:schemeClr val="accent5"/>
+    </dgm:linClrLst>
+    <dgm:effectClrLst/>
+    <dgm:txLinClrLst/>
+    <dgm:txFillClrLst meth="repeat">
+      <a:schemeClr val="tx1"/>
+    </dgm:txFillClrLst>
+    <dgm:txEffectClrLst/>
+  </dgm:styleLbl>
+  <dgm:styleLbl name="callout">
+    <dgm:fillClrLst meth="repeat">
+      <a:schemeClr val="accent5"/>
+    </dgm:fillClrLst>
+    <dgm:linClrLst meth="repeat">
+      <a:schemeClr val="accent5"/>
+    </dgm:linClrLst>
+    <dgm:effectClrLst/>
+    <dgm:txLinClrLst/>
+    <dgm:txFillClrLst meth="repeat">
+      <a:schemeClr val="tx1"/>
+    </dgm:txFillClrLst>
+    <dgm:txEffectClrLst/>
+  </dgm:styleLbl>
+  <dgm:styleLbl name="asst0">
+    <dgm:fillClrLst meth="repeat">
+      <a:schemeClr val="lt1"/>
+    </dgm:fillClrLst>
+    <dgm:linClrLst meth="repeat">
+      <a:schemeClr val="accent5">
+        <a:shade val="80000"/>
+      </a:schemeClr>
+    </dgm:linClrLst>
+    <dgm:effectClrLst/>
+    <dgm:txLinClrLst/>
+    <dgm:txFillClrLst meth="repeat">
+      <a:schemeClr val="dk1"/>
+    </dgm:txFillClrLst>
+    <dgm:txEffectClrLst/>
+  </dgm:styleLbl>
+  <dgm:styleLbl name="asst1">
+    <dgm:fillClrLst meth="repeat">
+      <a:schemeClr val="lt1"/>
+    </dgm:fillClrLst>
+    <dgm:linClrLst meth="repeat">
+      <a:schemeClr val="accent5">
+        <a:shade val="80000"/>
+      </a:schemeClr>
+    </dgm:linClrLst>
+    <dgm:effectClrLst/>
+    <dgm:txLinClrLst/>
+    <dgm:txFillClrLst meth="repeat">
+      <a:schemeClr val="dk1"/>
+    </dgm:txFillClrLst>
+    <dgm:txEffectClrLst/>
+  </dgm:styleLbl>
+  <dgm:styleLbl name="asst2">
+    <dgm:fillClrLst meth="repeat">
+      <a:schemeClr val="lt1"/>
+    </dgm:fillClrLst>
+    <dgm:linClrLst meth="repeat">
+      <a:schemeClr val="accent5">
+        <a:shade val="80000"/>
+      </a:schemeClr>
+    </dgm:linClrLst>
+    <dgm:effectClrLst/>
+    <dgm:txLinClrLst/>
+    <dgm:txFillClrLst meth="repeat">
+      <a:schemeClr val="dk1"/>
+    </dgm:txFillClrLst>
+    <dgm:txEffectClrLst/>
+  </dgm:styleLbl>
+  <dgm:styleLbl name="asst3">
+    <dgm:fillClrLst meth="repeat">
+      <a:schemeClr val="lt1"/>
+    </dgm:fillClrLst>
+    <dgm:linClrLst meth="repeat">
+      <a:schemeClr val="accent5">
+        <a:shade val="80000"/>
+      </a:schemeClr>
+    </dgm:linClrLst>
+    <dgm:effectClrLst/>
+    <dgm:txLinClrLst/>
+    <dgm:txFillClrLst meth="repeat">
+      <a:schemeClr val="dk1"/>
+    </dgm:txFillClrLst>
+    <dgm:txEffectClrLst/>
+  </dgm:styleLbl>
+  <dgm:styleLbl name="asst4">
+    <dgm:fillClrLst meth="repeat">
+      <a:schemeClr val="lt1"/>
+    </dgm:fillClrLst>
+    <dgm:linClrLst meth="repeat">
+      <a:schemeClr val="accent5">
+        <a:shade val="80000"/>
+      </a:schemeClr>
+    </dgm:linClrLst>
+    <dgm:effectClrLst/>
+    <dgm:txLinClrLst/>
+    <dgm:txFillClrLst meth="repeat">
+      <a:schemeClr val="dk1"/>
+    </dgm:txFillClrLst>
+    <dgm:txEffectClrLst/>
+  </dgm:styleLbl>
+  <dgm:styleLbl name="parChTrans2D1">
+    <dgm:fillClrLst meth="repeat">
+      <a:schemeClr val="accent5">
+        <a:tint val="60000"/>
+      </a:schemeClr>
+    </dgm:fillClrLst>
+    <dgm:linClrLst meth="repeat">
+      <a:schemeClr val="accent5">
+        <a:tint val="60000"/>
+      </a:schemeClr>
+    </dgm:linClrLst>
+    <dgm:effectClrLst/>
+    <dgm:txLinClrLst/>
+    <dgm:txFillClrLst/>
+    <dgm:txEffectClrLst/>
+  </dgm:styleLbl>
+  <dgm:styleLbl name="parChTrans2D2">
+    <dgm:fillClrLst meth="repeat">
+      <a:schemeClr val="accent5"/>
+    </dgm:fillClrLst>
+    <dgm:linClrLst meth="repeat">
+      <a:schemeClr val="accent5"/>
+    </dgm:linClrLst>
+    <dgm:effectClrLst/>
+    <dgm:txLinClrLst/>
+    <dgm:txFillClrLst/>
+    <dgm:txEffectClrLst/>
+  </dgm:styleLbl>
+  <dgm:styleLbl name="parChTrans2D3">
+    <dgm:fillClrLst meth="repeat">
+      <a:schemeClr val="accent5"/>
+    </dgm:fillClrLst>
+    <dgm:linClrLst meth="repeat">
+      <a:schemeClr val="accent5"/>
+    </dgm:linClrLst>
+    <dgm:effectClrLst/>
+    <dgm:txLinClrLst/>
+    <dgm:txFillClrLst/>
+    <dgm:txEffectClrLst/>
+  </dgm:styleLbl>
+  <dgm:styleLbl name="parChTrans2D4">
+    <dgm:fillClrLst meth="repeat">
+      <a:schemeClr val="accent5"/>
+    </dgm:fillClrLst>
+    <dgm:linClrLst meth="repeat">
+      <a:schemeClr val="accent5"/>
+    </dgm:linClrLst>
+    <dgm:effectClrLst/>
+    <dgm:txLinClrLst/>
+    <dgm:txFillClrLst meth="repeat">
+      <a:schemeClr val="lt1"/>
+    </dgm:txFillClrLst>
+    <dgm:txEffectClrLst/>
+  </dgm:styleLbl>
+  <dgm:styleLbl name="parChTrans1D1">
+    <dgm:fillClrLst meth="repeat">
+      <a:schemeClr val="accent5"/>
+    </dgm:fillClrLst>
+    <dgm:linClrLst meth="repeat">
+      <a:schemeClr val="accent5">
+        <a:shade val="60000"/>
+      </a:schemeClr>
+    </dgm:linClrLst>
+    <dgm:effectClrLst/>
+    <dgm:txLinClrLst/>
+    <dgm:txFillClrLst meth="repeat">
+      <a:schemeClr val="tx1"/>
+    </dgm:txFillClrLst>
+    <dgm:txEffectClrLst/>
+  </dgm:styleLbl>
+  <dgm:styleLbl name="parChTrans1D2">
+    <dgm:fillClrLst meth="repeat">
+      <a:schemeClr val="accent5"/>
+    </dgm:fillClrLst>
+    <dgm:linClrLst meth="repeat">
+      <a:schemeClr val="accent5">
+        <a:shade val="60000"/>
+      </a:schemeClr>
+    </dgm:linClrLst>
+    <dgm:effectClrLst/>
+    <dgm:txLinClrLst/>
+    <dgm:txFillClrLst meth="repeat">
+      <a:schemeClr val="tx1"/>
+    </dgm:txFillClrLst>
+    <dgm:txEffectClrLst/>
+  </dgm:styleLbl>
+  <dgm:styleLbl name="parChTrans1D3">
+    <dgm:fillClrLst meth="repeat">
+      <a:schemeClr val="accent5"/>
+    </dgm:fillClrLst>
+    <dgm:linClrLst meth="repeat">
+      <a:schemeClr val="accent5">
+        <a:shade val="80000"/>
+      </a:schemeClr>
+    </dgm:linClrLst>
+    <dgm:effectClrLst/>
+    <dgm:txLinClrLst/>
+    <dgm:txFillClrLst meth="repeat">
+      <a:schemeClr val="tx1"/>
+    </dgm:txFillClrLst>
+    <dgm:txEffectClrLst/>
+  </dgm:styleLbl>
+  <dgm:styleLbl name="parChTrans1D4">
+    <dgm:fillClrLst meth="repeat">
+      <a:schemeClr val="accent5"/>
+    </dgm:fillClrLst>
+    <dgm:linClrLst meth="repeat">
+      <a:schemeClr val="accent5">
+        <a:shade val="80000"/>
+      </a:schemeClr>
+    </dgm:linClrLst>
+    <dgm:effectClrLst/>
+    <dgm:txLinClrLst/>
+    <dgm:txFillClrLst meth="repeat">
+      <a:schemeClr val="tx1"/>
+    </dgm:txFillClrLst>
+    <dgm:txEffectClrLst/>
+  </dgm:styleLbl>
+  <dgm:styleLbl name="fgAcc1">
+    <dgm:fillClrLst meth="repeat">
+      <a:schemeClr val="accent5">
+        <a:alpha val="90000"/>
+        <a:tint val="40000"/>
+      </a:schemeClr>
+    </dgm:fillClrLst>
+    <dgm:linClrLst meth="repeat">
+      <a:schemeClr val="accent5"/>
+    </dgm:linClrLst>
+    <dgm:effectClrLst/>
+    <dgm:txLinClrLst/>
+    <dgm:txFillClrLst meth="repeat">
+      <a:schemeClr val="dk1"/>
+    </dgm:txFillClrLst>
+    <dgm:txEffectClrLst/>
+  </dgm:styleLbl>
+  <dgm:styleLbl name="conFgAcc1">
+    <dgm:fillClrLst meth="repeat">
+      <a:schemeClr val="accent5">
+        <a:alpha val="90000"/>
+        <a:tint val="40000"/>
+      </a:schemeClr>
+    </dgm:fillClrLst>
+    <dgm:linClrLst meth="repeat">
+      <a:schemeClr val="accent5"/>
+    </dgm:linClrLst>
+    <dgm:effectClrLst/>
+    <dgm:txLinClrLst/>
+    <dgm:txFillClrLst meth="repeat">
+      <a:schemeClr val="dk1"/>
+    </dgm:txFillClrLst>
+    <dgm:txEffectClrLst/>
+  </dgm:styleLbl>
+  <dgm:styleLbl name="alignAcc1">
+    <dgm:fillClrLst meth="repeat">
+      <a:schemeClr val="accent5">
+        <a:alpha val="90000"/>
+        <a:tint val="40000"/>
+      </a:schemeClr>
+    </dgm:fillClrLst>
+    <dgm:linClrLst meth="repeat">
+      <a:schemeClr val="accent5"/>
+    </dgm:linClrLst>
+    <dgm:effectClrLst/>
+    <dgm:txLinClrLst/>
+    <dgm:txFillClrLst meth="repeat">
+      <a:schemeClr val="dk1"/>
+    </dgm:txFillClrLst>
+    <dgm:txEffectClrLst/>
+  </dgm:styleLbl>
+  <dgm:styleLbl name="trAlignAcc1">
+    <dgm:fillClrLst meth="repeat">
+      <a:schemeClr val="accent5">
+        <a:alpha val="40000"/>
+        <a:tint val="40000"/>
+      </a:schemeClr>
+    </dgm:fillClrLst>
+    <dgm:linClrLst meth="repeat">
+      <a:schemeClr val="accent5"/>
+    </dgm:linClrLst>
+    <dgm:effectClrLst/>
+    <dgm:txLinClrLst/>
+    <dgm:txFillClrLst meth="repeat">
+      <a:schemeClr val="dk1"/>
+    </dgm:txFillClrLst>
+    <dgm:txEffectClrLst/>
+  </dgm:styleLbl>
+  <dgm:styleLbl name="bgAcc1">
+    <dgm:fillClrLst meth="repeat">
+      <a:schemeClr val="accent5">
+        <a:alpha val="90000"/>
+        <a:tint val="40000"/>
+      </a:schemeClr>
+    </dgm:fillClrLst>
+    <dgm:linClrLst meth="repeat">
+      <a:schemeClr val="accent5"/>
+    </dgm:linClrLst>
+    <dgm:effectClrLst/>
+    <dgm:txLinClrLst/>
+    <dgm:txFillClrLst meth="repeat">
+      <a:schemeClr val="dk1"/>
+    </dgm:txFillClrLst>
+    <dgm:txEffectClrLst/>
+  </dgm:styleLbl>
+  <dgm:styleLbl name="solidFgAcc1">
+    <dgm:fillClrLst meth="repeat">
+      <a:schemeClr val="lt1"/>
+    </dgm:fillClrLst>
+    <dgm:linClrLst meth="repeat">
+      <a:schemeClr val="accent5"/>
+    </dgm:linClrLst>
+    <dgm:effectClrLst/>
+    <dgm:txLinClrLst/>
+    <dgm:txFillClrLst meth="repeat">
+      <a:schemeClr val="dk1"/>
+    </dgm:txFillClrLst>
+    <dgm:txEffectClrLst/>
+  </dgm:styleLbl>
+  <dgm:styleLbl name="solidAlignAcc1">
+    <dgm:fillClrLst meth="repeat">
+      <a:schemeClr val="lt1"/>
+    </dgm:fillClrLst>
+    <dgm:linClrLst meth="repeat">
+      <a:schemeClr val="accent5"/>
+    </dgm:linClrLst>
+    <dgm:effectClrLst/>
+    <dgm:txLinClrLst/>
+    <dgm:txFillClrLst meth="repeat">
+      <a:schemeClr val="dk1"/>
+    </dgm:txFillClrLst>
+    <dgm:txEffectClrLst/>
+  </dgm:styleLbl>
+  <dgm:styleLbl name="solidBgAcc1">
+    <dgm:fillClrLst meth="repeat">
+      <a:schemeClr val="lt1"/>
+    </dgm:fillClrLst>
+    <dgm:linClrLst meth="repeat">
+      <a:schemeClr val="accent5"/>
+    </dgm:linClrLst>
+    <dgm:effectClrLst/>
+    <dgm:txLinClrLst/>
+    <dgm:txFillClrLst meth="repeat">
+      <a:schemeClr val="dk1"/>
+    </dgm:txFillClrLst>
+    <dgm:txEffectClrLst/>
+  </dgm:styleLbl>
+  <dgm:styleLbl name="fgAccFollowNode1">
+    <dgm:fillClrLst meth="repeat">
+      <a:schemeClr val="lt1">
+        <a:alpha val="90000"/>
+        <a:tint val="40000"/>
+      </a:schemeClr>
+    </dgm:fillClrLst>
+    <dgm:linClrLst meth="repeat">
+      <a:schemeClr val="accent5">
+        <a:alpha val="90000"/>
+      </a:schemeClr>
+    </dgm:linClrLst>
+    <dgm:effectClrLst/>
+    <dgm:txLinClrLst/>
+    <dgm:txFillClrLst meth="repeat">
+      <a:schemeClr val="dk1"/>
+    </dgm:txFillClrLst>
+    <dgm:txEffectClrLst/>
+  </dgm:styleLbl>
+  <dgm:styleLbl name="alignAccFollowNode1">
+    <dgm:fillClrLst meth="repeat">
+      <a:schemeClr val="lt1">
+        <a:alpha val="90000"/>
+        <a:tint val="40000"/>
+      </a:schemeClr>
+    </dgm:fillClrLst>
+    <dgm:linClrLst meth="repeat">
+      <a:schemeClr val="accent5">
+        <a:alpha val="90000"/>
+      </a:schemeClr>
+    </dgm:linClrLst>
+    <dgm:effectClrLst/>
+    <dgm:txLinClrLst/>
+    <dgm:txFillClrLst meth="repeat">
+      <a:schemeClr val="dk1"/>
+    </dgm:txFillClrLst>
+    <dgm:txEffectClrLst/>
+  </dgm:styleLbl>
+  <dgm:styleLbl name="bgAccFollowNode1">
+    <dgm:fillClrLst meth="repeat">
+      <a:schemeClr val="lt1">
+        <a:alpha val="90000"/>
+        <a:tint val="40000"/>
+      </a:schemeClr>
+    </dgm:fillClrLst>
+    <dgm:linClrLst meth="repeat">
+      <a:schemeClr val="accent5">
+        <a:alpha val="90000"/>
+      </a:schemeClr>
+    </dgm:linClrLst>
+    <dgm:effectClrLst/>
+    <dgm:txLinClrLst/>
+    <dgm:txFillClrLst meth="repeat">
+      <a:schemeClr val="dk1"/>
+    </dgm:txFillClrLst>
+    <dgm:txEffectClrLst/>
+  </dgm:styleLbl>
+  <dgm:styleLbl name="fgAcc0">
+    <dgm:fillClrLst meth="repeat">
+      <a:schemeClr val="accent5">
+        <a:alpha val="90000"/>
+        <a:tint val="40000"/>
+      </a:schemeClr>
+    </dgm:fillClrLst>
+    <dgm:linClrLst meth="repeat">
+      <a:schemeClr val="accent5"/>
+    </dgm:linClrLst>
+    <dgm:effectClrLst/>
+    <dgm:txLinClrLst/>
+    <dgm:txFillClrLst meth="repeat">
+      <a:schemeClr val="dk1"/>
+    </dgm:txFillClrLst>
+    <dgm:txEffectClrLst/>
+  </dgm:styleLbl>
+  <dgm:styleLbl name="fgAcc2">
+    <dgm:fillClrLst meth="repeat">
+      <a:schemeClr val="accent5">
+        <a:alpha val="90000"/>
+        <a:tint val="40000"/>
+      </a:schemeClr>
+    </dgm:fillClrLst>
+    <dgm:linClrLst meth="repeat">
+      <a:schemeClr val="accent5"/>
+    </dgm:linClrLst>
+    <dgm:effectClrLst/>
+    <dgm:txLinClrLst/>
+    <dgm:txFillClrLst meth="repeat">
+      <a:schemeClr val="dk1"/>
+    </dgm:txFillClrLst>
+    <dgm:txEffectClrLst/>
+  </dgm:styleLbl>
+  <dgm:styleLbl name="fgAcc3">
+    <dgm:fillClrLst meth="repeat">
+      <a:schemeClr val="accent5">
+        <a:alpha val="90000"/>
+        <a:tint val="40000"/>
+      </a:schemeClr>
+    </dgm:fillClrLst>
+    <dgm:linClrLst meth="repeat">
+      <a:schemeClr val="accent5"/>
+    </dgm:linClrLst>
+    <dgm:effectClrLst/>
+    <dgm:txLinClrLst/>
+    <dgm:txFillClrLst meth="repeat">
+      <a:schemeClr val="dk1"/>
+    </dgm:txFillClrLst>
+    <dgm:txEffectClrLst/>
+  </dgm:styleLbl>
+  <dgm:styleLbl name="fgAcc4">
+    <dgm:fillClrLst meth="repeat">
+      <a:schemeClr val="accent5">
+        <a:alpha val="90000"/>
+        <a:tint val="40000"/>
+      </a:schemeClr>
+    </dgm:fillClrLst>
+    <dgm:linClrLst meth="repeat">
+      <a:schemeClr val="accent5"/>
+    </dgm:linClrLst>
+    <dgm:effectClrLst/>
+    <dgm:txLinClrLst/>
+    <dgm:txFillClrLst meth="repeat">
+      <a:schemeClr val="dk1"/>
+    </dgm:txFillClrLst>
+    <dgm:txEffectClrLst/>
+  </dgm:styleLbl>
+  <dgm:styleLbl name="bgShp">
+    <dgm:fillClrLst meth="repeat">
+      <a:schemeClr val="accent5">
+        <a:tint val="40000"/>
+      </a:schemeClr>
+    </dgm:fillClrLst>
+    <dgm:linClrLst meth="repeat">
+      <a:schemeClr val="accent5"/>
+    </dgm:linClrLst>
+    <dgm:effectClrLst/>
+    <dgm:txLinClrLst/>
+    <dgm:txFillClrLst meth="repeat">
+      <a:schemeClr val="dk1"/>
+    </dgm:txFillClrLst>
+    <dgm:txEffectClrLst/>
+  </dgm:styleLbl>
+  <dgm:styleLbl name="dkBgShp">
+    <dgm:fillClrLst meth="repeat">
+      <a:schemeClr val="accent5">
+        <a:shade val="80000"/>
+      </a:schemeClr>
+    </dgm:fillClrLst>
+    <dgm:linClrLst meth="repeat">
+      <a:schemeClr val="accent5"/>
+    </dgm:linClrLst>
+    <dgm:effectClrLst/>
+    <dgm:txLinClrLst/>
+    <dgm:txFillClrLst meth="repeat">
+      <a:schemeClr val="lt1"/>
+    </dgm:txFillClrLst>
+    <dgm:txEffectClrLst/>
+  </dgm:styleLbl>
+  <dgm:styleLbl name="trBgShp">
+    <dgm:fillClrLst meth="repeat">
+      <a:schemeClr val="accent5">
+        <a:tint val="50000"/>
+        <a:alpha val="40000"/>
+      </a:schemeClr>
+    </dgm:fillClrLst>
+    <dgm:linClrLst meth="repeat">
+      <a:schemeClr val="accent5"/>
+    </dgm:linClrLst>
+    <dgm:effectClrLst/>
+    <dgm:txLinClrLst/>
+    <dgm:txFillClrLst meth="repeat">
+      <a:schemeClr val="lt1"/>
+    </dgm:txFillClrLst>
+    <dgm:txEffectClrLst/>
+  </dgm:styleLbl>
+  <dgm:styleLbl name="fgShp">
+    <dgm:fillClrLst meth="repeat">
+      <a:schemeClr val="accent5">
+        <a:tint val="60000"/>
+      </a:schemeClr>
+    </dgm:fillClrLst>
+    <dgm:linClrLst meth="repeat">
+      <a:schemeClr val="lt1"/>
+    </dgm:linClrLst>
+    <dgm:effectClrLst/>
+    <dgm:txLinClrLst/>
+    <dgm:txFillClrLst meth="repeat">
+      <a:schemeClr val="dk1"/>
+    </dgm:txFillClrLst>
+    <dgm:txEffectClrLst/>
+  </dgm:styleLbl>
+  <dgm:styleLbl name="revTx">
+    <dgm:fillClrLst meth="repeat">
+      <a:schemeClr val="lt1">
+        <a:alpha val="0"/>
+      </a:schemeClr>
+    </dgm:fillClrLst>
+    <dgm:linClrLst meth="repeat">
+      <a:schemeClr val="dk1">
+        <a:alpha val="0"/>
+      </a:schemeClr>
+    </dgm:linClrLst>
+    <dgm:effectClrLst/>
+    <dgm:txLinClrLst/>
+    <dgm:txFillClrLst meth="repeat">
+      <a:schemeClr val="tx1"/>
+    </dgm:txFillClrLst>
+    <dgm:txEffectClrLst/>
+  </dgm:styleLbl>
+</dgm:colorsDef>
+</file>
+
+<file path=ppt/diagrams/colors2.xml><?xml version="1.0" encoding="utf-8"?>
 <dgm:colorsDef xmlns:dgm="http://schemas.openxmlformats.org/drawingml/2006/diagram" xmlns:a="http://schemas.openxmlformats.org/drawingml/2006/main" uniqueId="urn:microsoft.com/office/officeart/2005/8/colors/accent5_2">
   <dgm:title val=""/>
   <dgm:desc val=""/>
@@ -874,753 +1683,6 @@
   <dgm:styleLbl name="fgShp">
     <dgm:fillClrLst meth="repeat">
       <a:schemeClr val="accent5">
-        <a:tint val="60000"/>
-      </a:schemeClr>
-    </dgm:fillClrLst>
-    <dgm:linClrLst meth="repeat">
-      <a:schemeClr val="lt1"/>
-    </dgm:linClrLst>
-    <dgm:effectClrLst/>
-    <dgm:txLinClrLst/>
-    <dgm:txFillClrLst meth="repeat">
-      <a:schemeClr val="dk1"/>
-    </dgm:txFillClrLst>
-    <dgm:txEffectClrLst/>
-  </dgm:styleLbl>
-  <dgm:styleLbl name="revTx">
-    <dgm:fillClrLst meth="repeat">
-      <a:schemeClr val="lt1">
-        <a:alpha val="0"/>
-      </a:schemeClr>
-    </dgm:fillClrLst>
-    <dgm:linClrLst meth="repeat">
-      <a:schemeClr val="dk1">
-        <a:alpha val="0"/>
-      </a:schemeClr>
-    </dgm:linClrLst>
-    <dgm:effectClrLst/>
-    <dgm:txLinClrLst/>
-    <dgm:txFillClrLst meth="repeat">
-      <a:schemeClr val="tx1"/>
-    </dgm:txFillClrLst>
-    <dgm:txEffectClrLst/>
-  </dgm:styleLbl>
-</dgm:colorsDef>
-</file>
-
-<file path=ppt/diagrams/colors2.xml><?xml version="1.0" encoding="utf-8"?>
-<dgm:colorsDef xmlns:dgm="http://schemas.openxmlformats.org/drawingml/2006/diagram" xmlns:a="http://schemas.openxmlformats.org/drawingml/2006/main" uniqueId="urn:microsoft.com/office/officeart/2005/8/colors/accent1_2">
-  <dgm:title val=""/>
-  <dgm:desc val=""/>
-  <dgm:catLst>
-    <dgm:cat type="accent1" pri="11200"/>
-  </dgm:catLst>
-  <dgm:styleLbl name="node0">
-    <dgm:fillClrLst meth="repeat">
-      <a:schemeClr val="accent1"/>
-    </dgm:fillClrLst>
-    <dgm:linClrLst meth="repeat">
-      <a:schemeClr val="lt1"/>
-    </dgm:linClrLst>
-    <dgm:effectClrLst/>
-    <dgm:txLinClrLst/>
-    <dgm:txFillClrLst/>
-    <dgm:txEffectClrLst/>
-  </dgm:styleLbl>
-  <dgm:styleLbl name="alignNode1">
-    <dgm:fillClrLst meth="repeat">
-      <a:schemeClr val="accent1"/>
-    </dgm:fillClrLst>
-    <dgm:linClrLst meth="repeat">
-      <a:schemeClr val="accent1"/>
-    </dgm:linClrLst>
-    <dgm:effectClrLst/>
-    <dgm:txLinClrLst/>
-    <dgm:txFillClrLst/>
-    <dgm:txEffectClrLst/>
-  </dgm:styleLbl>
-  <dgm:styleLbl name="node1">
-    <dgm:fillClrLst meth="repeat">
-      <a:schemeClr val="accent1"/>
-    </dgm:fillClrLst>
-    <dgm:linClrLst meth="repeat">
-      <a:schemeClr val="lt1"/>
-    </dgm:linClrLst>
-    <dgm:effectClrLst/>
-    <dgm:txLinClrLst/>
-    <dgm:txFillClrLst/>
-    <dgm:txEffectClrLst/>
-  </dgm:styleLbl>
-  <dgm:styleLbl name="lnNode1">
-    <dgm:fillClrLst meth="repeat">
-      <a:schemeClr val="accent1"/>
-    </dgm:fillClrLst>
-    <dgm:linClrLst meth="repeat">
-      <a:schemeClr val="lt1"/>
-    </dgm:linClrLst>
-    <dgm:effectClrLst/>
-    <dgm:txLinClrLst/>
-    <dgm:txFillClrLst/>
-    <dgm:txEffectClrLst/>
-  </dgm:styleLbl>
-  <dgm:styleLbl name="vennNode1">
-    <dgm:fillClrLst meth="repeat">
-      <a:schemeClr val="accent1">
-        <a:alpha val="50000"/>
-      </a:schemeClr>
-    </dgm:fillClrLst>
-    <dgm:linClrLst meth="repeat">
-      <a:schemeClr val="lt1"/>
-    </dgm:linClrLst>
-    <dgm:effectClrLst/>
-    <dgm:txLinClrLst/>
-    <dgm:txFillClrLst/>
-    <dgm:txEffectClrLst/>
-  </dgm:styleLbl>
-  <dgm:styleLbl name="node2">
-    <dgm:fillClrLst meth="repeat">
-      <a:schemeClr val="accent1"/>
-    </dgm:fillClrLst>
-    <dgm:linClrLst meth="repeat">
-      <a:schemeClr val="lt1"/>
-    </dgm:linClrLst>
-    <dgm:effectClrLst/>
-    <dgm:txLinClrLst/>
-    <dgm:txFillClrLst/>
-    <dgm:txEffectClrLst/>
-  </dgm:styleLbl>
-  <dgm:styleLbl name="node3">
-    <dgm:fillClrLst meth="repeat">
-      <a:schemeClr val="accent1"/>
-    </dgm:fillClrLst>
-    <dgm:linClrLst meth="repeat">
-      <a:schemeClr val="lt1"/>
-    </dgm:linClrLst>
-    <dgm:effectClrLst/>
-    <dgm:txLinClrLst/>
-    <dgm:txFillClrLst/>
-    <dgm:txEffectClrLst/>
-  </dgm:styleLbl>
-  <dgm:styleLbl name="node4">
-    <dgm:fillClrLst meth="repeat">
-      <a:schemeClr val="accent1"/>
-    </dgm:fillClrLst>
-    <dgm:linClrLst meth="repeat">
-      <a:schemeClr val="lt1"/>
-    </dgm:linClrLst>
-    <dgm:effectClrLst/>
-    <dgm:txLinClrLst/>
-    <dgm:txFillClrLst/>
-    <dgm:txEffectClrLst/>
-  </dgm:styleLbl>
-  <dgm:styleLbl name="fgImgPlace1">
-    <dgm:fillClrLst meth="repeat">
-      <a:schemeClr val="accent1">
-        <a:tint val="50000"/>
-      </a:schemeClr>
-    </dgm:fillClrLst>
-    <dgm:linClrLst meth="repeat">
-      <a:schemeClr val="lt1"/>
-    </dgm:linClrLst>
-    <dgm:effectClrLst/>
-    <dgm:txLinClrLst/>
-    <dgm:txFillClrLst meth="repeat">
-      <a:schemeClr val="lt1"/>
-    </dgm:txFillClrLst>
-    <dgm:txEffectClrLst/>
-  </dgm:styleLbl>
-  <dgm:styleLbl name="alignImgPlace1">
-    <dgm:fillClrLst meth="repeat">
-      <a:schemeClr val="accent1">
-        <a:tint val="50000"/>
-      </a:schemeClr>
-    </dgm:fillClrLst>
-    <dgm:linClrLst meth="repeat">
-      <a:schemeClr val="lt1"/>
-    </dgm:linClrLst>
-    <dgm:effectClrLst/>
-    <dgm:txLinClrLst/>
-    <dgm:txFillClrLst meth="repeat">
-      <a:schemeClr val="lt1"/>
-    </dgm:txFillClrLst>
-    <dgm:txEffectClrLst/>
-  </dgm:styleLbl>
-  <dgm:styleLbl name="bgImgPlace1">
-    <dgm:fillClrLst meth="repeat">
-      <a:schemeClr val="accent1">
-        <a:tint val="50000"/>
-      </a:schemeClr>
-    </dgm:fillClrLst>
-    <dgm:linClrLst meth="repeat">
-      <a:schemeClr val="lt1"/>
-    </dgm:linClrLst>
-    <dgm:effectClrLst/>
-    <dgm:txLinClrLst/>
-    <dgm:txFillClrLst meth="repeat">
-      <a:schemeClr val="lt1"/>
-    </dgm:txFillClrLst>
-    <dgm:txEffectClrLst/>
-  </dgm:styleLbl>
-  <dgm:styleLbl name="sibTrans2D1">
-    <dgm:fillClrLst meth="repeat">
-      <a:schemeClr val="accent1">
-        <a:tint val="60000"/>
-      </a:schemeClr>
-    </dgm:fillClrLst>
-    <dgm:linClrLst meth="repeat">
-      <a:schemeClr val="accent1">
-        <a:tint val="60000"/>
-      </a:schemeClr>
-    </dgm:linClrLst>
-    <dgm:effectClrLst/>
-    <dgm:txLinClrLst/>
-    <dgm:txFillClrLst/>
-    <dgm:txEffectClrLst/>
-  </dgm:styleLbl>
-  <dgm:styleLbl name="fgSibTrans2D1">
-    <dgm:fillClrLst meth="repeat">
-      <a:schemeClr val="accent1">
-        <a:tint val="60000"/>
-      </a:schemeClr>
-    </dgm:fillClrLst>
-    <dgm:linClrLst meth="repeat">
-      <a:schemeClr val="accent1">
-        <a:tint val="60000"/>
-      </a:schemeClr>
-    </dgm:linClrLst>
-    <dgm:effectClrLst/>
-    <dgm:txLinClrLst/>
-    <dgm:txFillClrLst/>
-    <dgm:txEffectClrLst/>
-  </dgm:styleLbl>
-  <dgm:styleLbl name="bgSibTrans2D1">
-    <dgm:fillClrLst meth="repeat">
-      <a:schemeClr val="accent1">
-        <a:tint val="60000"/>
-      </a:schemeClr>
-    </dgm:fillClrLst>
-    <dgm:linClrLst meth="repeat">
-      <a:schemeClr val="accent1">
-        <a:tint val="60000"/>
-      </a:schemeClr>
-    </dgm:linClrLst>
-    <dgm:effectClrLst/>
-    <dgm:txLinClrLst/>
-    <dgm:txFillClrLst/>
-    <dgm:txEffectClrLst/>
-  </dgm:styleLbl>
-  <dgm:styleLbl name="sibTrans1D1">
-    <dgm:fillClrLst meth="repeat">
-      <a:schemeClr val="accent1"/>
-    </dgm:fillClrLst>
-    <dgm:linClrLst meth="repeat">
-      <a:schemeClr val="accent1"/>
-    </dgm:linClrLst>
-    <dgm:effectClrLst/>
-    <dgm:txLinClrLst/>
-    <dgm:txFillClrLst meth="repeat">
-      <a:schemeClr val="tx1"/>
-    </dgm:txFillClrLst>
-    <dgm:txEffectClrLst/>
-  </dgm:styleLbl>
-  <dgm:styleLbl name="callout">
-    <dgm:fillClrLst meth="repeat">
-      <a:schemeClr val="accent1"/>
-    </dgm:fillClrLst>
-    <dgm:linClrLst meth="repeat">
-      <a:schemeClr val="accent1">
-        <a:tint val="50000"/>
-      </a:schemeClr>
-    </dgm:linClrLst>
-    <dgm:effectClrLst/>
-    <dgm:txLinClrLst/>
-    <dgm:txFillClrLst meth="repeat">
-      <a:schemeClr val="tx1"/>
-    </dgm:txFillClrLst>
-    <dgm:txEffectClrLst/>
-  </dgm:styleLbl>
-  <dgm:styleLbl name="asst0">
-    <dgm:fillClrLst meth="repeat">
-      <a:schemeClr val="accent1"/>
-    </dgm:fillClrLst>
-    <dgm:linClrLst meth="repeat">
-      <a:schemeClr val="lt1"/>
-    </dgm:linClrLst>
-    <dgm:effectClrLst/>
-    <dgm:txLinClrLst/>
-    <dgm:txFillClrLst/>
-    <dgm:txEffectClrLst/>
-  </dgm:styleLbl>
-  <dgm:styleLbl name="asst1">
-    <dgm:fillClrLst meth="repeat">
-      <a:schemeClr val="accent1"/>
-    </dgm:fillClrLst>
-    <dgm:linClrLst meth="repeat">
-      <a:schemeClr val="lt1"/>
-    </dgm:linClrLst>
-    <dgm:effectClrLst/>
-    <dgm:txLinClrLst/>
-    <dgm:txFillClrLst/>
-    <dgm:txEffectClrLst/>
-  </dgm:styleLbl>
-  <dgm:styleLbl name="asst2">
-    <dgm:fillClrLst meth="repeat">
-      <a:schemeClr val="accent1"/>
-    </dgm:fillClrLst>
-    <dgm:linClrLst meth="repeat">
-      <a:schemeClr val="lt1"/>
-    </dgm:linClrLst>
-    <dgm:effectClrLst/>
-    <dgm:txLinClrLst/>
-    <dgm:txFillClrLst/>
-    <dgm:txEffectClrLst/>
-  </dgm:styleLbl>
-  <dgm:styleLbl name="asst3">
-    <dgm:fillClrLst meth="repeat">
-      <a:schemeClr val="accent1"/>
-    </dgm:fillClrLst>
-    <dgm:linClrLst meth="repeat">
-      <a:schemeClr val="lt1"/>
-    </dgm:linClrLst>
-    <dgm:effectClrLst/>
-    <dgm:txLinClrLst/>
-    <dgm:txFillClrLst/>
-    <dgm:txEffectClrLst/>
-  </dgm:styleLbl>
-  <dgm:styleLbl name="asst4">
-    <dgm:fillClrLst meth="repeat">
-      <a:schemeClr val="accent1"/>
-    </dgm:fillClrLst>
-    <dgm:linClrLst meth="repeat">
-      <a:schemeClr val="lt1"/>
-    </dgm:linClrLst>
-    <dgm:effectClrLst/>
-    <dgm:txLinClrLst/>
-    <dgm:txFillClrLst/>
-    <dgm:txEffectClrLst/>
-  </dgm:styleLbl>
-  <dgm:styleLbl name="parChTrans2D1">
-    <dgm:fillClrLst meth="repeat">
-      <a:schemeClr val="accent1">
-        <a:tint val="60000"/>
-      </a:schemeClr>
-    </dgm:fillClrLst>
-    <dgm:linClrLst meth="repeat">
-      <a:schemeClr val="accent1">
-        <a:tint val="60000"/>
-      </a:schemeClr>
-    </dgm:linClrLst>
-    <dgm:effectClrLst/>
-    <dgm:txLinClrLst/>
-    <dgm:txFillClrLst meth="repeat">
-      <a:schemeClr val="lt1"/>
-    </dgm:txFillClrLst>
-    <dgm:txEffectClrLst/>
-  </dgm:styleLbl>
-  <dgm:styleLbl name="parChTrans2D2">
-    <dgm:fillClrLst meth="repeat">
-      <a:schemeClr val="accent1"/>
-    </dgm:fillClrLst>
-    <dgm:linClrLst meth="repeat">
-      <a:schemeClr val="accent1"/>
-    </dgm:linClrLst>
-    <dgm:effectClrLst/>
-    <dgm:txLinClrLst/>
-    <dgm:txFillClrLst meth="repeat">
-      <a:schemeClr val="lt1"/>
-    </dgm:txFillClrLst>
-    <dgm:txEffectClrLst/>
-  </dgm:styleLbl>
-  <dgm:styleLbl name="parChTrans2D3">
-    <dgm:fillClrLst meth="repeat">
-      <a:schemeClr val="accent1"/>
-    </dgm:fillClrLst>
-    <dgm:linClrLst meth="repeat">
-      <a:schemeClr val="accent1"/>
-    </dgm:linClrLst>
-    <dgm:effectClrLst/>
-    <dgm:txLinClrLst/>
-    <dgm:txFillClrLst meth="repeat">
-      <a:schemeClr val="lt1"/>
-    </dgm:txFillClrLst>
-    <dgm:txEffectClrLst/>
-  </dgm:styleLbl>
-  <dgm:styleLbl name="parChTrans2D4">
-    <dgm:fillClrLst meth="repeat">
-      <a:schemeClr val="accent1"/>
-    </dgm:fillClrLst>
-    <dgm:linClrLst meth="repeat">
-      <a:schemeClr val="accent1"/>
-    </dgm:linClrLst>
-    <dgm:effectClrLst/>
-    <dgm:txLinClrLst/>
-    <dgm:txFillClrLst meth="repeat">
-      <a:schemeClr val="lt1"/>
-    </dgm:txFillClrLst>
-    <dgm:txEffectClrLst/>
-  </dgm:styleLbl>
-  <dgm:styleLbl name="parChTrans1D1">
-    <dgm:fillClrLst meth="repeat">
-      <a:schemeClr val="accent1"/>
-    </dgm:fillClrLst>
-    <dgm:linClrLst meth="repeat">
-      <a:schemeClr val="accent1">
-        <a:shade val="60000"/>
-      </a:schemeClr>
-    </dgm:linClrLst>
-    <dgm:effectClrLst/>
-    <dgm:txLinClrLst/>
-    <dgm:txFillClrLst meth="repeat">
-      <a:schemeClr val="tx1"/>
-    </dgm:txFillClrLst>
-    <dgm:txEffectClrLst/>
-  </dgm:styleLbl>
-  <dgm:styleLbl name="parChTrans1D2">
-    <dgm:fillClrLst meth="repeat">
-      <a:schemeClr val="accent1"/>
-    </dgm:fillClrLst>
-    <dgm:linClrLst meth="repeat">
-      <a:schemeClr val="accent1">
-        <a:shade val="60000"/>
-      </a:schemeClr>
-    </dgm:linClrLst>
-    <dgm:effectClrLst/>
-    <dgm:txLinClrLst/>
-    <dgm:txFillClrLst meth="repeat">
-      <a:schemeClr val="tx1"/>
-    </dgm:txFillClrLst>
-    <dgm:txEffectClrLst/>
-  </dgm:styleLbl>
-  <dgm:styleLbl name="parChTrans1D3">
-    <dgm:fillClrLst meth="repeat">
-      <a:schemeClr val="accent1"/>
-    </dgm:fillClrLst>
-    <dgm:linClrLst meth="repeat">
-      <a:schemeClr val="accent1">
-        <a:shade val="80000"/>
-      </a:schemeClr>
-    </dgm:linClrLst>
-    <dgm:effectClrLst/>
-    <dgm:txLinClrLst/>
-    <dgm:txFillClrLst meth="repeat">
-      <a:schemeClr val="tx1"/>
-    </dgm:txFillClrLst>
-    <dgm:txEffectClrLst/>
-  </dgm:styleLbl>
-  <dgm:styleLbl name="parChTrans1D4">
-    <dgm:fillClrLst meth="repeat">
-      <a:schemeClr val="accent1"/>
-    </dgm:fillClrLst>
-    <dgm:linClrLst meth="repeat">
-      <a:schemeClr val="accent1">
-        <a:shade val="80000"/>
-      </a:schemeClr>
-    </dgm:linClrLst>
-    <dgm:effectClrLst/>
-    <dgm:txLinClrLst/>
-    <dgm:txFillClrLst meth="repeat">
-      <a:schemeClr val="tx1"/>
-    </dgm:txFillClrLst>
-    <dgm:txEffectClrLst/>
-  </dgm:styleLbl>
-  <dgm:styleLbl name="fgAcc1">
-    <dgm:fillClrLst meth="repeat">
-      <a:schemeClr val="lt1">
-        <a:alpha val="90000"/>
-      </a:schemeClr>
-    </dgm:fillClrLst>
-    <dgm:linClrLst meth="repeat">
-      <a:schemeClr val="accent1"/>
-    </dgm:linClrLst>
-    <dgm:effectClrLst/>
-    <dgm:txLinClrLst/>
-    <dgm:txFillClrLst meth="repeat">
-      <a:schemeClr val="dk1"/>
-    </dgm:txFillClrLst>
-    <dgm:txEffectClrLst/>
-  </dgm:styleLbl>
-  <dgm:styleLbl name="conFgAcc1">
-    <dgm:fillClrLst meth="repeat">
-      <a:schemeClr val="lt1">
-        <a:alpha val="90000"/>
-      </a:schemeClr>
-    </dgm:fillClrLst>
-    <dgm:linClrLst meth="repeat">
-      <a:schemeClr val="accent1"/>
-    </dgm:linClrLst>
-    <dgm:effectClrLst/>
-    <dgm:txLinClrLst/>
-    <dgm:txFillClrLst meth="repeat">
-      <a:schemeClr val="dk1"/>
-    </dgm:txFillClrLst>
-    <dgm:txEffectClrLst/>
-  </dgm:styleLbl>
-  <dgm:styleLbl name="alignAcc1">
-    <dgm:fillClrLst meth="repeat">
-      <a:schemeClr val="lt1">
-        <a:alpha val="90000"/>
-      </a:schemeClr>
-    </dgm:fillClrLst>
-    <dgm:linClrLst meth="repeat">
-      <a:schemeClr val="accent1"/>
-    </dgm:linClrLst>
-    <dgm:effectClrLst/>
-    <dgm:txLinClrLst/>
-    <dgm:txFillClrLst meth="repeat">
-      <a:schemeClr val="dk1"/>
-    </dgm:txFillClrLst>
-    <dgm:txEffectClrLst/>
-  </dgm:styleLbl>
-  <dgm:styleLbl name="trAlignAcc1">
-    <dgm:fillClrLst meth="repeat">
-      <a:schemeClr val="lt1">
-        <a:alpha val="40000"/>
-      </a:schemeClr>
-    </dgm:fillClrLst>
-    <dgm:linClrLst meth="repeat">
-      <a:schemeClr val="accent1"/>
-    </dgm:linClrLst>
-    <dgm:effectClrLst/>
-    <dgm:txLinClrLst/>
-    <dgm:txFillClrLst meth="repeat">
-      <a:schemeClr val="dk1"/>
-    </dgm:txFillClrLst>
-    <dgm:txEffectClrLst/>
-  </dgm:styleLbl>
-  <dgm:styleLbl name="bgAcc1">
-    <dgm:fillClrLst meth="repeat">
-      <a:schemeClr val="lt1">
-        <a:alpha val="90000"/>
-      </a:schemeClr>
-    </dgm:fillClrLst>
-    <dgm:linClrLst meth="repeat">
-      <a:schemeClr val="accent1"/>
-    </dgm:linClrLst>
-    <dgm:effectClrLst/>
-    <dgm:txLinClrLst/>
-    <dgm:txFillClrLst meth="repeat">
-      <a:schemeClr val="dk1"/>
-    </dgm:txFillClrLst>
-    <dgm:txEffectClrLst/>
-  </dgm:styleLbl>
-  <dgm:styleLbl name="solidFgAcc1">
-    <dgm:fillClrLst meth="repeat">
-      <a:schemeClr val="lt1"/>
-    </dgm:fillClrLst>
-    <dgm:linClrLst meth="repeat">
-      <a:schemeClr val="accent1"/>
-    </dgm:linClrLst>
-    <dgm:effectClrLst/>
-    <dgm:txLinClrLst/>
-    <dgm:txFillClrLst meth="repeat">
-      <a:schemeClr val="dk1"/>
-    </dgm:txFillClrLst>
-    <dgm:txEffectClrLst/>
-  </dgm:styleLbl>
-  <dgm:styleLbl name="solidAlignAcc1">
-    <dgm:fillClrLst meth="repeat">
-      <a:schemeClr val="lt1"/>
-    </dgm:fillClrLst>
-    <dgm:linClrLst meth="repeat">
-      <a:schemeClr val="accent1"/>
-    </dgm:linClrLst>
-    <dgm:effectClrLst/>
-    <dgm:txLinClrLst/>
-    <dgm:txFillClrLst meth="repeat">
-      <a:schemeClr val="dk1"/>
-    </dgm:txFillClrLst>
-    <dgm:txEffectClrLst/>
-  </dgm:styleLbl>
-  <dgm:styleLbl name="solidBgAcc1">
-    <dgm:fillClrLst meth="repeat">
-      <a:schemeClr val="lt1"/>
-    </dgm:fillClrLst>
-    <dgm:linClrLst meth="repeat">
-      <a:schemeClr val="accent1"/>
-    </dgm:linClrLst>
-    <dgm:effectClrLst/>
-    <dgm:txLinClrLst/>
-    <dgm:txFillClrLst meth="repeat">
-      <a:schemeClr val="dk1"/>
-    </dgm:txFillClrLst>
-    <dgm:txEffectClrLst/>
-  </dgm:styleLbl>
-  <dgm:styleLbl name="fgAccFollowNode1">
-    <dgm:fillClrLst meth="repeat">
-      <a:schemeClr val="accent1">
-        <a:alpha val="90000"/>
-        <a:tint val="40000"/>
-      </a:schemeClr>
-    </dgm:fillClrLst>
-    <dgm:linClrLst meth="repeat">
-      <a:schemeClr val="accent1">
-        <a:alpha val="90000"/>
-        <a:tint val="40000"/>
-      </a:schemeClr>
-    </dgm:linClrLst>
-    <dgm:effectClrLst/>
-    <dgm:txLinClrLst/>
-    <dgm:txFillClrLst meth="repeat">
-      <a:schemeClr val="dk1"/>
-    </dgm:txFillClrLst>
-    <dgm:txEffectClrLst/>
-  </dgm:styleLbl>
-  <dgm:styleLbl name="alignAccFollowNode1">
-    <dgm:fillClrLst meth="repeat">
-      <a:schemeClr val="accent1">
-        <a:alpha val="90000"/>
-        <a:tint val="40000"/>
-      </a:schemeClr>
-    </dgm:fillClrLst>
-    <dgm:linClrLst meth="repeat">
-      <a:schemeClr val="accent1">
-        <a:alpha val="90000"/>
-        <a:tint val="40000"/>
-      </a:schemeClr>
-    </dgm:linClrLst>
-    <dgm:effectClrLst/>
-    <dgm:txLinClrLst/>
-    <dgm:txFillClrLst meth="repeat">
-      <a:schemeClr val="dk1"/>
-    </dgm:txFillClrLst>
-    <dgm:txEffectClrLst/>
-  </dgm:styleLbl>
-  <dgm:styleLbl name="bgAccFollowNode1">
-    <dgm:fillClrLst meth="repeat">
-      <a:schemeClr val="accent1">
-        <a:alpha val="90000"/>
-        <a:tint val="40000"/>
-      </a:schemeClr>
-    </dgm:fillClrLst>
-    <dgm:linClrLst meth="repeat">
-      <a:schemeClr val="accent1">
-        <a:alpha val="90000"/>
-        <a:tint val="40000"/>
-      </a:schemeClr>
-    </dgm:linClrLst>
-    <dgm:effectClrLst/>
-    <dgm:txLinClrLst/>
-    <dgm:txFillClrLst meth="repeat">
-      <a:schemeClr val="dk1"/>
-    </dgm:txFillClrLst>
-    <dgm:txEffectClrLst/>
-  </dgm:styleLbl>
-  <dgm:styleLbl name="fgAcc0">
-    <dgm:fillClrLst meth="repeat">
-      <a:schemeClr val="lt1">
-        <a:alpha val="90000"/>
-      </a:schemeClr>
-    </dgm:fillClrLst>
-    <dgm:linClrLst meth="repeat">
-      <a:schemeClr val="accent1"/>
-    </dgm:linClrLst>
-    <dgm:effectClrLst/>
-    <dgm:txLinClrLst/>
-    <dgm:txFillClrLst meth="repeat">
-      <a:schemeClr val="dk1"/>
-    </dgm:txFillClrLst>
-    <dgm:txEffectClrLst/>
-  </dgm:styleLbl>
-  <dgm:styleLbl name="fgAcc2">
-    <dgm:fillClrLst meth="repeat">
-      <a:schemeClr val="lt1">
-        <a:alpha val="90000"/>
-      </a:schemeClr>
-    </dgm:fillClrLst>
-    <dgm:linClrLst meth="repeat">
-      <a:schemeClr val="accent1"/>
-    </dgm:linClrLst>
-    <dgm:effectClrLst/>
-    <dgm:txLinClrLst/>
-    <dgm:txFillClrLst meth="repeat">
-      <a:schemeClr val="dk1"/>
-    </dgm:txFillClrLst>
-    <dgm:txEffectClrLst/>
-  </dgm:styleLbl>
-  <dgm:styleLbl name="fgAcc3">
-    <dgm:fillClrLst meth="repeat">
-      <a:schemeClr val="lt1">
-        <a:alpha val="90000"/>
-      </a:schemeClr>
-    </dgm:fillClrLst>
-    <dgm:linClrLst meth="repeat">
-      <a:schemeClr val="accent1"/>
-    </dgm:linClrLst>
-    <dgm:effectClrLst/>
-    <dgm:txLinClrLst/>
-    <dgm:txFillClrLst meth="repeat">
-      <a:schemeClr val="dk1"/>
-    </dgm:txFillClrLst>
-    <dgm:txEffectClrLst/>
-  </dgm:styleLbl>
-  <dgm:styleLbl name="fgAcc4">
-    <dgm:fillClrLst meth="repeat">
-      <a:schemeClr val="lt1">
-        <a:alpha val="90000"/>
-      </a:schemeClr>
-    </dgm:fillClrLst>
-    <dgm:linClrLst meth="repeat">
-      <a:schemeClr val="accent1"/>
-    </dgm:linClrLst>
-    <dgm:effectClrLst/>
-    <dgm:txLinClrLst/>
-    <dgm:txFillClrLst meth="repeat">
-      <a:schemeClr val="dk1"/>
-    </dgm:txFillClrLst>
-    <dgm:txEffectClrLst/>
-  </dgm:styleLbl>
-  <dgm:styleLbl name="bgShp">
-    <dgm:fillClrLst meth="repeat">
-      <a:schemeClr val="accent1">
-        <a:tint val="40000"/>
-      </a:schemeClr>
-    </dgm:fillClrLst>
-    <dgm:linClrLst meth="repeat">
-      <a:schemeClr val="accent1"/>
-    </dgm:linClrLst>
-    <dgm:effectClrLst/>
-    <dgm:txLinClrLst/>
-    <dgm:txFillClrLst meth="repeat">
-      <a:schemeClr val="dk1"/>
-    </dgm:txFillClrLst>
-    <dgm:txEffectClrLst/>
-  </dgm:styleLbl>
-  <dgm:styleLbl name="dkBgShp">
-    <dgm:fillClrLst meth="repeat">
-      <a:schemeClr val="accent1">
-        <a:shade val="80000"/>
-      </a:schemeClr>
-    </dgm:fillClrLst>
-    <dgm:linClrLst meth="repeat">
-      <a:schemeClr val="accent1"/>
-    </dgm:linClrLst>
-    <dgm:effectClrLst/>
-    <dgm:txLinClrLst/>
-    <dgm:txFillClrLst meth="repeat">
-      <a:schemeClr val="lt1"/>
-    </dgm:txFillClrLst>
-    <dgm:txEffectClrLst/>
-  </dgm:styleLbl>
-  <dgm:styleLbl name="trBgShp">
-    <dgm:fillClrLst meth="repeat">
-      <a:schemeClr val="accent1">
-        <a:tint val="50000"/>
-        <a:alpha val="40000"/>
-      </a:schemeClr>
-    </dgm:fillClrLst>
-    <dgm:linClrLst meth="repeat">
-      <a:schemeClr val="accent1"/>
-    </dgm:linClrLst>
-    <dgm:effectClrLst/>
-    <dgm:txLinClrLst/>
-    <dgm:txFillClrLst meth="repeat">
-      <a:schemeClr val="lt1"/>
-    </dgm:txFillClrLst>
-    <dgm:txEffectClrLst/>
-  </dgm:styleLbl>
-  <dgm:styleLbl name="fgShp">
-    <dgm:fillClrLst meth="repeat">
-      <a:schemeClr val="accent1">
         <a:tint val="60000"/>
       </a:schemeClr>
     </dgm:fillClrLst>
@@ -3897,6 +3959,753 @@
 </file>
 
 <file path=ppt/diagrams/colors6.xml><?xml version="1.0" encoding="utf-8"?>
+<dgm:colorsDef xmlns:dgm="http://schemas.openxmlformats.org/drawingml/2006/diagram" xmlns:a="http://schemas.openxmlformats.org/drawingml/2006/main" uniqueId="urn:microsoft.com/office/officeart/2005/8/colors/accent1_2">
+  <dgm:title val=""/>
+  <dgm:desc val=""/>
+  <dgm:catLst>
+    <dgm:cat type="accent1" pri="11200"/>
+  </dgm:catLst>
+  <dgm:styleLbl name="node0">
+    <dgm:fillClrLst meth="repeat">
+      <a:schemeClr val="accent1"/>
+    </dgm:fillClrLst>
+    <dgm:linClrLst meth="repeat">
+      <a:schemeClr val="lt1"/>
+    </dgm:linClrLst>
+    <dgm:effectClrLst/>
+    <dgm:txLinClrLst/>
+    <dgm:txFillClrLst/>
+    <dgm:txEffectClrLst/>
+  </dgm:styleLbl>
+  <dgm:styleLbl name="alignNode1">
+    <dgm:fillClrLst meth="repeat">
+      <a:schemeClr val="accent1"/>
+    </dgm:fillClrLst>
+    <dgm:linClrLst meth="repeat">
+      <a:schemeClr val="accent1"/>
+    </dgm:linClrLst>
+    <dgm:effectClrLst/>
+    <dgm:txLinClrLst/>
+    <dgm:txFillClrLst/>
+    <dgm:txEffectClrLst/>
+  </dgm:styleLbl>
+  <dgm:styleLbl name="node1">
+    <dgm:fillClrLst meth="repeat">
+      <a:schemeClr val="accent1"/>
+    </dgm:fillClrLst>
+    <dgm:linClrLst meth="repeat">
+      <a:schemeClr val="lt1"/>
+    </dgm:linClrLst>
+    <dgm:effectClrLst/>
+    <dgm:txLinClrLst/>
+    <dgm:txFillClrLst/>
+    <dgm:txEffectClrLst/>
+  </dgm:styleLbl>
+  <dgm:styleLbl name="lnNode1">
+    <dgm:fillClrLst meth="repeat">
+      <a:schemeClr val="accent1"/>
+    </dgm:fillClrLst>
+    <dgm:linClrLst meth="repeat">
+      <a:schemeClr val="lt1"/>
+    </dgm:linClrLst>
+    <dgm:effectClrLst/>
+    <dgm:txLinClrLst/>
+    <dgm:txFillClrLst/>
+    <dgm:txEffectClrLst/>
+  </dgm:styleLbl>
+  <dgm:styleLbl name="vennNode1">
+    <dgm:fillClrLst meth="repeat">
+      <a:schemeClr val="accent1">
+        <a:alpha val="50000"/>
+      </a:schemeClr>
+    </dgm:fillClrLst>
+    <dgm:linClrLst meth="repeat">
+      <a:schemeClr val="lt1"/>
+    </dgm:linClrLst>
+    <dgm:effectClrLst/>
+    <dgm:txLinClrLst/>
+    <dgm:txFillClrLst/>
+    <dgm:txEffectClrLst/>
+  </dgm:styleLbl>
+  <dgm:styleLbl name="node2">
+    <dgm:fillClrLst meth="repeat">
+      <a:schemeClr val="accent1"/>
+    </dgm:fillClrLst>
+    <dgm:linClrLst meth="repeat">
+      <a:schemeClr val="lt1"/>
+    </dgm:linClrLst>
+    <dgm:effectClrLst/>
+    <dgm:txLinClrLst/>
+    <dgm:txFillClrLst/>
+    <dgm:txEffectClrLst/>
+  </dgm:styleLbl>
+  <dgm:styleLbl name="node3">
+    <dgm:fillClrLst meth="repeat">
+      <a:schemeClr val="accent1"/>
+    </dgm:fillClrLst>
+    <dgm:linClrLst meth="repeat">
+      <a:schemeClr val="lt1"/>
+    </dgm:linClrLst>
+    <dgm:effectClrLst/>
+    <dgm:txLinClrLst/>
+    <dgm:txFillClrLst/>
+    <dgm:txEffectClrLst/>
+  </dgm:styleLbl>
+  <dgm:styleLbl name="node4">
+    <dgm:fillClrLst meth="repeat">
+      <a:schemeClr val="accent1"/>
+    </dgm:fillClrLst>
+    <dgm:linClrLst meth="repeat">
+      <a:schemeClr val="lt1"/>
+    </dgm:linClrLst>
+    <dgm:effectClrLst/>
+    <dgm:txLinClrLst/>
+    <dgm:txFillClrLst/>
+    <dgm:txEffectClrLst/>
+  </dgm:styleLbl>
+  <dgm:styleLbl name="fgImgPlace1">
+    <dgm:fillClrLst meth="repeat">
+      <a:schemeClr val="accent1">
+        <a:tint val="50000"/>
+      </a:schemeClr>
+    </dgm:fillClrLst>
+    <dgm:linClrLst meth="repeat">
+      <a:schemeClr val="lt1"/>
+    </dgm:linClrLst>
+    <dgm:effectClrLst/>
+    <dgm:txLinClrLst/>
+    <dgm:txFillClrLst meth="repeat">
+      <a:schemeClr val="lt1"/>
+    </dgm:txFillClrLst>
+    <dgm:txEffectClrLst/>
+  </dgm:styleLbl>
+  <dgm:styleLbl name="alignImgPlace1">
+    <dgm:fillClrLst meth="repeat">
+      <a:schemeClr val="accent1">
+        <a:tint val="50000"/>
+      </a:schemeClr>
+    </dgm:fillClrLst>
+    <dgm:linClrLst meth="repeat">
+      <a:schemeClr val="lt1"/>
+    </dgm:linClrLst>
+    <dgm:effectClrLst/>
+    <dgm:txLinClrLst/>
+    <dgm:txFillClrLst meth="repeat">
+      <a:schemeClr val="lt1"/>
+    </dgm:txFillClrLst>
+    <dgm:txEffectClrLst/>
+  </dgm:styleLbl>
+  <dgm:styleLbl name="bgImgPlace1">
+    <dgm:fillClrLst meth="repeat">
+      <a:schemeClr val="accent1">
+        <a:tint val="50000"/>
+      </a:schemeClr>
+    </dgm:fillClrLst>
+    <dgm:linClrLst meth="repeat">
+      <a:schemeClr val="lt1"/>
+    </dgm:linClrLst>
+    <dgm:effectClrLst/>
+    <dgm:txLinClrLst/>
+    <dgm:txFillClrLst meth="repeat">
+      <a:schemeClr val="lt1"/>
+    </dgm:txFillClrLst>
+    <dgm:txEffectClrLst/>
+  </dgm:styleLbl>
+  <dgm:styleLbl name="sibTrans2D1">
+    <dgm:fillClrLst meth="repeat">
+      <a:schemeClr val="accent1">
+        <a:tint val="60000"/>
+      </a:schemeClr>
+    </dgm:fillClrLst>
+    <dgm:linClrLst meth="repeat">
+      <a:schemeClr val="accent1">
+        <a:tint val="60000"/>
+      </a:schemeClr>
+    </dgm:linClrLst>
+    <dgm:effectClrLst/>
+    <dgm:txLinClrLst/>
+    <dgm:txFillClrLst/>
+    <dgm:txEffectClrLst/>
+  </dgm:styleLbl>
+  <dgm:styleLbl name="fgSibTrans2D1">
+    <dgm:fillClrLst meth="repeat">
+      <a:schemeClr val="accent1">
+        <a:tint val="60000"/>
+      </a:schemeClr>
+    </dgm:fillClrLst>
+    <dgm:linClrLst meth="repeat">
+      <a:schemeClr val="accent1">
+        <a:tint val="60000"/>
+      </a:schemeClr>
+    </dgm:linClrLst>
+    <dgm:effectClrLst/>
+    <dgm:txLinClrLst/>
+    <dgm:txFillClrLst/>
+    <dgm:txEffectClrLst/>
+  </dgm:styleLbl>
+  <dgm:styleLbl name="bgSibTrans2D1">
+    <dgm:fillClrLst meth="repeat">
+      <a:schemeClr val="accent1">
+        <a:tint val="60000"/>
+      </a:schemeClr>
+    </dgm:fillClrLst>
+    <dgm:linClrLst meth="repeat">
+      <a:schemeClr val="accent1">
+        <a:tint val="60000"/>
+      </a:schemeClr>
+    </dgm:linClrLst>
+    <dgm:effectClrLst/>
+    <dgm:txLinClrLst/>
+    <dgm:txFillClrLst/>
+    <dgm:txEffectClrLst/>
+  </dgm:styleLbl>
+  <dgm:styleLbl name="sibTrans1D1">
+    <dgm:fillClrLst meth="repeat">
+      <a:schemeClr val="accent1"/>
+    </dgm:fillClrLst>
+    <dgm:linClrLst meth="repeat">
+      <a:schemeClr val="accent1"/>
+    </dgm:linClrLst>
+    <dgm:effectClrLst/>
+    <dgm:txLinClrLst/>
+    <dgm:txFillClrLst meth="repeat">
+      <a:schemeClr val="tx1"/>
+    </dgm:txFillClrLst>
+    <dgm:txEffectClrLst/>
+  </dgm:styleLbl>
+  <dgm:styleLbl name="callout">
+    <dgm:fillClrLst meth="repeat">
+      <a:schemeClr val="accent1"/>
+    </dgm:fillClrLst>
+    <dgm:linClrLst meth="repeat">
+      <a:schemeClr val="accent1">
+        <a:tint val="50000"/>
+      </a:schemeClr>
+    </dgm:linClrLst>
+    <dgm:effectClrLst/>
+    <dgm:txLinClrLst/>
+    <dgm:txFillClrLst meth="repeat">
+      <a:schemeClr val="tx1"/>
+    </dgm:txFillClrLst>
+    <dgm:txEffectClrLst/>
+  </dgm:styleLbl>
+  <dgm:styleLbl name="asst0">
+    <dgm:fillClrLst meth="repeat">
+      <a:schemeClr val="accent1"/>
+    </dgm:fillClrLst>
+    <dgm:linClrLst meth="repeat">
+      <a:schemeClr val="lt1"/>
+    </dgm:linClrLst>
+    <dgm:effectClrLst/>
+    <dgm:txLinClrLst/>
+    <dgm:txFillClrLst/>
+    <dgm:txEffectClrLst/>
+  </dgm:styleLbl>
+  <dgm:styleLbl name="asst1">
+    <dgm:fillClrLst meth="repeat">
+      <a:schemeClr val="accent1"/>
+    </dgm:fillClrLst>
+    <dgm:linClrLst meth="repeat">
+      <a:schemeClr val="lt1"/>
+    </dgm:linClrLst>
+    <dgm:effectClrLst/>
+    <dgm:txLinClrLst/>
+    <dgm:txFillClrLst/>
+    <dgm:txEffectClrLst/>
+  </dgm:styleLbl>
+  <dgm:styleLbl name="asst2">
+    <dgm:fillClrLst meth="repeat">
+      <a:schemeClr val="accent1"/>
+    </dgm:fillClrLst>
+    <dgm:linClrLst meth="repeat">
+      <a:schemeClr val="lt1"/>
+    </dgm:linClrLst>
+    <dgm:effectClrLst/>
+    <dgm:txLinClrLst/>
+    <dgm:txFillClrLst/>
+    <dgm:txEffectClrLst/>
+  </dgm:styleLbl>
+  <dgm:styleLbl name="asst3">
+    <dgm:fillClrLst meth="repeat">
+      <a:schemeClr val="accent1"/>
+    </dgm:fillClrLst>
+    <dgm:linClrLst meth="repeat">
+      <a:schemeClr val="lt1"/>
+    </dgm:linClrLst>
+    <dgm:effectClrLst/>
+    <dgm:txLinClrLst/>
+    <dgm:txFillClrLst/>
+    <dgm:txEffectClrLst/>
+  </dgm:styleLbl>
+  <dgm:styleLbl name="asst4">
+    <dgm:fillClrLst meth="repeat">
+      <a:schemeClr val="accent1"/>
+    </dgm:fillClrLst>
+    <dgm:linClrLst meth="repeat">
+      <a:schemeClr val="lt1"/>
+    </dgm:linClrLst>
+    <dgm:effectClrLst/>
+    <dgm:txLinClrLst/>
+    <dgm:txFillClrLst/>
+    <dgm:txEffectClrLst/>
+  </dgm:styleLbl>
+  <dgm:styleLbl name="parChTrans2D1">
+    <dgm:fillClrLst meth="repeat">
+      <a:schemeClr val="accent1">
+        <a:tint val="60000"/>
+      </a:schemeClr>
+    </dgm:fillClrLst>
+    <dgm:linClrLst meth="repeat">
+      <a:schemeClr val="accent1">
+        <a:tint val="60000"/>
+      </a:schemeClr>
+    </dgm:linClrLst>
+    <dgm:effectClrLst/>
+    <dgm:txLinClrLst/>
+    <dgm:txFillClrLst meth="repeat">
+      <a:schemeClr val="lt1"/>
+    </dgm:txFillClrLst>
+    <dgm:txEffectClrLst/>
+  </dgm:styleLbl>
+  <dgm:styleLbl name="parChTrans2D2">
+    <dgm:fillClrLst meth="repeat">
+      <a:schemeClr val="accent1"/>
+    </dgm:fillClrLst>
+    <dgm:linClrLst meth="repeat">
+      <a:schemeClr val="accent1"/>
+    </dgm:linClrLst>
+    <dgm:effectClrLst/>
+    <dgm:txLinClrLst/>
+    <dgm:txFillClrLst meth="repeat">
+      <a:schemeClr val="lt1"/>
+    </dgm:txFillClrLst>
+    <dgm:txEffectClrLst/>
+  </dgm:styleLbl>
+  <dgm:styleLbl name="parChTrans2D3">
+    <dgm:fillClrLst meth="repeat">
+      <a:schemeClr val="accent1"/>
+    </dgm:fillClrLst>
+    <dgm:linClrLst meth="repeat">
+      <a:schemeClr val="accent1"/>
+    </dgm:linClrLst>
+    <dgm:effectClrLst/>
+    <dgm:txLinClrLst/>
+    <dgm:txFillClrLst meth="repeat">
+      <a:schemeClr val="lt1"/>
+    </dgm:txFillClrLst>
+    <dgm:txEffectClrLst/>
+  </dgm:styleLbl>
+  <dgm:styleLbl name="parChTrans2D4">
+    <dgm:fillClrLst meth="repeat">
+      <a:schemeClr val="accent1"/>
+    </dgm:fillClrLst>
+    <dgm:linClrLst meth="repeat">
+      <a:schemeClr val="accent1"/>
+    </dgm:linClrLst>
+    <dgm:effectClrLst/>
+    <dgm:txLinClrLst/>
+    <dgm:txFillClrLst meth="repeat">
+      <a:schemeClr val="lt1"/>
+    </dgm:txFillClrLst>
+    <dgm:txEffectClrLst/>
+  </dgm:styleLbl>
+  <dgm:styleLbl name="parChTrans1D1">
+    <dgm:fillClrLst meth="repeat">
+      <a:schemeClr val="accent1"/>
+    </dgm:fillClrLst>
+    <dgm:linClrLst meth="repeat">
+      <a:schemeClr val="accent1">
+        <a:shade val="60000"/>
+      </a:schemeClr>
+    </dgm:linClrLst>
+    <dgm:effectClrLst/>
+    <dgm:txLinClrLst/>
+    <dgm:txFillClrLst meth="repeat">
+      <a:schemeClr val="tx1"/>
+    </dgm:txFillClrLst>
+    <dgm:txEffectClrLst/>
+  </dgm:styleLbl>
+  <dgm:styleLbl name="parChTrans1D2">
+    <dgm:fillClrLst meth="repeat">
+      <a:schemeClr val="accent1"/>
+    </dgm:fillClrLst>
+    <dgm:linClrLst meth="repeat">
+      <a:schemeClr val="accent1">
+        <a:shade val="60000"/>
+      </a:schemeClr>
+    </dgm:linClrLst>
+    <dgm:effectClrLst/>
+    <dgm:txLinClrLst/>
+    <dgm:txFillClrLst meth="repeat">
+      <a:schemeClr val="tx1"/>
+    </dgm:txFillClrLst>
+    <dgm:txEffectClrLst/>
+  </dgm:styleLbl>
+  <dgm:styleLbl name="parChTrans1D3">
+    <dgm:fillClrLst meth="repeat">
+      <a:schemeClr val="accent1"/>
+    </dgm:fillClrLst>
+    <dgm:linClrLst meth="repeat">
+      <a:schemeClr val="accent1">
+        <a:shade val="80000"/>
+      </a:schemeClr>
+    </dgm:linClrLst>
+    <dgm:effectClrLst/>
+    <dgm:txLinClrLst/>
+    <dgm:txFillClrLst meth="repeat">
+      <a:schemeClr val="tx1"/>
+    </dgm:txFillClrLst>
+    <dgm:txEffectClrLst/>
+  </dgm:styleLbl>
+  <dgm:styleLbl name="parChTrans1D4">
+    <dgm:fillClrLst meth="repeat">
+      <a:schemeClr val="accent1"/>
+    </dgm:fillClrLst>
+    <dgm:linClrLst meth="repeat">
+      <a:schemeClr val="accent1">
+        <a:shade val="80000"/>
+      </a:schemeClr>
+    </dgm:linClrLst>
+    <dgm:effectClrLst/>
+    <dgm:txLinClrLst/>
+    <dgm:txFillClrLst meth="repeat">
+      <a:schemeClr val="tx1"/>
+    </dgm:txFillClrLst>
+    <dgm:txEffectClrLst/>
+  </dgm:styleLbl>
+  <dgm:styleLbl name="fgAcc1">
+    <dgm:fillClrLst meth="repeat">
+      <a:schemeClr val="lt1">
+        <a:alpha val="90000"/>
+      </a:schemeClr>
+    </dgm:fillClrLst>
+    <dgm:linClrLst meth="repeat">
+      <a:schemeClr val="accent1"/>
+    </dgm:linClrLst>
+    <dgm:effectClrLst/>
+    <dgm:txLinClrLst/>
+    <dgm:txFillClrLst meth="repeat">
+      <a:schemeClr val="dk1"/>
+    </dgm:txFillClrLst>
+    <dgm:txEffectClrLst/>
+  </dgm:styleLbl>
+  <dgm:styleLbl name="conFgAcc1">
+    <dgm:fillClrLst meth="repeat">
+      <a:schemeClr val="lt1">
+        <a:alpha val="90000"/>
+      </a:schemeClr>
+    </dgm:fillClrLst>
+    <dgm:linClrLst meth="repeat">
+      <a:schemeClr val="accent1"/>
+    </dgm:linClrLst>
+    <dgm:effectClrLst/>
+    <dgm:txLinClrLst/>
+    <dgm:txFillClrLst meth="repeat">
+      <a:schemeClr val="dk1"/>
+    </dgm:txFillClrLst>
+    <dgm:txEffectClrLst/>
+  </dgm:styleLbl>
+  <dgm:styleLbl name="alignAcc1">
+    <dgm:fillClrLst meth="repeat">
+      <a:schemeClr val="lt1">
+        <a:alpha val="90000"/>
+      </a:schemeClr>
+    </dgm:fillClrLst>
+    <dgm:linClrLst meth="repeat">
+      <a:schemeClr val="accent1"/>
+    </dgm:linClrLst>
+    <dgm:effectClrLst/>
+    <dgm:txLinClrLst/>
+    <dgm:txFillClrLst meth="repeat">
+      <a:schemeClr val="dk1"/>
+    </dgm:txFillClrLst>
+    <dgm:txEffectClrLst/>
+  </dgm:styleLbl>
+  <dgm:styleLbl name="trAlignAcc1">
+    <dgm:fillClrLst meth="repeat">
+      <a:schemeClr val="lt1">
+        <a:alpha val="40000"/>
+      </a:schemeClr>
+    </dgm:fillClrLst>
+    <dgm:linClrLst meth="repeat">
+      <a:schemeClr val="accent1"/>
+    </dgm:linClrLst>
+    <dgm:effectClrLst/>
+    <dgm:txLinClrLst/>
+    <dgm:txFillClrLst meth="repeat">
+      <a:schemeClr val="dk1"/>
+    </dgm:txFillClrLst>
+    <dgm:txEffectClrLst/>
+  </dgm:styleLbl>
+  <dgm:styleLbl name="bgAcc1">
+    <dgm:fillClrLst meth="repeat">
+      <a:schemeClr val="lt1">
+        <a:alpha val="90000"/>
+      </a:schemeClr>
+    </dgm:fillClrLst>
+    <dgm:linClrLst meth="repeat">
+      <a:schemeClr val="accent1"/>
+    </dgm:linClrLst>
+    <dgm:effectClrLst/>
+    <dgm:txLinClrLst/>
+    <dgm:txFillClrLst meth="repeat">
+      <a:schemeClr val="dk1"/>
+    </dgm:txFillClrLst>
+    <dgm:txEffectClrLst/>
+  </dgm:styleLbl>
+  <dgm:styleLbl name="solidFgAcc1">
+    <dgm:fillClrLst meth="repeat">
+      <a:schemeClr val="lt1"/>
+    </dgm:fillClrLst>
+    <dgm:linClrLst meth="repeat">
+      <a:schemeClr val="accent1"/>
+    </dgm:linClrLst>
+    <dgm:effectClrLst/>
+    <dgm:txLinClrLst/>
+    <dgm:txFillClrLst meth="repeat">
+      <a:schemeClr val="dk1"/>
+    </dgm:txFillClrLst>
+    <dgm:txEffectClrLst/>
+  </dgm:styleLbl>
+  <dgm:styleLbl name="solidAlignAcc1">
+    <dgm:fillClrLst meth="repeat">
+      <a:schemeClr val="lt1"/>
+    </dgm:fillClrLst>
+    <dgm:linClrLst meth="repeat">
+      <a:schemeClr val="accent1"/>
+    </dgm:linClrLst>
+    <dgm:effectClrLst/>
+    <dgm:txLinClrLst/>
+    <dgm:txFillClrLst meth="repeat">
+      <a:schemeClr val="dk1"/>
+    </dgm:txFillClrLst>
+    <dgm:txEffectClrLst/>
+  </dgm:styleLbl>
+  <dgm:styleLbl name="solidBgAcc1">
+    <dgm:fillClrLst meth="repeat">
+      <a:schemeClr val="lt1"/>
+    </dgm:fillClrLst>
+    <dgm:linClrLst meth="repeat">
+      <a:schemeClr val="accent1"/>
+    </dgm:linClrLst>
+    <dgm:effectClrLst/>
+    <dgm:txLinClrLst/>
+    <dgm:txFillClrLst meth="repeat">
+      <a:schemeClr val="dk1"/>
+    </dgm:txFillClrLst>
+    <dgm:txEffectClrLst/>
+  </dgm:styleLbl>
+  <dgm:styleLbl name="fgAccFollowNode1">
+    <dgm:fillClrLst meth="repeat">
+      <a:schemeClr val="accent1">
+        <a:alpha val="90000"/>
+        <a:tint val="40000"/>
+      </a:schemeClr>
+    </dgm:fillClrLst>
+    <dgm:linClrLst meth="repeat">
+      <a:schemeClr val="accent1">
+        <a:alpha val="90000"/>
+        <a:tint val="40000"/>
+      </a:schemeClr>
+    </dgm:linClrLst>
+    <dgm:effectClrLst/>
+    <dgm:txLinClrLst/>
+    <dgm:txFillClrLst meth="repeat">
+      <a:schemeClr val="dk1"/>
+    </dgm:txFillClrLst>
+    <dgm:txEffectClrLst/>
+  </dgm:styleLbl>
+  <dgm:styleLbl name="alignAccFollowNode1">
+    <dgm:fillClrLst meth="repeat">
+      <a:schemeClr val="accent1">
+        <a:alpha val="90000"/>
+        <a:tint val="40000"/>
+      </a:schemeClr>
+    </dgm:fillClrLst>
+    <dgm:linClrLst meth="repeat">
+      <a:schemeClr val="accent1">
+        <a:alpha val="90000"/>
+        <a:tint val="40000"/>
+      </a:schemeClr>
+    </dgm:linClrLst>
+    <dgm:effectClrLst/>
+    <dgm:txLinClrLst/>
+    <dgm:txFillClrLst meth="repeat">
+      <a:schemeClr val="dk1"/>
+    </dgm:txFillClrLst>
+    <dgm:txEffectClrLst/>
+  </dgm:styleLbl>
+  <dgm:styleLbl name="bgAccFollowNode1">
+    <dgm:fillClrLst meth="repeat">
+      <a:schemeClr val="accent1">
+        <a:alpha val="90000"/>
+        <a:tint val="40000"/>
+      </a:schemeClr>
+    </dgm:fillClrLst>
+    <dgm:linClrLst meth="repeat">
+      <a:schemeClr val="accent1">
+        <a:alpha val="90000"/>
+        <a:tint val="40000"/>
+      </a:schemeClr>
+    </dgm:linClrLst>
+    <dgm:effectClrLst/>
+    <dgm:txLinClrLst/>
+    <dgm:txFillClrLst meth="repeat">
+      <a:schemeClr val="dk1"/>
+    </dgm:txFillClrLst>
+    <dgm:txEffectClrLst/>
+  </dgm:styleLbl>
+  <dgm:styleLbl name="fgAcc0">
+    <dgm:fillClrLst meth="repeat">
+      <a:schemeClr val="lt1">
+        <a:alpha val="90000"/>
+      </a:schemeClr>
+    </dgm:fillClrLst>
+    <dgm:linClrLst meth="repeat">
+      <a:schemeClr val="accent1"/>
+    </dgm:linClrLst>
+    <dgm:effectClrLst/>
+    <dgm:txLinClrLst/>
+    <dgm:txFillClrLst meth="repeat">
+      <a:schemeClr val="dk1"/>
+    </dgm:txFillClrLst>
+    <dgm:txEffectClrLst/>
+  </dgm:styleLbl>
+  <dgm:styleLbl name="fgAcc2">
+    <dgm:fillClrLst meth="repeat">
+      <a:schemeClr val="lt1">
+        <a:alpha val="90000"/>
+      </a:schemeClr>
+    </dgm:fillClrLst>
+    <dgm:linClrLst meth="repeat">
+      <a:schemeClr val="accent1"/>
+    </dgm:linClrLst>
+    <dgm:effectClrLst/>
+    <dgm:txLinClrLst/>
+    <dgm:txFillClrLst meth="repeat">
+      <a:schemeClr val="dk1"/>
+    </dgm:txFillClrLst>
+    <dgm:txEffectClrLst/>
+  </dgm:styleLbl>
+  <dgm:styleLbl name="fgAcc3">
+    <dgm:fillClrLst meth="repeat">
+      <a:schemeClr val="lt1">
+        <a:alpha val="90000"/>
+      </a:schemeClr>
+    </dgm:fillClrLst>
+    <dgm:linClrLst meth="repeat">
+      <a:schemeClr val="accent1"/>
+    </dgm:linClrLst>
+    <dgm:effectClrLst/>
+    <dgm:txLinClrLst/>
+    <dgm:txFillClrLst meth="repeat">
+      <a:schemeClr val="dk1"/>
+    </dgm:txFillClrLst>
+    <dgm:txEffectClrLst/>
+  </dgm:styleLbl>
+  <dgm:styleLbl name="fgAcc4">
+    <dgm:fillClrLst meth="repeat">
+      <a:schemeClr val="lt1">
+        <a:alpha val="90000"/>
+      </a:schemeClr>
+    </dgm:fillClrLst>
+    <dgm:linClrLst meth="repeat">
+      <a:schemeClr val="accent1"/>
+    </dgm:linClrLst>
+    <dgm:effectClrLst/>
+    <dgm:txLinClrLst/>
+    <dgm:txFillClrLst meth="repeat">
+      <a:schemeClr val="dk1"/>
+    </dgm:txFillClrLst>
+    <dgm:txEffectClrLst/>
+  </dgm:styleLbl>
+  <dgm:styleLbl name="bgShp">
+    <dgm:fillClrLst meth="repeat">
+      <a:schemeClr val="accent1">
+        <a:tint val="40000"/>
+      </a:schemeClr>
+    </dgm:fillClrLst>
+    <dgm:linClrLst meth="repeat">
+      <a:schemeClr val="accent1"/>
+    </dgm:linClrLst>
+    <dgm:effectClrLst/>
+    <dgm:txLinClrLst/>
+    <dgm:txFillClrLst meth="repeat">
+      <a:schemeClr val="dk1"/>
+    </dgm:txFillClrLst>
+    <dgm:txEffectClrLst/>
+  </dgm:styleLbl>
+  <dgm:styleLbl name="dkBgShp">
+    <dgm:fillClrLst meth="repeat">
+      <a:schemeClr val="accent1">
+        <a:shade val="80000"/>
+      </a:schemeClr>
+    </dgm:fillClrLst>
+    <dgm:linClrLst meth="repeat">
+      <a:schemeClr val="accent1"/>
+    </dgm:linClrLst>
+    <dgm:effectClrLst/>
+    <dgm:txLinClrLst/>
+    <dgm:txFillClrLst meth="repeat">
+      <a:schemeClr val="lt1"/>
+    </dgm:txFillClrLst>
+    <dgm:txEffectClrLst/>
+  </dgm:styleLbl>
+  <dgm:styleLbl name="trBgShp">
+    <dgm:fillClrLst meth="repeat">
+      <a:schemeClr val="accent1">
+        <a:tint val="50000"/>
+        <a:alpha val="40000"/>
+      </a:schemeClr>
+    </dgm:fillClrLst>
+    <dgm:linClrLst meth="repeat">
+      <a:schemeClr val="accent1"/>
+    </dgm:linClrLst>
+    <dgm:effectClrLst/>
+    <dgm:txLinClrLst/>
+    <dgm:txFillClrLst meth="repeat">
+      <a:schemeClr val="lt1"/>
+    </dgm:txFillClrLst>
+    <dgm:txEffectClrLst/>
+  </dgm:styleLbl>
+  <dgm:styleLbl name="fgShp">
+    <dgm:fillClrLst meth="repeat">
+      <a:schemeClr val="accent1">
+        <a:tint val="60000"/>
+      </a:schemeClr>
+    </dgm:fillClrLst>
+    <dgm:linClrLst meth="repeat">
+      <a:schemeClr val="lt1"/>
+    </dgm:linClrLst>
+    <dgm:effectClrLst/>
+    <dgm:txLinClrLst/>
+    <dgm:txFillClrLst meth="repeat">
+      <a:schemeClr val="dk1"/>
+    </dgm:txFillClrLst>
+    <dgm:txEffectClrLst/>
+  </dgm:styleLbl>
+  <dgm:styleLbl name="revTx">
+    <dgm:fillClrLst meth="repeat">
+      <a:schemeClr val="lt1">
+        <a:alpha val="0"/>
+      </a:schemeClr>
+    </dgm:fillClrLst>
+    <dgm:linClrLst meth="repeat">
+      <a:schemeClr val="dk1">
+        <a:alpha val="0"/>
+      </a:schemeClr>
+    </dgm:linClrLst>
+    <dgm:effectClrLst/>
+    <dgm:txLinClrLst/>
+    <dgm:txFillClrLst meth="repeat">
+      <a:schemeClr val="tx1"/>
+    </dgm:txFillClrLst>
+    <dgm:txEffectClrLst/>
+  </dgm:styleLbl>
+</dgm:colorsDef>
+</file>
+
+<file path=ppt/diagrams/colors7.xml><?xml version="1.0" encoding="utf-8"?>
 <dgm:colorsDef xmlns:dgm="http://schemas.openxmlformats.org/drawingml/2006/diagram" xmlns:a="http://schemas.openxmlformats.org/drawingml/2006/main" uniqueId="urn:microsoft.com/office/officeart/2005/8/colors/colorful4">
   <dgm:title val=""/>
   <dgm:desc val=""/>
@@ -4679,6 +5488,303 @@
 </file>
 
 <file path=ppt/diagrams/data1.xml><?xml version="1.0" encoding="utf-8"?>
+<dgm:dataModel xmlns:dgm="http://schemas.openxmlformats.org/drawingml/2006/diagram" xmlns:a="http://schemas.openxmlformats.org/drawingml/2006/main">
+  <dgm:ptLst>
+    <dgm:pt modelId="{E0727030-A103-47B3-9948-2C3FB6249167}" type="doc">
+      <dgm:prSet loTypeId="urn:microsoft.com/office/officeart/2005/8/layout/vList2" loCatId="list" qsTypeId="urn:microsoft.com/office/officeart/2005/8/quickstyle/simple1" qsCatId="simple" csTypeId="urn:microsoft.com/office/officeart/2005/8/colors/accent5_1" csCatId="accent5" phldr="1"/>
+      <dgm:spPr/>
+      <dgm:t>
+        <a:bodyPr/>
+        <a:lstStyle/>
+        <a:p>
+          <a:endParaRPr lang="en-US"/>
+        </a:p>
+      </dgm:t>
+    </dgm:pt>
+    <dgm:pt modelId="{0E1DD910-82B7-411B-86B9-779EC2DE4ABD}">
+      <dgm:prSet custT="1"/>
+      <dgm:spPr/>
+      <dgm:t>
+        <a:bodyPr/>
+        <a:lstStyle/>
+        <a:p>
+          <a:r>
+            <a:rPr lang="en-US" sz="3600" dirty="0"/>
+            <a:t>What is Accelerated Database Recovery?</a:t>
+          </a:r>
+        </a:p>
+      </dgm:t>
+    </dgm:pt>
+    <dgm:pt modelId="{2A74FAF1-0C25-4177-A263-A3087463B3AC}" type="parTrans" cxnId="{1AF7F9CE-8F94-4D3F-BAF2-C3C12662D4E0}">
+      <dgm:prSet/>
+      <dgm:spPr/>
+      <dgm:t>
+        <a:bodyPr/>
+        <a:lstStyle/>
+        <a:p>
+          <a:endParaRPr lang="en-US"/>
+        </a:p>
+      </dgm:t>
+    </dgm:pt>
+    <dgm:pt modelId="{B6272E9F-8C73-47FA-A097-213295CCE98A}" type="sibTrans" cxnId="{1AF7F9CE-8F94-4D3F-BAF2-C3C12662D4E0}">
+      <dgm:prSet/>
+      <dgm:spPr/>
+      <dgm:t>
+        <a:bodyPr/>
+        <a:lstStyle/>
+        <a:p>
+          <a:endParaRPr lang="en-US"/>
+        </a:p>
+      </dgm:t>
+    </dgm:pt>
+    <dgm:pt modelId="{31806E39-DA97-4FE6-BCC1-CE510A1766B0}">
+      <dgm:prSet custT="1"/>
+      <dgm:spPr/>
+      <dgm:t>
+        <a:bodyPr/>
+        <a:lstStyle/>
+        <a:p>
+          <a:r>
+            <a:rPr lang="en-US" sz="3600" dirty="0"/>
+            <a:t>Accelerated Database Recovery Process</a:t>
+          </a:r>
+        </a:p>
+      </dgm:t>
+    </dgm:pt>
+    <dgm:pt modelId="{0855E89E-E2F9-49AF-A74D-B6A840749A89}" type="parTrans" cxnId="{82C4DE49-13F9-4858-A22F-D30E9D046A47}">
+      <dgm:prSet/>
+      <dgm:spPr/>
+      <dgm:t>
+        <a:bodyPr/>
+        <a:lstStyle/>
+        <a:p>
+          <a:endParaRPr lang="en-US"/>
+        </a:p>
+      </dgm:t>
+    </dgm:pt>
+    <dgm:pt modelId="{0103660E-F48B-43E0-A359-1BB51FA9AEDE}" type="sibTrans" cxnId="{82C4DE49-13F9-4858-A22F-D30E9D046A47}">
+      <dgm:prSet/>
+      <dgm:spPr/>
+      <dgm:t>
+        <a:bodyPr/>
+        <a:lstStyle/>
+        <a:p>
+          <a:endParaRPr lang="en-US"/>
+        </a:p>
+      </dgm:t>
+    </dgm:pt>
+    <dgm:pt modelId="{55F66497-B41F-458F-BE0F-83DCE0E8E50E}">
+      <dgm:prSet custT="1"/>
+      <dgm:spPr/>
+      <dgm:t>
+        <a:bodyPr/>
+        <a:lstStyle/>
+        <a:p>
+          <a:r>
+            <a:rPr lang="en-US" sz="3600" dirty="0"/>
+            <a:t>Current Database Recovery Process</a:t>
+          </a:r>
+        </a:p>
+      </dgm:t>
+    </dgm:pt>
+    <dgm:pt modelId="{F07B156D-AAA1-4F25-8334-78CC51F4D586}" type="sibTrans" cxnId="{B6B78DE8-C420-491C-808C-96E256FE26E2}">
+      <dgm:prSet/>
+      <dgm:spPr/>
+      <dgm:t>
+        <a:bodyPr/>
+        <a:lstStyle/>
+        <a:p>
+          <a:endParaRPr lang="en-US"/>
+        </a:p>
+      </dgm:t>
+    </dgm:pt>
+    <dgm:pt modelId="{FCC6DE80-C34E-4965-9C42-549488322652}" type="parTrans" cxnId="{B6B78DE8-C420-491C-808C-96E256FE26E2}">
+      <dgm:prSet/>
+      <dgm:spPr/>
+      <dgm:t>
+        <a:bodyPr/>
+        <a:lstStyle/>
+        <a:p>
+          <a:endParaRPr lang="en-US"/>
+        </a:p>
+      </dgm:t>
+    </dgm:pt>
+    <dgm:pt modelId="{0B8A16A9-AB23-49B7-913A-893FC66DAABE}">
+      <dgm:prSet custT="1"/>
+      <dgm:spPr/>
+      <dgm:t>
+        <a:bodyPr/>
+        <a:lstStyle/>
+        <a:p>
+          <a:r>
+            <a:rPr lang="en-US" sz="3600" dirty="0"/>
+            <a:t>Accelerated Database Recovery Components</a:t>
+          </a:r>
+        </a:p>
+      </dgm:t>
+    </dgm:pt>
+    <dgm:pt modelId="{8EF5704C-DD11-41EF-A8E3-651DDA178803}" type="parTrans" cxnId="{C0DA62C1-147D-4B85-BA84-F4BFBB5F8D9E}">
+      <dgm:prSet/>
+      <dgm:spPr/>
+      <dgm:t>
+        <a:bodyPr/>
+        <a:lstStyle/>
+        <a:p>
+          <a:endParaRPr lang="en-US"/>
+        </a:p>
+      </dgm:t>
+    </dgm:pt>
+    <dgm:pt modelId="{5ECC143C-46AB-4B52-8F7D-1E172FB4FEA0}" type="sibTrans" cxnId="{C0DA62C1-147D-4B85-BA84-F4BFBB5F8D9E}">
+      <dgm:prSet/>
+      <dgm:spPr/>
+      <dgm:t>
+        <a:bodyPr/>
+        <a:lstStyle/>
+        <a:p>
+          <a:endParaRPr lang="en-US"/>
+        </a:p>
+      </dgm:t>
+    </dgm:pt>
+    <dgm:pt modelId="{23E6073C-D653-4D56-A80C-B4279DB81166}">
+      <dgm:prSet custT="1"/>
+      <dgm:spPr/>
+      <dgm:t>
+        <a:bodyPr/>
+        <a:lstStyle/>
+        <a:p>
+          <a:r>
+            <a:rPr lang="en-US" sz="3600" dirty="0"/>
+            <a:t>Demonstration</a:t>
+          </a:r>
+        </a:p>
+      </dgm:t>
+    </dgm:pt>
+    <dgm:pt modelId="{20237CC0-4411-4500-A2A5-25154FE3D527}" type="parTrans" cxnId="{AFF550F2-2752-4328-A93D-E8CB62422E27}">
+      <dgm:prSet/>
+      <dgm:spPr/>
+      <dgm:t>
+        <a:bodyPr/>
+        <a:lstStyle/>
+        <a:p>
+          <a:endParaRPr lang="en-US"/>
+        </a:p>
+      </dgm:t>
+    </dgm:pt>
+    <dgm:pt modelId="{BF1BEB6F-E291-4385-97C9-253646459052}" type="sibTrans" cxnId="{AFF550F2-2752-4328-A93D-E8CB62422E27}">
+      <dgm:prSet/>
+      <dgm:spPr/>
+      <dgm:t>
+        <a:bodyPr/>
+        <a:lstStyle/>
+        <a:p>
+          <a:endParaRPr lang="en-US"/>
+        </a:p>
+      </dgm:t>
+    </dgm:pt>
+    <dgm:pt modelId="{920A3D74-469C-4EDC-8C5F-FD4FFD16E171}" type="pres">
+      <dgm:prSet presAssocID="{E0727030-A103-47B3-9948-2C3FB6249167}" presName="linear" presStyleCnt="0">
+        <dgm:presLayoutVars>
+          <dgm:animLvl val="lvl"/>
+          <dgm:resizeHandles val="exact"/>
+        </dgm:presLayoutVars>
+      </dgm:prSet>
+      <dgm:spPr/>
+    </dgm:pt>
+    <dgm:pt modelId="{95CCDC1D-1D26-4DF7-90DC-036F2479319D}" type="pres">
+      <dgm:prSet presAssocID="{0E1DD910-82B7-411B-86B9-779EC2DE4ABD}" presName="parentText" presStyleLbl="node1" presStyleIdx="0" presStyleCnt="5" custLinFactY="3319" custLinFactNeighborX="558" custLinFactNeighborY="100000">
+        <dgm:presLayoutVars>
+          <dgm:chMax val="0"/>
+          <dgm:bulletEnabled val="1"/>
+        </dgm:presLayoutVars>
+      </dgm:prSet>
+      <dgm:spPr/>
+    </dgm:pt>
+    <dgm:pt modelId="{E8867D22-4A84-4CF5-8391-5F233AA3220A}" type="pres">
+      <dgm:prSet presAssocID="{B6272E9F-8C73-47FA-A097-213295CCE98A}" presName="spacer" presStyleCnt="0"/>
+      <dgm:spPr/>
+    </dgm:pt>
+    <dgm:pt modelId="{54130A14-0DE4-44B1-B9EC-80A3DCC50B7F}" type="pres">
+      <dgm:prSet presAssocID="{55F66497-B41F-458F-BE0F-83DCE0E8E50E}" presName="parentText" presStyleLbl="node1" presStyleIdx="1" presStyleCnt="5" custLinFactNeighborY="38397">
+        <dgm:presLayoutVars>
+          <dgm:chMax val="0"/>
+          <dgm:bulletEnabled val="1"/>
+        </dgm:presLayoutVars>
+      </dgm:prSet>
+      <dgm:spPr/>
+    </dgm:pt>
+    <dgm:pt modelId="{E9613EBB-B728-4088-BC43-A4365FB7F868}" type="pres">
+      <dgm:prSet presAssocID="{F07B156D-AAA1-4F25-8334-78CC51F4D586}" presName="spacer" presStyleCnt="0"/>
+      <dgm:spPr/>
+    </dgm:pt>
+    <dgm:pt modelId="{BA3D222A-5776-4FE9-9733-7A3F04304945}" type="pres">
+      <dgm:prSet presAssocID="{0B8A16A9-AB23-49B7-913A-893FC66DAABE}" presName="parentText" presStyleLbl="node1" presStyleIdx="2" presStyleCnt="5" custLinFactNeighborY="-43134">
+        <dgm:presLayoutVars>
+          <dgm:chMax val="0"/>
+          <dgm:bulletEnabled val="1"/>
+        </dgm:presLayoutVars>
+      </dgm:prSet>
+      <dgm:spPr/>
+    </dgm:pt>
+    <dgm:pt modelId="{A90F7BE8-6193-4DC6-B19D-CA739386DE98}" type="pres">
+      <dgm:prSet presAssocID="{5ECC143C-46AB-4B52-8F7D-1E172FB4FEA0}" presName="spacer" presStyleCnt="0"/>
+      <dgm:spPr/>
+    </dgm:pt>
+    <dgm:pt modelId="{013A2DE9-5AA1-4010-A7D1-3F937EE17FFA}" type="pres">
+      <dgm:prSet presAssocID="{31806E39-DA97-4FE6-BCC1-CE510A1766B0}" presName="parentText" presStyleLbl="node1" presStyleIdx="3" presStyleCnt="5" custLinFactNeighborY="-43134">
+        <dgm:presLayoutVars>
+          <dgm:chMax val="0"/>
+          <dgm:bulletEnabled val="1"/>
+        </dgm:presLayoutVars>
+      </dgm:prSet>
+      <dgm:spPr/>
+    </dgm:pt>
+    <dgm:pt modelId="{57F398D8-F975-41C6-9181-4BD64705B438}" type="pres">
+      <dgm:prSet presAssocID="{0103660E-F48B-43E0-A359-1BB51FA9AEDE}" presName="spacer" presStyleCnt="0"/>
+      <dgm:spPr/>
+    </dgm:pt>
+    <dgm:pt modelId="{7FAF2F6D-0989-46E6-AC86-35D77D38CA74}" type="pres">
+      <dgm:prSet presAssocID="{23E6073C-D653-4D56-A80C-B4279DB81166}" presName="parentText" presStyleLbl="node1" presStyleIdx="4" presStyleCnt="5">
+        <dgm:presLayoutVars>
+          <dgm:chMax val="0"/>
+          <dgm:bulletEnabled val="1"/>
+        </dgm:presLayoutVars>
+      </dgm:prSet>
+      <dgm:spPr/>
+    </dgm:pt>
+  </dgm:ptLst>
+  <dgm:cxnLst>
+    <dgm:cxn modelId="{1D054240-00EA-4066-8ACD-23B9B4605ED1}" type="presOf" srcId="{31806E39-DA97-4FE6-BCC1-CE510A1766B0}" destId="{013A2DE9-5AA1-4010-A7D1-3F937EE17FFA}" srcOrd="0" destOrd="0" presId="urn:microsoft.com/office/officeart/2005/8/layout/vList2"/>
+    <dgm:cxn modelId="{6EB1E762-B5BF-4F22-AEDE-604B1C57026E}" type="presOf" srcId="{0E1DD910-82B7-411B-86B9-779EC2DE4ABD}" destId="{95CCDC1D-1D26-4DF7-90DC-036F2479319D}" srcOrd="0" destOrd="0" presId="urn:microsoft.com/office/officeart/2005/8/layout/vList2"/>
+    <dgm:cxn modelId="{1D456145-BFDB-473C-A09E-D0EF22D2BCDA}" type="presOf" srcId="{23E6073C-D653-4D56-A80C-B4279DB81166}" destId="{7FAF2F6D-0989-46E6-AC86-35D77D38CA74}" srcOrd="0" destOrd="0" presId="urn:microsoft.com/office/officeart/2005/8/layout/vList2"/>
+    <dgm:cxn modelId="{82C4DE49-13F9-4858-A22F-D30E9D046A47}" srcId="{E0727030-A103-47B3-9948-2C3FB6249167}" destId="{31806E39-DA97-4FE6-BCC1-CE510A1766B0}" srcOrd="3" destOrd="0" parTransId="{0855E89E-E2F9-49AF-A74D-B6A840749A89}" sibTransId="{0103660E-F48B-43E0-A359-1BB51FA9AEDE}"/>
+    <dgm:cxn modelId="{FCC6D670-C38E-43EE-BEFB-6467E7F05192}" type="presOf" srcId="{55F66497-B41F-458F-BE0F-83DCE0E8E50E}" destId="{54130A14-0DE4-44B1-B9EC-80A3DCC50B7F}" srcOrd="0" destOrd="0" presId="urn:microsoft.com/office/officeart/2005/8/layout/vList2"/>
+    <dgm:cxn modelId="{EE12C081-2DCB-4068-A3F1-864D5516811F}" type="presOf" srcId="{0B8A16A9-AB23-49B7-913A-893FC66DAABE}" destId="{BA3D222A-5776-4FE9-9733-7A3F04304945}" srcOrd="0" destOrd="0" presId="urn:microsoft.com/office/officeart/2005/8/layout/vList2"/>
+    <dgm:cxn modelId="{C0DA62C1-147D-4B85-BA84-F4BFBB5F8D9E}" srcId="{E0727030-A103-47B3-9948-2C3FB6249167}" destId="{0B8A16A9-AB23-49B7-913A-893FC66DAABE}" srcOrd="2" destOrd="0" parTransId="{8EF5704C-DD11-41EF-A8E3-651DDA178803}" sibTransId="{5ECC143C-46AB-4B52-8F7D-1E172FB4FEA0}"/>
+    <dgm:cxn modelId="{1AF7F9CE-8F94-4D3F-BAF2-C3C12662D4E0}" srcId="{E0727030-A103-47B3-9948-2C3FB6249167}" destId="{0E1DD910-82B7-411B-86B9-779EC2DE4ABD}" srcOrd="0" destOrd="0" parTransId="{2A74FAF1-0C25-4177-A263-A3087463B3AC}" sibTransId="{B6272E9F-8C73-47FA-A097-213295CCE98A}"/>
+    <dgm:cxn modelId="{E1BFCCD1-756E-488E-A2A7-E717BF5E9B46}" type="presOf" srcId="{E0727030-A103-47B3-9948-2C3FB6249167}" destId="{920A3D74-469C-4EDC-8C5F-FD4FFD16E171}" srcOrd="0" destOrd="0" presId="urn:microsoft.com/office/officeart/2005/8/layout/vList2"/>
+    <dgm:cxn modelId="{B6B78DE8-C420-491C-808C-96E256FE26E2}" srcId="{E0727030-A103-47B3-9948-2C3FB6249167}" destId="{55F66497-B41F-458F-BE0F-83DCE0E8E50E}" srcOrd="1" destOrd="0" parTransId="{FCC6DE80-C34E-4965-9C42-549488322652}" sibTransId="{F07B156D-AAA1-4F25-8334-78CC51F4D586}"/>
+    <dgm:cxn modelId="{AFF550F2-2752-4328-A93D-E8CB62422E27}" srcId="{E0727030-A103-47B3-9948-2C3FB6249167}" destId="{23E6073C-D653-4D56-A80C-B4279DB81166}" srcOrd="4" destOrd="0" parTransId="{20237CC0-4411-4500-A2A5-25154FE3D527}" sibTransId="{BF1BEB6F-E291-4385-97C9-253646459052}"/>
+    <dgm:cxn modelId="{E236219C-818C-4C9A-9823-1D4B788B54FF}" type="presParOf" srcId="{920A3D74-469C-4EDC-8C5F-FD4FFD16E171}" destId="{95CCDC1D-1D26-4DF7-90DC-036F2479319D}" srcOrd="0" destOrd="0" presId="urn:microsoft.com/office/officeart/2005/8/layout/vList2"/>
+    <dgm:cxn modelId="{2ABE5130-927F-4838-BCE8-ABC051DC2350}" type="presParOf" srcId="{920A3D74-469C-4EDC-8C5F-FD4FFD16E171}" destId="{E8867D22-4A84-4CF5-8391-5F233AA3220A}" srcOrd="1" destOrd="0" presId="urn:microsoft.com/office/officeart/2005/8/layout/vList2"/>
+    <dgm:cxn modelId="{A0F26D8C-C2D2-4FC1-B49C-FEDB49725E29}" type="presParOf" srcId="{920A3D74-469C-4EDC-8C5F-FD4FFD16E171}" destId="{54130A14-0DE4-44B1-B9EC-80A3DCC50B7F}" srcOrd="2" destOrd="0" presId="urn:microsoft.com/office/officeart/2005/8/layout/vList2"/>
+    <dgm:cxn modelId="{92FD8F0E-65A5-4B51-A5AE-9385C866ADCE}" type="presParOf" srcId="{920A3D74-469C-4EDC-8C5F-FD4FFD16E171}" destId="{E9613EBB-B728-4088-BC43-A4365FB7F868}" srcOrd="3" destOrd="0" presId="urn:microsoft.com/office/officeart/2005/8/layout/vList2"/>
+    <dgm:cxn modelId="{045E799C-0302-4AF5-A910-49637F7A2353}" type="presParOf" srcId="{920A3D74-469C-4EDC-8C5F-FD4FFD16E171}" destId="{BA3D222A-5776-4FE9-9733-7A3F04304945}" srcOrd="4" destOrd="0" presId="urn:microsoft.com/office/officeart/2005/8/layout/vList2"/>
+    <dgm:cxn modelId="{9358D317-28FD-4EB1-876E-3B13187AD207}" type="presParOf" srcId="{920A3D74-469C-4EDC-8C5F-FD4FFD16E171}" destId="{A90F7BE8-6193-4DC6-B19D-CA739386DE98}" srcOrd="5" destOrd="0" presId="urn:microsoft.com/office/officeart/2005/8/layout/vList2"/>
+    <dgm:cxn modelId="{D5EC438A-FB21-4D73-A9BF-ACC8AB089FB7}" type="presParOf" srcId="{920A3D74-469C-4EDC-8C5F-FD4FFD16E171}" destId="{013A2DE9-5AA1-4010-A7D1-3F937EE17FFA}" srcOrd="6" destOrd="0" presId="urn:microsoft.com/office/officeart/2005/8/layout/vList2"/>
+    <dgm:cxn modelId="{7F055B46-2B95-40D7-8D09-1780CE7CCDEB}" type="presParOf" srcId="{920A3D74-469C-4EDC-8C5F-FD4FFD16E171}" destId="{57F398D8-F975-41C6-9181-4BD64705B438}" srcOrd="7" destOrd="0" presId="urn:microsoft.com/office/officeart/2005/8/layout/vList2"/>
+    <dgm:cxn modelId="{75647381-534F-4857-A47D-E5FEE93D5FBB}" type="presParOf" srcId="{920A3D74-469C-4EDC-8C5F-FD4FFD16E171}" destId="{7FAF2F6D-0989-46E6-AC86-35D77D38CA74}" srcOrd="8" destOrd="0" presId="urn:microsoft.com/office/officeart/2005/8/layout/vList2"/>
+  </dgm:cxnLst>
+  <dgm:bg/>
+  <dgm:whole/>
+  <dgm:extLst>
+    <a:ext uri="http://schemas.microsoft.com/office/drawing/2008/diagram">
+      <dsp:dataModelExt xmlns:dsp="http://schemas.microsoft.com/office/drawing/2008/diagram" relId="rId7" minVer="http://schemas.openxmlformats.org/drawingml/2006/diagram"/>
+    </a:ext>
+  </dgm:extLst>
+</dgm:dataModel>
+</file>
+
+<file path=ppt/diagrams/data2.xml><?xml version="1.0" encoding="utf-8"?>
 <dgm:dataModel xmlns:dgm="http://schemas.openxmlformats.org/drawingml/2006/diagram" xmlns:a="http://schemas.openxmlformats.org/drawingml/2006/main">
   <dgm:ptLst>
     <dgm:pt modelId="{EA61F937-A520-4079-8EDE-3D0B9EFB6721}" type="doc">
@@ -4989,7 +6095,7 @@
 </dgm:dataModel>
 </file>
 
-<file path=ppt/diagrams/data2.xml><?xml version="1.0" encoding="utf-8"?>
+<file path=ppt/diagrams/data3.xml><?xml version="1.0" encoding="utf-8"?>
 <dgm:dataModel xmlns:dgm="http://schemas.openxmlformats.org/drawingml/2006/diagram" xmlns:a="http://schemas.openxmlformats.org/drawingml/2006/main">
   <dgm:ptLst>
     <dgm:pt modelId="{A1210C46-09BC-4666-8671-E4EF77143111}" type="doc">
@@ -5306,7 +6412,7 @@
 </dgm:dataModel>
 </file>
 
-<file path=ppt/diagrams/data3.xml><?xml version="1.0" encoding="utf-8"?>
+<file path=ppt/diagrams/data4.xml><?xml version="1.0" encoding="utf-8"?>
 <dgm:dataModel xmlns:dgm="http://schemas.openxmlformats.org/drawingml/2006/diagram" xmlns:a="http://schemas.openxmlformats.org/drawingml/2006/main">
   <dgm:ptLst>
     <dgm:pt modelId="{A1210C46-09BC-4666-8671-E4EF77143111}" type="doc">
@@ -5631,7 +6737,7 @@
 </dgm:dataModel>
 </file>
 
-<file path=ppt/diagrams/data4.xml><?xml version="1.0" encoding="utf-8"?>
+<file path=ppt/diagrams/data5.xml><?xml version="1.0" encoding="utf-8"?>
 <dgm:dataModel xmlns:dgm="http://schemas.openxmlformats.org/drawingml/2006/diagram" xmlns:a="http://schemas.openxmlformats.org/drawingml/2006/main">
   <dgm:ptLst>
     <dgm:pt modelId="{A1210C46-09BC-4666-8671-E4EF77143111}" type="doc">
@@ -5956,7 +7062,7 @@
 </dgm:dataModel>
 </file>
 
-<file path=ppt/diagrams/data5.xml><?xml version="1.0" encoding="utf-8"?>
+<file path=ppt/diagrams/data6.xml><?xml version="1.0" encoding="utf-8"?>
 <dgm:dataModel xmlns:dgm="http://schemas.openxmlformats.org/drawingml/2006/diagram" xmlns:a="http://schemas.openxmlformats.org/drawingml/2006/main">
   <dgm:ptLst>
     <dgm:pt modelId="{A1210C46-09BC-4666-8671-E4EF77143111}" type="doc">
@@ -6122,7 +7228,7 @@
 </dgm:dataModel>
 </file>
 
-<file path=ppt/diagrams/data6.xml><?xml version="1.0" encoding="utf-8"?>
+<file path=ppt/diagrams/data7.xml><?xml version="1.0" encoding="utf-8"?>
 <dgm:dataModel xmlns:dgm="http://schemas.openxmlformats.org/drawingml/2006/diagram" xmlns:a="http://schemas.openxmlformats.org/drawingml/2006/main">
   <dgm:ptLst>
     <dgm:pt modelId="{16D94756-8093-41CC-8E01-49B3462C8AB0}" type="doc">
@@ -6737,6 +7843,408 @@
       <dsp:cNvGrpSpPr/>
     </dsp:nvGrpSpPr>
     <dsp:grpSpPr/>
+    <dsp:sp modelId="{95CCDC1D-1D26-4DF7-90DC-036F2479319D}">
+      <dsp:nvSpPr>
+        <dsp:cNvPr id="0" name=""/>
+        <dsp:cNvSpPr/>
+      </dsp:nvSpPr>
+      <dsp:spPr>
+        <a:xfrm>
+          <a:off x="0" y="90229"/>
+          <a:ext cx="10393424" cy="912600"/>
+        </a:xfrm>
+        <a:prstGeom prst="roundRect">
+          <a:avLst/>
+        </a:prstGeom>
+        <a:solidFill>
+          <a:schemeClr val="lt1">
+            <a:hueOff val="0"/>
+            <a:satOff val="0"/>
+            <a:lumOff val="0"/>
+            <a:alphaOff val="0"/>
+          </a:schemeClr>
+        </a:solidFill>
+        <a:ln w="25400" cap="flat" cmpd="sng" algn="ctr">
+          <a:solidFill>
+            <a:schemeClr val="accent5">
+              <a:shade val="80000"/>
+              <a:hueOff val="0"/>
+              <a:satOff val="0"/>
+              <a:lumOff val="0"/>
+              <a:alphaOff val="0"/>
+            </a:schemeClr>
+          </a:solidFill>
+          <a:prstDash val="solid"/>
+        </a:ln>
+        <a:effectLst/>
+      </dsp:spPr>
+      <dsp:style>
+        <a:lnRef idx="2">
+          <a:scrgbClr r="0" g="0" b="0"/>
+        </a:lnRef>
+        <a:fillRef idx="1">
+          <a:scrgbClr r="0" g="0" b="0"/>
+        </a:fillRef>
+        <a:effectRef idx="0">
+          <a:scrgbClr r="0" g="0" b="0"/>
+        </a:effectRef>
+        <a:fontRef idx="minor">
+          <a:schemeClr val="lt1"/>
+        </a:fontRef>
+      </dsp:style>
+      <dsp:txBody>
+        <a:bodyPr spcFirstLastPara="0" vert="horz" wrap="square" lIns="137160" tIns="137160" rIns="137160" bIns="137160" numCol="1" spcCol="1270" anchor="ctr" anchorCtr="0">
+          <a:noAutofit/>
+        </a:bodyPr>
+        <a:lstStyle/>
+        <a:p>
+          <a:pPr marL="0" lvl="0" indent="0" algn="l" defTabSz="1600200">
+            <a:lnSpc>
+              <a:spcPct val="90000"/>
+            </a:lnSpc>
+            <a:spcBef>
+              <a:spcPct val="0"/>
+            </a:spcBef>
+            <a:spcAft>
+              <a:spcPct val="35000"/>
+            </a:spcAft>
+            <a:buNone/>
+          </a:pPr>
+          <a:r>
+            <a:rPr lang="en-US" sz="3600" kern="1200" dirty="0"/>
+            <a:t>What is Accelerated Database Recovery?</a:t>
+          </a:r>
+        </a:p>
+      </dsp:txBody>
+      <dsp:txXfrm>
+        <a:off x="44549" y="134778"/>
+        <a:ext cx="10304326" cy="823502"/>
+      </dsp:txXfrm>
+    </dsp:sp>
+    <dsp:sp modelId="{54130A14-0DE4-44B1-B9EC-80A3DCC50B7F}">
+      <dsp:nvSpPr>
+        <dsp:cNvPr id="0" name=""/>
+        <dsp:cNvSpPr/>
+      </dsp:nvSpPr>
+      <dsp:spPr>
+        <a:xfrm>
+          <a:off x="0" y="994656"/>
+          <a:ext cx="10393424" cy="912600"/>
+        </a:xfrm>
+        <a:prstGeom prst="roundRect">
+          <a:avLst/>
+        </a:prstGeom>
+        <a:solidFill>
+          <a:schemeClr val="lt1">
+            <a:hueOff val="0"/>
+            <a:satOff val="0"/>
+            <a:lumOff val="0"/>
+            <a:alphaOff val="0"/>
+          </a:schemeClr>
+        </a:solidFill>
+        <a:ln w="25400" cap="flat" cmpd="sng" algn="ctr">
+          <a:solidFill>
+            <a:schemeClr val="accent5">
+              <a:shade val="80000"/>
+              <a:hueOff val="0"/>
+              <a:satOff val="0"/>
+              <a:lumOff val="0"/>
+              <a:alphaOff val="0"/>
+            </a:schemeClr>
+          </a:solidFill>
+          <a:prstDash val="solid"/>
+        </a:ln>
+        <a:effectLst/>
+      </dsp:spPr>
+      <dsp:style>
+        <a:lnRef idx="2">
+          <a:scrgbClr r="0" g="0" b="0"/>
+        </a:lnRef>
+        <a:fillRef idx="1">
+          <a:scrgbClr r="0" g="0" b="0"/>
+        </a:fillRef>
+        <a:effectRef idx="0">
+          <a:scrgbClr r="0" g="0" b="0"/>
+        </a:effectRef>
+        <a:fontRef idx="minor">
+          <a:schemeClr val="lt1"/>
+        </a:fontRef>
+      </dsp:style>
+      <dsp:txBody>
+        <a:bodyPr spcFirstLastPara="0" vert="horz" wrap="square" lIns="137160" tIns="137160" rIns="137160" bIns="137160" numCol="1" spcCol="1270" anchor="ctr" anchorCtr="0">
+          <a:noAutofit/>
+        </a:bodyPr>
+        <a:lstStyle/>
+        <a:p>
+          <a:pPr marL="0" lvl="0" indent="0" algn="l" defTabSz="1600200">
+            <a:lnSpc>
+              <a:spcPct val="90000"/>
+            </a:lnSpc>
+            <a:spcBef>
+              <a:spcPct val="0"/>
+            </a:spcBef>
+            <a:spcAft>
+              <a:spcPct val="35000"/>
+            </a:spcAft>
+            <a:buNone/>
+          </a:pPr>
+          <a:r>
+            <a:rPr lang="en-US" sz="3600" kern="1200" dirty="0"/>
+            <a:t>Current Database Recovery Process</a:t>
+          </a:r>
+        </a:p>
+      </dsp:txBody>
+      <dsp:txXfrm>
+        <a:off x="44549" y="1039205"/>
+        <a:ext cx="10304326" cy="823502"/>
+      </dsp:txXfrm>
+    </dsp:sp>
+    <dsp:sp modelId="{BA3D222A-5776-4FE9-9733-7A3F04304945}">
+      <dsp:nvSpPr>
+        <dsp:cNvPr id="0" name=""/>
+        <dsp:cNvSpPr/>
+      </dsp:nvSpPr>
+      <dsp:spPr>
+        <a:xfrm>
+          <a:off x="0" y="1917894"/>
+          <a:ext cx="10393424" cy="912600"/>
+        </a:xfrm>
+        <a:prstGeom prst="roundRect">
+          <a:avLst/>
+        </a:prstGeom>
+        <a:solidFill>
+          <a:schemeClr val="lt1">
+            <a:hueOff val="0"/>
+            <a:satOff val="0"/>
+            <a:lumOff val="0"/>
+            <a:alphaOff val="0"/>
+          </a:schemeClr>
+        </a:solidFill>
+        <a:ln w="25400" cap="flat" cmpd="sng" algn="ctr">
+          <a:solidFill>
+            <a:schemeClr val="accent5">
+              <a:shade val="80000"/>
+              <a:hueOff val="0"/>
+              <a:satOff val="0"/>
+              <a:lumOff val="0"/>
+              <a:alphaOff val="0"/>
+            </a:schemeClr>
+          </a:solidFill>
+          <a:prstDash val="solid"/>
+        </a:ln>
+        <a:effectLst/>
+      </dsp:spPr>
+      <dsp:style>
+        <a:lnRef idx="2">
+          <a:scrgbClr r="0" g="0" b="0"/>
+        </a:lnRef>
+        <a:fillRef idx="1">
+          <a:scrgbClr r="0" g="0" b="0"/>
+        </a:fillRef>
+        <a:effectRef idx="0">
+          <a:scrgbClr r="0" g="0" b="0"/>
+        </a:effectRef>
+        <a:fontRef idx="minor">
+          <a:schemeClr val="lt1"/>
+        </a:fontRef>
+      </dsp:style>
+      <dsp:txBody>
+        <a:bodyPr spcFirstLastPara="0" vert="horz" wrap="square" lIns="137160" tIns="137160" rIns="137160" bIns="137160" numCol="1" spcCol="1270" anchor="ctr" anchorCtr="0">
+          <a:noAutofit/>
+        </a:bodyPr>
+        <a:lstStyle/>
+        <a:p>
+          <a:pPr marL="0" lvl="0" indent="0" algn="l" defTabSz="1600200">
+            <a:lnSpc>
+              <a:spcPct val="90000"/>
+            </a:lnSpc>
+            <a:spcBef>
+              <a:spcPct val="0"/>
+            </a:spcBef>
+            <a:spcAft>
+              <a:spcPct val="35000"/>
+            </a:spcAft>
+            <a:buNone/>
+          </a:pPr>
+          <a:r>
+            <a:rPr lang="en-US" sz="3600" kern="1200" dirty="0"/>
+            <a:t>Accelerated Database Recovery Components</a:t>
+          </a:r>
+        </a:p>
+      </dsp:txBody>
+      <dsp:txXfrm>
+        <a:off x="44549" y="1962443"/>
+        <a:ext cx="10304326" cy="823502"/>
+      </dsp:txXfrm>
+    </dsp:sp>
+    <dsp:sp modelId="{013A2DE9-5AA1-4010-A7D1-3F937EE17FFA}">
+      <dsp:nvSpPr>
+        <dsp:cNvPr id="0" name=""/>
+        <dsp:cNvSpPr/>
+      </dsp:nvSpPr>
+      <dsp:spPr>
+        <a:xfrm>
+          <a:off x="0" y="2888094"/>
+          <a:ext cx="10393424" cy="912600"/>
+        </a:xfrm>
+        <a:prstGeom prst="roundRect">
+          <a:avLst/>
+        </a:prstGeom>
+        <a:solidFill>
+          <a:schemeClr val="lt1">
+            <a:hueOff val="0"/>
+            <a:satOff val="0"/>
+            <a:lumOff val="0"/>
+            <a:alphaOff val="0"/>
+          </a:schemeClr>
+        </a:solidFill>
+        <a:ln w="25400" cap="flat" cmpd="sng" algn="ctr">
+          <a:solidFill>
+            <a:schemeClr val="accent5">
+              <a:shade val="80000"/>
+              <a:hueOff val="0"/>
+              <a:satOff val="0"/>
+              <a:lumOff val="0"/>
+              <a:alphaOff val="0"/>
+            </a:schemeClr>
+          </a:solidFill>
+          <a:prstDash val="solid"/>
+        </a:ln>
+        <a:effectLst/>
+      </dsp:spPr>
+      <dsp:style>
+        <a:lnRef idx="2">
+          <a:scrgbClr r="0" g="0" b="0"/>
+        </a:lnRef>
+        <a:fillRef idx="1">
+          <a:scrgbClr r="0" g="0" b="0"/>
+        </a:fillRef>
+        <a:effectRef idx="0">
+          <a:scrgbClr r="0" g="0" b="0"/>
+        </a:effectRef>
+        <a:fontRef idx="minor">
+          <a:schemeClr val="lt1"/>
+        </a:fontRef>
+      </dsp:style>
+      <dsp:txBody>
+        <a:bodyPr spcFirstLastPara="0" vert="horz" wrap="square" lIns="137160" tIns="137160" rIns="137160" bIns="137160" numCol="1" spcCol="1270" anchor="ctr" anchorCtr="0">
+          <a:noAutofit/>
+        </a:bodyPr>
+        <a:lstStyle/>
+        <a:p>
+          <a:pPr marL="0" lvl="0" indent="0" algn="l" defTabSz="1600200">
+            <a:lnSpc>
+              <a:spcPct val="90000"/>
+            </a:lnSpc>
+            <a:spcBef>
+              <a:spcPct val="0"/>
+            </a:spcBef>
+            <a:spcAft>
+              <a:spcPct val="35000"/>
+            </a:spcAft>
+            <a:buNone/>
+          </a:pPr>
+          <a:r>
+            <a:rPr lang="en-US" sz="3600" kern="1200" dirty="0"/>
+            <a:t>Accelerated Database Recovery Process</a:t>
+          </a:r>
+        </a:p>
+      </dsp:txBody>
+      <dsp:txXfrm>
+        <a:off x="44549" y="2932643"/>
+        <a:ext cx="10304326" cy="823502"/>
+      </dsp:txXfrm>
+    </dsp:sp>
+    <dsp:sp modelId="{7FAF2F6D-0989-46E6-AC86-35D77D38CA74}">
+      <dsp:nvSpPr>
+        <dsp:cNvPr id="0" name=""/>
+        <dsp:cNvSpPr/>
+      </dsp:nvSpPr>
+      <dsp:spPr>
+        <a:xfrm>
+          <a:off x="0" y="3883140"/>
+          <a:ext cx="10393424" cy="912600"/>
+        </a:xfrm>
+        <a:prstGeom prst="roundRect">
+          <a:avLst/>
+        </a:prstGeom>
+        <a:solidFill>
+          <a:schemeClr val="lt1">
+            <a:hueOff val="0"/>
+            <a:satOff val="0"/>
+            <a:lumOff val="0"/>
+            <a:alphaOff val="0"/>
+          </a:schemeClr>
+        </a:solidFill>
+        <a:ln w="25400" cap="flat" cmpd="sng" algn="ctr">
+          <a:solidFill>
+            <a:schemeClr val="accent5">
+              <a:shade val="80000"/>
+              <a:hueOff val="0"/>
+              <a:satOff val="0"/>
+              <a:lumOff val="0"/>
+              <a:alphaOff val="0"/>
+            </a:schemeClr>
+          </a:solidFill>
+          <a:prstDash val="solid"/>
+        </a:ln>
+        <a:effectLst/>
+      </dsp:spPr>
+      <dsp:style>
+        <a:lnRef idx="2">
+          <a:scrgbClr r="0" g="0" b="0"/>
+        </a:lnRef>
+        <a:fillRef idx="1">
+          <a:scrgbClr r="0" g="0" b="0"/>
+        </a:fillRef>
+        <a:effectRef idx="0">
+          <a:scrgbClr r="0" g="0" b="0"/>
+        </a:effectRef>
+        <a:fontRef idx="minor">
+          <a:schemeClr val="lt1"/>
+        </a:fontRef>
+      </dsp:style>
+      <dsp:txBody>
+        <a:bodyPr spcFirstLastPara="0" vert="horz" wrap="square" lIns="137160" tIns="137160" rIns="137160" bIns="137160" numCol="1" spcCol="1270" anchor="ctr" anchorCtr="0">
+          <a:noAutofit/>
+        </a:bodyPr>
+        <a:lstStyle/>
+        <a:p>
+          <a:pPr marL="0" lvl="0" indent="0" algn="l" defTabSz="1600200">
+            <a:lnSpc>
+              <a:spcPct val="90000"/>
+            </a:lnSpc>
+            <a:spcBef>
+              <a:spcPct val="0"/>
+            </a:spcBef>
+            <a:spcAft>
+              <a:spcPct val="35000"/>
+            </a:spcAft>
+            <a:buNone/>
+          </a:pPr>
+          <a:r>
+            <a:rPr lang="en-US" sz="3600" kern="1200" dirty="0"/>
+            <a:t>Demonstration</a:t>
+          </a:r>
+        </a:p>
+      </dsp:txBody>
+      <dsp:txXfrm>
+        <a:off x="44549" y="3927689"/>
+        <a:ext cx="10304326" cy="823502"/>
+      </dsp:txXfrm>
+    </dsp:sp>
+  </dsp:spTree>
+</dsp:drawing>
+</file>
+
+<file path=ppt/diagrams/drawing2.xml><?xml version="1.0" encoding="utf-8"?>
+<dsp:drawing xmlns:dgm="http://schemas.openxmlformats.org/drawingml/2006/diagram" xmlns:dsp="http://schemas.microsoft.com/office/drawing/2008/diagram" xmlns:a="http://schemas.openxmlformats.org/drawingml/2006/main">
+  <dsp:spTree>
+    <dsp:nvGrpSpPr>
+      <dsp:cNvPr id="0" name=""/>
+      <dsp:cNvGrpSpPr/>
+    </dsp:nvGrpSpPr>
+    <dsp:grpSpPr/>
     <dsp:sp modelId="{23391FB6-B363-43B4-A61A-8E77F77F6DE0}">
       <dsp:nvSpPr>
         <dsp:cNvPr id="0" name=""/>
@@ -7018,7 +8526,7 @@
 </dsp:drawing>
 </file>
 
-<file path=ppt/diagrams/drawing2.xml><?xml version="1.0" encoding="utf-8"?>
+<file path=ppt/diagrams/drawing3.xml><?xml version="1.0" encoding="utf-8"?>
 <dsp:drawing xmlns:dgm="http://schemas.openxmlformats.org/drawingml/2006/diagram" xmlns:dsp="http://schemas.microsoft.com/office/drawing/2008/diagram" xmlns:a="http://schemas.openxmlformats.org/drawingml/2006/main">
   <dsp:spTree>
     <dsp:nvGrpSpPr>
@@ -7283,7 +8791,7 @@
 </dsp:drawing>
 </file>
 
-<file path=ppt/diagrams/drawing3.xml><?xml version="1.0" encoding="utf-8"?>
+<file path=ppt/diagrams/drawing4.xml><?xml version="1.0" encoding="utf-8"?>
 <dsp:drawing xmlns:dgm="http://schemas.openxmlformats.org/drawingml/2006/diagram" xmlns:dsp="http://schemas.microsoft.com/office/drawing/2008/diagram" xmlns:a="http://schemas.openxmlformats.org/drawingml/2006/main">
   <dsp:spTree>
     <dsp:nvGrpSpPr>
@@ -7556,7 +9064,7 @@
 </dsp:drawing>
 </file>
 
-<file path=ppt/diagrams/drawing4.xml><?xml version="1.0" encoding="utf-8"?>
+<file path=ppt/diagrams/drawing5.xml><?xml version="1.0" encoding="utf-8"?>
 <dsp:drawing xmlns:dgm="http://schemas.openxmlformats.org/drawingml/2006/diagram" xmlns:dsp="http://schemas.microsoft.com/office/drawing/2008/diagram" xmlns:a="http://schemas.openxmlformats.org/drawingml/2006/main">
   <dsp:spTree>
     <dsp:nvGrpSpPr>
@@ -7829,7 +9337,7 @@
 </dsp:drawing>
 </file>
 
-<file path=ppt/diagrams/drawing5.xml><?xml version="1.0" encoding="utf-8"?>
+<file path=ppt/diagrams/drawing6.xml><?xml version="1.0" encoding="utf-8"?>
 <dsp:drawing xmlns:dgm="http://schemas.openxmlformats.org/drawingml/2006/diagram" xmlns:dsp="http://schemas.microsoft.com/office/drawing/2008/diagram" xmlns:a="http://schemas.openxmlformats.org/drawingml/2006/main">
   <dsp:spTree>
     <dsp:nvGrpSpPr>
@@ -8003,7 +9511,7 @@
 </dsp:drawing>
 </file>
 
-<file path=ppt/diagrams/drawing6.xml><?xml version="1.0" encoding="utf-8"?>
+<file path=ppt/diagrams/drawing7.xml><?xml version="1.0" encoding="utf-8"?>
 <dsp:drawing xmlns:dgm="http://schemas.openxmlformats.org/drawingml/2006/diagram" xmlns:dsp="http://schemas.microsoft.com/office/drawing/2008/diagram" xmlns:a="http://schemas.openxmlformats.org/drawingml/2006/main">
   <dsp:spTree>
     <dsp:nvGrpSpPr>
@@ -9655,6 +11163,173 @@
 </dgm:layoutDef>
 </file>
 
+<file path=ppt/diagrams/layout7.xml><?xml version="1.0" encoding="utf-8"?>
+<dgm:layoutDef xmlns:dgm="http://schemas.openxmlformats.org/drawingml/2006/diagram" xmlns:a="http://schemas.openxmlformats.org/drawingml/2006/main" uniqueId="urn:microsoft.com/office/officeart/2005/8/layout/vList2">
+  <dgm:title val=""/>
+  <dgm:desc val=""/>
+  <dgm:catLst>
+    <dgm:cat type="list" pri="3000"/>
+    <dgm:cat type="convert" pri="1000"/>
+  </dgm:catLst>
+  <dgm:sampData>
+    <dgm:dataModel>
+      <dgm:ptLst>
+        <dgm:pt modelId="0" type="doc"/>
+        <dgm:pt modelId="1">
+          <dgm:prSet phldr="1"/>
+        </dgm:pt>
+        <dgm:pt modelId="11">
+          <dgm:prSet phldr="1"/>
+        </dgm:pt>
+        <dgm:pt modelId="2">
+          <dgm:prSet phldr="1"/>
+        </dgm:pt>
+        <dgm:pt modelId="21">
+          <dgm:prSet phldr="1"/>
+        </dgm:pt>
+      </dgm:ptLst>
+      <dgm:cxnLst>
+        <dgm:cxn modelId="4" srcId="0" destId="1" srcOrd="0" destOrd="0"/>
+        <dgm:cxn modelId="5" srcId="0" destId="2" srcOrd="1" destOrd="0"/>
+        <dgm:cxn modelId="12" srcId="1" destId="11" srcOrd="0" destOrd="0"/>
+        <dgm:cxn modelId="23" srcId="2" destId="21" srcOrd="0" destOrd="0"/>
+      </dgm:cxnLst>
+      <dgm:bg/>
+      <dgm:whole/>
+    </dgm:dataModel>
+  </dgm:sampData>
+  <dgm:styleData>
+    <dgm:dataModel>
+      <dgm:ptLst>
+        <dgm:pt modelId="0" type="doc"/>
+        <dgm:pt modelId="1"/>
+        <dgm:pt modelId="2"/>
+      </dgm:ptLst>
+      <dgm:cxnLst>
+        <dgm:cxn modelId="3" srcId="0" destId="1" srcOrd="0" destOrd="0"/>
+        <dgm:cxn modelId="4" srcId="0" destId="2" srcOrd="1" destOrd="0"/>
+      </dgm:cxnLst>
+      <dgm:bg/>
+      <dgm:whole/>
+    </dgm:dataModel>
+  </dgm:styleData>
+  <dgm:clrData>
+    <dgm:dataModel>
+      <dgm:ptLst>
+        <dgm:pt modelId="0" type="doc"/>
+        <dgm:pt modelId="1"/>
+        <dgm:pt modelId="2"/>
+        <dgm:pt modelId="3"/>
+        <dgm:pt modelId="4"/>
+      </dgm:ptLst>
+      <dgm:cxnLst>
+        <dgm:cxn modelId="5" srcId="0" destId="1" srcOrd="0" destOrd="0"/>
+        <dgm:cxn modelId="6" srcId="0" destId="2" srcOrd="1" destOrd="0"/>
+        <dgm:cxn modelId="7" srcId="0" destId="3" srcOrd="2" destOrd="0"/>
+        <dgm:cxn modelId="8" srcId="0" destId="4" srcOrd="3" destOrd="0"/>
+      </dgm:cxnLst>
+      <dgm:bg/>
+      <dgm:whole/>
+    </dgm:dataModel>
+  </dgm:clrData>
+  <dgm:layoutNode name="linear">
+    <dgm:varLst>
+      <dgm:animLvl val="lvl"/>
+      <dgm:resizeHandles val="exact"/>
+    </dgm:varLst>
+    <dgm:alg type="lin">
+      <dgm:param type="linDir" val="fromT"/>
+      <dgm:param type="vertAlign" val="mid"/>
+    </dgm:alg>
+    <dgm:shape xmlns:r="http://schemas.openxmlformats.org/officeDocument/2006/relationships" r:blip="">
+      <dgm:adjLst/>
+    </dgm:shape>
+    <dgm:presOf/>
+    <dgm:constrLst>
+      <dgm:constr type="w" for="ch" forName="parentText" refType="w"/>
+      <dgm:constr type="h" for="ch" forName="parentText" refType="primFontSz" refFor="ch" refForName="parentText" fact="0.52"/>
+      <dgm:constr type="w" for="ch" forName="childText" refType="w"/>
+      <dgm:constr type="h" for="ch" forName="childText" refType="primFontSz" refFor="ch" refForName="parentText" fact="0.46"/>
+      <dgm:constr type="h" for="ch" forName="parentText" op="equ"/>
+      <dgm:constr type="primFontSz" for="ch" forName="parentText" op="equ" val="65"/>
+      <dgm:constr type="primFontSz" for="ch" forName="childText" refType="primFontSz" refFor="ch" refForName="parentText" op="equ"/>
+      <dgm:constr type="h" for="ch" forName="spacer" refType="primFontSz" refFor="ch" refForName="parentText" fact="0.08"/>
+    </dgm:constrLst>
+    <dgm:ruleLst>
+      <dgm:rule type="primFontSz" for="ch" forName="parentText" val="5" fact="NaN" max="NaN"/>
+    </dgm:ruleLst>
+    <dgm:forEach name="Name0" axis="ch" ptType="node">
+      <dgm:layoutNode name="parentText" styleLbl="node1">
+        <dgm:varLst>
+          <dgm:chMax val="0"/>
+          <dgm:bulletEnabled val="1"/>
+        </dgm:varLst>
+        <dgm:alg type="tx">
+          <dgm:param type="parTxLTRAlign" val="l"/>
+          <dgm:param type="parTxRTLAlign" val="r"/>
+        </dgm:alg>
+        <dgm:shape xmlns:r="http://schemas.openxmlformats.org/officeDocument/2006/relationships" type="roundRect" r:blip="">
+          <dgm:adjLst/>
+        </dgm:shape>
+        <dgm:presOf axis="self"/>
+        <dgm:constrLst>
+          <dgm:constr type="tMarg" refType="primFontSz" fact="0.3"/>
+          <dgm:constr type="bMarg" refType="primFontSz" fact="0.3"/>
+          <dgm:constr type="lMarg" refType="primFontSz" fact="0.3"/>
+          <dgm:constr type="rMarg" refType="primFontSz" fact="0.3"/>
+        </dgm:constrLst>
+        <dgm:ruleLst>
+          <dgm:rule type="h" val="INF" fact="NaN" max="NaN"/>
+        </dgm:ruleLst>
+      </dgm:layoutNode>
+      <dgm:choose name="Name1">
+        <dgm:if name="Name2" axis="ch" ptType="node" func="cnt" op="gte" val="1">
+          <dgm:layoutNode name="childText" styleLbl="revTx">
+            <dgm:varLst>
+              <dgm:bulletEnabled val="1"/>
+            </dgm:varLst>
+            <dgm:alg type="tx">
+              <dgm:param type="stBulletLvl" val="1"/>
+              <dgm:param type="lnSpAfChP" val="20"/>
+            </dgm:alg>
+            <dgm:shape xmlns:r="http://schemas.openxmlformats.org/officeDocument/2006/relationships" type="rect" r:blip="">
+              <dgm:adjLst/>
+            </dgm:shape>
+            <dgm:presOf axis="des" ptType="node"/>
+            <dgm:constrLst>
+              <dgm:constr type="tMarg" refType="primFontSz" fact="0.1"/>
+              <dgm:constr type="bMarg" refType="primFontSz" fact="0.1"/>
+              <dgm:constr type="lMarg" refType="w" fact="0.09"/>
+            </dgm:constrLst>
+            <dgm:ruleLst>
+              <dgm:rule type="h" val="INF" fact="NaN" max="NaN"/>
+            </dgm:ruleLst>
+          </dgm:layoutNode>
+        </dgm:if>
+        <dgm:else name="Name3">
+          <dgm:choose name="Name4">
+            <dgm:if name="Name5" axis="par ch" ptType="doc node" func="cnt" op="gte" val="2">
+              <dgm:forEach name="Name6" axis="followSib" ptType="sibTrans" cnt="1">
+                <dgm:layoutNode name="spacer">
+                  <dgm:alg type="sp"/>
+                  <dgm:shape xmlns:r="http://schemas.openxmlformats.org/officeDocument/2006/relationships" r:blip="">
+                    <dgm:adjLst/>
+                  </dgm:shape>
+                  <dgm:presOf/>
+                  <dgm:constrLst/>
+                  <dgm:ruleLst/>
+                </dgm:layoutNode>
+              </dgm:forEach>
+            </dgm:if>
+            <dgm:else name="Name7"/>
+          </dgm:choose>
+        </dgm:else>
+      </dgm:choose>
+    </dgm:forEach>
+  </dgm:layoutNode>
+</dgm:layoutDef>
+</file>
+
 <file path=ppt/diagrams/quickStyle1.xml><?xml version="1.0" encoding="utf-8"?>
 <dgm:styleDef xmlns:dgm="http://schemas.openxmlformats.org/drawingml/2006/diagram" xmlns:a="http://schemas.openxmlformats.org/drawingml/2006/main" uniqueId="urn:microsoft.com/office/officeart/2005/8/quickstyle/simple1">
   <dgm:title val=""/>
@@ -14826,6 +16501,1040 @@
 </file>
 
 <file path=ppt/diagrams/quickStyle6.xml><?xml version="1.0" encoding="utf-8"?>
+<dgm:styleDef xmlns:dgm="http://schemas.openxmlformats.org/drawingml/2006/diagram" xmlns:a="http://schemas.openxmlformats.org/drawingml/2006/main" uniqueId="urn:microsoft.com/office/officeart/2005/8/quickstyle/simple1">
+  <dgm:title val=""/>
+  <dgm:desc val=""/>
+  <dgm:catLst>
+    <dgm:cat type="simple" pri="10100"/>
+  </dgm:catLst>
+  <dgm:scene3d>
+    <a:camera prst="orthographicFront"/>
+    <a:lightRig rig="threePt" dir="t"/>
+  </dgm:scene3d>
+  <dgm:styleLbl name="node0">
+    <dgm:scene3d>
+      <a:camera prst="orthographicFront"/>
+      <a:lightRig rig="threePt" dir="t"/>
+    </dgm:scene3d>
+    <dgm:sp3d/>
+    <dgm:txPr/>
+    <dgm:style>
+      <a:lnRef idx="2">
+        <a:scrgbClr r="0" g="0" b="0"/>
+      </a:lnRef>
+      <a:fillRef idx="1">
+        <a:scrgbClr r="0" g="0" b="0"/>
+      </a:fillRef>
+      <a:effectRef idx="0">
+        <a:scrgbClr r="0" g="0" b="0"/>
+      </a:effectRef>
+      <a:fontRef idx="minor">
+        <a:schemeClr val="lt1"/>
+      </a:fontRef>
+    </dgm:style>
+  </dgm:styleLbl>
+  <dgm:styleLbl name="lnNode1">
+    <dgm:scene3d>
+      <a:camera prst="orthographicFront"/>
+      <a:lightRig rig="threePt" dir="t"/>
+    </dgm:scene3d>
+    <dgm:sp3d/>
+    <dgm:txPr/>
+    <dgm:style>
+      <a:lnRef idx="2">
+        <a:scrgbClr r="0" g="0" b="0"/>
+      </a:lnRef>
+      <a:fillRef idx="1">
+        <a:scrgbClr r="0" g="0" b="0"/>
+      </a:fillRef>
+      <a:effectRef idx="0">
+        <a:scrgbClr r="0" g="0" b="0"/>
+      </a:effectRef>
+      <a:fontRef idx="minor">
+        <a:schemeClr val="lt1"/>
+      </a:fontRef>
+    </dgm:style>
+  </dgm:styleLbl>
+  <dgm:styleLbl name="vennNode1">
+    <dgm:scene3d>
+      <a:camera prst="orthographicFront"/>
+      <a:lightRig rig="threePt" dir="t"/>
+    </dgm:scene3d>
+    <dgm:sp3d/>
+    <dgm:txPr/>
+    <dgm:style>
+      <a:lnRef idx="2">
+        <a:scrgbClr r="0" g="0" b="0"/>
+      </a:lnRef>
+      <a:fillRef idx="1">
+        <a:scrgbClr r="0" g="0" b="0"/>
+      </a:fillRef>
+      <a:effectRef idx="0">
+        <a:scrgbClr r="0" g="0" b="0"/>
+      </a:effectRef>
+      <a:fontRef idx="minor">
+        <a:schemeClr val="tx1"/>
+      </a:fontRef>
+    </dgm:style>
+  </dgm:styleLbl>
+  <dgm:styleLbl name="alignNode1">
+    <dgm:scene3d>
+      <a:camera prst="orthographicFront"/>
+      <a:lightRig rig="threePt" dir="t"/>
+    </dgm:scene3d>
+    <dgm:sp3d/>
+    <dgm:txPr/>
+    <dgm:style>
+      <a:lnRef idx="2">
+        <a:scrgbClr r="0" g="0" b="0"/>
+      </a:lnRef>
+      <a:fillRef idx="1">
+        <a:scrgbClr r="0" g="0" b="0"/>
+      </a:fillRef>
+      <a:effectRef idx="0">
+        <a:scrgbClr r="0" g="0" b="0"/>
+      </a:effectRef>
+      <a:fontRef idx="minor">
+        <a:schemeClr val="lt1"/>
+      </a:fontRef>
+    </dgm:style>
+  </dgm:styleLbl>
+  <dgm:styleLbl name="node1">
+    <dgm:scene3d>
+      <a:camera prst="orthographicFront"/>
+      <a:lightRig rig="threePt" dir="t"/>
+    </dgm:scene3d>
+    <dgm:sp3d/>
+    <dgm:txPr/>
+    <dgm:style>
+      <a:lnRef idx="2">
+        <a:scrgbClr r="0" g="0" b="0"/>
+      </a:lnRef>
+      <a:fillRef idx="1">
+        <a:scrgbClr r="0" g="0" b="0"/>
+      </a:fillRef>
+      <a:effectRef idx="0">
+        <a:scrgbClr r="0" g="0" b="0"/>
+      </a:effectRef>
+      <a:fontRef idx="minor">
+        <a:schemeClr val="lt1"/>
+      </a:fontRef>
+    </dgm:style>
+  </dgm:styleLbl>
+  <dgm:styleLbl name="node2">
+    <dgm:scene3d>
+      <a:camera prst="orthographicFront"/>
+      <a:lightRig rig="threePt" dir="t"/>
+    </dgm:scene3d>
+    <dgm:sp3d/>
+    <dgm:txPr/>
+    <dgm:style>
+      <a:lnRef idx="2">
+        <a:scrgbClr r="0" g="0" b="0"/>
+      </a:lnRef>
+      <a:fillRef idx="1">
+        <a:scrgbClr r="0" g="0" b="0"/>
+      </a:fillRef>
+      <a:effectRef idx="0">
+        <a:scrgbClr r="0" g="0" b="0"/>
+      </a:effectRef>
+      <a:fontRef idx="minor">
+        <a:schemeClr val="lt1"/>
+      </a:fontRef>
+    </dgm:style>
+  </dgm:styleLbl>
+  <dgm:styleLbl name="node3">
+    <dgm:scene3d>
+      <a:camera prst="orthographicFront"/>
+      <a:lightRig rig="threePt" dir="t"/>
+    </dgm:scene3d>
+    <dgm:sp3d/>
+    <dgm:txPr/>
+    <dgm:style>
+      <a:lnRef idx="2">
+        <a:scrgbClr r="0" g="0" b="0"/>
+      </a:lnRef>
+      <a:fillRef idx="1">
+        <a:scrgbClr r="0" g="0" b="0"/>
+      </a:fillRef>
+      <a:effectRef idx="0">
+        <a:scrgbClr r="0" g="0" b="0"/>
+      </a:effectRef>
+      <a:fontRef idx="minor">
+        <a:schemeClr val="lt1"/>
+      </a:fontRef>
+    </dgm:style>
+  </dgm:styleLbl>
+  <dgm:styleLbl name="node4">
+    <dgm:scene3d>
+      <a:camera prst="orthographicFront"/>
+      <a:lightRig rig="threePt" dir="t"/>
+    </dgm:scene3d>
+    <dgm:sp3d/>
+    <dgm:txPr/>
+    <dgm:style>
+      <a:lnRef idx="2">
+        <a:scrgbClr r="0" g="0" b="0"/>
+      </a:lnRef>
+      <a:fillRef idx="1">
+        <a:scrgbClr r="0" g="0" b="0"/>
+      </a:fillRef>
+      <a:effectRef idx="0">
+        <a:scrgbClr r="0" g="0" b="0"/>
+      </a:effectRef>
+      <a:fontRef idx="minor">
+        <a:schemeClr val="lt1"/>
+      </a:fontRef>
+    </dgm:style>
+  </dgm:styleLbl>
+  <dgm:styleLbl name="fgImgPlace1">
+    <dgm:scene3d>
+      <a:camera prst="orthographicFront"/>
+      <a:lightRig rig="threePt" dir="t"/>
+    </dgm:scene3d>
+    <dgm:sp3d/>
+    <dgm:txPr/>
+    <dgm:style>
+      <a:lnRef idx="2">
+        <a:scrgbClr r="0" g="0" b="0"/>
+      </a:lnRef>
+      <a:fillRef idx="1">
+        <a:scrgbClr r="0" g="0" b="0"/>
+      </a:fillRef>
+      <a:effectRef idx="0">
+        <a:scrgbClr r="0" g="0" b="0"/>
+      </a:effectRef>
+      <a:fontRef idx="minor"/>
+    </dgm:style>
+  </dgm:styleLbl>
+  <dgm:styleLbl name="alignImgPlace1">
+    <dgm:scene3d>
+      <a:camera prst="orthographicFront"/>
+      <a:lightRig rig="threePt" dir="t"/>
+    </dgm:scene3d>
+    <dgm:sp3d/>
+    <dgm:txPr/>
+    <dgm:style>
+      <a:lnRef idx="2">
+        <a:scrgbClr r="0" g="0" b="0"/>
+      </a:lnRef>
+      <a:fillRef idx="1">
+        <a:scrgbClr r="0" g="0" b="0"/>
+      </a:fillRef>
+      <a:effectRef idx="0">
+        <a:scrgbClr r="0" g="0" b="0"/>
+      </a:effectRef>
+      <a:fontRef idx="minor"/>
+    </dgm:style>
+  </dgm:styleLbl>
+  <dgm:styleLbl name="bgImgPlace1">
+    <dgm:scene3d>
+      <a:camera prst="orthographicFront"/>
+      <a:lightRig rig="threePt" dir="t"/>
+    </dgm:scene3d>
+    <dgm:sp3d/>
+    <dgm:txPr/>
+    <dgm:style>
+      <a:lnRef idx="2">
+        <a:scrgbClr r="0" g="0" b="0"/>
+      </a:lnRef>
+      <a:fillRef idx="1">
+        <a:scrgbClr r="0" g="0" b="0"/>
+      </a:fillRef>
+      <a:effectRef idx="0">
+        <a:scrgbClr r="0" g="0" b="0"/>
+      </a:effectRef>
+      <a:fontRef idx="minor"/>
+    </dgm:style>
+  </dgm:styleLbl>
+  <dgm:styleLbl name="sibTrans2D1">
+    <dgm:scene3d>
+      <a:camera prst="orthographicFront"/>
+      <a:lightRig rig="threePt" dir="t"/>
+    </dgm:scene3d>
+    <dgm:sp3d/>
+    <dgm:txPr/>
+    <dgm:style>
+      <a:lnRef idx="0">
+        <a:scrgbClr r="0" g="0" b="0"/>
+      </a:lnRef>
+      <a:fillRef idx="1">
+        <a:scrgbClr r="0" g="0" b="0"/>
+      </a:fillRef>
+      <a:effectRef idx="0">
+        <a:scrgbClr r="0" g="0" b="0"/>
+      </a:effectRef>
+      <a:fontRef idx="minor">
+        <a:schemeClr val="lt1"/>
+      </a:fontRef>
+    </dgm:style>
+  </dgm:styleLbl>
+  <dgm:styleLbl name="fgSibTrans2D1">
+    <dgm:scene3d>
+      <a:camera prst="orthographicFront"/>
+      <a:lightRig rig="threePt" dir="t"/>
+    </dgm:scene3d>
+    <dgm:sp3d/>
+    <dgm:txPr/>
+    <dgm:style>
+      <a:lnRef idx="0">
+        <a:scrgbClr r="0" g="0" b="0"/>
+      </a:lnRef>
+      <a:fillRef idx="1">
+        <a:scrgbClr r="0" g="0" b="0"/>
+      </a:fillRef>
+      <a:effectRef idx="0">
+        <a:scrgbClr r="0" g="0" b="0"/>
+      </a:effectRef>
+      <a:fontRef idx="minor">
+        <a:schemeClr val="lt1"/>
+      </a:fontRef>
+    </dgm:style>
+  </dgm:styleLbl>
+  <dgm:styleLbl name="bgSibTrans2D1">
+    <dgm:scene3d>
+      <a:camera prst="orthographicFront"/>
+      <a:lightRig rig="threePt" dir="t"/>
+    </dgm:scene3d>
+    <dgm:sp3d/>
+    <dgm:txPr/>
+    <dgm:style>
+      <a:lnRef idx="0">
+        <a:scrgbClr r="0" g="0" b="0"/>
+      </a:lnRef>
+      <a:fillRef idx="1">
+        <a:scrgbClr r="0" g="0" b="0"/>
+      </a:fillRef>
+      <a:effectRef idx="0">
+        <a:scrgbClr r="0" g="0" b="0"/>
+      </a:effectRef>
+      <a:fontRef idx="minor">
+        <a:schemeClr val="lt1"/>
+      </a:fontRef>
+    </dgm:style>
+  </dgm:styleLbl>
+  <dgm:styleLbl name="sibTrans1D1">
+    <dgm:scene3d>
+      <a:camera prst="orthographicFront"/>
+      <a:lightRig rig="threePt" dir="t"/>
+    </dgm:scene3d>
+    <dgm:sp3d/>
+    <dgm:txPr/>
+    <dgm:style>
+      <a:lnRef idx="1">
+        <a:scrgbClr r="0" g="0" b="0"/>
+      </a:lnRef>
+      <a:fillRef idx="0">
+        <a:scrgbClr r="0" g="0" b="0"/>
+      </a:fillRef>
+      <a:effectRef idx="0">
+        <a:scrgbClr r="0" g="0" b="0"/>
+      </a:effectRef>
+      <a:fontRef idx="minor"/>
+    </dgm:style>
+  </dgm:styleLbl>
+  <dgm:styleLbl name="callout">
+    <dgm:scene3d>
+      <a:camera prst="orthographicFront"/>
+      <a:lightRig rig="threePt" dir="t"/>
+    </dgm:scene3d>
+    <dgm:sp3d/>
+    <dgm:txPr/>
+    <dgm:style>
+      <a:lnRef idx="2">
+        <a:scrgbClr r="0" g="0" b="0"/>
+      </a:lnRef>
+      <a:fillRef idx="1">
+        <a:scrgbClr r="0" g="0" b="0"/>
+      </a:fillRef>
+      <a:effectRef idx="0">
+        <a:scrgbClr r="0" g="0" b="0"/>
+      </a:effectRef>
+      <a:fontRef idx="minor"/>
+    </dgm:style>
+  </dgm:styleLbl>
+  <dgm:styleLbl name="asst0">
+    <dgm:scene3d>
+      <a:camera prst="orthographicFront"/>
+      <a:lightRig rig="threePt" dir="t"/>
+    </dgm:scene3d>
+    <dgm:sp3d/>
+    <dgm:txPr/>
+    <dgm:style>
+      <a:lnRef idx="2">
+        <a:scrgbClr r="0" g="0" b="0"/>
+      </a:lnRef>
+      <a:fillRef idx="1">
+        <a:scrgbClr r="0" g="0" b="0"/>
+      </a:fillRef>
+      <a:effectRef idx="0">
+        <a:scrgbClr r="0" g="0" b="0"/>
+      </a:effectRef>
+      <a:fontRef idx="minor">
+        <a:schemeClr val="lt1"/>
+      </a:fontRef>
+    </dgm:style>
+  </dgm:styleLbl>
+  <dgm:styleLbl name="asst1">
+    <dgm:scene3d>
+      <a:camera prst="orthographicFront"/>
+      <a:lightRig rig="threePt" dir="t"/>
+    </dgm:scene3d>
+    <dgm:sp3d/>
+    <dgm:txPr/>
+    <dgm:style>
+      <a:lnRef idx="2">
+        <a:scrgbClr r="0" g="0" b="0"/>
+      </a:lnRef>
+      <a:fillRef idx="1">
+        <a:scrgbClr r="0" g="0" b="0"/>
+      </a:fillRef>
+      <a:effectRef idx="0">
+        <a:scrgbClr r="0" g="0" b="0"/>
+      </a:effectRef>
+      <a:fontRef idx="minor">
+        <a:schemeClr val="lt1"/>
+      </a:fontRef>
+    </dgm:style>
+  </dgm:styleLbl>
+  <dgm:styleLbl name="asst2">
+    <dgm:scene3d>
+      <a:camera prst="orthographicFront"/>
+      <a:lightRig rig="threePt" dir="t"/>
+    </dgm:scene3d>
+    <dgm:sp3d/>
+    <dgm:txPr/>
+    <dgm:style>
+      <a:lnRef idx="2">
+        <a:scrgbClr r="0" g="0" b="0"/>
+      </a:lnRef>
+      <a:fillRef idx="1">
+        <a:scrgbClr r="0" g="0" b="0"/>
+      </a:fillRef>
+      <a:effectRef idx="0">
+        <a:scrgbClr r="0" g="0" b="0"/>
+      </a:effectRef>
+      <a:fontRef idx="minor">
+        <a:schemeClr val="lt1"/>
+      </a:fontRef>
+    </dgm:style>
+  </dgm:styleLbl>
+  <dgm:styleLbl name="asst3">
+    <dgm:scene3d>
+      <a:camera prst="orthographicFront"/>
+      <a:lightRig rig="threePt" dir="t"/>
+    </dgm:scene3d>
+    <dgm:sp3d/>
+    <dgm:txPr/>
+    <dgm:style>
+      <a:lnRef idx="2">
+        <a:scrgbClr r="0" g="0" b="0"/>
+      </a:lnRef>
+      <a:fillRef idx="1">
+        <a:scrgbClr r="0" g="0" b="0"/>
+      </a:fillRef>
+      <a:effectRef idx="0">
+        <a:scrgbClr r="0" g="0" b="0"/>
+      </a:effectRef>
+      <a:fontRef idx="minor">
+        <a:schemeClr val="lt1"/>
+      </a:fontRef>
+    </dgm:style>
+  </dgm:styleLbl>
+  <dgm:styleLbl name="asst4">
+    <dgm:scene3d>
+      <a:camera prst="orthographicFront"/>
+      <a:lightRig rig="threePt" dir="t"/>
+    </dgm:scene3d>
+    <dgm:sp3d/>
+    <dgm:txPr/>
+    <dgm:style>
+      <a:lnRef idx="2">
+        <a:scrgbClr r="0" g="0" b="0"/>
+      </a:lnRef>
+      <a:fillRef idx="1">
+        <a:scrgbClr r="0" g="0" b="0"/>
+      </a:fillRef>
+      <a:effectRef idx="0">
+        <a:scrgbClr r="0" g="0" b="0"/>
+      </a:effectRef>
+      <a:fontRef idx="minor">
+        <a:schemeClr val="lt1"/>
+      </a:fontRef>
+    </dgm:style>
+  </dgm:styleLbl>
+  <dgm:styleLbl name="parChTrans2D1">
+    <dgm:scene3d>
+      <a:camera prst="orthographicFront"/>
+      <a:lightRig rig="threePt" dir="t"/>
+    </dgm:scene3d>
+    <dgm:sp3d/>
+    <dgm:txPr/>
+    <dgm:style>
+      <a:lnRef idx="2">
+        <a:scrgbClr r="0" g="0" b="0"/>
+      </a:lnRef>
+      <a:fillRef idx="1">
+        <a:scrgbClr r="0" g="0" b="0"/>
+      </a:fillRef>
+      <a:effectRef idx="0">
+        <a:scrgbClr r="0" g="0" b="0"/>
+      </a:effectRef>
+      <a:fontRef idx="minor">
+        <a:schemeClr val="lt1"/>
+      </a:fontRef>
+    </dgm:style>
+  </dgm:styleLbl>
+  <dgm:styleLbl name="parChTrans2D2">
+    <dgm:scene3d>
+      <a:camera prst="orthographicFront"/>
+      <a:lightRig rig="threePt" dir="t"/>
+    </dgm:scene3d>
+    <dgm:sp3d/>
+    <dgm:txPr/>
+    <dgm:style>
+      <a:lnRef idx="2">
+        <a:scrgbClr r="0" g="0" b="0"/>
+      </a:lnRef>
+      <a:fillRef idx="1">
+        <a:scrgbClr r="0" g="0" b="0"/>
+      </a:fillRef>
+      <a:effectRef idx="0">
+        <a:scrgbClr r="0" g="0" b="0"/>
+      </a:effectRef>
+      <a:fontRef idx="minor">
+        <a:schemeClr val="lt1"/>
+      </a:fontRef>
+    </dgm:style>
+  </dgm:styleLbl>
+  <dgm:styleLbl name="parChTrans2D3">
+    <dgm:scene3d>
+      <a:camera prst="orthographicFront"/>
+      <a:lightRig rig="threePt" dir="t"/>
+    </dgm:scene3d>
+    <dgm:sp3d/>
+    <dgm:txPr/>
+    <dgm:style>
+      <a:lnRef idx="2">
+        <a:scrgbClr r="0" g="0" b="0"/>
+      </a:lnRef>
+      <a:fillRef idx="1">
+        <a:scrgbClr r="0" g="0" b="0"/>
+      </a:fillRef>
+      <a:effectRef idx="0">
+        <a:scrgbClr r="0" g="0" b="0"/>
+      </a:effectRef>
+      <a:fontRef idx="minor">
+        <a:schemeClr val="lt1"/>
+      </a:fontRef>
+    </dgm:style>
+  </dgm:styleLbl>
+  <dgm:styleLbl name="parChTrans2D4">
+    <dgm:scene3d>
+      <a:camera prst="orthographicFront"/>
+      <a:lightRig rig="threePt" dir="t"/>
+    </dgm:scene3d>
+    <dgm:sp3d/>
+    <dgm:txPr/>
+    <dgm:style>
+      <a:lnRef idx="2">
+        <a:scrgbClr r="0" g="0" b="0"/>
+      </a:lnRef>
+      <a:fillRef idx="1">
+        <a:scrgbClr r="0" g="0" b="0"/>
+      </a:fillRef>
+      <a:effectRef idx="0">
+        <a:scrgbClr r="0" g="0" b="0"/>
+      </a:effectRef>
+      <a:fontRef idx="minor">
+        <a:schemeClr val="lt1"/>
+      </a:fontRef>
+    </dgm:style>
+  </dgm:styleLbl>
+  <dgm:styleLbl name="parChTrans1D1">
+    <dgm:scene3d>
+      <a:camera prst="orthographicFront"/>
+      <a:lightRig rig="threePt" dir="t"/>
+    </dgm:scene3d>
+    <dgm:sp3d/>
+    <dgm:txPr/>
+    <dgm:style>
+      <a:lnRef idx="2">
+        <a:scrgbClr r="0" g="0" b="0"/>
+      </a:lnRef>
+      <a:fillRef idx="0">
+        <a:scrgbClr r="0" g="0" b="0"/>
+      </a:fillRef>
+      <a:effectRef idx="0">
+        <a:scrgbClr r="0" g="0" b="0"/>
+      </a:effectRef>
+      <a:fontRef idx="minor"/>
+    </dgm:style>
+  </dgm:styleLbl>
+  <dgm:styleLbl name="parChTrans1D2">
+    <dgm:scene3d>
+      <a:camera prst="orthographicFront"/>
+      <a:lightRig rig="threePt" dir="t"/>
+    </dgm:scene3d>
+    <dgm:sp3d/>
+    <dgm:txPr/>
+    <dgm:style>
+      <a:lnRef idx="2">
+        <a:scrgbClr r="0" g="0" b="0"/>
+      </a:lnRef>
+      <a:fillRef idx="0">
+        <a:scrgbClr r="0" g="0" b="0"/>
+      </a:fillRef>
+      <a:effectRef idx="0">
+        <a:scrgbClr r="0" g="0" b="0"/>
+      </a:effectRef>
+      <a:fontRef idx="minor"/>
+    </dgm:style>
+  </dgm:styleLbl>
+  <dgm:styleLbl name="parChTrans1D3">
+    <dgm:scene3d>
+      <a:camera prst="orthographicFront"/>
+      <a:lightRig rig="threePt" dir="t"/>
+    </dgm:scene3d>
+    <dgm:sp3d/>
+    <dgm:txPr/>
+    <dgm:style>
+      <a:lnRef idx="2">
+        <a:scrgbClr r="0" g="0" b="0"/>
+      </a:lnRef>
+      <a:fillRef idx="0">
+        <a:scrgbClr r="0" g="0" b="0"/>
+      </a:fillRef>
+      <a:effectRef idx="0">
+        <a:scrgbClr r="0" g="0" b="0"/>
+      </a:effectRef>
+      <a:fontRef idx="minor"/>
+    </dgm:style>
+  </dgm:styleLbl>
+  <dgm:styleLbl name="parChTrans1D4">
+    <dgm:scene3d>
+      <a:camera prst="orthographicFront"/>
+      <a:lightRig rig="threePt" dir="t"/>
+    </dgm:scene3d>
+    <dgm:sp3d/>
+    <dgm:txPr/>
+    <dgm:style>
+      <a:lnRef idx="2">
+        <a:scrgbClr r="0" g="0" b="0"/>
+      </a:lnRef>
+      <a:fillRef idx="0">
+        <a:scrgbClr r="0" g="0" b="0"/>
+      </a:fillRef>
+      <a:effectRef idx="0">
+        <a:scrgbClr r="0" g="0" b="0"/>
+      </a:effectRef>
+      <a:fontRef idx="minor"/>
+    </dgm:style>
+  </dgm:styleLbl>
+  <dgm:styleLbl name="fgAcc1">
+    <dgm:scene3d>
+      <a:camera prst="orthographicFront"/>
+      <a:lightRig rig="threePt" dir="t"/>
+    </dgm:scene3d>
+    <dgm:sp3d/>
+    <dgm:txPr/>
+    <dgm:style>
+      <a:lnRef idx="2">
+        <a:scrgbClr r="0" g="0" b="0"/>
+      </a:lnRef>
+      <a:fillRef idx="1">
+        <a:scrgbClr r="0" g="0" b="0"/>
+      </a:fillRef>
+      <a:effectRef idx="0">
+        <a:scrgbClr r="0" g="0" b="0"/>
+      </a:effectRef>
+      <a:fontRef idx="minor"/>
+    </dgm:style>
+  </dgm:styleLbl>
+  <dgm:styleLbl name="conFgAcc1">
+    <dgm:scene3d>
+      <a:camera prst="orthographicFront"/>
+      <a:lightRig rig="threePt" dir="t"/>
+    </dgm:scene3d>
+    <dgm:sp3d/>
+    <dgm:txPr/>
+    <dgm:style>
+      <a:lnRef idx="2">
+        <a:scrgbClr r="0" g="0" b="0"/>
+      </a:lnRef>
+      <a:fillRef idx="1">
+        <a:scrgbClr r="0" g="0" b="0"/>
+      </a:fillRef>
+      <a:effectRef idx="0">
+        <a:scrgbClr r="0" g="0" b="0"/>
+      </a:effectRef>
+      <a:fontRef idx="minor"/>
+    </dgm:style>
+  </dgm:styleLbl>
+  <dgm:styleLbl name="alignAcc1">
+    <dgm:scene3d>
+      <a:camera prst="orthographicFront"/>
+      <a:lightRig rig="threePt" dir="t"/>
+    </dgm:scene3d>
+    <dgm:sp3d/>
+    <dgm:txPr/>
+    <dgm:style>
+      <a:lnRef idx="2">
+        <a:scrgbClr r="0" g="0" b="0"/>
+      </a:lnRef>
+      <a:fillRef idx="1">
+        <a:scrgbClr r="0" g="0" b="0"/>
+      </a:fillRef>
+      <a:effectRef idx="0">
+        <a:scrgbClr r="0" g="0" b="0"/>
+      </a:effectRef>
+      <a:fontRef idx="minor"/>
+    </dgm:style>
+  </dgm:styleLbl>
+  <dgm:styleLbl name="trAlignAcc1">
+    <dgm:scene3d>
+      <a:camera prst="orthographicFront"/>
+      <a:lightRig rig="threePt" dir="t"/>
+    </dgm:scene3d>
+    <dgm:sp3d/>
+    <dgm:txPr/>
+    <dgm:style>
+      <a:lnRef idx="1">
+        <a:scrgbClr r="0" g="0" b="0"/>
+      </a:lnRef>
+      <a:fillRef idx="1">
+        <a:scrgbClr r="0" g="0" b="0"/>
+      </a:fillRef>
+      <a:effectRef idx="0">
+        <a:scrgbClr r="0" g="0" b="0"/>
+      </a:effectRef>
+      <a:fontRef idx="minor"/>
+    </dgm:style>
+  </dgm:styleLbl>
+  <dgm:styleLbl name="bgAcc1">
+    <dgm:scene3d>
+      <a:camera prst="orthographicFront"/>
+      <a:lightRig rig="threePt" dir="t"/>
+    </dgm:scene3d>
+    <dgm:sp3d/>
+    <dgm:txPr/>
+    <dgm:style>
+      <a:lnRef idx="2">
+        <a:scrgbClr r="0" g="0" b="0"/>
+      </a:lnRef>
+      <a:fillRef idx="1">
+        <a:scrgbClr r="0" g="0" b="0"/>
+      </a:fillRef>
+      <a:effectRef idx="0">
+        <a:scrgbClr r="0" g="0" b="0"/>
+      </a:effectRef>
+      <a:fontRef idx="minor"/>
+    </dgm:style>
+  </dgm:styleLbl>
+  <dgm:styleLbl name="solidFgAcc1">
+    <dgm:scene3d>
+      <a:camera prst="orthographicFront"/>
+      <a:lightRig rig="threePt" dir="t"/>
+    </dgm:scene3d>
+    <dgm:sp3d/>
+    <dgm:txPr/>
+    <dgm:style>
+      <a:lnRef idx="2">
+        <a:scrgbClr r="0" g="0" b="0"/>
+      </a:lnRef>
+      <a:fillRef idx="1">
+        <a:scrgbClr r="0" g="0" b="0"/>
+      </a:fillRef>
+      <a:effectRef idx="0">
+        <a:scrgbClr r="0" g="0" b="0"/>
+      </a:effectRef>
+      <a:fontRef idx="minor"/>
+    </dgm:style>
+  </dgm:styleLbl>
+  <dgm:styleLbl name="solidAlignAcc1">
+    <dgm:scene3d>
+      <a:camera prst="orthographicFront"/>
+      <a:lightRig rig="threePt" dir="t"/>
+    </dgm:scene3d>
+    <dgm:sp3d/>
+    <dgm:txPr/>
+    <dgm:style>
+      <a:lnRef idx="2">
+        <a:scrgbClr r="0" g="0" b="0"/>
+      </a:lnRef>
+      <a:fillRef idx="1">
+        <a:scrgbClr r="0" g="0" b="0"/>
+      </a:fillRef>
+      <a:effectRef idx="0">
+        <a:scrgbClr r="0" g="0" b="0"/>
+      </a:effectRef>
+      <a:fontRef idx="minor"/>
+    </dgm:style>
+  </dgm:styleLbl>
+  <dgm:styleLbl name="solidBgAcc1">
+    <dgm:scene3d>
+      <a:camera prst="orthographicFront"/>
+      <a:lightRig rig="threePt" dir="t"/>
+    </dgm:scene3d>
+    <dgm:sp3d/>
+    <dgm:txPr/>
+    <dgm:style>
+      <a:lnRef idx="2">
+        <a:scrgbClr r="0" g="0" b="0"/>
+      </a:lnRef>
+      <a:fillRef idx="1">
+        <a:scrgbClr r="0" g="0" b="0"/>
+      </a:fillRef>
+      <a:effectRef idx="0">
+        <a:scrgbClr r="0" g="0" b="0"/>
+      </a:effectRef>
+      <a:fontRef idx="minor"/>
+    </dgm:style>
+  </dgm:styleLbl>
+  <dgm:styleLbl name="fgAccFollowNode1">
+    <dgm:scene3d>
+      <a:camera prst="orthographicFront"/>
+      <a:lightRig rig="threePt" dir="t"/>
+    </dgm:scene3d>
+    <dgm:sp3d/>
+    <dgm:txPr/>
+    <dgm:style>
+      <a:lnRef idx="2">
+        <a:scrgbClr r="0" g="0" b="0"/>
+      </a:lnRef>
+      <a:fillRef idx="1">
+        <a:scrgbClr r="0" g="0" b="0"/>
+      </a:fillRef>
+      <a:effectRef idx="0">
+        <a:scrgbClr r="0" g="0" b="0"/>
+      </a:effectRef>
+      <a:fontRef idx="minor"/>
+    </dgm:style>
+  </dgm:styleLbl>
+  <dgm:styleLbl name="alignAccFollowNode1">
+    <dgm:scene3d>
+      <a:camera prst="orthographicFront"/>
+      <a:lightRig rig="threePt" dir="t"/>
+    </dgm:scene3d>
+    <dgm:sp3d/>
+    <dgm:txPr/>
+    <dgm:style>
+      <a:lnRef idx="2">
+        <a:scrgbClr r="0" g="0" b="0"/>
+      </a:lnRef>
+      <a:fillRef idx="1">
+        <a:scrgbClr r="0" g="0" b="0"/>
+      </a:fillRef>
+      <a:effectRef idx="0">
+        <a:scrgbClr r="0" g="0" b="0"/>
+      </a:effectRef>
+      <a:fontRef idx="minor"/>
+    </dgm:style>
+  </dgm:styleLbl>
+  <dgm:styleLbl name="bgAccFollowNode1">
+    <dgm:scene3d>
+      <a:camera prst="orthographicFront"/>
+      <a:lightRig rig="threePt" dir="t"/>
+    </dgm:scene3d>
+    <dgm:sp3d/>
+    <dgm:txPr/>
+    <dgm:style>
+      <a:lnRef idx="2">
+        <a:scrgbClr r="0" g="0" b="0"/>
+      </a:lnRef>
+      <a:fillRef idx="1">
+        <a:scrgbClr r="0" g="0" b="0"/>
+      </a:fillRef>
+      <a:effectRef idx="0">
+        <a:scrgbClr r="0" g="0" b="0"/>
+      </a:effectRef>
+      <a:fontRef idx="minor"/>
+    </dgm:style>
+  </dgm:styleLbl>
+  <dgm:styleLbl name="fgAcc0">
+    <dgm:scene3d>
+      <a:camera prst="orthographicFront"/>
+      <a:lightRig rig="threePt" dir="t"/>
+    </dgm:scene3d>
+    <dgm:sp3d/>
+    <dgm:txPr/>
+    <dgm:style>
+      <a:lnRef idx="2">
+        <a:scrgbClr r="0" g="0" b="0"/>
+      </a:lnRef>
+      <a:fillRef idx="1">
+        <a:scrgbClr r="0" g="0" b="0"/>
+      </a:fillRef>
+      <a:effectRef idx="0">
+        <a:scrgbClr r="0" g="0" b="0"/>
+      </a:effectRef>
+      <a:fontRef idx="minor"/>
+    </dgm:style>
+  </dgm:styleLbl>
+  <dgm:styleLbl name="fgAcc2">
+    <dgm:scene3d>
+      <a:camera prst="orthographicFront"/>
+      <a:lightRig rig="threePt" dir="t"/>
+    </dgm:scene3d>
+    <dgm:sp3d/>
+    <dgm:txPr/>
+    <dgm:style>
+      <a:lnRef idx="2">
+        <a:scrgbClr r="0" g="0" b="0"/>
+      </a:lnRef>
+      <a:fillRef idx="1">
+        <a:scrgbClr r="0" g="0" b="0"/>
+      </a:fillRef>
+      <a:effectRef idx="0">
+        <a:scrgbClr r="0" g="0" b="0"/>
+      </a:effectRef>
+      <a:fontRef idx="minor"/>
+    </dgm:style>
+  </dgm:styleLbl>
+  <dgm:styleLbl name="fgAcc3">
+    <dgm:scene3d>
+      <a:camera prst="orthographicFront"/>
+      <a:lightRig rig="threePt" dir="t"/>
+    </dgm:scene3d>
+    <dgm:sp3d/>
+    <dgm:txPr/>
+    <dgm:style>
+      <a:lnRef idx="2">
+        <a:scrgbClr r="0" g="0" b="0"/>
+      </a:lnRef>
+      <a:fillRef idx="1">
+        <a:scrgbClr r="0" g="0" b="0"/>
+      </a:fillRef>
+      <a:effectRef idx="0">
+        <a:scrgbClr r="0" g="0" b="0"/>
+      </a:effectRef>
+      <a:fontRef idx="minor"/>
+    </dgm:style>
+  </dgm:styleLbl>
+  <dgm:styleLbl name="fgAcc4">
+    <dgm:scene3d>
+      <a:camera prst="orthographicFront"/>
+      <a:lightRig rig="threePt" dir="t"/>
+    </dgm:scene3d>
+    <dgm:sp3d/>
+    <dgm:txPr/>
+    <dgm:style>
+      <a:lnRef idx="2">
+        <a:scrgbClr r="0" g="0" b="0"/>
+      </a:lnRef>
+      <a:fillRef idx="1">
+        <a:scrgbClr r="0" g="0" b="0"/>
+      </a:fillRef>
+      <a:effectRef idx="0">
+        <a:scrgbClr r="0" g="0" b="0"/>
+      </a:effectRef>
+      <a:fontRef idx="minor"/>
+    </dgm:style>
+  </dgm:styleLbl>
+  <dgm:styleLbl name="bgShp">
+    <dgm:scene3d>
+      <a:camera prst="orthographicFront"/>
+      <a:lightRig rig="threePt" dir="t"/>
+    </dgm:scene3d>
+    <dgm:sp3d/>
+    <dgm:txPr/>
+    <dgm:style>
+      <a:lnRef idx="0">
+        <a:scrgbClr r="0" g="0" b="0"/>
+      </a:lnRef>
+      <a:fillRef idx="1">
+        <a:scrgbClr r="0" g="0" b="0"/>
+      </a:fillRef>
+      <a:effectRef idx="0">
+        <a:scrgbClr r="0" g="0" b="0"/>
+      </a:effectRef>
+      <a:fontRef idx="minor"/>
+    </dgm:style>
+  </dgm:styleLbl>
+  <dgm:styleLbl name="dkBgShp">
+    <dgm:scene3d>
+      <a:camera prst="orthographicFront"/>
+      <a:lightRig rig="threePt" dir="t"/>
+    </dgm:scene3d>
+    <dgm:sp3d/>
+    <dgm:txPr/>
+    <dgm:style>
+      <a:lnRef idx="0">
+        <a:scrgbClr r="0" g="0" b="0"/>
+      </a:lnRef>
+      <a:fillRef idx="1">
+        <a:scrgbClr r="0" g="0" b="0"/>
+      </a:fillRef>
+      <a:effectRef idx="0">
+        <a:scrgbClr r="0" g="0" b="0"/>
+      </a:effectRef>
+      <a:fontRef idx="minor"/>
+    </dgm:style>
+  </dgm:styleLbl>
+  <dgm:styleLbl name="trBgShp">
+    <dgm:scene3d>
+      <a:camera prst="orthographicFront"/>
+      <a:lightRig rig="threePt" dir="t"/>
+    </dgm:scene3d>
+    <dgm:sp3d/>
+    <dgm:txPr/>
+    <dgm:style>
+      <a:lnRef idx="0">
+        <a:scrgbClr r="0" g="0" b="0"/>
+      </a:lnRef>
+      <a:fillRef idx="1">
+        <a:scrgbClr r="0" g="0" b="0"/>
+      </a:fillRef>
+      <a:effectRef idx="0">
+        <a:scrgbClr r="0" g="0" b="0"/>
+      </a:effectRef>
+      <a:fontRef idx="minor"/>
+    </dgm:style>
+  </dgm:styleLbl>
+  <dgm:styleLbl name="fgShp">
+    <dgm:scene3d>
+      <a:camera prst="orthographicFront"/>
+      <a:lightRig rig="threePt" dir="t"/>
+    </dgm:scene3d>
+    <dgm:sp3d/>
+    <dgm:txPr/>
+    <dgm:style>
+      <a:lnRef idx="2">
+        <a:scrgbClr r="0" g="0" b="0"/>
+      </a:lnRef>
+      <a:fillRef idx="1">
+        <a:scrgbClr r="0" g="0" b="0"/>
+      </a:fillRef>
+      <a:effectRef idx="0">
+        <a:scrgbClr r="0" g="0" b="0"/>
+      </a:effectRef>
+      <a:fontRef idx="minor"/>
+    </dgm:style>
+  </dgm:styleLbl>
+  <dgm:styleLbl name="revTx">
+    <dgm:scene3d>
+      <a:camera prst="orthographicFront"/>
+      <a:lightRig rig="threePt" dir="t"/>
+    </dgm:scene3d>
+    <dgm:sp3d/>
+    <dgm:txPr/>
+    <dgm:style>
+      <a:lnRef idx="0">
+        <a:scrgbClr r="0" g="0" b="0"/>
+      </a:lnRef>
+      <a:fillRef idx="0">
+        <a:scrgbClr r="0" g="0" b="0"/>
+      </a:fillRef>
+      <a:effectRef idx="0">
+        <a:scrgbClr r="0" g="0" b="0"/>
+      </a:effectRef>
+      <a:fontRef idx="minor"/>
+    </dgm:style>
+  </dgm:styleLbl>
+</dgm:styleDef>
+</file>
+
+<file path=ppt/diagrams/quickStyle7.xml><?xml version="1.0" encoding="utf-8"?>
 <dgm:styleDef xmlns:dgm="http://schemas.openxmlformats.org/drawingml/2006/diagram" xmlns:a="http://schemas.openxmlformats.org/drawingml/2006/main" uniqueId="urn:microsoft.com/office/officeart/2005/8/quickstyle/simple1">
   <dgm:title val=""/>
   <dgm:desc val=""/>
@@ -15941,7 +18650,7 @@
           <a:p>
             <a:fld id="{CFBA6064-FDE0-48E8-9405-22609F48ED19}" type="datetimeFigureOut">
               <a:rPr lang="en-US" smtClean="0"/>
-              <a:t>8/30/2021</a:t>
+              <a:t>10/26/2021</a:t>
             </a:fld>
             <a:endParaRPr lang="en-US"/>
           </a:p>
@@ -16414,6 +19123,125 @@
           </a:bodyPr>
           <a:lstStyle/>
           <a:p>
+            <a:pPr algn="l">
+              <a:buFont typeface="Arial" panose="020B0604020202020204" pitchFamily="34" charset="0"/>
+              <a:buNone/>
+            </a:pPr>
+            <a:r>
+              <a:rPr lang="en-US" sz="1200" b="1" i="0" dirty="0">
+                <a:solidFill>
+                  <a:schemeClr val="tx1"/>
+                </a:solidFill>
+                <a:effectLst/>
+                <a:latin typeface="Segoe UI" panose="020B0502040204020203" pitchFamily="34" charset="0"/>
+              </a:rPr>
+              <a:t>sLog</a:t>
+            </a:r>
+            <a:endParaRPr lang="en-US" sz="1200" b="0" i="0" dirty="0">
+              <a:solidFill>
+                <a:schemeClr val="tx1"/>
+              </a:solidFill>
+              <a:effectLst/>
+              <a:latin typeface="Segoe UI" panose="020B0502040204020203" pitchFamily="34" charset="0"/>
+            </a:endParaRPr>
+          </a:p>
+          <a:p>
+            <a:pPr algn="l">
+              <a:buFont typeface="Arial" panose="020B0604020202020204" pitchFamily="34" charset="0"/>
+              <a:buNone/>
+            </a:pPr>
+            <a:r>
+              <a:rPr lang="en-US" sz="1200" b="0" i="0" dirty="0">
+                <a:solidFill>
+                  <a:schemeClr val="tx1"/>
+                </a:solidFill>
+                <a:effectLst/>
+                <a:latin typeface="Segoe UI" panose="020B0502040204020203" pitchFamily="34" charset="0"/>
+              </a:rPr>
+              <a:t>sLog is a secondary in-memory log stream that stores log records for non-versioned operations (such as metadata cache invalidation, lock acquisitions, and so on). The sLog is:</a:t>
+            </a:r>
+          </a:p>
+          <a:p>
+            <a:pPr marL="742950" lvl="1" indent="-285750" algn="l">
+              <a:buFont typeface="Arial" panose="020B0604020202020204" pitchFamily="34" charset="0"/>
+              <a:buChar char="•"/>
+            </a:pPr>
+            <a:r>
+              <a:rPr lang="en-US" sz="1200" b="0" i="0" dirty="0">
+                <a:solidFill>
+                  <a:schemeClr val="tx1"/>
+                </a:solidFill>
+                <a:effectLst/>
+                <a:latin typeface="Segoe UI" panose="020B0502040204020203" pitchFamily="34" charset="0"/>
+              </a:rPr>
+              <a:t>Low volume and in-memory</a:t>
+            </a:r>
+          </a:p>
+          <a:p>
+            <a:pPr marL="742950" lvl="1" indent="-285750" algn="l">
+              <a:buFont typeface="Arial" panose="020B0604020202020204" pitchFamily="34" charset="0"/>
+              <a:buChar char="•"/>
+            </a:pPr>
+            <a:r>
+              <a:rPr lang="en-US" sz="1200" b="0" i="0" dirty="0">
+                <a:solidFill>
+                  <a:schemeClr val="tx1"/>
+                </a:solidFill>
+                <a:effectLst/>
+                <a:latin typeface="Segoe UI" panose="020B0502040204020203" pitchFamily="34" charset="0"/>
+              </a:rPr>
+              <a:t>Persisted on disk by being serialized during the checkpoint process</a:t>
+            </a:r>
+          </a:p>
+          <a:p>
+            <a:pPr marL="742950" lvl="1" indent="-285750" algn="l">
+              <a:buFont typeface="Arial" panose="020B0604020202020204" pitchFamily="34" charset="0"/>
+              <a:buChar char="•"/>
+            </a:pPr>
+            <a:r>
+              <a:rPr lang="en-US" sz="1200" b="0" i="0" dirty="0">
+                <a:solidFill>
+                  <a:schemeClr val="tx1"/>
+                </a:solidFill>
+                <a:effectLst/>
+                <a:latin typeface="Segoe UI" panose="020B0502040204020203" pitchFamily="34" charset="0"/>
+              </a:rPr>
+              <a:t>Periodically truncated as transactions commit</a:t>
+            </a:r>
+          </a:p>
+          <a:p>
+            <a:pPr marL="742950" lvl="1" indent="-285750" algn="l">
+              <a:buFont typeface="Arial" panose="020B0604020202020204" pitchFamily="34" charset="0"/>
+              <a:buChar char="•"/>
+            </a:pPr>
+            <a:r>
+              <a:rPr lang="en-US" sz="1200" b="0" i="0" dirty="0">
+                <a:solidFill>
+                  <a:schemeClr val="tx1"/>
+                </a:solidFill>
+                <a:effectLst/>
+                <a:latin typeface="Segoe UI" panose="020B0502040204020203" pitchFamily="34" charset="0"/>
+              </a:rPr>
+              <a:t>Accelerates redo and undo by processing only the non-versioned operations</a:t>
+            </a:r>
+          </a:p>
+          <a:p>
+            <a:pPr marL="742950" lvl="1" indent="-285750" algn="l">
+              <a:buFont typeface="Arial" panose="020B0604020202020204" pitchFamily="34" charset="0"/>
+              <a:buChar char="•"/>
+            </a:pPr>
+            <a:r>
+              <a:rPr lang="en-US" sz="1200" b="0" i="0" dirty="0">
+                <a:solidFill>
+                  <a:schemeClr val="tx1"/>
+                </a:solidFill>
+                <a:effectLst/>
+                <a:latin typeface="Segoe UI" panose="020B0502040204020203" pitchFamily="34" charset="0"/>
+              </a:rPr>
+              <a:t>Enables aggressive transaction log truncation by preserving only the required log records</a:t>
+            </a:r>
+          </a:p>
+          <a:p>
             <a:endParaRPr lang="en-US" sz="1200" b="0" i="0" u="none" strike="noStrike" kern="1200" dirty="0">
               <a:solidFill>
                 <a:schemeClr val="tx1"/>
@@ -16452,7 +19280,7 @@
             <a:fld id="{EA2B2ED8-C573-45EF-BF68-CEC19505703A}" type="datetime8">
               <a:rPr lang="en-US" smtClean="0"/>
               <a:pPr/>
-              <a:t>8/30/2021 10:13 AM</a:t>
+              <a:t>10/26/2021 3:19 PM</a:t>
             </a:fld>
             <a:endParaRPr lang="en-US" dirty="0"/>
           </a:p>
@@ -16550,6 +19378,253 @@
     </p:spTree>
     <p:extLst>
       <p:ext uri="{BB962C8B-B14F-4D97-AF65-F5344CB8AC3E}">
+        <p14:creationId xmlns:p14="http://schemas.microsoft.com/office/powerpoint/2010/main" val="1851516857"/>
+      </p:ext>
+    </p:extLst>
+  </p:cSld>
+  <p:clrMapOvr>
+    <a:masterClrMapping/>
+  </p:clrMapOvr>
+</p:notes>
+</file>
+
+<file path=ppt/notesSlides/notesSlide11.xml><?xml version="1.0" encoding="utf-8"?>
+<p:notes xmlns:a="http://schemas.openxmlformats.org/drawingml/2006/main" xmlns:r="http://schemas.openxmlformats.org/officeDocument/2006/relationships" xmlns:p="http://schemas.openxmlformats.org/presentationml/2006/main">
+  <p:cSld>
+    <p:spTree>
+      <p:nvGrpSpPr>
+        <p:cNvPr id="1" name=""/>
+        <p:cNvGrpSpPr/>
+        <p:nvPr/>
+      </p:nvGrpSpPr>
+      <p:grpSpPr>
+        <a:xfrm>
+          <a:off x="0" y="0"/>
+          <a:ext cx="0" cy="0"/>
+          <a:chOff x="0" y="0"/>
+          <a:chExt cx="0" cy="0"/>
+        </a:xfrm>
+      </p:grpSpPr>
+      <p:sp>
+        <p:nvSpPr>
+          <p:cNvPr id="2" name="Slide Image Placeholder 1"/>
+          <p:cNvSpPr>
+            <a:spLocks noGrp="1" noRot="1" noChangeAspect="1"/>
+          </p:cNvSpPr>
+          <p:nvPr>
+            <p:ph type="sldImg"/>
+          </p:nvPr>
+        </p:nvSpPr>
+        <p:spPr>
+          <a:xfrm>
+            <a:off x="381000" y="685800"/>
+            <a:ext cx="6096000" cy="3429000"/>
+          </a:xfrm>
+          <a:prstGeom prst="rect">
+            <a:avLst/>
+          </a:prstGeom>
+        </p:spPr>
+      </p:sp>
+      <p:sp>
+        <p:nvSpPr>
+          <p:cNvPr id="3" name="Notes Placeholder 2"/>
+          <p:cNvSpPr>
+            <a:spLocks noGrp="1"/>
+          </p:cNvSpPr>
+          <p:nvPr>
+            <p:ph type="body" idx="1"/>
+          </p:nvPr>
+        </p:nvSpPr>
+        <p:spPr>
+          <a:xfrm>
+            <a:off x="685800" y="4343400"/>
+            <a:ext cx="5486400" cy="4114800"/>
+          </a:xfrm>
+          <a:prstGeom prst="rect">
+            <a:avLst/>
+          </a:prstGeom>
+        </p:spPr>
+        <p:txBody>
+          <a:bodyPr>
+            <a:normAutofit/>
+          </a:bodyPr>
+          <a:lstStyle/>
+          <a:p>
+            <a:pPr algn="l">
+              <a:buFont typeface="Arial" panose="020B0604020202020204" pitchFamily="34" charset="0"/>
+              <a:buNone/>
+            </a:pPr>
+            <a:r>
+              <a:rPr lang="en-US" sz="1200" b="1" i="0" dirty="0">
+                <a:solidFill>
+                  <a:schemeClr val="tx1"/>
+                </a:solidFill>
+                <a:effectLst/>
+                <a:latin typeface="Segoe UI" panose="020B0502040204020203" pitchFamily="34" charset="0"/>
+              </a:rPr>
+              <a:t>Cleaner</a:t>
+            </a:r>
+            <a:endParaRPr lang="en-US" sz="1200" b="0" i="0" dirty="0">
+              <a:solidFill>
+                <a:schemeClr val="tx1"/>
+              </a:solidFill>
+              <a:effectLst/>
+              <a:latin typeface="Segoe UI" panose="020B0502040204020203" pitchFamily="34" charset="0"/>
+            </a:endParaRPr>
+          </a:p>
+          <a:p>
+            <a:pPr algn="l">
+              <a:buFont typeface="Arial" panose="020B0604020202020204" pitchFamily="34" charset="0"/>
+              <a:buNone/>
+            </a:pPr>
+            <a:r>
+              <a:rPr lang="en-US" sz="1200" b="0" i="0" dirty="0">
+                <a:solidFill>
+                  <a:schemeClr val="tx1"/>
+                </a:solidFill>
+                <a:effectLst/>
+                <a:latin typeface="Segoe UI" panose="020B0502040204020203" pitchFamily="34" charset="0"/>
+              </a:rPr>
+              <a:t>The cleaner is the asynchronous process that wakes up periodically and cleans page versions that are not needed.</a:t>
+            </a:r>
+          </a:p>
+          <a:p>
+            <a:endParaRPr lang="en-US" sz="1200" b="0" i="0" u="none" strike="noStrike" kern="1200" dirty="0">
+              <a:solidFill>
+                <a:schemeClr val="tx1"/>
+              </a:solidFill>
+              <a:effectLst/>
+              <a:latin typeface="Segoe UI Light" pitchFamily="34" charset="0"/>
+              <a:ea typeface="+mn-ea"/>
+              <a:cs typeface="+mn-cs"/>
+            </a:endParaRPr>
+          </a:p>
+        </p:txBody>
+      </p:sp>
+      <p:sp>
+        <p:nvSpPr>
+          <p:cNvPr id="4" name="Date Placeholder 3"/>
+          <p:cNvSpPr>
+            <a:spLocks noGrp="1"/>
+          </p:cNvSpPr>
+          <p:nvPr>
+            <p:ph type="dt" idx="10"/>
+          </p:nvPr>
+        </p:nvSpPr>
+        <p:spPr>
+          <a:xfrm>
+            <a:off x="3884613" y="0"/>
+            <a:ext cx="2971800" cy="457200"/>
+          </a:xfrm>
+          <a:prstGeom prst="rect">
+            <a:avLst/>
+          </a:prstGeom>
+        </p:spPr>
+        <p:txBody>
+          <a:bodyPr/>
+          <a:lstStyle/>
+          <a:p>
+            <a:fld id="{EA2B2ED8-C573-45EF-BF68-CEC19505703A}" type="datetime8">
+              <a:rPr lang="en-US" smtClean="0"/>
+              <a:pPr/>
+              <a:t>10/26/2021 3:19 PM</a:t>
+            </a:fld>
+            <a:endParaRPr lang="en-US" dirty="0"/>
+          </a:p>
+        </p:txBody>
+      </p:sp>
+      <p:sp>
+        <p:nvSpPr>
+          <p:cNvPr id="7" name="Slide Number Placeholder 6"/>
+          <p:cNvSpPr>
+            <a:spLocks noGrp="1"/>
+          </p:cNvSpPr>
+          <p:nvPr>
+            <p:ph type="sldNum" sz="quarter" idx="12"/>
+          </p:nvPr>
+        </p:nvSpPr>
+        <p:spPr>
+          <a:xfrm>
+            <a:off x="6172199" y="8685213"/>
+            <a:ext cx="684213" cy="457200"/>
+          </a:xfrm>
+          <a:prstGeom prst="rect">
+            <a:avLst/>
+          </a:prstGeom>
+        </p:spPr>
+        <p:txBody>
+          <a:bodyPr/>
+          <a:lstStyle/>
+          <a:p>
+            <a:fld id="{8B263312-38AA-4E1E-B2B5-0F8F122B24FE}" type="slidenum">
+              <a:rPr lang="en-US" smtClean="0"/>
+              <a:pPr/>
+              <a:t>12</a:t>
+            </a:fld>
+            <a:endParaRPr lang="en-US" dirty="0"/>
+          </a:p>
+        </p:txBody>
+      </p:sp>
+      <p:sp>
+        <p:nvSpPr>
+          <p:cNvPr id="6" name="Footer Placeholder 5"/>
+          <p:cNvSpPr>
+            <a:spLocks noGrp="1"/>
+          </p:cNvSpPr>
+          <p:nvPr>
+            <p:ph type="ftr" sz="quarter" idx="13"/>
+          </p:nvPr>
+        </p:nvSpPr>
+        <p:spPr/>
+        <p:txBody>
+          <a:bodyPr/>
+          <a:lstStyle/>
+          <a:p>
+            <a:pPr defTabSz="914099" eaLnBrk="0" hangingPunct="0"/>
+            <a:r>
+              <a:rPr lang="en-US" sz="400" dirty="0">
+                <a:gradFill>
+                  <a:gsLst>
+                    <a:gs pos="0">
+                      <a:prstClr val="black"/>
+                    </a:gs>
+                    <a:gs pos="100000">
+                      <a:prstClr val="black"/>
+                    </a:gs>
+                  </a:gsLst>
+                  <a:lin ang="5400000" scaled="0"/>
+                </a:gradFill>
+                <a:latin typeface="Segoe UI" pitchFamily="34" charset="0"/>
+                <a:ea typeface="Segoe UI" pitchFamily="34" charset="0"/>
+                <a:cs typeface="Segoe UI" pitchFamily="34" charset="0"/>
+              </a:rPr>
+              <a:t>© 2014 Microsoft Corporation. All rights reserved. MICROSOFT MAKES NO WARRANTIES, EXPRESS, IMPLIED OR STATUTORY, AS TO THE INFORMATION IN THIS PRESENTATION.</a:t>
+            </a:r>
+          </a:p>
+        </p:txBody>
+      </p:sp>
+      <p:sp>
+        <p:nvSpPr>
+          <p:cNvPr id="9" name="Header Placeholder 8"/>
+          <p:cNvSpPr>
+            <a:spLocks noGrp="1"/>
+          </p:cNvSpPr>
+          <p:nvPr>
+            <p:ph type="hdr" sz="quarter" idx="14"/>
+          </p:nvPr>
+        </p:nvSpPr>
+        <p:spPr/>
+        <p:txBody>
+          <a:bodyPr/>
+          <a:lstStyle/>
+          <a:p>
+            <a:endParaRPr lang="en-US" dirty="0"/>
+          </a:p>
+        </p:txBody>
+      </p:sp>
+    </p:spTree>
+    <p:extLst>
+      <p:ext uri="{BB962C8B-B14F-4D97-AF65-F5344CB8AC3E}">
         <p14:creationId xmlns:p14="http://schemas.microsoft.com/office/powerpoint/2010/main" val="1434848484"/>
       </p:ext>
     </p:extLst>
@@ -16560,7 +19635,7 @@
 </p:notes>
 </file>
 
-<file path=ppt/notesSlides/notesSlide11.xml><?xml version="1.0" encoding="utf-8"?>
+<file path=ppt/notesSlides/notesSlide12.xml><?xml version="1.0" encoding="utf-8"?>
 <p:notes xmlns:a="http://schemas.openxmlformats.org/drawingml/2006/main" xmlns:r="http://schemas.openxmlformats.org/officeDocument/2006/relationships" xmlns:p="http://schemas.openxmlformats.org/presentationml/2006/main">
   <p:cSld>
     <p:spTree>
@@ -16604,36 +19679,148 @@
           <a:bodyPr/>
           <a:lstStyle/>
           <a:p>
+            <a:pPr algn="l"/>
             <a:r>
-              <a:rPr lang="en-US" sz="900" b="1" i="0" kern="1200" dirty="0">
+              <a:rPr lang="en-US" sz="1200" b="0" i="0" dirty="0">
                 <a:solidFill>
                   <a:schemeClr val="tx1"/>
                 </a:solidFill>
                 <a:effectLst/>
-                <a:latin typeface="Segoe UI Light" pitchFamily="34" charset="0"/>
-                <a:ea typeface="+mn-ea"/>
-                <a:cs typeface="+mn-cs"/>
+                <a:latin typeface="+mn-lt"/>
               </a:rPr>
-              <a:t>Analysis phase</a:t>
+              <a:t>ADR addresses these issues by completely redesigning the SQL Server database engine recovery process  by making recovery instantaneous by avoiding having to scan the log from/to the beginning of the oldest active transaction. </a:t>
             </a:r>
-            <a:endParaRPr lang="en-US" sz="900" b="0" i="0" kern="1200" dirty="0">
+          </a:p>
+          <a:p>
+            <a:pPr algn="l"/>
+            <a:endParaRPr lang="en-US" sz="1200" b="0" i="0" dirty="0">
               <a:solidFill>
                 <a:schemeClr val="tx1"/>
               </a:solidFill>
               <a:effectLst/>
-              <a:latin typeface="Segoe UI Light" pitchFamily="34" charset="0"/>
+              <a:latin typeface="+mn-lt"/>
+            </a:endParaRPr>
+          </a:p>
+          <a:p>
+            <a:pPr algn="l"/>
+            <a:r>
+              <a:rPr lang="en-US" sz="1200" b="0" i="0" dirty="0">
+                <a:solidFill>
+                  <a:schemeClr val="tx1"/>
+                </a:solidFill>
+                <a:effectLst/>
+                <a:latin typeface="+mn-lt"/>
+              </a:rPr>
+              <a:t>With ADR, the transaction log is only processed from the last successful checkpoint (or oldest dirty page Log Sequence Number (LSN)). As a result, recovery time is not impacted by long running transactions.</a:t>
+            </a:r>
+          </a:p>
+          <a:p>
+            <a:pPr algn="l">
+              <a:buFont typeface="Arial" panose="020B0604020202020204" pitchFamily="34" charset="0"/>
+              <a:buNone/>
+            </a:pPr>
+            <a:endParaRPr lang="en-US" sz="1200" b="0" i="0" dirty="0">
+              <a:solidFill>
+                <a:schemeClr val="tx1"/>
+              </a:solidFill>
+              <a:effectLst/>
+              <a:latin typeface="+mn-lt"/>
+            </a:endParaRPr>
+          </a:p>
+          <a:p>
+            <a:pPr algn="l">
+              <a:buFont typeface="Arial" panose="020B0604020202020204" pitchFamily="34" charset="0"/>
+              <a:buNone/>
+            </a:pPr>
+            <a:r>
+              <a:rPr lang="en-US" sz="1200" b="0" i="0" dirty="0">
+                <a:solidFill>
+                  <a:schemeClr val="tx1"/>
+                </a:solidFill>
+                <a:effectLst/>
+                <a:latin typeface="+mn-lt"/>
+              </a:rPr>
+              <a:t>Minimize the required transaction log space since there is no longer a need to process the log for the whole transaction. As a result, the transaction log can be truncated aggressively as checkpoints and backups occur.</a:t>
+            </a:r>
+          </a:p>
+          <a:p>
+            <a:pPr algn="l"/>
+            <a:endParaRPr lang="en-US" sz="1200" b="0" i="0" dirty="0">
+              <a:solidFill>
+                <a:schemeClr val="tx1"/>
+              </a:solidFill>
+              <a:effectLst/>
+              <a:latin typeface="+mn-lt"/>
+            </a:endParaRPr>
+          </a:p>
+          <a:p>
+            <a:pPr algn="l"/>
+            <a:r>
+              <a:rPr lang="en-US" sz="1200" b="0" i="0" dirty="0">
+                <a:solidFill>
+                  <a:schemeClr val="tx1"/>
+                </a:solidFill>
+                <a:effectLst/>
+                <a:latin typeface="+mn-lt"/>
+              </a:rPr>
+              <a:t>At a high level, ADR achieves fast database recovery by versioning all physical database modifications and </a:t>
+            </a:r>
+          </a:p>
+          <a:p>
+            <a:pPr algn="l"/>
+            <a:r>
+              <a:rPr lang="en-US" sz="1200" b="0" i="0" dirty="0">
+                <a:solidFill>
+                  <a:schemeClr val="tx1"/>
+                </a:solidFill>
+                <a:effectLst/>
+                <a:latin typeface="+mn-lt"/>
+              </a:rPr>
+              <a:t>only undoing logical operations, which are limited and can be undone almost instantly. Any transaction that was active as of the time of a crash are marked as aborted and, therefore, any versions generated by these transactions can be ignored by concurrent user queries.</a:t>
+            </a:r>
+          </a:p>
+          <a:p>
+            <a:endParaRPr lang="en-US" sz="1200" b="1" i="0" kern="1200" dirty="0">
+              <a:solidFill>
+                <a:schemeClr val="tx1"/>
+              </a:solidFill>
+              <a:effectLst/>
+              <a:latin typeface="+mn-lt"/>
               <a:ea typeface="+mn-ea"/>
               <a:cs typeface="+mn-cs"/>
             </a:endParaRPr>
           </a:p>
           <a:p>
             <a:r>
-              <a:rPr lang="en-US" sz="900" b="0" i="0" kern="1200" dirty="0">
+              <a:rPr lang="en-US" sz="1200" b="1" i="0" kern="1200" dirty="0">
                 <a:solidFill>
                   <a:schemeClr val="tx1"/>
                 </a:solidFill>
                 <a:effectLst/>
-                <a:latin typeface="Segoe UI Light" pitchFamily="34" charset="0"/>
+                <a:latin typeface="+mn-lt"/>
+                <a:ea typeface="+mn-ea"/>
+                <a:cs typeface="+mn-cs"/>
+              </a:rPr>
+              <a:t>Analysis phase</a:t>
+            </a:r>
+            <a:endParaRPr lang="en-US" sz="1200" b="0" i="0" kern="1200" dirty="0">
+              <a:solidFill>
+                <a:schemeClr val="tx1"/>
+              </a:solidFill>
+              <a:effectLst/>
+              <a:latin typeface="+mn-lt"/>
+              <a:ea typeface="+mn-ea"/>
+              <a:cs typeface="+mn-cs"/>
+            </a:endParaRPr>
+          </a:p>
+          <a:p>
+            <a:r>
+              <a:rPr lang="en-US" sz="1200" b="0" i="0" kern="1200" dirty="0">
+                <a:solidFill>
+                  <a:schemeClr val="tx1"/>
+                </a:solidFill>
+                <a:effectLst/>
+                <a:latin typeface="+mn-lt"/>
                 <a:ea typeface="+mn-ea"/>
                 <a:cs typeface="+mn-cs"/>
               </a:rPr>
@@ -16642,24 +19829,24 @@
           </a:p>
           <a:p>
             <a:r>
-              <a:rPr lang="en-US" sz="900" b="1" i="0" kern="1200" dirty="0">
+              <a:rPr lang="en-US" sz="1200" b="1" i="0" kern="1200" dirty="0">
                 <a:solidFill>
                   <a:schemeClr val="tx1"/>
                 </a:solidFill>
                 <a:effectLst/>
-                <a:latin typeface="Segoe UI Light" pitchFamily="34" charset="0"/>
+                <a:latin typeface="+mn-lt"/>
                 <a:ea typeface="+mn-ea"/>
                 <a:cs typeface="+mn-cs"/>
               </a:rPr>
               <a:t>Redo</a:t>
             </a:r>
             <a:r>
-              <a:rPr lang="en-US" sz="900" b="0" i="0" kern="1200" dirty="0">
+              <a:rPr lang="en-US" sz="1200" b="0" i="0" kern="1200" dirty="0">
                 <a:solidFill>
                   <a:schemeClr val="tx1"/>
                 </a:solidFill>
                 <a:effectLst/>
-                <a:latin typeface="Segoe UI Light" pitchFamily="34" charset="0"/>
+                <a:latin typeface="+mn-lt"/>
                 <a:ea typeface="+mn-ea"/>
                 <a:cs typeface="+mn-cs"/>
               </a:rPr>
@@ -16668,12 +19855,12 @@
           </a:p>
           <a:p>
             <a:r>
-              <a:rPr lang="en-US" sz="900" b="0" i="0" kern="1200" dirty="0">
+              <a:rPr lang="en-US" sz="1200" b="0" i="0" kern="1200" dirty="0">
                 <a:solidFill>
                   <a:schemeClr val="tx1"/>
                 </a:solidFill>
                 <a:effectLst/>
-                <a:latin typeface="Segoe UI Light" pitchFamily="34" charset="0"/>
+                <a:latin typeface="+mn-lt"/>
                 <a:ea typeface="+mn-ea"/>
                 <a:cs typeface="+mn-cs"/>
               </a:rPr>
@@ -16683,12 +19870,12 @@
           <a:p>
             <a:pPr lvl="1"/>
             <a:r>
-              <a:rPr lang="en-US" sz="900" b="0" i="0" kern="1200" dirty="0">
+              <a:rPr lang="en-US" sz="1200" b="0" i="0" kern="1200" dirty="0">
                 <a:solidFill>
                   <a:schemeClr val="tx1"/>
                 </a:solidFill>
                 <a:effectLst/>
-                <a:latin typeface="Segoe UI Light" pitchFamily="34" charset="0"/>
+                <a:latin typeface="+mn-lt"/>
                 <a:ea typeface="+mn-ea"/>
                 <a:cs typeface="+mn-cs"/>
               </a:rPr>
@@ -16698,12 +19885,12 @@
           <a:p>
             <a:pPr lvl="1"/>
             <a:r>
-              <a:rPr lang="en-US" sz="900" b="0" i="0" kern="1200" dirty="0">
+              <a:rPr lang="en-US" sz="1200" b="0" i="0" kern="1200" dirty="0">
                 <a:solidFill>
                   <a:schemeClr val="tx1"/>
                 </a:solidFill>
                 <a:effectLst/>
-                <a:latin typeface="Segoe UI Light" pitchFamily="34" charset="0"/>
+                <a:latin typeface="+mn-lt"/>
                 <a:ea typeface="+mn-ea"/>
                 <a:cs typeface="+mn-cs"/>
               </a:rPr>
@@ -16713,12 +19900,12 @@
           <a:p>
             <a:pPr lvl="1"/>
             <a:r>
-              <a:rPr lang="en-US" sz="900" b="0" i="0" kern="1200" dirty="0">
+              <a:rPr lang="en-US" sz="1200" b="0" i="0" kern="1200" dirty="0">
                 <a:solidFill>
                   <a:schemeClr val="tx1"/>
                 </a:solidFill>
                 <a:effectLst/>
-                <a:latin typeface="Segoe UI Light" pitchFamily="34" charset="0"/>
+                <a:latin typeface="+mn-lt"/>
                 <a:ea typeface="+mn-ea"/>
                 <a:cs typeface="+mn-cs"/>
               </a:rPr>
@@ -16728,12 +19915,12 @@
           <a:p>
             <a:pPr lvl="1"/>
             <a:r>
-              <a:rPr lang="en-US" sz="900" b="0" i="0" kern="1200" dirty="0">
+              <a:rPr lang="en-US" sz="1200" b="0" i="0" kern="1200" dirty="0">
                 <a:solidFill>
                   <a:schemeClr val="tx1"/>
                 </a:solidFill>
                 <a:effectLst/>
-                <a:latin typeface="Segoe UI Light" pitchFamily="34" charset="0"/>
+                <a:latin typeface="+mn-lt"/>
                 <a:ea typeface="+mn-ea"/>
                 <a:cs typeface="+mn-cs"/>
               </a:rPr>
@@ -16742,40 +19929,123 @@
           </a:p>
           <a:p>
             <a:r>
-              <a:rPr lang="en-US" sz="900" b="1" i="0" kern="1200" dirty="0">
+              <a:rPr lang="en-US" sz="1200" b="1" i="0" kern="1200" dirty="0">
                 <a:solidFill>
                   <a:schemeClr val="tx1"/>
                 </a:solidFill>
                 <a:effectLst/>
-                <a:latin typeface="Segoe UI Light" pitchFamily="34" charset="0"/>
+                <a:latin typeface="+mn-lt"/>
                 <a:ea typeface="+mn-ea"/>
                 <a:cs typeface="+mn-cs"/>
               </a:rPr>
               <a:t>Undo phase</a:t>
             </a:r>
-            <a:endParaRPr lang="en-US" sz="900" b="0" i="0" kern="1200" dirty="0">
+            <a:endParaRPr lang="en-US" sz="1200" b="0" i="0" kern="1200" dirty="0">
               <a:solidFill>
                 <a:schemeClr val="tx1"/>
               </a:solidFill>
               <a:effectLst/>
-              <a:latin typeface="Segoe UI Light" pitchFamily="34" charset="0"/>
+              <a:latin typeface="+mn-lt"/>
               <a:ea typeface="+mn-ea"/>
               <a:cs typeface="+mn-cs"/>
             </a:endParaRPr>
           </a:p>
           <a:p>
             <a:r>
-              <a:rPr lang="en-US" sz="900" b="0" i="0" kern="1200" dirty="0">
+              <a:rPr lang="en-US" sz="1200" b="0" i="0" kern="1200" dirty="0">
                 <a:solidFill>
                   <a:schemeClr val="tx1"/>
                 </a:solidFill>
                 <a:effectLst/>
-                <a:latin typeface="Segoe UI Light" pitchFamily="34" charset="0"/>
+                <a:latin typeface="+mn-lt"/>
                 <a:ea typeface="+mn-ea"/>
                 <a:cs typeface="+mn-cs"/>
               </a:rPr>
               <a:t>The Undo phase with ADR completes almost instantaneously by using sLog to undo non-versioned operations and Persisted Version Store (PVS) with Logical Revert to perform row level version-based Undo.</a:t>
             </a:r>
+          </a:p>
+          <a:p>
+            <a:endParaRPr lang="en-US" sz="1200" b="0" i="0" kern="1200" dirty="0">
+              <a:solidFill>
+                <a:schemeClr val="tx1"/>
+              </a:solidFill>
+              <a:effectLst/>
+              <a:latin typeface="+mn-lt"/>
+              <a:ea typeface="+mn-ea"/>
+              <a:cs typeface="+mn-cs"/>
+            </a:endParaRPr>
+          </a:p>
+          <a:p>
+            <a:pPr algn="l"/>
+            <a:r>
+              <a:rPr lang="en-US" sz="1200" b="1" i="0" dirty="0">
+                <a:solidFill>
+                  <a:schemeClr val="tx1"/>
+                </a:solidFill>
+                <a:effectLst/>
+                <a:latin typeface="+mn-lt"/>
+              </a:rPr>
+              <a:t>The following types of workloads benefit most from ADR:</a:t>
+            </a:r>
+          </a:p>
+          <a:p>
+            <a:pPr algn="l">
+              <a:buFont typeface="Arial" panose="020B0604020202020204" pitchFamily="34" charset="0"/>
+              <a:buChar char="•"/>
+            </a:pPr>
+            <a:r>
+              <a:rPr lang="en-US" sz="1200" b="0" i="0" dirty="0">
+                <a:solidFill>
+                  <a:schemeClr val="tx1"/>
+                </a:solidFill>
+                <a:effectLst/>
+                <a:latin typeface="+mn-lt"/>
+              </a:rPr>
+              <a:t>Workloads with long-running transactions.</a:t>
+            </a:r>
+          </a:p>
+          <a:p>
+            <a:pPr algn="l">
+              <a:buFont typeface="Arial" panose="020B0604020202020204" pitchFamily="34" charset="0"/>
+              <a:buChar char="•"/>
+            </a:pPr>
+            <a:r>
+              <a:rPr lang="en-US" sz="1200" b="0" i="0" dirty="0">
+                <a:solidFill>
+                  <a:schemeClr val="tx1"/>
+                </a:solidFill>
+                <a:effectLst/>
+                <a:latin typeface="+mn-lt"/>
+              </a:rPr>
+              <a:t>Workloads that have seen cases where active transactions are causing the transaction log to grow significantly.</a:t>
+            </a:r>
+          </a:p>
+          <a:p>
+            <a:pPr algn="l">
+              <a:buFont typeface="Arial" panose="020B0604020202020204" pitchFamily="34" charset="0"/>
+              <a:buChar char="•"/>
+            </a:pPr>
+            <a:r>
+              <a:rPr lang="en-US" sz="1200" b="0" i="0" dirty="0">
+                <a:solidFill>
+                  <a:schemeClr val="tx1"/>
+                </a:solidFill>
+                <a:effectLst/>
+                <a:latin typeface="+mn-lt"/>
+              </a:rPr>
+              <a:t>Workloads that have experienced long periods of database unavailability due to long running recovery (such as unexpected service restart or manual transaction rollback).</a:t>
+            </a:r>
+          </a:p>
+          <a:p>
+            <a:endParaRPr lang="en-US" sz="1200" b="0" i="0" kern="1200" dirty="0">
+              <a:solidFill>
+                <a:schemeClr val="tx1"/>
+              </a:solidFill>
+              <a:effectLst/>
+              <a:latin typeface="+mn-lt"/>
+              <a:ea typeface="+mn-ea"/>
+              <a:cs typeface="+mn-cs"/>
+            </a:endParaRPr>
           </a:p>
           <a:p>
             <a:pPr marL="0" marR="0" lvl="0" indent="0" algn="l" defTabSz="932742" rtl="0" eaLnBrk="1" fontAlgn="auto" latinLnBrk="0" hangingPunct="1">
@@ -16795,7 +20065,8 @@
               <a:tabLst/>
               <a:defRPr/>
             </a:pPr>
-            <a:endParaRPr lang="en-US" dirty="0">
+            <a:endParaRPr lang="en-US" sz="1200" dirty="0">
+              <a:latin typeface="+mn-lt"/>
               <a:hlinkClick r:id="" action="ppaction://noaction"/>
             </a:endParaRPr>
           </a:p>
@@ -16818,12 +20089,15 @@
               <a:defRPr/>
             </a:pPr>
             <a:r>
-              <a:rPr lang="en-US" dirty="0">
+              <a:rPr lang="en-US" sz="1200" dirty="0">
+                <a:latin typeface="+mn-lt"/>
                 <a:hlinkClick r:id="" action="ppaction://noaction"/>
               </a:rPr>
               <a:t>https://docs.microsoft.com/en-us/azure/sql-database/sql-database-accelerated-database-recovery</a:t>
             </a:r>
-            <a:endParaRPr lang="en-US" dirty="0"/>
+            <a:endParaRPr lang="en-US" sz="1200" dirty="0">
+              <a:latin typeface="+mn-lt"/>
+            </a:endParaRPr>
           </a:p>
           <a:p>
             <a:endParaRPr lang="en-US" dirty="0"/>
@@ -16905,7 +20179,7 @@
             <a:fld id="{38EEC551-8CDA-4EB6-89BB-2A86C9F091C8}" type="datetime8">
               <a:rPr lang="en-US" smtClean="0"/>
               <a:pPr/>
-              <a:t>8/30/2021 10:13 AM</a:t>
+              <a:t>10/26/2021 3:19 PM</a:t>
             </a:fld>
             <a:endParaRPr lang="en-US" dirty="0"/>
           </a:p>
@@ -16929,7 +20203,7 @@
             <a:fld id="{B4008EB6-D09E-4580-8CD6-DDB14511944F}" type="slidenum">
               <a:rPr lang="en-US" smtClean="0"/>
               <a:pPr/>
-              <a:t>12</a:t>
+              <a:t>13</a:t>
             </a:fld>
             <a:endParaRPr lang="en-US" dirty="0"/>
           </a:p>
@@ -16948,7 +20222,7 @@
 </p:notes>
 </file>
 
-<file path=ppt/notesSlides/notesSlide12.xml><?xml version="1.0" encoding="utf-8"?>
+<file path=ppt/notesSlides/notesSlide13.xml><?xml version="1.0" encoding="utf-8"?>
 <p:notes xmlns:a="http://schemas.openxmlformats.org/drawingml/2006/main" xmlns:r="http://schemas.openxmlformats.org/officeDocument/2006/relationships" xmlns:p="http://schemas.openxmlformats.org/presentationml/2006/main">
   <p:cSld>
     <p:spTree>
@@ -17043,7 +20317,7 @@
           <a:p>
             <a:fld id="{56E97690-D681-4B47-8FD4-7300C9E579A2}" type="slidenum">
               <a:rPr lang="en-US" smtClean="0"/>
-              <a:t>13</a:t>
+              <a:t>14</a:t>
             </a:fld>
             <a:endParaRPr lang="en-US"/>
           </a:p>
@@ -17062,7 +20336,7 @@
 </p:notes>
 </file>
 
-<file path=ppt/notesSlides/notesSlide13.xml><?xml version="1.0" encoding="utf-8"?>
+<file path=ppt/notesSlides/notesSlide14.xml><?xml version="1.0" encoding="utf-8"?>
 <p:notes xmlns:a="http://schemas.openxmlformats.org/drawingml/2006/main" xmlns:r="http://schemas.openxmlformats.org/officeDocument/2006/relationships" xmlns:p="http://schemas.openxmlformats.org/presentationml/2006/main">
   <p:cSld>
     <p:spTree>
@@ -17164,7 +20438,7 @@
             <a:fld id="{EA2B2ED8-C573-45EF-BF68-CEC19505703A}" type="datetime8">
               <a:rPr lang="en-US" smtClean="0"/>
               <a:pPr/>
-              <a:t>8/30/2021 10:13 AM</a:t>
+              <a:t>10/26/2021 3:19 PM</a:t>
             </a:fld>
             <a:endParaRPr lang="en-US" dirty="0"/>
           </a:p>
@@ -17196,7 +20470,7 @@
             <a:fld id="{8B263312-38AA-4E1E-B2B5-0F8F122B24FE}" type="slidenum">
               <a:rPr lang="en-US" smtClean="0"/>
               <a:pPr/>
-              <a:t>14</a:t>
+              <a:t>15</a:t>
             </a:fld>
             <a:endParaRPr lang="en-US" dirty="0"/>
           </a:p>
@@ -17394,7 +20668,7 @@
           <a:p>
             <a:fld id="{386CE63F-9E7F-4C04-9D0D-FCA25A8E9E86}" type="datetime8">
               <a:rPr lang="en-US" smtClean="0"/>
-              <a:t>8/30/2021 10:13 AM</a:t>
+              <a:t>10/26/2021 3:19 PM</a:t>
             </a:fld>
             <a:endParaRPr lang="en-US" dirty="0"/>
           </a:p>
@@ -17438,6 +20712,93 @@
 </file>
 
 <file path=ppt/notesSlides/notesSlide3.xml><?xml version="1.0" encoding="utf-8"?>
+<p:notes xmlns:a="http://schemas.openxmlformats.org/drawingml/2006/main" xmlns:r="http://schemas.openxmlformats.org/officeDocument/2006/relationships" xmlns:p="http://schemas.openxmlformats.org/presentationml/2006/main">
+  <p:cSld>
+    <p:spTree>
+      <p:nvGrpSpPr>
+        <p:cNvPr id="1" name=""/>
+        <p:cNvGrpSpPr/>
+        <p:nvPr/>
+      </p:nvGrpSpPr>
+      <p:grpSpPr>
+        <a:xfrm>
+          <a:off x="0" y="0"/>
+          <a:ext cx="0" cy="0"/>
+          <a:chOff x="0" y="0"/>
+          <a:chExt cx="0" cy="0"/>
+        </a:xfrm>
+      </p:grpSpPr>
+      <p:sp>
+        <p:nvSpPr>
+          <p:cNvPr id="2" name="Slide Image Placeholder 1"/>
+          <p:cNvSpPr>
+            <a:spLocks noGrp="1" noRot="1" noChangeAspect="1"/>
+          </p:cNvSpPr>
+          <p:nvPr>
+            <p:ph type="sldImg"/>
+          </p:nvPr>
+        </p:nvSpPr>
+        <p:spPr/>
+      </p:sp>
+      <p:sp>
+        <p:nvSpPr>
+          <p:cNvPr id="3" name="Notes Placeholder 2"/>
+          <p:cNvSpPr>
+            <a:spLocks noGrp="1"/>
+          </p:cNvSpPr>
+          <p:nvPr>
+            <p:ph type="body" idx="1"/>
+          </p:nvPr>
+        </p:nvSpPr>
+        <p:spPr/>
+        <p:txBody>
+          <a:bodyPr/>
+          <a:lstStyle/>
+          <a:p>
+            <a:r>
+              <a:rPr lang="en-US" dirty="0"/>
+              <a:t>In this session we will discuss What Accelerated Database Recovery is and how to enable the feature in SQL Server 2019. Then we will look at the Current Database Recovery process and some of the issues that occur based on the existing recovery design. Next, we walk through the fore core components of ADR before walking through the new Accelerated Database Recovery Process. Finally, we will have a demonstration on all the awesomeness that is of ADR!</a:t>
+            </a:r>
+          </a:p>
+        </p:txBody>
+      </p:sp>
+      <p:sp>
+        <p:nvSpPr>
+          <p:cNvPr id="4" name="Slide Number Placeholder 3"/>
+          <p:cNvSpPr>
+            <a:spLocks noGrp="1"/>
+          </p:cNvSpPr>
+          <p:nvPr>
+            <p:ph type="sldNum" sz="quarter" idx="5"/>
+          </p:nvPr>
+        </p:nvSpPr>
+        <p:spPr/>
+        <p:txBody>
+          <a:bodyPr/>
+          <a:lstStyle/>
+          <a:p>
+            <a:fld id="{56E97690-D681-4B47-8FD4-7300C9E579A2}" type="slidenum">
+              <a:rPr lang="en-US" smtClean="0"/>
+              <a:t>4</a:t>
+            </a:fld>
+            <a:endParaRPr lang="en-US"/>
+          </a:p>
+        </p:txBody>
+      </p:sp>
+    </p:spTree>
+    <p:extLst>
+      <p:ext uri="{BB962C8B-B14F-4D97-AF65-F5344CB8AC3E}">
+        <p14:creationId xmlns:p14="http://schemas.microsoft.com/office/powerpoint/2010/main" val="2749768591"/>
+      </p:ext>
+    </p:extLst>
+  </p:cSld>
+  <p:clrMapOvr>
+    <a:masterClrMapping/>
+  </p:clrMapOvr>
+</p:notes>
+</file>
+
+<file path=ppt/notesSlides/notesSlide4.xml><?xml version="1.0" encoding="utf-8"?>
 <p:notes xmlns:a="http://schemas.openxmlformats.org/drawingml/2006/main" xmlns:r="http://schemas.openxmlformats.org/officeDocument/2006/relationships" xmlns:p="http://schemas.openxmlformats.org/presentationml/2006/main">
   <p:cSld>
     <p:spTree>
@@ -17529,7 +20890,7 @@
             <a:fld id="{EA2B2ED8-C573-45EF-BF68-CEC19505703A}" type="datetime8">
               <a:rPr lang="en-US" smtClean="0"/>
               <a:pPr/>
-              <a:t>8/30/2021 10:13 AM</a:t>
+              <a:t>10/26/2021 3:19 PM</a:t>
             </a:fld>
             <a:endParaRPr lang="en-US" dirty="0"/>
           </a:p>
@@ -17561,7 +20922,7 @@
             <a:fld id="{8B263312-38AA-4E1E-B2B5-0F8F122B24FE}" type="slidenum">
               <a:rPr lang="en-US" smtClean="0"/>
               <a:pPr/>
-              <a:t>4</a:t>
+              <a:t>5</a:t>
             </a:fld>
             <a:endParaRPr lang="en-US" dirty="0"/>
           </a:p>
@@ -17637,7 +20998,7 @@
 </p:notes>
 </file>
 
-<file path=ppt/notesSlides/notesSlide4.xml><?xml version="1.0" encoding="utf-8"?>
+<file path=ppt/notesSlides/notesSlide5.xml><?xml version="1.0" encoding="utf-8"?>
 <p:notes xmlns:a="http://schemas.openxmlformats.org/drawingml/2006/main" xmlns:r="http://schemas.openxmlformats.org/officeDocument/2006/relationships" xmlns:p="http://schemas.openxmlformats.org/presentationml/2006/main">
   <p:cSld>
     <p:spTree>
@@ -17783,7 +21144,7 @@
             <a:fld id="{38EEC551-8CDA-4EB6-89BB-2A86C9F091C8}" type="datetime8">
               <a:rPr lang="en-US" smtClean="0"/>
               <a:pPr/>
-              <a:t>8/30/2021 10:13 AM</a:t>
+              <a:t>10/26/2021 3:19 PM</a:t>
             </a:fld>
             <a:endParaRPr lang="en-US" dirty="0"/>
           </a:p>
@@ -17807,7 +21168,7 @@
             <a:fld id="{B4008EB6-D09E-4580-8CD6-DDB14511944F}" type="slidenum">
               <a:rPr lang="en-US" smtClean="0"/>
               <a:pPr/>
-              <a:t>5</a:t>
+              <a:t>6</a:t>
             </a:fld>
             <a:endParaRPr lang="en-US" dirty="0"/>
           </a:p>
@@ -17826,7 +21187,7 @@
 </p:notes>
 </file>
 
-<file path=ppt/notesSlides/notesSlide5.xml><?xml version="1.0" encoding="utf-8"?>
+<file path=ppt/notesSlides/notesSlide6.xml><?xml version="1.0" encoding="utf-8"?>
 <p:notes xmlns:a="http://schemas.openxmlformats.org/drawingml/2006/main" xmlns:r="http://schemas.openxmlformats.org/officeDocument/2006/relationships" xmlns:p="http://schemas.openxmlformats.org/presentationml/2006/main">
   <p:cSld>
     <p:spTree>
@@ -17870,15 +21231,117 @@
           <a:bodyPr/>
           <a:lstStyle/>
           <a:p>
+            <a:pPr marL="0" marR="0" lvl="0" indent="0" algn="l" defTabSz="914400" rtl="0" eaLnBrk="1" fontAlgn="auto" latinLnBrk="0" hangingPunct="1">
+              <a:lnSpc>
+                <a:spcPct val="100000"/>
+              </a:lnSpc>
+              <a:spcBef>
+                <a:spcPts val="0"/>
+              </a:spcBef>
+              <a:spcAft>
+                <a:spcPts val="0"/>
+              </a:spcAft>
+              <a:buClrTx/>
+              <a:buSzTx/>
+              <a:buFontTx/>
+              <a:buNone/>
+              <a:tabLst/>
+              <a:defRPr/>
+            </a:pPr>
+            <a:r>
+              <a:rPr lang="en-US" sz="900" b="0" i="0" dirty="0">
+                <a:solidFill>
+                  <a:schemeClr val="tx1"/>
+                </a:solidFill>
+                <a:effectLst/>
+                <a:latin typeface="Segoe UI Light" panose="020B0502040204020203" pitchFamily="34" charset="0"/>
+                <a:cs typeface="Segoe UI Light" panose="020B0502040204020203" pitchFamily="34" charset="0"/>
+              </a:rPr>
+              <a:t>Database recovery follows the </a:t>
+            </a:r>
+            <a:r>
+              <a:rPr lang="en-US" sz="900" b="0" i="0" u="none" strike="noStrike" dirty="0">
+                <a:solidFill>
+                  <a:schemeClr val="tx1"/>
+                </a:solidFill>
+                <a:effectLst/>
+                <a:latin typeface="Segoe UI Light" panose="020B0502040204020203" pitchFamily="34" charset="0"/>
+                <a:cs typeface="Segoe UI Light" panose="020B0502040204020203" pitchFamily="34" charset="0"/>
+                <a:hlinkClick r:id="rId3">
+                  <a:extLst>
+                    <a:ext uri="{A12FA001-AC4F-418D-AE19-62706E023703}">
+                      <ahyp:hlinkClr xmlns:ahyp="http://schemas.microsoft.com/office/drawing/2018/hyperlinkcolor" val="tx"/>
+                    </a:ext>
+                  </a:extLst>
+                </a:hlinkClick>
+              </a:rPr>
+              <a:t>ARIES</a:t>
+            </a:r>
+            <a:r>
+              <a:rPr lang="en-US" sz="900" b="0" i="0" dirty="0">
+                <a:solidFill>
+                  <a:schemeClr val="tx1"/>
+                </a:solidFill>
+                <a:effectLst/>
+                <a:latin typeface="Segoe UI Light" panose="020B0502040204020203" pitchFamily="34" charset="0"/>
+                <a:cs typeface="Segoe UI Light" panose="020B0502040204020203" pitchFamily="34" charset="0"/>
+              </a:rPr>
+              <a:t> recovery model, which stands for </a:t>
+            </a:r>
             <a:r>
               <a:rPr lang="en-US" sz="900" b="1" i="0" kern="1200" dirty="0">
                 <a:solidFill>
                   <a:schemeClr val="tx1"/>
                 </a:solidFill>
                 <a:effectLst/>
-                <a:latin typeface="Segoe UI Light" pitchFamily="34" charset="0"/>
+                <a:latin typeface="Segoe UI Light" panose="020B0502040204020203" pitchFamily="34" charset="0"/>
                 <a:ea typeface="+mn-ea"/>
-                <a:cs typeface="+mn-cs"/>
+                <a:cs typeface="Segoe UI Light" panose="020B0502040204020203" pitchFamily="34" charset="0"/>
+              </a:rPr>
+              <a:t>Algorithms for Recovery and Isolation Exploiting Semantics </a:t>
+            </a:r>
+            <a:r>
+              <a:rPr lang="en-US" sz="900" b="0" i="0" dirty="0">
+                <a:solidFill>
+                  <a:schemeClr val="tx1"/>
+                </a:solidFill>
+                <a:effectLst/>
+                <a:latin typeface="Segoe UI Light" panose="020B0502040204020203" pitchFamily="34" charset="0"/>
+                <a:cs typeface="Segoe UI Light" panose="020B0502040204020203" pitchFamily="34" charset="0"/>
+              </a:rPr>
+              <a:t>and consists of three phases,</a:t>
+            </a:r>
+            <a:endParaRPr lang="en-US" sz="900" b="1" i="0" kern="1200" dirty="0">
+              <a:solidFill>
+                <a:schemeClr val="tx1"/>
+              </a:solidFill>
+              <a:effectLst/>
+              <a:latin typeface="Segoe UI Light" panose="020B0502040204020203" pitchFamily="34" charset="0"/>
+              <a:ea typeface="+mn-ea"/>
+              <a:cs typeface="Segoe UI Light" panose="020B0502040204020203" pitchFamily="34" charset="0"/>
+            </a:endParaRPr>
+          </a:p>
+          <a:p>
+            <a:endParaRPr lang="en-US" sz="900" b="1" i="0" kern="1200" dirty="0">
+              <a:solidFill>
+                <a:schemeClr val="tx1"/>
+              </a:solidFill>
+              <a:effectLst/>
+              <a:latin typeface="Segoe UI Light" panose="020B0502040204020203" pitchFamily="34" charset="0"/>
+              <a:ea typeface="+mn-ea"/>
+              <a:cs typeface="Segoe UI Light" panose="020B0502040204020203" pitchFamily="34" charset="0"/>
+            </a:endParaRPr>
+          </a:p>
+          <a:p>
+            <a:r>
+              <a:rPr lang="en-US" sz="900" b="1" i="0" kern="1200" dirty="0">
+                <a:solidFill>
+                  <a:schemeClr val="tx1"/>
+                </a:solidFill>
+                <a:effectLst/>
+                <a:latin typeface="Segoe UI Light" panose="020B0502040204020203" pitchFamily="34" charset="0"/>
+                <a:ea typeface="+mn-ea"/>
+                <a:cs typeface="Segoe UI Light" panose="020B0502040204020203" pitchFamily="34" charset="0"/>
               </a:rPr>
               <a:t>Analysis phase</a:t>
             </a:r>
@@ -17887,9 +21350,9 @@
                 <a:schemeClr val="tx1"/>
               </a:solidFill>
               <a:effectLst/>
-              <a:latin typeface="Segoe UI Light" pitchFamily="34" charset="0"/>
+              <a:latin typeface="Segoe UI Light" panose="020B0502040204020203" pitchFamily="34" charset="0"/>
               <a:ea typeface="+mn-ea"/>
-              <a:cs typeface="+mn-cs"/>
+              <a:cs typeface="Segoe UI Light" panose="020B0502040204020203" pitchFamily="34" charset="0"/>
             </a:endParaRPr>
           </a:p>
           <a:p>
@@ -17899,12 +21362,23 @@
                   <a:schemeClr val="tx1"/>
                 </a:solidFill>
                 <a:effectLst/>
-                <a:latin typeface="Segoe UI Light" pitchFamily="34" charset="0"/>
+                <a:latin typeface="Segoe UI Light" panose="020B0502040204020203" pitchFamily="34" charset="0"/>
                 <a:ea typeface="+mn-ea"/>
-                <a:cs typeface="+mn-cs"/>
+                <a:cs typeface="Segoe UI Light" panose="020B0502040204020203" pitchFamily="34" charset="0"/>
               </a:rPr>
-              <a:t>Forward scan of the transaction log from the beginning of the last successful checkpoint (or the oldest dirty page LSN) until the end, to determine the state of each transaction at the time SQL Server stopped.</a:t>
+              <a:t>First, we have the Analysis phase that will scan the transaction log from the beginning of the last successful checkpoint (or the oldest dirty page LSN) until the end, to determine the state of each transaction at the time SQL Server stopped. This is normally a fairly quick process.</a:t>
             </a:r>
+          </a:p>
+          <a:p>
+            <a:endParaRPr lang="en-US" sz="900" b="1" i="0" kern="1200" dirty="0">
+              <a:solidFill>
+                <a:schemeClr val="tx1"/>
+              </a:solidFill>
+              <a:effectLst/>
+              <a:latin typeface="Segoe UI Light" panose="020B0502040204020203" pitchFamily="34" charset="0"/>
+              <a:ea typeface="+mn-ea"/>
+              <a:cs typeface="Segoe UI Light" panose="020B0502040204020203" pitchFamily="34" charset="0"/>
+            </a:endParaRPr>
           </a:p>
           <a:p>
             <a:r>
@@ -17913,9 +21387,9 @@
                   <a:schemeClr val="tx1"/>
                 </a:solidFill>
                 <a:effectLst/>
-                <a:latin typeface="Segoe UI Light" pitchFamily="34" charset="0"/>
+                <a:latin typeface="Segoe UI Light" panose="020B0502040204020203" pitchFamily="34" charset="0"/>
                 <a:ea typeface="+mn-ea"/>
-                <a:cs typeface="+mn-cs"/>
+                <a:cs typeface="Segoe UI Light" panose="020B0502040204020203" pitchFamily="34" charset="0"/>
               </a:rPr>
               <a:t>Redo phase</a:t>
             </a:r>
@@ -17924,9 +21398,9 @@
                 <a:schemeClr val="tx1"/>
               </a:solidFill>
               <a:effectLst/>
-              <a:latin typeface="Segoe UI Light" pitchFamily="34" charset="0"/>
+              <a:latin typeface="Segoe UI Light" panose="020B0502040204020203" pitchFamily="34" charset="0"/>
               <a:ea typeface="+mn-ea"/>
-              <a:cs typeface="+mn-cs"/>
+              <a:cs typeface="Segoe UI Light" panose="020B0502040204020203" pitchFamily="34" charset="0"/>
             </a:endParaRPr>
           </a:p>
           <a:p>
@@ -17936,12 +21410,23 @@
                   <a:schemeClr val="tx1"/>
                 </a:solidFill>
                 <a:effectLst/>
-                <a:latin typeface="Segoe UI Light" pitchFamily="34" charset="0"/>
+                <a:latin typeface="Segoe UI Light" panose="020B0502040204020203" pitchFamily="34" charset="0"/>
                 <a:ea typeface="+mn-ea"/>
-                <a:cs typeface="+mn-cs"/>
+                <a:cs typeface="Segoe UI Light" panose="020B0502040204020203" pitchFamily="34" charset="0"/>
               </a:rPr>
-              <a:t>Forward scan of the transaction log from the oldest uncommitted transaction until the end, to bring the database to the state it was at the time of the crash by redoing all committed operations.</a:t>
+              <a:t>Next in our second phase, the recovery process will scan the transaction log from the oldest uncommitted transaction until the end, to bring the database to the state it was at the time of the crash by redoing all committed operations.</a:t>
             </a:r>
+          </a:p>
+          <a:p>
+            <a:endParaRPr lang="en-US" sz="900" b="1" i="0" kern="1200" dirty="0">
+              <a:solidFill>
+                <a:schemeClr val="tx1"/>
+              </a:solidFill>
+              <a:effectLst/>
+              <a:latin typeface="Segoe UI Light" panose="020B0502040204020203" pitchFamily="34" charset="0"/>
+              <a:ea typeface="+mn-ea"/>
+              <a:cs typeface="Segoe UI Light" panose="020B0502040204020203" pitchFamily="34" charset="0"/>
+            </a:endParaRPr>
           </a:p>
           <a:p>
             <a:r>
@@ -17950,9 +21435,9 @@
                   <a:schemeClr val="tx1"/>
                 </a:solidFill>
                 <a:effectLst/>
-                <a:latin typeface="Segoe UI Light" pitchFamily="34" charset="0"/>
+                <a:latin typeface="Segoe UI Light" panose="020B0502040204020203" pitchFamily="34" charset="0"/>
                 <a:ea typeface="+mn-ea"/>
-                <a:cs typeface="+mn-cs"/>
+                <a:cs typeface="Segoe UI Light" panose="020B0502040204020203" pitchFamily="34" charset="0"/>
               </a:rPr>
               <a:t>Undo phase</a:t>
             </a:r>
@@ -17961,9 +21446,9 @@
                 <a:schemeClr val="tx1"/>
               </a:solidFill>
               <a:effectLst/>
-              <a:latin typeface="Segoe UI Light" pitchFamily="34" charset="0"/>
+              <a:latin typeface="Segoe UI Light" panose="020B0502040204020203" pitchFamily="34" charset="0"/>
               <a:ea typeface="+mn-ea"/>
-              <a:cs typeface="+mn-cs"/>
+              <a:cs typeface="Segoe UI Light" panose="020B0502040204020203" pitchFamily="34" charset="0"/>
             </a:endParaRPr>
           </a:p>
           <a:p>
@@ -17973,24 +21458,37 @@
                   <a:schemeClr val="tx1"/>
                 </a:solidFill>
                 <a:effectLst/>
-                <a:latin typeface="Segoe UI Light" pitchFamily="34" charset="0"/>
+                <a:latin typeface="Segoe UI Light" panose="020B0502040204020203" pitchFamily="34" charset="0"/>
                 <a:ea typeface="+mn-ea"/>
-                <a:cs typeface="+mn-cs"/>
+                <a:cs typeface="Segoe UI Light" panose="020B0502040204020203" pitchFamily="34" charset="0"/>
               </a:rPr>
-              <a:t>For each transaction that was active as of the time of the crash, traverses the log backwards, undoing the operations that this transaction performed.</a:t>
+              <a:t>For each transaction that was active as of the time of the crash, this phase will scan the log backwards rolling back transactions since the oldest active uncommitted transaction. This is area that takes the longest amount of time during the recovery process and the primary bottle that ADR was designed to resolve.</a:t>
             </a:r>
           </a:p>
           <a:p>
-            <a:endParaRPr lang="en-US" dirty="0"/>
+            <a:endParaRPr lang="en-US" sz="900" b="0" i="0" kern="1200" dirty="0">
+              <a:solidFill>
+                <a:schemeClr val="tx1"/>
+              </a:solidFill>
+              <a:effectLst/>
+              <a:latin typeface="Segoe UI Light" panose="020B0502040204020203" pitchFamily="34" charset="0"/>
+              <a:ea typeface="+mn-ea"/>
+              <a:cs typeface="Segoe UI Light" panose="020B0502040204020203" pitchFamily="34" charset="0"/>
+            </a:endParaRPr>
           </a:p>
           <a:p>
             <a:r>
-              <a:rPr lang="en-US" dirty="0">
-                <a:hlinkClick r:id="rId3"/>
+              <a:rPr lang="en-US" sz="900" dirty="0">
+                <a:latin typeface="Segoe UI Light" panose="020B0502040204020203" pitchFamily="34" charset="0"/>
+                <a:cs typeface="Segoe UI Light" panose="020B0502040204020203" pitchFamily="34" charset="0"/>
+                <a:hlinkClick r:id="rId4"/>
               </a:rPr>
               <a:t>https://docs.microsoft.com/en-us/azure/sql-database/sql-database-accelerated-database-recovery</a:t>
             </a:r>
-            <a:endParaRPr lang="en-US" dirty="0"/>
+            <a:endParaRPr lang="en-US" sz="900" dirty="0">
+              <a:latin typeface="Segoe UI Light" panose="020B0502040204020203" pitchFamily="34" charset="0"/>
+              <a:cs typeface="Segoe UI Light" panose="020B0502040204020203" pitchFamily="34" charset="0"/>
+            </a:endParaRPr>
           </a:p>
         </p:txBody>
       </p:sp>
@@ -18069,7 +21567,7 @@
             <a:fld id="{38EEC551-8CDA-4EB6-89BB-2A86C9F091C8}" type="datetime8">
               <a:rPr lang="en-US" smtClean="0"/>
               <a:pPr/>
-              <a:t>8/30/2021 10:13 AM</a:t>
+              <a:t>10/26/2021 3:19 PM</a:t>
             </a:fld>
             <a:endParaRPr lang="en-US" dirty="0"/>
           </a:p>
@@ -18093,7 +21591,7 @@
             <a:fld id="{B4008EB6-D09E-4580-8CD6-DDB14511944F}" type="slidenum">
               <a:rPr lang="en-US" smtClean="0"/>
               <a:pPr/>
-              <a:t>6</a:t>
+              <a:t>7</a:t>
             </a:fld>
             <a:endParaRPr lang="en-US" dirty="0"/>
           </a:p>
@@ -18112,7 +21610,7 @@
 </p:notes>
 </file>
 
-<file path=ppt/notesSlides/notesSlide6.xml><?xml version="1.0" encoding="utf-8"?>
+<file path=ppt/notesSlides/notesSlide7.xml><?xml version="1.0" encoding="utf-8"?>
 <p:notes xmlns:a="http://schemas.openxmlformats.org/drawingml/2006/main" xmlns:r="http://schemas.openxmlformats.org/officeDocument/2006/relationships" xmlns:p="http://schemas.openxmlformats.org/presentationml/2006/main">
   <p:cSld>
     <p:spTree>
@@ -18155,6 +21653,88 @@
         <p:txBody>
           <a:bodyPr/>
           <a:lstStyle/>
+          <a:p>
+            <a:pPr algn="l"/>
+            <a:r>
+              <a:rPr lang="en-US" b="0" i="0" dirty="0">
+                <a:solidFill>
+                  <a:schemeClr val="tx1"/>
+                </a:solidFill>
+                <a:effectLst/>
+                <a:latin typeface="Segoe UI" panose="020B0502040204020203" pitchFamily="34" charset="0"/>
+              </a:rPr>
+              <a:t>So based on the current design, the most common implications of having to rollback all incomplete transactions is that is that the length of time required is roughly proportional to the work that the transaction has performed and the length of time the transaction has been active. Therefore, the recovery process can take a long time in the presence of long-running transactions (such as large bulk insert operations or index build operations against a large table).</a:t>
+            </a:r>
+          </a:p>
+          <a:p>
+            <a:pPr algn="l"/>
+            <a:endParaRPr lang="en-US" b="0" i="0" dirty="0">
+              <a:solidFill>
+                <a:schemeClr val="tx1"/>
+              </a:solidFill>
+              <a:effectLst/>
+              <a:latin typeface="Segoe UI" panose="020B0502040204020203" pitchFamily="34" charset="0"/>
+            </a:endParaRPr>
+          </a:p>
+          <a:p>
+            <a:pPr algn="l"/>
+            <a:r>
+              <a:rPr lang="en-US" b="0" i="0" dirty="0">
+                <a:solidFill>
+                  <a:schemeClr val="tx1"/>
+                </a:solidFill>
+                <a:effectLst/>
+                <a:latin typeface="Segoe UI" panose="020B0502040204020203" pitchFamily="34" charset="0"/>
+              </a:rPr>
+              <a:t>Also, cancelling/rolling back a large transaction based on the current recovery design can take a long time as it is using the same Undo recovery phase as previously described.</a:t>
+            </a:r>
+          </a:p>
+          <a:p>
+            <a:pPr algn="l"/>
+            <a:endParaRPr lang="en-US" b="0" i="0" dirty="0">
+              <a:solidFill>
+                <a:schemeClr val="tx1"/>
+              </a:solidFill>
+              <a:effectLst/>
+              <a:latin typeface="Segoe UI" panose="020B0502040204020203" pitchFamily="34" charset="0"/>
+            </a:endParaRPr>
+          </a:p>
+          <a:p>
+            <a:pPr algn="l"/>
+            <a:r>
+              <a:rPr lang="en-US" b="0" i="0" dirty="0">
+                <a:solidFill>
+                  <a:schemeClr val="tx1"/>
+                </a:solidFill>
+                <a:effectLst/>
+                <a:latin typeface="Segoe UI" panose="020B0502040204020203" pitchFamily="34" charset="0"/>
+              </a:rPr>
+              <a:t>Finally, the SQL Server database engine cannot truncate the transaction log when there are long-running transactions because their corresponding log records are needed for the recovery and rollback processes.</a:t>
+            </a:r>
+          </a:p>
+          <a:p>
+            <a:pPr algn="l"/>
+            <a:endParaRPr lang="en-US" b="0" i="0" dirty="0">
+              <a:solidFill>
+                <a:schemeClr val="tx1"/>
+              </a:solidFill>
+              <a:effectLst/>
+              <a:latin typeface="Segoe UI" panose="020B0502040204020203" pitchFamily="34" charset="0"/>
+            </a:endParaRPr>
+          </a:p>
+          <a:p>
+            <a:pPr algn="l"/>
+            <a:r>
+              <a:rPr lang="en-US" b="0" i="0" dirty="0">
+                <a:solidFill>
+                  <a:schemeClr val="tx1"/>
+                </a:solidFill>
+                <a:effectLst/>
+                <a:latin typeface="Segoe UI" panose="020B0502040204020203" pitchFamily="34" charset="0"/>
+              </a:rPr>
+              <a:t>As a result, some customers face the problem that the size of the transaction log grows very large and consumes huge amounts of drive space.</a:t>
+            </a:r>
+          </a:p>
           <a:p>
             <a:endParaRPr lang="en-US" dirty="0"/>
           </a:p>
@@ -18235,7 +21815,7 @@
             <a:fld id="{38EEC551-8CDA-4EB6-89BB-2A86C9F091C8}" type="datetime8">
               <a:rPr lang="en-US" smtClean="0"/>
               <a:pPr/>
-              <a:t>8/30/2021 10:13 AM</a:t>
+              <a:t>10/26/2021 3:19 PM</a:t>
             </a:fld>
             <a:endParaRPr lang="en-US" dirty="0"/>
           </a:p>
@@ -18259,7 +21839,7 @@
             <a:fld id="{B4008EB6-D09E-4580-8CD6-DDB14511944F}" type="slidenum">
               <a:rPr lang="en-US" smtClean="0"/>
               <a:pPr/>
-              <a:t>7</a:t>
+              <a:t>8</a:t>
             </a:fld>
             <a:endParaRPr lang="en-US" dirty="0"/>
           </a:p>
@@ -18269,214 +21849,6 @@
     <p:extLst>
       <p:ext uri="{BB962C8B-B14F-4D97-AF65-F5344CB8AC3E}">
         <p14:creationId xmlns:p14="http://schemas.microsoft.com/office/powerpoint/2010/main" val="4239763346"/>
-      </p:ext>
-    </p:extLst>
-  </p:cSld>
-  <p:clrMapOvr>
-    <a:masterClrMapping/>
-  </p:clrMapOvr>
-</p:notes>
-</file>
-
-<file path=ppt/notesSlides/notesSlide7.xml><?xml version="1.0" encoding="utf-8"?>
-<p:notes xmlns:a="http://schemas.openxmlformats.org/drawingml/2006/main" xmlns:r="http://schemas.openxmlformats.org/officeDocument/2006/relationships" xmlns:p="http://schemas.openxmlformats.org/presentationml/2006/main">
-  <p:cSld>
-    <p:spTree>
-      <p:nvGrpSpPr>
-        <p:cNvPr id="1" name=""/>
-        <p:cNvGrpSpPr/>
-        <p:nvPr/>
-      </p:nvGrpSpPr>
-      <p:grpSpPr>
-        <a:xfrm>
-          <a:off x="0" y="0"/>
-          <a:ext cx="0" cy="0"/>
-          <a:chOff x="0" y="0"/>
-          <a:chExt cx="0" cy="0"/>
-        </a:xfrm>
-      </p:grpSpPr>
-      <p:sp>
-        <p:nvSpPr>
-          <p:cNvPr id="2" name="Slide Image Placeholder 1"/>
-          <p:cNvSpPr>
-            <a:spLocks noGrp="1" noRot="1" noChangeAspect="1"/>
-          </p:cNvSpPr>
-          <p:nvPr>
-            <p:ph type="sldImg"/>
-          </p:nvPr>
-        </p:nvSpPr>
-        <p:spPr>
-          <a:xfrm>
-            <a:off x="381000" y="685800"/>
-            <a:ext cx="6096000" cy="3429000"/>
-          </a:xfrm>
-          <a:prstGeom prst="rect">
-            <a:avLst/>
-          </a:prstGeom>
-        </p:spPr>
-      </p:sp>
-      <p:sp>
-        <p:nvSpPr>
-          <p:cNvPr id="3" name="Notes Placeholder 2"/>
-          <p:cNvSpPr>
-            <a:spLocks noGrp="1"/>
-          </p:cNvSpPr>
-          <p:nvPr>
-            <p:ph type="body" idx="1"/>
-          </p:nvPr>
-        </p:nvSpPr>
-        <p:spPr>
-          <a:xfrm>
-            <a:off x="685800" y="4343400"/>
-            <a:ext cx="5486400" cy="4114800"/>
-          </a:xfrm>
-          <a:prstGeom prst="rect">
-            <a:avLst/>
-          </a:prstGeom>
-        </p:spPr>
-        <p:txBody>
-          <a:bodyPr>
-            <a:normAutofit/>
-          </a:bodyPr>
-          <a:lstStyle/>
-          <a:p>
-            <a:endParaRPr lang="en-US" sz="1200" b="0" i="0" u="none" strike="noStrike" kern="1200" dirty="0">
-              <a:solidFill>
-                <a:schemeClr val="tx1"/>
-              </a:solidFill>
-              <a:effectLst/>
-              <a:latin typeface="Segoe UI Light" pitchFamily="34" charset="0"/>
-              <a:ea typeface="+mn-ea"/>
-              <a:cs typeface="+mn-cs"/>
-            </a:endParaRPr>
-          </a:p>
-        </p:txBody>
-      </p:sp>
-      <p:sp>
-        <p:nvSpPr>
-          <p:cNvPr id="4" name="Date Placeholder 3"/>
-          <p:cNvSpPr>
-            <a:spLocks noGrp="1"/>
-          </p:cNvSpPr>
-          <p:nvPr>
-            <p:ph type="dt" idx="10"/>
-          </p:nvPr>
-        </p:nvSpPr>
-        <p:spPr>
-          <a:xfrm>
-            <a:off x="3884613" y="0"/>
-            <a:ext cx="2971800" cy="457200"/>
-          </a:xfrm>
-          <a:prstGeom prst="rect">
-            <a:avLst/>
-          </a:prstGeom>
-        </p:spPr>
-        <p:txBody>
-          <a:bodyPr/>
-          <a:lstStyle/>
-          <a:p>
-            <a:fld id="{EA2B2ED8-C573-45EF-BF68-CEC19505703A}" type="datetime8">
-              <a:rPr lang="en-US" smtClean="0"/>
-              <a:pPr/>
-              <a:t>8/30/2021 10:13 AM</a:t>
-            </a:fld>
-            <a:endParaRPr lang="en-US" dirty="0"/>
-          </a:p>
-        </p:txBody>
-      </p:sp>
-      <p:sp>
-        <p:nvSpPr>
-          <p:cNvPr id="7" name="Slide Number Placeholder 6"/>
-          <p:cNvSpPr>
-            <a:spLocks noGrp="1"/>
-          </p:cNvSpPr>
-          <p:nvPr>
-            <p:ph type="sldNum" sz="quarter" idx="12"/>
-          </p:nvPr>
-        </p:nvSpPr>
-        <p:spPr>
-          <a:xfrm>
-            <a:off x="6172199" y="8685213"/>
-            <a:ext cx="684213" cy="457200"/>
-          </a:xfrm>
-          <a:prstGeom prst="rect">
-            <a:avLst/>
-          </a:prstGeom>
-        </p:spPr>
-        <p:txBody>
-          <a:bodyPr/>
-          <a:lstStyle/>
-          <a:p>
-            <a:fld id="{8B263312-38AA-4E1E-B2B5-0F8F122B24FE}" type="slidenum">
-              <a:rPr lang="en-US" smtClean="0"/>
-              <a:pPr/>
-              <a:t>8</a:t>
-            </a:fld>
-            <a:endParaRPr lang="en-US" dirty="0"/>
-          </a:p>
-        </p:txBody>
-      </p:sp>
-      <p:sp>
-        <p:nvSpPr>
-          <p:cNvPr id="6" name="Footer Placeholder 5"/>
-          <p:cNvSpPr>
-            <a:spLocks noGrp="1"/>
-          </p:cNvSpPr>
-          <p:nvPr>
-            <p:ph type="ftr" sz="quarter" idx="13"/>
-          </p:nvPr>
-        </p:nvSpPr>
-        <p:spPr/>
-        <p:txBody>
-          <a:bodyPr/>
-          <a:lstStyle/>
-          <a:p>
-            <a:pPr defTabSz="914099" eaLnBrk="0" hangingPunct="0"/>
-            <a:r>
-              <a:rPr lang="en-US" sz="400" dirty="0">
-                <a:gradFill>
-                  <a:gsLst>
-                    <a:gs pos="0">
-                      <a:prstClr val="black"/>
-                    </a:gs>
-                    <a:gs pos="100000">
-                      <a:prstClr val="black"/>
-                    </a:gs>
-                  </a:gsLst>
-                  <a:lin ang="5400000" scaled="0"/>
-                </a:gradFill>
-                <a:latin typeface="Segoe UI" pitchFamily="34" charset="0"/>
-                <a:ea typeface="Segoe UI" pitchFamily="34" charset="0"/>
-                <a:cs typeface="Segoe UI" pitchFamily="34" charset="0"/>
-              </a:rPr>
-              <a:t>© 2014 Microsoft Corporation. All rights reserved. MICROSOFT MAKES NO WARRANTIES, EXPRESS, IMPLIED OR STATUTORY, AS TO THE INFORMATION IN THIS PRESENTATION.</a:t>
-            </a:r>
-          </a:p>
-        </p:txBody>
-      </p:sp>
-      <p:sp>
-        <p:nvSpPr>
-          <p:cNvPr id="9" name="Header Placeholder 8"/>
-          <p:cNvSpPr>
-            <a:spLocks noGrp="1"/>
-          </p:cNvSpPr>
-          <p:nvPr>
-            <p:ph type="hdr" sz="quarter" idx="14"/>
-          </p:nvPr>
-        </p:nvSpPr>
-        <p:spPr/>
-        <p:txBody>
-          <a:bodyPr/>
-          <a:lstStyle/>
-          <a:p>
-            <a:endParaRPr lang="en-US" dirty="0"/>
-          </a:p>
-        </p:txBody>
-      </p:sp>
-    </p:spTree>
-    <p:extLst>
-      <p:ext uri="{BB962C8B-B14F-4D97-AF65-F5344CB8AC3E}">
-        <p14:creationId xmlns:p14="http://schemas.microsoft.com/office/powerpoint/2010/main" val="158272458"/>
       </p:ext>
     </p:extLst>
   </p:cSld>
@@ -18548,6 +21920,114 @@
           </a:bodyPr>
           <a:lstStyle/>
           <a:p>
+            <a:pPr algn="l"/>
+            <a:r>
+              <a:rPr lang="en-US" sz="1200" b="1" i="0" dirty="0">
+                <a:solidFill>
+                  <a:schemeClr val="tx1"/>
+                </a:solidFill>
+                <a:effectLst/>
+                <a:latin typeface="Segoe UI" panose="020B0502040204020203" pitchFamily="34" charset="0"/>
+              </a:rPr>
+              <a:t>ADR recovery components</a:t>
+            </a:r>
+          </a:p>
+          <a:p>
+            <a:pPr algn="l"/>
+            <a:r>
+              <a:rPr lang="en-US" sz="1200" b="0" i="0" dirty="0">
+                <a:solidFill>
+                  <a:schemeClr val="tx1"/>
+                </a:solidFill>
+                <a:effectLst/>
+                <a:latin typeface="Segoe UI" panose="020B0502040204020203" pitchFamily="34" charset="0"/>
+              </a:rPr>
+              <a:t>The four key components of ADR are:</a:t>
+            </a:r>
+          </a:p>
+          <a:p>
+            <a:pPr algn="l"/>
+            <a:endParaRPr lang="en-US" sz="1200" b="0" i="0" dirty="0">
+              <a:solidFill>
+                <a:schemeClr val="tx1"/>
+              </a:solidFill>
+              <a:effectLst/>
+              <a:latin typeface="Segoe UI" panose="020B0502040204020203" pitchFamily="34" charset="0"/>
+            </a:endParaRPr>
+          </a:p>
+          <a:p>
+            <a:pPr algn="l">
+              <a:buFont typeface="Arial" panose="020B0604020202020204" pitchFamily="34" charset="0"/>
+              <a:buNone/>
+            </a:pPr>
+            <a:r>
+              <a:rPr lang="en-US" sz="1200" b="1" i="0" dirty="0">
+                <a:solidFill>
+                  <a:schemeClr val="tx1"/>
+                </a:solidFill>
+                <a:effectLst/>
+                <a:latin typeface="Segoe UI" panose="020B0502040204020203" pitchFamily="34" charset="0"/>
+              </a:rPr>
+              <a:t>Persisted version store (PVS)</a:t>
+            </a:r>
+            <a:endParaRPr lang="en-US" sz="1200" b="0" i="0" dirty="0">
+              <a:solidFill>
+                <a:schemeClr val="tx1"/>
+              </a:solidFill>
+              <a:effectLst/>
+              <a:latin typeface="Segoe UI" panose="020B0502040204020203" pitchFamily="34" charset="0"/>
+            </a:endParaRPr>
+          </a:p>
+          <a:p>
+            <a:pPr algn="l">
+              <a:buFont typeface="Arial" panose="020B0604020202020204" pitchFamily="34" charset="0"/>
+              <a:buNone/>
+            </a:pPr>
+            <a:r>
+              <a:rPr lang="en-US" sz="1200" b="0" i="0" dirty="0">
+                <a:solidFill>
+                  <a:schemeClr val="tx1"/>
+                </a:solidFill>
+                <a:effectLst/>
+                <a:latin typeface="Segoe UI" panose="020B0502040204020203" pitchFamily="34" charset="0"/>
+              </a:rPr>
+              <a:t>The persisted version store is a new SQL Server database engine mechanism for persisting the row versions generated in the database itself instead of the traditional </a:t>
+            </a:r>
+            <a:r>
+              <a:rPr lang="en-US" sz="1200" b="0" i="0" dirty="0" err="1">
+                <a:solidFill>
+                  <a:schemeClr val="tx1"/>
+                </a:solidFill>
+                <a:effectLst/>
+                <a:latin typeface="Segoe UI" panose="020B0502040204020203" pitchFamily="34" charset="0"/>
+              </a:rPr>
+              <a:t>tempdb</a:t>
+            </a:r>
+            <a:r>
+              <a:rPr lang="en-US" sz="1200" b="0" i="0" dirty="0">
+                <a:solidFill>
+                  <a:schemeClr val="tx1"/>
+                </a:solidFill>
+                <a:effectLst/>
+                <a:latin typeface="Segoe UI" panose="020B0502040204020203" pitchFamily="34" charset="0"/>
+              </a:rPr>
+              <a:t> version store. PVS enables resource isolation as well as improves availability of readable secondaries.</a:t>
+            </a:r>
+          </a:p>
+          <a:p>
+            <a:pPr algn="l">
+              <a:buFont typeface="Arial" panose="020B0604020202020204" pitchFamily="34" charset="0"/>
+              <a:buNone/>
+            </a:pPr>
+            <a:endParaRPr lang="en-US" sz="1200" b="0" i="0" dirty="0">
+              <a:solidFill>
+                <a:schemeClr val="tx1"/>
+              </a:solidFill>
+              <a:effectLst/>
+              <a:latin typeface="Segoe UI" panose="020B0502040204020203" pitchFamily="34" charset="0"/>
+            </a:endParaRPr>
+          </a:p>
+          <a:p>
             <a:endParaRPr lang="en-US" sz="1200" b="0" i="0" u="none" strike="noStrike" kern="1200" dirty="0">
               <a:solidFill>
                 <a:schemeClr val="tx1"/>
@@ -18586,7 +22066,7 @@
             <a:fld id="{EA2B2ED8-C573-45EF-BF68-CEC19505703A}" type="datetime8">
               <a:rPr lang="en-US" smtClean="0"/>
               <a:pPr/>
-              <a:t>8/30/2021 10:13 AM</a:t>
+              <a:t>10/26/2021 3:19 PM</a:t>
             </a:fld>
             <a:endParaRPr lang="en-US" dirty="0"/>
           </a:p>
@@ -18684,7 +22164,7 @@
     </p:spTree>
     <p:extLst>
       <p:ext uri="{BB962C8B-B14F-4D97-AF65-F5344CB8AC3E}">
-        <p14:creationId xmlns:p14="http://schemas.microsoft.com/office/powerpoint/2010/main" val="2652046932"/>
+        <p14:creationId xmlns:p14="http://schemas.microsoft.com/office/powerpoint/2010/main" val="158272458"/>
       </p:ext>
     </p:extLst>
   </p:cSld>
@@ -18756,6 +22236,88 @@
           </a:bodyPr>
           <a:lstStyle/>
           <a:p>
+            <a:pPr algn="l"/>
+            <a:r>
+              <a:rPr lang="en-US" sz="1200" b="1" i="0" dirty="0">
+                <a:solidFill>
+                  <a:schemeClr val="tx1"/>
+                </a:solidFill>
+                <a:effectLst/>
+                <a:latin typeface="Segoe UI" panose="020B0502040204020203" pitchFamily="34" charset="0"/>
+              </a:rPr>
+              <a:t>Logical revert</a:t>
+            </a:r>
+            <a:endParaRPr lang="en-US" sz="1200" b="0" i="0" dirty="0">
+              <a:solidFill>
+                <a:schemeClr val="tx1"/>
+              </a:solidFill>
+              <a:effectLst/>
+              <a:latin typeface="Segoe UI" panose="020B0502040204020203" pitchFamily="34" charset="0"/>
+            </a:endParaRPr>
+          </a:p>
+          <a:p>
+            <a:pPr algn="l">
+              <a:buFont typeface="Arial" panose="020B0604020202020204" pitchFamily="34" charset="0"/>
+              <a:buNone/>
+            </a:pPr>
+            <a:r>
+              <a:rPr lang="en-US" sz="1200" b="0" i="0" dirty="0">
+                <a:solidFill>
+                  <a:schemeClr val="tx1"/>
+                </a:solidFill>
+                <a:effectLst/>
+                <a:latin typeface="Segoe UI" panose="020B0502040204020203" pitchFamily="34" charset="0"/>
+              </a:rPr>
+              <a:t>Logical revert is the asynchronous process responsible for performing row-level version-based Undo - providing instant transaction rollback and undo for all versioned operations. Logical revert is accomplished by:</a:t>
+            </a:r>
+          </a:p>
+          <a:p>
+            <a:pPr marL="742950" lvl="1" indent="-285750" algn="l">
+              <a:buFont typeface="Arial" panose="020B0604020202020204" pitchFamily="34" charset="0"/>
+              <a:buChar char="•"/>
+            </a:pPr>
+            <a:r>
+              <a:rPr lang="en-US" sz="1200" b="0" i="0" dirty="0">
+                <a:solidFill>
+                  <a:schemeClr val="tx1"/>
+                </a:solidFill>
+                <a:effectLst/>
+                <a:latin typeface="Segoe UI" panose="020B0502040204020203" pitchFamily="34" charset="0"/>
+              </a:rPr>
+              <a:t>Keeping track of all aborted transactions and marking them invisible to other transactions.</a:t>
+            </a:r>
+          </a:p>
+          <a:p>
+            <a:pPr marL="742950" lvl="1" indent="-285750" algn="l">
+              <a:buFont typeface="Arial" panose="020B0604020202020204" pitchFamily="34" charset="0"/>
+              <a:buChar char="•"/>
+            </a:pPr>
+            <a:r>
+              <a:rPr lang="en-US" sz="1200" b="0" i="0" dirty="0">
+                <a:solidFill>
+                  <a:schemeClr val="tx1"/>
+                </a:solidFill>
+                <a:effectLst/>
+                <a:latin typeface="Segoe UI" panose="020B0502040204020203" pitchFamily="34" charset="0"/>
+              </a:rPr>
+              <a:t>Performing rollback by using PVS for all user transactions, rather than physically scanning the transaction log and undoing changes one at a time.</a:t>
+            </a:r>
+          </a:p>
+          <a:p>
+            <a:pPr marL="742950" lvl="1" indent="-285750" algn="l">
+              <a:buFont typeface="Arial" panose="020B0604020202020204" pitchFamily="34" charset="0"/>
+              <a:buChar char="•"/>
+            </a:pPr>
+            <a:r>
+              <a:rPr lang="en-US" sz="1200" b="0" i="0" dirty="0">
+                <a:solidFill>
+                  <a:schemeClr val="tx1"/>
+                </a:solidFill>
+                <a:effectLst/>
+                <a:latin typeface="Segoe UI" panose="020B0502040204020203" pitchFamily="34" charset="0"/>
+              </a:rPr>
+              <a:t>Releasing all locks immediately after transaction abort. Since abort involves simply marking changes in memory, the process is very efficient </a:t>
+            </a:r>
             <a:endParaRPr lang="en-US" sz="1200" b="0" i="0" u="none" strike="noStrike" kern="1200" dirty="0">
               <a:solidFill>
                 <a:schemeClr val="tx1"/>
@@ -18794,7 +22356,7 @@
             <a:fld id="{EA2B2ED8-C573-45EF-BF68-CEC19505703A}" type="datetime8">
               <a:rPr lang="en-US" smtClean="0"/>
               <a:pPr/>
-              <a:t>8/30/2021 10:13 AM</a:t>
+              <a:t>10/26/2021 3:19 PM</a:t>
             </a:fld>
             <a:endParaRPr lang="en-US" dirty="0"/>
           </a:p>
@@ -18892,7 +22454,7 @@
     </p:spTree>
     <p:extLst>
       <p:ext uri="{BB962C8B-B14F-4D97-AF65-F5344CB8AC3E}">
-        <p14:creationId xmlns:p14="http://schemas.microsoft.com/office/powerpoint/2010/main" val="1851516857"/>
+        <p14:creationId xmlns:p14="http://schemas.microsoft.com/office/powerpoint/2010/main" val="2652046932"/>
       </p:ext>
     </p:extLst>
   </p:cSld>
@@ -19700,7 +23262,7 @@
                 </a:solidFill>
               </a:rPr>
               <a:pPr/>
-              <a:t>8/30/2021</a:t>
+              <a:t>10/26/2021</a:t>
             </a:fld>
             <a:endParaRPr lang="en-US" dirty="0">
               <a:solidFill>
@@ -21776,6 +25338,409 @@
           <a:prstGeom prst="ellipse">
             <a:avLst/>
           </a:prstGeom>
+        </p:spPr>
+        <p:style>
+          <a:lnRef idx="2">
+            <a:schemeClr val="accent5">
+              <a:shade val="50000"/>
+            </a:schemeClr>
+          </a:lnRef>
+          <a:fillRef idx="1">
+            <a:schemeClr val="accent5"/>
+          </a:fillRef>
+          <a:effectRef idx="0">
+            <a:schemeClr val="accent5"/>
+          </a:effectRef>
+          <a:fontRef idx="minor">
+            <a:schemeClr val="lt1"/>
+          </a:fontRef>
+        </p:style>
+        <p:txBody>
+          <a:bodyPr rtlCol="0" anchor="ctr"/>
+          <a:lstStyle/>
+          <a:p>
+            <a:pPr algn="ctr"/>
+            <a:r>
+              <a:rPr lang="en-US" sz="2400" dirty="0"/>
+              <a:t>Logical Revert</a:t>
+            </a:r>
+          </a:p>
+        </p:txBody>
+      </p:sp>
+      <p:sp>
+        <p:nvSpPr>
+          <p:cNvPr id="7" name="Oval 6">
+            <a:extLst>
+              <a:ext uri="{FF2B5EF4-FFF2-40B4-BE49-F238E27FC236}">
+                <a16:creationId xmlns:a16="http://schemas.microsoft.com/office/drawing/2014/main" id="{21B52A34-5644-41B7-9057-BD1947685288}"/>
+              </a:ext>
+            </a:extLst>
+          </p:cNvPr>
+          <p:cNvSpPr/>
+          <p:nvPr/>
+        </p:nvSpPr>
+        <p:spPr>
+          <a:xfrm>
+            <a:off x="6450753" y="4299210"/>
+            <a:ext cx="1809750" cy="1853940"/>
+          </a:xfrm>
+          <a:prstGeom prst="ellipse">
+            <a:avLst/>
+          </a:prstGeom>
+          <a:solidFill>
+            <a:schemeClr val="accent4">
+              <a:lumMod val="60000"/>
+              <a:lumOff val="40000"/>
+            </a:schemeClr>
+          </a:solidFill>
+        </p:spPr>
+        <p:style>
+          <a:lnRef idx="2">
+            <a:schemeClr val="accent5">
+              <a:shade val="50000"/>
+            </a:schemeClr>
+          </a:lnRef>
+          <a:fillRef idx="1">
+            <a:schemeClr val="accent5"/>
+          </a:fillRef>
+          <a:effectRef idx="0">
+            <a:schemeClr val="accent5"/>
+          </a:effectRef>
+          <a:fontRef idx="minor">
+            <a:schemeClr val="lt1"/>
+          </a:fontRef>
+        </p:style>
+        <p:txBody>
+          <a:bodyPr rtlCol="0" anchor="ctr"/>
+          <a:lstStyle/>
+          <a:p>
+            <a:pPr algn="ctr"/>
+            <a:r>
+              <a:rPr lang="en-US" sz="2400" dirty="0"/>
+              <a:t>sLog </a:t>
+            </a:r>
+            <a:endParaRPr lang="en-US" sz="1400" dirty="0"/>
+          </a:p>
+          <a:p>
+            <a:pPr algn="ctr"/>
+            <a:r>
+              <a:rPr lang="en-US" sz="1400" dirty="0"/>
+              <a:t>Special </a:t>
+            </a:r>
+          </a:p>
+          <a:p>
+            <a:pPr algn="ctr"/>
+            <a:r>
+              <a:rPr lang="en-US" sz="1400" dirty="0"/>
+              <a:t>In-Memory Log Stream</a:t>
+            </a:r>
+            <a:endParaRPr lang="en-US" sz="2400" dirty="0"/>
+          </a:p>
+        </p:txBody>
+      </p:sp>
+      <p:sp>
+        <p:nvSpPr>
+          <p:cNvPr id="11" name="Oval 10">
+            <a:extLst>
+              <a:ext uri="{FF2B5EF4-FFF2-40B4-BE49-F238E27FC236}">
+                <a16:creationId xmlns:a16="http://schemas.microsoft.com/office/drawing/2014/main" id="{169AEC14-19B8-4547-A0B0-FFA12CA6A2D1}"/>
+              </a:ext>
+            </a:extLst>
+          </p:cNvPr>
+          <p:cNvSpPr/>
+          <p:nvPr/>
+        </p:nvSpPr>
+        <p:spPr>
+          <a:xfrm>
+            <a:off x="9090343" y="4299210"/>
+            <a:ext cx="1809750" cy="1853940"/>
+          </a:xfrm>
+          <a:prstGeom prst="ellipse">
+            <a:avLst/>
+          </a:prstGeom>
+          <a:solidFill>
+            <a:schemeClr val="accent4">
+              <a:lumMod val="60000"/>
+              <a:lumOff val="40000"/>
+            </a:schemeClr>
+          </a:solidFill>
+        </p:spPr>
+        <p:style>
+          <a:lnRef idx="2">
+            <a:schemeClr val="accent5">
+              <a:shade val="50000"/>
+            </a:schemeClr>
+          </a:lnRef>
+          <a:fillRef idx="1">
+            <a:schemeClr val="accent5"/>
+          </a:fillRef>
+          <a:effectRef idx="0">
+            <a:schemeClr val="accent5"/>
+          </a:effectRef>
+          <a:fontRef idx="minor">
+            <a:schemeClr val="lt1"/>
+          </a:fontRef>
+        </p:style>
+        <p:txBody>
+          <a:bodyPr rtlCol="0" anchor="ctr"/>
+          <a:lstStyle/>
+          <a:p>
+            <a:pPr algn="ctr"/>
+            <a:r>
+              <a:rPr lang="en-US" sz="2400" dirty="0"/>
+              <a:t>Cleaner</a:t>
+            </a:r>
+          </a:p>
+        </p:txBody>
+      </p:sp>
+      <p:graphicFrame>
+        <p:nvGraphicFramePr>
+          <p:cNvPr id="14" name="Diagram 13">
+            <a:extLst>
+              <a:ext uri="{FF2B5EF4-FFF2-40B4-BE49-F238E27FC236}">
+                <a16:creationId xmlns:a16="http://schemas.microsoft.com/office/drawing/2014/main" id="{49F498C4-E109-46D2-8DC1-C4AFD1651309}"/>
+              </a:ext>
+            </a:extLst>
+          </p:cNvPr>
+          <p:cNvGraphicFramePr/>
+          <p:nvPr>
+            <p:extLst>
+              <p:ext uri="{D42A27DB-BD31-4B8C-83A1-F6EECF244321}">
+                <p14:modId xmlns:p14="http://schemas.microsoft.com/office/powerpoint/2010/main" val="342142124"/>
+              </p:ext>
+            </p:extLst>
+          </p:nvPr>
+        </p:nvGraphicFramePr>
+        <p:xfrm>
+          <a:off x="429894" y="951710"/>
+          <a:ext cx="11049000" cy="3252259"/>
+        </p:xfrm>
+        <a:graphic>
+          <a:graphicData uri="http://schemas.openxmlformats.org/drawingml/2006/diagram">
+            <dgm:relIds xmlns:dgm="http://schemas.openxmlformats.org/drawingml/2006/diagram" xmlns:r="http://schemas.openxmlformats.org/officeDocument/2006/relationships" r:dm="rId4" r:lo="rId5" r:qs="rId6" r:cs="rId7"/>
+          </a:graphicData>
+        </a:graphic>
+      </p:graphicFrame>
+      <p:sp>
+        <p:nvSpPr>
+          <p:cNvPr id="3" name="Oval 2">
+            <a:extLst>
+              <a:ext uri="{FF2B5EF4-FFF2-40B4-BE49-F238E27FC236}">
+                <a16:creationId xmlns:a16="http://schemas.microsoft.com/office/drawing/2014/main" id="{D4EE3785-7CE5-46D1-AED6-FF27CC750693}"/>
+              </a:ext>
+            </a:extLst>
+          </p:cNvPr>
+          <p:cNvSpPr/>
+          <p:nvPr/>
+        </p:nvSpPr>
+        <p:spPr>
+          <a:xfrm>
+            <a:off x="3779884" y="4299210"/>
+            <a:ext cx="1841029" cy="1862822"/>
+          </a:xfrm>
+          <a:prstGeom prst="ellipse">
+            <a:avLst/>
+          </a:prstGeom>
+          <a:noFill/>
+          <a:ln>
+            <a:solidFill>
+              <a:schemeClr val="accent3">
+                <a:lumMod val="50000"/>
+              </a:schemeClr>
+            </a:solidFill>
+          </a:ln>
+          <a:effectLst>
+            <a:glow rad="228600">
+              <a:schemeClr val="accent3">
+                <a:satMod val="175000"/>
+                <a:alpha val="40000"/>
+              </a:schemeClr>
+            </a:glow>
+          </a:effectLst>
+        </p:spPr>
+        <p:style>
+          <a:lnRef idx="2">
+            <a:schemeClr val="accent1">
+              <a:shade val="50000"/>
+            </a:schemeClr>
+          </a:lnRef>
+          <a:fillRef idx="1">
+            <a:schemeClr val="accent1"/>
+          </a:fillRef>
+          <a:effectRef idx="0">
+            <a:schemeClr val="accent1"/>
+          </a:effectRef>
+          <a:fontRef idx="minor">
+            <a:schemeClr val="lt1"/>
+          </a:fontRef>
+        </p:style>
+        <p:txBody>
+          <a:bodyPr rtlCol="0" anchor="ctr"/>
+          <a:lstStyle/>
+          <a:p>
+            <a:pPr algn="ctr"/>
+            <a:endParaRPr lang="en-US"/>
+          </a:p>
+        </p:txBody>
+      </p:sp>
+    </p:spTree>
+    <p:custDataLst>
+      <p:tags r:id="rId1"/>
+    </p:custDataLst>
+    <p:extLst>
+      <p:ext uri="{BB962C8B-B14F-4D97-AF65-F5344CB8AC3E}">
+        <p14:creationId xmlns:p14="http://schemas.microsoft.com/office/powerpoint/2010/main" val="368539344"/>
+      </p:ext>
+    </p:extLst>
+  </p:cSld>
+  <p:clrMapOvr>
+    <a:masterClrMapping/>
+  </p:clrMapOvr>
+  <mc:AlternateContent xmlns:mc="http://schemas.openxmlformats.org/markup-compatibility/2006" xmlns:p14="http://schemas.microsoft.com/office/powerpoint/2010/main">
+    <mc:Choice Requires="p14">
+      <p:transition spd="med" p14:dur="700">
+        <p:fade/>
+      </p:transition>
+    </mc:Choice>
+    <mc:Fallback xmlns="">
+      <p:transition spd="med">
+        <p:fade/>
+      </p:transition>
+    </mc:Fallback>
+  </mc:AlternateContent>
+</p:sld>
+</file>
+
+<file path=ppt/slides/slide11.xml><?xml version="1.0" encoding="utf-8"?>
+<p:sld xmlns:a="http://schemas.openxmlformats.org/drawingml/2006/main" xmlns:r="http://schemas.openxmlformats.org/officeDocument/2006/relationships" xmlns:p="http://schemas.openxmlformats.org/presentationml/2006/main">
+  <p:cSld>
+    <p:spTree>
+      <p:nvGrpSpPr>
+        <p:cNvPr id="1" name=""/>
+        <p:cNvGrpSpPr/>
+        <p:nvPr/>
+      </p:nvGrpSpPr>
+      <p:grpSpPr>
+        <a:xfrm>
+          <a:off x="0" y="0"/>
+          <a:ext cx="0" cy="0"/>
+          <a:chOff x="0" y="0"/>
+          <a:chExt cx="0" cy="0"/>
+        </a:xfrm>
+      </p:grpSpPr>
+      <p:sp>
+        <p:nvSpPr>
+          <p:cNvPr id="2" name="Title 1"/>
+          <p:cNvSpPr>
+            <a:spLocks noGrp="1"/>
+          </p:cNvSpPr>
+          <p:nvPr>
+            <p:ph type="title"/>
+          </p:nvPr>
+        </p:nvSpPr>
+        <p:spPr>
+          <a:xfrm>
+            <a:off x="269238" y="174885"/>
+            <a:ext cx="11370312" cy="1143000"/>
+          </a:xfrm>
+        </p:spPr>
+        <p:txBody>
+          <a:bodyPr/>
+          <a:lstStyle/>
+          <a:p>
+            <a:r>
+              <a:rPr lang="en-US" dirty="0">
+                <a:solidFill>
+                  <a:schemeClr val="accent5"/>
+                </a:solidFill>
+              </a:rPr>
+              <a:t>Accelerated Database Recovery Components</a:t>
+            </a:r>
+          </a:p>
+        </p:txBody>
+      </p:sp>
+      <p:sp>
+        <p:nvSpPr>
+          <p:cNvPr id="4" name="Oval 3">
+            <a:extLst>
+              <a:ext uri="{FF2B5EF4-FFF2-40B4-BE49-F238E27FC236}">
+                <a16:creationId xmlns:a16="http://schemas.microsoft.com/office/drawing/2014/main" id="{F6CFFB15-F7C5-4ED4-9B03-1573A378BBAB}"/>
+              </a:ext>
+            </a:extLst>
+          </p:cNvPr>
+          <p:cNvSpPr/>
+          <p:nvPr/>
+        </p:nvSpPr>
+        <p:spPr>
+          <a:xfrm>
+            <a:off x="1171575" y="4299210"/>
+            <a:ext cx="1809750" cy="1853940"/>
+          </a:xfrm>
+          <a:prstGeom prst="ellipse">
+            <a:avLst/>
+          </a:prstGeom>
+          <a:solidFill>
+            <a:schemeClr val="accent4">
+              <a:lumMod val="60000"/>
+              <a:lumOff val="40000"/>
+            </a:schemeClr>
+          </a:solidFill>
+        </p:spPr>
+        <p:style>
+          <a:lnRef idx="2">
+            <a:schemeClr val="accent5">
+              <a:shade val="50000"/>
+            </a:schemeClr>
+          </a:lnRef>
+          <a:fillRef idx="1">
+            <a:schemeClr val="accent5"/>
+          </a:fillRef>
+          <a:effectRef idx="0">
+            <a:schemeClr val="accent5"/>
+          </a:effectRef>
+          <a:fontRef idx="minor">
+            <a:schemeClr val="lt1"/>
+          </a:fontRef>
+        </p:style>
+        <p:txBody>
+          <a:bodyPr rtlCol="0" anchor="ctr"/>
+          <a:lstStyle/>
+          <a:p>
+            <a:pPr algn="ctr"/>
+            <a:r>
+              <a:rPr lang="en-US" sz="3200" dirty="0"/>
+              <a:t>PVS </a:t>
+            </a:r>
+          </a:p>
+          <a:p>
+            <a:pPr algn="ctr"/>
+            <a:r>
+              <a:rPr lang="en-US" sz="1400" dirty="0"/>
+              <a:t>Persisted Version Store</a:t>
+            </a:r>
+          </a:p>
+        </p:txBody>
+      </p:sp>
+      <p:sp>
+        <p:nvSpPr>
+          <p:cNvPr id="5" name="Oval 4">
+            <a:extLst>
+              <a:ext uri="{FF2B5EF4-FFF2-40B4-BE49-F238E27FC236}">
+                <a16:creationId xmlns:a16="http://schemas.microsoft.com/office/drawing/2014/main" id="{41862E9B-F096-4A58-9538-D5BA869DF9AF}"/>
+              </a:ext>
+            </a:extLst>
+          </p:cNvPr>
+          <p:cNvSpPr/>
+          <p:nvPr/>
+        </p:nvSpPr>
+        <p:spPr>
+          <a:xfrm>
+            <a:off x="3811164" y="4299210"/>
+            <a:ext cx="1809750" cy="1853940"/>
+          </a:xfrm>
+          <a:prstGeom prst="ellipse">
+            <a:avLst/>
+          </a:prstGeom>
           <a:solidFill>
             <a:schemeClr val="accent4">
               <a:lumMod val="60000"/>
@@ -22049,7 +26014,7 @@
 </p:sld>
 </file>
 
-<file path=ppt/slides/slide11.xml><?xml version="1.0" encoding="utf-8"?>
+<file path=ppt/slides/slide12.xml><?xml version="1.0" encoding="utf-8"?>
 <p:sld xmlns:a="http://schemas.openxmlformats.org/drawingml/2006/main" xmlns:r="http://schemas.openxmlformats.org/officeDocument/2006/relationships" xmlns:p="http://schemas.openxmlformats.org/presentationml/2006/main">
   <p:cSld>
     <p:spTree>
@@ -22452,7 +26417,7 @@
 </p:sld>
 </file>
 
-<file path=ppt/slides/slide12.xml><?xml version="1.0" encoding="utf-8"?>
+<file path=ppt/slides/slide13.xml><?xml version="1.0" encoding="utf-8"?>
 <p:sld xmlns:a="http://schemas.openxmlformats.org/drawingml/2006/main" xmlns:r="http://schemas.openxmlformats.org/officeDocument/2006/relationships" xmlns:p="http://schemas.openxmlformats.org/presentationml/2006/main">
   <p:cSld>
     <p:spTree>
@@ -28338,7 +32303,7 @@
 </p:sld>
 </file>
 
-<file path=ppt/slides/slide13.xml><?xml version="1.0" encoding="utf-8"?>
+<file path=ppt/slides/slide14.xml><?xml version="1.0" encoding="utf-8"?>
 <p:sld xmlns:a="http://schemas.openxmlformats.org/drawingml/2006/main" xmlns:r="http://schemas.openxmlformats.org/officeDocument/2006/relationships" xmlns:p="http://schemas.openxmlformats.org/presentationml/2006/main">
   <p:cSld>
     <p:spTree>
@@ -28498,7 +32463,7 @@
 </p:sld>
 </file>
 
-<file path=ppt/slides/slide14.xml><?xml version="1.0" encoding="utf-8"?>
+<file path=ppt/slides/slide15.xml><?xml version="1.0" encoding="utf-8"?>
 <p:sld xmlns:a="http://schemas.openxmlformats.org/drawingml/2006/main" xmlns:r="http://schemas.openxmlformats.org/officeDocument/2006/relationships" xmlns:p="http://schemas.openxmlformats.org/presentationml/2006/main">
   <p:cSld>
     <p:spTree>
@@ -28597,7 +32562,7 @@
 </p:sld>
 </file>
 
-<file path=ppt/slides/slide15.xml><?xml version="1.0" encoding="utf-8"?>
+<file path=ppt/slides/slide16.xml><?xml version="1.0" encoding="utf-8"?>
 <p:sld xmlns:a="http://schemas.openxmlformats.org/drawingml/2006/main" xmlns:r="http://schemas.openxmlformats.org/officeDocument/2006/relationships" xmlns:p="http://schemas.openxmlformats.org/presentationml/2006/main">
   <p:cSld>
     <p:spTree>
@@ -28750,7 +32715,7 @@
 </p:sld>
 </file>
 
-<file path=ppt/slides/slide16.xml><?xml version="1.0" encoding="utf-8"?>
+<file path=ppt/slides/slide17.xml><?xml version="1.0" encoding="utf-8"?>
 <p:sld xmlns:a="http://schemas.openxmlformats.org/drawingml/2006/main" xmlns:r="http://schemas.openxmlformats.org/officeDocument/2006/relationships" xmlns:p="http://schemas.openxmlformats.org/presentationml/2006/main">
   <p:cSld>
     <p:spTree>
@@ -29923,6 +33888,141 @@
       </p:grpSpPr>
       <p:sp>
         <p:nvSpPr>
+          <p:cNvPr id="3" name="Title 1">
+            <a:extLst>
+              <a:ext uri="{FF2B5EF4-FFF2-40B4-BE49-F238E27FC236}">
+                <a16:creationId xmlns:a16="http://schemas.microsoft.com/office/drawing/2014/main" id="{D37B4494-DBBE-403A-BCB8-10BD3D001AE6}"/>
+              </a:ext>
+            </a:extLst>
+          </p:cNvPr>
+          <p:cNvSpPr txBox="1">
+            <a:spLocks/>
+          </p:cNvSpPr>
+          <p:nvPr/>
+        </p:nvSpPr>
+        <p:spPr>
+          <a:xfrm>
+            <a:off x="370838" y="241156"/>
+            <a:ext cx="10972800" cy="1143000"/>
+          </a:xfrm>
+          <a:prstGeom prst="rect">
+            <a:avLst/>
+          </a:prstGeom>
+        </p:spPr>
+        <p:txBody>
+          <a:bodyPr vert="horz" lIns="91440" tIns="45720" rIns="91440" bIns="45720" rtlCol="0" anchor="t">
+            <a:noAutofit/>
+          </a:bodyPr>
+          <a:lstStyle>
+            <a:lvl1pPr marL="0" marR="0" indent="0" algn="l" defTabSz="457112" rtl="0" eaLnBrk="1" fontAlgn="auto" latinLnBrk="0" hangingPunct="1">
+              <a:lnSpc>
+                <a:spcPts val="3500"/>
+              </a:lnSpc>
+              <a:spcBef>
+                <a:spcPct val="0"/>
+              </a:spcBef>
+              <a:spcAft>
+                <a:spcPts val="0"/>
+              </a:spcAft>
+              <a:buClrTx/>
+              <a:buSzTx/>
+              <a:buFontTx/>
+              <a:buNone/>
+              <a:tabLst/>
+              <a:defRPr kumimoji="0" lang="en-US" sz="3600" b="0" i="0" u="none" strike="noStrike" kern="1200" cap="none" spc="0" normalizeH="0" baseline="0">
+                <a:ln>
+                  <a:noFill/>
+                </a:ln>
+                <a:solidFill>
+                  <a:srgbClr val="424CA0"/>
+                </a:solidFill>
+                <a:effectLst/>
+                <a:uLnTx/>
+                <a:uFillTx/>
+                <a:latin typeface="+mj-lt"/>
+                <a:ea typeface="+mj-ea"/>
+                <a:cs typeface="Segoe UI Light"/>
+              </a:defRPr>
+            </a:lvl1pPr>
+          </a:lstStyle>
+          <a:p>
+            <a:r>
+              <a:rPr lang="en-US" altLang="en-US" sz="4400" dirty="0">
+                <a:solidFill>
+                  <a:schemeClr val="tx1"/>
+                </a:solidFill>
+              </a:rPr>
+              <a:t>What does this session cover?</a:t>
+            </a:r>
+          </a:p>
+        </p:txBody>
+      </p:sp>
+      <p:graphicFrame>
+        <p:nvGraphicFramePr>
+          <p:cNvPr id="2" name="Diagram 1">
+            <a:extLst>
+              <a:ext uri="{FF2B5EF4-FFF2-40B4-BE49-F238E27FC236}">
+                <a16:creationId xmlns:a16="http://schemas.microsoft.com/office/drawing/2014/main" id="{15845F8F-E666-4C81-8545-9803D889234C}"/>
+              </a:ext>
+            </a:extLst>
+          </p:cNvPr>
+          <p:cNvGraphicFramePr/>
+          <p:nvPr/>
+        </p:nvGraphicFramePr>
+        <p:xfrm>
+          <a:off x="899288" y="1029960"/>
+          <a:ext cx="10393424" cy="4798080"/>
+        </p:xfrm>
+        <a:graphic>
+          <a:graphicData uri="http://schemas.openxmlformats.org/drawingml/2006/diagram">
+            <dgm:relIds xmlns:dgm="http://schemas.openxmlformats.org/drawingml/2006/diagram" xmlns:r="http://schemas.openxmlformats.org/officeDocument/2006/relationships" r:dm="rId3" r:lo="rId4" r:qs="rId5" r:cs="rId6"/>
+          </a:graphicData>
+        </a:graphic>
+      </p:graphicFrame>
+    </p:spTree>
+    <p:extLst>
+      <p:ext uri="{BB962C8B-B14F-4D97-AF65-F5344CB8AC3E}">
+        <p14:creationId xmlns:p14="http://schemas.microsoft.com/office/powerpoint/2010/main" val="176307358"/>
+      </p:ext>
+    </p:extLst>
+  </p:cSld>
+  <p:clrMapOvr>
+    <a:masterClrMapping/>
+  </p:clrMapOvr>
+  <mc:AlternateContent xmlns:mc="http://schemas.openxmlformats.org/markup-compatibility/2006">
+    <mc:Choice xmlns:p159="http://schemas.microsoft.com/office/powerpoint/2015/09/main" Requires="p159">
+      <p:transition xmlns:p14="http://schemas.microsoft.com/office/powerpoint/2010/main" spd="slow" p14:dur="2000">
+        <p159:morph option="byObject"/>
+      </p:transition>
+    </mc:Choice>
+    <mc:Fallback>
+      <p:transition spd="slow">
+        <p:fade/>
+      </p:transition>
+    </mc:Fallback>
+  </mc:AlternateContent>
+</p:sld>
+</file>
+
+<file path=ppt/slides/slide5.xml><?xml version="1.0" encoding="utf-8"?>
+<p:sld xmlns:a="http://schemas.openxmlformats.org/drawingml/2006/main" xmlns:r="http://schemas.openxmlformats.org/officeDocument/2006/relationships" xmlns:p="http://schemas.openxmlformats.org/presentationml/2006/main">
+  <p:cSld>
+    <p:spTree>
+      <p:nvGrpSpPr>
+        <p:cNvPr id="1" name=""/>
+        <p:cNvGrpSpPr/>
+        <p:nvPr/>
+      </p:nvGrpSpPr>
+      <p:grpSpPr>
+        <a:xfrm>
+          <a:off x="0" y="0"/>
+          <a:ext cx="0" cy="0"/>
+          <a:chOff x="0" y="0"/>
+          <a:chExt cx="0" cy="0"/>
+        </a:xfrm>
+      </p:grpSpPr>
+      <p:sp>
+        <p:nvSpPr>
           <p:cNvPr id="2" name="Title 1"/>
           <p:cNvSpPr>
             <a:spLocks noGrp="1"/>
@@ -30003,7 +34103,7 @@
 </p:sld>
 </file>
 
-<file path=ppt/slides/slide5.xml><?xml version="1.0" encoding="utf-8"?>
+<file path=ppt/slides/slide6.xml><?xml version="1.0" encoding="utf-8"?>
 <p:sld xmlns:a="http://schemas.openxmlformats.org/drawingml/2006/main" xmlns:r="http://schemas.openxmlformats.org/officeDocument/2006/relationships" xmlns:p="http://schemas.openxmlformats.org/presentationml/2006/main">
   <p:cSld>
     <p:spTree>
@@ -30504,7 +34604,7 @@
 </p:sld>
 </file>
 
-<file path=ppt/slides/slide6.xml><?xml version="1.0" encoding="utf-8"?>
+<file path=ppt/slides/slide7.xml><?xml version="1.0" encoding="utf-8"?>
 <p:sld xmlns:a="http://schemas.openxmlformats.org/drawingml/2006/main" xmlns:r="http://schemas.openxmlformats.org/officeDocument/2006/relationships" xmlns:p="http://schemas.openxmlformats.org/presentationml/2006/main">
   <p:cSld>
     <p:spTree>
@@ -32917,7 +37017,7 @@
 </p:sld>
 </file>
 
-<file path=ppt/slides/slide7.xml><?xml version="1.0" encoding="utf-8"?>
+<file path=ppt/slides/slide8.xml><?xml version="1.0" encoding="utf-8"?>
 <p:sld xmlns:a="http://schemas.openxmlformats.org/drawingml/2006/main" xmlns:r="http://schemas.openxmlformats.org/officeDocument/2006/relationships" xmlns:p="http://schemas.openxmlformats.org/presentationml/2006/main">
   <p:cSld>
     <p:spTree>
@@ -33854,7 +37954,7 @@
 </p:sld>
 </file>
 
-<file path=ppt/slides/slide8.xml><?xml version="1.0" encoding="utf-8"?>
+<file path=ppt/slides/slide9.xml><?xml version="1.0" encoding="utf-8"?>
 <p:sld xmlns:a="http://schemas.openxmlformats.org/drawingml/2006/main" xmlns:r="http://schemas.openxmlformats.org/officeDocument/2006/relationships" xmlns:p="http://schemas.openxmlformats.org/presentationml/2006/main">
   <p:cSld>
     <p:spTree>
@@ -34236,409 +38336,6 @@
     <p:extLst>
       <p:ext uri="{BB962C8B-B14F-4D97-AF65-F5344CB8AC3E}">
         <p14:creationId xmlns:p14="http://schemas.microsoft.com/office/powerpoint/2010/main" val="3289827717"/>
-      </p:ext>
-    </p:extLst>
-  </p:cSld>
-  <p:clrMapOvr>
-    <a:masterClrMapping/>
-  </p:clrMapOvr>
-  <mc:AlternateContent xmlns:mc="http://schemas.openxmlformats.org/markup-compatibility/2006" xmlns:p14="http://schemas.microsoft.com/office/powerpoint/2010/main">
-    <mc:Choice Requires="p14">
-      <p:transition spd="med" p14:dur="700">
-        <p:fade/>
-      </p:transition>
-    </mc:Choice>
-    <mc:Fallback xmlns="">
-      <p:transition spd="med">
-        <p:fade/>
-      </p:transition>
-    </mc:Fallback>
-  </mc:AlternateContent>
-</p:sld>
-</file>
-
-<file path=ppt/slides/slide9.xml><?xml version="1.0" encoding="utf-8"?>
-<p:sld xmlns:a="http://schemas.openxmlformats.org/drawingml/2006/main" xmlns:r="http://schemas.openxmlformats.org/officeDocument/2006/relationships" xmlns:p="http://schemas.openxmlformats.org/presentationml/2006/main">
-  <p:cSld>
-    <p:spTree>
-      <p:nvGrpSpPr>
-        <p:cNvPr id="1" name=""/>
-        <p:cNvGrpSpPr/>
-        <p:nvPr/>
-      </p:nvGrpSpPr>
-      <p:grpSpPr>
-        <a:xfrm>
-          <a:off x="0" y="0"/>
-          <a:ext cx="0" cy="0"/>
-          <a:chOff x="0" y="0"/>
-          <a:chExt cx="0" cy="0"/>
-        </a:xfrm>
-      </p:grpSpPr>
-      <p:sp>
-        <p:nvSpPr>
-          <p:cNvPr id="2" name="Title 1"/>
-          <p:cNvSpPr>
-            <a:spLocks noGrp="1"/>
-          </p:cNvSpPr>
-          <p:nvPr>
-            <p:ph type="title"/>
-          </p:nvPr>
-        </p:nvSpPr>
-        <p:spPr>
-          <a:xfrm>
-            <a:off x="269238" y="174885"/>
-            <a:ext cx="11370312" cy="1143000"/>
-          </a:xfrm>
-        </p:spPr>
-        <p:txBody>
-          <a:bodyPr/>
-          <a:lstStyle/>
-          <a:p>
-            <a:r>
-              <a:rPr lang="en-US" dirty="0">
-                <a:solidFill>
-                  <a:schemeClr val="accent5"/>
-                </a:solidFill>
-              </a:rPr>
-              <a:t>Accelerated Database Recovery Components</a:t>
-            </a:r>
-          </a:p>
-        </p:txBody>
-      </p:sp>
-      <p:sp>
-        <p:nvSpPr>
-          <p:cNvPr id="4" name="Oval 3">
-            <a:extLst>
-              <a:ext uri="{FF2B5EF4-FFF2-40B4-BE49-F238E27FC236}">
-                <a16:creationId xmlns:a16="http://schemas.microsoft.com/office/drawing/2014/main" id="{F6CFFB15-F7C5-4ED4-9B03-1573A378BBAB}"/>
-              </a:ext>
-            </a:extLst>
-          </p:cNvPr>
-          <p:cNvSpPr/>
-          <p:nvPr/>
-        </p:nvSpPr>
-        <p:spPr>
-          <a:xfrm>
-            <a:off x="1171575" y="4299210"/>
-            <a:ext cx="1809750" cy="1853940"/>
-          </a:xfrm>
-          <a:prstGeom prst="ellipse">
-            <a:avLst/>
-          </a:prstGeom>
-          <a:solidFill>
-            <a:schemeClr val="accent4">
-              <a:lumMod val="60000"/>
-              <a:lumOff val="40000"/>
-            </a:schemeClr>
-          </a:solidFill>
-        </p:spPr>
-        <p:style>
-          <a:lnRef idx="2">
-            <a:schemeClr val="accent5">
-              <a:shade val="50000"/>
-            </a:schemeClr>
-          </a:lnRef>
-          <a:fillRef idx="1">
-            <a:schemeClr val="accent5"/>
-          </a:fillRef>
-          <a:effectRef idx="0">
-            <a:schemeClr val="accent5"/>
-          </a:effectRef>
-          <a:fontRef idx="minor">
-            <a:schemeClr val="lt1"/>
-          </a:fontRef>
-        </p:style>
-        <p:txBody>
-          <a:bodyPr rtlCol="0" anchor="ctr"/>
-          <a:lstStyle/>
-          <a:p>
-            <a:pPr algn="ctr"/>
-            <a:r>
-              <a:rPr lang="en-US" sz="3200" dirty="0"/>
-              <a:t>PVS </a:t>
-            </a:r>
-          </a:p>
-          <a:p>
-            <a:pPr algn="ctr"/>
-            <a:r>
-              <a:rPr lang="en-US" sz="1400" dirty="0"/>
-              <a:t>Persisted Version Store</a:t>
-            </a:r>
-          </a:p>
-        </p:txBody>
-      </p:sp>
-      <p:sp>
-        <p:nvSpPr>
-          <p:cNvPr id="5" name="Oval 4">
-            <a:extLst>
-              <a:ext uri="{FF2B5EF4-FFF2-40B4-BE49-F238E27FC236}">
-                <a16:creationId xmlns:a16="http://schemas.microsoft.com/office/drawing/2014/main" id="{41862E9B-F096-4A58-9538-D5BA869DF9AF}"/>
-              </a:ext>
-            </a:extLst>
-          </p:cNvPr>
-          <p:cNvSpPr/>
-          <p:nvPr/>
-        </p:nvSpPr>
-        <p:spPr>
-          <a:xfrm>
-            <a:off x="3811164" y="4299210"/>
-            <a:ext cx="1809750" cy="1853940"/>
-          </a:xfrm>
-          <a:prstGeom prst="ellipse">
-            <a:avLst/>
-          </a:prstGeom>
-        </p:spPr>
-        <p:style>
-          <a:lnRef idx="2">
-            <a:schemeClr val="accent5">
-              <a:shade val="50000"/>
-            </a:schemeClr>
-          </a:lnRef>
-          <a:fillRef idx="1">
-            <a:schemeClr val="accent5"/>
-          </a:fillRef>
-          <a:effectRef idx="0">
-            <a:schemeClr val="accent5"/>
-          </a:effectRef>
-          <a:fontRef idx="minor">
-            <a:schemeClr val="lt1"/>
-          </a:fontRef>
-        </p:style>
-        <p:txBody>
-          <a:bodyPr rtlCol="0" anchor="ctr"/>
-          <a:lstStyle/>
-          <a:p>
-            <a:pPr algn="ctr"/>
-            <a:r>
-              <a:rPr lang="en-US" sz="2400" dirty="0"/>
-              <a:t>Logical Revert</a:t>
-            </a:r>
-          </a:p>
-        </p:txBody>
-      </p:sp>
-      <p:sp>
-        <p:nvSpPr>
-          <p:cNvPr id="7" name="Oval 6">
-            <a:extLst>
-              <a:ext uri="{FF2B5EF4-FFF2-40B4-BE49-F238E27FC236}">
-                <a16:creationId xmlns:a16="http://schemas.microsoft.com/office/drawing/2014/main" id="{21B52A34-5644-41B7-9057-BD1947685288}"/>
-              </a:ext>
-            </a:extLst>
-          </p:cNvPr>
-          <p:cNvSpPr/>
-          <p:nvPr/>
-        </p:nvSpPr>
-        <p:spPr>
-          <a:xfrm>
-            <a:off x="6450753" y="4299210"/>
-            <a:ext cx="1809750" cy="1853940"/>
-          </a:xfrm>
-          <a:prstGeom prst="ellipse">
-            <a:avLst/>
-          </a:prstGeom>
-          <a:solidFill>
-            <a:schemeClr val="accent4">
-              <a:lumMod val="60000"/>
-              <a:lumOff val="40000"/>
-            </a:schemeClr>
-          </a:solidFill>
-        </p:spPr>
-        <p:style>
-          <a:lnRef idx="2">
-            <a:schemeClr val="accent5">
-              <a:shade val="50000"/>
-            </a:schemeClr>
-          </a:lnRef>
-          <a:fillRef idx="1">
-            <a:schemeClr val="accent5"/>
-          </a:fillRef>
-          <a:effectRef idx="0">
-            <a:schemeClr val="accent5"/>
-          </a:effectRef>
-          <a:fontRef idx="minor">
-            <a:schemeClr val="lt1"/>
-          </a:fontRef>
-        </p:style>
-        <p:txBody>
-          <a:bodyPr rtlCol="0" anchor="ctr"/>
-          <a:lstStyle/>
-          <a:p>
-            <a:pPr algn="ctr"/>
-            <a:r>
-              <a:rPr lang="en-US" sz="2400" dirty="0"/>
-              <a:t>sLog </a:t>
-            </a:r>
-            <a:endParaRPr lang="en-US" sz="1400" dirty="0"/>
-          </a:p>
-          <a:p>
-            <a:pPr algn="ctr"/>
-            <a:r>
-              <a:rPr lang="en-US" sz="1400" dirty="0"/>
-              <a:t>Special </a:t>
-            </a:r>
-          </a:p>
-          <a:p>
-            <a:pPr algn="ctr"/>
-            <a:r>
-              <a:rPr lang="en-US" sz="1400" dirty="0"/>
-              <a:t>In-Memory Log Stream</a:t>
-            </a:r>
-            <a:endParaRPr lang="en-US" sz="2400" dirty="0"/>
-          </a:p>
-        </p:txBody>
-      </p:sp>
-      <p:sp>
-        <p:nvSpPr>
-          <p:cNvPr id="11" name="Oval 10">
-            <a:extLst>
-              <a:ext uri="{FF2B5EF4-FFF2-40B4-BE49-F238E27FC236}">
-                <a16:creationId xmlns:a16="http://schemas.microsoft.com/office/drawing/2014/main" id="{169AEC14-19B8-4547-A0B0-FFA12CA6A2D1}"/>
-              </a:ext>
-            </a:extLst>
-          </p:cNvPr>
-          <p:cNvSpPr/>
-          <p:nvPr/>
-        </p:nvSpPr>
-        <p:spPr>
-          <a:xfrm>
-            <a:off x="9090343" y="4299210"/>
-            <a:ext cx="1809750" cy="1853940"/>
-          </a:xfrm>
-          <a:prstGeom prst="ellipse">
-            <a:avLst/>
-          </a:prstGeom>
-          <a:solidFill>
-            <a:schemeClr val="accent4">
-              <a:lumMod val="60000"/>
-              <a:lumOff val="40000"/>
-            </a:schemeClr>
-          </a:solidFill>
-        </p:spPr>
-        <p:style>
-          <a:lnRef idx="2">
-            <a:schemeClr val="accent5">
-              <a:shade val="50000"/>
-            </a:schemeClr>
-          </a:lnRef>
-          <a:fillRef idx="1">
-            <a:schemeClr val="accent5"/>
-          </a:fillRef>
-          <a:effectRef idx="0">
-            <a:schemeClr val="accent5"/>
-          </a:effectRef>
-          <a:fontRef idx="minor">
-            <a:schemeClr val="lt1"/>
-          </a:fontRef>
-        </p:style>
-        <p:txBody>
-          <a:bodyPr rtlCol="0" anchor="ctr"/>
-          <a:lstStyle/>
-          <a:p>
-            <a:pPr algn="ctr"/>
-            <a:r>
-              <a:rPr lang="en-US" sz="2400" dirty="0"/>
-              <a:t>Cleaner</a:t>
-            </a:r>
-          </a:p>
-        </p:txBody>
-      </p:sp>
-      <p:graphicFrame>
-        <p:nvGraphicFramePr>
-          <p:cNvPr id="14" name="Diagram 13">
-            <a:extLst>
-              <a:ext uri="{FF2B5EF4-FFF2-40B4-BE49-F238E27FC236}">
-                <a16:creationId xmlns:a16="http://schemas.microsoft.com/office/drawing/2014/main" id="{49F498C4-E109-46D2-8DC1-C4AFD1651309}"/>
-              </a:ext>
-            </a:extLst>
-          </p:cNvPr>
-          <p:cNvGraphicFramePr/>
-          <p:nvPr>
-            <p:extLst>
-              <p:ext uri="{D42A27DB-BD31-4B8C-83A1-F6EECF244321}">
-                <p14:modId xmlns:p14="http://schemas.microsoft.com/office/powerpoint/2010/main" val="342142124"/>
-              </p:ext>
-            </p:extLst>
-          </p:nvPr>
-        </p:nvGraphicFramePr>
-        <p:xfrm>
-          <a:off x="429894" y="951710"/>
-          <a:ext cx="11049000" cy="3252259"/>
-        </p:xfrm>
-        <a:graphic>
-          <a:graphicData uri="http://schemas.openxmlformats.org/drawingml/2006/diagram">
-            <dgm:relIds xmlns:dgm="http://schemas.openxmlformats.org/drawingml/2006/diagram" xmlns:r="http://schemas.openxmlformats.org/officeDocument/2006/relationships" r:dm="rId4" r:lo="rId5" r:qs="rId6" r:cs="rId7"/>
-          </a:graphicData>
-        </a:graphic>
-      </p:graphicFrame>
-      <p:sp>
-        <p:nvSpPr>
-          <p:cNvPr id="3" name="Oval 2">
-            <a:extLst>
-              <a:ext uri="{FF2B5EF4-FFF2-40B4-BE49-F238E27FC236}">
-                <a16:creationId xmlns:a16="http://schemas.microsoft.com/office/drawing/2014/main" id="{D4EE3785-7CE5-46D1-AED6-FF27CC750693}"/>
-              </a:ext>
-            </a:extLst>
-          </p:cNvPr>
-          <p:cNvSpPr/>
-          <p:nvPr/>
-        </p:nvSpPr>
-        <p:spPr>
-          <a:xfrm>
-            <a:off x="3779884" y="4299210"/>
-            <a:ext cx="1841029" cy="1862822"/>
-          </a:xfrm>
-          <a:prstGeom prst="ellipse">
-            <a:avLst/>
-          </a:prstGeom>
-          <a:noFill/>
-          <a:ln>
-            <a:solidFill>
-              <a:schemeClr val="accent3">
-                <a:lumMod val="50000"/>
-              </a:schemeClr>
-            </a:solidFill>
-          </a:ln>
-          <a:effectLst>
-            <a:glow rad="228600">
-              <a:schemeClr val="accent3">
-                <a:satMod val="175000"/>
-                <a:alpha val="40000"/>
-              </a:schemeClr>
-            </a:glow>
-          </a:effectLst>
-        </p:spPr>
-        <p:style>
-          <a:lnRef idx="2">
-            <a:schemeClr val="accent1">
-              <a:shade val="50000"/>
-            </a:schemeClr>
-          </a:lnRef>
-          <a:fillRef idx="1">
-            <a:schemeClr val="accent1"/>
-          </a:fillRef>
-          <a:effectRef idx="0">
-            <a:schemeClr val="accent1"/>
-          </a:effectRef>
-          <a:fontRef idx="minor">
-            <a:schemeClr val="lt1"/>
-          </a:fontRef>
-        </p:style>
-        <p:txBody>
-          <a:bodyPr rtlCol="0" anchor="ctr"/>
-          <a:lstStyle/>
-          <a:p>
-            <a:pPr algn="ctr"/>
-            <a:endParaRPr lang="en-US"/>
-          </a:p>
-        </p:txBody>
-      </p:sp>
-    </p:spTree>
-    <p:custDataLst>
-      <p:tags r:id="rId1"/>
-    </p:custDataLst>
-    <p:extLst>
-      <p:ext uri="{BB962C8B-B14F-4D97-AF65-F5344CB8AC3E}">
-        <p14:creationId xmlns:p14="http://schemas.microsoft.com/office/powerpoint/2010/main" val="368539344"/>
       </p:ext>
     </p:extLst>
   </p:cSld>

--- a/Accelerated_Database_Recovery/JD_Accelerated_Database_Recovery.pptx
+++ b/Accelerated_Database_Recovery/JD_Accelerated_Database_Recovery.pptx
@@ -5491,7 +5491,7 @@
 <dgm:dataModel xmlns:dgm="http://schemas.openxmlformats.org/drawingml/2006/diagram" xmlns:a="http://schemas.openxmlformats.org/drawingml/2006/main">
   <dgm:ptLst>
     <dgm:pt modelId="{E0727030-A103-47B3-9948-2C3FB6249167}" type="doc">
-      <dgm:prSet loTypeId="urn:microsoft.com/office/officeart/2005/8/layout/vList2" loCatId="list" qsTypeId="urn:microsoft.com/office/officeart/2005/8/quickstyle/simple1" qsCatId="simple" csTypeId="urn:microsoft.com/office/officeart/2005/8/colors/accent5_1" csCatId="accent5" phldr="1"/>
+      <dgm:prSet loTypeId="urn:microsoft.com/office/officeart/2005/8/layout/vList2" loCatId="list" qsTypeId="urn:microsoft.com/office/officeart/2005/8/quickstyle/simple2" qsCatId="simple" csTypeId="urn:microsoft.com/office/officeart/2005/8/colors/accent5_1" csCatId="accent5" phldr="1"/>
       <dgm:spPr/>
       <dgm:t>
         <a:bodyPr/>
@@ -5681,7 +5681,7 @@
         </a:p>
       </dgm:t>
     </dgm:pt>
-    <dgm:pt modelId="{920A3D74-469C-4EDC-8C5F-FD4FFD16E171}" type="pres">
+    <dgm:pt modelId="{E4673A4E-3734-4625-B353-D1784395CC96}" type="pres">
       <dgm:prSet presAssocID="{E0727030-A103-47B3-9948-2C3FB6249167}" presName="linear" presStyleCnt="0">
         <dgm:presLayoutVars>
           <dgm:animLvl val="lvl"/>
@@ -5690,8 +5690,8 @@
       </dgm:prSet>
       <dgm:spPr/>
     </dgm:pt>
-    <dgm:pt modelId="{95CCDC1D-1D26-4DF7-90DC-036F2479319D}" type="pres">
-      <dgm:prSet presAssocID="{0E1DD910-82B7-411B-86B9-779EC2DE4ABD}" presName="parentText" presStyleLbl="node1" presStyleIdx="0" presStyleCnt="5" custLinFactY="3319" custLinFactNeighborX="558" custLinFactNeighborY="100000">
+    <dgm:pt modelId="{AFBD7E5B-E837-4750-852E-7D88E7265662}" type="pres">
+      <dgm:prSet presAssocID="{0E1DD910-82B7-411B-86B9-779EC2DE4ABD}" presName="parentText" presStyleLbl="node1" presStyleIdx="0" presStyleCnt="5">
         <dgm:presLayoutVars>
           <dgm:chMax val="0"/>
           <dgm:bulletEnabled val="1"/>
@@ -5699,12 +5699,12 @@
       </dgm:prSet>
       <dgm:spPr/>
     </dgm:pt>
-    <dgm:pt modelId="{E8867D22-4A84-4CF5-8391-5F233AA3220A}" type="pres">
+    <dgm:pt modelId="{B7E02171-84CC-4A22-A789-0BCE344ADC91}" type="pres">
       <dgm:prSet presAssocID="{B6272E9F-8C73-47FA-A097-213295CCE98A}" presName="spacer" presStyleCnt="0"/>
       <dgm:spPr/>
     </dgm:pt>
-    <dgm:pt modelId="{54130A14-0DE4-44B1-B9EC-80A3DCC50B7F}" type="pres">
-      <dgm:prSet presAssocID="{55F66497-B41F-458F-BE0F-83DCE0E8E50E}" presName="parentText" presStyleLbl="node1" presStyleIdx="1" presStyleCnt="5" custLinFactNeighborY="38397">
+    <dgm:pt modelId="{5AFA2766-D896-4110-AF97-2CF9E630B1BB}" type="pres">
+      <dgm:prSet presAssocID="{55F66497-B41F-458F-BE0F-83DCE0E8E50E}" presName="parentText" presStyleLbl="node1" presStyleIdx="1" presStyleCnt="5">
         <dgm:presLayoutVars>
           <dgm:chMax val="0"/>
           <dgm:bulletEnabled val="1"/>
@@ -5712,12 +5712,12 @@
       </dgm:prSet>
       <dgm:spPr/>
     </dgm:pt>
-    <dgm:pt modelId="{E9613EBB-B728-4088-BC43-A4365FB7F868}" type="pres">
+    <dgm:pt modelId="{16E5860C-C18E-45B8-8069-D20F86544168}" type="pres">
       <dgm:prSet presAssocID="{F07B156D-AAA1-4F25-8334-78CC51F4D586}" presName="spacer" presStyleCnt="0"/>
       <dgm:spPr/>
     </dgm:pt>
-    <dgm:pt modelId="{BA3D222A-5776-4FE9-9733-7A3F04304945}" type="pres">
-      <dgm:prSet presAssocID="{0B8A16A9-AB23-49B7-913A-893FC66DAABE}" presName="parentText" presStyleLbl="node1" presStyleIdx="2" presStyleCnt="5" custLinFactNeighborY="-43134">
+    <dgm:pt modelId="{581B2DA3-36B4-4473-BE2C-2E47BBCC4B8E}" type="pres">
+      <dgm:prSet presAssocID="{0B8A16A9-AB23-49B7-913A-893FC66DAABE}" presName="parentText" presStyleLbl="node1" presStyleIdx="2" presStyleCnt="5">
         <dgm:presLayoutVars>
           <dgm:chMax val="0"/>
           <dgm:bulletEnabled val="1"/>
@@ -5725,12 +5725,12 @@
       </dgm:prSet>
       <dgm:spPr/>
     </dgm:pt>
-    <dgm:pt modelId="{A90F7BE8-6193-4DC6-B19D-CA739386DE98}" type="pres">
+    <dgm:pt modelId="{B04A8DF7-D63D-4A26-9549-BF55D68B1673}" type="pres">
       <dgm:prSet presAssocID="{5ECC143C-46AB-4B52-8F7D-1E172FB4FEA0}" presName="spacer" presStyleCnt="0"/>
       <dgm:spPr/>
     </dgm:pt>
-    <dgm:pt modelId="{013A2DE9-5AA1-4010-A7D1-3F937EE17FFA}" type="pres">
-      <dgm:prSet presAssocID="{31806E39-DA97-4FE6-BCC1-CE510A1766B0}" presName="parentText" presStyleLbl="node1" presStyleIdx="3" presStyleCnt="5" custLinFactNeighborY="-43134">
+    <dgm:pt modelId="{96769021-F829-4527-A976-D59CEBE83653}" type="pres">
+      <dgm:prSet presAssocID="{31806E39-DA97-4FE6-BCC1-CE510A1766B0}" presName="parentText" presStyleLbl="node1" presStyleIdx="3" presStyleCnt="5">
         <dgm:presLayoutVars>
           <dgm:chMax val="0"/>
           <dgm:bulletEnabled val="1"/>
@@ -5738,11 +5738,11 @@
       </dgm:prSet>
       <dgm:spPr/>
     </dgm:pt>
-    <dgm:pt modelId="{57F398D8-F975-41C6-9181-4BD64705B438}" type="pres">
+    <dgm:pt modelId="{97CAE723-0B1C-4133-BF32-8C5D35463B8F}" type="pres">
       <dgm:prSet presAssocID="{0103660E-F48B-43E0-A359-1BB51FA9AEDE}" presName="spacer" presStyleCnt="0"/>
       <dgm:spPr/>
     </dgm:pt>
-    <dgm:pt modelId="{7FAF2F6D-0989-46E6-AC86-35D77D38CA74}" type="pres">
+    <dgm:pt modelId="{19243262-FAE0-4A09-B205-FBE506AB0F79}" type="pres">
       <dgm:prSet presAssocID="{23E6073C-D653-4D56-A80C-B4279DB81166}" presName="parentText" presStyleLbl="node1" presStyleIdx="4" presStyleCnt="5">
         <dgm:presLayoutVars>
           <dgm:chMax val="0"/>
@@ -5753,26 +5753,26 @@
     </dgm:pt>
   </dgm:ptLst>
   <dgm:cxnLst>
-    <dgm:cxn modelId="{1D054240-00EA-4066-8ACD-23B9B4605ED1}" type="presOf" srcId="{31806E39-DA97-4FE6-BCC1-CE510A1766B0}" destId="{013A2DE9-5AA1-4010-A7D1-3F937EE17FFA}" srcOrd="0" destOrd="0" presId="urn:microsoft.com/office/officeart/2005/8/layout/vList2"/>
-    <dgm:cxn modelId="{6EB1E762-B5BF-4F22-AEDE-604B1C57026E}" type="presOf" srcId="{0E1DD910-82B7-411B-86B9-779EC2DE4ABD}" destId="{95CCDC1D-1D26-4DF7-90DC-036F2479319D}" srcOrd="0" destOrd="0" presId="urn:microsoft.com/office/officeart/2005/8/layout/vList2"/>
-    <dgm:cxn modelId="{1D456145-BFDB-473C-A09E-D0EF22D2BCDA}" type="presOf" srcId="{23E6073C-D653-4D56-A80C-B4279DB81166}" destId="{7FAF2F6D-0989-46E6-AC86-35D77D38CA74}" srcOrd="0" destOrd="0" presId="urn:microsoft.com/office/officeart/2005/8/layout/vList2"/>
+    <dgm:cxn modelId="{BD9D2B2D-90C1-4CA4-96DD-36F384779FAF}" type="presOf" srcId="{E0727030-A103-47B3-9948-2C3FB6249167}" destId="{E4673A4E-3734-4625-B353-D1784395CC96}" srcOrd="0" destOrd="0" presId="urn:microsoft.com/office/officeart/2005/8/layout/vList2"/>
     <dgm:cxn modelId="{82C4DE49-13F9-4858-A22F-D30E9D046A47}" srcId="{E0727030-A103-47B3-9948-2C3FB6249167}" destId="{31806E39-DA97-4FE6-BCC1-CE510A1766B0}" srcOrd="3" destOrd="0" parTransId="{0855E89E-E2F9-49AF-A74D-B6A840749A89}" sibTransId="{0103660E-F48B-43E0-A359-1BB51FA9AEDE}"/>
-    <dgm:cxn modelId="{FCC6D670-C38E-43EE-BEFB-6467E7F05192}" type="presOf" srcId="{55F66497-B41F-458F-BE0F-83DCE0E8E50E}" destId="{54130A14-0DE4-44B1-B9EC-80A3DCC50B7F}" srcOrd="0" destOrd="0" presId="urn:microsoft.com/office/officeart/2005/8/layout/vList2"/>
-    <dgm:cxn modelId="{EE12C081-2DCB-4068-A3F1-864D5516811F}" type="presOf" srcId="{0B8A16A9-AB23-49B7-913A-893FC66DAABE}" destId="{BA3D222A-5776-4FE9-9733-7A3F04304945}" srcOrd="0" destOrd="0" presId="urn:microsoft.com/office/officeart/2005/8/layout/vList2"/>
+    <dgm:cxn modelId="{7B620276-D145-4F87-982F-5E764005D21A}" type="presOf" srcId="{0E1DD910-82B7-411B-86B9-779EC2DE4ABD}" destId="{AFBD7E5B-E837-4750-852E-7D88E7265662}" srcOrd="0" destOrd="0" presId="urn:microsoft.com/office/officeart/2005/8/layout/vList2"/>
+    <dgm:cxn modelId="{27923781-B434-4355-9454-C0D510BED5B1}" type="presOf" srcId="{0B8A16A9-AB23-49B7-913A-893FC66DAABE}" destId="{581B2DA3-36B4-4473-BE2C-2E47BBCC4B8E}" srcOrd="0" destOrd="0" presId="urn:microsoft.com/office/officeart/2005/8/layout/vList2"/>
     <dgm:cxn modelId="{C0DA62C1-147D-4B85-BA84-F4BFBB5F8D9E}" srcId="{E0727030-A103-47B3-9948-2C3FB6249167}" destId="{0B8A16A9-AB23-49B7-913A-893FC66DAABE}" srcOrd="2" destOrd="0" parTransId="{8EF5704C-DD11-41EF-A8E3-651DDA178803}" sibTransId="{5ECC143C-46AB-4B52-8F7D-1E172FB4FEA0}"/>
     <dgm:cxn modelId="{1AF7F9CE-8F94-4D3F-BAF2-C3C12662D4E0}" srcId="{E0727030-A103-47B3-9948-2C3FB6249167}" destId="{0E1DD910-82B7-411B-86B9-779EC2DE4ABD}" srcOrd="0" destOrd="0" parTransId="{2A74FAF1-0C25-4177-A263-A3087463B3AC}" sibTransId="{B6272E9F-8C73-47FA-A097-213295CCE98A}"/>
-    <dgm:cxn modelId="{E1BFCCD1-756E-488E-A2A7-E717BF5E9B46}" type="presOf" srcId="{E0727030-A103-47B3-9948-2C3FB6249167}" destId="{920A3D74-469C-4EDC-8C5F-FD4FFD16E171}" srcOrd="0" destOrd="0" presId="urn:microsoft.com/office/officeart/2005/8/layout/vList2"/>
     <dgm:cxn modelId="{B6B78DE8-C420-491C-808C-96E256FE26E2}" srcId="{E0727030-A103-47B3-9948-2C3FB6249167}" destId="{55F66497-B41F-458F-BE0F-83DCE0E8E50E}" srcOrd="1" destOrd="0" parTransId="{FCC6DE80-C34E-4965-9C42-549488322652}" sibTransId="{F07B156D-AAA1-4F25-8334-78CC51F4D586}"/>
+    <dgm:cxn modelId="{AC42B9EC-137E-4E40-AC94-E91C10655122}" type="presOf" srcId="{23E6073C-D653-4D56-A80C-B4279DB81166}" destId="{19243262-FAE0-4A09-B205-FBE506AB0F79}" srcOrd="0" destOrd="0" presId="urn:microsoft.com/office/officeart/2005/8/layout/vList2"/>
+    <dgm:cxn modelId="{86C90AEF-BDBE-40C0-8212-2AA9AC1FA095}" type="presOf" srcId="{31806E39-DA97-4FE6-BCC1-CE510A1766B0}" destId="{96769021-F829-4527-A976-D59CEBE83653}" srcOrd="0" destOrd="0" presId="urn:microsoft.com/office/officeart/2005/8/layout/vList2"/>
     <dgm:cxn modelId="{AFF550F2-2752-4328-A93D-E8CB62422E27}" srcId="{E0727030-A103-47B3-9948-2C3FB6249167}" destId="{23E6073C-D653-4D56-A80C-B4279DB81166}" srcOrd="4" destOrd="0" parTransId="{20237CC0-4411-4500-A2A5-25154FE3D527}" sibTransId="{BF1BEB6F-E291-4385-97C9-253646459052}"/>
-    <dgm:cxn modelId="{E236219C-818C-4C9A-9823-1D4B788B54FF}" type="presParOf" srcId="{920A3D74-469C-4EDC-8C5F-FD4FFD16E171}" destId="{95CCDC1D-1D26-4DF7-90DC-036F2479319D}" srcOrd="0" destOrd="0" presId="urn:microsoft.com/office/officeart/2005/8/layout/vList2"/>
-    <dgm:cxn modelId="{2ABE5130-927F-4838-BCE8-ABC051DC2350}" type="presParOf" srcId="{920A3D74-469C-4EDC-8C5F-FD4FFD16E171}" destId="{E8867D22-4A84-4CF5-8391-5F233AA3220A}" srcOrd="1" destOrd="0" presId="urn:microsoft.com/office/officeart/2005/8/layout/vList2"/>
-    <dgm:cxn modelId="{A0F26D8C-C2D2-4FC1-B49C-FEDB49725E29}" type="presParOf" srcId="{920A3D74-469C-4EDC-8C5F-FD4FFD16E171}" destId="{54130A14-0DE4-44B1-B9EC-80A3DCC50B7F}" srcOrd="2" destOrd="0" presId="urn:microsoft.com/office/officeart/2005/8/layout/vList2"/>
-    <dgm:cxn modelId="{92FD8F0E-65A5-4B51-A5AE-9385C866ADCE}" type="presParOf" srcId="{920A3D74-469C-4EDC-8C5F-FD4FFD16E171}" destId="{E9613EBB-B728-4088-BC43-A4365FB7F868}" srcOrd="3" destOrd="0" presId="urn:microsoft.com/office/officeart/2005/8/layout/vList2"/>
-    <dgm:cxn modelId="{045E799C-0302-4AF5-A910-49637F7A2353}" type="presParOf" srcId="{920A3D74-469C-4EDC-8C5F-FD4FFD16E171}" destId="{BA3D222A-5776-4FE9-9733-7A3F04304945}" srcOrd="4" destOrd="0" presId="urn:microsoft.com/office/officeart/2005/8/layout/vList2"/>
-    <dgm:cxn modelId="{9358D317-28FD-4EB1-876E-3B13187AD207}" type="presParOf" srcId="{920A3D74-469C-4EDC-8C5F-FD4FFD16E171}" destId="{A90F7BE8-6193-4DC6-B19D-CA739386DE98}" srcOrd="5" destOrd="0" presId="urn:microsoft.com/office/officeart/2005/8/layout/vList2"/>
-    <dgm:cxn modelId="{D5EC438A-FB21-4D73-A9BF-ACC8AB089FB7}" type="presParOf" srcId="{920A3D74-469C-4EDC-8C5F-FD4FFD16E171}" destId="{013A2DE9-5AA1-4010-A7D1-3F937EE17FFA}" srcOrd="6" destOrd="0" presId="urn:microsoft.com/office/officeart/2005/8/layout/vList2"/>
-    <dgm:cxn modelId="{7F055B46-2B95-40D7-8D09-1780CE7CCDEB}" type="presParOf" srcId="{920A3D74-469C-4EDC-8C5F-FD4FFD16E171}" destId="{57F398D8-F975-41C6-9181-4BD64705B438}" srcOrd="7" destOrd="0" presId="urn:microsoft.com/office/officeart/2005/8/layout/vList2"/>
-    <dgm:cxn modelId="{75647381-534F-4857-A47D-E5FEE93D5FBB}" type="presParOf" srcId="{920A3D74-469C-4EDC-8C5F-FD4FFD16E171}" destId="{7FAF2F6D-0989-46E6-AC86-35D77D38CA74}" srcOrd="8" destOrd="0" presId="urn:microsoft.com/office/officeart/2005/8/layout/vList2"/>
+    <dgm:cxn modelId="{88B07BF2-DF17-4D76-A3C7-2E8F4F4EC63E}" type="presOf" srcId="{55F66497-B41F-458F-BE0F-83DCE0E8E50E}" destId="{5AFA2766-D896-4110-AF97-2CF9E630B1BB}" srcOrd="0" destOrd="0" presId="urn:microsoft.com/office/officeart/2005/8/layout/vList2"/>
+    <dgm:cxn modelId="{EE61C17D-2DDE-469B-AC5B-E0D5159C7F22}" type="presParOf" srcId="{E4673A4E-3734-4625-B353-D1784395CC96}" destId="{AFBD7E5B-E837-4750-852E-7D88E7265662}" srcOrd="0" destOrd="0" presId="urn:microsoft.com/office/officeart/2005/8/layout/vList2"/>
+    <dgm:cxn modelId="{7AB0F11F-1E7C-434A-985E-B506CE18F495}" type="presParOf" srcId="{E4673A4E-3734-4625-B353-D1784395CC96}" destId="{B7E02171-84CC-4A22-A789-0BCE344ADC91}" srcOrd="1" destOrd="0" presId="urn:microsoft.com/office/officeart/2005/8/layout/vList2"/>
+    <dgm:cxn modelId="{0E46F8AB-FB79-430D-B31B-96D40143A995}" type="presParOf" srcId="{E4673A4E-3734-4625-B353-D1784395CC96}" destId="{5AFA2766-D896-4110-AF97-2CF9E630B1BB}" srcOrd="2" destOrd="0" presId="urn:microsoft.com/office/officeart/2005/8/layout/vList2"/>
+    <dgm:cxn modelId="{E8BF1D27-9669-4C90-917C-572F874DE145}" type="presParOf" srcId="{E4673A4E-3734-4625-B353-D1784395CC96}" destId="{16E5860C-C18E-45B8-8069-D20F86544168}" srcOrd="3" destOrd="0" presId="urn:microsoft.com/office/officeart/2005/8/layout/vList2"/>
+    <dgm:cxn modelId="{9BD69982-BD5A-4A58-B0F7-E7443AF0CFFB}" type="presParOf" srcId="{E4673A4E-3734-4625-B353-D1784395CC96}" destId="{581B2DA3-36B4-4473-BE2C-2E47BBCC4B8E}" srcOrd="4" destOrd="0" presId="urn:microsoft.com/office/officeart/2005/8/layout/vList2"/>
+    <dgm:cxn modelId="{81C45B70-B693-44B7-90A3-2D15D4B1983C}" type="presParOf" srcId="{E4673A4E-3734-4625-B353-D1784395CC96}" destId="{B04A8DF7-D63D-4A26-9549-BF55D68B1673}" srcOrd="5" destOrd="0" presId="urn:microsoft.com/office/officeart/2005/8/layout/vList2"/>
+    <dgm:cxn modelId="{AFB18032-11E8-486B-A0B7-EDA98E6C32F8}" type="presParOf" srcId="{E4673A4E-3734-4625-B353-D1784395CC96}" destId="{96769021-F829-4527-A976-D59CEBE83653}" srcOrd="6" destOrd="0" presId="urn:microsoft.com/office/officeart/2005/8/layout/vList2"/>
+    <dgm:cxn modelId="{77262838-E8D6-4E07-BAC4-56AD353C9930}" type="presParOf" srcId="{E4673A4E-3734-4625-B353-D1784395CC96}" destId="{97CAE723-0B1C-4133-BF32-8C5D35463B8F}" srcOrd="7" destOrd="0" presId="urn:microsoft.com/office/officeart/2005/8/layout/vList2"/>
+    <dgm:cxn modelId="{FD5B7624-9C6A-4B52-8D47-AB1759D323BE}" type="presParOf" srcId="{E4673A4E-3734-4625-B353-D1784395CC96}" destId="{19243262-FAE0-4A09-B205-FBE506AB0F79}" srcOrd="8" destOrd="0" presId="urn:microsoft.com/office/officeart/2005/8/layout/vList2"/>
   </dgm:cxnLst>
   <dgm:bg/>
   <dgm:whole/>
@@ -7843,14 +7843,14 @@
       <dsp:cNvGrpSpPr/>
     </dsp:nvGrpSpPr>
     <dsp:grpSpPr/>
-    <dsp:sp modelId="{95CCDC1D-1D26-4DF7-90DC-036F2479319D}">
+    <dsp:sp modelId="{AFBD7E5B-E837-4750-852E-7D88E7265662}">
       <dsp:nvSpPr>
         <dsp:cNvPr id="0" name=""/>
         <dsp:cNvSpPr/>
       </dsp:nvSpPr>
       <dsp:spPr>
         <a:xfrm>
-          <a:off x="0" y="90229"/>
+          <a:off x="0" y="2340"/>
           <a:ext cx="10393424" cy="912600"/>
         </a:xfrm>
         <a:prstGeom prst="roundRect">
@@ -7864,7 +7864,7 @@
             <a:alphaOff val="0"/>
           </a:schemeClr>
         </a:solidFill>
-        <a:ln w="25400" cap="flat" cmpd="sng" algn="ctr">
+        <a:ln w="38100" cap="flat" cmpd="sng" algn="ctr">
           <a:solidFill>
             <a:schemeClr val="accent5">
               <a:shade val="80000"/>
@@ -7876,16 +7876,22 @@
           </a:solidFill>
           <a:prstDash val="solid"/>
         </a:ln>
-        <a:effectLst/>
+        <a:effectLst>
+          <a:outerShdw blurRad="40000" dist="20000" dir="5400000" rotWithShape="0">
+            <a:srgbClr val="000000">
+              <a:alpha val="38000"/>
+            </a:srgbClr>
+          </a:outerShdw>
+        </a:effectLst>
       </dsp:spPr>
       <dsp:style>
-        <a:lnRef idx="2">
+        <a:lnRef idx="3">
           <a:scrgbClr r="0" g="0" b="0"/>
         </a:lnRef>
         <a:fillRef idx="1">
           <a:scrgbClr r="0" g="0" b="0"/>
         </a:fillRef>
-        <a:effectRef idx="0">
+        <a:effectRef idx="1">
           <a:scrgbClr r="0" g="0" b="0"/>
         </a:effectRef>
         <a:fontRef idx="minor">
@@ -7917,18 +7923,18 @@
         </a:p>
       </dsp:txBody>
       <dsp:txXfrm>
-        <a:off x="44549" y="134778"/>
+        <a:off x="44549" y="46889"/>
         <a:ext cx="10304326" cy="823502"/>
       </dsp:txXfrm>
     </dsp:sp>
-    <dsp:sp modelId="{54130A14-0DE4-44B1-B9EC-80A3DCC50B7F}">
+    <dsp:sp modelId="{5AFA2766-D896-4110-AF97-2CF9E630B1BB}">
       <dsp:nvSpPr>
         <dsp:cNvPr id="0" name=""/>
         <dsp:cNvSpPr/>
       </dsp:nvSpPr>
       <dsp:spPr>
         <a:xfrm>
-          <a:off x="0" y="994656"/>
+          <a:off x="0" y="972540"/>
           <a:ext cx="10393424" cy="912600"/>
         </a:xfrm>
         <a:prstGeom prst="roundRect">
@@ -7942,7 +7948,7 @@
             <a:alphaOff val="0"/>
           </a:schemeClr>
         </a:solidFill>
-        <a:ln w="25400" cap="flat" cmpd="sng" algn="ctr">
+        <a:ln w="38100" cap="flat" cmpd="sng" algn="ctr">
           <a:solidFill>
             <a:schemeClr val="accent5">
               <a:shade val="80000"/>
@@ -7954,16 +7960,22 @@
           </a:solidFill>
           <a:prstDash val="solid"/>
         </a:ln>
-        <a:effectLst/>
+        <a:effectLst>
+          <a:outerShdw blurRad="40000" dist="20000" dir="5400000" rotWithShape="0">
+            <a:srgbClr val="000000">
+              <a:alpha val="38000"/>
+            </a:srgbClr>
+          </a:outerShdw>
+        </a:effectLst>
       </dsp:spPr>
       <dsp:style>
-        <a:lnRef idx="2">
+        <a:lnRef idx="3">
           <a:scrgbClr r="0" g="0" b="0"/>
         </a:lnRef>
         <a:fillRef idx="1">
           <a:scrgbClr r="0" g="0" b="0"/>
         </a:fillRef>
-        <a:effectRef idx="0">
+        <a:effectRef idx="1">
           <a:scrgbClr r="0" g="0" b="0"/>
         </a:effectRef>
         <a:fontRef idx="minor">
@@ -7995,18 +8007,18 @@
         </a:p>
       </dsp:txBody>
       <dsp:txXfrm>
-        <a:off x="44549" y="1039205"/>
+        <a:off x="44549" y="1017089"/>
         <a:ext cx="10304326" cy="823502"/>
       </dsp:txXfrm>
     </dsp:sp>
-    <dsp:sp modelId="{BA3D222A-5776-4FE9-9733-7A3F04304945}">
+    <dsp:sp modelId="{581B2DA3-36B4-4473-BE2C-2E47BBCC4B8E}">
       <dsp:nvSpPr>
         <dsp:cNvPr id="0" name=""/>
         <dsp:cNvSpPr/>
       </dsp:nvSpPr>
       <dsp:spPr>
         <a:xfrm>
-          <a:off x="0" y="1917894"/>
+          <a:off x="0" y="1942740"/>
           <a:ext cx="10393424" cy="912600"/>
         </a:xfrm>
         <a:prstGeom prst="roundRect">
@@ -8020,7 +8032,7 @@
             <a:alphaOff val="0"/>
           </a:schemeClr>
         </a:solidFill>
-        <a:ln w="25400" cap="flat" cmpd="sng" algn="ctr">
+        <a:ln w="38100" cap="flat" cmpd="sng" algn="ctr">
           <a:solidFill>
             <a:schemeClr val="accent5">
               <a:shade val="80000"/>
@@ -8032,16 +8044,22 @@
           </a:solidFill>
           <a:prstDash val="solid"/>
         </a:ln>
-        <a:effectLst/>
+        <a:effectLst>
+          <a:outerShdw blurRad="40000" dist="20000" dir="5400000" rotWithShape="0">
+            <a:srgbClr val="000000">
+              <a:alpha val="38000"/>
+            </a:srgbClr>
+          </a:outerShdw>
+        </a:effectLst>
       </dsp:spPr>
       <dsp:style>
-        <a:lnRef idx="2">
+        <a:lnRef idx="3">
           <a:scrgbClr r="0" g="0" b="0"/>
         </a:lnRef>
         <a:fillRef idx="1">
           <a:scrgbClr r="0" g="0" b="0"/>
         </a:fillRef>
-        <a:effectRef idx="0">
+        <a:effectRef idx="1">
           <a:scrgbClr r="0" g="0" b="0"/>
         </a:effectRef>
         <a:fontRef idx="minor">
@@ -8073,18 +8091,18 @@
         </a:p>
       </dsp:txBody>
       <dsp:txXfrm>
-        <a:off x="44549" y="1962443"/>
+        <a:off x="44549" y="1987289"/>
         <a:ext cx="10304326" cy="823502"/>
       </dsp:txXfrm>
     </dsp:sp>
-    <dsp:sp modelId="{013A2DE9-5AA1-4010-A7D1-3F937EE17FFA}">
+    <dsp:sp modelId="{96769021-F829-4527-A976-D59CEBE83653}">
       <dsp:nvSpPr>
         <dsp:cNvPr id="0" name=""/>
         <dsp:cNvSpPr/>
       </dsp:nvSpPr>
       <dsp:spPr>
         <a:xfrm>
-          <a:off x="0" y="2888094"/>
+          <a:off x="0" y="2912940"/>
           <a:ext cx="10393424" cy="912600"/>
         </a:xfrm>
         <a:prstGeom prst="roundRect">
@@ -8098,7 +8116,7 @@
             <a:alphaOff val="0"/>
           </a:schemeClr>
         </a:solidFill>
-        <a:ln w="25400" cap="flat" cmpd="sng" algn="ctr">
+        <a:ln w="38100" cap="flat" cmpd="sng" algn="ctr">
           <a:solidFill>
             <a:schemeClr val="accent5">
               <a:shade val="80000"/>
@@ -8110,16 +8128,22 @@
           </a:solidFill>
           <a:prstDash val="solid"/>
         </a:ln>
-        <a:effectLst/>
+        <a:effectLst>
+          <a:outerShdw blurRad="40000" dist="20000" dir="5400000" rotWithShape="0">
+            <a:srgbClr val="000000">
+              <a:alpha val="38000"/>
+            </a:srgbClr>
+          </a:outerShdw>
+        </a:effectLst>
       </dsp:spPr>
       <dsp:style>
-        <a:lnRef idx="2">
+        <a:lnRef idx="3">
           <a:scrgbClr r="0" g="0" b="0"/>
         </a:lnRef>
         <a:fillRef idx="1">
           <a:scrgbClr r="0" g="0" b="0"/>
         </a:fillRef>
-        <a:effectRef idx="0">
+        <a:effectRef idx="1">
           <a:scrgbClr r="0" g="0" b="0"/>
         </a:effectRef>
         <a:fontRef idx="minor">
@@ -8151,11 +8175,11 @@
         </a:p>
       </dsp:txBody>
       <dsp:txXfrm>
-        <a:off x="44549" y="2932643"/>
+        <a:off x="44549" y="2957489"/>
         <a:ext cx="10304326" cy="823502"/>
       </dsp:txXfrm>
     </dsp:sp>
-    <dsp:sp modelId="{7FAF2F6D-0989-46E6-AC86-35D77D38CA74}">
+    <dsp:sp modelId="{19243262-FAE0-4A09-B205-FBE506AB0F79}">
       <dsp:nvSpPr>
         <dsp:cNvPr id="0" name=""/>
         <dsp:cNvSpPr/>
@@ -8176,7 +8200,7 @@
             <a:alphaOff val="0"/>
           </a:schemeClr>
         </a:solidFill>
-        <a:ln w="25400" cap="flat" cmpd="sng" algn="ctr">
+        <a:ln w="38100" cap="flat" cmpd="sng" algn="ctr">
           <a:solidFill>
             <a:schemeClr val="accent5">
               <a:shade val="80000"/>
@@ -8188,16 +8212,22 @@
           </a:solidFill>
           <a:prstDash val="solid"/>
         </a:ln>
-        <a:effectLst/>
+        <a:effectLst>
+          <a:outerShdw blurRad="40000" dist="20000" dir="5400000" rotWithShape="0">
+            <a:srgbClr val="000000">
+              <a:alpha val="38000"/>
+            </a:srgbClr>
+          </a:outerShdw>
+        </a:effectLst>
       </dsp:spPr>
       <dsp:style>
-        <a:lnRef idx="2">
+        <a:lnRef idx="3">
           <a:scrgbClr r="0" g="0" b="0"/>
         </a:lnRef>
         <a:fillRef idx="1">
           <a:scrgbClr r="0" g="0" b="0"/>
         </a:fillRef>
-        <a:effectRef idx="0">
+        <a:effectRef idx="1">
           <a:scrgbClr r="0" g="0" b="0"/>
         </a:effectRef>
         <a:fontRef idx="minor">
@@ -11331,11 +11361,11 @@
 </file>
 
 <file path=ppt/diagrams/quickStyle1.xml><?xml version="1.0" encoding="utf-8"?>
-<dgm:styleDef xmlns:dgm="http://schemas.openxmlformats.org/drawingml/2006/diagram" xmlns:a="http://schemas.openxmlformats.org/drawingml/2006/main" uniqueId="urn:microsoft.com/office/officeart/2005/8/quickstyle/simple1">
+<dgm:styleDef xmlns:dgm="http://schemas.openxmlformats.org/drawingml/2006/diagram" xmlns:a="http://schemas.openxmlformats.org/drawingml/2006/main" uniqueId="urn:microsoft.com/office/officeart/2005/8/quickstyle/simple2">
   <dgm:title val=""/>
   <dgm:desc val=""/>
   <dgm:catLst>
-    <dgm:cat type="simple" pri="10100"/>
+    <dgm:cat type="simple" pri="10200"/>
   </dgm:catLst>
   <dgm:scene3d>
     <a:camera prst="orthographicFront"/>
@@ -11349,13 +11379,13 @@
     <dgm:sp3d/>
     <dgm:txPr/>
     <dgm:style>
-      <a:lnRef idx="2">
+      <a:lnRef idx="3">
         <a:scrgbClr r="0" g="0" b="0"/>
       </a:lnRef>
       <a:fillRef idx="1">
         <a:scrgbClr r="0" g="0" b="0"/>
       </a:fillRef>
-      <a:effectRef idx="0">
+      <a:effectRef idx="1">
         <a:scrgbClr r="0" g="0" b="0"/>
       </a:effectRef>
       <a:fontRef idx="minor">
@@ -11371,13 +11401,13 @@
     <dgm:sp3d/>
     <dgm:txPr/>
     <dgm:style>
-      <a:lnRef idx="2">
+      <a:lnRef idx="3">
         <a:scrgbClr r="0" g="0" b="0"/>
       </a:lnRef>
       <a:fillRef idx="1">
         <a:scrgbClr r="0" g="0" b="0"/>
       </a:fillRef>
-      <a:effectRef idx="0">
+      <a:effectRef idx="1">
         <a:scrgbClr r="0" g="0" b="0"/>
       </a:effectRef>
       <a:fontRef idx="minor">
@@ -11393,7 +11423,7 @@
     <dgm:sp3d/>
     <dgm:txPr/>
     <dgm:style>
-      <a:lnRef idx="2">
+      <a:lnRef idx="3">
         <a:scrgbClr r="0" g="0" b="0"/>
       </a:lnRef>
       <a:fillRef idx="1">
@@ -11421,7 +11451,7 @@
       <a:fillRef idx="1">
         <a:scrgbClr r="0" g="0" b="0"/>
       </a:fillRef>
-      <a:effectRef idx="0">
+      <a:effectRef idx="1">
         <a:scrgbClr r="0" g="0" b="0"/>
       </a:effectRef>
       <a:fontRef idx="minor">
@@ -11437,13 +11467,13 @@
     <dgm:sp3d/>
     <dgm:txPr/>
     <dgm:style>
-      <a:lnRef idx="2">
+      <a:lnRef idx="3">
         <a:scrgbClr r="0" g="0" b="0"/>
       </a:lnRef>
       <a:fillRef idx="1">
         <a:scrgbClr r="0" g="0" b="0"/>
       </a:fillRef>
-      <a:effectRef idx="0">
+      <a:effectRef idx="1">
         <a:scrgbClr r="0" g="0" b="0"/>
       </a:effectRef>
       <a:fontRef idx="minor">
@@ -11459,13 +11489,13 @@
     <dgm:sp3d/>
     <dgm:txPr/>
     <dgm:style>
-      <a:lnRef idx="2">
+      <a:lnRef idx="3">
         <a:scrgbClr r="0" g="0" b="0"/>
       </a:lnRef>
       <a:fillRef idx="1">
         <a:scrgbClr r="0" g="0" b="0"/>
       </a:fillRef>
-      <a:effectRef idx="0">
+      <a:effectRef idx="1">
         <a:scrgbClr r="0" g="0" b="0"/>
       </a:effectRef>
       <a:fontRef idx="minor">
@@ -11481,13 +11511,13 @@
     <dgm:sp3d/>
     <dgm:txPr/>
     <dgm:style>
-      <a:lnRef idx="2">
+      <a:lnRef idx="3">
         <a:scrgbClr r="0" g="0" b="0"/>
       </a:lnRef>
       <a:fillRef idx="1">
         <a:scrgbClr r="0" g="0" b="0"/>
       </a:fillRef>
-      <a:effectRef idx="0">
+      <a:effectRef idx="1">
         <a:scrgbClr r="0" g="0" b="0"/>
       </a:effectRef>
       <a:fontRef idx="minor">
@@ -11503,13 +11533,13 @@
     <dgm:sp3d/>
     <dgm:txPr/>
     <dgm:style>
-      <a:lnRef idx="2">
+      <a:lnRef idx="3">
         <a:scrgbClr r="0" g="0" b="0"/>
       </a:lnRef>
       <a:fillRef idx="1">
         <a:scrgbClr r="0" g="0" b="0"/>
       </a:fillRef>
-      <a:effectRef idx="0">
+      <a:effectRef idx="1">
         <a:scrgbClr r="0" g="0" b="0"/>
       </a:effectRef>
       <a:fontRef idx="minor">
@@ -11525,13 +11555,13 @@
     <dgm:sp3d/>
     <dgm:txPr/>
     <dgm:style>
-      <a:lnRef idx="2">
+      <a:lnRef idx="3">
         <a:scrgbClr r="0" g="0" b="0"/>
       </a:lnRef>
       <a:fillRef idx="1">
         <a:scrgbClr r="0" g="0" b="0"/>
       </a:fillRef>
-      <a:effectRef idx="0">
+      <a:effectRef idx="1">
         <a:scrgbClr r="0" g="0" b="0"/>
       </a:effectRef>
       <a:fontRef idx="minor"/>
@@ -11545,13 +11575,13 @@
     <dgm:sp3d/>
     <dgm:txPr/>
     <dgm:style>
-      <a:lnRef idx="2">
+      <a:lnRef idx="3">
         <a:scrgbClr r="0" g="0" b="0"/>
       </a:lnRef>
       <a:fillRef idx="1">
         <a:scrgbClr r="0" g="0" b="0"/>
       </a:fillRef>
-      <a:effectRef idx="0">
+      <a:effectRef idx="1">
         <a:scrgbClr r="0" g="0" b="0"/>
       </a:effectRef>
       <a:fontRef idx="minor"/>
@@ -11565,13 +11595,13 @@
     <dgm:sp3d/>
     <dgm:txPr/>
     <dgm:style>
-      <a:lnRef idx="2">
+      <a:lnRef idx="3">
         <a:scrgbClr r="0" g="0" b="0"/>
       </a:lnRef>
       <a:fillRef idx="1">
         <a:scrgbClr r="0" g="0" b="0"/>
       </a:fillRef>
-      <a:effectRef idx="0">
+      <a:effectRef idx="1">
         <a:scrgbClr r="0" g="0" b="0"/>
       </a:effectRef>
       <a:fontRef idx="minor"/>
@@ -11591,7 +11621,7 @@
       <a:fillRef idx="1">
         <a:scrgbClr r="0" g="0" b="0"/>
       </a:fillRef>
-      <a:effectRef idx="0">
+      <a:effectRef idx="1">
         <a:scrgbClr r="0" g="0" b="0"/>
       </a:effectRef>
       <a:fontRef idx="minor">
@@ -11613,7 +11643,7 @@
       <a:fillRef idx="1">
         <a:scrgbClr r="0" g="0" b="0"/>
       </a:fillRef>
-      <a:effectRef idx="0">
+      <a:effectRef idx="1">
         <a:scrgbClr r="0" g="0" b="0"/>
       </a:effectRef>
       <a:fontRef idx="minor">
@@ -11635,7 +11665,7 @@
       <a:fillRef idx="1">
         <a:scrgbClr r="0" g="0" b="0"/>
       </a:fillRef>
-      <a:effectRef idx="0">
+      <a:effectRef idx="1">
         <a:scrgbClr r="0" g="0" b="0"/>
       </a:effectRef>
       <a:fontRef idx="minor">
@@ -11677,7 +11707,7 @@
       <a:fillRef idx="1">
         <a:scrgbClr r="0" g="0" b="0"/>
       </a:fillRef>
-      <a:effectRef idx="0">
+      <a:effectRef idx="1">
         <a:scrgbClr r="0" g="0" b="0"/>
       </a:effectRef>
       <a:fontRef idx="minor"/>
@@ -11691,13 +11721,13 @@
     <dgm:sp3d/>
     <dgm:txPr/>
     <dgm:style>
-      <a:lnRef idx="2">
+      <a:lnRef idx="3">
         <a:scrgbClr r="0" g="0" b="0"/>
       </a:lnRef>
       <a:fillRef idx="1">
         <a:scrgbClr r="0" g="0" b="0"/>
       </a:fillRef>
-      <a:effectRef idx="0">
+      <a:effectRef idx="1">
         <a:scrgbClr r="0" g="0" b="0"/>
       </a:effectRef>
       <a:fontRef idx="minor">
@@ -11713,13 +11743,13 @@
     <dgm:sp3d/>
     <dgm:txPr/>
     <dgm:style>
-      <a:lnRef idx="2">
+      <a:lnRef idx="3">
         <a:scrgbClr r="0" g="0" b="0"/>
       </a:lnRef>
       <a:fillRef idx="1">
         <a:scrgbClr r="0" g="0" b="0"/>
       </a:fillRef>
-      <a:effectRef idx="0">
+      <a:effectRef idx="1">
         <a:scrgbClr r="0" g="0" b="0"/>
       </a:effectRef>
       <a:fontRef idx="minor">
@@ -11735,13 +11765,13 @@
     <dgm:sp3d/>
     <dgm:txPr/>
     <dgm:style>
-      <a:lnRef idx="2">
+      <a:lnRef idx="3">
         <a:scrgbClr r="0" g="0" b="0"/>
       </a:lnRef>
       <a:fillRef idx="1">
         <a:scrgbClr r="0" g="0" b="0"/>
       </a:fillRef>
-      <a:effectRef idx="0">
+      <a:effectRef idx="1">
         <a:scrgbClr r="0" g="0" b="0"/>
       </a:effectRef>
       <a:fontRef idx="minor">
@@ -11757,13 +11787,13 @@
     <dgm:sp3d/>
     <dgm:txPr/>
     <dgm:style>
-      <a:lnRef idx="2">
+      <a:lnRef idx="3">
         <a:scrgbClr r="0" g="0" b="0"/>
       </a:lnRef>
       <a:fillRef idx="1">
         <a:scrgbClr r="0" g="0" b="0"/>
       </a:fillRef>
-      <a:effectRef idx="0">
+      <a:effectRef idx="1">
         <a:scrgbClr r="0" g="0" b="0"/>
       </a:effectRef>
       <a:fontRef idx="minor">
@@ -11779,13 +11809,13 @@
     <dgm:sp3d/>
     <dgm:txPr/>
     <dgm:style>
-      <a:lnRef idx="2">
+      <a:lnRef idx="3">
         <a:scrgbClr r="0" g="0" b="0"/>
       </a:lnRef>
       <a:fillRef idx="1">
         <a:scrgbClr r="0" g="0" b="0"/>
       </a:fillRef>
-      <a:effectRef idx="0">
+      <a:effectRef idx="1">
         <a:scrgbClr r="0" g="0" b="0"/>
       </a:effectRef>
       <a:fontRef idx="minor">
@@ -11801,13 +11831,13 @@
     <dgm:sp3d/>
     <dgm:txPr/>
     <dgm:style>
-      <a:lnRef idx="2">
+      <a:lnRef idx="3">
         <a:scrgbClr r="0" g="0" b="0"/>
       </a:lnRef>
       <a:fillRef idx="1">
         <a:scrgbClr r="0" g="0" b="0"/>
       </a:fillRef>
-      <a:effectRef idx="0">
+      <a:effectRef idx="1">
         <a:scrgbClr r="0" g="0" b="0"/>
       </a:effectRef>
       <a:fontRef idx="minor">
@@ -11823,13 +11853,13 @@
     <dgm:sp3d/>
     <dgm:txPr/>
     <dgm:style>
-      <a:lnRef idx="2">
+      <a:lnRef idx="3">
         <a:scrgbClr r="0" g="0" b="0"/>
       </a:lnRef>
       <a:fillRef idx="1">
         <a:scrgbClr r="0" g="0" b="0"/>
       </a:fillRef>
-      <a:effectRef idx="0">
+      <a:effectRef idx="1">
         <a:scrgbClr r="0" g="0" b="0"/>
       </a:effectRef>
       <a:fontRef idx="minor">
@@ -11845,13 +11875,13 @@
     <dgm:sp3d/>
     <dgm:txPr/>
     <dgm:style>
-      <a:lnRef idx="2">
+      <a:lnRef idx="3">
         <a:scrgbClr r="0" g="0" b="0"/>
       </a:lnRef>
       <a:fillRef idx="1">
         <a:scrgbClr r="0" g="0" b="0"/>
       </a:fillRef>
-      <a:effectRef idx="0">
+      <a:effectRef idx="1">
         <a:scrgbClr r="0" g="0" b="0"/>
       </a:effectRef>
       <a:fontRef idx="minor">
@@ -11867,13 +11897,13 @@
     <dgm:sp3d/>
     <dgm:txPr/>
     <dgm:style>
-      <a:lnRef idx="2">
+      <a:lnRef idx="3">
         <a:scrgbClr r="0" g="0" b="0"/>
       </a:lnRef>
       <a:fillRef idx="1">
         <a:scrgbClr r="0" g="0" b="0"/>
       </a:fillRef>
-      <a:effectRef idx="0">
+      <a:effectRef idx="1">
         <a:scrgbClr r="0" g="0" b="0"/>
       </a:effectRef>
       <a:fontRef idx="minor">
@@ -12329,13 +12359,13 @@
     <dgm:sp3d/>
     <dgm:txPr/>
     <dgm:style>
-      <a:lnRef idx="2">
+      <a:lnRef idx="3">
         <a:scrgbClr r="0" g="0" b="0"/>
       </a:lnRef>
       <a:fillRef idx="1">
         <a:scrgbClr r="0" g="0" b="0"/>
       </a:fillRef>
-      <a:effectRef idx="0">
+      <a:effectRef idx="1">
         <a:scrgbClr r="0" g="0" b="0"/>
       </a:effectRef>
       <a:fontRef idx="minor"/>
@@ -19280,7 +19310,7 @@
             <a:fld id="{EA2B2ED8-C573-45EF-BF68-CEC19505703A}" type="datetime8">
               <a:rPr lang="en-US" smtClean="0"/>
               <a:pPr/>
-              <a:t>10/26/2021 3:19 PM</a:t>
+              <a:t>10/26/2021 3:36 PM</a:t>
             </a:fld>
             <a:endParaRPr lang="en-US" dirty="0"/>
           </a:p>
@@ -19527,7 +19557,7 @@
             <a:fld id="{EA2B2ED8-C573-45EF-BF68-CEC19505703A}" type="datetime8">
               <a:rPr lang="en-US" smtClean="0"/>
               <a:pPr/>
-              <a:t>10/26/2021 3:19 PM</a:t>
+              <a:t>10/26/2021 3:36 PM</a:t>
             </a:fld>
             <a:endParaRPr lang="en-US" dirty="0"/>
           </a:p>
@@ -20179,7 +20209,7 @@
             <a:fld id="{38EEC551-8CDA-4EB6-89BB-2A86C9F091C8}" type="datetime8">
               <a:rPr lang="en-US" smtClean="0"/>
               <a:pPr/>
-              <a:t>10/26/2021 3:19 PM</a:t>
+              <a:t>10/26/2021 3:36 PM</a:t>
             </a:fld>
             <a:endParaRPr lang="en-US" dirty="0"/>
           </a:p>
@@ -20438,7 +20468,7 @@
             <a:fld id="{EA2B2ED8-C573-45EF-BF68-CEC19505703A}" type="datetime8">
               <a:rPr lang="en-US" smtClean="0"/>
               <a:pPr/>
-              <a:t>10/26/2021 3:19 PM</a:t>
+              <a:t>10/26/2021 3:36 PM</a:t>
             </a:fld>
             <a:endParaRPr lang="en-US" dirty="0"/>
           </a:p>
@@ -20668,7 +20698,7 @@
           <a:p>
             <a:fld id="{386CE63F-9E7F-4C04-9D0D-FCA25A8E9E86}" type="datetime8">
               <a:rPr lang="en-US" smtClean="0"/>
-              <a:t>10/26/2021 3:19 PM</a:t>
+              <a:t>10/26/2021 3:36 PM</a:t>
             </a:fld>
             <a:endParaRPr lang="en-US" dirty="0"/>
           </a:p>
@@ -20757,7 +20787,7 @@
           <a:p>
             <a:r>
               <a:rPr lang="en-US" dirty="0"/>
-              <a:t>In this session we will discuss What Accelerated Database Recovery is and how to enable the feature in SQL Server 2019. Then we will look at the Current Database Recovery process and some of the issues that occur based on the existing recovery design. Next, we walk through the fore core components of ADR before walking through the new Accelerated Database Recovery Process. Finally, we will have a demonstration on all the awesomeness that is of ADR!</a:t>
+              <a:t>In this session we will discuss What Accelerated Database Recovery is and how to enable the feature in SQL Server 2019. Then we will look at the Current Database Recovery process and some of the issues that occur based on the existing recovery design. Next, we walk through the four core components of ADR before walking through the new Accelerated Database Recovery Process. Finally, we will have a demonstration on all the awesomeness that is of ADR!</a:t>
             </a:r>
           </a:p>
         </p:txBody>
@@ -20860,6 +20890,251 @@
           </a:bodyPr>
           <a:lstStyle/>
           <a:p>
+            <a:pPr algn="l"/>
+            <a:r>
+              <a:rPr lang="en-US" b="1" i="0" dirty="0">
+                <a:solidFill>
+                  <a:schemeClr val="tx1"/>
+                </a:solidFill>
+                <a:effectLst/>
+                <a:latin typeface="Segoe UI" panose="020B0502040204020203" pitchFamily="34" charset="0"/>
+              </a:rPr>
+              <a:t>Accelerated Database Recovery (ADR)</a:t>
+            </a:r>
+            <a:r>
+              <a:rPr lang="en-US" b="0" i="0" dirty="0">
+                <a:solidFill>
+                  <a:schemeClr val="tx1"/>
+                </a:solidFill>
+                <a:effectLst/>
+                <a:latin typeface="Segoe UI" panose="020B0502040204020203" pitchFamily="34" charset="0"/>
+              </a:rPr>
+              <a:t> is a SQL Server 2019 database engine feature that greatly improves database availability, especially in the presence of long running transactions, by redesigning the SQL Server database engine recovery process.</a:t>
+            </a:r>
+          </a:p>
+          <a:p>
+            <a:pPr algn="l"/>
+            <a:endParaRPr lang="en-US" b="0" i="0" dirty="0">
+              <a:solidFill>
+                <a:schemeClr val="tx1"/>
+              </a:solidFill>
+              <a:effectLst/>
+              <a:latin typeface="Segoe UI" panose="020B0502040204020203" pitchFamily="34" charset="0"/>
+            </a:endParaRPr>
+          </a:p>
+          <a:p>
+            <a:pPr algn="l"/>
+            <a:r>
+              <a:rPr lang="en-US" b="0" i="0" dirty="0">
+                <a:solidFill>
+                  <a:schemeClr val="tx1"/>
+                </a:solidFill>
+                <a:effectLst/>
+                <a:latin typeface="Segoe UI" panose="020B0502040204020203" pitchFamily="34" charset="0"/>
+              </a:rPr>
+              <a:t>While ADR is available for SQL Server 2019 on-premises, it is also available for Azure SQL Database, Azure SQL Managed Instance, databases in Azure Synapse Analytics, and SQL Server on Azure VMs starting with SQL Server 2019.</a:t>
+            </a:r>
+          </a:p>
+          <a:p>
+            <a:pPr algn="l"/>
+            <a:endParaRPr lang="en-US" b="0" i="0" dirty="0">
+              <a:solidFill>
+                <a:schemeClr val="tx1"/>
+              </a:solidFill>
+              <a:effectLst/>
+              <a:latin typeface="Segoe UI" panose="020B0502040204020203" pitchFamily="34" charset="0"/>
+            </a:endParaRPr>
+          </a:p>
+          <a:p>
+            <a:pPr algn="l"/>
+            <a:r>
+              <a:rPr lang="en-US" b="0" i="0" dirty="0">
+                <a:solidFill>
+                  <a:schemeClr val="tx1"/>
+                </a:solidFill>
+                <a:effectLst/>
+                <a:latin typeface="Segoe UI" panose="020B0502040204020203" pitchFamily="34" charset="0"/>
+              </a:rPr>
+              <a:t>The primary benefits of ADR are:</a:t>
+            </a:r>
+          </a:p>
+          <a:p>
+            <a:pPr algn="l"/>
+            <a:endParaRPr lang="en-US" b="0" i="0" dirty="0">
+              <a:solidFill>
+                <a:schemeClr val="tx1"/>
+              </a:solidFill>
+              <a:effectLst/>
+              <a:latin typeface="Segoe UI" panose="020B0502040204020203" pitchFamily="34" charset="0"/>
+            </a:endParaRPr>
+          </a:p>
+          <a:p>
+            <a:pPr algn="l"/>
+            <a:r>
+              <a:rPr lang="en-US" b="1" i="0" dirty="0">
+                <a:solidFill>
+                  <a:schemeClr val="tx1"/>
+                </a:solidFill>
+                <a:effectLst/>
+                <a:latin typeface="Segoe UI" panose="020B0502040204020203" pitchFamily="34" charset="0"/>
+              </a:rPr>
+              <a:t>Available in Standard Edition</a:t>
+            </a:r>
+          </a:p>
+          <a:p>
+            <a:pPr algn="l"/>
+            <a:endParaRPr lang="en-US" b="0" i="0" dirty="0">
+              <a:solidFill>
+                <a:schemeClr val="tx1"/>
+              </a:solidFill>
+              <a:effectLst/>
+              <a:latin typeface="Segoe UI" panose="020B0502040204020203" pitchFamily="34" charset="0"/>
+            </a:endParaRPr>
+          </a:p>
+          <a:p>
+            <a:pPr algn="l">
+              <a:buFont typeface="Arial" panose="020B0604020202020204" pitchFamily="34" charset="0"/>
+              <a:buNone/>
+            </a:pPr>
+            <a:r>
+              <a:rPr lang="en-US" b="1" i="0" dirty="0">
+                <a:solidFill>
+                  <a:schemeClr val="tx1"/>
+                </a:solidFill>
+                <a:effectLst/>
+                <a:latin typeface="Segoe UI" panose="020B0502040204020203" pitchFamily="34" charset="0"/>
+              </a:rPr>
+              <a:t>Fast and consistent database recovery</a:t>
+            </a:r>
+            <a:endParaRPr lang="en-US" b="0" i="0" dirty="0">
+              <a:solidFill>
+                <a:schemeClr val="tx1"/>
+              </a:solidFill>
+              <a:effectLst/>
+              <a:latin typeface="Segoe UI" panose="020B0502040204020203" pitchFamily="34" charset="0"/>
+            </a:endParaRPr>
+          </a:p>
+          <a:p>
+            <a:pPr algn="l">
+              <a:buFont typeface="Arial" panose="020B0604020202020204" pitchFamily="34" charset="0"/>
+              <a:buNone/>
+            </a:pPr>
+            <a:r>
+              <a:rPr lang="en-US" b="0" i="0" dirty="0">
+                <a:solidFill>
+                  <a:schemeClr val="tx1"/>
+                </a:solidFill>
+                <a:effectLst/>
+                <a:latin typeface="Segoe UI" panose="020B0502040204020203" pitchFamily="34" charset="0"/>
+              </a:rPr>
+              <a:t>Since, long running transactions do not impact the overall recovery time, ADR allows for fast and consistent database recovery regardless of the number of active transactions in the system or transaction size.</a:t>
+            </a:r>
+          </a:p>
+          <a:p>
+            <a:pPr algn="l">
+              <a:buFont typeface="Arial" panose="020B0604020202020204" pitchFamily="34" charset="0"/>
+              <a:buChar char="•"/>
+            </a:pPr>
+            <a:endParaRPr lang="en-US" b="0" i="0" dirty="0">
+              <a:solidFill>
+                <a:schemeClr val="tx1"/>
+              </a:solidFill>
+              <a:effectLst/>
+              <a:latin typeface="Segoe UI" panose="020B0502040204020203" pitchFamily="34" charset="0"/>
+            </a:endParaRPr>
+          </a:p>
+          <a:p>
+            <a:pPr algn="l">
+              <a:buFont typeface="Arial" panose="020B0604020202020204" pitchFamily="34" charset="0"/>
+              <a:buNone/>
+            </a:pPr>
+            <a:r>
+              <a:rPr lang="en-US" b="1" i="0" dirty="0">
+                <a:solidFill>
+                  <a:schemeClr val="tx1"/>
+                </a:solidFill>
+                <a:effectLst/>
+                <a:latin typeface="Segoe UI" panose="020B0502040204020203" pitchFamily="34" charset="0"/>
+              </a:rPr>
+              <a:t>Instantaneous transaction rollback</a:t>
+            </a:r>
+            <a:endParaRPr lang="en-US" b="0" i="0" dirty="0">
+              <a:solidFill>
+                <a:schemeClr val="tx1"/>
+              </a:solidFill>
+              <a:effectLst/>
+              <a:latin typeface="Segoe UI" panose="020B0502040204020203" pitchFamily="34" charset="0"/>
+            </a:endParaRPr>
+          </a:p>
+          <a:p>
+            <a:pPr algn="l">
+              <a:buFont typeface="Arial" panose="020B0604020202020204" pitchFamily="34" charset="0"/>
+              <a:buNone/>
+            </a:pPr>
+            <a:r>
+              <a:rPr lang="en-US" b="0" i="0" dirty="0">
+                <a:solidFill>
+                  <a:schemeClr val="tx1"/>
+                </a:solidFill>
+                <a:effectLst/>
+                <a:latin typeface="Segoe UI" panose="020B0502040204020203" pitchFamily="34" charset="0"/>
+              </a:rPr>
+              <a:t>Additionally with ADR, Transaction rollback is instantaneous, regardless of the length time that the transaction has been active or the number of updates that has performed.</a:t>
+            </a:r>
+          </a:p>
+          <a:p>
+            <a:pPr algn="l">
+              <a:buFont typeface="Arial" panose="020B0604020202020204" pitchFamily="34" charset="0"/>
+              <a:buChar char="•"/>
+            </a:pPr>
+            <a:endParaRPr lang="en-US" b="0" i="0" dirty="0">
+              <a:solidFill>
+                <a:schemeClr val="tx1"/>
+              </a:solidFill>
+              <a:effectLst/>
+              <a:latin typeface="Segoe UI" panose="020B0502040204020203" pitchFamily="34" charset="0"/>
+            </a:endParaRPr>
+          </a:p>
+          <a:p>
+            <a:pPr algn="l">
+              <a:buFont typeface="Arial" panose="020B0604020202020204" pitchFamily="34" charset="0"/>
+              <a:buNone/>
+            </a:pPr>
+            <a:r>
+              <a:rPr lang="en-US" b="1" i="0" dirty="0">
+                <a:solidFill>
+                  <a:schemeClr val="tx1"/>
+                </a:solidFill>
+                <a:effectLst/>
+                <a:latin typeface="Segoe UI" panose="020B0502040204020203" pitchFamily="34" charset="0"/>
+              </a:rPr>
+              <a:t>Aggressive log truncation</a:t>
+            </a:r>
+            <a:endParaRPr lang="en-US" b="0" i="0" dirty="0">
+              <a:solidFill>
+                <a:schemeClr val="tx1"/>
+              </a:solidFill>
+              <a:effectLst/>
+              <a:latin typeface="Segoe UI" panose="020B0502040204020203" pitchFamily="34" charset="0"/>
+            </a:endParaRPr>
+          </a:p>
+          <a:p>
+            <a:pPr algn="l">
+              <a:buFont typeface="Arial" panose="020B0604020202020204" pitchFamily="34" charset="0"/>
+              <a:buNone/>
+            </a:pPr>
+            <a:r>
+              <a:rPr lang="en-US" b="0" i="0" dirty="0">
+                <a:solidFill>
+                  <a:schemeClr val="tx1"/>
+                </a:solidFill>
+                <a:effectLst/>
+                <a:latin typeface="Segoe UI" panose="020B0502040204020203" pitchFamily="34" charset="0"/>
+              </a:rPr>
+              <a:t>Finally, the transaction log is aggressively truncated, even in the presence of active long-running transactions, which will assist in preventing the transaction log from growing out of control.</a:t>
+            </a:r>
+          </a:p>
+          <a:p>
             <a:endParaRPr lang="en-US" dirty="0"/>
           </a:p>
         </p:txBody>
@@ -20890,7 +21165,7 @@
             <a:fld id="{EA2B2ED8-C573-45EF-BF68-CEC19505703A}" type="datetime8">
               <a:rPr lang="en-US" smtClean="0"/>
               <a:pPr/>
-              <a:t>10/26/2021 3:19 PM</a:t>
+              <a:t>10/26/2021 3:36 PM</a:t>
             </a:fld>
             <a:endParaRPr lang="en-US" dirty="0"/>
           </a:p>
@@ -21144,7 +21419,7 @@
             <a:fld id="{38EEC551-8CDA-4EB6-89BB-2A86C9F091C8}" type="datetime8">
               <a:rPr lang="en-US" smtClean="0"/>
               <a:pPr/>
-              <a:t>10/26/2021 3:19 PM</a:t>
+              <a:t>10/26/2021 3:36 PM</a:t>
             </a:fld>
             <a:endParaRPr lang="en-US" dirty="0"/>
           </a:p>
@@ -21567,7 +21842,7 @@
             <a:fld id="{38EEC551-8CDA-4EB6-89BB-2A86C9F091C8}" type="datetime8">
               <a:rPr lang="en-US" smtClean="0"/>
               <a:pPr/>
-              <a:t>10/26/2021 3:19 PM</a:t>
+              <a:t>10/26/2021 3:36 PM</a:t>
             </a:fld>
             <a:endParaRPr lang="en-US" dirty="0"/>
           </a:p>
@@ -21815,7 +22090,7 @@
             <a:fld id="{38EEC551-8CDA-4EB6-89BB-2A86C9F091C8}" type="datetime8">
               <a:rPr lang="en-US" smtClean="0"/>
               <a:pPr/>
-              <a:t>10/26/2021 3:19 PM</a:t>
+              <a:t>10/26/2021 3:36 PM</a:t>
             </a:fld>
             <a:endParaRPr lang="en-US" dirty="0"/>
           </a:p>
@@ -22066,7 +22341,7 @@
             <a:fld id="{EA2B2ED8-C573-45EF-BF68-CEC19505703A}" type="datetime8">
               <a:rPr lang="en-US" smtClean="0"/>
               <a:pPr/>
-              <a:t>10/26/2021 3:19 PM</a:t>
+              <a:t>10/26/2021 3:36 PM</a:t>
             </a:fld>
             <a:endParaRPr lang="en-US" dirty="0"/>
           </a:p>
@@ -22356,7 +22631,7 @@
             <a:fld id="{EA2B2ED8-C573-45EF-BF68-CEC19505703A}" type="datetime8">
               <a:rPr lang="en-US" smtClean="0"/>
               <a:pPr/>
-              <a:t>10/26/2021 3:19 PM</a:t>
+              <a:t>10/26/2021 3:36 PM</a:t>
             </a:fld>
             <a:endParaRPr lang="en-US" dirty="0"/>
           </a:p>
@@ -33967,7 +34242,13 @@
             </a:extLst>
           </p:cNvPr>
           <p:cNvGraphicFramePr/>
-          <p:nvPr/>
+          <p:nvPr>
+            <p:extLst>
+              <p:ext uri="{D42A27DB-BD31-4B8C-83A1-F6EECF244321}">
+                <p14:modId xmlns:p14="http://schemas.microsoft.com/office/powerpoint/2010/main" val="1504244239"/>
+              </p:ext>
+            </p:extLst>
+          </p:nvPr>
         </p:nvGraphicFramePr>
         <p:xfrm>
           <a:off x="899288" y="1029960"/>
@@ -33989,13 +34270,13 @@
   <p:clrMapOvr>
     <a:masterClrMapping/>
   </p:clrMapOvr>
-  <mc:AlternateContent xmlns:mc="http://schemas.openxmlformats.org/markup-compatibility/2006">
-    <mc:Choice xmlns:p159="http://schemas.microsoft.com/office/powerpoint/2015/09/main" Requires="p159">
+  <mc:AlternateContent xmlns:mc="http://schemas.openxmlformats.org/markup-compatibility/2006" xmlns:p159="http://schemas.microsoft.com/office/powerpoint/2015/09/main">
+    <mc:Choice Requires="p159">
       <p:transition xmlns:p14="http://schemas.microsoft.com/office/powerpoint/2010/main" spd="slow" p14:dur="2000">
         <p159:morph option="byObject"/>
       </p:transition>
     </mc:Choice>
-    <mc:Fallback>
+    <mc:Fallback xmlns="">
       <p:transition spd="slow">
         <p:fade/>
       </p:transition>

--- a/Accelerated_Database_Recovery/JD_Accelerated_Database_Recovery.pptx
+++ b/Accelerated_Database_Recovery/JD_Accelerated_Database_Recovery.pptx
@@ -19310,7 +19310,7 @@
             <a:fld id="{EA2B2ED8-C573-45EF-BF68-CEC19505703A}" type="datetime8">
               <a:rPr lang="en-US" smtClean="0"/>
               <a:pPr/>
-              <a:t>10/26/2021 3:36 PM</a:t>
+              <a:t>10/26/2021 3:42 PM</a:t>
             </a:fld>
             <a:endParaRPr lang="en-US" dirty="0"/>
           </a:p>
@@ -19557,7 +19557,7 @@
             <a:fld id="{EA2B2ED8-C573-45EF-BF68-CEC19505703A}" type="datetime8">
               <a:rPr lang="en-US" smtClean="0"/>
               <a:pPr/>
-              <a:t>10/26/2021 3:36 PM</a:t>
+              <a:t>10/26/2021 3:42 PM</a:t>
             </a:fld>
             <a:endParaRPr lang="en-US" dirty="0"/>
           </a:p>
@@ -20209,7 +20209,7 @@
             <a:fld id="{38EEC551-8CDA-4EB6-89BB-2A86C9F091C8}" type="datetime8">
               <a:rPr lang="en-US" smtClean="0"/>
               <a:pPr/>
-              <a:t>10/26/2021 3:36 PM</a:t>
+              <a:t>10/26/2021 3:42 PM</a:t>
             </a:fld>
             <a:endParaRPr lang="en-US" dirty="0"/>
           </a:p>
@@ -20468,7 +20468,7 @@
             <a:fld id="{EA2B2ED8-C573-45EF-BF68-CEC19505703A}" type="datetime8">
               <a:rPr lang="en-US" smtClean="0"/>
               <a:pPr/>
-              <a:t>10/26/2021 3:36 PM</a:t>
+              <a:t>10/26/2021 3:42 PM</a:t>
             </a:fld>
             <a:endParaRPr lang="en-US" dirty="0"/>
           </a:p>
@@ -20698,7 +20698,7 @@
           <a:p>
             <a:fld id="{386CE63F-9E7F-4C04-9D0D-FCA25A8E9E86}" type="datetime8">
               <a:rPr lang="en-US" smtClean="0"/>
-              <a:t>10/26/2021 3:36 PM</a:t>
+              <a:t>10/26/2021 3:42 PM</a:t>
             </a:fld>
             <a:endParaRPr lang="en-US" dirty="0"/>
           </a:p>
@@ -21165,7 +21165,7 @@
             <a:fld id="{EA2B2ED8-C573-45EF-BF68-CEC19505703A}" type="datetime8">
               <a:rPr lang="en-US" smtClean="0"/>
               <a:pPr/>
-              <a:t>10/26/2021 3:36 PM</a:t>
+              <a:t>10/26/2021 3:42 PM</a:t>
             </a:fld>
             <a:endParaRPr lang="en-US" dirty="0"/>
           </a:p>
@@ -21419,7 +21419,7 @@
             <a:fld id="{38EEC551-8CDA-4EB6-89BB-2A86C9F091C8}" type="datetime8">
               <a:rPr lang="en-US" smtClean="0"/>
               <a:pPr/>
-              <a:t>10/26/2021 3:36 PM</a:t>
+              <a:t>10/26/2021 3:42 PM</a:t>
             </a:fld>
             <a:endParaRPr lang="en-US" dirty="0"/>
           </a:p>
@@ -21842,7 +21842,7 @@
             <a:fld id="{38EEC551-8CDA-4EB6-89BB-2A86C9F091C8}" type="datetime8">
               <a:rPr lang="en-US" smtClean="0"/>
               <a:pPr/>
-              <a:t>10/26/2021 3:36 PM</a:t>
+              <a:t>10/26/2021 3:42 PM</a:t>
             </a:fld>
             <a:endParaRPr lang="en-US" dirty="0"/>
           </a:p>
@@ -22090,7 +22090,7 @@
             <a:fld id="{38EEC551-8CDA-4EB6-89BB-2A86C9F091C8}" type="datetime8">
               <a:rPr lang="en-US" smtClean="0"/>
               <a:pPr/>
-              <a:t>10/26/2021 3:36 PM</a:t>
+              <a:t>10/26/2021 3:42 PM</a:t>
             </a:fld>
             <a:endParaRPr lang="en-US" dirty="0"/>
           </a:p>
@@ -22341,7 +22341,7 @@
             <a:fld id="{EA2B2ED8-C573-45EF-BF68-CEC19505703A}" type="datetime8">
               <a:rPr lang="en-US" smtClean="0"/>
               <a:pPr/>
-              <a:t>10/26/2021 3:36 PM</a:t>
+              <a:t>10/26/2021 3:42 PM</a:t>
             </a:fld>
             <a:endParaRPr lang="en-US" dirty="0"/>
           </a:p>
@@ -22631,7 +22631,7 @@
             <a:fld id="{EA2B2ED8-C573-45EF-BF68-CEC19505703A}" type="datetime8">
               <a:rPr lang="en-US" smtClean="0"/>
               <a:pPr/>
-              <a:t>10/26/2021 3:36 PM</a:t>
+              <a:t>10/26/2021 3:42 PM</a:t>
             </a:fld>
             <a:endParaRPr lang="en-US" dirty="0"/>
           </a:p>
@@ -32776,7 +32776,7 @@
                   <a:schemeClr val="accent5"/>
                 </a:solidFill>
               </a:rPr>
-              <a:t>Accelerated Dabase Recovery FAQ</a:t>
+              <a:t>Accelerated Database Recovery FAQ</a:t>
             </a:r>
           </a:p>
         </p:txBody>
